--- a/presentation/Presentation.pptx
+++ b/presentation/Presentation.pptx
@@ -4,8 +4,16 @@
   <p:sldMasterIdLst>
     <p:sldMasterId id="2147483648" r:id="rId1"/>
   </p:sldMasterIdLst>
+  <p:notesMasterIdLst>
+    <p:notesMasterId r:id="rId8"/>
+  </p:notesMasterIdLst>
   <p:sldIdLst>
     <p:sldId id="256" r:id="rId2"/>
+    <p:sldId id="258" r:id="rId3"/>
+    <p:sldId id="257" r:id="rId4"/>
+    <p:sldId id="261" r:id="rId5"/>
+    <p:sldId id="259" r:id="rId6"/>
+    <p:sldId id="260" r:id="rId7"/>
   </p:sldIdLst>
   <p:sldSz cx="12192000" cy="6858000"/>
   <p:notesSz cx="6858000" cy="9144000"/>
@@ -112,6 +120,5958 @@
 </p:presentation>
 </file>
 
+<file path=ppt/revisionInfo.xml><?xml version="1.0" encoding="utf-8"?>
+<p1510:revInfo xmlns:a="http://schemas.openxmlformats.org/drawingml/2006/main" xmlns:r="http://schemas.openxmlformats.org/officeDocument/2006/relationships" xmlns:p1510="http://schemas.microsoft.com/office/powerpoint/2015/10/main">
+  <p1510:revLst>
+    <p1510:client id="{A98B3434-E608-49D4-AC5A-21C6834BC278}" v="4" dt="2020-11-10T12:29:03.248"/>
+  </p1510:revLst>
+</p1510:revInfo>
+</file>
+
+<file path=ppt/diagrams/colors1.xml><?xml version="1.0" encoding="utf-8"?>
+<dgm:colorsDef xmlns:dgm="http://schemas.openxmlformats.org/drawingml/2006/diagram" xmlns:a="http://schemas.openxmlformats.org/drawingml/2006/main" uniqueId="urn:microsoft.com/office/officeart/2005/8/colors/colorful3">
+  <dgm:title val=""/>
+  <dgm:desc val=""/>
+  <dgm:catLst>
+    <dgm:cat type="colorful" pri="10300"/>
+  </dgm:catLst>
+  <dgm:styleLbl name="node0">
+    <dgm:fillClrLst meth="repeat">
+      <a:schemeClr val="accent2"/>
+    </dgm:fillClrLst>
+    <dgm:linClrLst meth="repeat">
+      <a:schemeClr val="lt1"/>
+    </dgm:linClrLst>
+    <dgm:effectClrLst/>
+    <dgm:txLinClrLst/>
+    <dgm:txFillClrLst/>
+    <dgm:txEffectClrLst/>
+  </dgm:styleLbl>
+  <dgm:styleLbl name="node1">
+    <dgm:fillClrLst>
+      <a:schemeClr val="accent3"/>
+      <a:schemeClr val="accent4"/>
+    </dgm:fillClrLst>
+    <dgm:linClrLst meth="repeat">
+      <a:schemeClr val="lt1"/>
+    </dgm:linClrLst>
+    <dgm:effectClrLst/>
+    <dgm:txLinClrLst/>
+    <dgm:txFillClrLst/>
+    <dgm:txEffectClrLst/>
+  </dgm:styleLbl>
+  <dgm:styleLbl name="alignNode1">
+    <dgm:fillClrLst>
+      <a:schemeClr val="accent3"/>
+      <a:schemeClr val="accent4"/>
+    </dgm:fillClrLst>
+    <dgm:linClrLst>
+      <a:schemeClr val="accent3"/>
+      <a:schemeClr val="accent4"/>
+    </dgm:linClrLst>
+    <dgm:effectClrLst/>
+    <dgm:txLinClrLst/>
+    <dgm:txFillClrLst/>
+    <dgm:txEffectClrLst/>
+  </dgm:styleLbl>
+  <dgm:styleLbl name="lnNode1">
+    <dgm:fillClrLst>
+      <a:schemeClr val="accent3"/>
+      <a:schemeClr val="accent4"/>
+    </dgm:fillClrLst>
+    <dgm:linClrLst meth="repeat">
+      <a:schemeClr val="lt1"/>
+    </dgm:linClrLst>
+    <dgm:effectClrLst/>
+    <dgm:txLinClrLst/>
+    <dgm:txFillClrLst/>
+    <dgm:txEffectClrLst/>
+  </dgm:styleLbl>
+  <dgm:styleLbl name="vennNode1">
+    <dgm:fillClrLst>
+      <a:schemeClr val="accent3">
+        <a:alpha val="50000"/>
+      </a:schemeClr>
+      <a:schemeClr val="accent4">
+        <a:alpha val="50000"/>
+      </a:schemeClr>
+    </dgm:fillClrLst>
+    <dgm:linClrLst meth="repeat">
+      <a:schemeClr val="lt1"/>
+    </dgm:linClrLst>
+    <dgm:effectClrLst/>
+    <dgm:txLinClrLst/>
+    <dgm:txFillClrLst/>
+    <dgm:txEffectClrLst/>
+  </dgm:styleLbl>
+  <dgm:styleLbl name="node2">
+    <dgm:fillClrLst>
+      <a:schemeClr val="accent4"/>
+    </dgm:fillClrLst>
+    <dgm:linClrLst meth="repeat">
+      <a:schemeClr val="lt1"/>
+    </dgm:linClrLst>
+    <dgm:effectClrLst/>
+    <dgm:txLinClrLst/>
+    <dgm:txFillClrLst/>
+    <dgm:txEffectClrLst/>
+  </dgm:styleLbl>
+  <dgm:styleLbl name="node3">
+    <dgm:fillClrLst>
+      <a:schemeClr val="accent5"/>
+    </dgm:fillClrLst>
+    <dgm:linClrLst meth="repeat">
+      <a:schemeClr val="lt1"/>
+    </dgm:linClrLst>
+    <dgm:effectClrLst/>
+    <dgm:txLinClrLst/>
+    <dgm:txFillClrLst/>
+    <dgm:txEffectClrLst/>
+  </dgm:styleLbl>
+  <dgm:styleLbl name="node4">
+    <dgm:fillClrLst>
+      <a:schemeClr val="accent6"/>
+    </dgm:fillClrLst>
+    <dgm:linClrLst meth="repeat">
+      <a:schemeClr val="lt1"/>
+    </dgm:linClrLst>
+    <dgm:effectClrLst/>
+    <dgm:txLinClrLst/>
+    <dgm:txFillClrLst/>
+    <dgm:txEffectClrLst/>
+  </dgm:styleLbl>
+  <dgm:styleLbl name="fgImgPlace1">
+    <dgm:fillClrLst>
+      <a:schemeClr val="accent3">
+        <a:tint val="50000"/>
+      </a:schemeClr>
+      <a:schemeClr val="accent4">
+        <a:tint val="50000"/>
+      </a:schemeClr>
+    </dgm:fillClrLst>
+    <dgm:linClrLst meth="repeat">
+      <a:schemeClr val="lt1"/>
+    </dgm:linClrLst>
+    <dgm:effectClrLst/>
+    <dgm:txLinClrLst/>
+    <dgm:txFillClrLst meth="repeat">
+      <a:schemeClr val="lt1"/>
+    </dgm:txFillClrLst>
+    <dgm:txEffectClrLst/>
+  </dgm:styleLbl>
+  <dgm:styleLbl name="alignImgPlace1">
+    <dgm:fillClrLst>
+      <a:schemeClr val="accent3">
+        <a:tint val="50000"/>
+      </a:schemeClr>
+      <a:schemeClr val="accent4">
+        <a:tint val="20000"/>
+      </a:schemeClr>
+    </dgm:fillClrLst>
+    <dgm:linClrLst meth="repeat">
+      <a:schemeClr val="lt1"/>
+    </dgm:linClrLst>
+    <dgm:effectClrLst/>
+    <dgm:txLinClrLst/>
+    <dgm:txFillClrLst meth="repeat">
+      <a:schemeClr val="lt1"/>
+    </dgm:txFillClrLst>
+    <dgm:txEffectClrLst/>
+  </dgm:styleLbl>
+  <dgm:styleLbl name="bgImgPlace1">
+    <dgm:fillClrLst>
+      <a:schemeClr val="accent3">
+        <a:tint val="50000"/>
+      </a:schemeClr>
+      <a:schemeClr val="accent4">
+        <a:tint val="20000"/>
+      </a:schemeClr>
+    </dgm:fillClrLst>
+    <dgm:linClrLst meth="repeat">
+      <a:schemeClr val="lt1"/>
+    </dgm:linClrLst>
+    <dgm:effectClrLst/>
+    <dgm:txLinClrLst/>
+    <dgm:txFillClrLst meth="repeat">
+      <a:schemeClr val="lt1"/>
+    </dgm:txFillClrLst>
+    <dgm:txEffectClrLst/>
+  </dgm:styleLbl>
+  <dgm:styleLbl name="sibTrans2D1">
+    <dgm:fillClrLst>
+      <a:schemeClr val="accent3"/>
+      <a:schemeClr val="accent4"/>
+    </dgm:fillClrLst>
+    <dgm:linClrLst meth="repeat">
+      <a:schemeClr val="lt1"/>
+    </dgm:linClrLst>
+    <dgm:effectClrLst/>
+    <dgm:txLinClrLst/>
+    <dgm:txFillClrLst/>
+    <dgm:txEffectClrLst/>
+  </dgm:styleLbl>
+  <dgm:styleLbl name="fgSibTrans2D1">
+    <dgm:fillClrLst>
+      <a:schemeClr val="accent3"/>
+      <a:schemeClr val="accent4"/>
+    </dgm:fillClrLst>
+    <dgm:linClrLst meth="repeat">
+      <a:schemeClr val="lt1"/>
+    </dgm:linClrLst>
+    <dgm:effectClrLst/>
+    <dgm:txLinClrLst/>
+    <dgm:txFillClrLst meth="repeat">
+      <a:schemeClr val="lt1"/>
+    </dgm:txFillClrLst>
+    <dgm:txEffectClrLst/>
+  </dgm:styleLbl>
+  <dgm:styleLbl name="bgSibTrans2D1">
+    <dgm:fillClrLst>
+      <a:schemeClr val="accent3"/>
+      <a:schemeClr val="accent4"/>
+    </dgm:fillClrLst>
+    <dgm:linClrLst meth="repeat">
+      <a:schemeClr val="lt1"/>
+    </dgm:linClrLst>
+    <dgm:effectClrLst/>
+    <dgm:txLinClrLst/>
+    <dgm:txFillClrLst meth="repeat">
+      <a:schemeClr val="lt1"/>
+    </dgm:txFillClrLst>
+    <dgm:txEffectClrLst/>
+  </dgm:styleLbl>
+  <dgm:styleLbl name="sibTrans1D1">
+    <dgm:fillClrLst/>
+    <dgm:linClrLst>
+      <a:schemeClr val="accent3"/>
+      <a:schemeClr val="accent4"/>
+    </dgm:linClrLst>
+    <dgm:effectClrLst/>
+    <dgm:txLinClrLst/>
+    <dgm:txFillClrLst meth="repeat">
+      <a:schemeClr val="tx1"/>
+    </dgm:txFillClrLst>
+    <dgm:txEffectClrLst/>
+  </dgm:styleLbl>
+  <dgm:styleLbl name="callout">
+    <dgm:fillClrLst meth="repeat">
+      <a:schemeClr val="accent3"/>
+    </dgm:fillClrLst>
+    <dgm:linClrLst meth="repeat">
+      <a:schemeClr val="accent3">
+        <a:tint val="50000"/>
+      </a:schemeClr>
+    </dgm:linClrLst>
+    <dgm:effectClrLst/>
+    <dgm:txLinClrLst/>
+    <dgm:txFillClrLst meth="repeat">
+      <a:schemeClr val="tx1"/>
+    </dgm:txFillClrLst>
+    <dgm:txEffectClrLst/>
+  </dgm:styleLbl>
+  <dgm:styleLbl name="asst0">
+    <dgm:fillClrLst meth="repeat">
+      <a:schemeClr val="accent3"/>
+    </dgm:fillClrLst>
+    <dgm:linClrLst meth="repeat">
+      <a:schemeClr val="lt1">
+        <a:shade val="80000"/>
+      </a:schemeClr>
+    </dgm:linClrLst>
+    <dgm:effectClrLst/>
+    <dgm:txLinClrLst/>
+    <dgm:txFillClrLst/>
+    <dgm:txEffectClrLst/>
+  </dgm:styleLbl>
+  <dgm:styleLbl name="asst1">
+    <dgm:fillClrLst meth="repeat">
+      <a:schemeClr val="accent4"/>
+    </dgm:fillClrLst>
+    <dgm:linClrLst meth="repeat">
+      <a:schemeClr val="lt1">
+        <a:shade val="80000"/>
+      </a:schemeClr>
+    </dgm:linClrLst>
+    <dgm:effectClrLst/>
+    <dgm:txLinClrLst/>
+    <dgm:txFillClrLst/>
+    <dgm:txEffectClrLst/>
+  </dgm:styleLbl>
+  <dgm:styleLbl name="asst2">
+    <dgm:fillClrLst>
+      <a:schemeClr val="accent5"/>
+    </dgm:fillClrLst>
+    <dgm:linClrLst meth="repeat">
+      <a:schemeClr val="lt1"/>
+    </dgm:linClrLst>
+    <dgm:effectClrLst/>
+    <dgm:txLinClrLst/>
+    <dgm:txFillClrLst/>
+    <dgm:txEffectClrLst/>
+  </dgm:styleLbl>
+  <dgm:styleLbl name="asst3">
+    <dgm:fillClrLst>
+      <a:schemeClr val="accent6"/>
+    </dgm:fillClrLst>
+    <dgm:linClrLst meth="repeat">
+      <a:schemeClr val="lt1"/>
+    </dgm:linClrLst>
+    <dgm:effectClrLst/>
+    <dgm:txLinClrLst/>
+    <dgm:txFillClrLst/>
+    <dgm:txEffectClrLst/>
+  </dgm:styleLbl>
+  <dgm:styleLbl name="asst4">
+    <dgm:fillClrLst>
+      <a:schemeClr val="accent1"/>
+    </dgm:fillClrLst>
+    <dgm:linClrLst meth="repeat">
+      <a:schemeClr val="lt1"/>
+    </dgm:linClrLst>
+    <dgm:effectClrLst/>
+    <dgm:txLinClrLst/>
+    <dgm:txFillClrLst/>
+    <dgm:txEffectClrLst/>
+  </dgm:styleLbl>
+  <dgm:styleLbl name="parChTrans2D1">
+    <dgm:fillClrLst meth="repeat">
+      <a:schemeClr val="accent2"/>
+    </dgm:fillClrLst>
+    <dgm:linClrLst meth="repeat">
+      <a:schemeClr val="lt1"/>
+    </dgm:linClrLst>
+    <dgm:effectClrLst/>
+    <dgm:txLinClrLst/>
+    <dgm:txFillClrLst meth="repeat">
+      <a:schemeClr val="lt1"/>
+    </dgm:txFillClrLst>
+    <dgm:txEffectClrLst/>
+  </dgm:styleLbl>
+  <dgm:styleLbl name="parChTrans2D2">
+    <dgm:fillClrLst meth="repeat">
+      <a:schemeClr val="accent3"/>
+    </dgm:fillClrLst>
+    <dgm:linClrLst meth="repeat">
+      <a:schemeClr val="lt1"/>
+    </dgm:linClrLst>
+    <dgm:effectClrLst/>
+    <dgm:txLinClrLst/>
+    <dgm:txFillClrLst/>
+    <dgm:txEffectClrLst/>
+  </dgm:styleLbl>
+  <dgm:styleLbl name="parChTrans2D3">
+    <dgm:fillClrLst meth="repeat">
+      <a:schemeClr val="accent4"/>
+    </dgm:fillClrLst>
+    <dgm:linClrLst meth="repeat">
+      <a:schemeClr val="lt1"/>
+    </dgm:linClrLst>
+    <dgm:effectClrLst/>
+    <dgm:txLinClrLst/>
+    <dgm:txFillClrLst/>
+    <dgm:txEffectClrLst/>
+  </dgm:styleLbl>
+  <dgm:styleLbl name="parChTrans2D4">
+    <dgm:fillClrLst meth="repeat">
+      <a:schemeClr val="accent5"/>
+    </dgm:fillClrLst>
+    <dgm:linClrLst meth="repeat">
+      <a:schemeClr val="lt1"/>
+    </dgm:linClrLst>
+    <dgm:effectClrLst/>
+    <dgm:txLinClrLst/>
+    <dgm:txFillClrLst meth="repeat">
+      <a:schemeClr val="lt1"/>
+    </dgm:txFillClrLst>
+    <dgm:txEffectClrLst/>
+  </dgm:styleLbl>
+  <dgm:styleLbl name="parChTrans1D1">
+    <dgm:fillClrLst meth="repeat">
+      <a:schemeClr val="accent3"/>
+    </dgm:fillClrLst>
+    <dgm:linClrLst meth="repeat">
+      <a:schemeClr val="accent3"/>
+    </dgm:linClrLst>
+    <dgm:effectClrLst/>
+    <dgm:txLinClrLst/>
+    <dgm:txFillClrLst meth="repeat">
+      <a:schemeClr val="tx1"/>
+    </dgm:txFillClrLst>
+    <dgm:txEffectClrLst/>
+  </dgm:styleLbl>
+  <dgm:styleLbl name="parChTrans1D2">
+    <dgm:fillClrLst meth="repeat">
+      <a:schemeClr val="accent2">
+        <a:tint val="90000"/>
+      </a:schemeClr>
+    </dgm:fillClrLst>
+    <dgm:linClrLst meth="repeat">
+      <a:schemeClr val="accent4"/>
+    </dgm:linClrLst>
+    <dgm:effectClrLst/>
+    <dgm:txLinClrLst/>
+    <dgm:txFillClrLst meth="repeat">
+      <a:schemeClr val="tx1"/>
+    </dgm:txFillClrLst>
+    <dgm:txEffectClrLst/>
+  </dgm:styleLbl>
+  <dgm:styleLbl name="parChTrans1D3">
+    <dgm:fillClrLst meth="repeat">
+      <a:schemeClr val="accent2">
+        <a:tint val="70000"/>
+      </a:schemeClr>
+    </dgm:fillClrLst>
+    <dgm:linClrLst meth="repeat">
+      <a:schemeClr val="accent5"/>
+    </dgm:linClrLst>
+    <dgm:effectClrLst/>
+    <dgm:txLinClrLst/>
+    <dgm:txFillClrLst meth="repeat">
+      <a:schemeClr val="tx1"/>
+    </dgm:txFillClrLst>
+    <dgm:txEffectClrLst/>
+  </dgm:styleLbl>
+  <dgm:styleLbl name="parChTrans1D4">
+    <dgm:fillClrLst meth="repeat">
+      <a:schemeClr val="accent6">
+        <a:tint val="50000"/>
+      </a:schemeClr>
+    </dgm:fillClrLst>
+    <dgm:linClrLst meth="repeat">
+      <a:schemeClr val="accent6"/>
+    </dgm:linClrLst>
+    <dgm:effectClrLst/>
+    <dgm:txLinClrLst/>
+    <dgm:txFillClrLst meth="repeat">
+      <a:schemeClr val="tx1"/>
+    </dgm:txFillClrLst>
+    <dgm:txEffectClrLst/>
+  </dgm:styleLbl>
+  <dgm:styleLbl name="fgAcc1">
+    <dgm:fillClrLst meth="repeat">
+      <a:schemeClr val="lt1">
+        <a:alpha val="90000"/>
+      </a:schemeClr>
+    </dgm:fillClrLst>
+    <dgm:linClrLst>
+      <a:schemeClr val="accent3"/>
+      <a:schemeClr val="accent4"/>
+    </dgm:linClrLst>
+    <dgm:effectClrLst/>
+    <dgm:txLinClrLst/>
+    <dgm:txFillClrLst meth="repeat">
+      <a:schemeClr val="dk1"/>
+    </dgm:txFillClrLst>
+    <dgm:txEffectClrLst/>
+  </dgm:styleLbl>
+  <dgm:styleLbl name="conFgAcc1">
+    <dgm:fillClrLst meth="repeat">
+      <a:schemeClr val="lt1">
+        <a:alpha val="90000"/>
+      </a:schemeClr>
+    </dgm:fillClrLst>
+    <dgm:linClrLst>
+      <a:schemeClr val="accent3"/>
+      <a:schemeClr val="accent4"/>
+    </dgm:linClrLst>
+    <dgm:effectClrLst/>
+    <dgm:txLinClrLst/>
+    <dgm:txFillClrLst meth="repeat">
+      <a:schemeClr val="dk1"/>
+    </dgm:txFillClrLst>
+    <dgm:txEffectClrLst/>
+  </dgm:styleLbl>
+  <dgm:styleLbl name="alignAcc1">
+    <dgm:fillClrLst meth="repeat">
+      <a:schemeClr val="lt1">
+        <a:alpha val="90000"/>
+      </a:schemeClr>
+    </dgm:fillClrLst>
+    <dgm:linClrLst>
+      <a:schemeClr val="accent3"/>
+      <a:schemeClr val="accent4"/>
+    </dgm:linClrLst>
+    <dgm:effectClrLst/>
+    <dgm:txLinClrLst/>
+    <dgm:txFillClrLst meth="repeat">
+      <a:schemeClr val="dk1"/>
+    </dgm:txFillClrLst>
+    <dgm:txEffectClrLst/>
+  </dgm:styleLbl>
+  <dgm:styleLbl name="trAlignAcc1">
+    <dgm:fillClrLst meth="repeat">
+      <a:schemeClr val="lt1">
+        <a:alpha val="40000"/>
+      </a:schemeClr>
+    </dgm:fillClrLst>
+    <dgm:linClrLst meth="repeat">
+      <a:schemeClr val="accent2"/>
+    </dgm:linClrLst>
+    <dgm:effectClrLst/>
+    <dgm:txLinClrLst/>
+    <dgm:txFillClrLst meth="repeat">
+      <a:schemeClr val="dk1"/>
+    </dgm:txFillClrLst>
+    <dgm:txEffectClrLst/>
+  </dgm:styleLbl>
+  <dgm:styleLbl name="bgAcc1">
+    <dgm:fillClrLst meth="repeat">
+      <a:schemeClr val="lt1">
+        <a:alpha val="90000"/>
+      </a:schemeClr>
+    </dgm:fillClrLst>
+    <dgm:linClrLst>
+      <a:schemeClr val="accent3"/>
+      <a:schemeClr val="accent4"/>
+    </dgm:linClrLst>
+    <dgm:effectClrLst/>
+    <dgm:txLinClrLst/>
+    <dgm:txFillClrLst meth="repeat">
+      <a:schemeClr val="dk1"/>
+    </dgm:txFillClrLst>
+    <dgm:txEffectClrLst/>
+  </dgm:styleLbl>
+  <dgm:styleLbl name="solidFgAcc1">
+    <dgm:fillClrLst meth="repeat">
+      <a:schemeClr val="lt1"/>
+    </dgm:fillClrLst>
+    <dgm:linClrLst>
+      <a:schemeClr val="accent3"/>
+      <a:schemeClr val="accent4"/>
+    </dgm:linClrLst>
+    <dgm:effectClrLst/>
+    <dgm:txLinClrLst/>
+    <dgm:txFillClrLst meth="repeat">
+      <a:schemeClr val="dk1"/>
+    </dgm:txFillClrLst>
+    <dgm:txEffectClrLst/>
+  </dgm:styleLbl>
+  <dgm:styleLbl name="solidAlignAcc1">
+    <dgm:fillClrLst meth="repeat">
+      <a:schemeClr val="lt1"/>
+    </dgm:fillClrLst>
+    <dgm:linClrLst>
+      <a:schemeClr val="accent3"/>
+      <a:schemeClr val="accent4"/>
+    </dgm:linClrLst>
+    <dgm:effectClrLst/>
+    <dgm:txLinClrLst/>
+    <dgm:txFillClrLst meth="repeat">
+      <a:schemeClr val="dk1"/>
+    </dgm:txFillClrLst>
+    <dgm:txEffectClrLst/>
+  </dgm:styleLbl>
+  <dgm:styleLbl name="solidBgAcc1">
+    <dgm:fillClrLst meth="repeat">
+      <a:schemeClr val="lt1"/>
+    </dgm:fillClrLst>
+    <dgm:linClrLst>
+      <a:schemeClr val="accent3"/>
+      <a:schemeClr val="accent4"/>
+    </dgm:linClrLst>
+    <dgm:effectClrLst/>
+    <dgm:txLinClrLst/>
+    <dgm:txFillClrLst meth="repeat">
+      <a:schemeClr val="dk1"/>
+    </dgm:txFillClrLst>
+    <dgm:txEffectClrLst/>
+  </dgm:styleLbl>
+  <dgm:styleLbl name="fgAccFollowNode1">
+    <dgm:fillClrLst>
+      <a:schemeClr val="accent3">
+        <a:tint val="40000"/>
+        <a:alpha val="90000"/>
+      </a:schemeClr>
+      <a:schemeClr val="accent4">
+        <a:tint val="40000"/>
+        <a:alpha val="90000"/>
+      </a:schemeClr>
+    </dgm:fillClrLst>
+    <dgm:linClrLst>
+      <a:schemeClr val="accent3">
+        <a:tint val="40000"/>
+        <a:alpha val="90000"/>
+      </a:schemeClr>
+      <a:schemeClr val="accent4">
+        <a:tint val="40000"/>
+        <a:alpha val="90000"/>
+      </a:schemeClr>
+    </dgm:linClrLst>
+    <dgm:effectClrLst/>
+    <dgm:txLinClrLst/>
+    <dgm:txFillClrLst meth="repeat">
+      <a:schemeClr val="dk1"/>
+    </dgm:txFillClrLst>
+    <dgm:txEffectClrLst/>
+  </dgm:styleLbl>
+  <dgm:styleLbl name="alignAccFollowNode1">
+    <dgm:fillClrLst>
+      <a:schemeClr val="accent3">
+        <a:tint val="40000"/>
+        <a:alpha val="90000"/>
+      </a:schemeClr>
+      <a:schemeClr val="accent4">
+        <a:tint val="40000"/>
+        <a:alpha val="90000"/>
+      </a:schemeClr>
+    </dgm:fillClrLst>
+    <dgm:linClrLst>
+      <a:schemeClr val="accent3">
+        <a:tint val="40000"/>
+        <a:alpha val="90000"/>
+      </a:schemeClr>
+      <a:schemeClr val="accent4">
+        <a:tint val="40000"/>
+        <a:alpha val="90000"/>
+      </a:schemeClr>
+    </dgm:linClrLst>
+    <dgm:effectClrLst/>
+    <dgm:txLinClrLst/>
+    <dgm:txFillClrLst meth="repeat">
+      <a:schemeClr val="dk1"/>
+    </dgm:txFillClrLst>
+    <dgm:txEffectClrLst/>
+  </dgm:styleLbl>
+  <dgm:styleLbl name="bgAccFollowNode1">
+    <dgm:fillClrLst>
+      <a:schemeClr val="accent3">
+        <a:tint val="40000"/>
+        <a:alpha val="90000"/>
+      </a:schemeClr>
+      <a:schemeClr val="accent4">
+        <a:tint val="40000"/>
+        <a:alpha val="90000"/>
+      </a:schemeClr>
+    </dgm:fillClrLst>
+    <dgm:linClrLst>
+      <a:schemeClr val="accent3">
+        <a:tint val="40000"/>
+        <a:alpha val="90000"/>
+      </a:schemeClr>
+      <a:schemeClr val="accent4">
+        <a:tint val="40000"/>
+        <a:alpha val="90000"/>
+      </a:schemeClr>
+    </dgm:linClrLst>
+    <dgm:effectClrLst/>
+    <dgm:txLinClrLst/>
+    <dgm:txFillClrLst meth="repeat">
+      <a:schemeClr val="dk1"/>
+    </dgm:txFillClrLst>
+    <dgm:txEffectClrLst/>
+  </dgm:styleLbl>
+  <dgm:styleLbl name="fgAcc0">
+    <dgm:fillClrLst meth="repeat">
+      <a:schemeClr val="lt1">
+        <a:alpha val="90000"/>
+      </a:schemeClr>
+    </dgm:fillClrLst>
+    <dgm:linClrLst>
+      <a:schemeClr val="accent2"/>
+    </dgm:linClrLst>
+    <dgm:effectClrLst/>
+    <dgm:txLinClrLst/>
+    <dgm:txFillClrLst meth="repeat">
+      <a:schemeClr val="dk1"/>
+    </dgm:txFillClrLst>
+    <dgm:txEffectClrLst/>
+  </dgm:styleLbl>
+  <dgm:styleLbl name="fgAcc2">
+    <dgm:fillClrLst meth="repeat">
+      <a:schemeClr val="lt1">
+        <a:alpha val="90000"/>
+      </a:schemeClr>
+    </dgm:fillClrLst>
+    <dgm:linClrLst>
+      <a:schemeClr val="accent4"/>
+    </dgm:linClrLst>
+    <dgm:effectClrLst/>
+    <dgm:txLinClrLst/>
+    <dgm:txFillClrLst meth="repeat">
+      <a:schemeClr val="dk1"/>
+    </dgm:txFillClrLst>
+    <dgm:txEffectClrLst/>
+  </dgm:styleLbl>
+  <dgm:styleLbl name="fgAcc3">
+    <dgm:fillClrLst meth="repeat">
+      <a:schemeClr val="lt1">
+        <a:alpha val="90000"/>
+      </a:schemeClr>
+    </dgm:fillClrLst>
+    <dgm:linClrLst>
+      <a:schemeClr val="accent5"/>
+    </dgm:linClrLst>
+    <dgm:effectClrLst/>
+    <dgm:txLinClrLst/>
+    <dgm:txFillClrLst meth="repeat">
+      <a:schemeClr val="dk1"/>
+    </dgm:txFillClrLst>
+    <dgm:txEffectClrLst/>
+  </dgm:styleLbl>
+  <dgm:styleLbl name="fgAcc4">
+    <dgm:fillClrLst meth="repeat">
+      <a:schemeClr val="lt1">
+        <a:alpha val="90000"/>
+      </a:schemeClr>
+    </dgm:fillClrLst>
+    <dgm:linClrLst>
+      <a:schemeClr val="accent6"/>
+    </dgm:linClrLst>
+    <dgm:effectClrLst/>
+    <dgm:txLinClrLst/>
+    <dgm:txFillClrLst meth="repeat">
+      <a:schemeClr val="dk1"/>
+    </dgm:txFillClrLst>
+    <dgm:txEffectClrLst/>
+  </dgm:styleLbl>
+  <dgm:styleLbl name="bgShp">
+    <dgm:fillClrLst meth="repeat">
+      <a:schemeClr val="accent3">
+        <a:tint val="40000"/>
+      </a:schemeClr>
+    </dgm:fillClrLst>
+    <dgm:linClrLst meth="repeat">
+      <a:schemeClr val="dk1"/>
+    </dgm:linClrLst>
+    <dgm:effectClrLst/>
+    <dgm:txLinClrLst/>
+    <dgm:txFillClrLst meth="repeat">
+      <a:schemeClr val="dk1"/>
+    </dgm:txFillClrLst>
+    <dgm:txEffectClrLst/>
+  </dgm:styleLbl>
+  <dgm:styleLbl name="dkBgShp">
+    <dgm:fillClrLst meth="repeat">
+      <a:schemeClr val="accent3">
+        <a:shade val="90000"/>
+      </a:schemeClr>
+    </dgm:fillClrLst>
+    <dgm:linClrLst meth="repeat">
+      <a:schemeClr val="dk1"/>
+    </dgm:linClrLst>
+    <dgm:effectClrLst/>
+    <dgm:txLinClrLst/>
+    <dgm:txFillClrLst meth="repeat">
+      <a:schemeClr val="lt1"/>
+    </dgm:txFillClrLst>
+    <dgm:txEffectClrLst/>
+  </dgm:styleLbl>
+  <dgm:styleLbl name="trBgShp">
+    <dgm:fillClrLst meth="repeat">
+      <a:schemeClr val="accent2">
+        <a:tint val="50000"/>
+        <a:alpha val="40000"/>
+      </a:schemeClr>
+    </dgm:fillClrLst>
+    <dgm:linClrLst meth="repeat">
+      <a:schemeClr val="accent3"/>
+    </dgm:linClrLst>
+    <dgm:effectClrLst/>
+    <dgm:txLinClrLst/>
+    <dgm:txFillClrLst meth="repeat">
+      <a:schemeClr val="lt1"/>
+    </dgm:txFillClrLst>
+    <dgm:txEffectClrLst/>
+  </dgm:styleLbl>
+  <dgm:styleLbl name="fgShp">
+    <dgm:fillClrLst meth="repeat">
+      <a:schemeClr val="accent3">
+        <a:tint val="40000"/>
+      </a:schemeClr>
+    </dgm:fillClrLst>
+    <dgm:linClrLst meth="repeat">
+      <a:schemeClr val="lt1"/>
+    </dgm:linClrLst>
+    <dgm:effectClrLst/>
+    <dgm:txLinClrLst/>
+    <dgm:txFillClrLst meth="repeat">
+      <a:schemeClr val="dk1"/>
+    </dgm:txFillClrLst>
+    <dgm:txEffectClrLst/>
+  </dgm:styleLbl>
+  <dgm:styleLbl name="revTx">
+    <dgm:fillClrLst meth="repeat">
+      <a:schemeClr val="lt1">
+        <a:alpha val="0"/>
+      </a:schemeClr>
+    </dgm:fillClrLst>
+    <dgm:linClrLst meth="repeat">
+      <a:schemeClr val="dk1">
+        <a:alpha val="0"/>
+      </a:schemeClr>
+    </dgm:linClrLst>
+    <dgm:effectClrLst/>
+    <dgm:txLinClrLst/>
+    <dgm:txFillClrLst meth="repeat">
+      <a:schemeClr val="tx1"/>
+    </dgm:txFillClrLst>
+    <dgm:txEffectClrLst/>
+  </dgm:styleLbl>
+</dgm:colorsDef>
+</file>
+
+<file path=ppt/diagrams/colors2.xml><?xml version="1.0" encoding="utf-8"?>
+<dgm:colorsDef xmlns:dgm="http://schemas.openxmlformats.org/drawingml/2006/diagram" xmlns:a="http://schemas.openxmlformats.org/drawingml/2006/main" uniqueId="urn:microsoft.com/office/officeart/2005/8/colors/accent0_2">
+  <dgm:title val=""/>
+  <dgm:desc val=""/>
+  <dgm:catLst>
+    <dgm:cat type="mainScheme" pri="10200"/>
+  </dgm:catLst>
+  <dgm:styleLbl name="node0">
+    <dgm:fillClrLst meth="repeat">
+      <a:schemeClr val="lt1"/>
+    </dgm:fillClrLst>
+    <dgm:linClrLst meth="repeat">
+      <a:schemeClr val="dk2">
+        <a:shade val="80000"/>
+      </a:schemeClr>
+    </dgm:linClrLst>
+    <dgm:effectClrLst/>
+    <dgm:txLinClrLst/>
+    <dgm:txFillClrLst meth="repeat">
+      <a:schemeClr val="dk2"/>
+    </dgm:txFillClrLst>
+    <dgm:txEffectClrLst/>
+  </dgm:styleLbl>
+  <dgm:styleLbl name="node1">
+    <dgm:fillClrLst meth="repeat">
+      <a:schemeClr val="lt1"/>
+    </dgm:fillClrLst>
+    <dgm:linClrLst meth="repeat">
+      <a:schemeClr val="dk2">
+        <a:shade val="80000"/>
+      </a:schemeClr>
+    </dgm:linClrLst>
+    <dgm:effectClrLst/>
+    <dgm:txLinClrLst/>
+    <dgm:txFillClrLst meth="repeat">
+      <a:schemeClr val="dk2"/>
+    </dgm:txFillClrLst>
+    <dgm:txEffectClrLst/>
+  </dgm:styleLbl>
+  <dgm:styleLbl name="alignNode1">
+    <dgm:fillClrLst meth="repeat">
+      <a:schemeClr val="lt1"/>
+    </dgm:fillClrLst>
+    <dgm:linClrLst meth="repeat">
+      <a:schemeClr val="dk2">
+        <a:shade val="80000"/>
+      </a:schemeClr>
+    </dgm:linClrLst>
+    <dgm:effectClrLst/>
+    <dgm:txLinClrLst/>
+    <dgm:txFillClrLst meth="repeat">
+      <a:schemeClr val="dk2"/>
+    </dgm:txFillClrLst>
+    <dgm:txEffectClrLst/>
+  </dgm:styleLbl>
+  <dgm:styleLbl name="lnNode1">
+    <dgm:fillClrLst meth="repeat">
+      <a:schemeClr val="lt1"/>
+    </dgm:fillClrLst>
+    <dgm:linClrLst meth="repeat">
+      <a:schemeClr val="dk2">
+        <a:shade val="80000"/>
+      </a:schemeClr>
+    </dgm:linClrLst>
+    <dgm:effectClrLst/>
+    <dgm:txLinClrLst/>
+    <dgm:txFillClrLst meth="repeat">
+      <a:schemeClr val="dk2"/>
+    </dgm:txFillClrLst>
+    <dgm:txEffectClrLst/>
+  </dgm:styleLbl>
+  <dgm:styleLbl name="vennNode1">
+    <dgm:fillClrLst meth="repeat">
+      <a:schemeClr val="lt1">
+        <a:alpha val="50000"/>
+      </a:schemeClr>
+    </dgm:fillClrLst>
+    <dgm:linClrLst meth="repeat">
+      <a:schemeClr val="dk2">
+        <a:shade val="80000"/>
+      </a:schemeClr>
+    </dgm:linClrLst>
+    <dgm:effectClrLst/>
+    <dgm:txLinClrLst/>
+    <dgm:txFillClrLst/>
+    <dgm:txEffectClrLst/>
+  </dgm:styleLbl>
+  <dgm:styleLbl name="node2">
+    <dgm:fillClrLst meth="repeat">
+      <a:schemeClr val="lt1"/>
+    </dgm:fillClrLst>
+    <dgm:linClrLst meth="repeat">
+      <a:schemeClr val="dk2">
+        <a:shade val="80000"/>
+      </a:schemeClr>
+    </dgm:linClrLst>
+    <dgm:effectClrLst/>
+    <dgm:txLinClrLst/>
+    <dgm:txFillClrLst meth="repeat">
+      <a:schemeClr val="dk2"/>
+    </dgm:txFillClrLst>
+    <dgm:txEffectClrLst/>
+  </dgm:styleLbl>
+  <dgm:styleLbl name="node3">
+    <dgm:fillClrLst meth="repeat">
+      <a:schemeClr val="lt1"/>
+    </dgm:fillClrLst>
+    <dgm:linClrLst meth="repeat">
+      <a:schemeClr val="dk2">
+        <a:shade val="80000"/>
+      </a:schemeClr>
+    </dgm:linClrLst>
+    <dgm:effectClrLst/>
+    <dgm:txLinClrLst/>
+    <dgm:txFillClrLst meth="repeat">
+      <a:schemeClr val="dk2"/>
+    </dgm:txFillClrLst>
+    <dgm:txEffectClrLst/>
+  </dgm:styleLbl>
+  <dgm:styleLbl name="node4">
+    <dgm:fillClrLst meth="repeat">
+      <a:schemeClr val="lt1"/>
+    </dgm:fillClrLst>
+    <dgm:linClrLst meth="repeat">
+      <a:schemeClr val="dk2">
+        <a:shade val="80000"/>
+      </a:schemeClr>
+    </dgm:linClrLst>
+    <dgm:effectClrLst/>
+    <dgm:txLinClrLst/>
+    <dgm:txFillClrLst meth="repeat">
+      <a:schemeClr val="dk2"/>
+    </dgm:txFillClrLst>
+    <dgm:txEffectClrLst/>
+  </dgm:styleLbl>
+  <dgm:styleLbl name="fgImgPlace1">
+    <dgm:fillClrLst meth="repeat">
+      <a:schemeClr val="dk2">
+        <a:tint val="40000"/>
+      </a:schemeClr>
+    </dgm:fillClrLst>
+    <dgm:linClrLst meth="repeat">
+      <a:schemeClr val="dk2">
+        <a:shade val="80000"/>
+      </a:schemeClr>
+    </dgm:linClrLst>
+    <dgm:effectClrLst/>
+    <dgm:txLinClrLst/>
+    <dgm:txFillClrLst meth="repeat">
+      <a:schemeClr val="lt1"/>
+    </dgm:txFillClrLst>
+    <dgm:txEffectClrLst/>
+  </dgm:styleLbl>
+  <dgm:styleLbl name="alignImgPlace1">
+    <dgm:fillClrLst meth="repeat">
+      <a:schemeClr val="dk2">
+        <a:tint val="40000"/>
+      </a:schemeClr>
+    </dgm:fillClrLst>
+    <dgm:linClrLst meth="repeat">
+      <a:schemeClr val="dk2">
+        <a:shade val="80000"/>
+      </a:schemeClr>
+    </dgm:linClrLst>
+    <dgm:effectClrLst/>
+    <dgm:txLinClrLst/>
+    <dgm:txFillClrLst meth="repeat">
+      <a:schemeClr val="lt1"/>
+    </dgm:txFillClrLst>
+    <dgm:txEffectClrLst/>
+  </dgm:styleLbl>
+  <dgm:styleLbl name="bgImgPlace1">
+    <dgm:fillClrLst meth="repeat">
+      <a:schemeClr val="dk2">
+        <a:tint val="40000"/>
+      </a:schemeClr>
+    </dgm:fillClrLst>
+    <dgm:linClrLst meth="repeat">
+      <a:schemeClr val="dk2">
+        <a:shade val="80000"/>
+      </a:schemeClr>
+    </dgm:linClrLst>
+    <dgm:effectClrLst/>
+    <dgm:txLinClrLst/>
+    <dgm:txFillClrLst meth="repeat">
+      <a:schemeClr val="lt1"/>
+    </dgm:txFillClrLst>
+    <dgm:txEffectClrLst/>
+  </dgm:styleLbl>
+  <dgm:styleLbl name="sibTrans2D1">
+    <dgm:fillClrLst meth="repeat">
+      <a:schemeClr val="dk2">
+        <a:tint val="60000"/>
+      </a:schemeClr>
+    </dgm:fillClrLst>
+    <dgm:linClrLst meth="repeat">
+      <a:schemeClr val="dk2">
+        <a:tint val="60000"/>
+      </a:schemeClr>
+    </dgm:linClrLst>
+    <dgm:effectClrLst/>
+    <dgm:txLinClrLst/>
+    <dgm:txFillClrLst meth="repeat">
+      <a:schemeClr val="dk2"/>
+    </dgm:txFillClrLst>
+    <dgm:txEffectClrLst/>
+  </dgm:styleLbl>
+  <dgm:styleLbl name="fgSibTrans2D1">
+    <dgm:fillClrLst meth="repeat">
+      <a:schemeClr val="dk2">
+        <a:tint val="60000"/>
+      </a:schemeClr>
+    </dgm:fillClrLst>
+    <dgm:linClrLst meth="repeat">
+      <a:schemeClr val="dk2">
+        <a:tint val="60000"/>
+      </a:schemeClr>
+    </dgm:linClrLst>
+    <dgm:effectClrLst/>
+    <dgm:txLinClrLst/>
+    <dgm:txFillClrLst meth="repeat">
+      <a:schemeClr val="dk2"/>
+    </dgm:txFillClrLst>
+    <dgm:txEffectClrLst/>
+  </dgm:styleLbl>
+  <dgm:styleLbl name="bgSibTrans2D1">
+    <dgm:fillClrLst meth="repeat">
+      <a:schemeClr val="dk2">
+        <a:tint val="60000"/>
+      </a:schemeClr>
+    </dgm:fillClrLst>
+    <dgm:linClrLst meth="repeat">
+      <a:schemeClr val="dk2">
+        <a:tint val="60000"/>
+      </a:schemeClr>
+    </dgm:linClrLst>
+    <dgm:effectClrLst/>
+    <dgm:txLinClrLst/>
+    <dgm:txFillClrLst meth="repeat">
+      <a:schemeClr val="dk2"/>
+    </dgm:txFillClrLst>
+    <dgm:txEffectClrLst/>
+  </dgm:styleLbl>
+  <dgm:styleLbl name="sibTrans1D1">
+    <dgm:fillClrLst meth="repeat">
+      <a:schemeClr val="dk2"/>
+    </dgm:fillClrLst>
+    <dgm:linClrLst meth="repeat">
+      <a:schemeClr val="dk2"/>
+    </dgm:linClrLst>
+    <dgm:effectClrLst/>
+    <dgm:txLinClrLst/>
+    <dgm:txFillClrLst meth="repeat">
+      <a:schemeClr val="tx1"/>
+    </dgm:txFillClrLst>
+    <dgm:txEffectClrLst/>
+  </dgm:styleLbl>
+  <dgm:styleLbl name="callout">
+    <dgm:fillClrLst meth="repeat">
+      <a:schemeClr val="dk2"/>
+    </dgm:fillClrLst>
+    <dgm:linClrLst meth="repeat">
+      <a:schemeClr val="dk2"/>
+    </dgm:linClrLst>
+    <dgm:effectClrLst/>
+    <dgm:txLinClrLst/>
+    <dgm:txFillClrLst meth="repeat">
+      <a:schemeClr val="tx1"/>
+    </dgm:txFillClrLst>
+    <dgm:txEffectClrLst/>
+  </dgm:styleLbl>
+  <dgm:styleLbl name="asst0">
+    <dgm:fillClrLst meth="repeat">
+      <a:schemeClr val="lt1"/>
+    </dgm:fillClrLst>
+    <dgm:linClrLst meth="repeat">
+      <a:schemeClr val="dk2">
+        <a:shade val="80000"/>
+      </a:schemeClr>
+    </dgm:linClrLst>
+    <dgm:effectClrLst/>
+    <dgm:txLinClrLst/>
+    <dgm:txFillClrLst meth="repeat">
+      <a:schemeClr val="dk2"/>
+    </dgm:txFillClrLst>
+    <dgm:txEffectClrLst/>
+  </dgm:styleLbl>
+  <dgm:styleLbl name="asst1">
+    <dgm:fillClrLst meth="repeat">
+      <a:schemeClr val="lt1"/>
+    </dgm:fillClrLst>
+    <dgm:linClrLst meth="repeat">
+      <a:schemeClr val="dk2">
+        <a:shade val="80000"/>
+      </a:schemeClr>
+    </dgm:linClrLst>
+    <dgm:effectClrLst/>
+    <dgm:txLinClrLst/>
+    <dgm:txFillClrLst meth="repeat">
+      <a:schemeClr val="dk2"/>
+    </dgm:txFillClrLst>
+    <dgm:txEffectClrLst/>
+  </dgm:styleLbl>
+  <dgm:styleLbl name="asst2">
+    <dgm:fillClrLst meth="repeat">
+      <a:schemeClr val="lt1"/>
+    </dgm:fillClrLst>
+    <dgm:linClrLst meth="repeat">
+      <a:schemeClr val="dk2">
+        <a:shade val="80000"/>
+      </a:schemeClr>
+    </dgm:linClrLst>
+    <dgm:effectClrLst/>
+    <dgm:txLinClrLst/>
+    <dgm:txFillClrLst meth="repeat">
+      <a:schemeClr val="dk2"/>
+    </dgm:txFillClrLst>
+    <dgm:txEffectClrLst/>
+  </dgm:styleLbl>
+  <dgm:styleLbl name="asst3">
+    <dgm:fillClrLst meth="repeat">
+      <a:schemeClr val="lt1"/>
+    </dgm:fillClrLst>
+    <dgm:linClrLst meth="repeat">
+      <a:schemeClr val="dk2">
+        <a:shade val="80000"/>
+      </a:schemeClr>
+    </dgm:linClrLst>
+    <dgm:effectClrLst/>
+    <dgm:txLinClrLst/>
+    <dgm:txFillClrLst meth="repeat">
+      <a:schemeClr val="dk2"/>
+    </dgm:txFillClrLst>
+    <dgm:txEffectClrLst/>
+  </dgm:styleLbl>
+  <dgm:styleLbl name="asst4">
+    <dgm:fillClrLst meth="repeat">
+      <a:schemeClr val="lt1"/>
+    </dgm:fillClrLst>
+    <dgm:linClrLst meth="repeat">
+      <a:schemeClr val="dk2">
+        <a:shade val="80000"/>
+      </a:schemeClr>
+    </dgm:linClrLst>
+    <dgm:effectClrLst/>
+    <dgm:txLinClrLst/>
+    <dgm:txFillClrLst meth="repeat">
+      <a:schemeClr val="dk2"/>
+    </dgm:txFillClrLst>
+    <dgm:txEffectClrLst/>
+  </dgm:styleLbl>
+  <dgm:styleLbl name="parChTrans2D1">
+    <dgm:fillClrLst meth="repeat">
+      <a:schemeClr val="dk2">
+        <a:tint val="60000"/>
+      </a:schemeClr>
+    </dgm:fillClrLst>
+    <dgm:linClrLst meth="repeat">
+      <a:schemeClr val="dk2">
+        <a:tint val="60000"/>
+      </a:schemeClr>
+    </dgm:linClrLst>
+    <dgm:effectClrLst/>
+    <dgm:txLinClrLst/>
+    <dgm:txFillClrLst/>
+    <dgm:txEffectClrLst/>
+  </dgm:styleLbl>
+  <dgm:styleLbl name="parChTrans2D2">
+    <dgm:fillClrLst meth="repeat">
+      <a:schemeClr val="dk2"/>
+    </dgm:fillClrLst>
+    <dgm:linClrLst meth="repeat">
+      <a:schemeClr val="dk2"/>
+    </dgm:linClrLst>
+    <dgm:effectClrLst/>
+    <dgm:txLinClrLst/>
+    <dgm:txFillClrLst/>
+    <dgm:txEffectClrLst/>
+  </dgm:styleLbl>
+  <dgm:styleLbl name="parChTrans2D3">
+    <dgm:fillClrLst meth="repeat">
+      <a:schemeClr val="dk2"/>
+    </dgm:fillClrLst>
+    <dgm:linClrLst meth="repeat">
+      <a:schemeClr val="dk2"/>
+    </dgm:linClrLst>
+    <dgm:effectClrLst/>
+    <dgm:txLinClrLst/>
+    <dgm:txFillClrLst/>
+    <dgm:txEffectClrLst/>
+  </dgm:styleLbl>
+  <dgm:styleLbl name="parChTrans2D4">
+    <dgm:fillClrLst meth="repeat">
+      <a:schemeClr val="dk2"/>
+    </dgm:fillClrLst>
+    <dgm:linClrLst meth="repeat">
+      <a:schemeClr val="dk2"/>
+    </dgm:linClrLst>
+    <dgm:effectClrLst/>
+    <dgm:txLinClrLst/>
+    <dgm:txFillClrLst meth="repeat">
+      <a:schemeClr val="lt1"/>
+    </dgm:txFillClrLst>
+    <dgm:txEffectClrLst/>
+  </dgm:styleLbl>
+  <dgm:styleLbl name="parChTrans1D1">
+    <dgm:fillClrLst meth="repeat">
+      <a:schemeClr val="dk2"/>
+    </dgm:fillClrLst>
+    <dgm:linClrLst meth="repeat">
+      <a:schemeClr val="dk2">
+        <a:shade val="60000"/>
+      </a:schemeClr>
+    </dgm:linClrLst>
+    <dgm:effectClrLst/>
+    <dgm:txLinClrLst/>
+    <dgm:txFillClrLst meth="repeat">
+      <a:schemeClr val="tx1"/>
+    </dgm:txFillClrLst>
+    <dgm:txEffectClrLst/>
+  </dgm:styleLbl>
+  <dgm:styleLbl name="parChTrans1D2">
+    <dgm:fillClrLst meth="repeat">
+      <a:schemeClr val="dk2"/>
+    </dgm:fillClrLst>
+    <dgm:linClrLst meth="repeat">
+      <a:schemeClr val="dk2">
+        <a:shade val="60000"/>
+      </a:schemeClr>
+    </dgm:linClrLst>
+    <dgm:effectClrLst/>
+    <dgm:txLinClrLst/>
+    <dgm:txFillClrLst meth="repeat">
+      <a:schemeClr val="tx1"/>
+    </dgm:txFillClrLst>
+    <dgm:txEffectClrLst/>
+  </dgm:styleLbl>
+  <dgm:styleLbl name="parChTrans1D3">
+    <dgm:fillClrLst meth="repeat">
+      <a:schemeClr val="dk2"/>
+    </dgm:fillClrLst>
+    <dgm:linClrLst meth="repeat">
+      <a:schemeClr val="dk2">
+        <a:shade val="80000"/>
+      </a:schemeClr>
+    </dgm:linClrLst>
+    <dgm:effectClrLst/>
+    <dgm:txLinClrLst/>
+    <dgm:txFillClrLst meth="repeat">
+      <a:schemeClr val="tx1"/>
+    </dgm:txFillClrLst>
+    <dgm:txEffectClrLst/>
+  </dgm:styleLbl>
+  <dgm:styleLbl name="parChTrans1D4">
+    <dgm:fillClrLst meth="repeat">
+      <a:schemeClr val="dk2"/>
+    </dgm:fillClrLst>
+    <dgm:linClrLst meth="repeat">
+      <a:schemeClr val="dk2">
+        <a:shade val="80000"/>
+      </a:schemeClr>
+    </dgm:linClrLst>
+    <dgm:effectClrLst/>
+    <dgm:txLinClrLst/>
+    <dgm:txFillClrLst meth="repeat">
+      <a:schemeClr val="tx1"/>
+    </dgm:txFillClrLst>
+    <dgm:txEffectClrLst/>
+  </dgm:styleLbl>
+  <dgm:styleLbl name="fgAcc1">
+    <dgm:fillClrLst meth="repeat">
+      <a:schemeClr val="dk2">
+        <a:alpha val="90000"/>
+        <a:tint val="40000"/>
+      </a:schemeClr>
+    </dgm:fillClrLst>
+    <dgm:linClrLst meth="repeat">
+      <a:schemeClr val="dk2"/>
+    </dgm:linClrLst>
+    <dgm:effectClrLst/>
+    <dgm:txLinClrLst/>
+    <dgm:txFillClrLst meth="repeat">
+      <a:schemeClr val="dk2"/>
+    </dgm:txFillClrLst>
+    <dgm:txEffectClrLst/>
+  </dgm:styleLbl>
+  <dgm:styleLbl name="conFgAcc1">
+    <dgm:fillClrLst meth="repeat">
+      <a:schemeClr val="dk2">
+        <a:alpha val="90000"/>
+        <a:tint val="40000"/>
+      </a:schemeClr>
+    </dgm:fillClrLst>
+    <dgm:linClrLst meth="repeat">
+      <a:schemeClr val="dk2"/>
+    </dgm:linClrLst>
+    <dgm:effectClrLst/>
+    <dgm:txLinClrLst/>
+    <dgm:txFillClrLst meth="repeat">
+      <a:schemeClr val="dk2"/>
+    </dgm:txFillClrLst>
+    <dgm:txEffectClrLst/>
+  </dgm:styleLbl>
+  <dgm:styleLbl name="alignAcc1">
+    <dgm:fillClrLst meth="repeat">
+      <a:schemeClr val="dk2">
+        <a:alpha val="90000"/>
+        <a:tint val="40000"/>
+      </a:schemeClr>
+    </dgm:fillClrLst>
+    <dgm:linClrLst meth="repeat">
+      <a:schemeClr val="dk2"/>
+    </dgm:linClrLst>
+    <dgm:effectClrLst/>
+    <dgm:txLinClrLst/>
+    <dgm:txFillClrLst meth="repeat">
+      <a:schemeClr val="dk2"/>
+    </dgm:txFillClrLst>
+    <dgm:txEffectClrLst/>
+  </dgm:styleLbl>
+  <dgm:styleLbl name="trAlignAcc1">
+    <dgm:fillClrLst meth="repeat">
+      <a:schemeClr val="dk2">
+        <a:alpha val="40000"/>
+        <a:tint val="40000"/>
+      </a:schemeClr>
+    </dgm:fillClrLst>
+    <dgm:linClrLst meth="repeat">
+      <a:schemeClr val="dk2"/>
+    </dgm:linClrLst>
+    <dgm:effectClrLst/>
+    <dgm:txLinClrLst/>
+    <dgm:txFillClrLst meth="repeat">
+      <a:schemeClr val="dk2"/>
+    </dgm:txFillClrLst>
+    <dgm:txEffectClrLst/>
+  </dgm:styleLbl>
+  <dgm:styleLbl name="bgAcc1">
+    <dgm:fillClrLst meth="repeat">
+      <a:schemeClr val="dk2">
+        <a:alpha val="90000"/>
+        <a:tint val="40000"/>
+      </a:schemeClr>
+    </dgm:fillClrLst>
+    <dgm:linClrLst meth="repeat">
+      <a:schemeClr val="dk2"/>
+    </dgm:linClrLst>
+    <dgm:effectClrLst/>
+    <dgm:txLinClrLst/>
+    <dgm:txFillClrLst meth="repeat">
+      <a:schemeClr val="dk2"/>
+    </dgm:txFillClrLst>
+    <dgm:txEffectClrLst/>
+  </dgm:styleLbl>
+  <dgm:styleLbl name="solidFgAcc1">
+    <dgm:fillClrLst meth="repeat">
+      <a:schemeClr val="lt1"/>
+    </dgm:fillClrLst>
+    <dgm:linClrLst meth="repeat">
+      <a:schemeClr val="dk2"/>
+    </dgm:linClrLst>
+    <dgm:effectClrLst/>
+    <dgm:txLinClrLst/>
+    <dgm:txFillClrLst meth="repeat">
+      <a:schemeClr val="dk2"/>
+    </dgm:txFillClrLst>
+    <dgm:txEffectClrLst/>
+  </dgm:styleLbl>
+  <dgm:styleLbl name="solidAlignAcc1">
+    <dgm:fillClrLst meth="repeat">
+      <a:schemeClr val="lt1"/>
+    </dgm:fillClrLst>
+    <dgm:linClrLst meth="repeat">
+      <a:schemeClr val="dk2"/>
+    </dgm:linClrLst>
+    <dgm:effectClrLst/>
+    <dgm:txLinClrLst/>
+    <dgm:txFillClrLst meth="repeat">
+      <a:schemeClr val="dk2"/>
+    </dgm:txFillClrLst>
+    <dgm:txEffectClrLst/>
+  </dgm:styleLbl>
+  <dgm:styleLbl name="solidBgAcc1">
+    <dgm:fillClrLst meth="repeat">
+      <a:schemeClr val="lt1"/>
+    </dgm:fillClrLst>
+    <dgm:linClrLst meth="repeat">
+      <a:schemeClr val="dk2"/>
+    </dgm:linClrLst>
+    <dgm:effectClrLst/>
+    <dgm:txLinClrLst/>
+    <dgm:txFillClrLst meth="repeat">
+      <a:schemeClr val="dk2"/>
+    </dgm:txFillClrLst>
+    <dgm:txEffectClrLst/>
+  </dgm:styleLbl>
+  <dgm:styleLbl name="fgAccFollowNode1">
+    <dgm:fillClrLst meth="repeat">
+      <a:schemeClr val="lt1">
+        <a:alpha val="90000"/>
+        <a:tint val="40000"/>
+      </a:schemeClr>
+    </dgm:fillClrLst>
+    <dgm:linClrLst meth="repeat">
+      <a:schemeClr val="dk2">
+        <a:alpha val="90000"/>
+      </a:schemeClr>
+    </dgm:linClrLst>
+    <dgm:effectClrLst/>
+    <dgm:txLinClrLst/>
+    <dgm:txFillClrLst meth="repeat">
+      <a:schemeClr val="dk2"/>
+    </dgm:txFillClrLst>
+    <dgm:txEffectClrLst/>
+  </dgm:styleLbl>
+  <dgm:styleLbl name="alignAccFollowNode1">
+    <dgm:fillClrLst meth="repeat">
+      <a:schemeClr val="lt1">
+        <a:alpha val="90000"/>
+        <a:tint val="40000"/>
+      </a:schemeClr>
+    </dgm:fillClrLst>
+    <dgm:linClrLst meth="repeat">
+      <a:schemeClr val="dk2">
+        <a:alpha val="90000"/>
+      </a:schemeClr>
+    </dgm:linClrLst>
+    <dgm:effectClrLst/>
+    <dgm:txLinClrLst/>
+    <dgm:txFillClrLst meth="repeat">
+      <a:schemeClr val="dk2"/>
+    </dgm:txFillClrLst>
+    <dgm:txEffectClrLst/>
+  </dgm:styleLbl>
+  <dgm:styleLbl name="bgAccFollowNode1">
+    <dgm:fillClrLst meth="repeat">
+      <a:schemeClr val="lt1">
+        <a:alpha val="90000"/>
+        <a:tint val="40000"/>
+      </a:schemeClr>
+    </dgm:fillClrLst>
+    <dgm:linClrLst meth="repeat">
+      <a:schemeClr val="dk2">
+        <a:alpha val="90000"/>
+      </a:schemeClr>
+    </dgm:linClrLst>
+    <dgm:effectClrLst/>
+    <dgm:txLinClrLst/>
+    <dgm:txFillClrLst meth="repeat">
+      <a:schemeClr val="dk2"/>
+    </dgm:txFillClrLst>
+    <dgm:txEffectClrLst/>
+  </dgm:styleLbl>
+  <dgm:styleLbl name="fgAcc0">
+    <dgm:fillClrLst meth="repeat">
+      <a:schemeClr val="dk2">
+        <a:alpha val="90000"/>
+        <a:tint val="40000"/>
+      </a:schemeClr>
+    </dgm:fillClrLst>
+    <dgm:linClrLst meth="repeat">
+      <a:schemeClr val="dk2"/>
+    </dgm:linClrLst>
+    <dgm:effectClrLst/>
+    <dgm:txLinClrLst/>
+    <dgm:txFillClrLst meth="repeat">
+      <a:schemeClr val="dk2"/>
+    </dgm:txFillClrLst>
+    <dgm:txEffectClrLst/>
+  </dgm:styleLbl>
+  <dgm:styleLbl name="fgAcc2">
+    <dgm:fillClrLst meth="repeat">
+      <a:schemeClr val="dk2">
+        <a:alpha val="90000"/>
+        <a:tint val="40000"/>
+      </a:schemeClr>
+    </dgm:fillClrLst>
+    <dgm:linClrLst meth="repeat">
+      <a:schemeClr val="dk2"/>
+    </dgm:linClrLst>
+    <dgm:effectClrLst/>
+    <dgm:txLinClrLst/>
+    <dgm:txFillClrLst meth="repeat">
+      <a:schemeClr val="dk2"/>
+    </dgm:txFillClrLst>
+    <dgm:txEffectClrLst/>
+  </dgm:styleLbl>
+  <dgm:styleLbl name="fgAcc3">
+    <dgm:fillClrLst meth="repeat">
+      <a:schemeClr val="dk2">
+        <a:alpha val="90000"/>
+        <a:tint val="40000"/>
+      </a:schemeClr>
+    </dgm:fillClrLst>
+    <dgm:linClrLst meth="repeat">
+      <a:schemeClr val="dk2"/>
+    </dgm:linClrLst>
+    <dgm:effectClrLst/>
+    <dgm:txLinClrLst/>
+    <dgm:txFillClrLst meth="repeat">
+      <a:schemeClr val="dk2"/>
+    </dgm:txFillClrLst>
+    <dgm:txEffectClrLst/>
+  </dgm:styleLbl>
+  <dgm:styleLbl name="fgAcc4">
+    <dgm:fillClrLst meth="repeat">
+      <a:schemeClr val="dk2">
+        <a:alpha val="90000"/>
+        <a:tint val="40000"/>
+      </a:schemeClr>
+    </dgm:fillClrLst>
+    <dgm:linClrLst meth="repeat">
+      <a:schemeClr val="dk2"/>
+    </dgm:linClrLst>
+    <dgm:effectClrLst/>
+    <dgm:txLinClrLst/>
+    <dgm:txFillClrLst meth="repeat">
+      <a:schemeClr val="dk2"/>
+    </dgm:txFillClrLst>
+    <dgm:txEffectClrLst/>
+  </dgm:styleLbl>
+  <dgm:styleLbl name="bgShp">
+    <dgm:fillClrLst meth="repeat">
+      <a:schemeClr val="dk2">
+        <a:tint val="40000"/>
+      </a:schemeClr>
+    </dgm:fillClrLst>
+    <dgm:linClrLst meth="repeat">
+      <a:schemeClr val="dk2"/>
+    </dgm:linClrLst>
+    <dgm:effectClrLst/>
+    <dgm:txLinClrLst/>
+    <dgm:txFillClrLst meth="repeat">
+      <a:schemeClr val="dk1"/>
+    </dgm:txFillClrLst>
+    <dgm:txEffectClrLst/>
+  </dgm:styleLbl>
+  <dgm:styleLbl name="dkBgShp">
+    <dgm:fillClrLst meth="repeat">
+      <a:schemeClr val="dk2">
+        <a:shade val="80000"/>
+      </a:schemeClr>
+    </dgm:fillClrLst>
+    <dgm:linClrLst meth="repeat">
+      <a:schemeClr val="dk2"/>
+    </dgm:linClrLst>
+    <dgm:effectClrLst/>
+    <dgm:txLinClrLst/>
+    <dgm:txFillClrLst meth="repeat">
+      <a:schemeClr val="lt2"/>
+    </dgm:txFillClrLst>
+    <dgm:txEffectClrLst/>
+  </dgm:styleLbl>
+  <dgm:styleLbl name="trBgShp">
+    <dgm:fillClrLst meth="repeat">
+      <a:schemeClr val="dk2">
+        <a:tint val="50000"/>
+        <a:alpha val="40000"/>
+      </a:schemeClr>
+    </dgm:fillClrLst>
+    <dgm:linClrLst meth="repeat">
+      <a:schemeClr val="dk2"/>
+    </dgm:linClrLst>
+    <dgm:effectClrLst/>
+    <dgm:txLinClrLst/>
+    <dgm:txFillClrLst meth="repeat">
+      <a:schemeClr val="lt2"/>
+    </dgm:txFillClrLst>
+    <dgm:txEffectClrLst/>
+  </dgm:styleLbl>
+  <dgm:styleLbl name="fgShp">
+    <dgm:fillClrLst meth="repeat">
+      <a:schemeClr val="dk2">
+        <a:tint val="60000"/>
+      </a:schemeClr>
+    </dgm:fillClrLst>
+    <dgm:linClrLst meth="repeat">
+      <a:schemeClr val="lt1"/>
+    </dgm:linClrLst>
+    <dgm:effectClrLst/>
+    <dgm:txLinClrLst/>
+    <dgm:txFillClrLst meth="repeat">
+      <a:schemeClr val="dk2"/>
+    </dgm:txFillClrLst>
+    <dgm:txEffectClrLst/>
+  </dgm:styleLbl>
+  <dgm:styleLbl name="revTx">
+    <dgm:fillClrLst meth="repeat">
+      <a:schemeClr val="lt1">
+        <a:alpha val="0"/>
+      </a:schemeClr>
+    </dgm:fillClrLst>
+    <dgm:linClrLst meth="repeat">
+      <a:schemeClr val="dk2">
+        <a:alpha val="0"/>
+      </a:schemeClr>
+    </dgm:linClrLst>
+    <dgm:effectClrLst/>
+    <dgm:txLinClrLst/>
+    <dgm:txFillClrLst meth="repeat">
+      <a:schemeClr val="tx1"/>
+    </dgm:txFillClrLst>
+    <dgm:txEffectClrLst/>
+  </dgm:styleLbl>
+</dgm:colorsDef>
+</file>
+
+<file path=ppt/diagrams/data1.xml><?xml version="1.0" encoding="utf-8"?>
+<dgm:dataModel xmlns:dgm="http://schemas.openxmlformats.org/drawingml/2006/diagram" xmlns:a="http://schemas.openxmlformats.org/drawingml/2006/main">
+  <dgm:ptLst>
+    <dgm:pt modelId="{F07EC3D7-6139-4922-85D8-D4641450A268}" type="doc">
+      <dgm:prSet loTypeId="urn:microsoft.com/office/officeart/2005/8/layout/lProcess3" loCatId="process" qsTypeId="urn:microsoft.com/office/officeart/2005/8/quickstyle/simple1" qsCatId="simple" csTypeId="urn:microsoft.com/office/officeart/2005/8/colors/colorful3" csCatId="colorful" phldr="1"/>
+      <dgm:spPr/>
+      <dgm:t>
+        <a:bodyPr/>
+        <a:lstStyle/>
+        <a:p>
+          <a:endParaRPr lang="de-DE"/>
+        </a:p>
+      </dgm:t>
+    </dgm:pt>
+    <dgm:pt modelId="{A0C6DFD1-9D2D-40F3-BCAB-63605115F338}">
+      <dgm:prSet custT="1"/>
+      <dgm:spPr>
+        <a:solidFill>
+          <a:srgbClr val="3A4351"/>
+        </a:solidFill>
+      </dgm:spPr>
+      <dgm:t>
+        <a:bodyPr/>
+        <a:lstStyle/>
+        <a:p>
+          <a:r>
+            <a:rPr lang="de-DE" sz="2100" b="0" dirty="0"/>
+            <a:t>Encoder</a:t>
+          </a:r>
+        </a:p>
+      </dgm:t>
+    </dgm:pt>
+    <dgm:pt modelId="{D1C9C00B-A056-4526-9053-155CDB14DAF6}" type="parTrans" cxnId="{6C78FB1E-71F8-49BA-B4DB-10541FEF53D7}">
+      <dgm:prSet/>
+      <dgm:spPr/>
+      <dgm:t>
+        <a:bodyPr/>
+        <a:lstStyle/>
+        <a:p>
+          <a:endParaRPr lang="de-DE"/>
+        </a:p>
+      </dgm:t>
+    </dgm:pt>
+    <dgm:pt modelId="{FCF4C534-2580-4682-8F7C-482195163B60}" type="sibTrans" cxnId="{6C78FB1E-71F8-49BA-B4DB-10541FEF53D7}">
+      <dgm:prSet/>
+      <dgm:spPr/>
+      <dgm:t>
+        <a:bodyPr/>
+        <a:lstStyle/>
+        <a:p>
+          <a:endParaRPr lang="de-DE"/>
+        </a:p>
+      </dgm:t>
+    </dgm:pt>
+    <dgm:pt modelId="{D295B37B-C1BD-4036-A6C7-BE4A19FA01E6}">
+      <dgm:prSet custT="1"/>
+      <dgm:spPr>
+        <a:solidFill>
+          <a:schemeClr val="tx2">
+            <a:lumMod val="20000"/>
+            <a:lumOff val="80000"/>
+          </a:schemeClr>
+        </a:solidFill>
+        <a:ln>
+          <a:noFill/>
+        </a:ln>
+      </dgm:spPr>
+      <dgm:t>
+        <a:bodyPr/>
+        <a:lstStyle/>
+        <a:p>
+          <a:r>
+            <a:rPr lang="de-DE" sz="1600" dirty="0"/>
+            <a:t>Semantische Repräsentation</a:t>
+          </a:r>
+        </a:p>
+      </dgm:t>
+    </dgm:pt>
+    <dgm:pt modelId="{7446057A-E94D-4636-BBE9-566C9FFED495}" type="parTrans" cxnId="{8BCCF1B7-6FCF-44B3-A72D-4ECE0E6D273F}">
+      <dgm:prSet/>
+      <dgm:spPr/>
+      <dgm:t>
+        <a:bodyPr/>
+        <a:lstStyle/>
+        <a:p>
+          <a:endParaRPr lang="de-DE"/>
+        </a:p>
+      </dgm:t>
+    </dgm:pt>
+    <dgm:pt modelId="{84F476ED-7DE2-43A9-80C8-B9ED6A7E8633}" type="sibTrans" cxnId="{8BCCF1B7-6FCF-44B3-A72D-4ECE0E6D273F}">
+      <dgm:prSet/>
+      <dgm:spPr/>
+      <dgm:t>
+        <a:bodyPr/>
+        <a:lstStyle/>
+        <a:p>
+          <a:endParaRPr lang="de-DE"/>
+        </a:p>
+      </dgm:t>
+    </dgm:pt>
+    <dgm:pt modelId="{876F97EA-2D83-4888-9D64-75131F649166}">
+      <dgm:prSet custT="1"/>
+      <dgm:spPr>
+        <a:solidFill>
+          <a:srgbClr val="3A4351"/>
+        </a:solidFill>
+        <a:ln>
+          <a:noFill/>
+        </a:ln>
+      </dgm:spPr>
+      <dgm:t>
+        <a:bodyPr/>
+        <a:lstStyle/>
+        <a:p>
+          <a:r>
+            <a:rPr lang="de-DE" sz="2100" dirty="0">
+              <a:solidFill>
+                <a:schemeClr val="bg1"/>
+              </a:solidFill>
+            </a:rPr>
+            <a:t>Decoder</a:t>
+          </a:r>
+        </a:p>
+      </dgm:t>
+    </dgm:pt>
+    <dgm:pt modelId="{7B728996-3F39-45E1-A208-5E22DAAC2147}" type="parTrans" cxnId="{99CA99E6-418B-41EE-AA40-DDC88B393CB1}">
+      <dgm:prSet/>
+      <dgm:spPr/>
+      <dgm:t>
+        <a:bodyPr/>
+        <a:lstStyle/>
+        <a:p>
+          <a:endParaRPr lang="de-DE"/>
+        </a:p>
+      </dgm:t>
+    </dgm:pt>
+    <dgm:pt modelId="{1A91BBE2-F022-438C-95E8-3263A76AF774}" type="sibTrans" cxnId="{99CA99E6-418B-41EE-AA40-DDC88B393CB1}">
+      <dgm:prSet/>
+      <dgm:spPr/>
+      <dgm:t>
+        <a:bodyPr/>
+        <a:lstStyle/>
+        <a:p>
+          <a:endParaRPr lang="de-DE"/>
+        </a:p>
+      </dgm:t>
+    </dgm:pt>
+    <dgm:pt modelId="{19E0A346-EA8C-498E-958F-224B39B2B749}">
+      <dgm:prSet custT="1"/>
+      <dgm:spPr>
+        <a:solidFill>
+          <a:schemeClr val="tx2">
+            <a:lumMod val="20000"/>
+            <a:lumOff val="80000"/>
+            <a:alpha val="90000"/>
+          </a:schemeClr>
+        </a:solidFill>
+        <a:ln>
+          <a:noFill/>
+        </a:ln>
+      </dgm:spPr>
+      <dgm:t>
+        <a:bodyPr/>
+        <a:lstStyle/>
+        <a:p>
+          <a:r>
+            <a:rPr lang="de-DE" sz="1600" dirty="0"/>
+            <a:t>Übersetzung</a:t>
+          </a:r>
+        </a:p>
+      </dgm:t>
+    </dgm:pt>
+    <dgm:pt modelId="{07AA5024-B4C6-4D39-AC47-F4D52593D2EB}" type="parTrans" cxnId="{FC11FF2E-5EBD-4D92-AF41-1884F5BB320C}">
+      <dgm:prSet/>
+      <dgm:spPr/>
+      <dgm:t>
+        <a:bodyPr/>
+        <a:lstStyle/>
+        <a:p>
+          <a:endParaRPr lang="de-DE"/>
+        </a:p>
+      </dgm:t>
+    </dgm:pt>
+    <dgm:pt modelId="{16080C4E-71D2-4E2C-B37E-6FBB284E714F}" type="sibTrans" cxnId="{FC11FF2E-5EBD-4D92-AF41-1884F5BB320C}">
+      <dgm:prSet/>
+      <dgm:spPr/>
+      <dgm:t>
+        <a:bodyPr/>
+        <a:lstStyle/>
+        <a:p>
+          <a:endParaRPr lang="de-DE"/>
+        </a:p>
+      </dgm:t>
+    </dgm:pt>
+    <dgm:pt modelId="{BF5BA746-7BF2-4346-A99F-6EF637F9E01B}" type="pres">
+      <dgm:prSet presAssocID="{F07EC3D7-6139-4922-85D8-D4641450A268}" presName="Name0" presStyleCnt="0">
+        <dgm:presLayoutVars>
+          <dgm:chPref val="3"/>
+          <dgm:dir/>
+          <dgm:animLvl val="lvl"/>
+          <dgm:resizeHandles/>
+        </dgm:presLayoutVars>
+      </dgm:prSet>
+      <dgm:spPr/>
+    </dgm:pt>
+    <dgm:pt modelId="{E43B0F9A-6B5F-43EF-8F26-DD9504C9B13B}" type="pres">
+      <dgm:prSet presAssocID="{A0C6DFD1-9D2D-40F3-BCAB-63605115F338}" presName="horFlow" presStyleCnt="0"/>
+      <dgm:spPr/>
+    </dgm:pt>
+    <dgm:pt modelId="{732FC548-B9F3-44E2-B1C9-79A79B4E5E86}" type="pres">
+      <dgm:prSet presAssocID="{A0C6DFD1-9D2D-40F3-BCAB-63605115F338}" presName="bigChev" presStyleLbl="node1" presStyleIdx="0" presStyleCnt="1" custScaleX="92912"/>
+      <dgm:spPr/>
+    </dgm:pt>
+    <dgm:pt modelId="{969BC944-B291-4E40-987A-DB95CA7E4434}" type="pres">
+      <dgm:prSet presAssocID="{7446057A-E94D-4636-BBE9-566C9FFED495}" presName="parTrans" presStyleCnt="0"/>
+      <dgm:spPr/>
+    </dgm:pt>
+    <dgm:pt modelId="{842E64F2-0FAB-4609-BC18-68F99064C138}" type="pres">
+      <dgm:prSet presAssocID="{D295B37B-C1BD-4036-A6C7-BE4A19FA01E6}" presName="node" presStyleLbl="alignAccFollowNode1" presStyleIdx="0" presStyleCnt="3" custScaleX="123942">
+        <dgm:presLayoutVars>
+          <dgm:bulletEnabled val="1"/>
+        </dgm:presLayoutVars>
+      </dgm:prSet>
+      <dgm:spPr/>
+    </dgm:pt>
+    <dgm:pt modelId="{0229CEF9-76C4-4B1F-870B-83A6BEEA9FF3}" type="pres">
+      <dgm:prSet presAssocID="{84F476ED-7DE2-43A9-80C8-B9ED6A7E8633}" presName="sibTrans" presStyleCnt="0"/>
+      <dgm:spPr/>
+    </dgm:pt>
+    <dgm:pt modelId="{067624CF-8D53-4AAA-AC7B-32F439AD82D4}" type="pres">
+      <dgm:prSet presAssocID="{876F97EA-2D83-4888-9D64-75131F649166}" presName="node" presStyleLbl="alignAccFollowNode1" presStyleIdx="1" presStyleCnt="3" custScaleX="119068" custScaleY="121905" custLinFactNeighborX="-40189">
+        <dgm:presLayoutVars>
+          <dgm:bulletEnabled val="1"/>
+        </dgm:presLayoutVars>
+      </dgm:prSet>
+      <dgm:spPr/>
+    </dgm:pt>
+    <dgm:pt modelId="{D83F5710-4706-40DB-A72C-5AE7FE935054}" type="pres">
+      <dgm:prSet presAssocID="{1A91BBE2-F022-438C-95E8-3263A76AF774}" presName="sibTrans" presStyleCnt="0"/>
+      <dgm:spPr/>
+    </dgm:pt>
+    <dgm:pt modelId="{293F0B7B-5B84-471A-831C-7ADCDF3B57C5}" type="pres">
+      <dgm:prSet presAssocID="{19E0A346-EA8C-498E-958F-224B39B2B749}" presName="node" presStyleLbl="alignAccFollowNode1" presStyleIdx="2" presStyleCnt="3" custScaleX="109067" custLinFactNeighborX="-46887">
+        <dgm:presLayoutVars>
+          <dgm:bulletEnabled val="1"/>
+        </dgm:presLayoutVars>
+      </dgm:prSet>
+      <dgm:spPr/>
+    </dgm:pt>
+  </dgm:ptLst>
+  <dgm:cxnLst>
+    <dgm:cxn modelId="{0574EF07-A242-43A5-8B83-71A290BC8197}" type="presOf" srcId="{D295B37B-C1BD-4036-A6C7-BE4A19FA01E6}" destId="{842E64F2-0FAB-4609-BC18-68F99064C138}" srcOrd="0" destOrd="0" presId="urn:microsoft.com/office/officeart/2005/8/layout/lProcess3"/>
+    <dgm:cxn modelId="{6C78FB1E-71F8-49BA-B4DB-10541FEF53D7}" srcId="{F07EC3D7-6139-4922-85D8-D4641450A268}" destId="{A0C6DFD1-9D2D-40F3-BCAB-63605115F338}" srcOrd="0" destOrd="0" parTransId="{D1C9C00B-A056-4526-9053-155CDB14DAF6}" sibTransId="{FCF4C534-2580-4682-8F7C-482195163B60}"/>
+    <dgm:cxn modelId="{FC11FF2E-5EBD-4D92-AF41-1884F5BB320C}" srcId="{A0C6DFD1-9D2D-40F3-BCAB-63605115F338}" destId="{19E0A346-EA8C-498E-958F-224B39B2B749}" srcOrd="2" destOrd="0" parTransId="{07AA5024-B4C6-4D39-AC47-F4D52593D2EB}" sibTransId="{16080C4E-71D2-4E2C-B37E-6FBB284E714F}"/>
+    <dgm:cxn modelId="{81BA783A-7921-4B35-BDAA-0B89E712DB67}" type="presOf" srcId="{A0C6DFD1-9D2D-40F3-BCAB-63605115F338}" destId="{732FC548-B9F3-44E2-B1C9-79A79B4E5E86}" srcOrd="0" destOrd="0" presId="urn:microsoft.com/office/officeart/2005/8/layout/lProcess3"/>
+    <dgm:cxn modelId="{1A237141-6693-4EFE-9535-61A58FAF00BC}" type="presOf" srcId="{19E0A346-EA8C-498E-958F-224B39B2B749}" destId="{293F0B7B-5B84-471A-831C-7ADCDF3B57C5}" srcOrd="0" destOrd="0" presId="urn:microsoft.com/office/officeart/2005/8/layout/lProcess3"/>
+    <dgm:cxn modelId="{83832F44-8DF0-4282-980E-E44ED160D5E6}" type="presOf" srcId="{F07EC3D7-6139-4922-85D8-D4641450A268}" destId="{BF5BA746-7BF2-4346-A99F-6EF637F9E01B}" srcOrd="0" destOrd="0" presId="urn:microsoft.com/office/officeart/2005/8/layout/lProcess3"/>
+    <dgm:cxn modelId="{1FFC5C8F-8A2C-40D6-B5CA-C7A2E4FDEA2B}" type="presOf" srcId="{876F97EA-2D83-4888-9D64-75131F649166}" destId="{067624CF-8D53-4AAA-AC7B-32F439AD82D4}" srcOrd="0" destOrd="0" presId="urn:microsoft.com/office/officeart/2005/8/layout/lProcess3"/>
+    <dgm:cxn modelId="{8BCCF1B7-6FCF-44B3-A72D-4ECE0E6D273F}" srcId="{A0C6DFD1-9D2D-40F3-BCAB-63605115F338}" destId="{D295B37B-C1BD-4036-A6C7-BE4A19FA01E6}" srcOrd="0" destOrd="0" parTransId="{7446057A-E94D-4636-BBE9-566C9FFED495}" sibTransId="{84F476ED-7DE2-43A9-80C8-B9ED6A7E8633}"/>
+    <dgm:cxn modelId="{99CA99E6-418B-41EE-AA40-DDC88B393CB1}" srcId="{A0C6DFD1-9D2D-40F3-BCAB-63605115F338}" destId="{876F97EA-2D83-4888-9D64-75131F649166}" srcOrd="1" destOrd="0" parTransId="{7B728996-3F39-45E1-A208-5E22DAAC2147}" sibTransId="{1A91BBE2-F022-438C-95E8-3263A76AF774}"/>
+    <dgm:cxn modelId="{05554D85-64C0-4100-B5A0-8BD57C9F9E4D}" type="presParOf" srcId="{BF5BA746-7BF2-4346-A99F-6EF637F9E01B}" destId="{E43B0F9A-6B5F-43EF-8F26-DD9504C9B13B}" srcOrd="0" destOrd="0" presId="urn:microsoft.com/office/officeart/2005/8/layout/lProcess3"/>
+    <dgm:cxn modelId="{D733B7A5-DF45-4EAA-B3C6-B270AF1BA47E}" type="presParOf" srcId="{E43B0F9A-6B5F-43EF-8F26-DD9504C9B13B}" destId="{732FC548-B9F3-44E2-B1C9-79A79B4E5E86}" srcOrd="0" destOrd="0" presId="urn:microsoft.com/office/officeart/2005/8/layout/lProcess3"/>
+    <dgm:cxn modelId="{960D900E-AC9D-4D67-BB1E-7DA41DBA2B7C}" type="presParOf" srcId="{E43B0F9A-6B5F-43EF-8F26-DD9504C9B13B}" destId="{969BC944-B291-4E40-987A-DB95CA7E4434}" srcOrd="1" destOrd="0" presId="urn:microsoft.com/office/officeart/2005/8/layout/lProcess3"/>
+    <dgm:cxn modelId="{AD193CE3-9A30-4AB0-BE18-A1336BBBD3EE}" type="presParOf" srcId="{E43B0F9A-6B5F-43EF-8F26-DD9504C9B13B}" destId="{842E64F2-0FAB-4609-BC18-68F99064C138}" srcOrd="2" destOrd="0" presId="urn:microsoft.com/office/officeart/2005/8/layout/lProcess3"/>
+    <dgm:cxn modelId="{1C2E7930-CA2F-4A78-B987-32348036B729}" type="presParOf" srcId="{E43B0F9A-6B5F-43EF-8F26-DD9504C9B13B}" destId="{0229CEF9-76C4-4B1F-870B-83A6BEEA9FF3}" srcOrd="3" destOrd="0" presId="urn:microsoft.com/office/officeart/2005/8/layout/lProcess3"/>
+    <dgm:cxn modelId="{3C0AB1DD-4112-4AD8-9C32-3CA1A092A028}" type="presParOf" srcId="{E43B0F9A-6B5F-43EF-8F26-DD9504C9B13B}" destId="{067624CF-8D53-4AAA-AC7B-32F439AD82D4}" srcOrd="4" destOrd="0" presId="urn:microsoft.com/office/officeart/2005/8/layout/lProcess3"/>
+    <dgm:cxn modelId="{30F5B686-FBE2-4F91-AB26-B0C2FB0F0C8D}" type="presParOf" srcId="{E43B0F9A-6B5F-43EF-8F26-DD9504C9B13B}" destId="{D83F5710-4706-40DB-A72C-5AE7FE935054}" srcOrd="5" destOrd="0" presId="urn:microsoft.com/office/officeart/2005/8/layout/lProcess3"/>
+    <dgm:cxn modelId="{9CE29B03-FBD4-4EEF-83F9-82C42CDE8588}" type="presParOf" srcId="{E43B0F9A-6B5F-43EF-8F26-DD9504C9B13B}" destId="{293F0B7B-5B84-471A-831C-7ADCDF3B57C5}" srcOrd="6" destOrd="0" presId="urn:microsoft.com/office/officeart/2005/8/layout/lProcess3"/>
+  </dgm:cxnLst>
+  <dgm:bg/>
+  <dgm:whole/>
+  <dgm:extLst>
+    <a:ext uri="http://schemas.microsoft.com/office/drawing/2008/diagram">
+      <dsp:dataModelExt xmlns:dsp="http://schemas.microsoft.com/office/drawing/2008/diagram" relId="rId8" minVer="http://schemas.openxmlformats.org/drawingml/2006/diagram"/>
+    </a:ext>
+  </dgm:extLst>
+</dgm:dataModel>
+</file>
+
+<file path=ppt/diagrams/data2.xml><?xml version="1.0" encoding="utf-8"?>
+<dgm:dataModel xmlns:dgm="http://schemas.openxmlformats.org/drawingml/2006/diagram" xmlns:a="http://schemas.openxmlformats.org/drawingml/2006/main">
+  <dgm:ptLst>
+    <dgm:pt modelId="{078B02B6-3FB3-493A-A116-874244058BD4}" type="doc">
+      <dgm:prSet loTypeId="urn:microsoft.com/office/officeart/2005/8/layout/cycle2" loCatId="cycle" qsTypeId="urn:microsoft.com/office/officeart/2005/8/quickstyle/simple1" qsCatId="simple" csTypeId="urn:microsoft.com/office/officeart/2005/8/colors/accent0_2" csCatId="mainScheme" phldr="1"/>
+      <dgm:spPr/>
+      <dgm:t>
+        <a:bodyPr/>
+        <a:lstStyle/>
+        <a:p>
+          <a:endParaRPr lang="de-DE"/>
+        </a:p>
+      </dgm:t>
+    </dgm:pt>
+    <dgm:pt modelId="{D5CFB957-4D15-4BA1-A459-D9B67A155332}">
+      <dgm:prSet/>
+      <dgm:spPr/>
+      <dgm:t>
+        <a:bodyPr/>
+        <a:lstStyle/>
+        <a:p>
+          <a:r>
+            <a:rPr lang="de-DE" dirty="0"/>
+            <a:t>Hello +</a:t>
+          </a:r>
+          <a:br>
+            <a:rPr lang="de-DE" dirty="0"/>
+          </a:br>
+          <a:r>
+            <a:rPr lang="de-DE" dirty="0"/>
+            <a:t>World</a:t>
+          </a:r>
+        </a:p>
+      </dgm:t>
+    </dgm:pt>
+    <dgm:pt modelId="{9253C02E-4277-40ED-8502-3A7DFCE5430D}" type="parTrans" cxnId="{8C436179-3D2D-40D4-A4D8-35F443155456}">
+      <dgm:prSet/>
+      <dgm:spPr/>
+      <dgm:t>
+        <a:bodyPr/>
+        <a:lstStyle/>
+        <a:p>
+          <a:endParaRPr lang="de-DE"/>
+        </a:p>
+      </dgm:t>
+    </dgm:pt>
+    <dgm:pt modelId="{7F55EF3F-3215-467A-A7B0-657441755E3F}" type="sibTrans" cxnId="{8C436179-3D2D-40D4-A4D8-35F443155456}">
+      <dgm:prSet/>
+      <dgm:spPr/>
+      <dgm:t>
+        <a:bodyPr/>
+        <a:lstStyle/>
+        <a:p>
+          <a:endParaRPr lang="de-DE"/>
+        </a:p>
+      </dgm:t>
+    </dgm:pt>
+    <dgm:pt modelId="{4A83DE0C-AC5A-4992-894D-0D7C204C7DA4}">
+      <dgm:prSet/>
+      <dgm:spPr/>
+      <dgm:t>
+        <a:bodyPr/>
+        <a:lstStyle/>
+        <a:p>
+          <a:r>
+            <a:rPr lang="de-DE" dirty="0" err="1"/>
+            <a:t>hə‘ləʊ</a:t>
+          </a:r>
+          <a:r>
+            <a:rPr lang="de-DE" dirty="0"/>
+            <a:t> +</a:t>
+          </a:r>
+          <a:br>
+            <a:rPr lang="de-DE" dirty="0"/>
+          </a:br>
+          <a:r>
+            <a:rPr lang="de-DE" dirty="0"/>
+            <a:t>‚</a:t>
+          </a:r>
+          <a:r>
+            <a:rPr lang="de-DE" dirty="0" err="1"/>
+            <a:t>wAɜ:ld</a:t>
+          </a:r>
+          <a:endParaRPr lang="de-DE" dirty="0"/>
+        </a:p>
+      </dgm:t>
+    </dgm:pt>
+    <dgm:pt modelId="{FDB01653-F460-4474-8206-1F602D89CEB7}" type="sibTrans" cxnId="{AEFA7C7B-7C5E-4A5B-8109-C6A04B6DF45B}">
+      <dgm:prSet/>
+      <dgm:spPr/>
+      <dgm:t>
+        <a:bodyPr/>
+        <a:lstStyle/>
+        <a:p>
+          <a:endParaRPr lang="de-DE"/>
+        </a:p>
+      </dgm:t>
+    </dgm:pt>
+    <dgm:pt modelId="{C55E8598-52F7-47C7-9F77-8290D7F2D1C1}" type="parTrans" cxnId="{AEFA7C7B-7C5E-4A5B-8109-C6A04B6DF45B}">
+      <dgm:prSet/>
+      <dgm:spPr/>
+      <dgm:t>
+        <a:bodyPr/>
+        <a:lstStyle/>
+        <a:p>
+          <a:endParaRPr lang="de-DE"/>
+        </a:p>
+      </dgm:t>
+    </dgm:pt>
+    <dgm:pt modelId="{BAFB8BC3-61E2-430A-AB79-876B8980E69E}" type="pres">
+      <dgm:prSet presAssocID="{078B02B6-3FB3-493A-A116-874244058BD4}" presName="cycle" presStyleCnt="0">
+        <dgm:presLayoutVars>
+          <dgm:dir/>
+          <dgm:resizeHandles val="exact"/>
+        </dgm:presLayoutVars>
+      </dgm:prSet>
+      <dgm:spPr/>
+    </dgm:pt>
+    <dgm:pt modelId="{3EAF9010-1ECB-4C7D-BC2A-A2BA60B929F6}" type="pres">
+      <dgm:prSet presAssocID="{4A83DE0C-AC5A-4992-894D-0D7C204C7DA4}" presName="node" presStyleLbl="node1" presStyleIdx="0" presStyleCnt="2" custRadScaleRad="138867" custRadScaleInc="-28022">
+        <dgm:presLayoutVars>
+          <dgm:bulletEnabled val="1"/>
+        </dgm:presLayoutVars>
+      </dgm:prSet>
+      <dgm:spPr/>
+    </dgm:pt>
+    <dgm:pt modelId="{8C88AAFD-2E86-4A92-9FD9-13EC394C7DBD}" type="pres">
+      <dgm:prSet presAssocID="{FDB01653-F460-4474-8206-1F602D89CEB7}" presName="sibTrans" presStyleLbl="sibTrans2D1" presStyleIdx="0" presStyleCnt="2"/>
+      <dgm:spPr/>
+    </dgm:pt>
+    <dgm:pt modelId="{594D6DE5-B481-40D8-9DCF-994BCF83CE3C}" type="pres">
+      <dgm:prSet presAssocID="{FDB01653-F460-4474-8206-1F602D89CEB7}" presName="connectorText" presStyleLbl="sibTrans2D1" presStyleIdx="0" presStyleCnt="2"/>
+      <dgm:spPr/>
+    </dgm:pt>
+    <dgm:pt modelId="{30884585-463C-40C2-9854-71B4DA34954B}" type="pres">
+      <dgm:prSet presAssocID="{D5CFB957-4D15-4BA1-A459-D9B67A155332}" presName="node" presStyleLbl="node1" presStyleIdx="1" presStyleCnt="2">
+        <dgm:presLayoutVars>
+          <dgm:bulletEnabled val="1"/>
+        </dgm:presLayoutVars>
+      </dgm:prSet>
+      <dgm:spPr/>
+    </dgm:pt>
+    <dgm:pt modelId="{DF96941C-6F82-4AD6-A9D8-2629D7CECFB3}" type="pres">
+      <dgm:prSet presAssocID="{7F55EF3F-3215-467A-A7B0-657441755E3F}" presName="sibTrans" presStyleLbl="sibTrans2D1" presStyleIdx="1" presStyleCnt="2"/>
+      <dgm:spPr/>
+    </dgm:pt>
+    <dgm:pt modelId="{F66F188F-C6BE-4DC9-8266-6EC34D9807C7}" type="pres">
+      <dgm:prSet presAssocID="{7F55EF3F-3215-467A-A7B0-657441755E3F}" presName="connectorText" presStyleLbl="sibTrans2D1" presStyleIdx="1" presStyleCnt="2"/>
+      <dgm:spPr/>
+    </dgm:pt>
+  </dgm:ptLst>
+  <dgm:cxnLst>
+    <dgm:cxn modelId="{0055D51A-3CF3-458E-BB10-233C6F6192FD}" type="presOf" srcId="{7F55EF3F-3215-467A-A7B0-657441755E3F}" destId="{F66F188F-C6BE-4DC9-8266-6EC34D9807C7}" srcOrd="1" destOrd="0" presId="urn:microsoft.com/office/officeart/2005/8/layout/cycle2"/>
+    <dgm:cxn modelId="{57F1161E-D832-4F2A-A1BC-73850D36C953}" type="presOf" srcId="{D5CFB957-4D15-4BA1-A459-D9B67A155332}" destId="{30884585-463C-40C2-9854-71B4DA34954B}" srcOrd="0" destOrd="0" presId="urn:microsoft.com/office/officeart/2005/8/layout/cycle2"/>
+    <dgm:cxn modelId="{056A5621-E3E4-4819-AF53-7B7617CACE06}" type="presOf" srcId="{078B02B6-3FB3-493A-A116-874244058BD4}" destId="{BAFB8BC3-61E2-430A-AB79-876B8980E69E}" srcOrd="0" destOrd="0" presId="urn:microsoft.com/office/officeart/2005/8/layout/cycle2"/>
+    <dgm:cxn modelId="{56170E60-76E5-4889-8A0A-F996BFA9FECD}" type="presOf" srcId="{4A83DE0C-AC5A-4992-894D-0D7C204C7DA4}" destId="{3EAF9010-1ECB-4C7D-BC2A-A2BA60B929F6}" srcOrd="0" destOrd="0" presId="urn:microsoft.com/office/officeart/2005/8/layout/cycle2"/>
+    <dgm:cxn modelId="{C9622670-2787-487A-9CBD-6F9C8B91E55A}" type="presOf" srcId="{7F55EF3F-3215-467A-A7B0-657441755E3F}" destId="{DF96941C-6F82-4AD6-A9D8-2629D7CECFB3}" srcOrd="0" destOrd="0" presId="urn:microsoft.com/office/officeart/2005/8/layout/cycle2"/>
+    <dgm:cxn modelId="{2398E954-BC4F-421C-B3A5-E43EBC903FB0}" type="presOf" srcId="{FDB01653-F460-4474-8206-1F602D89CEB7}" destId="{8C88AAFD-2E86-4A92-9FD9-13EC394C7DBD}" srcOrd="0" destOrd="0" presId="urn:microsoft.com/office/officeart/2005/8/layout/cycle2"/>
+    <dgm:cxn modelId="{8C436179-3D2D-40D4-A4D8-35F443155456}" srcId="{078B02B6-3FB3-493A-A116-874244058BD4}" destId="{D5CFB957-4D15-4BA1-A459-D9B67A155332}" srcOrd="1" destOrd="0" parTransId="{9253C02E-4277-40ED-8502-3A7DFCE5430D}" sibTransId="{7F55EF3F-3215-467A-A7B0-657441755E3F}"/>
+    <dgm:cxn modelId="{AEFA7C7B-7C5E-4A5B-8109-C6A04B6DF45B}" srcId="{078B02B6-3FB3-493A-A116-874244058BD4}" destId="{4A83DE0C-AC5A-4992-894D-0D7C204C7DA4}" srcOrd="0" destOrd="0" parTransId="{C55E8598-52F7-47C7-9F77-8290D7F2D1C1}" sibTransId="{FDB01653-F460-4474-8206-1F602D89CEB7}"/>
+    <dgm:cxn modelId="{61BFC0B6-2337-4271-A9EB-06983D008606}" type="presOf" srcId="{FDB01653-F460-4474-8206-1F602D89CEB7}" destId="{594D6DE5-B481-40D8-9DCF-994BCF83CE3C}" srcOrd="1" destOrd="0" presId="urn:microsoft.com/office/officeart/2005/8/layout/cycle2"/>
+    <dgm:cxn modelId="{8ED1B135-BE94-4CC0-BD9A-AFB26C6D4D4E}" type="presParOf" srcId="{BAFB8BC3-61E2-430A-AB79-876B8980E69E}" destId="{3EAF9010-1ECB-4C7D-BC2A-A2BA60B929F6}" srcOrd="0" destOrd="0" presId="urn:microsoft.com/office/officeart/2005/8/layout/cycle2"/>
+    <dgm:cxn modelId="{C9710213-2849-46AE-8946-3FBB5A565392}" type="presParOf" srcId="{BAFB8BC3-61E2-430A-AB79-876B8980E69E}" destId="{8C88AAFD-2E86-4A92-9FD9-13EC394C7DBD}" srcOrd="1" destOrd="0" presId="urn:microsoft.com/office/officeart/2005/8/layout/cycle2"/>
+    <dgm:cxn modelId="{D6D42EC6-2BE4-45E3-AA01-0D37B9EDC283}" type="presParOf" srcId="{8C88AAFD-2E86-4A92-9FD9-13EC394C7DBD}" destId="{594D6DE5-B481-40D8-9DCF-994BCF83CE3C}" srcOrd="0" destOrd="0" presId="urn:microsoft.com/office/officeart/2005/8/layout/cycle2"/>
+    <dgm:cxn modelId="{C6C885BF-E270-421F-8332-E63C9233AAC7}" type="presParOf" srcId="{BAFB8BC3-61E2-430A-AB79-876B8980E69E}" destId="{30884585-463C-40C2-9854-71B4DA34954B}" srcOrd="2" destOrd="0" presId="urn:microsoft.com/office/officeart/2005/8/layout/cycle2"/>
+    <dgm:cxn modelId="{0A353734-6611-4ADD-9F65-9470F484ECBA}" type="presParOf" srcId="{BAFB8BC3-61E2-430A-AB79-876B8980E69E}" destId="{DF96941C-6F82-4AD6-A9D8-2629D7CECFB3}" srcOrd="3" destOrd="0" presId="urn:microsoft.com/office/officeart/2005/8/layout/cycle2"/>
+    <dgm:cxn modelId="{C63DCDC1-1288-4C93-BFC0-E66BF84C5526}" type="presParOf" srcId="{DF96941C-6F82-4AD6-A9D8-2629D7CECFB3}" destId="{F66F188F-C6BE-4DC9-8266-6EC34D9807C7}" srcOrd="0" destOrd="0" presId="urn:microsoft.com/office/officeart/2005/8/layout/cycle2"/>
+  </dgm:cxnLst>
+  <dgm:bg/>
+  <dgm:whole/>
+  <dgm:extLst>
+    <a:ext uri="http://schemas.microsoft.com/office/drawing/2008/diagram">
+      <dsp:dataModelExt xmlns:dsp="http://schemas.microsoft.com/office/drawing/2008/diagram" relId="rId7" minVer="http://schemas.openxmlformats.org/drawingml/2006/diagram"/>
+    </a:ext>
+  </dgm:extLst>
+</dgm:dataModel>
+</file>
+
+<file path=ppt/diagrams/drawing1.xml><?xml version="1.0" encoding="utf-8"?>
+<dsp:drawing xmlns:dgm="http://schemas.openxmlformats.org/drawingml/2006/diagram" xmlns:dsp="http://schemas.microsoft.com/office/drawing/2008/diagram" xmlns:a="http://schemas.openxmlformats.org/drawingml/2006/main">
+  <dsp:spTree>
+    <dsp:nvGrpSpPr>
+      <dsp:cNvPr id="0" name=""/>
+      <dsp:cNvGrpSpPr/>
+    </dsp:nvGrpSpPr>
+    <dsp:grpSpPr/>
+    <dsp:sp modelId="{732FC548-B9F3-44E2-B1C9-79A79B4E5E86}">
+      <dsp:nvSpPr>
+        <dsp:cNvPr id="0" name=""/>
+        <dsp:cNvSpPr/>
+      </dsp:nvSpPr>
+      <dsp:spPr>
+        <a:xfrm>
+          <a:off x="6341" y="265026"/>
+          <a:ext cx="1990148" cy="856788"/>
+        </a:xfrm>
+        <a:prstGeom prst="chevron">
+          <a:avLst/>
+        </a:prstGeom>
+        <a:solidFill>
+          <a:srgbClr val="3A4351"/>
+        </a:solidFill>
+        <a:ln w="12700" cap="flat" cmpd="sng" algn="ctr">
+          <a:solidFill>
+            <a:schemeClr val="lt1">
+              <a:hueOff val="0"/>
+              <a:satOff val="0"/>
+              <a:lumOff val="0"/>
+              <a:alphaOff val="0"/>
+            </a:schemeClr>
+          </a:solidFill>
+          <a:prstDash val="solid"/>
+          <a:miter lim="800000"/>
+        </a:ln>
+        <a:effectLst/>
+      </dsp:spPr>
+      <dsp:style>
+        <a:lnRef idx="2">
+          <a:scrgbClr r="0" g="0" b="0"/>
+        </a:lnRef>
+        <a:fillRef idx="1">
+          <a:scrgbClr r="0" g="0" b="0"/>
+        </a:fillRef>
+        <a:effectRef idx="0">
+          <a:scrgbClr r="0" g="0" b="0"/>
+        </a:effectRef>
+        <a:fontRef idx="minor">
+          <a:schemeClr val="lt1"/>
+        </a:fontRef>
+      </dsp:style>
+      <dsp:txBody>
+        <a:bodyPr spcFirstLastPara="0" vert="horz" wrap="square" lIns="26670" tIns="13335" rIns="0" bIns="13335" numCol="1" spcCol="1270" anchor="ctr" anchorCtr="0">
+          <a:noAutofit/>
+        </a:bodyPr>
+        <a:lstStyle/>
+        <a:p>
+          <a:pPr marL="0" lvl="0" indent="0" algn="ctr" defTabSz="933450">
+            <a:lnSpc>
+              <a:spcPct val="90000"/>
+            </a:lnSpc>
+            <a:spcBef>
+              <a:spcPct val="0"/>
+            </a:spcBef>
+            <a:spcAft>
+              <a:spcPct val="35000"/>
+            </a:spcAft>
+            <a:buNone/>
+          </a:pPr>
+          <a:r>
+            <a:rPr lang="de-DE" sz="2100" b="0" kern="1200" dirty="0"/>
+            <a:t>Encoder</a:t>
+          </a:r>
+        </a:p>
+      </dsp:txBody>
+      <dsp:txXfrm>
+        <a:off x="434735" y="265026"/>
+        <a:ext cx="1133360" cy="856788"/>
+      </dsp:txXfrm>
+    </dsp:sp>
+    <dsp:sp modelId="{842E64F2-0FAB-4609-BC18-68F99064C138}">
+      <dsp:nvSpPr>
+        <dsp:cNvPr id="0" name=""/>
+        <dsp:cNvSpPr/>
+      </dsp:nvSpPr>
+      <dsp:spPr>
+        <a:xfrm>
+          <a:off x="1718034" y="337853"/>
+          <a:ext cx="2203486" cy="711134"/>
+        </a:xfrm>
+        <a:prstGeom prst="chevron">
+          <a:avLst/>
+        </a:prstGeom>
+        <a:solidFill>
+          <a:schemeClr val="tx2">
+            <a:lumMod val="20000"/>
+            <a:lumOff val="80000"/>
+          </a:schemeClr>
+        </a:solidFill>
+        <a:ln w="12700" cap="flat" cmpd="sng" algn="ctr">
+          <a:noFill/>
+          <a:prstDash val="solid"/>
+          <a:miter lim="800000"/>
+        </a:ln>
+        <a:effectLst/>
+      </dsp:spPr>
+      <dsp:style>
+        <a:lnRef idx="2">
+          <a:scrgbClr r="0" g="0" b="0"/>
+        </a:lnRef>
+        <a:fillRef idx="1">
+          <a:scrgbClr r="0" g="0" b="0"/>
+        </a:fillRef>
+        <a:effectRef idx="0">
+          <a:scrgbClr r="0" g="0" b="0"/>
+        </a:effectRef>
+        <a:fontRef idx="minor"/>
+      </dsp:style>
+      <dsp:txBody>
+        <a:bodyPr spcFirstLastPara="0" vert="horz" wrap="square" lIns="20320" tIns="10160" rIns="0" bIns="10160" numCol="1" spcCol="1270" anchor="ctr" anchorCtr="0">
+          <a:noAutofit/>
+        </a:bodyPr>
+        <a:lstStyle/>
+        <a:p>
+          <a:pPr marL="0" lvl="0" indent="0" algn="ctr" defTabSz="711200">
+            <a:lnSpc>
+              <a:spcPct val="90000"/>
+            </a:lnSpc>
+            <a:spcBef>
+              <a:spcPct val="0"/>
+            </a:spcBef>
+            <a:spcAft>
+              <a:spcPct val="35000"/>
+            </a:spcAft>
+            <a:buNone/>
+          </a:pPr>
+          <a:r>
+            <a:rPr lang="de-DE" sz="1600" kern="1200" dirty="0"/>
+            <a:t>Semantische Repräsentation</a:t>
+          </a:r>
+        </a:p>
+      </dsp:txBody>
+      <dsp:txXfrm>
+        <a:off x="2073601" y="337853"/>
+        <a:ext cx="1492352" cy="711134"/>
+      </dsp:txXfrm>
+    </dsp:sp>
+    <dsp:sp modelId="{067624CF-8D53-4AAA-AC7B-32F439AD82D4}">
+      <dsp:nvSpPr>
+        <dsp:cNvPr id="0" name=""/>
+        <dsp:cNvSpPr/>
+      </dsp:nvSpPr>
+      <dsp:spPr>
+        <a:xfrm>
+          <a:off x="3572594" y="259966"/>
+          <a:ext cx="2116834" cy="866908"/>
+        </a:xfrm>
+        <a:prstGeom prst="chevron">
+          <a:avLst/>
+        </a:prstGeom>
+        <a:solidFill>
+          <a:srgbClr val="3A4351"/>
+        </a:solidFill>
+        <a:ln w="12700" cap="flat" cmpd="sng" algn="ctr">
+          <a:noFill/>
+          <a:prstDash val="solid"/>
+          <a:miter lim="800000"/>
+        </a:ln>
+        <a:effectLst/>
+      </dsp:spPr>
+      <dsp:style>
+        <a:lnRef idx="2">
+          <a:scrgbClr r="0" g="0" b="0"/>
+        </a:lnRef>
+        <a:fillRef idx="1">
+          <a:scrgbClr r="0" g="0" b="0"/>
+        </a:fillRef>
+        <a:effectRef idx="0">
+          <a:scrgbClr r="0" g="0" b="0"/>
+        </a:effectRef>
+        <a:fontRef idx="minor"/>
+      </dsp:style>
+      <dsp:txBody>
+        <a:bodyPr spcFirstLastPara="0" vert="horz" wrap="square" lIns="26670" tIns="13335" rIns="0" bIns="13335" numCol="1" spcCol="1270" anchor="ctr" anchorCtr="0">
+          <a:noAutofit/>
+        </a:bodyPr>
+        <a:lstStyle/>
+        <a:p>
+          <a:pPr marL="0" lvl="0" indent="0" algn="ctr" defTabSz="933450">
+            <a:lnSpc>
+              <a:spcPct val="90000"/>
+            </a:lnSpc>
+            <a:spcBef>
+              <a:spcPct val="0"/>
+            </a:spcBef>
+            <a:spcAft>
+              <a:spcPct val="35000"/>
+            </a:spcAft>
+            <a:buNone/>
+          </a:pPr>
+          <a:r>
+            <a:rPr lang="de-DE" sz="2100" kern="1200" dirty="0">
+              <a:solidFill>
+                <a:schemeClr val="bg1"/>
+              </a:solidFill>
+            </a:rPr>
+            <a:t>Decoder</a:t>
+          </a:r>
+        </a:p>
+      </dsp:txBody>
+      <dsp:txXfrm>
+        <a:off x="4006048" y="259966"/>
+        <a:ext cx="1249926" cy="866908"/>
+      </dsp:txXfrm>
+    </dsp:sp>
+    <dsp:sp modelId="{293F0B7B-5B84-471A-831C-7ADCDF3B57C5}">
+      <dsp:nvSpPr>
+        <dsp:cNvPr id="0" name=""/>
+        <dsp:cNvSpPr/>
+      </dsp:nvSpPr>
+      <dsp:spPr>
+        <a:xfrm>
+          <a:off x="5423860" y="337853"/>
+          <a:ext cx="1939033" cy="711134"/>
+        </a:xfrm>
+        <a:prstGeom prst="chevron">
+          <a:avLst/>
+        </a:prstGeom>
+        <a:solidFill>
+          <a:schemeClr val="tx2">
+            <a:lumMod val="20000"/>
+            <a:lumOff val="80000"/>
+            <a:alpha val="90000"/>
+          </a:schemeClr>
+        </a:solidFill>
+        <a:ln w="12700" cap="flat" cmpd="sng" algn="ctr">
+          <a:noFill/>
+          <a:prstDash val="solid"/>
+          <a:miter lim="800000"/>
+        </a:ln>
+        <a:effectLst/>
+      </dsp:spPr>
+      <dsp:style>
+        <a:lnRef idx="2">
+          <a:scrgbClr r="0" g="0" b="0"/>
+        </a:lnRef>
+        <a:fillRef idx="1">
+          <a:scrgbClr r="0" g="0" b="0"/>
+        </a:fillRef>
+        <a:effectRef idx="0">
+          <a:scrgbClr r="0" g="0" b="0"/>
+        </a:effectRef>
+        <a:fontRef idx="minor"/>
+      </dsp:style>
+      <dsp:txBody>
+        <a:bodyPr spcFirstLastPara="0" vert="horz" wrap="square" lIns="20320" tIns="10160" rIns="0" bIns="10160" numCol="1" spcCol="1270" anchor="ctr" anchorCtr="0">
+          <a:noAutofit/>
+        </a:bodyPr>
+        <a:lstStyle/>
+        <a:p>
+          <a:pPr marL="0" lvl="0" indent="0" algn="ctr" defTabSz="711200">
+            <a:lnSpc>
+              <a:spcPct val="90000"/>
+            </a:lnSpc>
+            <a:spcBef>
+              <a:spcPct val="0"/>
+            </a:spcBef>
+            <a:spcAft>
+              <a:spcPct val="35000"/>
+            </a:spcAft>
+            <a:buNone/>
+          </a:pPr>
+          <a:r>
+            <a:rPr lang="de-DE" sz="1600" kern="1200" dirty="0"/>
+            <a:t>Übersetzung</a:t>
+          </a:r>
+        </a:p>
+      </dsp:txBody>
+      <dsp:txXfrm>
+        <a:off x="5779427" y="337853"/>
+        <a:ext cx="1227899" cy="711134"/>
+      </dsp:txXfrm>
+    </dsp:sp>
+  </dsp:spTree>
+</dsp:drawing>
+</file>
+
+<file path=ppt/diagrams/drawing2.xml><?xml version="1.0" encoding="utf-8"?>
+<dsp:drawing xmlns:dgm="http://schemas.openxmlformats.org/drawingml/2006/diagram" xmlns:dsp="http://schemas.microsoft.com/office/drawing/2008/diagram" xmlns:a="http://schemas.openxmlformats.org/drawingml/2006/main">
+  <dsp:spTree>
+    <dsp:nvGrpSpPr>
+      <dsp:cNvPr id="0" name=""/>
+      <dsp:cNvGrpSpPr/>
+    </dsp:nvGrpSpPr>
+    <dsp:grpSpPr/>
+    <dsp:sp modelId="{3EAF9010-1ECB-4C7D-BC2A-A2BA60B929F6}">
+      <dsp:nvSpPr>
+        <dsp:cNvPr id="0" name=""/>
+        <dsp:cNvSpPr/>
+      </dsp:nvSpPr>
+      <dsp:spPr>
+        <a:xfrm>
+          <a:off x="0" y="481"/>
+          <a:ext cx="1453092" cy="1453092"/>
+        </a:xfrm>
+        <a:prstGeom prst="ellipse">
+          <a:avLst/>
+        </a:prstGeom>
+        <a:solidFill>
+          <a:schemeClr val="lt1">
+            <a:hueOff val="0"/>
+            <a:satOff val="0"/>
+            <a:lumOff val="0"/>
+            <a:alphaOff val="0"/>
+          </a:schemeClr>
+        </a:solidFill>
+        <a:ln w="12700" cap="flat" cmpd="sng" algn="ctr">
+          <a:solidFill>
+            <a:schemeClr val="dk2">
+              <a:shade val="80000"/>
+              <a:hueOff val="0"/>
+              <a:satOff val="0"/>
+              <a:lumOff val="0"/>
+              <a:alphaOff val="0"/>
+            </a:schemeClr>
+          </a:solidFill>
+          <a:prstDash val="solid"/>
+          <a:miter lim="800000"/>
+        </a:ln>
+        <a:effectLst/>
+      </dsp:spPr>
+      <dsp:style>
+        <a:lnRef idx="2">
+          <a:scrgbClr r="0" g="0" b="0"/>
+        </a:lnRef>
+        <a:fillRef idx="1">
+          <a:scrgbClr r="0" g="0" b="0"/>
+        </a:fillRef>
+        <a:effectRef idx="0">
+          <a:scrgbClr r="0" g="0" b="0"/>
+        </a:effectRef>
+        <a:fontRef idx="minor">
+          <a:schemeClr val="lt1"/>
+        </a:fontRef>
+      </dsp:style>
+      <dsp:txBody>
+        <a:bodyPr spcFirstLastPara="0" vert="horz" wrap="square" lIns="29210" tIns="29210" rIns="29210" bIns="29210" numCol="1" spcCol="1270" anchor="ctr" anchorCtr="0">
+          <a:noAutofit/>
+        </a:bodyPr>
+        <a:lstStyle/>
+        <a:p>
+          <a:pPr marL="0" lvl="0" indent="0" algn="ctr" defTabSz="1022350">
+            <a:lnSpc>
+              <a:spcPct val="90000"/>
+            </a:lnSpc>
+            <a:spcBef>
+              <a:spcPct val="0"/>
+            </a:spcBef>
+            <a:spcAft>
+              <a:spcPct val="35000"/>
+            </a:spcAft>
+            <a:buNone/>
+          </a:pPr>
+          <a:r>
+            <a:rPr lang="de-DE" sz="2300" kern="1200" dirty="0" err="1"/>
+            <a:t>hə‘ləʊ</a:t>
+          </a:r>
+          <a:r>
+            <a:rPr lang="de-DE" sz="2300" kern="1200" dirty="0"/>
+            <a:t> +</a:t>
+          </a:r>
+          <a:br>
+            <a:rPr lang="de-DE" sz="2300" kern="1200" dirty="0"/>
+          </a:br>
+          <a:r>
+            <a:rPr lang="de-DE" sz="2300" kern="1200" dirty="0"/>
+            <a:t>‚</a:t>
+          </a:r>
+          <a:r>
+            <a:rPr lang="de-DE" sz="2300" kern="1200" dirty="0" err="1"/>
+            <a:t>wAɜ:ld</a:t>
+          </a:r>
+          <a:endParaRPr lang="de-DE" sz="2300" kern="1200" dirty="0"/>
+        </a:p>
+      </dsp:txBody>
+      <dsp:txXfrm>
+        <a:off x="212800" y="213281"/>
+        <a:ext cx="1027492" cy="1027492"/>
+      </dsp:txXfrm>
+    </dsp:sp>
+    <dsp:sp modelId="{8C88AAFD-2E86-4A92-9FD9-13EC394C7DBD}">
+      <dsp:nvSpPr>
+        <dsp:cNvPr id="0" name=""/>
+        <dsp:cNvSpPr/>
+      </dsp:nvSpPr>
+      <dsp:spPr>
+        <a:xfrm rot="21599702">
+          <a:off x="1403057" y="-215738"/>
+          <a:ext cx="1139534" cy="490418"/>
+        </a:xfrm>
+        <a:prstGeom prst="rightArrow">
+          <a:avLst>
+            <a:gd name="adj1" fmla="val 60000"/>
+            <a:gd name="adj2" fmla="val 50000"/>
+          </a:avLst>
+        </a:prstGeom>
+        <a:solidFill>
+          <a:schemeClr val="dk2">
+            <a:tint val="60000"/>
+            <a:hueOff val="0"/>
+            <a:satOff val="0"/>
+            <a:lumOff val="0"/>
+            <a:alphaOff val="0"/>
+          </a:schemeClr>
+        </a:solidFill>
+        <a:ln>
+          <a:noFill/>
+        </a:ln>
+        <a:effectLst/>
+      </dsp:spPr>
+      <dsp:style>
+        <a:lnRef idx="0">
+          <a:scrgbClr r="0" g="0" b="0"/>
+        </a:lnRef>
+        <a:fillRef idx="1">
+          <a:scrgbClr r="0" g="0" b="0"/>
+        </a:fillRef>
+        <a:effectRef idx="0">
+          <a:scrgbClr r="0" g="0" b="0"/>
+        </a:effectRef>
+        <a:fontRef idx="minor">
+          <a:schemeClr val="lt1"/>
+        </a:fontRef>
+      </dsp:style>
+      <dsp:txBody>
+        <a:bodyPr spcFirstLastPara="0" vert="horz" wrap="square" lIns="0" tIns="0" rIns="0" bIns="0" numCol="1" spcCol="1270" anchor="ctr" anchorCtr="0">
+          <a:noAutofit/>
+        </a:bodyPr>
+        <a:lstStyle/>
+        <a:p>
+          <a:pPr marL="0" lvl="0" indent="0" algn="ctr" defTabSz="844550">
+            <a:lnSpc>
+              <a:spcPct val="90000"/>
+            </a:lnSpc>
+            <a:spcBef>
+              <a:spcPct val="0"/>
+            </a:spcBef>
+            <a:spcAft>
+              <a:spcPct val="35000"/>
+            </a:spcAft>
+            <a:buNone/>
+          </a:pPr>
+          <a:endParaRPr lang="de-DE" sz="1900" kern="1200"/>
+        </a:p>
+      </dsp:txBody>
+      <dsp:txXfrm>
+        <a:off x="1403057" y="-117648"/>
+        <a:ext cx="992409" cy="294250"/>
+      </dsp:txXfrm>
+    </dsp:sp>
+    <dsp:sp modelId="{30884585-463C-40C2-9854-71B4DA34954B}">
+      <dsp:nvSpPr>
+        <dsp:cNvPr id="0" name=""/>
+        <dsp:cNvSpPr/>
+      </dsp:nvSpPr>
+      <dsp:spPr>
+        <a:xfrm>
+          <a:off x="2557244" y="240"/>
+          <a:ext cx="1453092" cy="1453092"/>
+        </a:xfrm>
+        <a:prstGeom prst="ellipse">
+          <a:avLst/>
+        </a:prstGeom>
+        <a:solidFill>
+          <a:schemeClr val="lt1">
+            <a:hueOff val="0"/>
+            <a:satOff val="0"/>
+            <a:lumOff val="0"/>
+            <a:alphaOff val="0"/>
+          </a:schemeClr>
+        </a:solidFill>
+        <a:ln w="12700" cap="flat" cmpd="sng" algn="ctr">
+          <a:solidFill>
+            <a:schemeClr val="dk2">
+              <a:shade val="80000"/>
+              <a:hueOff val="0"/>
+              <a:satOff val="0"/>
+              <a:lumOff val="0"/>
+              <a:alphaOff val="0"/>
+            </a:schemeClr>
+          </a:solidFill>
+          <a:prstDash val="solid"/>
+          <a:miter lim="800000"/>
+        </a:ln>
+        <a:effectLst/>
+      </dsp:spPr>
+      <dsp:style>
+        <a:lnRef idx="2">
+          <a:scrgbClr r="0" g="0" b="0"/>
+        </a:lnRef>
+        <a:fillRef idx="1">
+          <a:scrgbClr r="0" g="0" b="0"/>
+        </a:fillRef>
+        <a:effectRef idx="0">
+          <a:scrgbClr r="0" g="0" b="0"/>
+        </a:effectRef>
+        <a:fontRef idx="minor">
+          <a:schemeClr val="lt1"/>
+        </a:fontRef>
+      </dsp:style>
+      <dsp:txBody>
+        <a:bodyPr spcFirstLastPara="0" vert="horz" wrap="square" lIns="29210" tIns="29210" rIns="29210" bIns="29210" numCol="1" spcCol="1270" anchor="ctr" anchorCtr="0">
+          <a:noAutofit/>
+        </a:bodyPr>
+        <a:lstStyle/>
+        <a:p>
+          <a:pPr marL="0" lvl="0" indent="0" algn="ctr" defTabSz="1022350">
+            <a:lnSpc>
+              <a:spcPct val="90000"/>
+            </a:lnSpc>
+            <a:spcBef>
+              <a:spcPct val="0"/>
+            </a:spcBef>
+            <a:spcAft>
+              <a:spcPct val="35000"/>
+            </a:spcAft>
+            <a:buNone/>
+          </a:pPr>
+          <a:r>
+            <a:rPr lang="de-DE" sz="2300" kern="1200" dirty="0"/>
+            <a:t>Hello +</a:t>
+          </a:r>
+          <a:br>
+            <a:rPr lang="de-DE" sz="2300" kern="1200" dirty="0"/>
+          </a:br>
+          <a:r>
+            <a:rPr lang="de-DE" sz="2300" kern="1200" dirty="0"/>
+            <a:t>World</a:t>
+          </a:r>
+        </a:p>
+      </dsp:txBody>
+      <dsp:txXfrm>
+        <a:off x="2770044" y="213040"/>
+        <a:ext cx="1027492" cy="1027492"/>
+      </dsp:txXfrm>
+    </dsp:sp>
+    <dsp:sp modelId="{DF96941C-6F82-4AD6-A9D8-2629D7CECFB3}">
+      <dsp:nvSpPr>
+        <dsp:cNvPr id="0" name=""/>
+        <dsp:cNvSpPr/>
+      </dsp:nvSpPr>
+      <dsp:spPr>
+        <a:xfrm rot="10799651">
+          <a:off x="1467756" y="1179095"/>
+          <a:ext cx="1139395" cy="490418"/>
+        </a:xfrm>
+        <a:prstGeom prst="rightArrow">
+          <a:avLst>
+            <a:gd name="adj1" fmla="val 60000"/>
+            <a:gd name="adj2" fmla="val 50000"/>
+          </a:avLst>
+        </a:prstGeom>
+        <a:solidFill>
+          <a:schemeClr val="dk2">
+            <a:tint val="60000"/>
+            <a:hueOff val="0"/>
+            <a:satOff val="0"/>
+            <a:lumOff val="0"/>
+            <a:alphaOff val="0"/>
+          </a:schemeClr>
+        </a:solidFill>
+        <a:ln>
+          <a:noFill/>
+        </a:ln>
+        <a:effectLst/>
+      </dsp:spPr>
+      <dsp:style>
+        <a:lnRef idx="0">
+          <a:scrgbClr r="0" g="0" b="0"/>
+        </a:lnRef>
+        <a:fillRef idx="1">
+          <a:scrgbClr r="0" g="0" b="0"/>
+        </a:fillRef>
+        <a:effectRef idx="0">
+          <a:scrgbClr r="0" g="0" b="0"/>
+        </a:effectRef>
+        <a:fontRef idx="minor">
+          <a:schemeClr val="lt1"/>
+        </a:fontRef>
+      </dsp:style>
+      <dsp:txBody>
+        <a:bodyPr spcFirstLastPara="0" vert="horz" wrap="square" lIns="0" tIns="0" rIns="0" bIns="0" numCol="1" spcCol="1270" anchor="ctr" anchorCtr="0">
+          <a:noAutofit/>
+        </a:bodyPr>
+        <a:lstStyle/>
+        <a:p>
+          <a:pPr marL="0" lvl="0" indent="0" algn="ctr" defTabSz="844550">
+            <a:lnSpc>
+              <a:spcPct val="90000"/>
+            </a:lnSpc>
+            <a:spcBef>
+              <a:spcPct val="0"/>
+            </a:spcBef>
+            <a:spcAft>
+              <a:spcPct val="35000"/>
+            </a:spcAft>
+            <a:buNone/>
+          </a:pPr>
+          <a:endParaRPr lang="de-DE" sz="1900" kern="1200"/>
+        </a:p>
+      </dsp:txBody>
+      <dsp:txXfrm rot="10800000">
+        <a:off x="1614881" y="1277172"/>
+        <a:ext cx="992270" cy="294250"/>
+      </dsp:txXfrm>
+    </dsp:sp>
+  </dsp:spTree>
+</dsp:drawing>
+</file>
+
+<file path=ppt/diagrams/layout1.xml><?xml version="1.0" encoding="utf-8"?>
+<dgm:layoutDef xmlns:dgm="http://schemas.openxmlformats.org/drawingml/2006/diagram" xmlns:a="http://schemas.openxmlformats.org/drawingml/2006/main" uniqueId="urn:microsoft.com/office/officeart/2005/8/layout/lProcess3">
+  <dgm:title val=""/>
+  <dgm:desc val=""/>
+  <dgm:catLst>
+    <dgm:cat type="process" pri="11000"/>
+    <dgm:cat type="convert" pri="12000"/>
+  </dgm:catLst>
+  <dgm:sampData>
+    <dgm:dataModel>
+      <dgm:ptLst>
+        <dgm:pt modelId="0" type="doc"/>
+        <dgm:pt modelId="1">
+          <dgm:prSet phldr="1"/>
+        </dgm:pt>
+        <dgm:pt modelId="11">
+          <dgm:prSet phldr="1"/>
+        </dgm:pt>
+        <dgm:pt modelId="12">
+          <dgm:prSet phldr="1"/>
+        </dgm:pt>
+        <dgm:pt modelId="2">
+          <dgm:prSet phldr="1"/>
+        </dgm:pt>
+        <dgm:pt modelId="21">
+          <dgm:prSet phldr="1"/>
+        </dgm:pt>
+        <dgm:pt modelId="22">
+          <dgm:prSet phldr="1"/>
+        </dgm:pt>
+        <dgm:pt modelId="3">
+          <dgm:prSet phldr="1"/>
+        </dgm:pt>
+        <dgm:pt modelId="31">
+          <dgm:prSet phldr="1"/>
+        </dgm:pt>
+        <dgm:pt modelId="32">
+          <dgm:prSet phldr="1"/>
+        </dgm:pt>
+      </dgm:ptLst>
+      <dgm:cxnLst>
+        <dgm:cxn modelId="4" srcId="0" destId="1" srcOrd="0" destOrd="0"/>
+        <dgm:cxn modelId="5" srcId="0" destId="2" srcOrd="1" destOrd="0"/>
+        <dgm:cxn modelId="6" srcId="0" destId="3" srcOrd="2" destOrd="0"/>
+        <dgm:cxn modelId="41" srcId="1" destId="11" srcOrd="0" destOrd="0"/>
+        <dgm:cxn modelId="42" srcId="1" destId="12" srcOrd="1" destOrd="0"/>
+        <dgm:cxn modelId="51" srcId="2" destId="21" srcOrd="0" destOrd="0"/>
+        <dgm:cxn modelId="52" srcId="2" destId="22" srcOrd="1" destOrd="0"/>
+        <dgm:cxn modelId="61" srcId="3" destId="31" srcOrd="0" destOrd="0"/>
+        <dgm:cxn modelId="62" srcId="3" destId="32" srcOrd="1" destOrd="0"/>
+      </dgm:cxnLst>
+      <dgm:bg/>
+      <dgm:whole/>
+    </dgm:dataModel>
+  </dgm:sampData>
+  <dgm:styleData>
+    <dgm:dataModel>
+      <dgm:ptLst>
+        <dgm:pt modelId="0" type="doc"/>
+        <dgm:pt modelId="1"/>
+        <dgm:pt modelId="2"/>
+      </dgm:ptLst>
+      <dgm:cxnLst>
+        <dgm:cxn modelId="4" srcId="0" destId="1" srcOrd="0" destOrd="0"/>
+        <dgm:cxn modelId="5" srcId="1" destId="2" srcOrd="0" destOrd="0"/>
+      </dgm:cxnLst>
+      <dgm:bg/>
+      <dgm:whole/>
+    </dgm:dataModel>
+  </dgm:styleData>
+  <dgm:clrData>
+    <dgm:dataModel>
+      <dgm:ptLst>
+        <dgm:pt modelId="0" type="doc"/>
+        <dgm:pt modelId="1"/>
+        <dgm:pt modelId="11"/>
+        <dgm:pt modelId="2"/>
+        <dgm:pt modelId="21"/>
+        <dgm:pt modelId="3"/>
+        <dgm:pt modelId="31"/>
+        <dgm:pt modelId="4"/>
+        <dgm:pt modelId="41"/>
+      </dgm:ptLst>
+      <dgm:cxnLst>
+        <dgm:cxn modelId="5" srcId="0" destId="1" srcOrd="0" destOrd="0"/>
+        <dgm:cxn modelId="6" srcId="0" destId="2" srcOrd="1" destOrd="0"/>
+        <dgm:cxn modelId="7" srcId="0" destId="3" srcOrd="2" destOrd="0"/>
+        <dgm:cxn modelId="8" srcId="0" destId="4" srcOrd="3" destOrd="0"/>
+        <dgm:cxn modelId="51" srcId="1" destId="11" srcOrd="0" destOrd="0"/>
+        <dgm:cxn modelId="61" srcId="2" destId="21" srcOrd="0" destOrd="0"/>
+        <dgm:cxn modelId="71" srcId="3" destId="31" srcOrd="0" destOrd="0"/>
+        <dgm:cxn modelId="81" srcId="4" destId="41" srcOrd="0" destOrd="0"/>
+      </dgm:cxnLst>
+      <dgm:bg/>
+      <dgm:whole/>
+    </dgm:dataModel>
+  </dgm:clrData>
+  <dgm:layoutNode name="Name0">
+    <dgm:varLst>
+      <dgm:chPref val="3"/>
+      <dgm:dir/>
+      <dgm:animLvl val="lvl"/>
+      <dgm:resizeHandles/>
+    </dgm:varLst>
+    <dgm:choose name="Name1">
+      <dgm:if name="Name2" func="var" arg="dir" op="equ" val="norm">
+        <dgm:alg type="lin">
+          <dgm:param type="linDir" val="fromT"/>
+          <dgm:param type="vertAlign" val="mid"/>
+          <dgm:param type="nodeHorzAlign" val="l"/>
+          <dgm:param type="nodeVertAlign" val="t"/>
+          <dgm:param type="fallback" val="2D"/>
+        </dgm:alg>
+      </dgm:if>
+      <dgm:else name="Name3">
+        <dgm:alg type="lin">
+          <dgm:param type="linDir" val="fromT"/>
+          <dgm:param type="vertAlign" val="mid"/>
+          <dgm:param type="nodeHorzAlign" val="r"/>
+          <dgm:param type="nodeVertAlign" val="t"/>
+          <dgm:param type="fallback" val="2D"/>
+        </dgm:alg>
+      </dgm:else>
+    </dgm:choose>
+    <dgm:shape xmlns:r="http://schemas.openxmlformats.org/officeDocument/2006/relationships" r:blip="">
+      <dgm:adjLst/>
+    </dgm:shape>
+    <dgm:presOf/>
+    <dgm:constrLst>
+      <dgm:constr type="w" for="des" forName="bigChev" refType="w"/>
+      <dgm:constr type="h" for="des" forName="bigChev" refType="w" refFor="des" refForName="bigChev" op="equ" fact="0.4"/>
+      <dgm:constr type="w" for="des" forName="node" refType="w" refFor="des" refForName="bigChev" fact="0.83"/>
+      <dgm:constr type="h" for="des" forName="node" refType="w" refFor="des" refForName="node" op="equ" fact="0.4"/>
+      <dgm:constr type="w" for="des" forName="parTrans" refType="w" refFor="des" refForName="bigChev" op="equ" fact="-0.13"/>
+      <dgm:constr type="w" for="des" forName="sibTrans" refType="w" refFor="des" refForName="node" op="equ" fact="-0.14"/>
+      <dgm:constr type="h" for="ch" forName="vSp" refType="h" refFor="des" refForName="bigChev" op="equ" fact="0.14"/>
+      <dgm:constr type="primFontSz" for="des" forName="node" op="equ"/>
+      <dgm:constr type="primFontSz" for="des" forName="bigChev" op="equ"/>
+    </dgm:constrLst>
+    <dgm:ruleLst/>
+    <dgm:forEach name="Name4" axis="ch" ptType="node">
+      <dgm:layoutNode name="horFlow">
+        <dgm:choose name="Name5">
+          <dgm:if name="Name6" func="var" arg="dir" op="equ" val="norm">
+            <dgm:alg type="lin">
+              <dgm:param type="linDir" val="fromL"/>
+              <dgm:param type="nodeHorzAlign" val="l"/>
+              <dgm:param type="nodeVertAlign" val="mid"/>
+              <dgm:param type="fallback" val="2D"/>
+            </dgm:alg>
+          </dgm:if>
+          <dgm:else name="Name7">
+            <dgm:alg type="lin">
+              <dgm:param type="linDir" val="fromR"/>
+              <dgm:param type="nodeHorzAlign" val="r"/>
+              <dgm:param type="nodeVertAlign" val="mid"/>
+              <dgm:param type="fallback" val="2D"/>
+            </dgm:alg>
+          </dgm:else>
+        </dgm:choose>
+        <dgm:shape xmlns:r="http://schemas.openxmlformats.org/officeDocument/2006/relationships" r:blip="">
+          <dgm:adjLst/>
+        </dgm:shape>
+        <dgm:presOf/>
+        <dgm:constrLst/>
+        <dgm:ruleLst/>
+        <dgm:layoutNode name="bigChev" styleLbl="node1">
+          <dgm:alg type="tx"/>
+          <dgm:choose name="Name8">
+            <dgm:if name="Name9" func="var" arg="dir" op="equ" val="norm">
+              <dgm:shape xmlns:r="http://schemas.openxmlformats.org/officeDocument/2006/relationships" type="chevron" r:blip="">
+                <dgm:adjLst/>
+              </dgm:shape>
+              <dgm:presOf axis="self"/>
+              <dgm:constrLst>
+                <dgm:constr type="primFontSz" val="65"/>
+                <dgm:constr type="rMarg"/>
+                <dgm:constr type="lMarg" refType="primFontSz" fact="0.1"/>
+                <dgm:constr type="tMarg" refType="primFontSz" fact="0.05"/>
+                <dgm:constr type="bMarg" refType="primFontSz" fact="0.05"/>
+              </dgm:constrLst>
+            </dgm:if>
+            <dgm:else name="Name10">
+              <dgm:shape xmlns:r="http://schemas.openxmlformats.org/officeDocument/2006/relationships" rot="180" type="chevron" r:blip="">
+                <dgm:adjLst/>
+              </dgm:shape>
+              <dgm:presOf axis="self"/>
+              <dgm:constrLst>
+                <dgm:constr type="primFontSz" val="65"/>
+                <dgm:constr type="lMarg"/>
+                <dgm:constr type="rMarg" refType="primFontSz" fact="0.1"/>
+                <dgm:constr type="tMarg" refType="primFontSz" fact="0.05"/>
+                <dgm:constr type="bMarg" refType="primFontSz" fact="0.05"/>
+              </dgm:constrLst>
+            </dgm:else>
+          </dgm:choose>
+          <dgm:ruleLst>
+            <dgm:rule type="primFontSz" val="5" fact="NaN" max="NaN"/>
+          </dgm:ruleLst>
+        </dgm:layoutNode>
+        <dgm:forEach name="parTransForEach" axis="ch" ptType="parTrans" cnt="1">
+          <dgm:layoutNode name="parTrans">
+            <dgm:alg type="sp"/>
+            <dgm:shape xmlns:r="http://schemas.openxmlformats.org/officeDocument/2006/relationships" r:blip="">
+              <dgm:adjLst/>
+            </dgm:shape>
+            <dgm:presOf/>
+            <dgm:constrLst/>
+            <dgm:ruleLst/>
+          </dgm:layoutNode>
+        </dgm:forEach>
+        <dgm:forEach name="Name11" axis="ch" ptType="node">
+          <dgm:layoutNode name="node" styleLbl="alignAccFollowNode1">
+            <dgm:varLst>
+              <dgm:bulletEnabled val="1"/>
+            </dgm:varLst>
+            <dgm:alg type="tx"/>
+            <dgm:choose name="Name12">
+              <dgm:if name="Name13" func="var" arg="dir" op="equ" val="norm">
+                <dgm:shape xmlns:r="http://schemas.openxmlformats.org/officeDocument/2006/relationships" type="chevron" r:blip="">
+                  <dgm:adjLst/>
+                </dgm:shape>
+                <dgm:presOf axis="desOrSelf" ptType="node"/>
+                <dgm:constrLst>
+                  <dgm:constr type="primFontSz" val="65"/>
+                  <dgm:constr type="rMarg"/>
+                  <dgm:constr type="lMarg" refType="primFontSz" fact="0.1"/>
+                  <dgm:constr type="tMarg" refType="primFontSz" fact="0.05"/>
+                  <dgm:constr type="bMarg" refType="primFontSz" fact="0.05"/>
+                </dgm:constrLst>
+              </dgm:if>
+              <dgm:else name="Name14">
+                <dgm:shape xmlns:r="http://schemas.openxmlformats.org/officeDocument/2006/relationships" rot="180" type="chevron" r:blip="">
+                  <dgm:adjLst/>
+                </dgm:shape>
+                <dgm:presOf axis="desOrSelf" ptType="node"/>
+                <dgm:constrLst>
+                  <dgm:constr type="primFontSz" val="65"/>
+                  <dgm:constr type="lMarg"/>
+                  <dgm:constr type="rMarg" refType="primFontSz" fact="0.1"/>
+                  <dgm:constr type="tMarg" refType="primFontSz" fact="0.05"/>
+                  <dgm:constr type="bMarg" refType="primFontSz" fact="0.05"/>
+                </dgm:constrLst>
+              </dgm:else>
+            </dgm:choose>
+            <dgm:ruleLst>
+              <dgm:rule type="primFontSz" val="5" fact="NaN" max="NaN"/>
+            </dgm:ruleLst>
+          </dgm:layoutNode>
+          <dgm:forEach name="sibTransForEach" axis="followSib" ptType="sibTrans" cnt="1">
+            <dgm:layoutNode name="sibTrans">
+              <dgm:alg type="sp"/>
+              <dgm:shape xmlns:r="http://schemas.openxmlformats.org/officeDocument/2006/relationships" r:blip="">
+                <dgm:adjLst/>
+              </dgm:shape>
+              <dgm:presOf/>
+              <dgm:constrLst/>
+              <dgm:ruleLst/>
+            </dgm:layoutNode>
+          </dgm:forEach>
+        </dgm:forEach>
+      </dgm:layoutNode>
+      <dgm:choose name="Name15">
+        <dgm:if name="Name16" axis="self" ptType="node" func="revPos" op="gte" val="2">
+          <dgm:layoutNode name="vSp">
+            <dgm:alg type="sp"/>
+            <dgm:shape xmlns:r="http://schemas.openxmlformats.org/officeDocument/2006/relationships" r:blip="">
+              <dgm:adjLst/>
+            </dgm:shape>
+            <dgm:presOf/>
+            <dgm:constrLst/>
+            <dgm:ruleLst/>
+          </dgm:layoutNode>
+        </dgm:if>
+        <dgm:else name="Name17"/>
+      </dgm:choose>
+    </dgm:forEach>
+  </dgm:layoutNode>
+</dgm:layoutDef>
+</file>
+
+<file path=ppt/diagrams/layout2.xml><?xml version="1.0" encoding="utf-8"?>
+<dgm:layoutDef xmlns:dgm="http://schemas.openxmlformats.org/drawingml/2006/diagram" xmlns:a="http://schemas.openxmlformats.org/drawingml/2006/main" uniqueId="urn:microsoft.com/office/officeart/2005/8/layout/cycle2">
+  <dgm:title val=""/>
+  <dgm:desc val=""/>
+  <dgm:catLst>
+    <dgm:cat type="cycle" pri="1000"/>
+    <dgm:cat type="convert" pri="10000"/>
+  </dgm:catLst>
+  <dgm:sampData>
+    <dgm:dataModel>
+      <dgm:ptLst>
+        <dgm:pt modelId="0" type="doc"/>
+        <dgm:pt modelId="1">
+          <dgm:prSet phldr="1"/>
+        </dgm:pt>
+        <dgm:pt modelId="2">
+          <dgm:prSet phldr="1"/>
+        </dgm:pt>
+        <dgm:pt modelId="3">
+          <dgm:prSet phldr="1"/>
+        </dgm:pt>
+        <dgm:pt modelId="4">
+          <dgm:prSet phldr="1"/>
+        </dgm:pt>
+        <dgm:pt modelId="5">
+          <dgm:prSet phldr="1"/>
+        </dgm:pt>
+      </dgm:ptLst>
+      <dgm:cxnLst>
+        <dgm:cxn modelId="6" srcId="0" destId="1" srcOrd="0" destOrd="0"/>
+        <dgm:cxn modelId="7" srcId="0" destId="2" srcOrd="1" destOrd="0"/>
+        <dgm:cxn modelId="8" srcId="0" destId="3" srcOrd="2" destOrd="0"/>
+        <dgm:cxn modelId="9" srcId="0" destId="4" srcOrd="3" destOrd="0"/>
+        <dgm:cxn modelId="10" srcId="0" destId="5" srcOrd="4" destOrd="0"/>
+      </dgm:cxnLst>
+      <dgm:bg/>
+      <dgm:whole/>
+    </dgm:dataModel>
+  </dgm:sampData>
+  <dgm:styleData>
+    <dgm:dataModel>
+      <dgm:ptLst>
+        <dgm:pt modelId="0" type="doc"/>
+        <dgm:pt modelId="1"/>
+        <dgm:pt modelId="2"/>
+        <dgm:pt modelId="3"/>
+      </dgm:ptLst>
+      <dgm:cxnLst>
+        <dgm:cxn modelId="4" srcId="0" destId="1" srcOrd="0" destOrd="0"/>
+        <dgm:cxn modelId="5" srcId="0" destId="2" srcOrd="1" destOrd="0"/>
+        <dgm:cxn modelId="6" srcId="0" destId="3" srcOrd="2" destOrd="0"/>
+      </dgm:cxnLst>
+      <dgm:bg/>
+      <dgm:whole/>
+    </dgm:dataModel>
+  </dgm:styleData>
+  <dgm:clrData>
+    <dgm:dataModel>
+      <dgm:ptLst>
+        <dgm:pt modelId="0" type="doc"/>
+        <dgm:pt modelId="1"/>
+        <dgm:pt modelId="2"/>
+        <dgm:pt modelId="3"/>
+        <dgm:pt modelId="4"/>
+        <dgm:pt modelId="5"/>
+        <dgm:pt modelId="6"/>
+      </dgm:ptLst>
+      <dgm:cxnLst>
+        <dgm:cxn modelId="7" srcId="0" destId="1" srcOrd="0" destOrd="0"/>
+        <dgm:cxn modelId="8" srcId="0" destId="2" srcOrd="1" destOrd="0"/>
+        <dgm:cxn modelId="9" srcId="0" destId="3" srcOrd="2" destOrd="0"/>
+        <dgm:cxn modelId="10" srcId="0" destId="4" srcOrd="3" destOrd="0"/>
+        <dgm:cxn modelId="11" srcId="0" destId="5" srcOrd="4" destOrd="0"/>
+        <dgm:cxn modelId="12" srcId="0" destId="6" srcOrd="5" destOrd="0"/>
+      </dgm:cxnLst>
+      <dgm:bg/>
+      <dgm:whole/>
+    </dgm:dataModel>
+  </dgm:clrData>
+  <dgm:layoutNode name="cycle">
+    <dgm:varLst>
+      <dgm:dir/>
+      <dgm:resizeHandles val="exact"/>
+    </dgm:varLst>
+    <dgm:choose name="Name0">
+      <dgm:if name="Name1" func="var" arg="dir" op="equ" val="norm">
+        <dgm:choose name="Name2">
+          <dgm:if name="Name3" axis="ch" ptType="node" func="cnt" op="gt" val="2">
+            <dgm:alg type="cycle">
+              <dgm:param type="stAng" val="0"/>
+              <dgm:param type="spanAng" val="360"/>
+            </dgm:alg>
+          </dgm:if>
+          <dgm:else name="Name4">
+            <dgm:alg type="cycle">
+              <dgm:param type="stAng" val="-90"/>
+              <dgm:param type="spanAng" val="360"/>
+            </dgm:alg>
+          </dgm:else>
+        </dgm:choose>
+      </dgm:if>
+      <dgm:else name="Name5">
+        <dgm:choose name="Name6">
+          <dgm:if name="Name7" axis="ch" ptType="node" func="cnt" op="gt" val="2">
+            <dgm:alg type="cycle">
+              <dgm:param type="stAng" val="0"/>
+              <dgm:param type="spanAng" val="-360"/>
+            </dgm:alg>
+          </dgm:if>
+          <dgm:else name="Name8">
+            <dgm:alg type="cycle">
+              <dgm:param type="stAng" val="90"/>
+              <dgm:param type="spanAng" val="-360"/>
+            </dgm:alg>
+          </dgm:else>
+        </dgm:choose>
+      </dgm:else>
+    </dgm:choose>
+    <dgm:shape xmlns:r="http://schemas.openxmlformats.org/officeDocument/2006/relationships" r:blip="">
+      <dgm:adjLst/>
+    </dgm:shape>
+    <dgm:presOf/>
+    <dgm:constrLst>
+      <dgm:constr type="w" for="ch" ptType="node" refType="w"/>
+      <dgm:constr type="w" for="ch" ptType="sibTrans" refType="w" refFor="ch" refPtType="node" op="equ" fact="0.25"/>
+      <dgm:constr type="sibSp" refType="w" refFor="ch" refPtType="node" fact="0.5"/>
+      <dgm:constr type="primFontSz" for="ch" ptType="node" op="equ" val="65"/>
+      <dgm:constr type="primFontSz" for="des" forName="connectorText" op="equ" val="55"/>
+      <dgm:constr type="primFontSz" for="des" forName="connectorText" refType="primFontSz" refFor="ch" refPtType="node" op="lte" fact="0.8"/>
+    </dgm:constrLst>
+    <dgm:ruleLst/>
+    <dgm:forEach name="nodesForEach" axis="ch" ptType="node">
+      <dgm:layoutNode name="node">
+        <dgm:varLst>
+          <dgm:bulletEnabled val="1"/>
+        </dgm:varLst>
+        <dgm:alg type="tx">
+          <dgm:param type="txAnchorVertCh" val="mid"/>
+        </dgm:alg>
+        <dgm:shape xmlns:r="http://schemas.openxmlformats.org/officeDocument/2006/relationships" type="ellipse" r:blip="">
+          <dgm:adjLst/>
+        </dgm:shape>
+        <dgm:presOf axis="desOrSelf" ptType="node"/>
+        <dgm:constrLst>
+          <dgm:constr type="h" refType="w"/>
+          <dgm:constr type="lMarg" refType="primFontSz" fact="0.1"/>
+          <dgm:constr type="rMarg" refType="primFontSz" fact="0.1"/>
+          <dgm:constr type="tMarg" refType="primFontSz" fact="0.1"/>
+          <dgm:constr type="bMarg" refType="primFontSz" fact="0.1"/>
+        </dgm:constrLst>
+        <dgm:ruleLst>
+          <dgm:rule type="primFontSz" val="5" fact="NaN" max="NaN"/>
+        </dgm:ruleLst>
+      </dgm:layoutNode>
+      <dgm:choose name="Name9">
+        <dgm:if name="Name10" axis="par ch" ptType="doc node" func="cnt" op="gt" val="1">
+          <dgm:forEach name="sibTransForEach" axis="followSib" ptType="sibTrans" hideLastTrans="0" cnt="1">
+            <dgm:layoutNode name="sibTrans">
+              <dgm:choose name="Name11">
+                <dgm:if name="Name12" axis="par ch" ptType="doc node" func="cnt" op="lt" val="3">
+                  <dgm:alg type="conn">
+                    <dgm:param type="begPts" val="radial"/>
+                    <dgm:param type="endPts" val="radial"/>
+                  </dgm:alg>
+                </dgm:if>
+                <dgm:else name="Name13">
+                  <dgm:alg type="conn">
+                    <dgm:param type="begPts" val="auto"/>
+                    <dgm:param type="endPts" val="auto"/>
+                  </dgm:alg>
+                </dgm:else>
+              </dgm:choose>
+              <dgm:shape xmlns:r="http://schemas.openxmlformats.org/officeDocument/2006/relationships" type="conn" r:blip="">
+                <dgm:adjLst/>
+              </dgm:shape>
+              <dgm:presOf axis="self"/>
+              <dgm:constrLst>
+                <dgm:constr type="h" refType="w" fact="1.35"/>
+                <dgm:constr type="connDist"/>
+                <dgm:constr type="w" for="ch" refType="connDist" fact="0.45"/>
+                <dgm:constr type="h" for="ch" refType="h"/>
+              </dgm:constrLst>
+              <dgm:ruleLst/>
+              <dgm:layoutNode name="connectorText">
+                <dgm:alg type="tx">
+                  <dgm:param type="autoTxRot" val="grav"/>
+                </dgm:alg>
+                <dgm:shape xmlns:r="http://schemas.openxmlformats.org/officeDocument/2006/relationships" type="conn" r:blip="" hideGeom="1">
+                  <dgm:adjLst/>
+                </dgm:shape>
+                <dgm:presOf axis="self"/>
+                <dgm:constrLst>
+                  <dgm:constr type="lMarg"/>
+                  <dgm:constr type="rMarg"/>
+                  <dgm:constr type="tMarg"/>
+                  <dgm:constr type="bMarg"/>
+                </dgm:constrLst>
+                <dgm:ruleLst>
+                  <dgm:rule type="primFontSz" val="5" fact="NaN" max="NaN"/>
+                </dgm:ruleLst>
+              </dgm:layoutNode>
+            </dgm:layoutNode>
+          </dgm:forEach>
+        </dgm:if>
+        <dgm:else name="Name14"/>
+      </dgm:choose>
+    </dgm:forEach>
+  </dgm:layoutNode>
+</dgm:layoutDef>
+</file>
+
+<file path=ppt/diagrams/quickStyle1.xml><?xml version="1.0" encoding="utf-8"?>
+<dgm:styleDef xmlns:dgm="http://schemas.openxmlformats.org/drawingml/2006/diagram" xmlns:a="http://schemas.openxmlformats.org/drawingml/2006/main" uniqueId="urn:microsoft.com/office/officeart/2005/8/quickstyle/simple1">
+  <dgm:title val=""/>
+  <dgm:desc val=""/>
+  <dgm:catLst>
+    <dgm:cat type="simple" pri="10100"/>
+  </dgm:catLst>
+  <dgm:scene3d>
+    <a:camera prst="orthographicFront"/>
+    <a:lightRig rig="threePt" dir="t"/>
+  </dgm:scene3d>
+  <dgm:styleLbl name="node0">
+    <dgm:scene3d>
+      <a:camera prst="orthographicFront"/>
+      <a:lightRig rig="threePt" dir="t"/>
+    </dgm:scene3d>
+    <dgm:sp3d/>
+    <dgm:txPr/>
+    <dgm:style>
+      <a:lnRef idx="2">
+        <a:scrgbClr r="0" g="0" b="0"/>
+      </a:lnRef>
+      <a:fillRef idx="1">
+        <a:scrgbClr r="0" g="0" b="0"/>
+      </a:fillRef>
+      <a:effectRef idx="0">
+        <a:scrgbClr r="0" g="0" b="0"/>
+      </a:effectRef>
+      <a:fontRef idx="minor">
+        <a:schemeClr val="lt1"/>
+      </a:fontRef>
+    </dgm:style>
+  </dgm:styleLbl>
+  <dgm:styleLbl name="lnNode1">
+    <dgm:scene3d>
+      <a:camera prst="orthographicFront"/>
+      <a:lightRig rig="threePt" dir="t"/>
+    </dgm:scene3d>
+    <dgm:sp3d/>
+    <dgm:txPr/>
+    <dgm:style>
+      <a:lnRef idx="2">
+        <a:scrgbClr r="0" g="0" b="0"/>
+      </a:lnRef>
+      <a:fillRef idx="1">
+        <a:scrgbClr r="0" g="0" b="0"/>
+      </a:fillRef>
+      <a:effectRef idx="0">
+        <a:scrgbClr r="0" g="0" b="0"/>
+      </a:effectRef>
+      <a:fontRef idx="minor">
+        <a:schemeClr val="lt1"/>
+      </a:fontRef>
+    </dgm:style>
+  </dgm:styleLbl>
+  <dgm:styleLbl name="vennNode1">
+    <dgm:scene3d>
+      <a:camera prst="orthographicFront"/>
+      <a:lightRig rig="threePt" dir="t"/>
+    </dgm:scene3d>
+    <dgm:sp3d/>
+    <dgm:txPr/>
+    <dgm:style>
+      <a:lnRef idx="2">
+        <a:scrgbClr r="0" g="0" b="0"/>
+      </a:lnRef>
+      <a:fillRef idx="1">
+        <a:scrgbClr r="0" g="0" b="0"/>
+      </a:fillRef>
+      <a:effectRef idx="0">
+        <a:scrgbClr r="0" g="0" b="0"/>
+      </a:effectRef>
+      <a:fontRef idx="minor">
+        <a:schemeClr val="tx1"/>
+      </a:fontRef>
+    </dgm:style>
+  </dgm:styleLbl>
+  <dgm:styleLbl name="alignNode1">
+    <dgm:scene3d>
+      <a:camera prst="orthographicFront"/>
+      <a:lightRig rig="threePt" dir="t"/>
+    </dgm:scene3d>
+    <dgm:sp3d/>
+    <dgm:txPr/>
+    <dgm:style>
+      <a:lnRef idx="2">
+        <a:scrgbClr r="0" g="0" b="0"/>
+      </a:lnRef>
+      <a:fillRef idx="1">
+        <a:scrgbClr r="0" g="0" b="0"/>
+      </a:fillRef>
+      <a:effectRef idx="0">
+        <a:scrgbClr r="0" g="0" b="0"/>
+      </a:effectRef>
+      <a:fontRef idx="minor">
+        <a:schemeClr val="lt1"/>
+      </a:fontRef>
+    </dgm:style>
+  </dgm:styleLbl>
+  <dgm:styleLbl name="node1">
+    <dgm:scene3d>
+      <a:camera prst="orthographicFront"/>
+      <a:lightRig rig="threePt" dir="t"/>
+    </dgm:scene3d>
+    <dgm:sp3d/>
+    <dgm:txPr/>
+    <dgm:style>
+      <a:lnRef idx="2">
+        <a:scrgbClr r="0" g="0" b="0"/>
+      </a:lnRef>
+      <a:fillRef idx="1">
+        <a:scrgbClr r="0" g="0" b="0"/>
+      </a:fillRef>
+      <a:effectRef idx="0">
+        <a:scrgbClr r="0" g="0" b="0"/>
+      </a:effectRef>
+      <a:fontRef idx="minor">
+        <a:schemeClr val="lt1"/>
+      </a:fontRef>
+    </dgm:style>
+  </dgm:styleLbl>
+  <dgm:styleLbl name="node2">
+    <dgm:scene3d>
+      <a:camera prst="orthographicFront"/>
+      <a:lightRig rig="threePt" dir="t"/>
+    </dgm:scene3d>
+    <dgm:sp3d/>
+    <dgm:txPr/>
+    <dgm:style>
+      <a:lnRef idx="2">
+        <a:scrgbClr r="0" g="0" b="0"/>
+      </a:lnRef>
+      <a:fillRef idx="1">
+        <a:scrgbClr r="0" g="0" b="0"/>
+      </a:fillRef>
+      <a:effectRef idx="0">
+        <a:scrgbClr r="0" g="0" b="0"/>
+      </a:effectRef>
+      <a:fontRef idx="minor">
+        <a:schemeClr val="lt1"/>
+      </a:fontRef>
+    </dgm:style>
+  </dgm:styleLbl>
+  <dgm:styleLbl name="node3">
+    <dgm:scene3d>
+      <a:camera prst="orthographicFront"/>
+      <a:lightRig rig="threePt" dir="t"/>
+    </dgm:scene3d>
+    <dgm:sp3d/>
+    <dgm:txPr/>
+    <dgm:style>
+      <a:lnRef idx="2">
+        <a:scrgbClr r="0" g="0" b="0"/>
+      </a:lnRef>
+      <a:fillRef idx="1">
+        <a:scrgbClr r="0" g="0" b="0"/>
+      </a:fillRef>
+      <a:effectRef idx="0">
+        <a:scrgbClr r="0" g="0" b="0"/>
+      </a:effectRef>
+      <a:fontRef idx="minor">
+        <a:schemeClr val="lt1"/>
+      </a:fontRef>
+    </dgm:style>
+  </dgm:styleLbl>
+  <dgm:styleLbl name="node4">
+    <dgm:scene3d>
+      <a:camera prst="orthographicFront"/>
+      <a:lightRig rig="threePt" dir="t"/>
+    </dgm:scene3d>
+    <dgm:sp3d/>
+    <dgm:txPr/>
+    <dgm:style>
+      <a:lnRef idx="2">
+        <a:scrgbClr r="0" g="0" b="0"/>
+      </a:lnRef>
+      <a:fillRef idx="1">
+        <a:scrgbClr r="0" g="0" b="0"/>
+      </a:fillRef>
+      <a:effectRef idx="0">
+        <a:scrgbClr r="0" g="0" b="0"/>
+      </a:effectRef>
+      <a:fontRef idx="minor">
+        <a:schemeClr val="lt1"/>
+      </a:fontRef>
+    </dgm:style>
+  </dgm:styleLbl>
+  <dgm:styleLbl name="fgImgPlace1">
+    <dgm:scene3d>
+      <a:camera prst="orthographicFront"/>
+      <a:lightRig rig="threePt" dir="t"/>
+    </dgm:scene3d>
+    <dgm:sp3d/>
+    <dgm:txPr/>
+    <dgm:style>
+      <a:lnRef idx="2">
+        <a:scrgbClr r="0" g="0" b="0"/>
+      </a:lnRef>
+      <a:fillRef idx="1">
+        <a:scrgbClr r="0" g="0" b="0"/>
+      </a:fillRef>
+      <a:effectRef idx="0">
+        <a:scrgbClr r="0" g="0" b="0"/>
+      </a:effectRef>
+      <a:fontRef idx="minor"/>
+    </dgm:style>
+  </dgm:styleLbl>
+  <dgm:styleLbl name="alignImgPlace1">
+    <dgm:scene3d>
+      <a:camera prst="orthographicFront"/>
+      <a:lightRig rig="threePt" dir="t"/>
+    </dgm:scene3d>
+    <dgm:sp3d/>
+    <dgm:txPr/>
+    <dgm:style>
+      <a:lnRef idx="2">
+        <a:scrgbClr r="0" g="0" b="0"/>
+      </a:lnRef>
+      <a:fillRef idx="1">
+        <a:scrgbClr r="0" g="0" b="0"/>
+      </a:fillRef>
+      <a:effectRef idx="0">
+        <a:scrgbClr r="0" g="0" b="0"/>
+      </a:effectRef>
+      <a:fontRef idx="minor"/>
+    </dgm:style>
+  </dgm:styleLbl>
+  <dgm:styleLbl name="bgImgPlace1">
+    <dgm:scene3d>
+      <a:camera prst="orthographicFront"/>
+      <a:lightRig rig="threePt" dir="t"/>
+    </dgm:scene3d>
+    <dgm:sp3d/>
+    <dgm:txPr/>
+    <dgm:style>
+      <a:lnRef idx="2">
+        <a:scrgbClr r="0" g="0" b="0"/>
+      </a:lnRef>
+      <a:fillRef idx="1">
+        <a:scrgbClr r="0" g="0" b="0"/>
+      </a:fillRef>
+      <a:effectRef idx="0">
+        <a:scrgbClr r="0" g="0" b="0"/>
+      </a:effectRef>
+      <a:fontRef idx="minor"/>
+    </dgm:style>
+  </dgm:styleLbl>
+  <dgm:styleLbl name="sibTrans2D1">
+    <dgm:scene3d>
+      <a:camera prst="orthographicFront"/>
+      <a:lightRig rig="threePt" dir="t"/>
+    </dgm:scene3d>
+    <dgm:sp3d/>
+    <dgm:txPr/>
+    <dgm:style>
+      <a:lnRef idx="0">
+        <a:scrgbClr r="0" g="0" b="0"/>
+      </a:lnRef>
+      <a:fillRef idx="1">
+        <a:scrgbClr r="0" g="0" b="0"/>
+      </a:fillRef>
+      <a:effectRef idx="0">
+        <a:scrgbClr r="0" g="0" b="0"/>
+      </a:effectRef>
+      <a:fontRef idx="minor">
+        <a:schemeClr val="lt1"/>
+      </a:fontRef>
+    </dgm:style>
+  </dgm:styleLbl>
+  <dgm:styleLbl name="fgSibTrans2D1">
+    <dgm:scene3d>
+      <a:camera prst="orthographicFront"/>
+      <a:lightRig rig="threePt" dir="t"/>
+    </dgm:scene3d>
+    <dgm:sp3d/>
+    <dgm:txPr/>
+    <dgm:style>
+      <a:lnRef idx="0">
+        <a:scrgbClr r="0" g="0" b="0"/>
+      </a:lnRef>
+      <a:fillRef idx="1">
+        <a:scrgbClr r="0" g="0" b="0"/>
+      </a:fillRef>
+      <a:effectRef idx="0">
+        <a:scrgbClr r="0" g="0" b="0"/>
+      </a:effectRef>
+      <a:fontRef idx="minor">
+        <a:schemeClr val="lt1"/>
+      </a:fontRef>
+    </dgm:style>
+  </dgm:styleLbl>
+  <dgm:styleLbl name="bgSibTrans2D1">
+    <dgm:scene3d>
+      <a:camera prst="orthographicFront"/>
+      <a:lightRig rig="threePt" dir="t"/>
+    </dgm:scene3d>
+    <dgm:sp3d/>
+    <dgm:txPr/>
+    <dgm:style>
+      <a:lnRef idx="0">
+        <a:scrgbClr r="0" g="0" b="0"/>
+      </a:lnRef>
+      <a:fillRef idx="1">
+        <a:scrgbClr r="0" g="0" b="0"/>
+      </a:fillRef>
+      <a:effectRef idx="0">
+        <a:scrgbClr r="0" g="0" b="0"/>
+      </a:effectRef>
+      <a:fontRef idx="minor">
+        <a:schemeClr val="lt1"/>
+      </a:fontRef>
+    </dgm:style>
+  </dgm:styleLbl>
+  <dgm:styleLbl name="sibTrans1D1">
+    <dgm:scene3d>
+      <a:camera prst="orthographicFront"/>
+      <a:lightRig rig="threePt" dir="t"/>
+    </dgm:scene3d>
+    <dgm:sp3d/>
+    <dgm:txPr/>
+    <dgm:style>
+      <a:lnRef idx="1">
+        <a:scrgbClr r="0" g="0" b="0"/>
+      </a:lnRef>
+      <a:fillRef idx="0">
+        <a:scrgbClr r="0" g="0" b="0"/>
+      </a:fillRef>
+      <a:effectRef idx="0">
+        <a:scrgbClr r="0" g="0" b="0"/>
+      </a:effectRef>
+      <a:fontRef idx="minor"/>
+    </dgm:style>
+  </dgm:styleLbl>
+  <dgm:styleLbl name="callout">
+    <dgm:scene3d>
+      <a:camera prst="orthographicFront"/>
+      <a:lightRig rig="threePt" dir="t"/>
+    </dgm:scene3d>
+    <dgm:sp3d/>
+    <dgm:txPr/>
+    <dgm:style>
+      <a:lnRef idx="2">
+        <a:scrgbClr r="0" g="0" b="0"/>
+      </a:lnRef>
+      <a:fillRef idx="1">
+        <a:scrgbClr r="0" g="0" b="0"/>
+      </a:fillRef>
+      <a:effectRef idx="0">
+        <a:scrgbClr r="0" g="0" b="0"/>
+      </a:effectRef>
+      <a:fontRef idx="minor"/>
+    </dgm:style>
+  </dgm:styleLbl>
+  <dgm:styleLbl name="asst0">
+    <dgm:scene3d>
+      <a:camera prst="orthographicFront"/>
+      <a:lightRig rig="threePt" dir="t"/>
+    </dgm:scene3d>
+    <dgm:sp3d/>
+    <dgm:txPr/>
+    <dgm:style>
+      <a:lnRef idx="2">
+        <a:scrgbClr r="0" g="0" b="0"/>
+      </a:lnRef>
+      <a:fillRef idx="1">
+        <a:scrgbClr r="0" g="0" b="0"/>
+      </a:fillRef>
+      <a:effectRef idx="0">
+        <a:scrgbClr r="0" g="0" b="0"/>
+      </a:effectRef>
+      <a:fontRef idx="minor">
+        <a:schemeClr val="lt1"/>
+      </a:fontRef>
+    </dgm:style>
+  </dgm:styleLbl>
+  <dgm:styleLbl name="asst1">
+    <dgm:scene3d>
+      <a:camera prst="orthographicFront"/>
+      <a:lightRig rig="threePt" dir="t"/>
+    </dgm:scene3d>
+    <dgm:sp3d/>
+    <dgm:txPr/>
+    <dgm:style>
+      <a:lnRef idx="2">
+        <a:scrgbClr r="0" g="0" b="0"/>
+      </a:lnRef>
+      <a:fillRef idx="1">
+        <a:scrgbClr r="0" g="0" b="0"/>
+      </a:fillRef>
+      <a:effectRef idx="0">
+        <a:scrgbClr r="0" g="0" b="0"/>
+      </a:effectRef>
+      <a:fontRef idx="minor">
+        <a:schemeClr val="lt1"/>
+      </a:fontRef>
+    </dgm:style>
+  </dgm:styleLbl>
+  <dgm:styleLbl name="asst2">
+    <dgm:scene3d>
+      <a:camera prst="orthographicFront"/>
+      <a:lightRig rig="threePt" dir="t"/>
+    </dgm:scene3d>
+    <dgm:sp3d/>
+    <dgm:txPr/>
+    <dgm:style>
+      <a:lnRef idx="2">
+        <a:scrgbClr r="0" g="0" b="0"/>
+      </a:lnRef>
+      <a:fillRef idx="1">
+        <a:scrgbClr r="0" g="0" b="0"/>
+      </a:fillRef>
+      <a:effectRef idx="0">
+        <a:scrgbClr r="0" g="0" b="0"/>
+      </a:effectRef>
+      <a:fontRef idx="minor">
+        <a:schemeClr val="lt1"/>
+      </a:fontRef>
+    </dgm:style>
+  </dgm:styleLbl>
+  <dgm:styleLbl name="asst3">
+    <dgm:scene3d>
+      <a:camera prst="orthographicFront"/>
+      <a:lightRig rig="threePt" dir="t"/>
+    </dgm:scene3d>
+    <dgm:sp3d/>
+    <dgm:txPr/>
+    <dgm:style>
+      <a:lnRef idx="2">
+        <a:scrgbClr r="0" g="0" b="0"/>
+      </a:lnRef>
+      <a:fillRef idx="1">
+        <a:scrgbClr r="0" g="0" b="0"/>
+      </a:fillRef>
+      <a:effectRef idx="0">
+        <a:scrgbClr r="0" g="0" b="0"/>
+      </a:effectRef>
+      <a:fontRef idx="minor">
+        <a:schemeClr val="lt1"/>
+      </a:fontRef>
+    </dgm:style>
+  </dgm:styleLbl>
+  <dgm:styleLbl name="asst4">
+    <dgm:scene3d>
+      <a:camera prst="orthographicFront"/>
+      <a:lightRig rig="threePt" dir="t"/>
+    </dgm:scene3d>
+    <dgm:sp3d/>
+    <dgm:txPr/>
+    <dgm:style>
+      <a:lnRef idx="2">
+        <a:scrgbClr r="0" g="0" b="0"/>
+      </a:lnRef>
+      <a:fillRef idx="1">
+        <a:scrgbClr r="0" g="0" b="0"/>
+      </a:fillRef>
+      <a:effectRef idx="0">
+        <a:scrgbClr r="0" g="0" b="0"/>
+      </a:effectRef>
+      <a:fontRef idx="minor">
+        <a:schemeClr val="lt1"/>
+      </a:fontRef>
+    </dgm:style>
+  </dgm:styleLbl>
+  <dgm:styleLbl name="parChTrans2D1">
+    <dgm:scene3d>
+      <a:camera prst="orthographicFront"/>
+      <a:lightRig rig="threePt" dir="t"/>
+    </dgm:scene3d>
+    <dgm:sp3d/>
+    <dgm:txPr/>
+    <dgm:style>
+      <a:lnRef idx="2">
+        <a:scrgbClr r="0" g="0" b="0"/>
+      </a:lnRef>
+      <a:fillRef idx="1">
+        <a:scrgbClr r="0" g="0" b="0"/>
+      </a:fillRef>
+      <a:effectRef idx="0">
+        <a:scrgbClr r="0" g="0" b="0"/>
+      </a:effectRef>
+      <a:fontRef idx="minor">
+        <a:schemeClr val="lt1"/>
+      </a:fontRef>
+    </dgm:style>
+  </dgm:styleLbl>
+  <dgm:styleLbl name="parChTrans2D2">
+    <dgm:scene3d>
+      <a:camera prst="orthographicFront"/>
+      <a:lightRig rig="threePt" dir="t"/>
+    </dgm:scene3d>
+    <dgm:sp3d/>
+    <dgm:txPr/>
+    <dgm:style>
+      <a:lnRef idx="2">
+        <a:scrgbClr r="0" g="0" b="0"/>
+      </a:lnRef>
+      <a:fillRef idx="1">
+        <a:scrgbClr r="0" g="0" b="0"/>
+      </a:fillRef>
+      <a:effectRef idx="0">
+        <a:scrgbClr r="0" g="0" b="0"/>
+      </a:effectRef>
+      <a:fontRef idx="minor">
+        <a:schemeClr val="lt1"/>
+      </a:fontRef>
+    </dgm:style>
+  </dgm:styleLbl>
+  <dgm:styleLbl name="parChTrans2D3">
+    <dgm:scene3d>
+      <a:camera prst="orthographicFront"/>
+      <a:lightRig rig="threePt" dir="t"/>
+    </dgm:scene3d>
+    <dgm:sp3d/>
+    <dgm:txPr/>
+    <dgm:style>
+      <a:lnRef idx="2">
+        <a:scrgbClr r="0" g="0" b="0"/>
+      </a:lnRef>
+      <a:fillRef idx="1">
+        <a:scrgbClr r="0" g="0" b="0"/>
+      </a:fillRef>
+      <a:effectRef idx="0">
+        <a:scrgbClr r="0" g="0" b="0"/>
+      </a:effectRef>
+      <a:fontRef idx="minor">
+        <a:schemeClr val="lt1"/>
+      </a:fontRef>
+    </dgm:style>
+  </dgm:styleLbl>
+  <dgm:styleLbl name="parChTrans2D4">
+    <dgm:scene3d>
+      <a:camera prst="orthographicFront"/>
+      <a:lightRig rig="threePt" dir="t"/>
+    </dgm:scene3d>
+    <dgm:sp3d/>
+    <dgm:txPr/>
+    <dgm:style>
+      <a:lnRef idx="2">
+        <a:scrgbClr r="0" g="0" b="0"/>
+      </a:lnRef>
+      <a:fillRef idx="1">
+        <a:scrgbClr r="0" g="0" b="0"/>
+      </a:fillRef>
+      <a:effectRef idx="0">
+        <a:scrgbClr r="0" g="0" b="0"/>
+      </a:effectRef>
+      <a:fontRef idx="minor">
+        <a:schemeClr val="lt1"/>
+      </a:fontRef>
+    </dgm:style>
+  </dgm:styleLbl>
+  <dgm:styleLbl name="parChTrans1D1">
+    <dgm:scene3d>
+      <a:camera prst="orthographicFront"/>
+      <a:lightRig rig="threePt" dir="t"/>
+    </dgm:scene3d>
+    <dgm:sp3d/>
+    <dgm:txPr/>
+    <dgm:style>
+      <a:lnRef idx="2">
+        <a:scrgbClr r="0" g="0" b="0"/>
+      </a:lnRef>
+      <a:fillRef idx="0">
+        <a:scrgbClr r="0" g="0" b="0"/>
+      </a:fillRef>
+      <a:effectRef idx="0">
+        <a:scrgbClr r="0" g="0" b="0"/>
+      </a:effectRef>
+      <a:fontRef idx="minor"/>
+    </dgm:style>
+  </dgm:styleLbl>
+  <dgm:styleLbl name="parChTrans1D2">
+    <dgm:scene3d>
+      <a:camera prst="orthographicFront"/>
+      <a:lightRig rig="threePt" dir="t"/>
+    </dgm:scene3d>
+    <dgm:sp3d/>
+    <dgm:txPr/>
+    <dgm:style>
+      <a:lnRef idx="2">
+        <a:scrgbClr r="0" g="0" b="0"/>
+      </a:lnRef>
+      <a:fillRef idx="0">
+        <a:scrgbClr r="0" g="0" b="0"/>
+      </a:fillRef>
+      <a:effectRef idx="0">
+        <a:scrgbClr r="0" g="0" b="0"/>
+      </a:effectRef>
+      <a:fontRef idx="minor"/>
+    </dgm:style>
+  </dgm:styleLbl>
+  <dgm:styleLbl name="parChTrans1D3">
+    <dgm:scene3d>
+      <a:camera prst="orthographicFront"/>
+      <a:lightRig rig="threePt" dir="t"/>
+    </dgm:scene3d>
+    <dgm:sp3d/>
+    <dgm:txPr/>
+    <dgm:style>
+      <a:lnRef idx="2">
+        <a:scrgbClr r="0" g="0" b="0"/>
+      </a:lnRef>
+      <a:fillRef idx="0">
+        <a:scrgbClr r="0" g="0" b="0"/>
+      </a:fillRef>
+      <a:effectRef idx="0">
+        <a:scrgbClr r="0" g="0" b="0"/>
+      </a:effectRef>
+      <a:fontRef idx="minor"/>
+    </dgm:style>
+  </dgm:styleLbl>
+  <dgm:styleLbl name="parChTrans1D4">
+    <dgm:scene3d>
+      <a:camera prst="orthographicFront"/>
+      <a:lightRig rig="threePt" dir="t"/>
+    </dgm:scene3d>
+    <dgm:sp3d/>
+    <dgm:txPr/>
+    <dgm:style>
+      <a:lnRef idx="2">
+        <a:scrgbClr r="0" g="0" b="0"/>
+      </a:lnRef>
+      <a:fillRef idx="0">
+        <a:scrgbClr r="0" g="0" b="0"/>
+      </a:fillRef>
+      <a:effectRef idx="0">
+        <a:scrgbClr r="0" g="0" b="0"/>
+      </a:effectRef>
+      <a:fontRef idx="minor"/>
+    </dgm:style>
+  </dgm:styleLbl>
+  <dgm:styleLbl name="fgAcc1">
+    <dgm:scene3d>
+      <a:camera prst="orthographicFront"/>
+      <a:lightRig rig="threePt" dir="t"/>
+    </dgm:scene3d>
+    <dgm:sp3d/>
+    <dgm:txPr/>
+    <dgm:style>
+      <a:lnRef idx="2">
+        <a:scrgbClr r="0" g="0" b="0"/>
+      </a:lnRef>
+      <a:fillRef idx="1">
+        <a:scrgbClr r="0" g="0" b="0"/>
+      </a:fillRef>
+      <a:effectRef idx="0">
+        <a:scrgbClr r="0" g="0" b="0"/>
+      </a:effectRef>
+      <a:fontRef idx="minor"/>
+    </dgm:style>
+  </dgm:styleLbl>
+  <dgm:styleLbl name="conFgAcc1">
+    <dgm:scene3d>
+      <a:camera prst="orthographicFront"/>
+      <a:lightRig rig="threePt" dir="t"/>
+    </dgm:scene3d>
+    <dgm:sp3d/>
+    <dgm:txPr/>
+    <dgm:style>
+      <a:lnRef idx="2">
+        <a:scrgbClr r="0" g="0" b="0"/>
+      </a:lnRef>
+      <a:fillRef idx="1">
+        <a:scrgbClr r="0" g="0" b="0"/>
+      </a:fillRef>
+      <a:effectRef idx="0">
+        <a:scrgbClr r="0" g="0" b="0"/>
+      </a:effectRef>
+      <a:fontRef idx="minor"/>
+    </dgm:style>
+  </dgm:styleLbl>
+  <dgm:styleLbl name="alignAcc1">
+    <dgm:scene3d>
+      <a:camera prst="orthographicFront"/>
+      <a:lightRig rig="threePt" dir="t"/>
+    </dgm:scene3d>
+    <dgm:sp3d/>
+    <dgm:txPr/>
+    <dgm:style>
+      <a:lnRef idx="2">
+        <a:scrgbClr r="0" g="0" b="0"/>
+      </a:lnRef>
+      <a:fillRef idx="1">
+        <a:scrgbClr r="0" g="0" b="0"/>
+      </a:fillRef>
+      <a:effectRef idx="0">
+        <a:scrgbClr r="0" g="0" b="0"/>
+      </a:effectRef>
+      <a:fontRef idx="minor"/>
+    </dgm:style>
+  </dgm:styleLbl>
+  <dgm:styleLbl name="trAlignAcc1">
+    <dgm:scene3d>
+      <a:camera prst="orthographicFront"/>
+      <a:lightRig rig="threePt" dir="t"/>
+    </dgm:scene3d>
+    <dgm:sp3d/>
+    <dgm:txPr/>
+    <dgm:style>
+      <a:lnRef idx="1">
+        <a:scrgbClr r="0" g="0" b="0"/>
+      </a:lnRef>
+      <a:fillRef idx="1">
+        <a:scrgbClr r="0" g="0" b="0"/>
+      </a:fillRef>
+      <a:effectRef idx="0">
+        <a:scrgbClr r="0" g="0" b="0"/>
+      </a:effectRef>
+      <a:fontRef idx="minor"/>
+    </dgm:style>
+  </dgm:styleLbl>
+  <dgm:styleLbl name="bgAcc1">
+    <dgm:scene3d>
+      <a:camera prst="orthographicFront"/>
+      <a:lightRig rig="threePt" dir="t"/>
+    </dgm:scene3d>
+    <dgm:sp3d/>
+    <dgm:txPr/>
+    <dgm:style>
+      <a:lnRef idx="2">
+        <a:scrgbClr r="0" g="0" b="0"/>
+      </a:lnRef>
+      <a:fillRef idx="1">
+        <a:scrgbClr r="0" g="0" b="0"/>
+      </a:fillRef>
+      <a:effectRef idx="0">
+        <a:scrgbClr r="0" g="0" b="0"/>
+      </a:effectRef>
+      <a:fontRef idx="minor"/>
+    </dgm:style>
+  </dgm:styleLbl>
+  <dgm:styleLbl name="solidFgAcc1">
+    <dgm:scene3d>
+      <a:camera prst="orthographicFront"/>
+      <a:lightRig rig="threePt" dir="t"/>
+    </dgm:scene3d>
+    <dgm:sp3d/>
+    <dgm:txPr/>
+    <dgm:style>
+      <a:lnRef idx="2">
+        <a:scrgbClr r="0" g="0" b="0"/>
+      </a:lnRef>
+      <a:fillRef idx="1">
+        <a:scrgbClr r="0" g="0" b="0"/>
+      </a:fillRef>
+      <a:effectRef idx="0">
+        <a:scrgbClr r="0" g="0" b="0"/>
+      </a:effectRef>
+      <a:fontRef idx="minor"/>
+    </dgm:style>
+  </dgm:styleLbl>
+  <dgm:styleLbl name="solidAlignAcc1">
+    <dgm:scene3d>
+      <a:camera prst="orthographicFront"/>
+      <a:lightRig rig="threePt" dir="t"/>
+    </dgm:scene3d>
+    <dgm:sp3d/>
+    <dgm:txPr/>
+    <dgm:style>
+      <a:lnRef idx="2">
+        <a:scrgbClr r="0" g="0" b="0"/>
+      </a:lnRef>
+      <a:fillRef idx="1">
+        <a:scrgbClr r="0" g="0" b="0"/>
+      </a:fillRef>
+      <a:effectRef idx="0">
+        <a:scrgbClr r="0" g="0" b="0"/>
+      </a:effectRef>
+      <a:fontRef idx="minor"/>
+    </dgm:style>
+  </dgm:styleLbl>
+  <dgm:styleLbl name="solidBgAcc1">
+    <dgm:scene3d>
+      <a:camera prst="orthographicFront"/>
+      <a:lightRig rig="threePt" dir="t"/>
+    </dgm:scene3d>
+    <dgm:sp3d/>
+    <dgm:txPr/>
+    <dgm:style>
+      <a:lnRef idx="2">
+        <a:scrgbClr r="0" g="0" b="0"/>
+      </a:lnRef>
+      <a:fillRef idx="1">
+        <a:scrgbClr r="0" g="0" b="0"/>
+      </a:fillRef>
+      <a:effectRef idx="0">
+        <a:scrgbClr r="0" g="0" b="0"/>
+      </a:effectRef>
+      <a:fontRef idx="minor"/>
+    </dgm:style>
+  </dgm:styleLbl>
+  <dgm:styleLbl name="fgAccFollowNode1">
+    <dgm:scene3d>
+      <a:camera prst="orthographicFront"/>
+      <a:lightRig rig="threePt" dir="t"/>
+    </dgm:scene3d>
+    <dgm:sp3d/>
+    <dgm:txPr/>
+    <dgm:style>
+      <a:lnRef idx="2">
+        <a:scrgbClr r="0" g="0" b="0"/>
+      </a:lnRef>
+      <a:fillRef idx="1">
+        <a:scrgbClr r="0" g="0" b="0"/>
+      </a:fillRef>
+      <a:effectRef idx="0">
+        <a:scrgbClr r="0" g="0" b="0"/>
+      </a:effectRef>
+      <a:fontRef idx="minor"/>
+    </dgm:style>
+  </dgm:styleLbl>
+  <dgm:styleLbl name="alignAccFollowNode1">
+    <dgm:scene3d>
+      <a:camera prst="orthographicFront"/>
+      <a:lightRig rig="threePt" dir="t"/>
+    </dgm:scene3d>
+    <dgm:sp3d/>
+    <dgm:txPr/>
+    <dgm:style>
+      <a:lnRef idx="2">
+        <a:scrgbClr r="0" g="0" b="0"/>
+      </a:lnRef>
+      <a:fillRef idx="1">
+        <a:scrgbClr r="0" g="0" b="0"/>
+      </a:fillRef>
+      <a:effectRef idx="0">
+        <a:scrgbClr r="0" g="0" b="0"/>
+      </a:effectRef>
+      <a:fontRef idx="minor"/>
+    </dgm:style>
+  </dgm:styleLbl>
+  <dgm:styleLbl name="bgAccFollowNode1">
+    <dgm:scene3d>
+      <a:camera prst="orthographicFront"/>
+      <a:lightRig rig="threePt" dir="t"/>
+    </dgm:scene3d>
+    <dgm:sp3d/>
+    <dgm:txPr/>
+    <dgm:style>
+      <a:lnRef idx="2">
+        <a:scrgbClr r="0" g="0" b="0"/>
+      </a:lnRef>
+      <a:fillRef idx="1">
+        <a:scrgbClr r="0" g="0" b="0"/>
+      </a:fillRef>
+      <a:effectRef idx="0">
+        <a:scrgbClr r="0" g="0" b="0"/>
+      </a:effectRef>
+      <a:fontRef idx="minor"/>
+    </dgm:style>
+  </dgm:styleLbl>
+  <dgm:styleLbl name="fgAcc0">
+    <dgm:scene3d>
+      <a:camera prst="orthographicFront"/>
+      <a:lightRig rig="threePt" dir="t"/>
+    </dgm:scene3d>
+    <dgm:sp3d/>
+    <dgm:txPr/>
+    <dgm:style>
+      <a:lnRef idx="2">
+        <a:scrgbClr r="0" g="0" b="0"/>
+      </a:lnRef>
+      <a:fillRef idx="1">
+        <a:scrgbClr r="0" g="0" b="0"/>
+      </a:fillRef>
+      <a:effectRef idx="0">
+        <a:scrgbClr r="0" g="0" b="0"/>
+      </a:effectRef>
+      <a:fontRef idx="minor"/>
+    </dgm:style>
+  </dgm:styleLbl>
+  <dgm:styleLbl name="fgAcc2">
+    <dgm:scene3d>
+      <a:camera prst="orthographicFront"/>
+      <a:lightRig rig="threePt" dir="t"/>
+    </dgm:scene3d>
+    <dgm:sp3d/>
+    <dgm:txPr/>
+    <dgm:style>
+      <a:lnRef idx="2">
+        <a:scrgbClr r="0" g="0" b="0"/>
+      </a:lnRef>
+      <a:fillRef idx="1">
+        <a:scrgbClr r="0" g="0" b="0"/>
+      </a:fillRef>
+      <a:effectRef idx="0">
+        <a:scrgbClr r="0" g="0" b="0"/>
+      </a:effectRef>
+      <a:fontRef idx="minor"/>
+    </dgm:style>
+  </dgm:styleLbl>
+  <dgm:styleLbl name="fgAcc3">
+    <dgm:scene3d>
+      <a:camera prst="orthographicFront"/>
+      <a:lightRig rig="threePt" dir="t"/>
+    </dgm:scene3d>
+    <dgm:sp3d/>
+    <dgm:txPr/>
+    <dgm:style>
+      <a:lnRef idx="2">
+        <a:scrgbClr r="0" g="0" b="0"/>
+      </a:lnRef>
+      <a:fillRef idx="1">
+        <a:scrgbClr r="0" g="0" b="0"/>
+      </a:fillRef>
+      <a:effectRef idx="0">
+        <a:scrgbClr r="0" g="0" b="0"/>
+      </a:effectRef>
+      <a:fontRef idx="minor"/>
+    </dgm:style>
+  </dgm:styleLbl>
+  <dgm:styleLbl name="fgAcc4">
+    <dgm:scene3d>
+      <a:camera prst="orthographicFront"/>
+      <a:lightRig rig="threePt" dir="t"/>
+    </dgm:scene3d>
+    <dgm:sp3d/>
+    <dgm:txPr/>
+    <dgm:style>
+      <a:lnRef idx="2">
+        <a:scrgbClr r="0" g="0" b="0"/>
+      </a:lnRef>
+      <a:fillRef idx="1">
+        <a:scrgbClr r="0" g="0" b="0"/>
+      </a:fillRef>
+      <a:effectRef idx="0">
+        <a:scrgbClr r="0" g="0" b="0"/>
+      </a:effectRef>
+      <a:fontRef idx="minor"/>
+    </dgm:style>
+  </dgm:styleLbl>
+  <dgm:styleLbl name="bgShp">
+    <dgm:scene3d>
+      <a:camera prst="orthographicFront"/>
+      <a:lightRig rig="threePt" dir="t"/>
+    </dgm:scene3d>
+    <dgm:sp3d/>
+    <dgm:txPr/>
+    <dgm:style>
+      <a:lnRef idx="0">
+        <a:scrgbClr r="0" g="0" b="0"/>
+      </a:lnRef>
+      <a:fillRef idx="1">
+        <a:scrgbClr r="0" g="0" b="0"/>
+      </a:fillRef>
+      <a:effectRef idx="0">
+        <a:scrgbClr r="0" g="0" b="0"/>
+      </a:effectRef>
+      <a:fontRef idx="minor"/>
+    </dgm:style>
+  </dgm:styleLbl>
+  <dgm:styleLbl name="dkBgShp">
+    <dgm:scene3d>
+      <a:camera prst="orthographicFront"/>
+      <a:lightRig rig="threePt" dir="t"/>
+    </dgm:scene3d>
+    <dgm:sp3d/>
+    <dgm:txPr/>
+    <dgm:style>
+      <a:lnRef idx="0">
+        <a:scrgbClr r="0" g="0" b="0"/>
+      </a:lnRef>
+      <a:fillRef idx="1">
+        <a:scrgbClr r="0" g="0" b="0"/>
+      </a:fillRef>
+      <a:effectRef idx="0">
+        <a:scrgbClr r="0" g="0" b="0"/>
+      </a:effectRef>
+      <a:fontRef idx="minor"/>
+    </dgm:style>
+  </dgm:styleLbl>
+  <dgm:styleLbl name="trBgShp">
+    <dgm:scene3d>
+      <a:camera prst="orthographicFront"/>
+      <a:lightRig rig="threePt" dir="t"/>
+    </dgm:scene3d>
+    <dgm:sp3d/>
+    <dgm:txPr/>
+    <dgm:style>
+      <a:lnRef idx="0">
+        <a:scrgbClr r="0" g="0" b="0"/>
+      </a:lnRef>
+      <a:fillRef idx="1">
+        <a:scrgbClr r="0" g="0" b="0"/>
+      </a:fillRef>
+      <a:effectRef idx="0">
+        <a:scrgbClr r="0" g="0" b="0"/>
+      </a:effectRef>
+      <a:fontRef idx="minor"/>
+    </dgm:style>
+  </dgm:styleLbl>
+  <dgm:styleLbl name="fgShp">
+    <dgm:scene3d>
+      <a:camera prst="orthographicFront"/>
+      <a:lightRig rig="threePt" dir="t"/>
+    </dgm:scene3d>
+    <dgm:sp3d/>
+    <dgm:txPr/>
+    <dgm:style>
+      <a:lnRef idx="2">
+        <a:scrgbClr r="0" g="0" b="0"/>
+      </a:lnRef>
+      <a:fillRef idx="1">
+        <a:scrgbClr r="0" g="0" b="0"/>
+      </a:fillRef>
+      <a:effectRef idx="0">
+        <a:scrgbClr r="0" g="0" b="0"/>
+      </a:effectRef>
+      <a:fontRef idx="minor"/>
+    </dgm:style>
+  </dgm:styleLbl>
+  <dgm:styleLbl name="revTx">
+    <dgm:scene3d>
+      <a:camera prst="orthographicFront"/>
+      <a:lightRig rig="threePt" dir="t"/>
+    </dgm:scene3d>
+    <dgm:sp3d/>
+    <dgm:txPr/>
+    <dgm:style>
+      <a:lnRef idx="0">
+        <a:scrgbClr r="0" g="0" b="0"/>
+      </a:lnRef>
+      <a:fillRef idx="0">
+        <a:scrgbClr r="0" g="0" b="0"/>
+      </a:fillRef>
+      <a:effectRef idx="0">
+        <a:scrgbClr r="0" g="0" b="0"/>
+      </a:effectRef>
+      <a:fontRef idx="minor"/>
+    </dgm:style>
+  </dgm:styleLbl>
+</dgm:styleDef>
+</file>
+
+<file path=ppt/diagrams/quickStyle2.xml><?xml version="1.0" encoding="utf-8"?>
+<dgm:styleDef xmlns:dgm="http://schemas.openxmlformats.org/drawingml/2006/diagram" xmlns:a="http://schemas.openxmlformats.org/drawingml/2006/main" uniqueId="urn:microsoft.com/office/officeart/2005/8/quickstyle/simple1">
+  <dgm:title val=""/>
+  <dgm:desc val=""/>
+  <dgm:catLst>
+    <dgm:cat type="simple" pri="10100"/>
+  </dgm:catLst>
+  <dgm:scene3d>
+    <a:camera prst="orthographicFront"/>
+    <a:lightRig rig="threePt" dir="t"/>
+  </dgm:scene3d>
+  <dgm:styleLbl name="node0">
+    <dgm:scene3d>
+      <a:camera prst="orthographicFront"/>
+      <a:lightRig rig="threePt" dir="t"/>
+    </dgm:scene3d>
+    <dgm:sp3d/>
+    <dgm:txPr/>
+    <dgm:style>
+      <a:lnRef idx="2">
+        <a:scrgbClr r="0" g="0" b="0"/>
+      </a:lnRef>
+      <a:fillRef idx="1">
+        <a:scrgbClr r="0" g="0" b="0"/>
+      </a:fillRef>
+      <a:effectRef idx="0">
+        <a:scrgbClr r="0" g="0" b="0"/>
+      </a:effectRef>
+      <a:fontRef idx="minor">
+        <a:schemeClr val="lt1"/>
+      </a:fontRef>
+    </dgm:style>
+  </dgm:styleLbl>
+  <dgm:styleLbl name="lnNode1">
+    <dgm:scene3d>
+      <a:camera prst="orthographicFront"/>
+      <a:lightRig rig="threePt" dir="t"/>
+    </dgm:scene3d>
+    <dgm:sp3d/>
+    <dgm:txPr/>
+    <dgm:style>
+      <a:lnRef idx="2">
+        <a:scrgbClr r="0" g="0" b="0"/>
+      </a:lnRef>
+      <a:fillRef idx="1">
+        <a:scrgbClr r="0" g="0" b="0"/>
+      </a:fillRef>
+      <a:effectRef idx="0">
+        <a:scrgbClr r="0" g="0" b="0"/>
+      </a:effectRef>
+      <a:fontRef idx="minor">
+        <a:schemeClr val="lt1"/>
+      </a:fontRef>
+    </dgm:style>
+  </dgm:styleLbl>
+  <dgm:styleLbl name="vennNode1">
+    <dgm:scene3d>
+      <a:camera prst="orthographicFront"/>
+      <a:lightRig rig="threePt" dir="t"/>
+    </dgm:scene3d>
+    <dgm:sp3d/>
+    <dgm:txPr/>
+    <dgm:style>
+      <a:lnRef idx="2">
+        <a:scrgbClr r="0" g="0" b="0"/>
+      </a:lnRef>
+      <a:fillRef idx="1">
+        <a:scrgbClr r="0" g="0" b="0"/>
+      </a:fillRef>
+      <a:effectRef idx="0">
+        <a:scrgbClr r="0" g="0" b="0"/>
+      </a:effectRef>
+      <a:fontRef idx="minor">
+        <a:schemeClr val="tx1"/>
+      </a:fontRef>
+    </dgm:style>
+  </dgm:styleLbl>
+  <dgm:styleLbl name="alignNode1">
+    <dgm:scene3d>
+      <a:camera prst="orthographicFront"/>
+      <a:lightRig rig="threePt" dir="t"/>
+    </dgm:scene3d>
+    <dgm:sp3d/>
+    <dgm:txPr/>
+    <dgm:style>
+      <a:lnRef idx="2">
+        <a:scrgbClr r="0" g="0" b="0"/>
+      </a:lnRef>
+      <a:fillRef idx="1">
+        <a:scrgbClr r="0" g="0" b="0"/>
+      </a:fillRef>
+      <a:effectRef idx="0">
+        <a:scrgbClr r="0" g="0" b="0"/>
+      </a:effectRef>
+      <a:fontRef idx="minor">
+        <a:schemeClr val="lt1"/>
+      </a:fontRef>
+    </dgm:style>
+  </dgm:styleLbl>
+  <dgm:styleLbl name="node1">
+    <dgm:scene3d>
+      <a:camera prst="orthographicFront"/>
+      <a:lightRig rig="threePt" dir="t"/>
+    </dgm:scene3d>
+    <dgm:sp3d/>
+    <dgm:txPr/>
+    <dgm:style>
+      <a:lnRef idx="2">
+        <a:scrgbClr r="0" g="0" b="0"/>
+      </a:lnRef>
+      <a:fillRef idx="1">
+        <a:scrgbClr r="0" g="0" b="0"/>
+      </a:fillRef>
+      <a:effectRef idx="0">
+        <a:scrgbClr r="0" g="0" b="0"/>
+      </a:effectRef>
+      <a:fontRef idx="minor">
+        <a:schemeClr val="lt1"/>
+      </a:fontRef>
+    </dgm:style>
+  </dgm:styleLbl>
+  <dgm:styleLbl name="node2">
+    <dgm:scene3d>
+      <a:camera prst="orthographicFront"/>
+      <a:lightRig rig="threePt" dir="t"/>
+    </dgm:scene3d>
+    <dgm:sp3d/>
+    <dgm:txPr/>
+    <dgm:style>
+      <a:lnRef idx="2">
+        <a:scrgbClr r="0" g="0" b="0"/>
+      </a:lnRef>
+      <a:fillRef idx="1">
+        <a:scrgbClr r="0" g="0" b="0"/>
+      </a:fillRef>
+      <a:effectRef idx="0">
+        <a:scrgbClr r="0" g="0" b="0"/>
+      </a:effectRef>
+      <a:fontRef idx="minor">
+        <a:schemeClr val="lt1"/>
+      </a:fontRef>
+    </dgm:style>
+  </dgm:styleLbl>
+  <dgm:styleLbl name="node3">
+    <dgm:scene3d>
+      <a:camera prst="orthographicFront"/>
+      <a:lightRig rig="threePt" dir="t"/>
+    </dgm:scene3d>
+    <dgm:sp3d/>
+    <dgm:txPr/>
+    <dgm:style>
+      <a:lnRef idx="2">
+        <a:scrgbClr r="0" g="0" b="0"/>
+      </a:lnRef>
+      <a:fillRef idx="1">
+        <a:scrgbClr r="0" g="0" b="0"/>
+      </a:fillRef>
+      <a:effectRef idx="0">
+        <a:scrgbClr r="0" g="0" b="0"/>
+      </a:effectRef>
+      <a:fontRef idx="minor">
+        <a:schemeClr val="lt1"/>
+      </a:fontRef>
+    </dgm:style>
+  </dgm:styleLbl>
+  <dgm:styleLbl name="node4">
+    <dgm:scene3d>
+      <a:camera prst="orthographicFront"/>
+      <a:lightRig rig="threePt" dir="t"/>
+    </dgm:scene3d>
+    <dgm:sp3d/>
+    <dgm:txPr/>
+    <dgm:style>
+      <a:lnRef idx="2">
+        <a:scrgbClr r="0" g="0" b="0"/>
+      </a:lnRef>
+      <a:fillRef idx="1">
+        <a:scrgbClr r="0" g="0" b="0"/>
+      </a:fillRef>
+      <a:effectRef idx="0">
+        <a:scrgbClr r="0" g="0" b="0"/>
+      </a:effectRef>
+      <a:fontRef idx="minor">
+        <a:schemeClr val="lt1"/>
+      </a:fontRef>
+    </dgm:style>
+  </dgm:styleLbl>
+  <dgm:styleLbl name="fgImgPlace1">
+    <dgm:scene3d>
+      <a:camera prst="orthographicFront"/>
+      <a:lightRig rig="threePt" dir="t"/>
+    </dgm:scene3d>
+    <dgm:sp3d/>
+    <dgm:txPr/>
+    <dgm:style>
+      <a:lnRef idx="2">
+        <a:scrgbClr r="0" g="0" b="0"/>
+      </a:lnRef>
+      <a:fillRef idx="1">
+        <a:scrgbClr r="0" g="0" b="0"/>
+      </a:fillRef>
+      <a:effectRef idx="0">
+        <a:scrgbClr r="0" g="0" b="0"/>
+      </a:effectRef>
+      <a:fontRef idx="minor"/>
+    </dgm:style>
+  </dgm:styleLbl>
+  <dgm:styleLbl name="alignImgPlace1">
+    <dgm:scene3d>
+      <a:camera prst="orthographicFront"/>
+      <a:lightRig rig="threePt" dir="t"/>
+    </dgm:scene3d>
+    <dgm:sp3d/>
+    <dgm:txPr/>
+    <dgm:style>
+      <a:lnRef idx="2">
+        <a:scrgbClr r="0" g="0" b="0"/>
+      </a:lnRef>
+      <a:fillRef idx="1">
+        <a:scrgbClr r="0" g="0" b="0"/>
+      </a:fillRef>
+      <a:effectRef idx="0">
+        <a:scrgbClr r="0" g="0" b="0"/>
+      </a:effectRef>
+      <a:fontRef idx="minor"/>
+    </dgm:style>
+  </dgm:styleLbl>
+  <dgm:styleLbl name="bgImgPlace1">
+    <dgm:scene3d>
+      <a:camera prst="orthographicFront"/>
+      <a:lightRig rig="threePt" dir="t"/>
+    </dgm:scene3d>
+    <dgm:sp3d/>
+    <dgm:txPr/>
+    <dgm:style>
+      <a:lnRef idx="2">
+        <a:scrgbClr r="0" g="0" b="0"/>
+      </a:lnRef>
+      <a:fillRef idx="1">
+        <a:scrgbClr r="0" g="0" b="0"/>
+      </a:fillRef>
+      <a:effectRef idx="0">
+        <a:scrgbClr r="0" g="0" b="0"/>
+      </a:effectRef>
+      <a:fontRef idx="minor"/>
+    </dgm:style>
+  </dgm:styleLbl>
+  <dgm:styleLbl name="sibTrans2D1">
+    <dgm:scene3d>
+      <a:camera prst="orthographicFront"/>
+      <a:lightRig rig="threePt" dir="t"/>
+    </dgm:scene3d>
+    <dgm:sp3d/>
+    <dgm:txPr/>
+    <dgm:style>
+      <a:lnRef idx="0">
+        <a:scrgbClr r="0" g="0" b="0"/>
+      </a:lnRef>
+      <a:fillRef idx="1">
+        <a:scrgbClr r="0" g="0" b="0"/>
+      </a:fillRef>
+      <a:effectRef idx="0">
+        <a:scrgbClr r="0" g="0" b="0"/>
+      </a:effectRef>
+      <a:fontRef idx="minor">
+        <a:schemeClr val="lt1"/>
+      </a:fontRef>
+    </dgm:style>
+  </dgm:styleLbl>
+  <dgm:styleLbl name="fgSibTrans2D1">
+    <dgm:scene3d>
+      <a:camera prst="orthographicFront"/>
+      <a:lightRig rig="threePt" dir="t"/>
+    </dgm:scene3d>
+    <dgm:sp3d/>
+    <dgm:txPr/>
+    <dgm:style>
+      <a:lnRef idx="0">
+        <a:scrgbClr r="0" g="0" b="0"/>
+      </a:lnRef>
+      <a:fillRef idx="1">
+        <a:scrgbClr r="0" g="0" b="0"/>
+      </a:fillRef>
+      <a:effectRef idx="0">
+        <a:scrgbClr r="0" g="0" b="0"/>
+      </a:effectRef>
+      <a:fontRef idx="minor">
+        <a:schemeClr val="lt1"/>
+      </a:fontRef>
+    </dgm:style>
+  </dgm:styleLbl>
+  <dgm:styleLbl name="bgSibTrans2D1">
+    <dgm:scene3d>
+      <a:camera prst="orthographicFront"/>
+      <a:lightRig rig="threePt" dir="t"/>
+    </dgm:scene3d>
+    <dgm:sp3d/>
+    <dgm:txPr/>
+    <dgm:style>
+      <a:lnRef idx="0">
+        <a:scrgbClr r="0" g="0" b="0"/>
+      </a:lnRef>
+      <a:fillRef idx="1">
+        <a:scrgbClr r="0" g="0" b="0"/>
+      </a:fillRef>
+      <a:effectRef idx="0">
+        <a:scrgbClr r="0" g="0" b="0"/>
+      </a:effectRef>
+      <a:fontRef idx="minor">
+        <a:schemeClr val="lt1"/>
+      </a:fontRef>
+    </dgm:style>
+  </dgm:styleLbl>
+  <dgm:styleLbl name="sibTrans1D1">
+    <dgm:scene3d>
+      <a:camera prst="orthographicFront"/>
+      <a:lightRig rig="threePt" dir="t"/>
+    </dgm:scene3d>
+    <dgm:sp3d/>
+    <dgm:txPr/>
+    <dgm:style>
+      <a:lnRef idx="1">
+        <a:scrgbClr r="0" g="0" b="0"/>
+      </a:lnRef>
+      <a:fillRef idx="0">
+        <a:scrgbClr r="0" g="0" b="0"/>
+      </a:fillRef>
+      <a:effectRef idx="0">
+        <a:scrgbClr r="0" g="0" b="0"/>
+      </a:effectRef>
+      <a:fontRef idx="minor"/>
+    </dgm:style>
+  </dgm:styleLbl>
+  <dgm:styleLbl name="callout">
+    <dgm:scene3d>
+      <a:camera prst="orthographicFront"/>
+      <a:lightRig rig="threePt" dir="t"/>
+    </dgm:scene3d>
+    <dgm:sp3d/>
+    <dgm:txPr/>
+    <dgm:style>
+      <a:lnRef idx="2">
+        <a:scrgbClr r="0" g="0" b="0"/>
+      </a:lnRef>
+      <a:fillRef idx="1">
+        <a:scrgbClr r="0" g="0" b="0"/>
+      </a:fillRef>
+      <a:effectRef idx="0">
+        <a:scrgbClr r="0" g="0" b="0"/>
+      </a:effectRef>
+      <a:fontRef idx="minor"/>
+    </dgm:style>
+  </dgm:styleLbl>
+  <dgm:styleLbl name="asst0">
+    <dgm:scene3d>
+      <a:camera prst="orthographicFront"/>
+      <a:lightRig rig="threePt" dir="t"/>
+    </dgm:scene3d>
+    <dgm:sp3d/>
+    <dgm:txPr/>
+    <dgm:style>
+      <a:lnRef idx="2">
+        <a:scrgbClr r="0" g="0" b="0"/>
+      </a:lnRef>
+      <a:fillRef idx="1">
+        <a:scrgbClr r="0" g="0" b="0"/>
+      </a:fillRef>
+      <a:effectRef idx="0">
+        <a:scrgbClr r="0" g="0" b="0"/>
+      </a:effectRef>
+      <a:fontRef idx="minor">
+        <a:schemeClr val="lt1"/>
+      </a:fontRef>
+    </dgm:style>
+  </dgm:styleLbl>
+  <dgm:styleLbl name="asst1">
+    <dgm:scene3d>
+      <a:camera prst="orthographicFront"/>
+      <a:lightRig rig="threePt" dir="t"/>
+    </dgm:scene3d>
+    <dgm:sp3d/>
+    <dgm:txPr/>
+    <dgm:style>
+      <a:lnRef idx="2">
+        <a:scrgbClr r="0" g="0" b="0"/>
+      </a:lnRef>
+      <a:fillRef idx="1">
+        <a:scrgbClr r="0" g="0" b="0"/>
+      </a:fillRef>
+      <a:effectRef idx="0">
+        <a:scrgbClr r="0" g="0" b="0"/>
+      </a:effectRef>
+      <a:fontRef idx="minor">
+        <a:schemeClr val="lt1"/>
+      </a:fontRef>
+    </dgm:style>
+  </dgm:styleLbl>
+  <dgm:styleLbl name="asst2">
+    <dgm:scene3d>
+      <a:camera prst="orthographicFront"/>
+      <a:lightRig rig="threePt" dir="t"/>
+    </dgm:scene3d>
+    <dgm:sp3d/>
+    <dgm:txPr/>
+    <dgm:style>
+      <a:lnRef idx="2">
+        <a:scrgbClr r="0" g="0" b="0"/>
+      </a:lnRef>
+      <a:fillRef idx="1">
+        <a:scrgbClr r="0" g="0" b="0"/>
+      </a:fillRef>
+      <a:effectRef idx="0">
+        <a:scrgbClr r="0" g="0" b="0"/>
+      </a:effectRef>
+      <a:fontRef idx="minor">
+        <a:schemeClr val="lt1"/>
+      </a:fontRef>
+    </dgm:style>
+  </dgm:styleLbl>
+  <dgm:styleLbl name="asst3">
+    <dgm:scene3d>
+      <a:camera prst="orthographicFront"/>
+      <a:lightRig rig="threePt" dir="t"/>
+    </dgm:scene3d>
+    <dgm:sp3d/>
+    <dgm:txPr/>
+    <dgm:style>
+      <a:lnRef idx="2">
+        <a:scrgbClr r="0" g="0" b="0"/>
+      </a:lnRef>
+      <a:fillRef idx="1">
+        <a:scrgbClr r="0" g="0" b="0"/>
+      </a:fillRef>
+      <a:effectRef idx="0">
+        <a:scrgbClr r="0" g="0" b="0"/>
+      </a:effectRef>
+      <a:fontRef idx="minor">
+        <a:schemeClr val="lt1"/>
+      </a:fontRef>
+    </dgm:style>
+  </dgm:styleLbl>
+  <dgm:styleLbl name="asst4">
+    <dgm:scene3d>
+      <a:camera prst="orthographicFront"/>
+      <a:lightRig rig="threePt" dir="t"/>
+    </dgm:scene3d>
+    <dgm:sp3d/>
+    <dgm:txPr/>
+    <dgm:style>
+      <a:lnRef idx="2">
+        <a:scrgbClr r="0" g="0" b="0"/>
+      </a:lnRef>
+      <a:fillRef idx="1">
+        <a:scrgbClr r="0" g="0" b="0"/>
+      </a:fillRef>
+      <a:effectRef idx="0">
+        <a:scrgbClr r="0" g="0" b="0"/>
+      </a:effectRef>
+      <a:fontRef idx="minor">
+        <a:schemeClr val="lt1"/>
+      </a:fontRef>
+    </dgm:style>
+  </dgm:styleLbl>
+  <dgm:styleLbl name="parChTrans2D1">
+    <dgm:scene3d>
+      <a:camera prst="orthographicFront"/>
+      <a:lightRig rig="threePt" dir="t"/>
+    </dgm:scene3d>
+    <dgm:sp3d/>
+    <dgm:txPr/>
+    <dgm:style>
+      <a:lnRef idx="2">
+        <a:scrgbClr r="0" g="0" b="0"/>
+      </a:lnRef>
+      <a:fillRef idx="1">
+        <a:scrgbClr r="0" g="0" b="0"/>
+      </a:fillRef>
+      <a:effectRef idx="0">
+        <a:scrgbClr r="0" g="0" b="0"/>
+      </a:effectRef>
+      <a:fontRef idx="minor">
+        <a:schemeClr val="lt1"/>
+      </a:fontRef>
+    </dgm:style>
+  </dgm:styleLbl>
+  <dgm:styleLbl name="parChTrans2D2">
+    <dgm:scene3d>
+      <a:camera prst="orthographicFront"/>
+      <a:lightRig rig="threePt" dir="t"/>
+    </dgm:scene3d>
+    <dgm:sp3d/>
+    <dgm:txPr/>
+    <dgm:style>
+      <a:lnRef idx="2">
+        <a:scrgbClr r="0" g="0" b="0"/>
+      </a:lnRef>
+      <a:fillRef idx="1">
+        <a:scrgbClr r="0" g="0" b="0"/>
+      </a:fillRef>
+      <a:effectRef idx="0">
+        <a:scrgbClr r="0" g="0" b="0"/>
+      </a:effectRef>
+      <a:fontRef idx="minor">
+        <a:schemeClr val="lt1"/>
+      </a:fontRef>
+    </dgm:style>
+  </dgm:styleLbl>
+  <dgm:styleLbl name="parChTrans2D3">
+    <dgm:scene3d>
+      <a:camera prst="orthographicFront"/>
+      <a:lightRig rig="threePt" dir="t"/>
+    </dgm:scene3d>
+    <dgm:sp3d/>
+    <dgm:txPr/>
+    <dgm:style>
+      <a:lnRef idx="2">
+        <a:scrgbClr r="0" g="0" b="0"/>
+      </a:lnRef>
+      <a:fillRef idx="1">
+        <a:scrgbClr r="0" g="0" b="0"/>
+      </a:fillRef>
+      <a:effectRef idx="0">
+        <a:scrgbClr r="0" g="0" b="0"/>
+      </a:effectRef>
+      <a:fontRef idx="minor">
+        <a:schemeClr val="lt1"/>
+      </a:fontRef>
+    </dgm:style>
+  </dgm:styleLbl>
+  <dgm:styleLbl name="parChTrans2D4">
+    <dgm:scene3d>
+      <a:camera prst="orthographicFront"/>
+      <a:lightRig rig="threePt" dir="t"/>
+    </dgm:scene3d>
+    <dgm:sp3d/>
+    <dgm:txPr/>
+    <dgm:style>
+      <a:lnRef idx="2">
+        <a:scrgbClr r="0" g="0" b="0"/>
+      </a:lnRef>
+      <a:fillRef idx="1">
+        <a:scrgbClr r="0" g="0" b="0"/>
+      </a:fillRef>
+      <a:effectRef idx="0">
+        <a:scrgbClr r="0" g="0" b="0"/>
+      </a:effectRef>
+      <a:fontRef idx="minor">
+        <a:schemeClr val="lt1"/>
+      </a:fontRef>
+    </dgm:style>
+  </dgm:styleLbl>
+  <dgm:styleLbl name="parChTrans1D1">
+    <dgm:scene3d>
+      <a:camera prst="orthographicFront"/>
+      <a:lightRig rig="threePt" dir="t"/>
+    </dgm:scene3d>
+    <dgm:sp3d/>
+    <dgm:txPr/>
+    <dgm:style>
+      <a:lnRef idx="2">
+        <a:scrgbClr r="0" g="0" b="0"/>
+      </a:lnRef>
+      <a:fillRef idx="0">
+        <a:scrgbClr r="0" g="0" b="0"/>
+      </a:fillRef>
+      <a:effectRef idx="0">
+        <a:scrgbClr r="0" g="0" b="0"/>
+      </a:effectRef>
+      <a:fontRef idx="minor"/>
+    </dgm:style>
+  </dgm:styleLbl>
+  <dgm:styleLbl name="parChTrans1D2">
+    <dgm:scene3d>
+      <a:camera prst="orthographicFront"/>
+      <a:lightRig rig="threePt" dir="t"/>
+    </dgm:scene3d>
+    <dgm:sp3d/>
+    <dgm:txPr/>
+    <dgm:style>
+      <a:lnRef idx="2">
+        <a:scrgbClr r="0" g="0" b="0"/>
+      </a:lnRef>
+      <a:fillRef idx="0">
+        <a:scrgbClr r="0" g="0" b="0"/>
+      </a:fillRef>
+      <a:effectRef idx="0">
+        <a:scrgbClr r="0" g="0" b="0"/>
+      </a:effectRef>
+      <a:fontRef idx="minor"/>
+    </dgm:style>
+  </dgm:styleLbl>
+  <dgm:styleLbl name="parChTrans1D3">
+    <dgm:scene3d>
+      <a:camera prst="orthographicFront"/>
+      <a:lightRig rig="threePt" dir="t"/>
+    </dgm:scene3d>
+    <dgm:sp3d/>
+    <dgm:txPr/>
+    <dgm:style>
+      <a:lnRef idx="2">
+        <a:scrgbClr r="0" g="0" b="0"/>
+      </a:lnRef>
+      <a:fillRef idx="0">
+        <a:scrgbClr r="0" g="0" b="0"/>
+      </a:fillRef>
+      <a:effectRef idx="0">
+        <a:scrgbClr r="0" g="0" b="0"/>
+      </a:effectRef>
+      <a:fontRef idx="minor"/>
+    </dgm:style>
+  </dgm:styleLbl>
+  <dgm:styleLbl name="parChTrans1D4">
+    <dgm:scene3d>
+      <a:camera prst="orthographicFront"/>
+      <a:lightRig rig="threePt" dir="t"/>
+    </dgm:scene3d>
+    <dgm:sp3d/>
+    <dgm:txPr/>
+    <dgm:style>
+      <a:lnRef idx="2">
+        <a:scrgbClr r="0" g="0" b="0"/>
+      </a:lnRef>
+      <a:fillRef idx="0">
+        <a:scrgbClr r="0" g="0" b="0"/>
+      </a:fillRef>
+      <a:effectRef idx="0">
+        <a:scrgbClr r="0" g="0" b="0"/>
+      </a:effectRef>
+      <a:fontRef idx="minor"/>
+    </dgm:style>
+  </dgm:styleLbl>
+  <dgm:styleLbl name="fgAcc1">
+    <dgm:scene3d>
+      <a:camera prst="orthographicFront"/>
+      <a:lightRig rig="threePt" dir="t"/>
+    </dgm:scene3d>
+    <dgm:sp3d/>
+    <dgm:txPr/>
+    <dgm:style>
+      <a:lnRef idx="2">
+        <a:scrgbClr r="0" g="0" b="0"/>
+      </a:lnRef>
+      <a:fillRef idx="1">
+        <a:scrgbClr r="0" g="0" b="0"/>
+      </a:fillRef>
+      <a:effectRef idx="0">
+        <a:scrgbClr r="0" g="0" b="0"/>
+      </a:effectRef>
+      <a:fontRef idx="minor"/>
+    </dgm:style>
+  </dgm:styleLbl>
+  <dgm:styleLbl name="conFgAcc1">
+    <dgm:scene3d>
+      <a:camera prst="orthographicFront"/>
+      <a:lightRig rig="threePt" dir="t"/>
+    </dgm:scene3d>
+    <dgm:sp3d/>
+    <dgm:txPr/>
+    <dgm:style>
+      <a:lnRef idx="2">
+        <a:scrgbClr r="0" g="0" b="0"/>
+      </a:lnRef>
+      <a:fillRef idx="1">
+        <a:scrgbClr r="0" g="0" b="0"/>
+      </a:fillRef>
+      <a:effectRef idx="0">
+        <a:scrgbClr r="0" g="0" b="0"/>
+      </a:effectRef>
+      <a:fontRef idx="minor"/>
+    </dgm:style>
+  </dgm:styleLbl>
+  <dgm:styleLbl name="alignAcc1">
+    <dgm:scene3d>
+      <a:camera prst="orthographicFront"/>
+      <a:lightRig rig="threePt" dir="t"/>
+    </dgm:scene3d>
+    <dgm:sp3d/>
+    <dgm:txPr/>
+    <dgm:style>
+      <a:lnRef idx="2">
+        <a:scrgbClr r="0" g="0" b="0"/>
+      </a:lnRef>
+      <a:fillRef idx="1">
+        <a:scrgbClr r="0" g="0" b="0"/>
+      </a:fillRef>
+      <a:effectRef idx="0">
+        <a:scrgbClr r="0" g="0" b="0"/>
+      </a:effectRef>
+      <a:fontRef idx="minor"/>
+    </dgm:style>
+  </dgm:styleLbl>
+  <dgm:styleLbl name="trAlignAcc1">
+    <dgm:scene3d>
+      <a:camera prst="orthographicFront"/>
+      <a:lightRig rig="threePt" dir="t"/>
+    </dgm:scene3d>
+    <dgm:sp3d/>
+    <dgm:txPr/>
+    <dgm:style>
+      <a:lnRef idx="1">
+        <a:scrgbClr r="0" g="0" b="0"/>
+      </a:lnRef>
+      <a:fillRef idx="1">
+        <a:scrgbClr r="0" g="0" b="0"/>
+      </a:fillRef>
+      <a:effectRef idx="0">
+        <a:scrgbClr r="0" g="0" b="0"/>
+      </a:effectRef>
+      <a:fontRef idx="minor"/>
+    </dgm:style>
+  </dgm:styleLbl>
+  <dgm:styleLbl name="bgAcc1">
+    <dgm:scene3d>
+      <a:camera prst="orthographicFront"/>
+      <a:lightRig rig="threePt" dir="t"/>
+    </dgm:scene3d>
+    <dgm:sp3d/>
+    <dgm:txPr/>
+    <dgm:style>
+      <a:lnRef idx="2">
+        <a:scrgbClr r="0" g="0" b="0"/>
+      </a:lnRef>
+      <a:fillRef idx="1">
+        <a:scrgbClr r="0" g="0" b="0"/>
+      </a:fillRef>
+      <a:effectRef idx="0">
+        <a:scrgbClr r="0" g="0" b="0"/>
+      </a:effectRef>
+      <a:fontRef idx="minor"/>
+    </dgm:style>
+  </dgm:styleLbl>
+  <dgm:styleLbl name="solidFgAcc1">
+    <dgm:scene3d>
+      <a:camera prst="orthographicFront"/>
+      <a:lightRig rig="threePt" dir="t"/>
+    </dgm:scene3d>
+    <dgm:sp3d/>
+    <dgm:txPr/>
+    <dgm:style>
+      <a:lnRef idx="2">
+        <a:scrgbClr r="0" g="0" b="0"/>
+      </a:lnRef>
+      <a:fillRef idx="1">
+        <a:scrgbClr r="0" g="0" b="0"/>
+      </a:fillRef>
+      <a:effectRef idx="0">
+        <a:scrgbClr r="0" g="0" b="0"/>
+      </a:effectRef>
+      <a:fontRef idx="minor"/>
+    </dgm:style>
+  </dgm:styleLbl>
+  <dgm:styleLbl name="solidAlignAcc1">
+    <dgm:scene3d>
+      <a:camera prst="orthographicFront"/>
+      <a:lightRig rig="threePt" dir="t"/>
+    </dgm:scene3d>
+    <dgm:sp3d/>
+    <dgm:txPr/>
+    <dgm:style>
+      <a:lnRef idx="2">
+        <a:scrgbClr r="0" g="0" b="0"/>
+      </a:lnRef>
+      <a:fillRef idx="1">
+        <a:scrgbClr r="0" g="0" b="0"/>
+      </a:fillRef>
+      <a:effectRef idx="0">
+        <a:scrgbClr r="0" g="0" b="0"/>
+      </a:effectRef>
+      <a:fontRef idx="minor"/>
+    </dgm:style>
+  </dgm:styleLbl>
+  <dgm:styleLbl name="solidBgAcc1">
+    <dgm:scene3d>
+      <a:camera prst="orthographicFront"/>
+      <a:lightRig rig="threePt" dir="t"/>
+    </dgm:scene3d>
+    <dgm:sp3d/>
+    <dgm:txPr/>
+    <dgm:style>
+      <a:lnRef idx="2">
+        <a:scrgbClr r="0" g="0" b="0"/>
+      </a:lnRef>
+      <a:fillRef idx="1">
+        <a:scrgbClr r="0" g="0" b="0"/>
+      </a:fillRef>
+      <a:effectRef idx="0">
+        <a:scrgbClr r="0" g="0" b="0"/>
+      </a:effectRef>
+      <a:fontRef idx="minor"/>
+    </dgm:style>
+  </dgm:styleLbl>
+  <dgm:styleLbl name="fgAccFollowNode1">
+    <dgm:scene3d>
+      <a:camera prst="orthographicFront"/>
+      <a:lightRig rig="threePt" dir="t"/>
+    </dgm:scene3d>
+    <dgm:sp3d/>
+    <dgm:txPr/>
+    <dgm:style>
+      <a:lnRef idx="2">
+        <a:scrgbClr r="0" g="0" b="0"/>
+      </a:lnRef>
+      <a:fillRef idx="1">
+        <a:scrgbClr r="0" g="0" b="0"/>
+      </a:fillRef>
+      <a:effectRef idx="0">
+        <a:scrgbClr r="0" g="0" b="0"/>
+      </a:effectRef>
+      <a:fontRef idx="minor"/>
+    </dgm:style>
+  </dgm:styleLbl>
+  <dgm:styleLbl name="alignAccFollowNode1">
+    <dgm:scene3d>
+      <a:camera prst="orthographicFront"/>
+      <a:lightRig rig="threePt" dir="t"/>
+    </dgm:scene3d>
+    <dgm:sp3d/>
+    <dgm:txPr/>
+    <dgm:style>
+      <a:lnRef idx="2">
+        <a:scrgbClr r="0" g="0" b="0"/>
+      </a:lnRef>
+      <a:fillRef idx="1">
+        <a:scrgbClr r="0" g="0" b="0"/>
+      </a:fillRef>
+      <a:effectRef idx="0">
+        <a:scrgbClr r="0" g="0" b="0"/>
+      </a:effectRef>
+      <a:fontRef idx="minor"/>
+    </dgm:style>
+  </dgm:styleLbl>
+  <dgm:styleLbl name="bgAccFollowNode1">
+    <dgm:scene3d>
+      <a:camera prst="orthographicFront"/>
+      <a:lightRig rig="threePt" dir="t"/>
+    </dgm:scene3d>
+    <dgm:sp3d/>
+    <dgm:txPr/>
+    <dgm:style>
+      <a:lnRef idx="2">
+        <a:scrgbClr r="0" g="0" b="0"/>
+      </a:lnRef>
+      <a:fillRef idx="1">
+        <a:scrgbClr r="0" g="0" b="0"/>
+      </a:fillRef>
+      <a:effectRef idx="0">
+        <a:scrgbClr r="0" g="0" b="0"/>
+      </a:effectRef>
+      <a:fontRef idx="minor"/>
+    </dgm:style>
+  </dgm:styleLbl>
+  <dgm:styleLbl name="fgAcc0">
+    <dgm:scene3d>
+      <a:camera prst="orthographicFront"/>
+      <a:lightRig rig="threePt" dir="t"/>
+    </dgm:scene3d>
+    <dgm:sp3d/>
+    <dgm:txPr/>
+    <dgm:style>
+      <a:lnRef idx="2">
+        <a:scrgbClr r="0" g="0" b="0"/>
+      </a:lnRef>
+      <a:fillRef idx="1">
+        <a:scrgbClr r="0" g="0" b="0"/>
+      </a:fillRef>
+      <a:effectRef idx="0">
+        <a:scrgbClr r="0" g="0" b="0"/>
+      </a:effectRef>
+      <a:fontRef idx="minor"/>
+    </dgm:style>
+  </dgm:styleLbl>
+  <dgm:styleLbl name="fgAcc2">
+    <dgm:scene3d>
+      <a:camera prst="orthographicFront"/>
+      <a:lightRig rig="threePt" dir="t"/>
+    </dgm:scene3d>
+    <dgm:sp3d/>
+    <dgm:txPr/>
+    <dgm:style>
+      <a:lnRef idx="2">
+        <a:scrgbClr r="0" g="0" b="0"/>
+      </a:lnRef>
+      <a:fillRef idx="1">
+        <a:scrgbClr r="0" g="0" b="0"/>
+      </a:fillRef>
+      <a:effectRef idx="0">
+        <a:scrgbClr r="0" g="0" b="0"/>
+      </a:effectRef>
+      <a:fontRef idx="minor"/>
+    </dgm:style>
+  </dgm:styleLbl>
+  <dgm:styleLbl name="fgAcc3">
+    <dgm:scene3d>
+      <a:camera prst="orthographicFront"/>
+      <a:lightRig rig="threePt" dir="t"/>
+    </dgm:scene3d>
+    <dgm:sp3d/>
+    <dgm:txPr/>
+    <dgm:style>
+      <a:lnRef idx="2">
+        <a:scrgbClr r="0" g="0" b="0"/>
+      </a:lnRef>
+      <a:fillRef idx="1">
+        <a:scrgbClr r="0" g="0" b="0"/>
+      </a:fillRef>
+      <a:effectRef idx="0">
+        <a:scrgbClr r="0" g="0" b="0"/>
+      </a:effectRef>
+      <a:fontRef idx="minor"/>
+    </dgm:style>
+  </dgm:styleLbl>
+  <dgm:styleLbl name="fgAcc4">
+    <dgm:scene3d>
+      <a:camera prst="orthographicFront"/>
+      <a:lightRig rig="threePt" dir="t"/>
+    </dgm:scene3d>
+    <dgm:sp3d/>
+    <dgm:txPr/>
+    <dgm:style>
+      <a:lnRef idx="2">
+        <a:scrgbClr r="0" g="0" b="0"/>
+      </a:lnRef>
+      <a:fillRef idx="1">
+        <a:scrgbClr r="0" g="0" b="0"/>
+      </a:fillRef>
+      <a:effectRef idx="0">
+        <a:scrgbClr r="0" g="0" b="0"/>
+      </a:effectRef>
+      <a:fontRef idx="minor"/>
+    </dgm:style>
+  </dgm:styleLbl>
+  <dgm:styleLbl name="bgShp">
+    <dgm:scene3d>
+      <a:camera prst="orthographicFront"/>
+      <a:lightRig rig="threePt" dir="t"/>
+    </dgm:scene3d>
+    <dgm:sp3d/>
+    <dgm:txPr/>
+    <dgm:style>
+      <a:lnRef idx="0">
+        <a:scrgbClr r="0" g="0" b="0"/>
+      </a:lnRef>
+      <a:fillRef idx="1">
+        <a:scrgbClr r="0" g="0" b="0"/>
+      </a:fillRef>
+      <a:effectRef idx="0">
+        <a:scrgbClr r="0" g="0" b="0"/>
+      </a:effectRef>
+      <a:fontRef idx="minor"/>
+    </dgm:style>
+  </dgm:styleLbl>
+  <dgm:styleLbl name="dkBgShp">
+    <dgm:scene3d>
+      <a:camera prst="orthographicFront"/>
+      <a:lightRig rig="threePt" dir="t"/>
+    </dgm:scene3d>
+    <dgm:sp3d/>
+    <dgm:txPr/>
+    <dgm:style>
+      <a:lnRef idx="0">
+        <a:scrgbClr r="0" g="0" b="0"/>
+      </a:lnRef>
+      <a:fillRef idx="1">
+        <a:scrgbClr r="0" g="0" b="0"/>
+      </a:fillRef>
+      <a:effectRef idx="0">
+        <a:scrgbClr r="0" g="0" b="0"/>
+      </a:effectRef>
+      <a:fontRef idx="minor"/>
+    </dgm:style>
+  </dgm:styleLbl>
+  <dgm:styleLbl name="trBgShp">
+    <dgm:scene3d>
+      <a:camera prst="orthographicFront"/>
+      <a:lightRig rig="threePt" dir="t"/>
+    </dgm:scene3d>
+    <dgm:sp3d/>
+    <dgm:txPr/>
+    <dgm:style>
+      <a:lnRef idx="0">
+        <a:scrgbClr r="0" g="0" b="0"/>
+      </a:lnRef>
+      <a:fillRef idx="1">
+        <a:scrgbClr r="0" g="0" b="0"/>
+      </a:fillRef>
+      <a:effectRef idx="0">
+        <a:scrgbClr r="0" g="0" b="0"/>
+      </a:effectRef>
+      <a:fontRef idx="minor"/>
+    </dgm:style>
+  </dgm:styleLbl>
+  <dgm:styleLbl name="fgShp">
+    <dgm:scene3d>
+      <a:camera prst="orthographicFront"/>
+      <a:lightRig rig="threePt" dir="t"/>
+    </dgm:scene3d>
+    <dgm:sp3d/>
+    <dgm:txPr/>
+    <dgm:style>
+      <a:lnRef idx="2">
+        <a:scrgbClr r="0" g="0" b="0"/>
+      </a:lnRef>
+      <a:fillRef idx="1">
+        <a:scrgbClr r="0" g="0" b="0"/>
+      </a:fillRef>
+      <a:effectRef idx="0">
+        <a:scrgbClr r="0" g="0" b="0"/>
+      </a:effectRef>
+      <a:fontRef idx="minor"/>
+    </dgm:style>
+  </dgm:styleLbl>
+  <dgm:styleLbl name="revTx">
+    <dgm:scene3d>
+      <a:camera prst="orthographicFront"/>
+      <a:lightRig rig="threePt" dir="t"/>
+    </dgm:scene3d>
+    <dgm:sp3d/>
+    <dgm:txPr/>
+    <dgm:style>
+      <a:lnRef idx="0">
+        <a:scrgbClr r="0" g="0" b="0"/>
+      </a:lnRef>
+      <a:fillRef idx="0">
+        <a:scrgbClr r="0" g="0" b="0"/>
+      </a:fillRef>
+      <a:effectRef idx="0">
+        <a:scrgbClr r="0" g="0" b="0"/>
+      </a:effectRef>
+      <a:fontRef idx="minor"/>
+    </dgm:style>
+  </dgm:styleLbl>
+</dgm:styleDef>
+</file>
+
+<file path=ppt/notesMasters/notesMaster1.xml><?xml version="1.0" encoding="utf-8"?>
+<p:notesMaster xmlns:a="http://schemas.openxmlformats.org/drawingml/2006/main" xmlns:r="http://schemas.openxmlformats.org/officeDocument/2006/relationships" xmlns:p="http://schemas.openxmlformats.org/presentationml/2006/main">
+  <p:cSld>
+    <p:bg>
+      <p:bgRef idx="1001">
+        <a:schemeClr val="bg1"/>
+      </p:bgRef>
+    </p:bg>
+    <p:spTree>
+      <p:nvGrpSpPr>
+        <p:cNvPr id="1" name=""/>
+        <p:cNvGrpSpPr/>
+        <p:nvPr/>
+      </p:nvGrpSpPr>
+      <p:grpSpPr>
+        <a:xfrm>
+          <a:off x="0" y="0"/>
+          <a:ext cx="0" cy="0"/>
+          <a:chOff x="0" y="0"/>
+          <a:chExt cx="0" cy="0"/>
+        </a:xfrm>
+      </p:grpSpPr>
+      <p:sp>
+        <p:nvSpPr>
+          <p:cNvPr id="2" name="Kopfzeilenplatzhalter 1"/>
+          <p:cNvSpPr>
+            <a:spLocks noGrp="1"/>
+          </p:cNvSpPr>
+          <p:nvPr>
+            <p:ph type="hdr" sz="quarter"/>
+          </p:nvPr>
+        </p:nvSpPr>
+        <p:spPr>
+          <a:xfrm>
+            <a:off x="0" y="0"/>
+            <a:ext cx="2971800" cy="458788"/>
+          </a:xfrm>
+          <a:prstGeom prst="rect">
+            <a:avLst/>
+          </a:prstGeom>
+        </p:spPr>
+        <p:txBody>
+          <a:bodyPr vert="horz" lIns="91440" tIns="45720" rIns="91440" bIns="45720" rtlCol="0"/>
+          <a:lstStyle>
+            <a:lvl1pPr algn="l">
+              <a:defRPr sz="1200"/>
+            </a:lvl1pPr>
+          </a:lstStyle>
+          <a:p>
+            <a:endParaRPr lang="de-DE"/>
+          </a:p>
+        </p:txBody>
+      </p:sp>
+      <p:sp>
+        <p:nvSpPr>
+          <p:cNvPr id="3" name="Datumsplatzhalter 2"/>
+          <p:cNvSpPr>
+            <a:spLocks noGrp="1"/>
+          </p:cNvSpPr>
+          <p:nvPr>
+            <p:ph type="dt" idx="1"/>
+          </p:nvPr>
+        </p:nvSpPr>
+        <p:spPr>
+          <a:xfrm>
+            <a:off x="3884613" y="0"/>
+            <a:ext cx="2971800" cy="458788"/>
+          </a:xfrm>
+          <a:prstGeom prst="rect">
+            <a:avLst/>
+          </a:prstGeom>
+        </p:spPr>
+        <p:txBody>
+          <a:bodyPr vert="horz" lIns="91440" tIns="45720" rIns="91440" bIns="45720" rtlCol="0"/>
+          <a:lstStyle>
+            <a:lvl1pPr algn="r">
+              <a:defRPr sz="1200"/>
+            </a:lvl1pPr>
+          </a:lstStyle>
+          <a:p>
+            <a:fld id="{ED0A1DBB-797E-4506-A4A1-6C28A1F53B5C}" type="datetimeFigureOut">
+              <a:rPr lang="de-DE" smtClean="0"/>
+              <a:t>10.11.2020</a:t>
+            </a:fld>
+            <a:endParaRPr lang="de-DE"/>
+          </a:p>
+        </p:txBody>
+      </p:sp>
+      <p:sp>
+        <p:nvSpPr>
+          <p:cNvPr id="4" name="Folienbildplatzhalter 3"/>
+          <p:cNvSpPr>
+            <a:spLocks noGrp="1" noRot="1" noChangeAspect="1"/>
+          </p:cNvSpPr>
+          <p:nvPr>
+            <p:ph type="sldImg" idx="2"/>
+          </p:nvPr>
+        </p:nvSpPr>
+        <p:spPr>
+          <a:xfrm>
+            <a:off x="685800" y="1143000"/>
+            <a:ext cx="5486400" cy="3086100"/>
+          </a:xfrm>
+          <a:prstGeom prst="rect">
+            <a:avLst/>
+          </a:prstGeom>
+          <a:noFill/>
+          <a:ln w="12700">
+            <a:solidFill>
+              <a:prstClr val="black"/>
+            </a:solidFill>
+          </a:ln>
+        </p:spPr>
+        <p:txBody>
+          <a:bodyPr vert="horz" lIns="91440" tIns="45720" rIns="91440" bIns="45720" rtlCol="0" anchor="ctr"/>
+          <a:lstStyle/>
+          <a:p>
+            <a:endParaRPr lang="de-DE"/>
+          </a:p>
+        </p:txBody>
+      </p:sp>
+      <p:sp>
+        <p:nvSpPr>
+          <p:cNvPr id="5" name="Notizenplatzhalter 4"/>
+          <p:cNvSpPr>
+            <a:spLocks noGrp="1"/>
+          </p:cNvSpPr>
+          <p:nvPr>
+            <p:ph type="body" sz="quarter" idx="3"/>
+          </p:nvPr>
+        </p:nvSpPr>
+        <p:spPr>
+          <a:xfrm>
+            <a:off x="685800" y="4400550"/>
+            <a:ext cx="5486400" cy="3600450"/>
+          </a:xfrm>
+          <a:prstGeom prst="rect">
+            <a:avLst/>
+          </a:prstGeom>
+        </p:spPr>
+        <p:txBody>
+          <a:bodyPr vert="horz" lIns="91440" tIns="45720" rIns="91440" bIns="45720" rtlCol="0"/>
+          <a:lstStyle/>
+          <a:p>
+            <a:pPr lvl="0"/>
+            <a:r>
+              <a:rPr lang="de-DE"/>
+              <a:t>Mastertextformat bearbeiten</a:t>
+            </a:r>
+          </a:p>
+          <a:p>
+            <a:pPr lvl="1"/>
+            <a:r>
+              <a:rPr lang="de-DE"/>
+              <a:t>Zweite Ebene</a:t>
+            </a:r>
+          </a:p>
+          <a:p>
+            <a:pPr lvl="2"/>
+            <a:r>
+              <a:rPr lang="de-DE"/>
+              <a:t>Dritte Ebene</a:t>
+            </a:r>
+          </a:p>
+          <a:p>
+            <a:pPr lvl="3"/>
+            <a:r>
+              <a:rPr lang="de-DE"/>
+              <a:t>Vierte Ebene</a:t>
+            </a:r>
+          </a:p>
+          <a:p>
+            <a:pPr lvl="4"/>
+            <a:r>
+              <a:rPr lang="de-DE"/>
+              <a:t>Fünfte Ebene</a:t>
+            </a:r>
+          </a:p>
+        </p:txBody>
+      </p:sp>
+      <p:sp>
+        <p:nvSpPr>
+          <p:cNvPr id="6" name="Fußzeilenplatzhalter 5"/>
+          <p:cNvSpPr>
+            <a:spLocks noGrp="1"/>
+          </p:cNvSpPr>
+          <p:nvPr>
+            <p:ph type="ftr" sz="quarter" idx="4"/>
+          </p:nvPr>
+        </p:nvSpPr>
+        <p:spPr>
+          <a:xfrm>
+            <a:off x="0" y="8685213"/>
+            <a:ext cx="2971800" cy="458787"/>
+          </a:xfrm>
+          <a:prstGeom prst="rect">
+            <a:avLst/>
+          </a:prstGeom>
+        </p:spPr>
+        <p:txBody>
+          <a:bodyPr vert="horz" lIns="91440" tIns="45720" rIns="91440" bIns="45720" rtlCol="0" anchor="b"/>
+          <a:lstStyle>
+            <a:lvl1pPr algn="l">
+              <a:defRPr sz="1200"/>
+            </a:lvl1pPr>
+          </a:lstStyle>
+          <a:p>
+            <a:endParaRPr lang="de-DE"/>
+          </a:p>
+        </p:txBody>
+      </p:sp>
+      <p:sp>
+        <p:nvSpPr>
+          <p:cNvPr id="7" name="Foliennummernplatzhalter 6"/>
+          <p:cNvSpPr>
+            <a:spLocks noGrp="1"/>
+          </p:cNvSpPr>
+          <p:nvPr>
+            <p:ph type="sldNum" sz="quarter" idx="5"/>
+          </p:nvPr>
+        </p:nvSpPr>
+        <p:spPr>
+          <a:xfrm>
+            <a:off x="3884613" y="8685213"/>
+            <a:ext cx="2971800" cy="458787"/>
+          </a:xfrm>
+          <a:prstGeom prst="rect">
+            <a:avLst/>
+          </a:prstGeom>
+        </p:spPr>
+        <p:txBody>
+          <a:bodyPr vert="horz" lIns="91440" tIns="45720" rIns="91440" bIns="45720" rtlCol="0" anchor="b"/>
+          <a:lstStyle>
+            <a:lvl1pPr algn="r">
+              <a:defRPr sz="1200"/>
+            </a:lvl1pPr>
+          </a:lstStyle>
+          <a:p>
+            <a:fld id="{3550EC8D-4459-4C5E-9CE4-2601D044F803}" type="slidenum">
+              <a:rPr lang="de-DE" smtClean="0"/>
+              <a:t>‹Nr.›</a:t>
+            </a:fld>
+            <a:endParaRPr lang="de-DE"/>
+          </a:p>
+        </p:txBody>
+      </p:sp>
+    </p:spTree>
+    <p:extLst>
+      <p:ext uri="{BB962C8B-B14F-4D97-AF65-F5344CB8AC3E}">
+        <p14:creationId xmlns:p14="http://schemas.microsoft.com/office/powerpoint/2010/main" val="1581419631"/>
+      </p:ext>
+    </p:extLst>
+  </p:cSld>
+  <p:clrMap bg1="lt1" tx1="dk1" bg2="lt2" tx2="dk2" accent1="accent1" accent2="accent2" accent3="accent3" accent4="accent4" accent5="accent5" accent6="accent6" hlink="hlink" folHlink="folHlink"/>
+  <p:notesStyle>
+    <a:lvl1pPr marL="0" algn="l" defTabSz="914400" rtl="0" eaLnBrk="1" latinLnBrk="0" hangingPunct="1">
+      <a:defRPr sz="1200" kern="1200">
+        <a:solidFill>
+          <a:schemeClr val="tx1"/>
+        </a:solidFill>
+        <a:latin typeface="+mn-lt"/>
+        <a:ea typeface="+mn-ea"/>
+        <a:cs typeface="+mn-cs"/>
+      </a:defRPr>
+    </a:lvl1pPr>
+    <a:lvl2pPr marL="457200" algn="l" defTabSz="914400" rtl="0" eaLnBrk="1" latinLnBrk="0" hangingPunct="1">
+      <a:defRPr sz="1200" kern="1200">
+        <a:solidFill>
+          <a:schemeClr val="tx1"/>
+        </a:solidFill>
+        <a:latin typeface="+mn-lt"/>
+        <a:ea typeface="+mn-ea"/>
+        <a:cs typeface="+mn-cs"/>
+      </a:defRPr>
+    </a:lvl2pPr>
+    <a:lvl3pPr marL="914400" algn="l" defTabSz="914400" rtl="0" eaLnBrk="1" latinLnBrk="0" hangingPunct="1">
+      <a:defRPr sz="1200" kern="1200">
+        <a:solidFill>
+          <a:schemeClr val="tx1"/>
+        </a:solidFill>
+        <a:latin typeface="+mn-lt"/>
+        <a:ea typeface="+mn-ea"/>
+        <a:cs typeface="+mn-cs"/>
+      </a:defRPr>
+    </a:lvl3pPr>
+    <a:lvl4pPr marL="1371600" algn="l" defTabSz="914400" rtl="0" eaLnBrk="1" latinLnBrk="0" hangingPunct="1">
+      <a:defRPr sz="1200" kern="1200">
+        <a:solidFill>
+          <a:schemeClr val="tx1"/>
+        </a:solidFill>
+        <a:latin typeface="+mn-lt"/>
+        <a:ea typeface="+mn-ea"/>
+        <a:cs typeface="+mn-cs"/>
+      </a:defRPr>
+    </a:lvl4pPr>
+    <a:lvl5pPr marL="1828800" algn="l" defTabSz="914400" rtl="0" eaLnBrk="1" latinLnBrk="0" hangingPunct="1">
+      <a:defRPr sz="1200" kern="1200">
+        <a:solidFill>
+          <a:schemeClr val="tx1"/>
+        </a:solidFill>
+        <a:latin typeface="+mn-lt"/>
+        <a:ea typeface="+mn-ea"/>
+        <a:cs typeface="+mn-cs"/>
+      </a:defRPr>
+    </a:lvl5pPr>
+    <a:lvl6pPr marL="2286000" algn="l" defTabSz="914400" rtl="0" eaLnBrk="1" latinLnBrk="0" hangingPunct="1">
+      <a:defRPr sz="1200" kern="1200">
+        <a:solidFill>
+          <a:schemeClr val="tx1"/>
+        </a:solidFill>
+        <a:latin typeface="+mn-lt"/>
+        <a:ea typeface="+mn-ea"/>
+        <a:cs typeface="+mn-cs"/>
+      </a:defRPr>
+    </a:lvl6pPr>
+    <a:lvl7pPr marL="2743200" algn="l" defTabSz="914400" rtl="0" eaLnBrk="1" latinLnBrk="0" hangingPunct="1">
+      <a:defRPr sz="1200" kern="1200">
+        <a:solidFill>
+          <a:schemeClr val="tx1"/>
+        </a:solidFill>
+        <a:latin typeface="+mn-lt"/>
+        <a:ea typeface="+mn-ea"/>
+        <a:cs typeface="+mn-cs"/>
+      </a:defRPr>
+    </a:lvl7pPr>
+    <a:lvl8pPr marL="3200400" algn="l" defTabSz="914400" rtl="0" eaLnBrk="1" latinLnBrk="0" hangingPunct="1">
+      <a:defRPr sz="1200" kern="1200">
+        <a:solidFill>
+          <a:schemeClr val="tx1"/>
+        </a:solidFill>
+        <a:latin typeface="+mn-lt"/>
+        <a:ea typeface="+mn-ea"/>
+        <a:cs typeface="+mn-cs"/>
+      </a:defRPr>
+    </a:lvl8pPr>
+    <a:lvl9pPr marL="3657600" algn="l" defTabSz="914400" rtl="0" eaLnBrk="1" latinLnBrk="0" hangingPunct="1">
+      <a:defRPr sz="1200" kern="1200">
+        <a:solidFill>
+          <a:schemeClr val="tx1"/>
+        </a:solidFill>
+        <a:latin typeface="+mn-lt"/>
+        <a:ea typeface="+mn-ea"/>
+        <a:cs typeface="+mn-cs"/>
+      </a:defRPr>
+    </a:lvl9pPr>
+  </p:notesStyle>
+</p:notesMaster>
+</file>
+
+<file path=ppt/notesSlides/notesSlide1.xml><?xml version="1.0" encoding="utf-8"?>
+<p:notes xmlns:a="http://schemas.openxmlformats.org/drawingml/2006/main" xmlns:r="http://schemas.openxmlformats.org/officeDocument/2006/relationships" xmlns:p="http://schemas.openxmlformats.org/presentationml/2006/main">
+  <p:cSld>
+    <p:spTree>
+      <p:nvGrpSpPr>
+        <p:cNvPr id="1" name=""/>
+        <p:cNvGrpSpPr/>
+        <p:nvPr/>
+      </p:nvGrpSpPr>
+      <p:grpSpPr>
+        <a:xfrm>
+          <a:off x="0" y="0"/>
+          <a:ext cx="0" cy="0"/>
+          <a:chOff x="0" y="0"/>
+          <a:chExt cx="0" cy="0"/>
+        </a:xfrm>
+      </p:grpSpPr>
+      <p:sp>
+        <p:nvSpPr>
+          <p:cNvPr id="2" name="Folienbildplatzhalter 1"/>
+          <p:cNvSpPr>
+            <a:spLocks noGrp="1" noRot="1" noChangeAspect="1"/>
+          </p:cNvSpPr>
+          <p:nvPr>
+            <p:ph type="sldImg"/>
+          </p:nvPr>
+        </p:nvSpPr>
+        <p:spPr/>
+      </p:sp>
+      <p:sp>
+        <p:nvSpPr>
+          <p:cNvPr id="3" name="Notizenplatzhalter 2"/>
+          <p:cNvSpPr>
+            <a:spLocks noGrp="1"/>
+          </p:cNvSpPr>
+          <p:nvPr>
+            <p:ph type="body" idx="1"/>
+          </p:nvPr>
+        </p:nvSpPr>
+        <p:spPr/>
+        <p:txBody>
+          <a:bodyPr/>
+          <a:lstStyle/>
+          <a:p>
+            <a:pPr marL="171450" indent="-171450">
+              <a:buFontTx/>
+              <a:buChar char="-"/>
+            </a:pPr>
+            <a:r>
+              <a:rPr lang="de-DE" dirty="0"/>
+              <a:t>Ziel war es eine einfache Webseite zu erstellen, die den </a:t>
+            </a:r>
+            <a:r>
+              <a:rPr lang="de-DE" dirty="0" err="1"/>
+              <a:t>Translate</a:t>
+            </a:r>
+            <a:r>
+              <a:rPr lang="de-DE" dirty="0"/>
+              <a:t> Service von AWS mit der Sprachausgabe Polly verbindet</a:t>
+            </a:r>
+          </a:p>
+          <a:p>
+            <a:pPr marL="171450" indent="-171450">
+              <a:buFontTx/>
+              <a:buChar char="-"/>
+            </a:pPr>
+            <a:r>
+              <a:rPr lang="de-DE" dirty="0"/>
+              <a:t>Die Services sind im ML-Tab von AWS zu finden</a:t>
+            </a:r>
+          </a:p>
+          <a:p>
+            <a:pPr marL="171450" indent="-171450">
+              <a:buFontTx/>
+              <a:buChar char="-"/>
+            </a:pPr>
+            <a:endParaRPr lang="de-DE" dirty="0"/>
+          </a:p>
+        </p:txBody>
+      </p:sp>
+      <p:sp>
+        <p:nvSpPr>
+          <p:cNvPr id="4" name="Foliennummernplatzhalter 3"/>
+          <p:cNvSpPr>
+            <a:spLocks noGrp="1"/>
+          </p:cNvSpPr>
+          <p:nvPr>
+            <p:ph type="sldNum" sz="quarter" idx="5"/>
+          </p:nvPr>
+        </p:nvSpPr>
+        <p:spPr/>
+        <p:txBody>
+          <a:bodyPr/>
+          <a:lstStyle/>
+          <a:p>
+            <a:fld id="{3550EC8D-4459-4C5E-9CE4-2601D044F803}" type="slidenum">
+              <a:rPr lang="de-DE" smtClean="0"/>
+              <a:t>2</a:t>
+            </a:fld>
+            <a:endParaRPr lang="de-DE"/>
+          </a:p>
+        </p:txBody>
+      </p:sp>
+    </p:spTree>
+    <p:extLst>
+      <p:ext uri="{BB962C8B-B14F-4D97-AF65-F5344CB8AC3E}">
+        <p14:creationId xmlns:p14="http://schemas.microsoft.com/office/powerpoint/2010/main" val="2612574763"/>
+      </p:ext>
+    </p:extLst>
+  </p:cSld>
+  <p:clrMapOvr>
+    <a:masterClrMapping/>
+  </p:clrMapOvr>
+</p:notes>
+</file>
+
+<file path=ppt/notesSlides/notesSlide2.xml><?xml version="1.0" encoding="utf-8"?>
+<p:notes xmlns:a="http://schemas.openxmlformats.org/drawingml/2006/main" xmlns:r="http://schemas.openxmlformats.org/officeDocument/2006/relationships" xmlns:p="http://schemas.openxmlformats.org/presentationml/2006/main">
+  <p:cSld>
+    <p:spTree>
+      <p:nvGrpSpPr>
+        <p:cNvPr id="1" name=""/>
+        <p:cNvGrpSpPr/>
+        <p:nvPr/>
+      </p:nvGrpSpPr>
+      <p:grpSpPr>
+        <a:xfrm>
+          <a:off x="0" y="0"/>
+          <a:ext cx="0" cy="0"/>
+          <a:chOff x="0" y="0"/>
+          <a:chExt cx="0" cy="0"/>
+        </a:xfrm>
+      </p:grpSpPr>
+      <p:sp>
+        <p:nvSpPr>
+          <p:cNvPr id="2" name="Folienbildplatzhalter 1"/>
+          <p:cNvSpPr>
+            <a:spLocks noGrp="1" noRot="1" noChangeAspect="1"/>
+          </p:cNvSpPr>
+          <p:nvPr>
+            <p:ph type="sldImg"/>
+          </p:nvPr>
+        </p:nvSpPr>
+        <p:spPr/>
+      </p:sp>
+      <p:sp>
+        <p:nvSpPr>
+          <p:cNvPr id="3" name="Notizenplatzhalter 2"/>
+          <p:cNvSpPr>
+            <a:spLocks noGrp="1"/>
+          </p:cNvSpPr>
+          <p:nvPr>
+            <p:ph type="body" idx="1"/>
+          </p:nvPr>
+        </p:nvSpPr>
+        <p:spPr/>
+        <p:txBody>
+          <a:bodyPr/>
+          <a:lstStyle/>
+          <a:p>
+            <a:endParaRPr lang="de-DE" dirty="0"/>
+          </a:p>
+        </p:txBody>
+      </p:sp>
+      <p:sp>
+        <p:nvSpPr>
+          <p:cNvPr id="4" name="Foliennummernplatzhalter 3"/>
+          <p:cNvSpPr>
+            <a:spLocks noGrp="1"/>
+          </p:cNvSpPr>
+          <p:nvPr>
+            <p:ph type="sldNum" sz="quarter" idx="5"/>
+          </p:nvPr>
+        </p:nvSpPr>
+        <p:spPr/>
+        <p:txBody>
+          <a:bodyPr/>
+          <a:lstStyle/>
+          <a:p>
+            <a:fld id="{3550EC8D-4459-4C5E-9CE4-2601D044F803}" type="slidenum">
+              <a:rPr lang="de-DE" smtClean="0"/>
+              <a:t>3</a:t>
+            </a:fld>
+            <a:endParaRPr lang="de-DE"/>
+          </a:p>
+        </p:txBody>
+      </p:sp>
+    </p:spTree>
+    <p:extLst>
+      <p:ext uri="{BB962C8B-B14F-4D97-AF65-F5344CB8AC3E}">
+        <p14:creationId xmlns:p14="http://schemas.microsoft.com/office/powerpoint/2010/main" val="1293865923"/>
+      </p:ext>
+    </p:extLst>
+  </p:cSld>
+  <p:clrMapOvr>
+    <a:masterClrMapping/>
+  </p:clrMapOvr>
+</p:notes>
+</file>
+
+<file path=ppt/notesSlides/notesSlide3.xml><?xml version="1.0" encoding="utf-8"?>
+<p:notes xmlns:a="http://schemas.openxmlformats.org/drawingml/2006/main" xmlns:r="http://schemas.openxmlformats.org/officeDocument/2006/relationships" xmlns:p="http://schemas.openxmlformats.org/presentationml/2006/main">
+  <p:cSld>
+    <p:spTree>
+      <p:nvGrpSpPr>
+        <p:cNvPr id="1" name=""/>
+        <p:cNvGrpSpPr/>
+        <p:nvPr/>
+      </p:nvGrpSpPr>
+      <p:grpSpPr>
+        <a:xfrm>
+          <a:off x="0" y="0"/>
+          <a:ext cx="0" cy="0"/>
+          <a:chOff x="0" y="0"/>
+          <a:chExt cx="0" cy="0"/>
+        </a:xfrm>
+      </p:grpSpPr>
+      <p:sp>
+        <p:nvSpPr>
+          <p:cNvPr id="2" name="Folienbildplatzhalter 1"/>
+          <p:cNvSpPr>
+            <a:spLocks noGrp="1" noRot="1" noChangeAspect="1"/>
+          </p:cNvSpPr>
+          <p:nvPr>
+            <p:ph type="sldImg"/>
+          </p:nvPr>
+        </p:nvSpPr>
+        <p:spPr/>
+      </p:sp>
+      <p:sp>
+        <p:nvSpPr>
+          <p:cNvPr id="3" name="Notizenplatzhalter 2"/>
+          <p:cNvSpPr>
+            <a:spLocks noGrp="1"/>
+          </p:cNvSpPr>
+          <p:nvPr>
+            <p:ph type="body" idx="1"/>
+          </p:nvPr>
+        </p:nvSpPr>
+        <p:spPr/>
+        <p:txBody>
+          <a:bodyPr/>
+          <a:lstStyle/>
+          <a:p>
+            <a:endParaRPr lang="de-DE" dirty="0"/>
+          </a:p>
+        </p:txBody>
+      </p:sp>
+      <p:sp>
+        <p:nvSpPr>
+          <p:cNvPr id="4" name="Foliennummernplatzhalter 3"/>
+          <p:cNvSpPr>
+            <a:spLocks noGrp="1"/>
+          </p:cNvSpPr>
+          <p:nvPr>
+            <p:ph type="sldNum" sz="quarter" idx="5"/>
+          </p:nvPr>
+        </p:nvSpPr>
+        <p:spPr/>
+        <p:txBody>
+          <a:bodyPr/>
+          <a:lstStyle/>
+          <a:p>
+            <a:fld id="{3550EC8D-4459-4C5E-9CE4-2601D044F803}" type="slidenum">
+              <a:rPr lang="de-DE" smtClean="0"/>
+              <a:t>4</a:t>
+            </a:fld>
+            <a:endParaRPr lang="de-DE"/>
+          </a:p>
+        </p:txBody>
+      </p:sp>
+    </p:spTree>
+    <p:extLst>
+      <p:ext uri="{BB962C8B-B14F-4D97-AF65-F5344CB8AC3E}">
+        <p14:creationId xmlns:p14="http://schemas.microsoft.com/office/powerpoint/2010/main" val="3390223664"/>
+      </p:ext>
+    </p:extLst>
+  </p:cSld>
+  <p:clrMapOvr>
+    <a:masterClrMapping/>
+  </p:clrMapOvr>
+</p:notes>
+</file>
+
+<file path=ppt/notesSlides/notesSlide4.xml><?xml version="1.0" encoding="utf-8"?>
+<p:notes xmlns:a="http://schemas.openxmlformats.org/drawingml/2006/main" xmlns:r="http://schemas.openxmlformats.org/officeDocument/2006/relationships" xmlns:p="http://schemas.openxmlformats.org/presentationml/2006/main">
+  <p:cSld>
+    <p:spTree>
+      <p:nvGrpSpPr>
+        <p:cNvPr id="1" name=""/>
+        <p:cNvGrpSpPr/>
+        <p:nvPr/>
+      </p:nvGrpSpPr>
+      <p:grpSpPr>
+        <a:xfrm>
+          <a:off x="0" y="0"/>
+          <a:ext cx="0" cy="0"/>
+          <a:chOff x="0" y="0"/>
+          <a:chExt cx="0" cy="0"/>
+        </a:xfrm>
+      </p:grpSpPr>
+      <p:sp>
+        <p:nvSpPr>
+          <p:cNvPr id="2" name="Folienbildplatzhalter 1"/>
+          <p:cNvSpPr>
+            <a:spLocks noGrp="1" noRot="1" noChangeAspect="1"/>
+          </p:cNvSpPr>
+          <p:nvPr>
+            <p:ph type="sldImg"/>
+          </p:nvPr>
+        </p:nvSpPr>
+        <p:spPr/>
+      </p:sp>
+      <p:sp>
+        <p:nvSpPr>
+          <p:cNvPr id="3" name="Notizenplatzhalter 2"/>
+          <p:cNvSpPr>
+            <a:spLocks noGrp="1"/>
+          </p:cNvSpPr>
+          <p:nvPr>
+            <p:ph type="body" idx="1"/>
+          </p:nvPr>
+        </p:nvSpPr>
+        <p:spPr/>
+        <p:txBody>
+          <a:bodyPr/>
+          <a:lstStyle/>
+          <a:p>
+            <a:endParaRPr lang="de-DE" dirty="0"/>
+          </a:p>
+        </p:txBody>
+      </p:sp>
+      <p:sp>
+        <p:nvSpPr>
+          <p:cNvPr id="4" name="Foliennummernplatzhalter 3"/>
+          <p:cNvSpPr>
+            <a:spLocks noGrp="1"/>
+          </p:cNvSpPr>
+          <p:nvPr>
+            <p:ph type="sldNum" sz="quarter" idx="5"/>
+          </p:nvPr>
+        </p:nvSpPr>
+        <p:spPr/>
+        <p:txBody>
+          <a:bodyPr/>
+          <a:lstStyle/>
+          <a:p>
+            <a:fld id="{3550EC8D-4459-4C5E-9CE4-2601D044F803}" type="slidenum">
+              <a:rPr lang="de-DE" smtClean="0"/>
+              <a:t>5</a:t>
+            </a:fld>
+            <a:endParaRPr lang="de-DE"/>
+          </a:p>
+        </p:txBody>
+      </p:sp>
+    </p:spTree>
+    <p:extLst>
+      <p:ext uri="{BB962C8B-B14F-4D97-AF65-F5344CB8AC3E}">
+        <p14:creationId xmlns:p14="http://schemas.microsoft.com/office/powerpoint/2010/main" val="2680047119"/>
+      </p:ext>
+    </p:extLst>
+  </p:cSld>
+  <p:clrMapOvr>
+    <a:masterClrMapping/>
+  </p:clrMapOvr>
+</p:notes>
+</file>
+
 <file path=ppt/slideLayouts/slideLayout1.xml><?xml version="1.0" encoding="utf-8"?>
 <p:sldLayout xmlns:a="http://schemas.openxmlformats.org/drawingml/2006/main" xmlns:r="http://schemas.openxmlformats.org/officeDocument/2006/relationships" xmlns:p="http://schemas.openxmlformats.org/presentationml/2006/main" type="title" preserve="1">
   <p:cSld name="Title Slide">
@@ -232,8 +6192,24 @@
                   <a:schemeClr val="bg1"/>
                 </a:solidFill>
               </a:rPr>
-              <a:pPr/>
-              <a:t>‹#›</a:t>
+              <a:pPr marL="0" marR="0" lvl="0" indent="0" algn="r" defTabSz="914400" rtl="0" eaLnBrk="1" fontAlgn="auto" latinLnBrk="0" hangingPunct="1">
+                <a:lnSpc>
+                  <a:spcPct val="100000"/>
+                </a:lnSpc>
+                <a:spcBef>
+                  <a:spcPts val="0"/>
+                </a:spcBef>
+                <a:spcAft>
+                  <a:spcPts val="0"/>
+                </a:spcAft>
+                <a:buClrTx/>
+                <a:buSzTx/>
+                <a:buFontTx/>
+                <a:buNone/>
+                <a:tabLst/>
+                <a:defRPr/>
+              </a:pPr>
+              <a:t>‹Nr.›</a:t>
             </a:fld>
             <a:endParaRPr lang="de-DE" sz="1200" dirty="0">
               <a:solidFill>
@@ -738,8 +6714,24 @@
                   <a:schemeClr val="bg1"/>
                 </a:solidFill>
               </a:rPr>
-              <a:pPr/>
-              <a:t>‹#›</a:t>
+              <a:pPr marL="0" marR="0" lvl="0" indent="0" algn="r" defTabSz="914400" rtl="0" eaLnBrk="1" fontAlgn="auto" latinLnBrk="0" hangingPunct="1">
+                <a:lnSpc>
+                  <a:spcPct val="100000"/>
+                </a:lnSpc>
+                <a:spcBef>
+                  <a:spcPts val="0"/>
+                </a:spcBef>
+                <a:spcAft>
+                  <a:spcPts val="0"/>
+                </a:spcAft>
+                <a:buClrTx/>
+                <a:buSzTx/>
+                <a:buFontTx/>
+                <a:buNone/>
+                <a:tabLst/>
+                <a:defRPr/>
+              </a:pPr>
+              <a:t>‹Nr.›</a:t>
             </a:fld>
             <a:endParaRPr lang="de-DE" sz="1200" dirty="0">
               <a:solidFill>
@@ -1145,8 +7137,24 @@
                   <a:schemeClr val="bg1"/>
                 </a:solidFill>
               </a:rPr>
-              <a:pPr/>
-              <a:t>‹#›</a:t>
+              <a:pPr marL="0" marR="0" lvl="0" indent="0" algn="r" defTabSz="914400" rtl="0" eaLnBrk="1" fontAlgn="auto" latinLnBrk="0" hangingPunct="1">
+                <a:lnSpc>
+                  <a:spcPct val="100000"/>
+                </a:lnSpc>
+                <a:spcBef>
+                  <a:spcPts val="0"/>
+                </a:spcBef>
+                <a:spcAft>
+                  <a:spcPts val="0"/>
+                </a:spcAft>
+                <a:buClrTx/>
+                <a:buSzTx/>
+                <a:buFontTx/>
+                <a:buNone/>
+                <a:tabLst/>
+                <a:defRPr/>
+              </a:pPr>
+              <a:t>‹Nr.›</a:t>
             </a:fld>
             <a:endParaRPr lang="de-DE" sz="1200" dirty="0">
               <a:solidFill>
@@ -1568,8 +7576,24 @@
                   <a:schemeClr val="bg1"/>
                 </a:solidFill>
               </a:rPr>
-              <a:pPr/>
-              <a:t>‹#›</a:t>
+              <a:pPr marL="0" marR="0" lvl="0" indent="0" algn="r" defTabSz="914400" rtl="0" eaLnBrk="1" fontAlgn="auto" latinLnBrk="0" hangingPunct="1">
+                <a:lnSpc>
+                  <a:spcPct val="100000"/>
+                </a:lnSpc>
+                <a:spcBef>
+                  <a:spcPts val="0"/>
+                </a:spcBef>
+                <a:spcAft>
+                  <a:spcPts val="0"/>
+                </a:spcAft>
+                <a:buClrTx/>
+                <a:buSzTx/>
+                <a:buFontTx/>
+                <a:buNone/>
+                <a:tabLst/>
+                <a:defRPr/>
+              </a:pPr>
+              <a:t>‹Nr.›</a:t>
             </a:fld>
             <a:endParaRPr lang="de-DE" sz="1200" dirty="0">
               <a:solidFill>
@@ -2037,8 +8061,24 @@
                   <a:schemeClr val="bg1"/>
                 </a:solidFill>
               </a:rPr>
-              <a:pPr/>
-              <a:t>‹#›</a:t>
+              <a:pPr marL="0" marR="0" lvl="0" indent="0" algn="r" defTabSz="914400" rtl="0" eaLnBrk="1" fontAlgn="auto" latinLnBrk="0" hangingPunct="1">
+                <a:lnSpc>
+                  <a:spcPct val="100000"/>
+                </a:lnSpc>
+                <a:spcBef>
+                  <a:spcPts val="0"/>
+                </a:spcBef>
+                <a:spcAft>
+                  <a:spcPts val="0"/>
+                </a:spcAft>
+                <a:buClrTx/>
+                <a:buSzTx/>
+                <a:buFontTx/>
+                <a:buNone/>
+                <a:tabLst/>
+                <a:defRPr/>
+              </a:pPr>
+              <a:t>‹Nr.›</a:t>
             </a:fld>
             <a:endParaRPr lang="de-DE" sz="1200" dirty="0">
               <a:solidFill>
@@ -2502,8 +8542,24 @@
                   <a:schemeClr val="bg1"/>
                 </a:solidFill>
               </a:rPr>
-              <a:pPr/>
-              <a:t>‹#›</a:t>
+              <a:pPr marL="0" marR="0" lvl="0" indent="0" algn="r" defTabSz="914400" rtl="0" eaLnBrk="1" fontAlgn="auto" latinLnBrk="0" hangingPunct="1">
+                <a:lnSpc>
+                  <a:spcPct val="100000"/>
+                </a:lnSpc>
+                <a:spcBef>
+                  <a:spcPts val="0"/>
+                </a:spcBef>
+                <a:spcAft>
+                  <a:spcPts val="0"/>
+                </a:spcAft>
+                <a:buClrTx/>
+                <a:buSzTx/>
+                <a:buFontTx/>
+                <a:buNone/>
+                <a:tabLst/>
+                <a:defRPr/>
+              </a:pPr>
+              <a:t>‹Nr.›</a:t>
             </a:fld>
             <a:endParaRPr lang="de-DE" sz="1200" dirty="0">
               <a:solidFill>
@@ -3114,8 +9170,24 @@
                   <a:schemeClr val="bg1"/>
                 </a:solidFill>
               </a:rPr>
-              <a:pPr/>
-              <a:t>‹#›</a:t>
+              <a:pPr marL="0" marR="0" lvl="0" indent="0" algn="r" defTabSz="914400" rtl="0" eaLnBrk="1" fontAlgn="auto" latinLnBrk="0" hangingPunct="1">
+                <a:lnSpc>
+                  <a:spcPct val="100000"/>
+                </a:lnSpc>
+                <a:spcBef>
+                  <a:spcPts val="0"/>
+                </a:spcBef>
+                <a:spcAft>
+                  <a:spcPts val="0"/>
+                </a:spcAft>
+                <a:buClrTx/>
+                <a:buSzTx/>
+                <a:buFontTx/>
+                <a:buNone/>
+                <a:tabLst/>
+                <a:defRPr/>
+              </a:pPr>
+              <a:t>‹Nr.›</a:t>
             </a:fld>
             <a:endParaRPr lang="de-DE" sz="1200" dirty="0">
               <a:solidFill>
@@ -3453,8 +9525,24 @@
                   <a:schemeClr val="bg1"/>
                 </a:solidFill>
               </a:rPr>
-              <a:pPr/>
-              <a:t>‹#›</a:t>
+              <a:pPr marL="0" marR="0" lvl="0" indent="0" algn="r" defTabSz="914400" rtl="0" eaLnBrk="1" fontAlgn="auto" latinLnBrk="0" hangingPunct="1">
+                <a:lnSpc>
+                  <a:spcPct val="100000"/>
+                </a:lnSpc>
+                <a:spcBef>
+                  <a:spcPts val="0"/>
+                </a:spcBef>
+                <a:spcAft>
+                  <a:spcPts val="0"/>
+                </a:spcAft>
+                <a:buClrTx/>
+                <a:buSzTx/>
+                <a:buFontTx/>
+                <a:buNone/>
+                <a:tabLst/>
+                <a:defRPr/>
+              </a:pPr>
+              <a:t>‹Nr.›</a:t>
             </a:fld>
             <a:endParaRPr lang="de-DE" sz="1200" dirty="0">
               <a:solidFill>
@@ -3759,8 +9847,24 @@
                   <a:schemeClr val="bg1"/>
                 </a:solidFill>
               </a:rPr>
-              <a:pPr/>
-              <a:t>‹#›</a:t>
+              <a:pPr marL="0" marR="0" lvl="0" indent="0" algn="r" defTabSz="914400" rtl="0" eaLnBrk="1" fontAlgn="auto" latinLnBrk="0" hangingPunct="1">
+                <a:lnSpc>
+                  <a:spcPct val="100000"/>
+                </a:lnSpc>
+                <a:spcBef>
+                  <a:spcPts val="0"/>
+                </a:spcBef>
+                <a:spcAft>
+                  <a:spcPts val="0"/>
+                </a:spcAft>
+                <a:buClrTx/>
+                <a:buSzTx/>
+                <a:buFontTx/>
+                <a:buNone/>
+                <a:tabLst/>
+                <a:defRPr/>
+              </a:pPr>
+              <a:t>‹Nr.›</a:t>
             </a:fld>
             <a:endParaRPr lang="de-DE" sz="1200" dirty="0">
               <a:solidFill>
@@ -4265,8 +10369,24 @@
                   <a:schemeClr val="bg1"/>
                 </a:solidFill>
               </a:rPr>
-              <a:pPr/>
-              <a:t>‹#›</a:t>
+              <a:pPr marL="0" marR="0" lvl="0" indent="0" algn="r" defTabSz="914400" rtl="0" eaLnBrk="1" fontAlgn="auto" latinLnBrk="0" hangingPunct="1">
+                <a:lnSpc>
+                  <a:spcPct val="100000"/>
+                </a:lnSpc>
+                <a:spcBef>
+                  <a:spcPts val="0"/>
+                </a:spcBef>
+                <a:spcAft>
+                  <a:spcPts val="0"/>
+                </a:spcAft>
+                <a:buClrTx/>
+                <a:buSzTx/>
+                <a:buFontTx/>
+                <a:buNone/>
+                <a:tabLst/>
+                <a:defRPr/>
+              </a:pPr>
+              <a:t>‹Nr.›</a:t>
             </a:fld>
             <a:endParaRPr lang="de-DE" sz="1200" dirty="0">
               <a:solidFill>
@@ -4808,8 +10928,24 @@
                   <a:schemeClr val="bg1"/>
                 </a:solidFill>
               </a:rPr>
-              <a:pPr/>
-              <a:t>‹#›</a:t>
+              <a:pPr marL="0" marR="0" lvl="0" indent="0" algn="r" defTabSz="914400" rtl="0" eaLnBrk="1" fontAlgn="auto" latinLnBrk="0" hangingPunct="1">
+                <a:lnSpc>
+                  <a:spcPct val="100000"/>
+                </a:lnSpc>
+                <a:spcBef>
+                  <a:spcPts val="0"/>
+                </a:spcBef>
+                <a:spcAft>
+                  <a:spcPts val="0"/>
+                </a:spcAft>
+                <a:buClrTx/>
+                <a:buSzTx/>
+                <a:buFontTx/>
+                <a:buNone/>
+                <a:tabLst/>
+                <a:defRPr/>
+              </a:pPr>
+              <a:t>‹Nr.›</a:t>
             </a:fld>
             <a:endParaRPr lang="de-DE" sz="1200" dirty="0">
               <a:solidFill>
@@ -5321,7 +11457,7 @@
             <a:fld id="{2B839C97-FDF5-4C50-938A-F89495D2BCB9}" type="slidenum">
               <a:rPr lang="de-DE" smtClean="0"/>
               <a:pPr/>
-              <a:t>‹#›</a:t>
+              <a:t>‹Nr.›</a:t>
             </a:fld>
             <a:endParaRPr lang="de-DE" dirty="0">
               <a:solidFill>
@@ -5878,6 +12014,1298 @@
 </p:sld>
 </file>
 
+<file path=ppt/slides/slide2.xml><?xml version="1.0" encoding="utf-8"?>
+<p:sld xmlns:a="http://schemas.openxmlformats.org/drawingml/2006/main" xmlns:r="http://schemas.openxmlformats.org/officeDocument/2006/relationships" xmlns:p="http://schemas.openxmlformats.org/presentationml/2006/main">
+  <p:cSld>
+    <p:spTree>
+      <p:nvGrpSpPr>
+        <p:cNvPr id="1" name=""/>
+        <p:cNvGrpSpPr/>
+        <p:nvPr/>
+      </p:nvGrpSpPr>
+      <p:grpSpPr>
+        <a:xfrm>
+          <a:off x="0" y="0"/>
+          <a:ext cx="0" cy="0"/>
+          <a:chOff x="0" y="0"/>
+          <a:chExt cx="0" cy="0"/>
+        </a:xfrm>
+      </p:grpSpPr>
+      <p:sp>
+        <p:nvSpPr>
+          <p:cNvPr id="2" name="Titel 1">
+            <a:extLst>
+              <a:ext uri="{FF2B5EF4-FFF2-40B4-BE49-F238E27FC236}">
+                <a16:creationId xmlns:a16="http://schemas.microsoft.com/office/drawing/2014/main" id="{88AF77A7-1223-42CD-9372-B998CBBB6E9A}"/>
+              </a:ext>
+            </a:extLst>
+          </p:cNvPr>
+          <p:cNvSpPr>
+            <a:spLocks noGrp="1"/>
+          </p:cNvSpPr>
+          <p:nvPr>
+            <p:ph type="title"/>
+          </p:nvPr>
+        </p:nvSpPr>
+        <p:spPr/>
+        <p:txBody>
+          <a:bodyPr/>
+          <a:lstStyle/>
+          <a:p>
+            <a:r>
+              <a:rPr lang="de-DE" dirty="0"/>
+              <a:t>Aufgabenstellung</a:t>
+            </a:r>
+          </a:p>
+        </p:txBody>
+      </p:sp>
+      <p:sp>
+        <p:nvSpPr>
+          <p:cNvPr id="3" name="Inhaltsplatzhalter 2">
+            <a:extLst>
+              <a:ext uri="{FF2B5EF4-FFF2-40B4-BE49-F238E27FC236}">
+                <a16:creationId xmlns:a16="http://schemas.microsoft.com/office/drawing/2014/main" id="{6D85129F-DBCA-4CF4-8F04-2F9E3482CD1C}"/>
+              </a:ext>
+            </a:extLst>
+          </p:cNvPr>
+          <p:cNvSpPr>
+            <a:spLocks noGrp="1"/>
+          </p:cNvSpPr>
+          <p:nvPr>
+            <p:ph idx="1"/>
+          </p:nvPr>
+        </p:nvSpPr>
+        <p:spPr>
+          <a:xfrm>
+            <a:off x="961767" y="1865870"/>
+            <a:ext cx="5686168" cy="1952368"/>
+          </a:xfrm>
+          <a:solidFill>
+            <a:schemeClr val="bg1"/>
+          </a:solidFill>
+          <a:ln>
+            <a:solidFill>
+              <a:schemeClr val="tx1"/>
+            </a:solidFill>
+          </a:ln>
+          <a:effectLst>
+            <a:outerShdw blurRad="50800" dist="38100" dir="2700000" algn="tl" rotWithShape="0">
+              <a:prstClr val="black">
+                <a:alpha val="40000"/>
+              </a:prstClr>
+            </a:outerShdw>
+          </a:effectLst>
+        </p:spPr>
+        <p:txBody>
+          <a:bodyPr anchor="ctr"/>
+          <a:lstStyle/>
+          <a:p>
+            <a:pPr marL="0" indent="0" algn="ctr">
+              <a:lnSpc>
+                <a:spcPct val="100000"/>
+              </a:lnSpc>
+              <a:buNone/>
+            </a:pPr>
+            <a:r>
+              <a:rPr lang="de-DE" dirty="0"/>
+              <a:t>Eine einfache Webseite erstellen,</a:t>
+            </a:r>
+            <a:br>
+              <a:rPr lang="de-DE" dirty="0"/>
+            </a:br>
+            <a:r>
+              <a:rPr lang="de-DE" dirty="0"/>
+              <a:t>die den </a:t>
+            </a:r>
+            <a:r>
+              <a:rPr lang="de-DE" b="1" dirty="0"/>
+              <a:t>AWS</a:t>
+            </a:r>
+            <a:r>
+              <a:rPr lang="de-DE" dirty="0"/>
+              <a:t>-</a:t>
+            </a:r>
+            <a:r>
+              <a:rPr lang="de-DE" b="1" dirty="0" err="1"/>
+              <a:t>Translate</a:t>
+            </a:r>
+            <a:r>
+              <a:rPr lang="de-DE" dirty="0"/>
+              <a:t>-Service mit</a:t>
+            </a:r>
+            <a:br>
+              <a:rPr lang="de-DE" dirty="0"/>
+            </a:br>
+            <a:r>
+              <a:rPr lang="de-DE" dirty="0"/>
+              <a:t>der Sprachausgabe </a:t>
+            </a:r>
+            <a:r>
+              <a:rPr lang="de-DE" b="1" dirty="0"/>
+              <a:t>Polly </a:t>
+            </a:r>
+            <a:r>
+              <a:rPr lang="de-DE" dirty="0"/>
+              <a:t>verbindet</a:t>
+            </a:r>
+          </a:p>
+        </p:txBody>
+      </p:sp>
+      <p:grpSp>
+        <p:nvGrpSpPr>
+          <p:cNvPr id="11" name="Gruppieren 10">
+            <a:extLst>
+              <a:ext uri="{FF2B5EF4-FFF2-40B4-BE49-F238E27FC236}">
+                <a16:creationId xmlns:a16="http://schemas.microsoft.com/office/drawing/2014/main" id="{E19C60D9-7B48-4432-A649-462271FC41E6}"/>
+              </a:ext>
+            </a:extLst>
+          </p:cNvPr>
+          <p:cNvGrpSpPr/>
+          <p:nvPr/>
+        </p:nvGrpSpPr>
+        <p:grpSpPr>
+          <a:xfrm>
+            <a:off x="7386958" y="895500"/>
+            <a:ext cx="2602861" cy="4857674"/>
+            <a:chOff x="8979539" y="1596434"/>
+            <a:chExt cx="2323056" cy="4335479"/>
+          </a:xfrm>
+        </p:grpSpPr>
+        <p:grpSp>
+          <p:nvGrpSpPr>
+            <p:cNvPr id="7" name="Gruppieren 6">
+              <a:extLst>
+                <a:ext uri="{FF2B5EF4-FFF2-40B4-BE49-F238E27FC236}">
+                  <a16:creationId xmlns:a16="http://schemas.microsoft.com/office/drawing/2014/main" id="{E98F1F32-EDC2-40FE-8819-999725238790}"/>
+                </a:ext>
+              </a:extLst>
+            </p:cNvPr>
+            <p:cNvGrpSpPr/>
+            <p:nvPr/>
+          </p:nvGrpSpPr>
+          <p:grpSpPr>
+            <a:xfrm>
+              <a:off x="8979539" y="1596434"/>
+              <a:ext cx="2323056" cy="4335479"/>
+              <a:chOff x="9229519" y="1524072"/>
+              <a:chExt cx="2323056" cy="4335479"/>
+            </a:xfrm>
+          </p:grpSpPr>
+          <p:pic>
+            <p:nvPicPr>
+              <p:cNvPr id="4" name="Grafik 3">
+                <a:extLst>
+                  <a:ext uri="{FF2B5EF4-FFF2-40B4-BE49-F238E27FC236}">
+                    <a16:creationId xmlns:a16="http://schemas.microsoft.com/office/drawing/2014/main" id="{1C3956D1-7D65-485A-9E4A-076C80B3B492}"/>
+                  </a:ext>
+                </a:extLst>
+              </p:cNvPr>
+              <p:cNvPicPr>
+                <a:picLocks noChangeAspect="1"/>
+              </p:cNvPicPr>
+              <p:nvPr/>
+            </p:nvPicPr>
+            <p:blipFill rotWithShape="1">
+              <a:blip r:embed="rId3"/>
+              <a:srcRect l="48017" r="25754"/>
+              <a:stretch/>
+            </p:blipFill>
+            <p:spPr>
+              <a:xfrm>
+                <a:off x="9229519" y="1551037"/>
+                <a:ext cx="2323056" cy="4308514"/>
+              </a:xfrm>
+              <a:prstGeom prst="rect">
+                <a:avLst/>
+              </a:prstGeom>
+            </p:spPr>
+          </p:pic>
+          <p:pic>
+            <p:nvPicPr>
+              <p:cNvPr id="6" name="Grafik 5">
+                <a:extLst>
+                  <a:ext uri="{FF2B5EF4-FFF2-40B4-BE49-F238E27FC236}">
+                    <a16:creationId xmlns:a16="http://schemas.microsoft.com/office/drawing/2014/main" id="{CC373F8C-AB40-4DFC-9765-721B81B307D3}"/>
+                  </a:ext>
+                </a:extLst>
+              </p:cNvPr>
+              <p:cNvPicPr>
+                <a:picLocks noChangeAspect="1"/>
+              </p:cNvPicPr>
+              <p:nvPr/>
+            </p:nvPicPr>
+            <p:blipFill>
+              <a:blip r:embed="rId4"/>
+              <a:stretch>
+                <a:fillRect/>
+              </a:stretch>
+            </p:blipFill>
+            <p:spPr>
+              <a:xfrm>
+                <a:off x="9644147" y="1524072"/>
+                <a:ext cx="1081429" cy="333231"/>
+              </a:xfrm>
+              <a:prstGeom prst="rect">
+                <a:avLst/>
+              </a:prstGeom>
+            </p:spPr>
+          </p:pic>
+        </p:grpSp>
+        <p:sp>
+          <p:nvSpPr>
+            <p:cNvPr id="9" name="Rechteck 8">
+              <a:extLst>
+                <a:ext uri="{FF2B5EF4-FFF2-40B4-BE49-F238E27FC236}">
+                  <a16:creationId xmlns:a16="http://schemas.microsoft.com/office/drawing/2014/main" id="{7B7CE460-EFC6-4ED3-AB50-4EB110562008}"/>
+                </a:ext>
+              </a:extLst>
+            </p:cNvPr>
+            <p:cNvSpPr/>
+            <p:nvPr/>
+          </p:nvSpPr>
+          <p:spPr>
+            <a:xfrm>
+              <a:off x="9597911" y="4157560"/>
+              <a:ext cx="1611712" cy="230244"/>
+            </a:xfrm>
+            <a:prstGeom prst="rect">
+              <a:avLst/>
+            </a:prstGeom>
+            <a:noFill/>
+            <a:ln>
+              <a:solidFill>
+                <a:schemeClr val="accent2"/>
+              </a:solidFill>
+            </a:ln>
+          </p:spPr>
+          <p:style>
+            <a:lnRef idx="2">
+              <a:schemeClr val="accent1">
+                <a:shade val="50000"/>
+              </a:schemeClr>
+            </a:lnRef>
+            <a:fillRef idx="1">
+              <a:schemeClr val="accent1"/>
+            </a:fillRef>
+            <a:effectRef idx="0">
+              <a:schemeClr val="accent1"/>
+            </a:effectRef>
+            <a:fontRef idx="minor">
+              <a:schemeClr val="lt1"/>
+            </a:fontRef>
+          </p:style>
+          <p:txBody>
+            <a:bodyPr rtlCol="0" anchor="ctr"/>
+            <a:lstStyle/>
+            <a:p>
+              <a:pPr algn="ctr"/>
+              <a:endParaRPr lang="de-DE"/>
+            </a:p>
+          </p:txBody>
+        </p:sp>
+        <p:sp>
+          <p:nvSpPr>
+            <p:cNvPr id="10" name="Rechteck 9">
+              <a:extLst>
+                <a:ext uri="{FF2B5EF4-FFF2-40B4-BE49-F238E27FC236}">
+                  <a16:creationId xmlns:a16="http://schemas.microsoft.com/office/drawing/2014/main" id="{CD5E2C8B-AC99-44D9-ABC6-70C391BB9837}"/>
+                </a:ext>
+              </a:extLst>
+            </p:cNvPr>
+            <p:cNvSpPr/>
+            <p:nvPr/>
+          </p:nvSpPr>
+          <p:spPr>
+            <a:xfrm>
+              <a:off x="9597911" y="5044736"/>
+              <a:ext cx="1611712" cy="230244"/>
+            </a:xfrm>
+            <a:prstGeom prst="rect">
+              <a:avLst/>
+            </a:prstGeom>
+            <a:noFill/>
+            <a:ln>
+              <a:solidFill>
+                <a:schemeClr val="accent2"/>
+              </a:solidFill>
+            </a:ln>
+          </p:spPr>
+          <p:style>
+            <a:lnRef idx="2">
+              <a:schemeClr val="accent1">
+                <a:shade val="50000"/>
+              </a:schemeClr>
+            </a:lnRef>
+            <a:fillRef idx="1">
+              <a:schemeClr val="accent1"/>
+            </a:fillRef>
+            <a:effectRef idx="0">
+              <a:schemeClr val="accent1"/>
+            </a:effectRef>
+            <a:fontRef idx="minor">
+              <a:schemeClr val="lt1"/>
+            </a:fontRef>
+          </p:style>
+          <p:txBody>
+            <a:bodyPr rtlCol="0" anchor="ctr"/>
+            <a:lstStyle/>
+            <a:p>
+              <a:pPr algn="ctr"/>
+              <a:endParaRPr lang="de-DE"/>
+            </a:p>
+          </p:txBody>
+        </p:sp>
+      </p:grpSp>
+    </p:spTree>
+    <p:extLst>
+      <p:ext uri="{BB962C8B-B14F-4D97-AF65-F5344CB8AC3E}">
+        <p14:creationId xmlns:p14="http://schemas.microsoft.com/office/powerpoint/2010/main" val="2627248419"/>
+      </p:ext>
+    </p:extLst>
+  </p:cSld>
+  <p:clrMapOvr>
+    <a:masterClrMapping/>
+  </p:clrMapOvr>
+</p:sld>
+</file>
+
+<file path=ppt/slides/slide3.xml><?xml version="1.0" encoding="utf-8"?>
+<p:sld xmlns:a="http://schemas.openxmlformats.org/drawingml/2006/main" xmlns:r="http://schemas.openxmlformats.org/officeDocument/2006/relationships" xmlns:p="http://schemas.openxmlformats.org/presentationml/2006/main">
+  <p:cSld>
+    <p:spTree>
+      <p:nvGrpSpPr>
+        <p:cNvPr id="1" name=""/>
+        <p:cNvGrpSpPr/>
+        <p:nvPr/>
+      </p:nvGrpSpPr>
+      <p:grpSpPr>
+        <a:xfrm>
+          <a:off x="0" y="0"/>
+          <a:ext cx="0" cy="0"/>
+          <a:chOff x="0" y="0"/>
+          <a:chExt cx="0" cy="0"/>
+        </a:xfrm>
+      </p:grpSpPr>
+      <p:cxnSp>
+        <p:nvCxnSpPr>
+          <p:cNvPr id="14" name="Gerader Verbinder 13">
+            <a:extLst>
+              <a:ext uri="{FF2B5EF4-FFF2-40B4-BE49-F238E27FC236}">
+                <a16:creationId xmlns:a16="http://schemas.microsoft.com/office/drawing/2014/main" id="{2C750FF5-AA78-4922-8C79-2CE837BCB44A}"/>
+              </a:ext>
+            </a:extLst>
+          </p:cNvPr>
+          <p:cNvCxnSpPr>
+            <a:stCxn id="12" idx="0"/>
+          </p:cNvCxnSpPr>
+          <p:nvPr/>
+        </p:nvCxnSpPr>
+        <p:spPr>
+          <a:xfrm flipH="1" flipV="1">
+            <a:off x="6096000" y="4184306"/>
+            <a:ext cx="8648" cy="668904"/>
+          </a:xfrm>
+          <a:prstGeom prst="line">
+            <a:avLst/>
+          </a:prstGeom>
+          <a:ln>
+            <a:solidFill>
+              <a:srgbClr val="3A4351"/>
+            </a:solidFill>
+          </a:ln>
+        </p:spPr>
+        <p:style>
+          <a:lnRef idx="1">
+            <a:schemeClr val="accent1"/>
+          </a:lnRef>
+          <a:fillRef idx="0">
+            <a:schemeClr val="accent1"/>
+          </a:fillRef>
+          <a:effectRef idx="0">
+            <a:schemeClr val="accent1"/>
+          </a:effectRef>
+          <a:fontRef idx="minor">
+            <a:schemeClr val="tx1"/>
+          </a:fontRef>
+        </p:style>
+      </p:cxnSp>
+      <p:sp>
+        <p:nvSpPr>
+          <p:cNvPr id="4" name="Titel 3">
+            <a:extLst>
+              <a:ext uri="{FF2B5EF4-FFF2-40B4-BE49-F238E27FC236}">
+                <a16:creationId xmlns:a16="http://schemas.microsoft.com/office/drawing/2014/main" id="{CDCB8A4F-DF7B-4384-9689-6864305D76CE}"/>
+              </a:ext>
+            </a:extLst>
+          </p:cNvPr>
+          <p:cNvSpPr>
+            <a:spLocks noGrp="1"/>
+          </p:cNvSpPr>
+          <p:nvPr>
+            <p:ph type="title"/>
+          </p:nvPr>
+        </p:nvSpPr>
+        <p:spPr/>
+        <p:txBody>
+          <a:bodyPr/>
+          <a:lstStyle/>
+          <a:p>
+            <a:r>
+              <a:rPr lang="de-DE" dirty="0" err="1"/>
+              <a:t>Translate</a:t>
+            </a:r>
+            <a:r>
+              <a:rPr lang="de-DE" dirty="0"/>
+              <a:t>-Service</a:t>
+            </a:r>
+          </a:p>
+        </p:txBody>
+      </p:sp>
+      <p:sp>
+        <p:nvSpPr>
+          <p:cNvPr id="5" name="Inhaltsplatzhalter 4">
+            <a:extLst>
+              <a:ext uri="{FF2B5EF4-FFF2-40B4-BE49-F238E27FC236}">
+                <a16:creationId xmlns:a16="http://schemas.microsoft.com/office/drawing/2014/main" id="{5B17C235-B154-4CFA-AC79-8C382D7D581E}"/>
+              </a:ext>
+            </a:extLst>
+          </p:cNvPr>
+          <p:cNvSpPr>
+            <a:spLocks noGrp="1"/>
+          </p:cNvSpPr>
+          <p:nvPr>
+            <p:ph idx="1"/>
+          </p:nvPr>
+        </p:nvSpPr>
+        <p:spPr>
+          <a:xfrm>
+            <a:off x="838200" y="1825625"/>
+            <a:ext cx="10828020" cy="4351338"/>
+          </a:xfrm>
+        </p:spPr>
+        <p:txBody>
+          <a:bodyPr/>
+          <a:lstStyle/>
+          <a:p>
+            <a:r>
+              <a:rPr lang="de-DE" dirty="0"/>
+              <a:t>Unterstützt mehr als 50 verschiedene Sprachen</a:t>
+            </a:r>
+          </a:p>
+          <a:p>
+            <a:pPr lvl="1">
+              <a:lnSpc>
+                <a:spcPct val="150000"/>
+              </a:lnSpc>
+            </a:pPr>
+            <a:r>
+              <a:rPr lang="de-DE" dirty="0"/>
+              <a:t>Trainiert durch neuronale Netze</a:t>
+            </a:r>
+          </a:p>
+          <a:p>
+            <a:pPr marL="0" indent="0">
+              <a:buNone/>
+            </a:pPr>
+            <a:endParaRPr lang="de-DE" dirty="0"/>
+          </a:p>
+        </p:txBody>
+      </p:sp>
+      <p:sp>
+        <p:nvSpPr>
+          <p:cNvPr id="6" name="Rechteck 5">
+            <a:extLst>
+              <a:ext uri="{FF2B5EF4-FFF2-40B4-BE49-F238E27FC236}">
+                <a16:creationId xmlns:a16="http://schemas.microsoft.com/office/drawing/2014/main" id="{67498097-F103-459D-AEF5-6CFE4FC8C32D}"/>
+              </a:ext>
+            </a:extLst>
+          </p:cNvPr>
+          <p:cNvSpPr/>
+          <p:nvPr/>
+        </p:nvSpPr>
+        <p:spPr>
+          <a:xfrm>
+            <a:off x="0" y="5877104"/>
+            <a:ext cx="12138660" cy="246221"/>
+          </a:xfrm>
+          <a:prstGeom prst="rect">
+            <a:avLst/>
+          </a:prstGeom>
+        </p:spPr>
+        <p:txBody>
+          <a:bodyPr wrap="square">
+            <a:spAutoFit/>
+          </a:bodyPr>
+          <a:lstStyle/>
+          <a:p>
+            <a:r>
+              <a:rPr lang="de-DE" sz="1000" u="sng" dirty="0">
+                <a:solidFill>
+                  <a:schemeClr val="accent1"/>
+                </a:solidFill>
+                <a:latin typeface="Consolas" panose="020B0609020204030204" pitchFamily="49" charset="0"/>
+                <a:hlinkClick r:id="rId3"/>
+              </a:rPr>
+              <a:t>https://docs.aws.amazon.com/de_de/translate/latest/dg/what-is.html</a:t>
+            </a:r>
+            <a:endParaRPr lang="de-DE" sz="1000" u="sng" dirty="0">
+              <a:solidFill>
+                <a:schemeClr val="accent1"/>
+              </a:solidFill>
+              <a:latin typeface="Consolas" panose="020B0609020204030204" pitchFamily="49" charset="0"/>
+            </a:endParaRPr>
+          </a:p>
+        </p:txBody>
+      </p:sp>
+      <p:sp>
+        <p:nvSpPr>
+          <p:cNvPr id="11" name="Rechteck 10">
+            <a:extLst>
+              <a:ext uri="{FF2B5EF4-FFF2-40B4-BE49-F238E27FC236}">
+                <a16:creationId xmlns:a16="http://schemas.microsoft.com/office/drawing/2014/main" id="{4E415205-F713-41FD-BF1F-71D968C149AB}"/>
+              </a:ext>
+            </a:extLst>
+          </p:cNvPr>
+          <p:cNvSpPr/>
+          <p:nvPr/>
+        </p:nvSpPr>
+        <p:spPr>
+          <a:xfrm>
+            <a:off x="4468816" y="3146765"/>
+            <a:ext cx="1635832" cy="369332"/>
+          </a:xfrm>
+          <a:prstGeom prst="rect">
+            <a:avLst/>
+          </a:prstGeom>
+        </p:spPr>
+        <p:txBody>
+          <a:bodyPr wrap="none">
+            <a:spAutoFit/>
+          </a:bodyPr>
+          <a:lstStyle/>
+          <a:p>
+            <a:r>
+              <a:rPr lang="de-DE" dirty="0">
+                <a:solidFill>
+                  <a:srgbClr val="3883CE"/>
+                </a:solidFill>
+              </a:rPr>
+              <a:t>Funktionsweise</a:t>
+            </a:r>
+          </a:p>
+        </p:txBody>
+      </p:sp>
+      <p:sp>
+        <p:nvSpPr>
+          <p:cNvPr id="12" name="Rechteck 11">
+            <a:extLst>
+              <a:ext uri="{FF2B5EF4-FFF2-40B4-BE49-F238E27FC236}">
+                <a16:creationId xmlns:a16="http://schemas.microsoft.com/office/drawing/2014/main" id="{5618A711-FA04-49F6-A67B-2D60576F9FD4}"/>
+              </a:ext>
+            </a:extLst>
+          </p:cNvPr>
+          <p:cNvSpPr/>
+          <p:nvPr/>
+        </p:nvSpPr>
+        <p:spPr>
+          <a:xfrm>
+            <a:off x="4211536" y="4853210"/>
+            <a:ext cx="3786224" cy="646331"/>
+          </a:xfrm>
+          <a:prstGeom prst="rect">
+            <a:avLst/>
+          </a:prstGeom>
+        </p:spPr>
+        <p:txBody>
+          <a:bodyPr wrap="square">
+            <a:spAutoFit/>
+          </a:bodyPr>
+          <a:lstStyle/>
+          <a:p>
+            <a:pPr algn="ctr"/>
+            <a:r>
+              <a:rPr lang="de-DE" dirty="0">
+                <a:solidFill>
+                  <a:srgbClr val="3A4351"/>
+                </a:solidFill>
+              </a:rPr>
+              <a:t>Mechanismen, um kontext-spezifische Übersetzung zu ermöglichen</a:t>
+            </a:r>
+          </a:p>
+        </p:txBody>
+      </p:sp>
+      <p:graphicFrame>
+        <p:nvGraphicFramePr>
+          <p:cNvPr id="10" name="Diagramm 9">
+            <a:extLst>
+              <a:ext uri="{FF2B5EF4-FFF2-40B4-BE49-F238E27FC236}">
+                <a16:creationId xmlns:a16="http://schemas.microsoft.com/office/drawing/2014/main" id="{06A86A84-9BA2-475B-85B4-43A2D5D2372E}"/>
+              </a:ext>
+            </a:extLst>
+          </p:cNvPr>
+          <p:cNvGraphicFramePr/>
+          <p:nvPr>
+            <p:extLst>
+              <p:ext uri="{D42A27DB-BD31-4B8C-83A1-F6EECF244321}">
+                <p14:modId xmlns:p14="http://schemas.microsoft.com/office/powerpoint/2010/main" val="2849778076"/>
+              </p:ext>
+            </p:extLst>
+          </p:nvPr>
+        </p:nvGraphicFramePr>
+        <p:xfrm>
+          <a:off x="1543764" y="3331432"/>
+          <a:ext cx="7485936" cy="1386841"/>
+        </p:xfrm>
+        <a:graphic>
+          <a:graphicData uri="http://schemas.openxmlformats.org/drawingml/2006/diagram">
+            <dgm:relIds xmlns:dgm="http://schemas.openxmlformats.org/drawingml/2006/diagram" xmlns:r="http://schemas.openxmlformats.org/officeDocument/2006/relationships" r:dm="rId4" r:lo="rId5" r:qs="rId6" r:cs="rId7"/>
+          </a:graphicData>
+        </a:graphic>
+      </p:graphicFrame>
+    </p:spTree>
+    <p:extLst>
+      <p:ext uri="{BB962C8B-B14F-4D97-AF65-F5344CB8AC3E}">
+        <p14:creationId xmlns:p14="http://schemas.microsoft.com/office/powerpoint/2010/main" val="1564737822"/>
+      </p:ext>
+    </p:extLst>
+  </p:cSld>
+  <p:clrMapOvr>
+    <a:masterClrMapping/>
+  </p:clrMapOvr>
+</p:sld>
+</file>
+
+<file path=ppt/slides/slide4.xml><?xml version="1.0" encoding="utf-8"?>
+<p:sld xmlns:a="http://schemas.openxmlformats.org/drawingml/2006/main" xmlns:r="http://schemas.openxmlformats.org/officeDocument/2006/relationships" xmlns:p="http://schemas.openxmlformats.org/presentationml/2006/main">
+  <p:cSld>
+    <p:spTree>
+      <p:nvGrpSpPr>
+        <p:cNvPr id="1" name=""/>
+        <p:cNvGrpSpPr/>
+        <p:nvPr/>
+      </p:nvGrpSpPr>
+      <p:grpSpPr>
+        <a:xfrm>
+          <a:off x="0" y="0"/>
+          <a:ext cx="0" cy="0"/>
+          <a:chOff x="0" y="0"/>
+          <a:chExt cx="0" cy="0"/>
+        </a:xfrm>
+      </p:grpSpPr>
+      <p:sp>
+        <p:nvSpPr>
+          <p:cNvPr id="4" name="Titel 3">
+            <a:extLst>
+              <a:ext uri="{FF2B5EF4-FFF2-40B4-BE49-F238E27FC236}">
+                <a16:creationId xmlns:a16="http://schemas.microsoft.com/office/drawing/2014/main" id="{CDCB8A4F-DF7B-4384-9689-6864305D76CE}"/>
+              </a:ext>
+            </a:extLst>
+          </p:cNvPr>
+          <p:cNvSpPr>
+            <a:spLocks noGrp="1"/>
+          </p:cNvSpPr>
+          <p:nvPr>
+            <p:ph type="title"/>
+          </p:nvPr>
+        </p:nvSpPr>
+        <p:spPr/>
+        <p:txBody>
+          <a:bodyPr/>
+          <a:lstStyle/>
+          <a:p>
+            <a:r>
+              <a:rPr lang="de-DE" dirty="0"/>
+              <a:t>Sprachausgabe Polly</a:t>
+            </a:r>
+          </a:p>
+        </p:txBody>
+      </p:sp>
+      <p:sp>
+        <p:nvSpPr>
+          <p:cNvPr id="5" name="Inhaltsplatzhalter 4">
+            <a:extLst>
+              <a:ext uri="{FF2B5EF4-FFF2-40B4-BE49-F238E27FC236}">
+                <a16:creationId xmlns:a16="http://schemas.microsoft.com/office/drawing/2014/main" id="{5B17C235-B154-4CFA-AC79-8C382D7D581E}"/>
+              </a:ext>
+            </a:extLst>
+          </p:cNvPr>
+          <p:cNvSpPr>
+            <a:spLocks noGrp="1"/>
+          </p:cNvSpPr>
+          <p:nvPr>
+            <p:ph idx="1"/>
+          </p:nvPr>
+        </p:nvSpPr>
+        <p:spPr/>
+        <p:txBody>
+          <a:bodyPr/>
+          <a:lstStyle/>
+          <a:p>
+            <a:pPr marL="514350" indent="-514350">
+              <a:buFont typeface="+mj-lt"/>
+              <a:buAutoNum type="arabicParenR"/>
+            </a:pPr>
+            <a:r>
+              <a:rPr lang="de-DE" dirty="0"/>
+              <a:t>Normale </a:t>
+            </a:r>
+            <a:r>
+              <a:rPr lang="de-DE" b="1" dirty="0"/>
+              <a:t>T</a:t>
+            </a:r>
+            <a:r>
+              <a:rPr lang="de-DE" dirty="0"/>
+              <a:t>ext-</a:t>
+            </a:r>
+            <a:r>
+              <a:rPr lang="de-DE" b="1" dirty="0" err="1"/>
+              <a:t>T</a:t>
+            </a:r>
+            <a:r>
+              <a:rPr lang="de-DE" dirty="0" err="1"/>
+              <a:t>o</a:t>
+            </a:r>
+            <a:r>
+              <a:rPr lang="de-DE" dirty="0"/>
+              <a:t>-</a:t>
+            </a:r>
+            <a:r>
+              <a:rPr lang="de-DE" b="1" dirty="0"/>
+              <a:t>S</a:t>
+            </a:r>
+            <a:r>
+              <a:rPr lang="de-DE" dirty="0"/>
+              <a:t>peech (</a:t>
+            </a:r>
+            <a:r>
+              <a:rPr lang="de-DE" b="1" dirty="0"/>
+              <a:t>TTS</a:t>
+            </a:r>
+            <a:r>
+              <a:rPr lang="de-DE" dirty="0"/>
+              <a:t>) Synthese </a:t>
+            </a:r>
+          </a:p>
+          <a:p>
+            <a:pPr lvl="1">
+              <a:lnSpc>
+                <a:spcPct val="150000"/>
+              </a:lnSpc>
+            </a:pPr>
+            <a:r>
+              <a:rPr lang="de-DE" dirty="0"/>
+              <a:t>Nutzt Verkettung der Phoneme (Laute)</a:t>
+            </a:r>
+          </a:p>
+          <a:p>
+            <a:pPr lvl="1">
+              <a:lnSpc>
+                <a:spcPct val="150000"/>
+              </a:lnSpc>
+            </a:pPr>
+            <a:r>
+              <a:rPr lang="de-DE" dirty="0"/>
+              <a:t>Unterstützt mehr als 20 verschiedene Sprachen </a:t>
+            </a:r>
+          </a:p>
+          <a:p>
+            <a:pPr lvl="1">
+              <a:lnSpc>
+                <a:spcPct val="150000"/>
+              </a:lnSpc>
+            </a:pPr>
+            <a:r>
+              <a:rPr lang="de-DE" dirty="0"/>
+              <a:t>Mit oft verschiedenen „Sprechern“</a:t>
+            </a:r>
+          </a:p>
+        </p:txBody>
+      </p:sp>
+      <p:grpSp>
+        <p:nvGrpSpPr>
+          <p:cNvPr id="6" name="Gruppieren 5">
+            <a:extLst>
+              <a:ext uri="{FF2B5EF4-FFF2-40B4-BE49-F238E27FC236}">
+                <a16:creationId xmlns:a16="http://schemas.microsoft.com/office/drawing/2014/main" id="{0D893AC6-AFEC-4F86-BB87-350FDA9B8C8E}"/>
+              </a:ext>
+            </a:extLst>
+          </p:cNvPr>
+          <p:cNvGrpSpPr/>
+          <p:nvPr/>
+        </p:nvGrpSpPr>
+        <p:grpSpPr>
+          <a:xfrm>
+            <a:off x="6096000" y="3856990"/>
+            <a:ext cx="4133484" cy="1947773"/>
+            <a:chOff x="6435456" y="3779520"/>
+            <a:chExt cx="4133484" cy="1947773"/>
+          </a:xfrm>
+        </p:grpSpPr>
+        <p:graphicFrame>
+          <p:nvGraphicFramePr>
+            <p:cNvPr id="8" name="Diagramm 7">
+              <a:extLst>
+                <a:ext uri="{FF2B5EF4-FFF2-40B4-BE49-F238E27FC236}">
+                  <a16:creationId xmlns:a16="http://schemas.microsoft.com/office/drawing/2014/main" id="{C623A4C0-86B3-44D3-931C-8FC6BCED9F83}"/>
+                </a:ext>
+              </a:extLst>
+            </p:cNvPr>
+            <p:cNvGraphicFramePr/>
+            <p:nvPr>
+              <p:extLst>
+                <p:ext uri="{D42A27DB-BD31-4B8C-83A1-F6EECF244321}">
+                  <p14:modId xmlns:p14="http://schemas.microsoft.com/office/powerpoint/2010/main" val="2781515107"/>
+                </p:ext>
+              </p:extLst>
+            </p:nvPr>
+          </p:nvGraphicFramePr>
+          <p:xfrm>
+            <a:off x="6558247" y="3779520"/>
+            <a:ext cx="4010693" cy="1453574"/>
+          </p:xfrm>
+          <a:graphic>
+            <a:graphicData uri="http://schemas.openxmlformats.org/drawingml/2006/diagram">
+              <dgm:relIds xmlns:dgm="http://schemas.openxmlformats.org/drawingml/2006/diagram" xmlns:r="http://schemas.openxmlformats.org/officeDocument/2006/relationships" r:dm="rId3" r:lo="rId4" r:qs="rId5" r:cs="rId6"/>
+            </a:graphicData>
+          </a:graphic>
+        </p:graphicFrame>
+        <p:sp>
+          <p:nvSpPr>
+            <p:cNvPr id="2" name="Rechteck 1">
+              <a:extLst>
+                <a:ext uri="{FF2B5EF4-FFF2-40B4-BE49-F238E27FC236}">
+                  <a16:creationId xmlns:a16="http://schemas.microsoft.com/office/drawing/2014/main" id="{88F7ED01-9B54-4038-B971-08FC88C54A2C}"/>
+                </a:ext>
+              </a:extLst>
+            </p:cNvPr>
+            <p:cNvSpPr/>
+            <p:nvPr/>
+          </p:nvSpPr>
+          <p:spPr>
+            <a:xfrm>
+              <a:off x="6435456" y="5357961"/>
+              <a:ext cx="1690463" cy="369332"/>
+            </a:xfrm>
+            <a:prstGeom prst="rect">
+              <a:avLst/>
+            </a:prstGeom>
+          </p:spPr>
+          <p:txBody>
+            <a:bodyPr wrap="none">
+              <a:spAutoFit/>
+            </a:bodyPr>
+            <a:lstStyle/>
+            <a:p>
+              <a:r>
+                <a:rPr lang="de-DE" dirty="0" err="1">
+                  <a:solidFill>
+                    <a:srgbClr val="232F3E"/>
+                  </a:solidFill>
+                </a:rPr>
+                <a:t>Phonemic</a:t>
+              </a:r>
+              <a:r>
+                <a:rPr lang="de-DE" dirty="0">
+                  <a:solidFill>
+                    <a:srgbClr val="232F3E"/>
+                  </a:solidFill>
+                </a:rPr>
+                <a:t> </a:t>
+              </a:r>
+              <a:r>
+                <a:rPr lang="de-DE" dirty="0" err="1">
+                  <a:solidFill>
+                    <a:srgbClr val="232F3E"/>
+                  </a:solidFill>
+                </a:rPr>
+                <a:t>script</a:t>
+              </a:r>
+              <a:endParaRPr lang="de-DE" dirty="0">
+                <a:solidFill>
+                  <a:srgbClr val="232F3E"/>
+                </a:solidFill>
+              </a:endParaRPr>
+            </a:p>
+          </p:txBody>
+        </p:sp>
+        <p:sp>
+          <p:nvSpPr>
+            <p:cNvPr id="7" name="Rechteck 6">
+              <a:extLst>
+                <a:ext uri="{FF2B5EF4-FFF2-40B4-BE49-F238E27FC236}">
+                  <a16:creationId xmlns:a16="http://schemas.microsoft.com/office/drawing/2014/main" id="{0A97D7DE-CFC2-40B5-A913-3D6E0F70D35A}"/>
+                </a:ext>
+              </a:extLst>
+            </p:cNvPr>
+            <p:cNvSpPr/>
+            <p:nvPr/>
+          </p:nvSpPr>
+          <p:spPr>
+            <a:xfrm>
+              <a:off x="9371644" y="5357961"/>
+              <a:ext cx="1002839" cy="369332"/>
+            </a:xfrm>
+            <a:prstGeom prst="rect">
+              <a:avLst/>
+            </a:prstGeom>
+          </p:spPr>
+          <p:txBody>
+            <a:bodyPr wrap="none">
+              <a:spAutoFit/>
+            </a:bodyPr>
+            <a:lstStyle/>
+            <a:p>
+              <a:r>
+                <a:rPr lang="de-DE" dirty="0" err="1">
+                  <a:solidFill>
+                    <a:srgbClr val="232F3E"/>
+                  </a:solidFill>
+                </a:rPr>
+                <a:t>Plaintext</a:t>
+              </a:r>
+              <a:endParaRPr lang="de-DE" dirty="0">
+                <a:solidFill>
+                  <a:srgbClr val="232F3E"/>
+                </a:solidFill>
+              </a:endParaRPr>
+            </a:p>
+          </p:txBody>
+        </p:sp>
+      </p:grpSp>
+      <p:sp>
+        <p:nvSpPr>
+          <p:cNvPr id="9" name="Rechteck 8">
+            <a:extLst>
+              <a:ext uri="{FF2B5EF4-FFF2-40B4-BE49-F238E27FC236}">
+                <a16:creationId xmlns:a16="http://schemas.microsoft.com/office/drawing/2014/main" id="{EA481290-C055-46A7-8501-26D30F037DE4}"/>
+              </a:ext>
+            </a:extLst>
+          </p:cNvPr>
+          <p:cNvSpPr/>
+          <p:nvPr/>
+        </p:nvSpPr>
+        <p:spPr>
+          <a:xfrm>
+            <a:off x="0" y="5877104"/>
+            <a:ext cx="12138660" cy="246221"/>
+          </a:xfrm>
+          <a:prstGeom prst="rect">
+            <a:avLst/>
+          </a:prstGeom>
+        </p:spPr>
+        <p:txBody>
+          <a:bodyPr wrap="square">
+            <a:spAutoFit/>
+          </a:bodyPr>
+          <a:lstStyle/>
+          <a:p>
+            <a:r>
+              <a:rPr lang="de-DE" sz="1000" u="sng" dirty="0">
+                <a:solidFill>
+                  <a:schemeClr val="accent1"/>
+                </a:solidFill>
+                <a:latin typeface="Consolas" panose="020B0609020204030204" pitchFamily="49" charset="0"/>
+                <a:hlinkClick r:id="rId8"/>
+              </a:rPr>
+              <a:t>https://docs.aws.amazon.com/de_de/polly/latest/dg/what-is.html</a:t>
+            </a:r>
+            <a:endParaRPr lang="de-DE" sz="1000" u="sng" dirty="0">
+              <a:solidFill>
+                <a:schemeClr val="accent1"/>
+              </a:solidFill>
+              <a:latin typeface="Consolas" panose="020B0609020204030204" pitchFamily="49" charset="0"/>
+            </a:endParaRPr>
+          </a:p>
+        </p:txBody>
+      </p:sp>
+    </p:spTree>
+    <p:extLst>
+      <p:ext uri="{BB962C8B-B14F-4D97-AF65-F5344CB8AC3E}">
+        <p14:creationId xmlns:p14="http://schemas.microsoft.com/office/powerpoint/2010/main" val="1588190960"/>
+      </p:ext>
+    </p:extLst>
+  </p:cSld>
+  <p:clrMapOvr>
+    <a:masterClrMapping/>
+  </p:clrMapOvr>
+</p:sld>
+</file>
+
+<file path=ppt/slides/slide5.xml><?xml version="1.0" encoding="utf-8"?>
+<p:sld xmlns:a="http://schemas.openxmlformats.org/drawingml/2006/main" xmlns:r="http://schemas.openxmlformats.org/officeDocument/2006/relationships" xmlns:p="http://schemas.openxmlformats.org/presentationml/2006/main">
+  <p:cSld>
+    <p:spTree>
+      <p:nvGrpSpPr>
+        <p:cNvPr id="1" name=""/>
+        <p:cNvGrpSpPr/>
+        <p:nvPr/>
+      </p:nvGrpSpPr>
+      <p:grpSpPr>
+        <a:xfrm>
+          <a:off x="0" y="0"/>
+          <a:ext cx="0" cy="0"/>
+          <a:chOff x="0" y="0"/>
+          <a:chExt cx="0" cy="0"/>
+        </a:xfrm>
+      </p:grpSpPr>
+      <p:sp>
+        <p:nvSpPr>
+          <p:cNvPr id="4" name="Titel 3">
+            <a:extLst>
+              <a:ext uri="{FF2B5EF4-FFF2-40B4-BE49-F238E27FC236}">
+                <a16:creationId xmlns:a16="http://schemas.microsoft.com/office/drawing/2014/main" id="{CDCB8A4F-DF7B-4384-9689-6864305D76CE}"/>
+              </a:ext>
+            </a:extLst>
+          </p:cNvPr>
+          <p:cNvSpPr>
+            <a:spLocks noGrp="1"/>
+          </p:cNvSpPr>
+          <p:nvPr>
+            <p:ph type="title"/>
+          </p:nvPr>
+        </p:nvSpPr>
+        <p:spPr/>
+        <p:txBody>
+          <a:bodyPr/>
+          <a:lstStyle/>
+          <a:p>
+            <a:r>
+              <a:rPr lang="de-DE" dirty="0"/>
+              <a:t>Sprachausgabe Polly</a:t>
+            </a:r>
+          </a:p>
+        </p:txBody>
+      </p:sp>
+      <p:sp>
+        <p:nvSpPr>
+          <p:cNvPr id="5" name="Inhaltsplatzhalter 4">
+            <a:extLst>
+              <a:ext uri="{FF2B5EF4-FFF2-40B4-BE49-F238E27FC236}">
+                <a16:creationId xmlns:a16="http://schemas.microsoft.com/office/drawing/2014/main" id="{5B17C235-B154-4CFA-AC79-8C382D7D581E}"/>
+              </a:ext>
+            </a:extLst>
+          </p:cNvPr>
+          <p:cNvSpPr>
+            <a:spLocks noGrp="1"/>
+          </p:cNvSpPr>
+          <p:nvPr>
+            <p:ph idx="1"/>
+          </p:nvPr>
+        </p:nvSpPr>
+        <p:spPr/>
+        <p:txBody>
+          <a:bodyPr/>
+          <a:lstStyle/>
+          <a:p>
+            <a:pPr marL="514350" indent="-514350">
+              <a:buFont typeface="+mj-lt"/>
+              <a:buAutoNum type="arabicParenR" startAt="2"/>
+            </a:pPr>
+            <a:r>
+              <a:rPr lang="de-DE" dirty="0"/>
+              <a:t>Zusätzliche neuronale TTS-Technologie</a:t>
+            </a:r>
+          </a:p>
+          <a:p>
+            <a:pPr lvl="1">
+              <a:lnSpc>
+                <a:spcPct val="150000"/>
+              </a:lnSpc>
+            </a:pPr>
+            <a:r>
+              <a:rPr lang="de-DE" dirty="0"/>
+              <a:t>Ermöglicht menschlichere Aussprache</a:t>
+            </a:r>
+          </a:p>
+          <a:p>
+            <a:pPr lvl="1">
+              <a:lnSpc>
+                <a:spcPct val="150000"/>
+              </a:lnSpc>
+            </a:pPr>
+            <a:r>
+              <a:rPr lang="de-DE" dirty="0"/>
+              <a:t>Unterstützt werden </a:t>
+            </a:r>
+            <a:r>
+              <a:rPr lang="de-DE" b="1" dirty="0"/>
+              <a:t>US-</a:t>
+            </a:r>
+            <a:r>
+              <a:rPr lang="de-DE" dirty="0"/>
+              <a:t> und </a:t>
+            </a:r>
+            <a:r>
+              <a:rPr lang="de-DE" b="1" dirty="0"/>
+              <a:t>UK-Englisch</a:t>
+            </a:r>
+            <a:r>
+              <a:rPr lang="de-DE" dirty="0"/>
+              <a:t>, </a:t>
+            </a:r>
+            <a:r>
+              <a:rPr lang="de-DE" b="1" dirty="0"/>
+              <a:t>Portugiesisch</a:t>
+            </a:r>
+            <a:r>
+              <a:rPr lang="de-DE" dirty="0"/>
+              <a:t>, </a:t>
+            </a:r>
+            <a:r>
+              <a:rPr lang="de-DE" b="1" dirty="0"/>
+              <a:t>Spanisch</a:t>
+            </a:r>
+          </a:p>
+          <a:p>
+            <a:endParaRPr lang="de-DE" dirty="0"/>
+          </a:p>
+        </p:txBody>
+      </p:sp>
+      <p:sp>
+        <p:nvSpPr>
+          <p:cNvPr id="3" name="Rechteck 2">
+            <a:extLst>
+              <a:ext uri="{FF2B5EF4-FFF2-40B4-BE49-F238E27FC236}">
+                <a16:creationId xmlns:a16="http://schemas.microsoft.com/office/drawing/2014/main" id="{466BAFBF-23E3-4E3A-8F1E-2E26D4DA58A6}"/>
+              </a:ext>
+            </a:extLst>
+          </p:cNvPr>
+          <p:cNvSpPr/>
+          <p:nvPr/>
+        </p:nvSpPr>
+        <p:spPr>
+          <a:xfrm>
+            <a:off x="0" y="5877104"/>
+            <a:ext cx="12138660" cy="246221"/>
+          </a:xfrm>
+          <a:prstGeom prst="rect">
+            <a:avLst/>
+          </a:prstGeom>
+        </p:spPr>
+        <p:txBody>
+          <a:bodyPr wrap="square">
+            <a:spAutoFit/>
+          </a:bodyPr>
+          <a:lstStyle/>
+          <a:p>
+            <a:r>
+              <a:rPr lang="de-DE" sz="1000" u="sng" dirty="0">
+                <a:solidFill>
+                  <a:schemeClr val="accent1"/>
+                </a:solidFill>
+                <a:latin typeface="Consolas" panose="020B0609020204030204" pitchFamily="49" charset="0"/>
+                <a:hlinkClick r:id="rId3"/>
+              </a:rPr>
+              <a:t>https://docs.aws.amazon.com/de_de/polly/latest/dg/what-is.html</a:t>
+            </a:r>
+            <a:endParaRPr lang="de-DE" sz="1000" u="sng" dirty="0">
+              <a:solidFill>
+                <a:schemeClr val="accent1"/>
+              </a:solidFill>
+              <a:latin typeface="Consolas" panose="020B0609020204030204" pitchFamily="49" charset="0"/>
+            </a:endParaRPr>
+          </a:p>
+        </p:txBody>
+      </p:sp>
+    </p:spTree>
+    <p:extLst>
+      <p:ext uri="{BB962C8B-B14F-4D97-AF65-F5344CB8AC3E}">
+        <p14:creationId xmlns:p14="http://schemas.microsoft.com/office/powerpoint/2010/main" val="298357997"/>
+      </p:ext>
+    </p:extLst>
+  </p:cSld>
+  <p:clrMapOvr>
+    <a:masterClrMapping/>
+  </p:clrMapOvr>
+</p:sld>
+</file>
+
+<file path=ppt/slides/slide6.xml><?xml version="1.0" encoding="utf-8"?>
+<p:sld xmlns:a="http://schemas.openxmlformats.org/drawingml/2006/main" xmlns:r="http://schemas.openxmlformats.org/officeDocument/2006/relationships" xmlns:p="http://schemas.openxmlformats.org/presentationml/2006/main">
+  <p:cSld>
+    <p:spTree>
+      <p:nvGrpSpPr>
+        <p:cNvPr id="1" name=""/>
+        <p:cNvGrpSpPr/>
+        <p:nvPr/>
+      </p:nvGrpSpPr>
+      <p:grpSpPr>
+        <a:xfrm>
+          <a:off x="0" y="0"/>
+          <a:ext cx="0" cy="0"/>
+          <a:chOff x="0" y="0"/>
+          <a:chExt cx="0" cy="0"/>
+        </a:xfrm>
+      </p:grpSpPr>
+      <p:sp>
+        <p:nvSpPr>
+          <p:cNvPr id="8" name="Titel 7">
+            <a:extLst>
+              <a:ext uri="{FF2B5EF4-FFF2-40B4-BE49-F238E27FC236}">
+                <a16:creationId xmlns:a16="http://schemas.microsoft.com/office/drawing/2014/main" id="{5DE8917C-1C95-4E0C-9CC4-280F4C42E475}"/>
+              </a:ext>
+            </a:extLst>
+          </p:cNvPr>
+          <p:cNvSpPr>
+            <a:spLocks noGrp="1"/>
+          </p:cNvSpPr>
+          <p:nvPr>
+            <p:ph type="title"/>
+          </p:nvPr>
+        </p:nvSpPr>
+        <p:spPr/>
+        <p:txBody>
+          <a:bodyPr/>
+          <a:lstStyle/>
+          <a:p>
+            <a:r>
+              <a:rPr lang="de-DE" dirty="0"/>
+              <a:t>Herangehensweise</a:t>
+            </a:r>
+          </a:p>
+        </p:txBody>
+      </p:sp>
+      <p:sp>
+        <p:nvSpPr>
+          <p:cNvPr id="9" name="Inhaltsplatzhalter 8">
+            <a:extLst>
+              <a:ext uri="{FF2B5EF4-FFF2-40B4-BE49-F238E27FC236}">
+                <a16:creationId xmlns:a16="http://schemas.microsoft.com/office/drawing/2014/main" id="{945D6841-13B8-4355-AD95-3A198B7E4974}"/>
+              </a:ext>
+            </a:extLst>
+          </p:cNvPr>
+          <p:cNvSpPr>
+            <a:spLocks noGrp="1"/>
+          </p:cNvSpPr>
+          <p:nvPr>
+            <p:ph idx="1"/>
+          </p:nvPr>
+        </p:nvSpPr>
+        <p:spPr/>
+        <p:txBody>
+          <a:bodyPr/>
+          <a:lstStyle/>
+          <a:p>
+            <a:r>
+              <a:rPr lang="de-DE" dirty="0"/>
+              <a:t>…</a:t>
+            </a:r>
+          </a:p>
+        </p:txBody>
+      </p:sp>
+    </p:spTree>
+    <p:extLst>
+      <p:ext uri="{BB962C8B-B14F-4D97-AF65-F5344CB8AC3E}">
+        <p14:creationId xmlns:p14="http://schemas.microsoft.com/office/powerpoint/2010/main" val="416045410"/>
+      </p:ext>
+    </p:extLst>
+  </p:cSld>
+  <p:clrMapOvr>
+    <a:masterClrMapping/>
+  </p:clrMapOvr>
+</p:sld>
+</file>
+
 <file path=ppt/theme/theme1.xml><?xml version="1.0" encoding="utf-8"?>
 <a:theme xmlns:a="http://schemas.openxmlformats.org/drawingml/2006/main" name="Office Theme">
   <a:themeElements>
@@ -6171,4 +13599,299 @@
     </a:ext>
   </a:extLst>
 </a:theme>
+</file>
+
+<file path=ppt/theme/theme2.xml><?xml version="1.0" encoding="utf-8"?>
+<a:theme xmlns:a="http://schemas.openxmlformats.org/drawingml/2006/main" name="Office">
+  <a:themeElements>
+    <a:clrScheme name="Office">
+      <a:dk1>
+        <a:sysClr val="windowText" lastClr="000000"/>
+      </a:dk1>
+      <a:lt1>
+        <a:sysClr val="window" lastClr="FFFFFF"/>
+      </a:lt1>
+      <a:dk2>
+        <a:srgbClr val="44546A"/>
+      </a:dk2>
+      <a:lt2>
+        <a:srgbClr val="E7E6E6"/>
+      </a:lt2>
+      <a:accent1>
+        <a:srgbClr val="4472C4"/>
+      </a:accent1>
+      <a:accent2>
+        <a:srgbClr val="ED7D31"/>
+      </a:accent2>
+      <a:accent3>
+        <a:srgbClr val="A5A5A5"/>
+      </a:accent3>
+      <a:accent4>
+        <a:srgbClr val="FFC000"/>
+      </a:accent4>
+      <a:accent5>
+        <a:srgbClr val="5B9BD5"/>
+      </a:accent5>
+      <a:accent6>
+        <a:srgbClr val="70AD47"/>
+      </a:accent6>
+      <a:hlink>
+        <a:srgbClr val="0563C1"/>
+      </a:hlink>
+      <a:folHlink>
+        <a:srgbClr val="954F72"/>
+      </a:folHlink>
+    </a:clrScheme>
+    <a:fontScheme name="Office">
+      <a:majorFont>
+        <a:latin typeface="Calibri Light" panose="020F0302020204030204"/>
+        <a:ea typeface=""/>
+        <a:cs typeface=""/>
+        <a:font script="Jpan" typeface="游ゴシック Light"/>
+        <a:font script="Hang" typeface="맑은 고딕"/>
+        <a:font script="Hans" typeface="等线 Light"/>
+        <a:font script="Hant" typeface="新細明體"/>
+        <a:font script="Arab" typeface="Times New Roman"/>
+        <a:font script="Hebr" typeface="Times New Roman"/>
+        <a:font script="Thai" typeface="Angsana New"/>
+        <a:font script="Ethi" typeface="Nyala"/>
+        <a:font script="Beng" typeface="Vrinda"/>
+        <a:font script="Gujr" typeface="Shruti"/>
+        <a:font script="Khmr" typeface="MoolBoran"/>
+        <a:font script="Knda" typeface="Tunga"/>
+        <a:font script="Guru" typeface="Raavi"/>
+        <a:font script="Cans" typeface="Euphemia"/>
+        <a:font script="Cher" typeface="Plantagenet Cherokee"/>
+        <a:font script="Yiii" typeface="Microsoft Yi Baiti"/>
+        <a:font script="Tibt" typeface="Microsoft Himalaya"/>
+        <a:font script="Thaa" typeface="MV Boli"/>
+        <a:font script="Deva" typeface="Mangal"/>
+        <a:font script="Telu" typeface="Gautami"/>
+        <a:font script="Taml" typeface="Latha"/>
+        <a:font script="Syrc" typeface="Estrangelo Edessa"/>
+        <a:font script="Orya" typeface="Kalinga"/>
+        <a:font script="Mlym" typeface="Kartika"/>
+        <a:font script="Laoo" typeface="DokChampa"/>
+        <a:font script="Sinh" typeface="Iskoola Pota"/>
+        <a:font script="Mong" typeface="Mongolian Baiti"/>
+        <a:font script="Viet" typeface="Times New Roman"/>
+        <a:font script="Uigh" typeface="Microsoft Uighur"/>
+        <a:font script="Geor" typeface="Sylfaen"/>
+        <a:font script="Armn" typeface="Arial"/>
+        <a:font script="Bugi" typeface="Leelawadee UI"/>
+        <a:font script="Bopo" typeface="Microsoft JhengHei"/>
+        <a:font script="Java" typeface="Javanese Text"/>
+        <a:font script="Lisu" typeface="Segoe UI"/>
+        <a:font script="Mymr" typeface="Myanmar Text"/>
+        <a:font script="Nkoo" typeface="Ebrima"/>
+        <a:font script="Olck" typeface="Nirmala UI"/>
+        <a:font script="Osma" typeface="Ebrima"/>
+        <a:font script="Phag" typeface="Phagspa"/>
+        <a:font script="Syrn" typeface="Estrangelo Edessa"/>
+        <a:font script="Syrj" typeface="Estrangelo Edessa"/>
+        <a:font script="Syre" typeface="Estrangelo Edessa"/>
+        <a:font script="Sora" typeface="Nirmala UI"/>
+        <a:font script="Tale" typeface="Microsoft Tai Le"/>
+        <a:font script="Talu" typeface="Microsoft New Tai Lue"/>
+        <a:font script="Tfng" typeface="Ebrima"/>
+      </a:majorFont>
+      <a:minorFont>
+        <a:latin typeface="Calibri" panose="020F0502020204030204"/>
+        <a:ea typeface=""/>
+        <a:cs typeface=""/>
+        <a:font script="Jpan" typeface="游ゴシック"/>
+        <a:font script="Hang" typeface="맑은 고딕"/>
+        <a:font script="Hans" typeface="等线"/>
+        <a:font script="Hant" typeface="新細明體"/>
+        <a:font script="Arab" typeface="Arial"/>
+        <a:font script="Hebr" typeface="Arial"/>
+        <a:font script="Thai" typeface="Cordia New"/>
+        <a:font script="Ethi" typeface="Nyala"/>
+        <a:font script="Beng" typeface="Vrinda"/>
+        <a:font script="Gujr" typeface="Shruti"/>
+        <a:font script="Khmr" typeface="DaunPenh"/>
+        <a:font script="Knda" typeface="Tunga"/>
+        <a:font script="Guru" typeface="Raavi"/>
+        <a:font script="Cans" typeface="Euphemia"/>
+        <a:font script="Cher" typeface="Plantagenet Cherokee"/>
+        <a:font script="Yiii" typeface="Microsoft Yi Baiti"/>
+        <a:font script="Tibt" typeface="Microsoft Himalaya"/>
+        <a:font script="Thaa" typeface="MV Boli"/>
+        <a:font script="Deva" typeface="Mangal"/>
+        <a:font script="Telu" typeface="Gautami"/>
+        <a:font script="Taml" typeface="Latha"/>
+        <a:font script="Syrc" typeface="Estrangelo Edessa"/>
+        <a:font script="Orya" typeface="Kalinga"/>
+        <a:font script="Mlym" typeface="Kartika"/>
+        <a:font script="Laoo" typeface="DokChampa"/>
+        <a:font script="Sinh" typeface="Iskoola Pota"/>
+        <a:font script="Mong" typeface="Mongolian Baiti"/>
+        <a:font script="Viet" typeface="Arial"/>
+        <a:font script="Uigh" typeface="Microsoft Uighur"/>
+        <a:font script="Geor" typeface="Sylfaen"/>
+        <a:font script="Armn" typeface="Arial"/>
+        <a:font script="Bugi" typeface="Leelawadee UI"/>
+        <a:font script="Bopo" typeface="Microsoft JhengHei"/>
+        <a:font script="Java" typeface="Javanese Text"/>
+        <a:font script="Lisu" typeface="Segoe UI"/>
+        <a:font script="Mymr" typeface="Myanmar Text"/>
+        <a:font script="Nkoo" typeface="Ebrima"/>
+        <a:font script="Olck" typeface="Nirmala UI"/>
+        <a:font script="Osma" typeface="Ebrima"/>
+        <a:font script="Phag" typeface="Phagspa"/>
+        <a:font script="Syrn" typeface="Estrangelo Edessa"/>
+        <a:font script="Syrj" typeface="Estrangelo Edessa"/>
+        <a:font script="Syre" typeface="Estrangelo Edessa"/>
+        <a:font script="Sora" typeface="Nirmala UI"/>
+        <a:font script="Tale" typeface="Microsoft Tai Le"/>
+        <a:font script="Talu" typeface="Microsoft New Tai Lue"/>
+        <a:font script="Tfng" typeface="Ebrima"/>
+      </a:minorFont>
+    </a:fontScheme>
+    <a:fmtScheme name="Office">
+      <a:fillStyleLst>
+        <a:solidFill>
+          <a:schemeClr val="phClr"/>
+        </a:solidFill>
+        <a:gradFill rotWithShape="1">
+          <a:gsLst>
+            <a:gs pos="0">
+              <a:schemeClr val="phClr">
+                <a:lumMod val="110000"/>
+                <a:satMod val="105000"/>
+                <a:tint val="67000"/>
+              </a:schemeClr>
+            </a:gs>
+            <a:gs pos="50000">
+              <a:schemeClr val="phClr">
+                <a:lumMod val="105000"/>
+                <a:satMod val="103000"/>
+                <a:tint val="73000"/>
+              </a:schemeClr>
+            </a:gs>
+            <a:gs pos="100000">
+              <a:schemeClr val="phClr">
+                <a:lumMod val="105000"/>
+                <a:satMod val="109000"/>
+                <a:tint val="81000"/>
+              </a:schemeClr>
+            </a:gs>
+          </a:gsLst>
+          <a:lin ang="5400000" scaled="0"/>
+        </a:gradFill>
+        <a:gradFill rotWithShape="1">
+          <a:gsLst>
+            <a:gs pos="0">
+              <a:schemeClr val="phClr">
+                <a:satMod val="103000"/>
+                <a:lumMod val="102000"/>
+                <a:tint val="94000"/>
+              </a:schemeClr>
+            </a:gs>
+            <a:gs pos="50000">
+              <a:schemeClr val="phClr">
+                <a:satMod val="110000"/>
+                <a:lumMod val="100000"/>
+                <a:shade val="100000"/>
+              </a:schemeClr>
+            </a:gs>
+            <a:gs pos="100000">
+              <a:schemeClr val="phClr">
+                <a:lumMod val="99000"/>
+                <a:satMod val="120000"/>
+                <a:shade val="78000"/>
+              </a:schemeClr>
+            </a:gs>
+          </a:gsLst>
+          <a:lin ang="5400000" scaled="0"/>
+        </a:gradFill>
+      </a:fillStyleLst>
+      <a:lnStyleLst>
+        <a:ln w="6350" cap="flat" cmpd="sng" algn="ctr">
+          <a:solidFill>
+            <a:schemeClr val="phClr"/>
+          </a:solidFill>
+          <a:prstDash val="solid"/>
+          <a:miter lim="800000"/>
+        </a:ln>
+        <a:ln w="12700" cap="flat" cmpd="sng" algn="ctr">
+          <a:solidFill>
+            <a:schemeClr val="phClr"/>
+          </a:solidFill>
+          <a:prstDash val="solid"/>
+          <a:miter lim="800000"/>
+        </a:ln>
+        <a:ln w="19050" cap="flat" cmpd="sng" algn="ctr">
+          <a:solidFill>
+            <a:schemeClr val="phClr"/>
+          </a:solidFill>
+          <a:prstDash val="solid"/>
+          <a:miter lim="800000"/>
+        </a:ln>
+      </a:lnStyleLst>
+      <a:effectStyleLst>
+        <a:effectStyle>
+          <a:effectLst/>
+        </a:effectStyle>
+        <a:effectStyle>
+          <a:effectLst/>
+        </a:effectStyle>
+        <a:effectStyle>
+          <a:effectLst>
+            <a:outerShdw blurRad="57150" dist="19050" dir="5400000" algn="ctr" rotWithShape="0">
+              <a:srgbClr val="000000">
+                <a:alpha val="63000"/>
+              </a:srgbClr>
+            </a:outerShdw>
+          </a:effectLst>
+        </a:effectStyle>
+      </a:effectStyleLst>
+      <a:bgFillStyleLst>
+        <a:solidFill>
+          <a:schemeClr val="phClr"/>
+        </a:solidFill>
+        <a:solidFill>
+          <a:schemeClr val="phClr">
+            <a:tint val="95000"/>
+            <a:satMod val="170000"/>
+          </a:schemeClr>
+        </a:solidFill>
+        <a:gradFill rotWithShape="1">
+          <a:gsLst>
+            <a:gs pos="0">
+              <a:schemeClr val="phClr">
+                <a:tint val="93000"/>
+                <a:satMod val="150000"/>
+                <a:shade val="98000"/>
+                <a:lumMod val="102000"/>
+              </a:schemeClr>
+            </a:gs>
+            <a:gs pos="50000">
+              <a:schemeClr val="phClr">
+                <a:tint val="98000"/>
+                <a:satMod val="130000"/>
+                <a:shade val="90000"/>
+                <a:lumMod val="103000"/>
+              </a:schemeClr>
+            </a:gs>
+            <a:gs pos="100000">
+              <a:schemeClr val="phClr">
+                <a:shade val="63000"/>
+                <a:satMod val="120000"/>
+              </a:schemeClr>
+            </a:gs>
+          </a:gsLst>
+          <a:lin ang="5400000" scaled="0"/>
+        </a:gradFill>
+      </a:bgFillStyleLst>
+    </a:fmtScheme>
+  </a:themeElements>
+  <a:objectDefaults/>
+  <a:extraClrSchemeLst/>
+  <a:extLst>
+    <a:ext uri="{05A4C25C-085E-4340-85A3-A5531E510DB2}">
+      <thm15:themeFamily xmlns:thm15="http://schemas.microsoft.com/office/thememl/2012/main" name="Office Theme" id="{62F939B6-93AF-4DB8-9C6B-D6C7DFDC589F}" vid="{4A3C46E8-61CC-4603-A589-7422A47A8E4A}"/>
+    </a:ext>
+  </a:extLst>
+</a:theme>
 </file>
--- a/presentation/Presentation.pptx
+++ b/presentation/Presentation.pptx
@@ -1789,7 +1789,11 @@
         <a:lstStyle/>
         <a:p>
           <a:r>
-            <a:rPr lang="de-DE" sz="1600" dirty="0"/>
+            <a:rPr lang="de-DE" sz="1600" dirty="0">
+              <a:solidFill>
+                <a:srgbClr val="232F3E"/>
+              </a:solidFill>
+            </a:rPr>
             <a:t>Semantische Repräsentation</a:t>
           </a:r>
         </a:p>
@@ -1883,7 +1887,11 @@
         <a:lstStyle/>
         <a:p>
           <a:r>
-            <a:rPr lang="de-DE" sz="1600" dirty="0"/>
+            <a:rPr lang="de-DE" sz="1600" dirty="0">
+              <a:solidFill>
+                <a:srgbClr val="232F3E"/>
+              </a:solidFill>
+            </a:rPr>
             <a:t>Übersetzung</a:t>
           </a:r>
         </a:p>
@@ -2012,20 +2020,38 @@
     </dgm:pt>
     <dgm:pt modelId="{D5CFB957-4D15-4BA1-A459-D9B67A155332}">
       <dgm:prSet/>
-      <dgm:spPr/>
+      <dgm:spPr>
+        <a:ln>
+          <a:solidFill>
+            <a:srgbClr val="3A4351"/>
+          </a:solidFill>
+        </a:ln>
+      </dgm:spPr>
       <dgm:t>
         <a:bodyPr/>
         <a:lstStyle/>
         <a:p>
           <a:r>
-            <a:rPr lang="de-DE" dirty="0"/>
+            <a:rPr lang="de-DE" dirty="0">
+              <a:solidFill>
+                <a:srgbClr val="3A4351"/>
+              </a:solidFill>
+            </a:rPr>
             <a:t>Hello +</a:t>
           </a:r>
           <a:br>
-            <a:rPr lang="de-DE" dirty="0"/>
+            <a:rPr lang="de-DE" dirty="0">
+              <a:solidFill>
+                <a:srgbClr val="3A4351"/>
+              </a:solidFill>
+            </a:rPr>
           </a:br>
           <a:r>
-            <a:rPr lang="de-DE" dirty="0"/>
+            <a:rPr lang="de-DE" dirty="0">
+              <a:solidFill>
+                <a:srgbClr val="3A4351"/>
+              </a:solidFill>
+            </a:rPr>
             <a:t>World</a:t>
           </a:r>
         </a:p>
@@ -2044,53 +2070,105 @@
     </dgm:pt>
     <dgm:pt modelId="{7F55EF3F-3215-467A-A7B0-657441755E3F}" type="sibTrans" cxnId="{8C436179-3D2D-40D4-A4D8-35F443155456}">
       <dgm:prSet/>
-      <dgm:spPr/>
+      <dgm:spPr>
+        <a:solidFill>
+          <a:schemeClr val="tx2">
+            <a:lumMod val="20000"/>
+            <a:lumOff val="80000"/>
+          </a:schemeClr>
+        </a:solidFill>
+      </dgm:spPr>
       <dgm:t>
         <a:bodyPr/>
         <a:lstStyle/>
         <a:p>
-          <a:endParaRPr lang="de-DE"/>
+          <a:endParaRPr lang="de-DE">
+            <a:solidFill>
+              <a:srgbClr val="252F3E"/>
+            </a:solidFill>
+          </a:endParaRPr>
         </a:p>
       </dgm:t>
     </dgm:pt>
     <dgm:pt modelId="{4A83DE0C-AC5A-4992-894D-0D7C204C7DA4}">
       <dgm:prSet/>
-      <dgm:spPr/>
+      <dgm:spPr>
+        <a:ln>
+          <a:solidFill>
+            <a:srgbClr val="3A4351"/>
+          </a:solidFill>
+        </a:ln>
+      </dgm:spPr>
       <dgm:t>
         <a:bodyPr/>
         <a:lstStyle/>
         <a:p>
           <a:r>
-            <a:rPr lang="de-DE" dirty="0" err="1"/>
+            <a:rPr lang="de-DE" dirty="0" err="1">
+              <a:solidFill>
+                <a:srgbClr val="3A4351"/>
+              </a:solidFill>
+            </a:rPr>
             <a:t>hə‘ləʊ</a:t>
           </a:r>
           <a:r>
-            <a:rPr lang="de-DE" dirty="0"/>
+            <a:rPr lang="de-DE" dirty="0">
+              <a:solidFill>
+                <a:srgbClr val="3A4351"/>
+              </a:solidFill>
+            </a:rPr>
             <a:t> +</a:t>
           </a:r>
           <a:br>
-            <a:rPr lang="de-DE" dirty="0"/>
+            <a:rPr lang="de-DE" dirty="0">
+              <a:solidFill>
+                <a:srgbClr val="3A4351"/>
+              </a:solidFill>
+            </a:rPr>
           </a:br>
           <a:r>
-            <a:rPr lang="de-DE" dirty="0"/>
+            <a:rPr lang="de-DE" dirty="0">
+              <a:solidFill>
+                <a:srgbClr val="3A4351"/>
+              </a:solidFill>
+            </a:rPr>
             <a:t>‚</a:t>
           </a:r>
           <a:r>
-            <a:rPr lang="de-DE" dirty="0" err="1"/>
+            <a:rPr lang="de-DE" dirty="0" err="1">
+              <a:solidFill>
+                <a:srgbClr val="3A4351"/>
+              </a:solidFill>
+            </a:rPr>
             <a:t>wAɜ:ld</a:t>
           </a:r>
-          <a:endParaRPr lang="de-DE" dirty="0"/>
+          <a:endParaRPr lang="de-DE" dirty="0">
+            <a:solidFill>
+              <a:srgbClr val="3A4351"/>
+            </a:solidFill>
+          </a:endParaRPr>
         </a:p>
       </dgm:t>
     </dgm:pt>
     <dgm:pt modelId="{FDB01653-F460-4474-8206-1F602D89CEB7}" type="sibTrans" cxnId="{AEFA7C7B-7C5E-4A5B-8109-C6A04B6DF45B}">
       <dgm:prSet/>
-      <dgm:spPr/>
+      <dgm:spPr>
+        <a:solidFill>
+          <a:schemeClr val="tx2">
+            <a:lumMod val="20000"/>
+            <a:lumOff val="80000"/>
+          </a:schemeClr>
+        </a:solidFill>
+      </dgm:spPr>
       <dgm:t>
         <a:bodyPr/>
         <a:lstStyle/>
         <a:p>
-          <a:endParaRPr lang="de-DE"/>
+          <a:endParaRPr lang="de-DE">
+            <a:solidFill>
+              <a:srgbClr val="FF9900"/>
+            </a:solidFill>
+          </a:endParaRPr>
         </a:p>
       </dgm:t>
     </dgm:pt>
@@ -2123,7 +2201,7 @@
       <dgm:spPr/>
     </dgm:pt>
     <dgm:pt modelId="{8C88AAFD-2E86-4A92-9FD9-13EC394C7DBD}" type="pres">
-      <dgm:prSet presAssocID="{FDB01653-F460-4474-8206-1F602D89CEB7}" presName="sibTrans" presStyleLbl="sibTrans2D1" presStyleIdx="0" presStyleCnt="2"/>
+      <dgm:prSet presAssocID="{FDB01653-F460-4474-8206-1F602D89CEB7}" presName="sibTrans" presStyleLbl="sibTrans2D1" presStyleIdx="0" presStyleCnt="2" custLinFactNeighborX="5404" custLinFactNeighborY="50202"/>
       <dgm:spPr/>
     </dgm:pt>
     <dgm:pt modelId="{594D6DE5-B481-40D8-9DCF-994BCF83CE3C}" type="pres">
@@ -2139,7 +2217,7 @@
       <dgm:spPr/>
     </dgm:pt>
     <dgm:pt modelId="{DF96941C-6F82-4AD6-A9D8-2629D7CECFB3}" type="pres">
-      <dgm:prSet presAssocID="{7F55EF3F-3215-467A-A7B0-657441755E3F}" presName="sibTrans" presStyleLbl="sibTrans2D1" presStyleIdx="1" presStyleCnt="2"/>
+      <dgm:prSet presAssocID="{7F55EF3F-3215-467A-A7B0-657441755E3F}" presName="sibTrans" presStyleLbl="sibTrans2D1" presStyleIdx="1" presStyleCnt="2" custLinFactNeighborX="-4474" custLinFactNeighborY="-46097"/>
       <dgm:spPr/>
     </dgm:pt>
     <dgm:pt modelId="{F66F188F-C6BE-4DC9-8266-6EC34D9807C7}" type="pres">
@@ -2312,7 +2390,11 @@
             <a:buNone/>
           </a:pPr>
           <a:r>
-            <a:rPr lang="de-DE" sz="1600" kern="1200" dirty="0"/>
+            <a:rPr lang="de-DE" sz="1600" kern="1200" dirty="0">
+              <a:solidFill>
+                <a:srgbClr val="232F3E"/>
+              </a:solidFill>
+            </a:rPr>
             <a:t>Semantische Repräsentation</a:t>
           </a:r>
         </a:p>
@@ -2448,7 +2530,11 @@
             <a:buNone/>
           </a:pPr>
           <a:r>
-            <a:rPr lang="de-DE" sz="1600" kern="1200" dirty="0"/>
+            <a:rPr lang="de-DE" sz="1600" kern="1200" dirty="0">
+              <a:solidFill>
+                <a:srgbClr val="232F3E"/>
+              </a:solidFill>
+            </a:rPr>
             <a:t>Übersetzung</a:t>
           </a:r>
         </a:p>
@@ -2493,13 +2579,7 @@
         </a:solidFill>
         <a:ln w="12700" cap="flat" cmpd="sng" algn="ctr">
           <a:solidFill>
-            <a:schemeClr val="dk2">
-              <a:shade val="80000"/>
-              <a:hueOff val="0"/>
-              <a:satOff val="0"/>
-              <a:lumOff val="0"/>
-              <a:alphaOff val="0"/>
-            </a:schemeClr>
+            <a:srgbClr val="3A4351"/>
           </a:solidFill>
           <a:prstDash val="solid"/>
           <a:miter lim="800000"/>
@@ -2539,25 +2619,49 @@
             <a:buNone/>
           </a:pPr>
           <a:r>
-            <a:rPr lang="de-DE" sz="2300" kern="1200" dirty="0" err="1"/>
+            <a:rPr lang="de-DE" sz="2300" kern="1200" dirty="0" err="1">
+              <a:solidFill>
+                <a:srgbClr val="3A4351"/>
+              </a:solidFill>
+            </a:rPr>
             <a:t>hə‘ləʊ</a:t>
           </a:r>
           <a:r>
-            <a:rPr lang="de-DE" sz="2300" kern="1200" dirty="0"/>
+            <a:rPr lang="de-DE" sz="2300" kern="1200" dirty="0">
+              <a:solidFill>
+                <a:srgbClr val="3A4351"/>
+              </a:solidFill>
+            </a:rPr>
             <a:t> +</a:t>
           </a:r>
           <a:br>
-            <a:rPr lang="de-DE" sz="2300" kern="1200" dirty="0"/>
+            <a:rPr lang="de-DE" sz="2300" kern="1200" dirty="0">
+              <a:solidFill>
+                <a:srgbClr val="3A4351"/>
+              </a:solidFill>
+            </a:rPr>
           </a:br>
           <a:r>
-            <a:rPr lang="de-DE" sz="2300" kern="1200" dirty="0"/>
+            <a:rPr lang="de-DE" sz="2300" kern="1200" dirty="0">
+              <a:solidFill>
+                <a:srgbClr val="3A4351"/>
+              </a:solidFill>
+            </a:rPr>
             <a:t>‚</a:t>
           </a:r>
           <a:r>
-            <a:rPr lang="de-DE" sz="2300" kern="1200" dirty="0" err="1"/>
+            <a:rPr lang="de-DE" sz="2300" kern="1200" dirty="0" err="1">
+              <a:solidFill>
+                <a:srgbClr val="3A4351"/>
+              </a:solidFill>
+            </a:rPr>
             <a:t>wAɜ:ld</a:t>
           </a:r>
-          <a:endParaRPr lang="de-DE" sz="2300" kern="1200" dirty="0"/>
+          <a:endParaRPr lang="de-DE" sz="2300" kern="1200" dirty="0">
+            <a:solidFill>
+              <a:srgbClr val="3A4351"/>
+            </a:solidFill>
+          </a:endParaRPr>
         </a:p>
       </dsp:txBody>
       <dsp:txXfrm>
@@ -2572,7 +2676,7 @@
       </dsp:nvSpPr>
       <dsp:spPr>
         <a:xfrm rot="21599702">
-          <a:off x="1403057" y="-215738"/>
+          <a:off x="1464637" y="30461"/>
           <a:ext cx="1139534" cy="490418"/>
         </a:xfrm>
         <a:prstGeom prst="rightArrow">
@@ -2582,12 +2686,9 @@
           </a:avLst>
         </a:prstGeom>
         <a:solidFill>
-          <a:schemeClr val="dk2">
-            <a:tint val="60000"/>
-            <a:hueOff val="0"/>
-            <a:satOff val="0"/>
-            <a:lumOff val="0"/>
-            <a:alphaOff val="0"/>
+          <a:schemeClr val="tx2">
+            <a:lumMod val="20000"/>
+            <a:lumOff val="80000"/>
           </a:schemeClr>
         </a:solidFill>
         <a:ln>
@@ -2627,11 +2728,15 @@
             </a:spcAft>
             <a:buNone/>
           </a:pPr>
-          <a:endParaRPr lang="de-DE" sz="1900" kern="1200"/>
+          <a:endParaRPr lang="de-DE" sz="1900" kern="1200">
+            <a:solidFill>
+              <a:srgbClr val="FF9900"/>
+            </a:solidFill>
+          </a:endParaRPr>
         </a:p>
       </dsp:txBody>
       <dsp:txXfrm>
-        <a:off x="1403057" y="-117648"/>
+        <a:off x="1464637" y="128551"/>
         <a:ext cx="992409" cy="294250"/>
       </dsp:txXfrm>
     </dsp:sp>
@@ -2658,13 +2763,7 @@
         </a:solidFill>
         <a:ln w="12700" cap="flat" cmpd="sng" algn="ctr">
           <a:solidFill>
-            <a:schemeClr val="dk2">
-              <a:shade val="80000"/>
-              <a:hueOff val="0"/>
-              <a:satOff val="0"/>
-              <a:lumOff val="0"/>
-              <a:alphaOff val="0"/>
-            </a:schemeClr>
+            <a:srgbClr val="3A4351"/>
           </a:solidFill>
           <a:prstDash val="solid"/>
           <a:miter lim="800000"/>
@@ -2704,14 +2803,26 @@
             <a:buNone/>
           </a:pPr>
           <a:r>
-            <a:rPr lang="de-DE" sz="2300" kern="1200" dirty="0"/>
+            <a:rPr lang="de-DE" sz="2300" kern="1200" dirty="0">
+              <a:solidFill>
+                <a:srgbClr val="3A4351"/>
+              </a:solidFill>
+            </a:rPr>
             <a:t>Hello +</a:t>
           </a:r>
           <a:br>
-            <a:rPr lang="de-DE" sz="2300" kern="1200" dirty="0"/>
+            <a:rPr lang="de-DE" sz="2300" kern="1200" dirty="0">
+              <a:solidFill>
+                <a:srgbClr val="3A4351"/>
+              </a:solidFill>
+            </a:rPr>
           </a:br>
           <a:r>
-            <a:rPr lang="de-DE" sz="2300" kern="1200" dirty="0"/>
+            <a:rPr lang="de-DE" sz="2300" kern="1200" dirty="0">
+              <a:solidFill>
+                <a:srgbClr val="3A4351"/>
+              </a:solidFill>
+            </a:rPr>
             <a:t>World</a:t>
           </a:r>
         </a:p>
@@ -2728,7 +2839,7 @@
       </dsp:nvSpPr>
       <dsp:spPr>
         <a:xfrm rot="10799651">
-          <a:off x="1467756" y="1179095"/>
+          <a:off x="1416779" y="953026"/>
           <a:ext cx="1139395" cy="490418"/>
         </a:xfrm>
         <a:prstGeom prst="rightArrow">
@@ -2738,12 +2849,9 @@
           </a:avLst>
         </a:prstGeom>
         <a:solidFill>
-          <a:schemeClr val="dk2">
-            <a:tint val="60000"/>
-            <a:hueOff val="0"/>
-            <a:satOff val="0"/>
-            <a:lumOff val="0"/>
-            <a:alphaOff val="0"/>
+          <a:schemeClr val="tx2">
+            <a:lumMod val="20000"/>
+            <a:lumOff val="80000"/>
           </a:schemeClr>
         </a:solidFill>
         <a:ln>
@@ -2783,11 +2891,15 @@
             </a:spcAft>
             <a:buNone/>
           </a:pPr>
-          <a:endParaRPr lang="de-DE" sz="1900" kern="1200"/>
+          <a:endParaRPr lang="de-DE" sz="1900" kern="1200">
+            <a:solidFill>
+              <a:srgbClr val="252F3E"/>
+            </a:solidFill>
+          </a:endParaRPr>
         </a:p>
       </dsp:txBody>
       <dsp:txXfrm rot="10800000">
-        <a:off x="1614881" y="1277172"/>
+        <a:off x="1563904" y="1051103"/>
         <a:ext cx="992270" cy="294250"/>
       </dsp:txXfrm>
     </dsp:sp>
@@ -5437,7 +5549,7 @@
           <a:p>
             <a:fld id="{ED0A1DBB-797E-4506-A4A1-6C28A1F53B5C}" type="datetimeFigureOut">
               <a:rPr lang="de-DE" smtClean="0"/>
-              <a:t>10.11.2020</a:t>
+              <a:t>11.11.2020</a:t>
             </a:fld>
             <a:endParaRPr lang="de-DE"/>
           </a:p>
@@ -5595,7 +5707,7 @@
           <a:p>
             <a:fld id="{3550EC8D-4459-4C5E-9CE4-2601D044F803}" type="slidenum">
               <a:rPr lang="de-DE" smtClean="0"/>
-              <a:t>‹Nr.›</a:t>
+              <a:t>‹#›</a:t>
             </a:fld>
             <a:endParaRPr lang="de-DE"/>
           </a:p>
@@ -6209,7 +6321,7 @@
                 <a:tabLst/>
                 <a:defRPr/>
               </a:pPr>
-              <a:t>‹Nr.›</a:t>
+              <a:t>‹#›</a:t>
             </a:fld>
             <a:endParaRPr lang="de-DE" sz="1200" dirty="0">
               <a:solidFill>
@@ -6731,7 +6843,7 @@
                 <a:tabLst/>
                 <a:defRPr/>
               </a:pPr>
-              <a:t>‹Nr.›</a:t>
+              <a:t>‹#›</a:t>
             </a:fld>
             <a:endParaRPr lang="de-DE" sz="1200" dirty="0">
               <a:solidFill>
@@ -7154,7 +7266,7 @@
                 <a:tabLst/>
                 <a:defRPr/>
               </a:pPr>
-              <a:t>‹Nr.›</a:t>
+              <a:t>‹#›</a:t>
             </a:fld>
             <a:endParaRPr lang="de-DE" sz="1200" dirty="0">
               <a:solidFill>
@@ -7593,7 +7705,7 @@
                 <a:tabLst/>
                 <a:defRPr/>
               </a:pPr>
-              <a:t>‹Nr.›</a:t>
+              <a:t>‹#›</a:t>
             </a:fld>
             <a:endParaRPr lang="de-DE" sz="1200" dirty="0">
               <a:solidFill>
@@ -8078,7 +8190,7 @@
                 <a:tabLst/>
                 <a:defRPr/>
               </a:pPr>
-              <a:t>‹Nr.›</a:t>
+              <a:t>‹#›</a:t>
             </a:fld>
             <a:endParaRPr lang="de-DE" sz="1200" dirty="0">
               <a:solidFill>
@@ -8559,7 +8671,7 @@
                 <a:tabLst/>
                 <a:defRPr/>
               </a:pPr>
-              <a:t>‹Nr.›</a:t>
+              <a:t>‹#›</a:t>
             </a:fld>
             <a:endParaRPr lang="de-DE" sz="1200" dirty="0">
               <a:solidFill>
@@ -9187,7 +9299,7 @@
                 <a:tabLst/>
                 <a:defRPr/>
               </a:pPr>
-              <a:t>‹Nr.›</a:t>
+              <a:t>‹#›</a:t>
             </a:fld>
             <a:endParaRPr lang="de-DE" sz="1200" dirty="0">
               <a:solidFill>
@@ -9542,7 +9654,7 @@
                 <a:tabLst/>
                 <a:defRPr/>
               </a:pPr>
-              <a:t>‹Nr.›</a:t>
+              <a:t>‹#›</a:t>
             </a:fld>
             <a:endParaRPr lang="de-DE" sz="1200" dirty="0">
               <a:solidFill>
@@ -9864,7 +9976,7 @@
                 <a:tabLst/>
                 <a:defRPr/>
               </a:pPr>
-              <a:t>‹Nr.›</a:t>
+              <a:t>‹#›</a:t>
             </a:fld>
             <a:endParaRPr lang="de-DE" sz="1200" dirty="0">
               <a:solidFill>
@@ -10386,7 +10498,7 @@
                 <a:tabLst/>
                 <a:defRPr/>
               </a:pPr>
-              <a:t>‹Nr.›</a:t>
+              <a:t>‹#›</a:t>
             </a:fld>
             <a:endParaRPr lang="de-DE" sz="1200" dirty="0">
               <a:solidFill>
@@ -10945,7 +11057,7 @@
                 <a:tabLst/>
                 <a:defRPr/>
               </a:pPr>
-              <a:t>‹Nr.›</a:t>
+              <a:t>‹#›</a:t>
             </a:fld>
             <a:endParaRPr lang="de-DE" sz="1200" dirty="0">
               <a:solidFill>
@@ -11457,7 +11569,7 @@
             <a:fld id="{2B839C97-FDF5-4C50-938A-F89495D2BCB9}" type="slidenum">
               <a:rPr lang="de-DE" smtClean="0"/>
               <a:pPr/>
-              <a:t>‹Nr.›</a:t>
+              <a:t>‹#›</a:t>
             </a:fld>
             <a:endParaRPr lang="de-DE" dirty="0">
               <a:solidFill>
@@ -12077,7 +12189,7 @@
         </p:nvSpPr>
         <p:spPr>
           <a:xfrm>
-            <a:off x="961767" y="1865870"/>
+            <a:off x="1172783" y="2452816"/>
             <a:ext cx="5686168" cy="1952368"/>
           </a:xfrm>
           <a:solidFill>
@@ -12085,7 +12197,7 @@
           </a:solidFill>
           <a:ln>
             <a:solidFill>
-              <a:schemeClr val="tx1"/>
+              <a:srgbClr val="252F3E"/>
             </a:solidFill>
           </a:ln>
           <a:effectLst>
@@ -12165,7 +12277,7 @@
         </p:nvGrpSpPr>
         <p:grpSpPr>
           <a:xfrm>
-            <a:off x="7386958" y="895500"/>
+            <a:off x="7703481" y="1000163"/>
             <a:ext cx="2602861" cy="4857674"/>
             <a:chOff x="8979539" y="1596434"/>
             <a:chExt cx="2323056" cy="4335479"/>
@@ -12396,19 +12508,19 @@
             </a:extLst>
           </p:cNvPr>
           <p:cNvCxnSpPr>
-            <a:stCxn id="12" idx="0"/>
+            <a:cxnSpLocks/>
           </p:cNvCxnSpPr>
           <p:nvPr/>
         </p:nvCxnSpPr>
         <p:spPr>
-          <a:xfrm flipH="1" flipV="1">
-            <a:off x="6096000" y="4184306"/>
-            <a:ext cx="8648" cy="668904"/>
+          <a:xfrm flipV="1">
+            <a:off x="5414308" y="4349853"/>
+            <a:ext cx="0" cy="591424"/>
           </a:xfrm>
           <a:prstGeom prst="line">
             <a:avLst/>
           </a:prstGeom>
-          <a:ln>
+          <a:ln w="19050">
             <a:solidFill>
               <a:srgbClr val="3A4351"/>
             </a:solidFill>
@@ -12489,7 +12601,15 @@
           <a:p>
             <a:r>
               <a:rPr lang="de-DE" dirty="0"/>
-              <a:t>Unterstützt mehr als 50 verschiedene Sprachen</a:t>
+              <a:t>Unterstützung von &gt;</a:t>
+            </a:r>
+            <a:r>
+              <a:rPr lang="de-DE" sz="1000" dirty="0"/>
+              <a:t> </a:t>
+            </a:r>
+            <a:r>
+              <a:rPr lang="de-DE" dirty="0"/>
+              <a:t>50 verschiedenen Sprachen</a:t>
             </a:r>
           </a:p>
           <a:p>
@@ -12500,7 +12620,7 @@
             </a:pPr>
             <a:r>
               <a:rPr lang="de-DE" dirty="0"/>
-              <a:t>Trainiert durch neuronale Netze</a:t>
+              <a:t>Training durch neuronale Netze</a:t>
             </a:r>
           </a:p>
           <a:p>
@@ -12571,7 +12691,7 @@
         </p:nvSpPr>
         <p:spPr>
           <a:xfrm>
-            <a:off x="4468816" y="3146765"/>
+            <a:off x="3649226" y="3248117"/>
             <a:ext cx="1635832" cy="369332"/>
           </a:xfrm>
           <a:prstGeom prst="rect">
@@ -12587,7 +12707,7 @@
             <a:r>
               <a:rPr lang="de-DE" dirty="0">
                 <a:solidFill>
-                  <a:srgbClr val="3883CE"/>
+                  <a:srgbClr val="FF9900"/>
                 </a:solidFill>
               </a:rPr>
               <a:t>Funktionsweise</a:t>
@@ -12609,7 +12729,7 @@
         </p:nvSpPr>
         <p:spPr>
           <a:xfrm>
-            <a:off x="4211536" y="4853210"/>
+            <a:off x="3521196" y="4970555"/>
             <a:ext cx="3786224" cy="646331"/>
           </a:xfrm>
           <a:prstGeom prst="rect">
@@ -12626,10 +12746,10 @@
             <a:r>
               <a:rPr lang="de-DE" dirty="0">
                 <a:solidFill>
-                  <a:srgbClr val="3A4351"/>
+                  <a:srgbClr val="232F3E"/>
                 </a:solidFill>
               </a:rPr>
-              <a:t>Mechanismen, um kontext-spezifische Übersetzung zu ermöglichen</a:t>
+              <a:t>Mechanismen, um kontextspezifische Übersetzung zu ermöglichen</a:t>
             </a:r>
           </a:p>
         </p:txBody>
@@ -12647,13 +12767,13 @@
           <p:nvPr>
             <p:extLst>
               <p:ext uri="{D42A27DB-BD31-4B8C-83A1-F6EECF244321}">
-                <p14:modId xmlns:p14="http://schemas.microsoft.com/office/powerpoint/2010/main" val="2849778076"/>
+                <p14:modId xmlns:p14="http://schemas.microsoft.com/office/powerpoint/2010/main" val="1203983945"/>
               </p:ext>
             </p:extLst>
           </p:nvPr>
         </p:nvGraphicFramePr>
         <p:xfrm>
-          <a:off x="1543764" y="3331432"/>
+          <a:off x="909044" y="3429000"/>
           <a:ext cx="7485936" cy="1386841"/>
         </p:xfrm>
         <a:graphic>
@@ -12794,7 +12914,7 @@
             </a:pPr>
             <a:r>
               <a:rPr lang="de-DE" dirty="0"/>
-              <a:t>Nutzt Verkettung der Phoneme (Laute)</a:t>
+              <a:t>Verkettung der Phoneme (Laute)</a:t>
             </a:r>
           </a:p>
           <a:p>
@@ -12805,7 +12925,15 @@
             </a:pPr>
             <a:r>
               <a:rPr lang="de-DE" dirty="0"/>
-              <a:t>Unterstützt mehr als 20 verschiedene Sprachen </a:t>
+              <a:t>Unterstützung von &gt;</a:t>
+            </a:r>
+            <a:r>
+              <a:rPr lang="de-DE" sz="1000" dirty="0"/>
+              <a:t> </a:t>
+            </a:r>
+            <a:r>
+              <a:rPr lang="de-DE" dirty="0"/>
+              <a:t>20 verschiedenen Sprachen </a:t>
             </a:r>
           </a:p>
           <a:p>
@@ -12816,7 +12944,7 @@
             </a:pPr>
             <a:r>
               <a:rPr lang="de-DE" dirty="0"/>
-              <a:t>Mit oft verschiedenen „Sprechern“</a:t>
+              <a:t>mit oft verschiedenen "Sprechern"</a:t>
             </a:r>
           </a:p>
         </p:txBody>
@@ -12835,7 +12963,7 @@
         </p:nvGrpSpPr>
         <p:grpSpPr>
           <a:xfrm>
-            <a:off x="6096000" y="3856990"/>
+            <a:off x="6856607" y="3794394"/>
             <a:ext cx="4133484" cy="1947773"/>
             <a:chOff x="6435456" y="3779520"/>
             <a:chExt cx="4133484" cy="1947773"/>
@@ -12854,7 +12982,7 @@
             <p:nvPr>
               <p:extLst>
                 <p:ext uri="{D42A27DB-BD31-4B8C-83A1-F6EECF244321}">
-                  <p14:modId xmlns:p14="http://schemas.microsoft.com/office/powerpoint/2010/main" val="2781515107"/>
+                  <p14:modId xmlns:p14="http://schemas.microsoft.com/office/powerpoint/2010/main" val="285973917"/>
                 </p:ext>
               </p:extLst>
             </p:nvPr>
@@ -13114,7 +13242,7 @@
             </a:pPr>
             <a:r>
               <a:rPr lang="de-DE" dirty="0"/>
-              <a:t>Ermöglicht menschlichere Aussprache</a:t>
+              <a:t>ermöglicht menschlichere Aussprache</a:t>
             </a:r>
           </a:p>
           <a:p>
@@ -13125,7 +13253,7 @@
             </a:pPr>
             <a:r>
               <a:rPr lang="de-DE" dirty="0"/>
-              <a:t>Unterstützt werden </a:t>
+              <a:t>unterstützt werden </a:t>
             </a:r>
             <a:r>
               <a:rPr lang="de-DE" b="1" dirty="0"/>

--- a/presentation/Presentation.pptx
+++ b/presentation/Presentation.pptx
@@ -12666,7 +12666,7 @@
                 <a:latin typeface="Consolas" panose="020B0609020204030204" pitchFamily="49" charset="0"/>
                 <a:hlinkClick r:id="rId3"/>
               </a:rPr>
-              <a:t>https://docs.aws.amazon.com/de_de/translate/latest/dg/what-is.html</a:t>
+              <a:t>https://docs.aws.amazon.com/translate/latest/dg/what-is.html</a:t>
             </a:r>
             <a:endParaRPr lang="de-DE" sz="1000" u="sng" dirty="0">
               <a:solidFill>
@@ -13135,7 +13135,7 @@
                 <a:latin typeface="Consolas" panose="020B0609020204030204" pitchFamily="49" charset="0"/>
                 <a:hlinkClick r:id="rId8"/>
               </a:rPr>
-              <a:t>https://docs.aws.amazon.com/de_de/polly/latest/dg/what-is.html</a:t>
+              <a:t>https://docs.aws.amazon.com/polly/latest/dg/what-is.html</a:t>
             </a:r>
             <a:endParaRPr lang="de-DE" sz="1000" u="sng" dirty="0">
               <a:solidFill>
@@ -13324,7 +13324,7 @@
                 <a:latin typeface="Consolas" panose="020B0609020204030204" pitchFamily="49" charset="0"/>
                 <a:hlinkClick r:id="rId3"/>
               </a:rPr>
-              <a:t>https://docs.aws.amazon.com/de_de/polly/latest/dg/what-is.html</a:t>
+              <a:t>https://docs.aws.amazon.com/polly/latest/dg/what-is.html</a:t>
             </a:r>
             <a:endParaRPr lang="de-DE" sz="1000" u="sng" dirty="0">
               <a:solidFill>
@@ -13388,7 +13388,7 @@
           <a:p>
             <a:r>
               <a:rPr lang="de-DE" dirty="0"/>
-              <a:t>Herangehensweise</a:t>
+              <a:t>Integration der Services</a:t>
             </a:r>
           </a:p>
         </p:txBody>
@@ -13415,8 +13415,171 @@
           <a:lstStyle/>
           <a:p>
             <a:r>
-              <a:rPr lang="de-DE" dirty="0"/>
-              <a:t>…</a:t>
+              <a:rPr lang="en-US" dirty="0"/>
+              <a:t> AWS SDK </a:t>
+            </a:r>
+            <a:r>
+              <a:rPr lang="en-US" dirty="0" err="1"/>
+              <a:t>für</a:t>
+            </a:r>
+            <a:r>
+              <a:rPr lang="en-US" dirty="0"/>
+              <a:t> JavaScript</a:t>
+            </a:r>
+          </a:p>
+          <a:p>
+            <a:pPr marL="0" indent="0">
+              <a:buNone/>
+            </a:pPr>
+            <a:endParaRPr lang="en-US" dirty="0"/>
+          </a:p>
+          <a:p>
+            <a:pPr marL="0" indent="0">
+              <a:buNone/>
+            </a:pPr>
+            <a:endParaRPr lang="en-US" dirty="0"/>
+          </a:p>
+          <a:p>
+            <a:pPr marL="0" indent="0">
+              <a:buNone/>
+            </a:pPr>
+            <a:endParaRPr lang="en-US" dirty="0"/>
+          </a:p>
+          <a:p>
+            <a:pPr marL="0" indent="0">
+              <a:buNone/>
+            </a:pPr>
+            <a:endParaRPr lang="en-US" dirty="0"/>
+          </a:p>
+          <a:p>
+            <a:pPr marL="0" indent="0">
+              <a:buNone/>
+            </a:pPr>
+            <a:endParaRPr lang="en-US" dirty="0"/>
+          </a:p>
+          <a:p>
+            <a:pPr marL="0" indent="0">
+              <a:buNone/>
+            </a:pPr>
+            <a:r>
+              <a:rPr lang="en-US" sz="2000" dirty="0">
+                <a:latin typeface="Consolas" panose="020B0609020204030204" pitchFamily="49" charset="0"/>
+              </a:rPr>
+              <a:t>&lt;script </a:t>
+            </a:r>
+            <a:r>
+              <a:rPr lang="en-US" sz="2000" dirty="0" err="1">
+                <a:latin typeface="Consolas" panose="020B0609020204030204" pitchFamily="49" charset="0"/>
+              </a:rPr>
+              <a:t>src</a:t>
+            </a:r>
+            <a:r>
+              <a:rPr lang="en-US" sz="2000" dirty="0">
+                <a:latin typeface="Consolas" panose="020B0609020204030204" pitchFamily="49" charset="0"/>
+              </a:rPr>
+              <a:t>="</a:t>
+            </a:r>
+            <a:r>
+              <a:rPr lang="en-US" sz="2000" dirty="0" err="1">
+                <a:latin typeface="Consolas" panose="020B0609020204030204" pitchFamily="49" charset="0"/>
+              </a:rPr>
+              <a:t>aws-sdk</a:t>
+            </a:r>
+            <a:r>
+              <a:rPr lang="en-US" sz="2000" dirty="0">
+                <a:latin typeface="Consolas" panose="020B0609020204030204" pitchFamily="49" charset="0"/>
+              </a:rPr>
+              <a:t>/</a:t>
+            </a:r>
+            <a:r>
+              <a:rPr lang="en-US" sz="2000" dirty="0" err="1">
+                <a:latin typeface="Consolas" panose="020B0609020204030204" pitchFamily="49" charset="0"/>
+              </a:rPr>
+              <a:t>dist</a:t>
+            </a:r>
+            <a:r>
+              <a:rPr lang="en-US" sz="2000" dirty="0">
+                <a:latin typeface="Consolas" panose="020B0609020204030204" pitchFamily="49" charset="0"/>
+              </a:rPr>
+              <a:t>/aws-sdk.js"&gt;&lt;/script&gt;</a:t>
+            </a:r>
+            <a:endParaRPr lang="de-DE" sz="2000" dirty="0">
+              <a:latin typeface="Consolas" panose="020B0609020204030204" pitchFamily="49" charset="0"/>
+            </a:endParaRPr>
+          </a:p>
+        </p:txBody>
+      </p:sp>
+      <p:pic>
+        <p:nvPicPr>
+          <p:cNvPr id="5" name="Picture 4" descr="Diagram&#10;&#10;Description automatically generated">
+            <a:extLst>
+              <a:ext uri="{FF2B5EF4-FFF2-40B4-BE49-F238E27FC236}">
+                <a16:creationId xmlns:a16="http://schemas.microsoft.com/office/drawing/2014/main" id="{3DBA6E6C-6322-488D-8145-0F3457DB257C}"/>
+              </a:ext>
+            </a:extLst>
+          </p:cNvPr>
+          <p:cNvPicPr>
+            <a:picLocks noChangeAspect="1"/>
+          </p:cNvPicPr>
+          <p:nvPr/>
+        </p:nvPicPr>
+        <p:blipFill>
+          <a:blip r:embed="rId2">
+            <a:extLst>
+              <a:ext uri="{28A0092B-C50C-407E-A947-70E740481C1C}">
+                <a14:useLocalDpi xmlns:a14="http://schemas.microsoft.com/office/drawing/2010/main" val="0"/>
+              </a:ext>
+            </a:extLst>
+          </a:blip>
+          <a:stretch>
+            <a:fillRect/>
+          </a:stretch>
+        </p:blipFill>
+        <p:spPr>
+          <a:xfrm>
+            <a:off x="1181842" y="2367378"/>
+            <a:ext cx="4040790" cy="2251297"/>
+          </a:xfrm>
+          <a:prstGeom prst="rect">
+            <a:avLst/>
+          </a:prstGeom>
+        </p:spPr>
+      </p:pic>
+      <p:sp>
+        <p:nvSpPr>
+          <p:cNvPr id="6" name="Rechteck 8">
+            <a:extLst>
+              <a:ext uri="{FF2B5EF4-FFF2-40B4-BE49-F238E27FC236}">
+                <a16:creationId xmlns:a16="http://schemas.microsoft.com/office/drawing/2014/main" id="{1B106C00-4EDF-4278-A580-21CA668ED438}"/>
+              </a:ext>
+            </a:extLst>
+          </p:cNvPr>
+          <p:cNvSpPr/>
+          <p:nvPr/>
+        </p:nvSpPr>
+        <p:spPr>
+          <a:xfrm>
+            <a:off x="0" y="5877104"/>
+            <a:ext cx="12138660" cy="246221"/>
+          </a:xfrm>
+          <a:prstGeom prst="rect">
+            <a:avLst/>
+          </a:prstGeom>
+        </p:spPr>
+        <p:txBody>
+          <a:bodyPr wrap="square">
+            <a:spAutoFit/>
+          </a:bodyPr>
+          <a:lstStyle/>
+          <a:p>
+            <a:r>
+              <a:rPr lang="de-DE" sz="1000" u="sng" dirty="0">
+                <a:solidFill>
+                  <a:schemeClr val="accent1"/>
+                </a:solidFill>
+                <a:latin typeface="Consolas" panose="020B0609020204030204" pitchFamily="49" charset="0"/>
+              </a:rPr>
+              <a:t>https://docs.aws.amazon.com/sdk-for-javascript/v3/developer-guide/welcome.html</a:t>
             </a:r>
           </a:p>
         </p:txBody>

--- a/presentation/Presentation.pptx
+++ b/presentation/Presentation.pptx
@@ -5,7 +5,7 @@
     <p:sldMasterId id="2147483648" r:id="rId1"/>
   </p:sldMasterIdLst>
   <p:notesMasterIdLst>
-    <p:notesMasterId r:id="rId8"/>
+    <p:notesMasterId r:id="rId12"/>
   </p:notesMasterIdLst>
   <p:sldIdLst>
     <p:sldId id="256" r:id="rId2"/>
@@ -13,7 +13,11 @@
     <p:sldId id="257" r:id="rId4"/>
     <p:sldId id="261" r:id="rId5"/>
     <p:sldId id="259" r:id="rId6"/>
-    <p:sldId id="260" r:id="rId7"/>
+    <p:sldId id="264" r:id="rId7"/>
+    <p:sldId id="266" r:id="rId8"/>
+    <p:sldId id="260" r:id="rId9"/>
+    <p:sldId id="263" r:id="rId10"/>
+    <p:sldId id="262" r:id="rId11"/>
   </p:sldIdLst>
   <p:sldSz cx="12192000" cy="6858000"/>
   <p:notesSz cx="6858000" cy="9144000"/>
@@ -123,7 +127,8 @@
 <file path=ppt/revisionInfo.xml><?xml version="1.0" encoding="utf-8"?>
 <p1510:revInfo xmlns:a="http://schemas.openxmlformats.org/drawingml/2006/main" xmlns:r="http://schemas.openxmlformats.org/officeDocument/2006/relationships" xmlns:p1510="http://schemas.microsoft.com/office/powerpoint/2015/10/main">
   <p1510:revLst>
-    <p1510:client id="{A98B3434-E608-49D4-AC5A-21C6834BC278}" v="4" dt="2020-11-10T12:29:03.248"/>
+    <p1510:client id="{A98B3434-E608-49D4-AC5A-21C6834BC278}" v="71" dt="2020-11-16T09:22:17.493"/>
+    <p1510:client id="{E582DD9F-353B-46E5-B12B-9DD132105812}" v="369" dt="2020-11-16T09:27:02.315"/>
   </p1510:revLst>
 </p1510:revInfo>
 </file>
@@ -1704,6 +1709,753 @@
     </dgm:fillClrLst>
     <dgm:linClrLst meth="repeat">
       <a:schemeClr val="dk2">
+        <a:alpha val="0"/>
+      </a:schemeClr>
+    </dgm:linClrLst>
+    <dgm:effectClrLst/>
+    <dgm:txLinClrLst/>
+    <dgm:txFillClrLst meth="repeat">
+      <a:schemeClr val="tx1"/>
+    </dgm:txFillClrLst>
+    <dgm:txEffectClrLst/>
+  </dgm:styleLbl>
+</dgm:colorsDef>
+</file>
+
+<file path=ppt/diagrams/colors3.xml><?xml version="1.0" encoding="utf-8"?>
+<dgm:colorsDef xmlns:dgm="http://schemas.openxmlformats.org/drawingml/2006/diagram" xmlns:a="http://schemas.openxmlformats.org/drawingml/2006/main" uniqueId="urn:microsoft.com/office/officeart/2005/8/colors/accent1_2">
+  <dgm:title val=""/>
+  <dgm:desc val=""/>
+  <dgm:catLst>
+    <dgm:cat type="accent1" pri="11200"/>
+  </dgm:catLst>
+  <dgm:styleLbl name="node0">
+    <dgm:fillClrLst meth="repeat">
+      <a:schemeClr val="accent1"/>
+    </dgm:fillClrLst>
+    <dgm:linClrLst meth="repeat">
+      <a:schemeClr val="lt1"/>
+    </dgm:linClrLst>
+    <dgm:effectClrLst/>
+    <dgm:txLinClrLst/>
+    <dgm:txFillClrLst/>
+    <dgm:txEffectClrLst/>
+  </dgm:styleLbl>
+  <dgm:styleLbl name="alignNode1">
+    <dgm:fillClrLst meth="repeat">
+      <a:schemeClr val="accent1"/>
+    </dgm:fillClrLst>
+    <dgm:linClrLst meth="repeat">
+      <a:schemeClr val="accent1"/>
+    </dgm:linClrLst>
+    <dgm:effectClrLst/>
+    <dgm:txLinClrLst/>
+    <dgm:txFillClrLst/>
+    <dgm:txEffectClrLst/>
+  </dgm:styleLbl>
+  <dgm:styleLbl name="node1">
+    <dgm:fillClrLst meth="repeat">
+      <a:schemeClr val="accent1"/>
+    </dgm:fillClrLst>
+    <dgm:linClrLst meth="repeat">
+      <a:schemeClr val="lt1"/>
+    </dgm:linClrLst>
+    <dgm:effectClrLst/>
+    <dgm:txLinClrLst/>
+    <dgm:txFillClrLst/>
+    <dgm:txEffectClrLst/>
+  </dgm:styleLbl>
+  <dgm:styleLbl name="lnNode1">
+    <dgm:fillClrLst meth="repeat">
+      <a:schemeClr val="accent1"/>
+    </dgm:fillClrLst>
+    <dgm:linClrLst meth="repeat">
+      <a:schemeClr val="lt1"/>
+    </dgm:linClrLst>
+    <dgm:effectClrLst/>
+    <dgm:txLinClrLst/>
+    <dgm:txFillClrLst/>
+    <dgm:txEffectClrLst/>
+  </dgm:styleLbl>
+  <dgm:styleLbl name="vennNode1">
+    <dgm:fillClrLst meth="repeat">
+      <a:schemeClr val="accent1">
+        <a:alpha val="50000"/>
+      </a:schemeClr>
+    </dgm:fillClrLst>
+    <dgm:linClrLst meth="repeat">
+      <a:schemeClr val="lt1"/>
+    </dgm:linClrLst>
+    <dgm:effectClrLst/>
+    <dgm:txLinClrLst/>
+    <dgm:txFillClrLst/>
+    <dgm:txEffectClrLst/>
+  </dgm:styleLbl>
+  <dgm:styleLbl name="node2">
+    <dgm:fillClrLst meth="repeat">
+      <a:schemeClr val="accent1"/>
+    </dgm:fillClrLst>
+    <dgm:linClrLst meth="repeat">
+      <a:schemeClr val="lt1"/>
+    </dgm:linClrLst>
+    <dgm:effectClrLst/>
+    <dgm:txLinClrLst/>
+    <dgm:txFillClrLst/>
+    <dgm:txEffectClrLst/>
+  </dgm:styleLbl>
+  <dgm:styleLbl name="node3">
+    <dgm:fillClrLst meth="repeat">
+      <a:schemeClr val="accent1"/>
+    </dgm:fillClrLst>
+    <dgm:linClrLst meth="repeat">
+      <a:schemeClr val="lt1"/>
+    </dgm:linClrLst>
+    <dgm:effectClrLst/>
+    <dgm:txLinClrLst/>
+    <dgm:txFillClrLst/>
+    <dgm:txEffectClrLst/>
+  </dgm:styleLbl>
+  <dgm:styleLbl name="node4">
+    <dgm:fillClrLst meth="repeat">
+      <a:schemeClr val="accent1"/>
+    </dgm:fillClrLst>
+    <dgm:linClrLst meth="repeat">
+      <a:schemeClr val="lt1"/>
+    </dgm:linClrLst>
+    <dgm:effectClrLst/>
+    <dgm:txLinClrLst/>
+    <dgm:txFillClrLst/>
+    <dgm:txEffectClrLst/>
+  </dgm:styleLbl>
+  <dgm:styleLbl name="fgImgPlace1">
+    <dgm:fillClrLst meth="repeat">
+      <a:schemeClr val="accent1">
+        <a:tint val="50000"/>
+      </a:schemeClr>
+    </dgm:fillClrLst>
+    <dgm:linClrLst meth="repeat">
+      <a:schemeClr val="lt1"/>
+    </dgm:linClrLst>
+    <dgm:effectClrLst/>
+    <dgm:txLinClrLst/>
+    <dgm:txFillClrLst meth="repeat">
+      <a:schemeClr val="lt1"/>
+    </dgm:txFillClrLst>
+    <dgm:txEffectClrLst/>
+  </dgm:styleLbl>
+  <dgm:styleLbl name="alignImgPlace1">
+    <dgm:fillClrLst meth="repeat">
+      <a:schemeClr val="accent1">
+        <a:tint val="50000"/>
+      </a:schemeClr>
+    </dgm:fillClrLst>
+    <dgm:linClrLst meth="repeat">
+      <a:schemeClr val="lt1"/>
+    </dgm:linClrLst>
+    <dgm:effectClrLst/>
+    <dgm:txLinClrLst/>
+    <dgm:txFillClrLst meth="repeat">
+      <a:schemeClr val="lt1"/>
+    </dgm:txFillClrLst>
+    <dgm:txEffectClrLst/>
+  </dgm:styleLbl>
+  <dgm:styleLbl name="bgImgPlace1">
+    <dgm:fillClrLst meth="repeat">
+      <a:schemeClr val="accent1">
+        <a:tint val="50000"/>
+      </a:schemeClr>
+    </dgm:fillClrLst>
+    <dgm:linClrLst meth="repeat">
+      <a:schemeClr val="lt1"/>
+    </dgm:linClrLst>
+    <dgm:effectClrLst/>
+    <dgm:txLinClrLst/>
+    <dgm:txFillClrLst meth="repeat">
+      <a:schemeClr val="lt1"/>
+    </dgm:txFillClrLst>
+    <dgm:txEffectClrLst/>
+  </dgm:styleLbl>
+  <dgm:styleLbl name="sibTrans2D1">
+    <dgm:fillClrLst meth="repeat">
+      <a:schemeClr val="accent1">
+        <a:tint val="60000"/>
+      </a:schemeClr>
+    </dgm:fillClrLst>
+    <dgm:linClrLst meth="repeat">
+      <a:schemeClr val="accent1">
+        <a:tint val="60000"/>
+      </a:schemeClr>
+    </dgm:linClrLst>
+    <dgm:effectClrLst/>
+    <dgm:txLinClrLst/>
+    <dgm:txFillClrLst/>
+    <dgm:txEffectClrLst/>
+  </dgm:styleLbl>
+  <dgm:styleLbl name="fgSibTrans2D1">
+    <dgm:fillClrLst meth="repeat">
+      <a:schemeClr val="accent1">
+        <a:tint val="60000"/>
+      </a:schemeClr>
+    </dgm:fillClrLst>
+    <dgm:linClrLst meth="repeat">
+      <a:schemeClr val="accent1">
+        <a:tint val="60000"/>
+      </a:schemeClr>
+    </dgm:linClrLst>
+    <dgm:effectClrLst/>
+    <dgm:txLinClrLst/>
+    <dgm:txFillClrLst/>
+    <dgm:txEffectClrLst/>
+  </dgm:styleLbl>
+  <dgm:styleLbl name="bgSibTrans2D1">
+    <dgm:fillClrLst meth="repeat">
+      <a:schemeClr val="accent1">
+        <a:tint val="60000"/>
+      </a:schemeClr>
+    </dgm:fillClrLst>
+    <dgm:linClrLst meth="repeat">
+      <a:schemeClr val="accent1">
+        <a:tint val="60000"/>
+      </a:schemeClr>
+    </dgm:linClrLst>
+    <dgm:effectClrLst/>
+    <dgm:txLinClrLst/>
+    <dgm:txFillClrLst/>
+    <dgm:txEffectClrLst/>
+  </dgm:styleLbl>
+  <dgm:styleLbl name="sibTrans1D1">
+    <dgm:fillClrLst meth="repeat">
+      <a:schemeClr val="accent1"/>
+    </dgm:fillClrLst>
+    <dgm:linClrLst meth="repeat">
+      <a:schemeClr val="accent1"/>
+    </dgm:linClrLst>
+    <dgm:effectClrLst/>
+    <dgm:txLinClrLst/>
+    <dgm:txFillClrLst meth="repeat">
+      <a:schemeClr val="tx1"/>
+    </dgm:txFillClrLst>
+    <dgm:txEffectClrLst/>
+  </dgm:styleLbl>
+  <dgm:styleLbl name="callout">
+    <dgm:fillClrLst meth="repeat">
+      <a:schemeClr val="accent1"/>
+    </dgm:fillClrLst>
+    <dgm:linClrLst meth="repeat">
+      <a:schemeClr val="accent1">
+        <a:tint val="50000"/>
+      </a:schemeClr>
+    </dgm:linClrLst>
+    <dgm:effectClrLst/>
+    <dgm:txLinClrLst/>
+    <dgm:txFillClrLst meth="repeat">
+      <a:schemeClr val="tx1"/>
+    </dgm:txFillClrLst>
+    <dgm:txEffectClrLst/>
+  </dgm:styleLbl>
+  <dgm:styleLbl name="asst0">
+    <dgm:fillClrLst meth="repeat">
+      <a:schemeClr val="accent1"/>
+    </dgm:fillClrLst>
+    <dgm:linClrLst meth="repeat">
+      <a:schemeClr val="lt1"/>
+    </dgm:linClrLst>
+    <dgm:effectClrLst/>
+    <dgm:txLinClrLst/>
+    <dgm:txFillClrLst/>
+    <dgm:txEffectClrLst/>
+  </dgm:styleLbl>
+  <dgm:styleLbl name="asst1">
+    <dgm:fillClrLst meth="repeat">
+      <a:schemeClr val="accent1"/>
+    </dgm:fillClrLst>
+    <dgm:linClrLst meth="repeat">
+      <a:schemeClr val="lt1"/>
+    </dgm:linClrLst>
+    <dgm:effectClrLst/>
+    <dgm:txLinClrLst/>
+    <dgm:txFillClrLst/>
+    <dgm:txEffectClrLst/>
+  </dgm:styleLbl>
+  <dgm:styleLbl name="asst2">
+    <dgm:fillClrLst meth="repeat">
+      <a:schemeClr val="accent1"/>
+    </dgm:fillClrLst>
+    <dgm:linClrLst meth="repeat">
+      <a:schemeClr val="lt1"/>
+    </dgm:linClrLst>
+    <dgm:effectClrLst/>
+    <dgm:txLinClrLst/>
+    <dgm:txFillClrLst/>
+    <dgm:txEffectClrLst/>
+  </dgm:styleLbl>
+  <dgm:styleLbl name="asst3">
+    <dgm:fillClrLst meth="repeat">
+      <a:schemeClr val="accent1"/>
+    </dgm:fillClrLst>
+    <dgm:linClrLst meth="repeat">
+      <a:schemeClr val="lt1"/>
+    </dgm:linClrLst>
+    <dgm:effectClrLst/>
+    <dgm:txLinClrLst/>
+    <dgm:txFillClrLst/>
+    <dgm:txEffectClrLst/>
+  </dgm:styleLbl>
+  <dgm:styleLbl name="asst4">
+    <dgm:fillClrLst meth="repeat">
+      <a:schemeClr val="accent1"/>
+    </dgm:fillClrLst>
+    <dgm:linClrLst meth="repeat">
+      <a:schemeClr val="lt1"/>
+    </dgm:linClrLst>
+    <dgm:effectClrLst/>
+    <dgm:txLinClrLst/>
+    <dgm:txFillClrLst/>
+    <dgm:txEffectClrLst/>
+  </dgm:styleLbl>
+  <dgm:styleLbl name="parChTrans2D1">
+    <dgm:fillClrLst meth="repeat">
+      <a:schemeClr val="accent1">
+        <a:tint val="60000"/>
+      </a:schemeClr>
+    </dgm:fillClrLst>
+    <dgm:linClrLst meth="repeat">
+      <a:schemeClr val="accent1">
+        <a:tint val="60000"/>
+      </a:schemeClr>
+    </dgm:linClrLst>
+    <dgm:effectClrLst/>
+    <dgm:txLinClrLst/>
+    <dgm:txFillClrLst meth="repeat">
+      <a:schemeClr val="lt1"/>
+    </dgm:txFillClrLst>
+    <dgm:txEffectClrLst/>
+  </dgm:styleLbl>
+  <dgm:styleLbl name="parChTrans2D2">
+    <dgm:fillClrLst meth="repeat">
+      <a:schemeClr val="accent1"/>
+    </dgm:fillClrLst>
+    <dgm:linClrLst meth="repeat">
+      <a:schemeClr val="accent1"/>
+    </dgm:linClrLst>
+    <dgm:effectClrLst/>
+    <dgm:txLinClrLst/>
+    <dgm:txFillClrLst meth="repeat">
+      <a:schemeClr val="lt1"/>
+    </dgm:txFillClrLst>
+    <dgm:txEffectClrLst/>
+  </dgm:styleLbl>
+  <dgm:styleLbl name="parChTrans2D3">
+    <dgm:fillClrLst meth="repeat">
+      <a:schemeClr val="accent1"/>
+    </dgm:fillClrLst>
+    <dgm:linClrLst meth="repeat">
+      <a:schemeClr val="accent1"/>
+    </dgm:linClrLst>
+    <dgm:effectClrLst/>
+    <dgm:txLinClrLst/>
+    <dgm:txFillClrLst meth="repeat">
+      <a:schemeClr val="lt1"/>
+    </dgm:txFillClrLst>
+    <dgm:txEffectClrLst/>
+  </dgm:styleLbl>
+  <dgm:styleLbl name="parChTrans2D4">
+    <dgm:fillClrLst meth="repeat">
+      <a:schemeClr val="accent1"/>
+    </dgm:fillClrLst>
+    <dgm:linClrLst meth="repeat">
+      <a:schemeClr val="accent1"/>
+    </dgm:linClrLst>
+    <dgm:effectClrLst/>
+    <dgm:txLinClrLst/>
+    <dgm:txFillClrLst meth="repeat">
+      <a:schemeClr val="lt1"/>
+    </dgm:txFillClrLst>
+    <dgm:txEffectClrLst/>
+  </dgm:styleLbl>
+  <dgm:styleLbl name="parChTrans1D1">
+    <dgm:fillClrLst meth="repeat">
+      <a:schemeClr val="accent1"/>
+    </dgm:fillClrLst>
+    <dgm:linClrLst meth="repeat">
+      <a:schemeClr val="accent1">
+        <a:shade val="60000"/>
+      </a:schemeClr>
+    </dgm:linClrLst>
+    <dgm:effectClrLst/>
+    <dgm:txLinClrLst/>
+    <dgm:txFillClrLst meth="repeat">
+      <a:schemeClr val="tx1"/>
+    </dgm:txFillClrLst>
+    <dgm:txEffectClrLst/>
+  </dgm:styleLbl>
+  <dgm:styleLbl name="parChTrans1D2">
+    <dgm:fillClrLst meth="repeat">
+      <a:schemeClr val="accent1"/>
+    </dgm:fillClrLst>
+    <dgm:linClrLst meth="repeat">
+      <a:schemeClr val="accent1">
+        <a:shade val="60000"/>
+      </a:schemeClr>
+    </dgm:linClrLst>
+    <dgm:effectClrLst/>
+    <dgm:txLinClrLst/>
+    <dgm:txFillClrLst meth="repeat">
+      <a:schemeClr val="tx1"/>
+    </dgm:txFillClrLst>
+    <dgm:txEffectClrLst/>
+  </dgm:styleLbl>
+  <dgm:styleLbl name="parChTrans1D3">
+    <dgm:fillClrLst meth="repeat">
+      <a:schemeClr val="accent1"/>
+    </dgm:fillClrLst>
+    <dgm:linClrLst meth="repeat">
+      <a:schemeClr val="accent1">
+        <a:shade val="80000"/>
+      </a:schemeClr>
+    </dgm:linClrLst>
+    <dgm:effectClrLst/>
+    <dgm:txLinClrLst/>
+    <dgm:txFillClrLst meth="repeat">
+      <a:schemeClr val="tx1"/>
+    </dgm:txFillClrLst>
+    <dgm:txEffectClrLst/>
+  </dgm:styleLbl>
+  <dgm:styleLbl name="parChTrans1D4">
+    <dgm:fillClrLst meth="repeat">
+      <a:schemeClr val="accent1"/>
+    </dgm:fillClrLst>
+    <dgm:linClrLst meth="repeat">
+      <a:schemeClr val="accent1">
+        <a:shade val="80000"/>
+      </a:schemeClr>
+    </dgm:linClrLst>
+    <dgm:effectClrLst/>
+    <dgm:txLinClrLst/>
+    <dgm:txFillClrLst meth="repeat">
+      <a:schemeClr val="tx1"/>
+    </dgm:txFillClrLst>
+    <dgm:txEffectClrLst/>
+  </dgm:styleLbl>
+  <dgm:styleLbl name="fgAcc1">
+    <dgm:fillClrLst meth="repeat">
+      <a:schemeClr val="lt1">
+        <a:alpha val="90000"/>
+      </a:schemeClr>
+    </dgm:fillClrLst>
+    <dgm:linClrLst meth="repeat">
+      <a:schemeClr val="accent1"/>
+    </dgm:linClrLst>
+    <dgm:effectClrLst/>
+    <dgm:txLinClrLst/>
+    <dgm:txFillClrLst meth="repeat">
+      <a:schemeClr val="dk1"/>
+    </dgm:txFillClrLst>
+    <dgm:txEffectClrLst/>
+  </dgm:styleLbl>
+  <dgm:styleLbl name="conFgAcc1">
+    <dgm:fillClrLst meth="repeat">
+      <a:schemeClr val="lt1">
+        <a:alpha val="90000"/>
+      </a:schemeClr>
+    </dgm:fillClrLst>
+    <dgm:linClrLst meth="repeat">
+      <a:schemeClr val="accent1"/>
+    </dgm:linClrLst>
+    <dgm:effectClrLst/>
+    <dgm:txLinClrLst/>
+    <dgm:txFillClrLst meth="repeat">
+      <a:schemeClr val="dk1"/>
+    </dgm:txFillClrLst>
+    <dgm:txEffectClrLst/>
+  </dgm:styleLbl>
+  <dgm:styleLbl name="alignAcc1">
+    <dgm:fillClrLst meth="repeat">
+      <a:schemeClr val="lt1">
+        <a:alpha val="90000"/>
+      </a:schemeClr>
+    </dgm:fillClrLst>
+    <dgm:linClrLst meth="repeat">
+      <a:schemeClr val="accent1"/>
+    </dgm:linClrLst>
+    <dgm:effectClrLst/>
+    <dgm:txLinClrLst/>
+    <dgm:txFillClrLst meth="repeat">
+      <a:schemeClr val="dk1"/>
+    </dgm:txFillClrLst>
+    <dgm:txEffectClrLst/>
+  </dgm:styleLbl>
+  <dgm:styleLbl name="trAlignAcc1">
+    <dgm:fillClrLst meth="repeat">
+      <a:schemeClr val="lt1">
+        <a:alpha val="40000"/>
+      </a:schemeClr>
+    </dgm:fillClrLst>
+    <dgm:linClrLst meth="repeat">
+      <a:schemeClr val="accent1"/>
+    </dgm:linClrLst>
+    <dgm:effectClrLst/>
+    <dgm:txLinClrLst/>
+    <dgm:txFillClrLst meth="repeat">
+      <a:schemeClr val="dk1"/>
+    </dgm:txFillClrLst>
+    <dgm:txEffectClrLst/>
+  </dgm:styleLbl>
+  <dgm:styleLbl name="bgAcc1">
+    <dgm:fillClrLst meth="repeat">
+      <a:schemeClr val="lt1">
+        <a:alpha val="90000"/>
+      </a:schemeClr>
+    </dgm:fillClrLst>
+    <dgm:linClrLst meth="repeat">
+      <a:schemeClr val="accent1"/>
+    </dgm:linClrLst>
+    <dgm:effectClrLst/>
+    <dgm:txLinClrLst/>
+    <dgm:txFillClrLst meth="repeat">
+      <a:schemeClr val="dk1"/>
+    </dgm:txFillClrLst>
+    <dgm:txEffectClrLst/>
+  </dgm:styleLbl>
+  <dgm:styleLbl name="solidFgAcc1">
+    <dgm:fillClrLst meth="repeat">
+      <a:schemeClr val="lt1"/>
+    </dgm:fillClrLst>
+    <dgm:linClrLst meth="repeat">
+      <a:schemeClr val="accent1"/>
+    </dgm:linClrLst>
+    <dgm:effectClrLst/>
+    <dgm:txLinClrLst/>
+    <dgm:txFillClrLst meth="repeat">
+      <a:schemeClr val="dk1"/>
+    </dgm:txFillClrLst>
+    <dgm:txEffectClrLst/>
+  </dgm:styleLbl>
+  <dgm:styleLbl name="solidAlignAcc1">
+    <dgm:fillClrLst meth="repeat">
+      <a:schemeClr val="lt1"/>
+    </dgm:fillClrLst>
+    <dgm:linClrLst meth="repeat">
+      <a:schemeClr val="accent1"/>
+    </dgm:linClrLst>
+    <dgm:effectClrLst/>
+    <dgm:txLinClrLst/>
+    <dgm:txFillClrLst meth="repeat">
+      <a:schemeClr val="dk1"/>
+    </dgm:txFillClrLst>
+    <dgm:txEffectClrLst/>
+  </dgm:styleLbl>
+  <dgm:styleLbl name="solidBgAcc1">
+    <dgm:fillClrLst meth="repeat">
+      <a:schemeClr val="lt1"/>
+    </dgm:fillClrLst>
+    <dgm:linClrLst meth="repeat">
+      <a:schemeClr val="accent1"/>
+    </dgm:linClrLst>
+    <dgm:effectClrLst/>
+    <dgm:txLinClrLst/>
+    <dgm:txFillClrLst meth="repeat">
+      <a:schemeClr val="dk1"/>
+    </dgm:txFillClrLst>
+    <dgm:txEffectClrLst/>
+  </dgm:styleLbl>
+  <dgm:styleLbl name="fgAccFollowNode1">
+    <dgm:fillClrLst meth="repeat">
+      <a:schemeClr val="accent1">
+        <a:alpha val="90000"/>
+        <a:tint val="40000"/>
+      </a:schemeClr>
+    </dgm:fillClrLst>
+    <dgm:linClrLst meth="repeat">
+      <a:schemeClr val="accent1">
+        <a:alpha val="90000"/>
+        <a:tint val="40000"/>
+      </a:schemeClr>
+    </dgm:linClrLst>
+    <dgm:effectClrLst/>
+    <dgm:txLinClrLst/>
+    <dgm:txFillClrLst meth="repeat">
+      <a:schemeClr val="dk1"/>
+    </dgm:txFillClrLst>
+    <dgm:txEffectClrLst/>
+  </dgm:styleLbl>
+  <dgm:styleLbl name="alignAccFollowNode1">
+    <dgm:fillClrLst meth="repeat">
+      <a:schemeClr val="accent1">
+        <a:alpha val="90000"/>
+        <a:tint val="40000"/>
+      </a:schemeClr>
+    </dgm:fillClrLst>
+    <dgm:linClrLst meth="repeat">
+      <a:schemeClr val="accent1">
+        <a:alpha val="90000"/>
+        <a:tint val="40000"/>
+      </a:schemeClr>
+    </dgm:linClrLst>
+    <dgm:effectClrLst/>
+    <dgm:txLinClrLst/>
+    <dgm:txFillClrLst meth="repeat">
+      <a:schemeClr val="dk1"/>
+    </dgm:txFillClrLst>
+    <dgm:txEffectClrLst/>
+  </dgm:styleLbl>
+  <dgm:styleLbl name="bgAccFollowNode1">
+    <dgm:fillClrLst meth="repeat">
+      <a:schemeClr val="accent1">
+        <a:alpha val="90000"/>
+        <a:tint val="40000"/>
+      </a:schemeClr>
+    </dgm:fillClrLst>
+    <dgm:linClrLst meth="repeat">
+      <a:schemeClr val="accent1">
+        <a:alpha val="90000"/>
+        <a:tint val="40000"/>
+      </a:schemeClr>
+    </dgm:linClrLst>
+    <dgm:effectClrLst/>
+    <dgm:txLinClrLst/>
+    <dgm:txFillClrLst meth="repeat">
+      <a:schemeClr val="dk1"/>
+    </dgm:txFillClrLst>
+    <dgm:txEffectClrLst/>
+  </dgm:styleLbl>
+  <dgm:styleLbl name="fgAcc0">
+    <dgm:fillClrLst meth="repeat">
+      <a:schemeClr val="lt1">
+        <a:alpha val="90000"/>
+      </a:schemeClr>
+    </dgm:fillClrLst>
+    <dgm:linClrLst meth="repeat">
+      <a:schemeClr val="accent1"/>
+    </dgm:linClrLst>
+    <dgm:effectClrLst/>
+    <dgm:txLinClrLst/>
+    <dgm:txFillClrLst meth="repeat">
+      <a:schemeClr val="dk1"/>
+    </dgm:txFillClrLst>
+    <dgm:txEffectClrLst/>
+  </dgm:styleLbl>
+  <dgm:styleLbl name="fgAcc2">
+    <dgm:fillClrLst meth="repeat">
+      <a:schemeClr val="lt1">
+        <a:alpha val="90000"/>
+      </a:schemeClr>
+    </dgm:fillClrLst>
+    <dgm:linClrLst meth="repeat">
+      <a:schemeClr val="accent1"/>
+    </dgm:linClrLst>
+    <dgm:effectClrLst/>
+    <dgm:txLinClrLst/>
+    <dgm:txFillClrLst meth="repeat">
+      <a:schemeClr val="dk1"/>
+    </dgm:txFillClrLst>
+    <dgm:txEffectClrLst/>
+  </dgm:styleLbl>
+  <dgm:styleLbl name="fgAcc3">
+    <dgm:fillClrLst meth="repeat">
+      <a:schemeClr val="lt1">
+        <a:alpha val="90000"/>
+      </a:schemeClr>
+    </dgm:fillClrLst>
+    <dgm:linClrLst meth="repeat">
+      <a:schemeClr val="accent1"/>
+    </dgm:linClrLst>
+    <dgm:effectClrLst/>
+    <dgm:txLinClrLst/>
+    <dgm:txFillClrLst meth="repeat">
+      <a:schemeClr val="dk1"/>
+    </dgm:txFillClrLst>
+    <dgm:txEffectClrLst/>
+  </dgm:styleLbl>
+  <dgm:styleLbl name="fgAcc4">
+    <dgm:fillClrLst meth="repeat">
+      <a:schemeClr val="lt1">
+        <a:alpha val="90000"/>
+      </a:schemeClr>
+    </dgm:fillClrLst>
+    <dgm:linClrLst meth="repeat">
+      <a:schemeClr val="accent1"/>
+    </dgm:linClrLst>
+    <dgm:effectClrLst/>
+    <dgm:txLinClrLst/>
+    <dgm:txFillClrLst meth="repeat">
+      <a:schemeClr val="dk1"/>
+    </dgm:txFillClrLst>
+    <dgm:txEffectClrLst/>
+  </dgm:styleLbl>
+  <dgm:styleLbl name="bgShp">
+    <dgm:fillClrLst meth="repeat">
+      <a:schemeClr val="accent1">
+        <a:tint val="40000"/>
+      </a:schemeClr>
+    </dgm:fillClrLst>
+    <dgm:linClrLst meth="repeat">
+      <a:schemeClr val="accent1"/>
+    </dgm:linClrLst>
+    <dgm:effectClrLst/>
+    <dgm:txLinClrLst/>
+    <dgm:txFillClrLst meth="repeat">
+      <a:schemeClr val="dk1"/>
+    </dgm:txFillClrLst>
+    <dgm:txEffectClrLst/>
+  </dgm:styleLbl>
+  <dgm:styleLbl name="dkBgShp">
+    <dgm:fillClrLst meth="repeat">
+      <a:schemeClr val="accent1">
+        <a:shade val="80000"/>
+      </a:schemeClr>
+    </dgm:fillClrLst>
+    <dgm:linClrLst meth="repeat">
+      <a:schemeClr val="accent1"/>
+    </dgm:linClrLst>
+    <dgm:effectClrLst/>
+    <dgm:txLinClrLst/>
+    <dgm:txFillClrLst meth="repeat">
+      <a:schemeClr val="lt1"/>
+    </dgm:txFillClrLst>
+    <dgm:txEffectClrLst/>
+  </dgm:styleLbl>
+  <dgm:styleLbl name="trBgShp">
+    <dgm:fillClrLst meth="repeat">
+      <a:schemeClr val="accent1">
+        <a:tint val="50000"/>
+        <a:alpha val="40000"/>
+      </a:schemeClr>
+    </dgm:fillClrLst>
+    <dgm:linClrLst meth="repeat">
+      <a:schemeClr val="accent1"/>
+    </dgm:linClrLst>
+    <dgm:effectClrLst/>
+    <dgm:txLinClrLst/>
+    <dgm:txFillClrLst meth="repeat">
+      <a:schemeClr val="lt1"/>
+    </dgm:txFillClrLst>
+    <dgm:txEffectClrLst/>
+  </dgm:styleLbl>
+  <dgm:styleLbl name="fgShp">
+    <dgm:fillClrLst meth="repeat">
+      <a:schemeClr val="accent1">
+        <a:tint val="60000"/>
+      </a:schemeClr>
+    </dgm:fillClrLst>
+    <dgm:linClrLst meth="repeat">
+      <a:schemeClr val="lt1"/>
+    </dgm:linClrLst>
+    <dgm:effectClrLst/>
+    <dgm:txLinClrLst/>
+    <dgm:txFillClrLst meth="repeat">
+      <a:schemeClr val="dk1"/>
+    </dgm:txFillClrLst>
+    <dgm:txEffectClrLst/>
+  </dgm:styleLbl>
+  <dgm:styleLbl name="revTx">
+    <dgm:fillClrLst meth="repeat">
+      <a:schemeClr val="lt1">
+        <a:alpha val="0"/>
+      </a:schemeClr>
+    </dgm:fillClrLst>
+    <dgm:linClrLst meth="repeat">
+      <a:schemeClr val="dk1">
         <a:alpha val="0"/>
       </a:schemeClr>
     </dgm:linClrLst>
@@ -2241,6 +2993,1015 @@
     <dgm:cxn modelId="{C6C885BF-E270-421F-8332-E63C9233AAC7}" type="presParOf" srcId="{BAFB8BC3-61E2-430A-AB79-876B8980E69E}" destId="{30884585-463C-40C2-9854-71B4DA34954B}" srcOrd="2" destOrd="0" presId="urn:microsoft.com/office/officeart/2005/8/layout/cycle2"/>
     <dgm:cxn modelId="{0A353734-6611-4ADD-9F65-9470F484ECBA}" type="presParOf" srcId="{BAFB8BC3-61E2-430A-AB79-876B8980E69E}" destId="{DF96941C-6F82-4AD6-A9D8-2629D7CECFB3}" srcOrd="3" destOrd="0" presId="urn:microsoft.com/office/officeart/2005/8/layout/cycle2"/>
     <dgm:cxn modelId="{C63DCDC1-1288-4C93-BFC0-E66BF84C5526}" type="presParOf" srcId="{DF96941C-6F82-4AD6-A9D8-2629D7CECFB3}" destId="{F66F188F-C6BE-4DC9-8266-6EC34D9807C7}" srcOrd="0" destOrd="0" presId="urn:microsoft.com/office/officeart/2005/8/layout/cycle2"/>
+  </dgm:cxnLst>
+  <dgm:bg/>
+  <dgm:whole/>
+  <dgm:extLst>
+    <a:ext uri="http://schemas.microsoft.com/office/drawing/2008/diagram">
+      <dsp:dataModelExt xmlns:dsp="http://schemas.microsoft.com/office/drawing/2008/diagram" relId="rId7" minVer="http://schemas.openxmlformats.org/drawingml/2006/diagram"/>
+    </a:ext>
+  </dgm:extLst>
+</dgm:dataModel>
+</file>
+
+<file path=ppt/diagrams/data3.xml><?xml version="1.0" encoding="utf-8"?>
+<dgm:dataModel xmlns:dgm="http://schemas.openxmlformats.org/drawingml/2006/diagram" xmlns:a="http://schemas.openxmlformats.org/drawingml/2006/main">
+  <dgm:ptLst>
+    <dgm:pt modelId="{D82EA1DC-36A3-4943-BA96-DEDC990924D6}" type="doc">
+      <dgm:prSet loTypeId="urn:microsoft.com/office/officeart/2008/layout/CaptionedPictures" loCatId="picture" qsTypeId="urn:microsoft.com/office/officeart/2005/8/quickstyle/simple1" qsCatId="simple" csTypeId="urn:microsoft.com/office/officeart/2005/8/colors/accent1_2" csCatId="accent1" phldr="1"/>
+      <dgm:spPr/>
+      <dgm:t>
+        <a:bodyPr/>
+        <a:lstStyle/>
+        <a:p>
+          <a:endParaRPr lang="de-DE"/>
+        </a:p>
+      </dgm:t>
+    </dgm:pt>
+    <dgm:pt modelId="{46E084DA-28AB-4B6B-BC7B-A5BCC12AFCAE}">
+      <dgm:prSet/>
+      <dgm:spPr/>
+      <dgm:t>
+        <a:bodyPr/>
+        <a:lstStyle/>
+        <a:p>
+          <a:r>
+            <a:rPr lang="de-DE" dirty="0">
+              <a:latin typeface="Consolas" panose="020B0609020204030204" pitchFamily="49" charset="0"/>
+            </a:rPr>
+            <a:t>.NET</a:t>
+          </a:r>
+        </a:p>
+      </dgm:t>
+    </dgm:pt>
+    <dgm:pt modelId="{167BF688-DFF6-48FD-ADF1-29A5C8117EAF}" type="parTrans" cxnId="{ED5183A9-9773-4E16-A680-2DCC2C96C4B3}">
+      <dgm:prSet/>
+      <dgm:spPr/>
+      <dgm:t>
+        <a:bodyPr/>
+        <a:lstStyle/>
+        <a:p>
+          <a:endParaRPr lang="de-DE"/>
+        </a:p>
+      </dgm:t>
+    </dgm:pt>
+    <dgm:pt modelId="{3E9A0FD4-D153-4499-8278-A54673D888E4}" type="sibTrans" cxnId="{ED5183A9-9773-4E16-A680-2DCC2C96C4B3}">
+      <dgm:prSet/>
+      <dgm:spPr/>
+      <dgm:t>
+        <a:bodyPr/>
+        <a:lstStyle/>
+        <a:p>
+          <a:endParaRPr lang="de-DE"/>
+        </a:p>
+      </dgm:t>
+    </dgm:pt>
+    <dgm:pt modelId="{CFEDDCE4-7B17-4707-8000-0AE5F695C92D}">
+      <dgm:prSet/>
+      <dgm:spPr/>
+      <dgm:t>
+        <a:bodyPr/>
+        <a:lstStyle/>
+        <a:p>
+          <a:r>
+            <a:rPr lang="de-DE" dirty="0">
+              <a:latin typeface="Consolas" panose="020B0609020204030204" pitchFamily="49" charset="0"/>
+            </a:rPr>
+            <a:t>C++</a:t>
+          </a:r>
+        </a:p>
+      </dgm:t>
+    </dgm:pt>
+    <dgm:pt modelId="{599DAB34-04B7-42A2-B859-084EBFDA48D3}" type="parTrans" cxnId="{04F293F9-F755-4CB3-9A37-FAF6FB1A3979}">
+      <dgm:prSet/>
+      <dgm:spPr/>
+      <dgm:t>
+        <a:bodyPr/>
+        <a:lstStyle/>
+        <a:p>
+          <a:endParaRPr lang="de-DE"/>
+        </a:p>
+      </dgm:t>
+    </dgm:pt>
+    <dgm:pt modelId="{F8080010-3FD1-4BA9-81FF-AAB28A947F29}" type="sibTrans" cxnId="{04F293F9-F755-4CB3-9A37-FAF6FB1A3979}">
+      <dgm:prSet/>
+      <dgm:spPr/>
+      <dgm:t>
+        <a:bodyPr/>
+        <a:lstStyle/>
+        <a:p>
+          <a:endParaRPr lang="de-DE"/>
+        </a:p>
+      </dgm:t>
+    </dgm:pt>
+    <dgm:pt modelId="{E2EBEB71-5272-4878-9879-A3CBAA152BC0}">
+      <dgm:prSet/>
+      <dgm:spPr/>
+      <dgm:t>
+        <a:bodyPr/>
+        <a:lstStyle/>
+        <a:p>
+          <a:r>
+            <a:rPr lang="de-DE" dirty="0">
+              <a:latin typeface="Consolas" panose="020B0609020204030204" pitchFamily="49" charset="0"/>
+            </a:rPr>
+            <a:t>Go</a:t>
+          </a:r>
+        </a:p>
+      </dgm:t>
+    </dgm:pt>
+    <dgm:pt modelId="{2014B7F3-1FEF-4606-9E42-016D96B90407}" type="parTrans" cxnId="{301A7FF3-5E1B-4FBA-A6A3-EEC9F718C829}">
+      <dgm:prSet/>
+      <dgm:spPr/>
+      <dgm:t>
+        <a:bodyPr/>
+        <a:lstStyle/>
+        <a:p>
+          <a:endParaRPr lang="de-DE"/>
+        </a:p>
+      </dgm:t>
+    </dgm:pt>
+    <dgm:pt modelId="{D5648C24-9292-4107-AC23-1CB7863B54E0}" type="sibTrans" cxnId="{301A7FF3-5E1B-4FBA-A6A3-EEC9F718C829}">
+      <dgm:prSet/>
+      <dgm:spPr/>
+      <dgm:t>
+        <a:bodyPr/>
+        <a:lstStyle/>
+        <a:p>
+          <a:endParaRPr lang="de-DE"/>
+        </a:p>
+      </dgm:t>
+    </dgm:pt>
+    <dgm:pt modelId="{91915B63-04A3-4D53-8E7E-946A177EF136}">
+      <dgm:prSet/>
+      <dgm:spPr/>
+      <dgm:t>
+        <a:bodyPr/>
+        <a:lstStyle/>
+        <a:p>
+          <a:r>
+            <a:rPr lang="de-DE" dirty="0">
+              <a:latin typeface="Consolas" panose="020B0609020204030204" pitchFamily="49" charset="0"/>
+            </a:rPr>
+            <a:t>Java</a:t>
+          </a:r>
+        </a:p>
+      </dgm:t>
+    </dgm:pt>
+    <dgm:pt modelId="{25878256-E245-4ED0-90B1-7B88C7AC5F19}" type="parTrans" cxnId="{DCD2F399-834A-4D31-9F08-F0DAF6580A85}">
+      <dgm:prSet/>
+      <dgm:spPr/>
+      <dgm:t>
+        <a:bodyPr/>
+        <a:lstStyle/>
+        <a:p>
+          <a:endParaRPr lang="de-DE"/>
+        </a:p>
+      </dgm:t>
+    </dgm:pt>
+    <dgm:pt modelId="{F0832B7D-1CF2-4BE0-8D95-907C26C5B8DF}" type="sibTrans" cxnId="{DCD2F399-834A-4D31-9F08-F0DAF6580A85}">
+      <dgm:prSet/>
+      <dgm:spPr/>
+      <dgm:t>
+        <a:bodyPr/>
+        <a:lstStyle/>
+        <a:p>
+          <a:endParaRPr lang="de-DE"/>
+        </a:p>
+      </dgm:t>
+    </dgm:pt>
+    <dgm:pt modelId="{640850AC-576F-479D-9E3F-6759A9F2C459}">
+      <dgm:prSet/>
+      <dgm:spPr/>
+      <dgm:t>
+        <a:bodyPr/>
+        <a:lstStyle/>
+        <a:p>
+          <a:r>
+            <a:rPr lang="de-DE" dirty="0">
+              <a:latin typeface="Consolas" panose="020B0609020204030204" pitchFamily="49" charset="0"/>
+            </a:rPr>
+            <a:t>JavaScript</a:t>
+          </a:r>
+        </a:p>
+      </dgm:t>
+    </dgm:pt>
+    <dgm:pt modelId="{EA1231B4-2035-4B7C-A8CF-275E9A9DF093}" type="parTrans" cxnId="{D7B3111D-32B2-43D5-8905-20539EB74134}">
+      <dgm:prSet/>
+      <dgm:spPr/>
+      <dgm:t>
+        <a:bodyPr/>
+        <a:lstStyle/>
+        <a:p>
+          <a:endParaRPr lang="de-DE"/>
+        </a:p>
+      </dgm:t>
+    </dgm:pt>
+    <dgm:pt modelId="{530A8A54-DB7D-4595-ACCC-C30FA02375EA}" type="sibTrans" cxnId="{D7B3111D-32B2-43D5-8905-20539EB74134}">
+      <dgm:prSet/>
+      <dgm:spPr/>
+      <dgm:t>
+        <a:bodyPr/>
+        <a:lstStyle/>
+        <a:p>
+          <a:endParaRPr lang="de-DE"/>
+        </a:p>
+      </dgm:t>
+    </dgm:pt>
+    <dgm:pt modelId="{AF68C590-77C9-4937-968D-C3EC79A75663}">
+      <dgm:prSet/>
+      <dgm:spPr/>
+      <dgm:t>
+        <a:bodyPr/>
+        <a:lstStyle/>
+        <a:p>
+          <a:r>
+            <a:rPr lang="de-DE" dirty="0">
+              <a:latin typeface="Consolas" panose="020B0609020204030204" pitchFamily="49" charset="0"/>
+            </a:rPr>
+            <a:t>PHP3</a:t>
+          </a:r>
+        </a:p>
+      </dgm:t>
+    </dgm:pt>
+    <dgm:pt modelId="{9DCC9DD0-CD7E-4794-A27A-6DAE7DFAF7BD}" type="parTrans" cxnId="{1E4D0C6F-927B-4E8C-80C4-981FD9C08020}">
+      <dgm:prSet/>
+      <dgm:spPr/>
+      <dgm:t>
+        <a:bodyPr/>
+        <a:lstStyle/>
+        <a:p>
+          <a:endParaRPr lang="de-DE"/>
+        </a:p>
+      </dgm:t>
+    </dgm:pt>
+    <dgm:pt modelId="{13158200-A543-45F9-95F7-BF6B8BDA91BE}" type="sibTrans" cxnId="{1E4D0C6F-927B-4E8C-80C4-981FD9C08020}">
+      <dgm:prSet/>
+      <dgm:spPr/>
+      <dgm:t>
+        <a:bodyPr/>
+        <a:lstStyle/>
+        <a:p>
+          <a:endParaRPr lang="de-DE"/>
+        </a:p>
+      </dgm:t>
+    </dgm:pt>
+    <dgm:pt modelId="{7245E419-9717-45A4-8FB1-E1468F83B224}">
+      <dgm:prSet/>
+      <dgm:spPr/>
+      <dgm:t>
+        <a:bodyPr/>
+        <a:lstStyle/>
+        <a:p>
+          <a:r>
+            <a:rPr lang="de-DE" dirty="0">
+              <a:latin typeface="Consolas" panose="020B0609020204030204" pitchFamily="49" charset="0"/>
+            </a:rPr>
+            <a:t>Python</a:t>
+          </a:r>
+        </a:p>
+      </dgm:t>
+    </dgm:pt>
+    <dgm:pt modelId="{FFFDAAE8-C7B3-48F2-8788-A9E5A19A3F03}" type="parTrans" cxnId="{AA5F4679-3799-479D-BA75-159F8C0B9909}">
+      <dgm:prSet/>
+      <dgm:spPr/>
+      <dgm:t>
+        <a:bodyPr/>
+        <a:lstStyle/>
+        <a:p>
+          <a:endParaRPr lang="de-DE"/>
+        </a:p>
+      </dgm:t>
+    </dgm:pt>
+    <dgm:pt modelId="{55CA8973-5F60-4E90-927A-733300F23A0C}" type="sibTrans" cxnId="{AA5F4679-3799-479D-BA75-159F8C0B9909}">
+      <dgm:prSet/>
+      <dgm:spPr/>
+      <dgm:t>
+        <a:bodyPr/>
+        <a:lstStyle/>
+        <a:p>
+          <a:endParaRPr lang="de-DE"/>
+        </a:p>
+      </dgm:t>
+    </dgm:pt>
+    <dgm:pt modelId="{950AF8DA-EB3C-4CE5-9652-6B7E6516EEB0}">
+      <dgm:prSet/>
+      <dgm:spPr/>
+      <dgm:t>
+        <a:bodyPr/>
+        <a:lstStyle/>
+        <a:p>
+          <a:r>
+            <a:rPr lang="de-DE" dirty="0">
+              <a:latin typeface="Consolas" panose="020B0609020204030204" pitchFamily="49" charset="0"/>
+            </a:rPr>
+            <a:t>Ruby 3</a:t>
+          </a:r>
+        </a:p>
+      </dgm:t>
+    </dgm:pt>
+    <dgm:pt modelId="{1DADCC8D-B9C0-4B26-9E1E-FF96E6995859}" type="parTrans" cxnId="{2D10ED03-F999-48F2-B7F2-D4BCFBBE4EED}">
+      <dgm:prSet/>
+      <dgm:spPr/>
+      <dgm:t>
+        <a:bodyPr/>
+        <a:lstStyle/>
+        <a:p>
+          <a:endParaRPr lang="de-DE"/>
+        </a:p>
+      </dgm:t>
+    </dgm:pt>
+    <dgm:pt modelId="{2E6E5CEE-18E7-4A3C-99CC-C1290A7CA66D}" type="sibTrans" cxnId="{2D10ED03-F999-48F2-B7F2-D4BCFBBE4EED}">
+      <dgm:prSet/>
+      <dgm:spPr/>
+      <dgm:t>
+        <a:bodyPr/>
+        <a:lstStyle/>
+        <a:p>
+          <a:endParaRPr lang="de-DE"/>
+        </a:p>
+      </dgm:t>
+    </dgm:pt>
+    <dgm:pt modelId="{4AC48EA6-ABA9-4EDD-941C-06AB9A130202}" type="pres">
+      <dgm:prSet presAssocID="{D82EA1DC-36A3-4943-BA96-DEDC990924D6}" presName="Name0" presStyleCnt="0">
+        <dgm:presLayoutVars>
+          <dgm:chMax/>
+          <dgm:chPref/>
+          <dgm:dir/>
+        </dgm:presLayoutVars>
+      </dgm:prSet>
+      <dgm:spPr/>
+    </dgm:pt>
+    <dgm:pt modelId="{995CA328-FA9E-4114-BCC4-887BEC234022}" type="pres">
+      <dgm:prSet presAssocID="{46E084DA-28AB-4B6B-BC7B-A5BCC12AFCAE}" presName="composite" presStyleCnt="0">
+        <dgm:presLayoutVars>
+          <dgm:chMax val="1"/>
+          <dgm:chPref val="1"/>
+        </dgm:presLayoutVars>
+      </dgm:prSet>
+      <dgm:spPr/>
+    </dgm:pt>
+    <dgm:pt modelId="{7243B26A-ABC7-40E9-8B6B-B04DBABBDB68}" type="pres">
+      <dgm:prSet presAssocID="{46E084DA-28AB-4B6B-BC7B-A5BCC12AFCAE}" presName="Accent" presStyleLbl="trAlignAcc1" presStyleIdx="0" presStyleCnt="8" custLinFactNeighborY="-1250">
+        <dgm:presLayoutVars>
+          <dgm:chMax val="0"/>
+          <dgm:chPref val="0"/>
+        </dgm:presLayoutVars>
+      </dgm:prSet>
+      <dgm:spPr>
+        <a:ln w="28575">
+          <a:solidFill>
+            <a:srgbClr val="252F3E"/>
+          </a:solidFill>
+        </a:ln>
+      </dgm:spPr>
+    </dgm:pt>
+    <dgm:pt modelId="{18E61B75-F251-4044-BDF5-94EAA84DBA9A}" type="pres">
+      <dgm:prSet presAssocID="{46E084DA-28AB-4B6B-BC7B-A5BCC12AFCAE}" presName="Image" presStyleLbl="alignImgPlace1" presStyleIdx="0" presStyleCnt="8">
+        <dgm:presLayoutVars>
+          <dgm:chMax val="0"/>
+          <dgm:chPref val="0"/>
+        </dgm:presLayoutVars>
+      </dgm:prSet>
+      <dgm:spPr>
+        <a:blipFill>
+          <a:blip xmlns:r="http://schemas.openxmlformats.org/officeDocument/2006/relationships" r:embed="rId1">
+            <a:extLst>
+              <a:ext uri="{28A0092B-C50C-407E-A947-70E740481C1C}">
+                <a14:useLocalDpi xmlns:a14="http://schemas.microsoft.com/office/drawing/2010/main" val="0"/>
+              </a:ext>
+            </a:extLst>
+          </a:blip>
+          <a:srcRect/>
+          <a:stretch>
+            <a:fillRect t="-9000" b="-9000"/>
+          </a:stretch>
+        </a:blipFill>
+      </dgm:spPr>
+    </dgm:pt>
+    <dgm:pt modelId="{9EF4FF7D-E6E5-42B2-9A43-08FA18730B78}" type="pres">
+      <dgm:prSet presAssocID="{46E084DA-28AB-4B6B-BC7B-A5BCC12AFCAE}" presName="ChildComposite" presStyleCnt="0"/>
+      <dgm:spPr/>
+    </dgm:pt>
+    <dgm:pt modelId="{CEF58C65-27A0-41F4-851E-1D3504EADA16}" type="pres">
+      <dgm:prSet presAssocID="{46E084DA-28AB-4B6B-BC7B-A5BCC12AFCAE}" presName="Child" presStyleLbl="node1" presStyleIdx="0" presStyleCnt="0">
+        <dgm:presLayoutVars>
+          <dgm:chMax val="0"/>
+          <dgm:chPref val="0"/>
+          <dgm:bulletEnabled val="1"/>
+        </dgm:presLayoutVars>
+      </dgm:prSet>
+      <dgm:spPr/>
+    </dgm:pt>
+    <dgm:pt modelId="{9498B362-23AB-4522-812D-3E6F44378514}" type="pres">
+      <dgm:prSet presAssocID="{46E084DA-28AB-4B6B-BC7B-A5BCC12AFCAE}" presName="Parent" presStyleLbl="revTx" presStyleIdx="0" presStyleCnt="8">
+        <dgm:presLayoutVars>
+          <dgm:chMax val="1"/>
+          <dgm:chPref val="0"/>
+          <dgm:bulletEnabled val="1"/>
+        </dgm:presLayoutVars>
+      </dgm:prSet>
+      <dgm:spPr/>
+    </dgm:pt>
+    <dgm:pt modelId="{750EF768-58D9-4F92-80AC-CA2B11A9DBF4}" type="pres">
+      <dgm:prSet presAssocID="{3E9A0FD4-D153-4499-8278-A54673D888E4}" presName="sibTrans" presStyleCnt="0"/>
+      <dgm:spPr/>
+    </dgm:pt>
+    <dgm:pt modelId="{A7DC1F43-0400-4DF4-B415-003031C09EB4}" type="pres">
+      <dgm:prSet presAssocID="{CFEDDCE4-7B17-4707-8000-0AE5F695C92D}" presName="composite" presStyleCnt="0">
+        <dgm:presLayoutVars>
+          <dgm:chMax val="1"/>
+          <dgm:chPref val="1"/>
+        </dgm:presLayoutVars>
+      </dgm:prSet>
+      <dgm:spPr/>
+    </dgm:pt>
+    <dgm:pt modelId="{5DC6D08A-1D14-47B4-8BD4-14A7CD7693E2}" type="pres">
+      <dgm:prSet presAssocID="{CFEDDCE4-7B17-4707-8000-0AE5F695C92D}" presName="Accent" presStyleLbl="trAlignAcc1" presStyleIdx="1" presStyleCnt="8" custLinFactNeighborY="-1250">
+        <dgm:presLayoutVars>
+          <dgm:chMax val="0"/>
+          <dgm:chPref val="0"/>
+        </dgm:presLayoutVars>
+      </dgm:prSet>
+      <dgm:spPr>
+        <a:ln w="28575">
+          <a:solidFill>
+            <a:srgbClr val="252F3E"/>
+          </a:solidFill>
+        </a:ln>
+      </dgm:spPr>
+    </dgm:pt>
+    <dgm:pt modelId="{03D31855-E76A-4A4C-80B9-D64FD00E5F93}" type="pres">
+      <dgm:prSet presAssocID="{CFEDDCE4-7B17-4707-8000-0AE5F695C92D}" presName="Image" presStyleLbl="alignImgPlace1" presStyleIdx="1" presStyleCnt="8">
+        <dgm:presLayoutVars>
+          <dgm:chMax val="0"/>
+          <dgm:chPref val="0"/>
+        </dgm:presLayoutVars>
+      </dgm:prSet>
+      <dgm:spPr>
+        <a:blipFill dpi="0" rotWithShape="1">
+          <a:blip xmlns:r="http://schemas.openxmlformats.org/officeDocument/2006/relationships" r:embed="rId2">
+            <a:extLst>
+              <a:ext uri="{28A0092B-C50C-407E-A947-70E740481C1C}">
+                <a14:useLocalDpi xmlns:a14="http://schemas.microsoft.com/office/drawing/2010/main" val="0"/>
+              </a:ext>
+            </a:extLst>
+          </a:blip>
+          <a:srcRect/>
+          <a:stretch>
+            <a:fillRect l="6179" t="-15145" r="6179" b="-15145"/>
+          </a:stretch>
+        </a:blipFill>
+      </dgm:spPr>
+    </dgm:pt>
+    <dgm:pt modelId="{7B995AD5-6BA0-4878-B03A-D5132D7E19E4}" type="pres">
+      <dgm:prSet presAssocID="{CFEDDCE4-7B17-4707-8000-0AE5F695C92D}" presName="ChildComposite" presStyleCnt="0"/>
+      <dgm:spPr/>
+    </dgm:pt>
+    <dgm:pt modelId="{A35840E0-2286-4F14-9B8F-3204DD09D72B}" type="pres">
+      <dgm:prSet presAssocID="{CFEDDCE4-7B17-4707-8000-0AE5F695C92D}" presName="Child" presStyleLbl="node1" presStyleIdx="0" presStyleCnt="0">
+        <dgm:presLayoutVars>
+          <dgm:chMax val="0"/>
+          <dgm:chPref val="0"/>
+          <dgm:bulletEnabled val="1"/>
+        </dgm:presLayoutVars>
+      </dgm:prSet>
+      <dgm:spPr/>
+    </dgm:pt>
+    <dgm:pt modelId="{E398778F-57F4-4102-81D6-C6BEF381D8FF}" type="pres">
+      <dgm:prSet presAssocID="{CFEDDCE4-7B17-4707-8000-0AE5F695C92D}" presName="Parent" presStyleLbl="revTx" presStyleIdx="1" presStyleCnt="8">
+        <dgm:presLayoutVars>
+          <dgm:chMax val="1"/>
+          <dgm:chPref val="0"/>
+          <dgm:bulletEnabled val="1"/>
+        </dgm:presLayoutVars>
+      </dgm:prSet>
+      <dgm:spPr/>
+    </dgm:pt>
+    <dgm:pt modelId="{652FF3B0-D529-4876-ABD6-A60E85611B61}" type="pres">
+      <dgm:prSet presAssocID="{F8080010-3FD1-4BA9-81FF-AAB28A947F29}" presName="sibTrans" presStyleCnt="0"/>
+      <dgm:spPr/>
+    </dgm:pt>
+    <dgm:pt modelId="{7A1154A5-61E7-4D1A-AAD9-1F8450ABEA43}" type="pres">
+      <dgm:prSet presAssocID="{E2EBEB71-5272-4878-9879-A3CBAA152BC0}" presName="composite" presStyleCnt="0">
+        <dgm:presLayoutVars>
+          <dgm:chMax val="1"/>
+          <dgm:chPref val="1"/>
+        </dgm:presLayoutVars>
+      </dgm:prSet>
+      <dgm:spPr/>
+    </dgm:pt>
+    <dgm:pt modelId="{E013D67B-D912-42B0-802F-58BA75A4CF80}" type="pres">
+      <dgm:prSet presAssocID="{E2EBEB71-5272-4878-9879-A3CBAA152BC0}" presName="Accent" presStyleLbl="trAlignAcc1" presStyleIdx="2" presStyleCnt="8">
+        <dgm:presLayoutVars>
+          <dgm:chMax val="0"/>
+          <dgm:chPref val="0"/>
+        </dgm:presLayoutVars>
+      </dgm:prSet>
+      <dgm:spPr>
+        <a:ln w="28575">
+          <a:solidFill>
+            <a:srgbClr val="252F3E"/>
+          </a:solidFill>
+        </a:ln>
+      </dgm:spPr>
+    </dgm:pt>
+    <dgm:pt modelId="{BA25C612-DE83-492E-9D22-049EB2B57CB0}" type="pres">
+      <dgm:prSet presAssocID="{E2EBEB71-5272-4878-9879-A3CBAA152BC0}" presName="Image" presStyleLbl="alignImgPlace1" presStyleIdx="2" presStyleCnt="8">
+        <dgm:presLayoutVars>
+          <dgm:chMax val="0"/>
+          <dgm:chPref val="0"/>
+        </dgm:presLayoutVars>
+      </dgm:prSet>
+      <dgm:spPr>
+        <a:blipFill dpi="0" rotWithShape="1">
+          <a:blip xmlns:r="http://schemas.openxmlformats.org/officeDocument/2006/relationships" r:embed="rId3">
+            <a:extLst>
+              <a:ext uri="{28A0092B-C50C-407E-A947-70E740481C1C}">
+                <a14:useLocalDpi xmlns:a14="http://schemas.microsoft.com/office/drawing/2010/main" val="0"/>
+              </a:ext>
+            </a:extLst>
+          </a:blip>
+          <a:srcRect/>
+          <a:stretch>
+            <a:fillRect l="3873" t="25571" r="3873" b="25571"/>
+          </a:stretch>
+        </a:blipFill>
+      </dgm:spPr>
+    </dgm:pt>
+    <dgm:pt modelId="{B0B55C8B-8C22-43BD-B1E2-2CFF9676126F}" type="pres">
+      <dgm:prSet presAssocID="{E2EBEB71-5272-4878-9879-A3CBAA152BC0}" presName="ChildComposite" presStyleCnt="0"/>
+      <dgm:spPr/>
+    </dgm:pt>
+    <dgm:pt modelId="{8D3E5DC0-39CB-4DF7-9D80-F3125FF4651E}" type="pres">
+      <dgm:prSet presAssocID="{E2EBEB71-5272-4878-9879-A3CBAA152BC0}" presName="Child" presStyleLbl="node1" presStyleIdx="0" presStyleCnt="0">
+        <dgm:presLayoutVars>
+          <dgm:chMax val="0"/>
+          <dgm:chPref val="0"/>
+          <dgm:bulletEnabled val="1"/>
+        </dgm:presLayoutVars>
+      </dgm:prSet>
+      <dgm:spPr/>
+    </dgm:pt>
+    <dgm:pt modelId="{EF946171-FF3D-426C-ABF6-CA1AC2750F5B}" type="pres">
+      <dgm:prSet presAssocID="{E2EBEB71-5272-4878-9879-A3CBAA152BC0}" presName="Parent" presStyleLbl="revTx" presStyleIdx="2" presStyleCnt="8">
+        <dgm:presLayoutVars>
+          <dgm:chMax val="1"/>
+          <dgm:chPref val="0"/>
+          <dgm:bulletEnabled val="1"/>
+        </dgm:presLayoutVars>
+      </dgm:prSet>
+      <dgm:spPr/>
+    </dgm:pt>
+    <dgm:pt modelId="{416AE802-86B6-47D0-91C2-9A77C636FAD5}" type="pres">
+      <dgm:prSet presAssocID="{D5648C24-9292-4107-AC23-1CB7863B54E0}" presName="sibTrans" presStyleCnt="0"/>
+      <dgm:spPr/>
+    </dgm:pt>
+    <dgm:pt modelId="{310DE1E4-2AC2-4C79-8CC1-00A83BCEF957}" type="pres">
+      <dgm:prSet presAssocID="{91915B63-04A3-4D53-8E7E-946A177EF136}" presName="composite" presStyleCnt="0">
+        <dgm:presLayoutVars>
+          <dgm:chMax val="1"/>
+          <dgm:chPref val="1"/>
+        </dgm:presLayoutVars>
+      </dgm:prSet>
+      <dgm:spPr/>
+    </dgm:pt>
+    <dgm:pt modelId="{EB7B4A5C-5D1B-4351-A231-2398862677F3}" type="pres">
+      <dgm:prSet presAssocID="{91915B63-04A3-4D53-8E7E-946A177EF136}" presName="Accent" presStyleLbl="trAlignAcc1" presStyleIdx="3" presStyleCnt="8">
+        <dgm:presLayoutVars>
+          <dgm:chMax val="0"/>
+          <dgm:chPref val="0"/>
+        </dgm:presLayoutVars>
+      </dgm:prSet>
+      <dgm:spPr>
+        <a:ln w="28575">
+          <a:solidFill>
+            <a:srgbClr val="252F3E"/>
+          </a:solidFill>
+        </a:ln>
+      </dgm:spPr>
+    </dgm:pt>
+    <dgm:pt modelId="{B68FF426-7EA2-413F-A5F6-688D66303E34}" type="pres">
+      <dgm:prSet presAssocID="{91915B63-04A3-4D53-8E7E-946A177EF136}" presName="Image" presStyleLbl="alignImgPlace1" presStyleIdx="3" presStyleCnt="8" custLinFactNeighborY="-2873">
+        <dgm:presLayoutVars>
+          <dgm:chMax val="0"/>
+          <dgm:chPref val="0"/>
+        </dgm:presLayoutVars>
+      </dgm:prSet>
+      <dgm:spPr>
+        <a:blipFill dpi="0" rotWithShape="1">
+          <a:blip xmlns:r="http://schemas.openxmlformats.org/officeDocument/2006/relationships" r:embed="rId4">
+            <a:extLst>
+              <a:ext uri="{28A0092B-C50C-407E-A947-70E740481C1C}">
+                <a14:useLocalDpi xmlns:a14="http://schemas.microsoft.com/office/drawing/2010/main" val="0"/>
+              </a:ext>
+            </a:extLst>
+          </a:blip>
+          <a:srcRect/>
+          <a:stretch>
+            <a:fillRect l="22324" t="3855" r="22324" b="3855"/>
+          </a:stretch>
+        </a:blipFill>
+      </dgm:spPr>
+    </dgm:pt>
+    <dgm:pt modelId="{9843596A-B473-4176-851F-E9A682384D30}" type="pres">
+      <dgm:prSet presAssocID="{91915B63-04A3-4D53-8E7E-946A177EF136}" presName="ChildComposite" presStyleCnt="0"/>
+      <dgm:spPr/>
+    </dgm:pt>
+    <dgm:pt modelId="{DD24333B-B6A3-4C85-A464-A4BC7B460B0E}" type="pres">
+      <dgm:prSet presAssocID="{91915B63-04A3-4D53-8E7E-946A177EF136}" presName="Child" presStyleLbl="node1" presStyleIdx="0" presStyleCnt="0">
+        <dgm:presLayoutVars>
+          <dgm:chMax val="0"/>
+          <dgm:chPref val="0"/>
+          <dgm:bulletEnabled val="1"/>
+        </dgm:presLayoutVars>
+      </dgm:prSet>
+      <dgm:spPr/>
+    </dgm:pt>
+    <dgm:pt modelId="{0D807B5A-6069-4193-9921-68B6C5856691}" type="pres">
+      <dgm:prSet presAssocID="{91915B63-04A3-4D53-8E7E-946A177EF136}" presName="Parent" presStyleLbl="revTx" presStyleIdx="3" presStyleCnt="8">
+        <dgm:presLayoutVars>
+          <dgm:chMax val="1"/>
+          <dgm:chPref val="0"/>
+          <dgm:bulletEnabled val="1"/>
+        </dgm:presLayoutVars>
+      </dgm:prSet>
+      <dgm:spPr/>
+    </dgm:pt>
+    <dgm:pt modelId="{D282564E-9C40-4817-8BF9-25B8CFC3E572}" type="pres">
+      <dgm:prSet presAssocID="{F0832B7D-1CF2-4BE0-8D95-907C26C5B8DF}" presName="sibTrans" presStyleCnt="0"/>
+      <dgm:spPr/>
+    </dgm:pt>
+    <dgm:pt modelId="{26D8A12D-4E0B-4140-998F-FE29D80CB224}" type="pres">
+      <dgm:prSet presAssocID="{640850AC-576F-479D-9E3F-6759A9F2C459}" presName="composite" presStyleCnt="0">
+        <dgm:presLayoutVars>
+          <dgm:chMax val="1"/>
+          <dgm:chPref val="1"/>
+        </dgm:presLayoutVars>
+      </dgm:prSet>
+      <dgm:spPr/>
+    </dgm:pt>
+    <dgm:pt modelId="{C3DC016E-5B69-4B4F-907A-343571AB5864}" type="pres">
+      <dgm:prSet presAssocID="{640850AC-576F-479D-9E3F-6759A9F2C459}" presName="Accent" presStyleLbl="trAlignAcc1" presStyleIdx="4" presStyleCnt="8">
+        <dgm:presLayoutVars>
+          <dgm:chMax val="0"/>
+          <dgm:chPref val="0"/>
+        </dgm:presLayoutVars>
+      </dgm:prSet>
+      <dgm:spPr>
+        <a:ln w="28575">
+          <a:solidFill>
+            <a:srgbClr val="252F3E"/>
+          </a:solidFill>
+        </a:ln>
+      </dgm:spPr>
+    </dgm:pt>
+    <dgm:pt modelId="{3C11F496-E3FA-45A3-8D9F-1EB752CF27FC}" type="pres">
+      <dgm:prSet presAssocID="{640850AC-576F-479D-9E3F-6759A9F2C459}" presName="Image" presStyleLbl="alignImgPlace1" presStyleIdx="4" presStyleCnt="8">
+        <dgm:presLayoutVars>
+          <dgm:chMax val="0"/>
+          <dgm:chPref val="0"/>
+        </dgm:presLayoutVars>
+      </dgm:prSet>
+      <dgm:spPr>
+        <a:blipFill dpi="0" rotWithShape="1">
+          <a:blip xmlns:r="http://schemas.openxmlformats.org/officeDocument/2006/relationships" r:embed="rId5">
+            <a:extLst>
+              <a:ext uri="{28A0092B-C50C-407E-A947-70E740481C1C}">
+                <a14:useLocalDpi xmlns:a14="http://schemas.microsoft.com/office/drawing/2010/main" val="0"/>
+              </a:ext>
+            </a:extLst>
+          </a:blip>
+          <a:srcRect/>
+          <a:stretch>
+            <a:fillRect/>
+          </a:stretch>
+        </a:blipFill>
+      </dgm:spPr>
+    </dgm:pt>
+    <dgm:pt modelId="{D4391C14-CD50-430F-B9F9-DA0EC3ABB6AA}" type="pres">
+      <dgm:prSet presAssocID="{640850AC-576F-479D-9E3F-6759A9F2C459}" presName="ChildComposite" presStyleCnt="0"/>
+      <dgm:spPr/>
+    </dgm:pt>
+    <dgm:pt modelId="{B66207E5-77D2-4551-87AE-250EC80F8448}" type="pres">
+      <dgm:prSet presAssocID="{640850AC-576F-479D-9E3F-6759A9F2C459}" presName="Child" presStyleLbl="node1" presStyleIdx="0" presStyleCnt="0">
+        <dgm:presLayoutVars>
+          <dgm:chMax val="0"/>
+          <dgm:chPref val="0"/>
+          <dgm:bulletEnabled val="1"/>
+        </dgm:presLayoutVars>
+      </dgm:prSet>
+      <dgm:spPr/>
+    </dgm:pt>
+    <dgm:pt modelId="{699921F9-D6ED-4B3F-91BB-A401E6A93E7A}" type="pres">
+      <dgm:prSet presAssocID="{640850AC-576F-479D-9E3F-6759A9F2C459}" presName="Parent" presStyleLbl="revTx" presStyleIdx="4" presStyleCnt="8">
+        <dgm:presLayoutVars>
+          <dgm:chMax val="1"/>
+          <dgm:chPref val="0"/>
+          <dgm:bulletEnabled val="1"/>
+        </dgm:presLayoutVars>
+      </dgm:prSet>
+      <dgm:spPr/>
+    </dgm:pt>
+    <dgm:pt modelId="{C743BFF3-27BC-4002-A419-6B55EA6099BB}" type="pres">
+      <dgm:prSet presAssocID="{530A8A54-DB7D-4595-ACCC-C30FA02375EA}" presName="sibTrans" presStyleCnt="0"/>
+      <dgm:spPr/>
+    </dgm:pt>
+    <dgm:pt modelId="{37CEF9AA-A661-4E09-B254-3A1219873522}" type="pres">
+      <dgm:prSet presAssocID="{AF68C590-77C9-4937-968D-C3EC79A75663}" presName="composite" presStyleCnt="0">
+        <dgm:presLayoutVars>
+          <dgm:chMax val="1"/>
+          <dgm:chPref val="1"/>
+        </dgm:presLayoutVars>
+      </dgm:prSet>
+      <dgm:spPr/>
+    </dgm:pt>
+    <dgm:pt modelId="{50CFA79D-E9D1-401B-A51A-D273B51DEC66}" type="pres">
+      <dgm:prSet presAssocID="{AF68C590-77C9-4937-968D-C3EC79A75663}" presName="Accent" presStyleLbl="trAlignAcc1" presStyleIdx="5" presStyleCnt="8">
+        <dgm:presLayoutVars>
+          <dgm:chMax val="0"/>
+          <dgm:chPref val="0"/>
+        </dgm:presLayoutVars>
+      </dgm:prSet>
+      <dgm:spPr>
+        <a:ln w="28575">
+          <a:solidFill>
+            <a:srgbClr val="252F3E"/>
+          </a:solidFill>
+        </a:ln>
+      </dgm:spPr>
+    </dgm:pt>
+    <dgm:pt modelId="{FA22FFAB-63FC-4E75-B764-B154CFA52A25}" type="pres">
+      <dgm:prSet presAssocID="{AF68C590-77C9-4937-968D-C3EC79A75663}" presName="Image" presStyleLbl="alignImgPlace1" presStyleIdx="5" presStyleCnt="8">
+        <dgm:presLayoutVars>
+          <dgm:chMax val="0"/>
+          <dgm:chPref val="0"/>
+        </dgm:presLayoutVars>
+      </dgm:prSet>
+      <dgm:spPr>
+        <a:blipFill dpi="0" rotWithShape="1">
+          <a:blip xmlns:r="http://schemas.openxmlformats.org/officeDocument/2006/relationships" r:embed="rId6">
+            <a:extLst>
+              <a:ext uri="{28A0092B-C50C-407E-A947-70E740481C1C}">
+                <a14:useLocalDpi xmlns:a14="http://schemas.microsoft.com/office/drawing/2010/main" val="0"/>
+              </a:ext>
+            </a:extLst>
+          </a:blip>
+          <a:srcRect/>
+          <a:stretch>
+            <a:fillRect t="10000" b="10000"/>
+          </a:stretch>
+        </a:blipFill>
+      </dgm:spPr>
+    </dgm:pt>
+    <dgm:pt modelId="{49B4E09B-EFF5-49B2-8CA8-DFEAB5B4A017}" type="pres">
+      <dgm:prSet presAssocID="{AF68C590-77C9-4937-968D-C3EC79A75663}" presName="ChildComposite" presStyleCnt="0"/>
+      <dgm:spPr/>
+    </dgm:pt>
+    <dgm:pt modelId="{41DFEF76-6E9F-495B-881C-582867A02EBA}" type="pres">
+      <dgm:prSet presAssocID="{AF68C590-77C9-4937-968D-C3EC79A75663}" presName="Child" presStyleLbl="node1" presStyleIdx="0" presStyleCnt="0">
+        <dgm:presLayoutVars>
+          <dgm:chMax val="0"/>
+          <dgm:chPref val="0"/>
+          <dgm:bulletEnabled val="1"/>
+        </dgm:presLayoutVars>
+      </dgm:prSet>
+      <dgm:spPr/>
+    </dgm:pt>
+    <dgm:pt modelId="{055FFAE5-2DE3-4901-B83D-DE4A7A5FA988}" type="pres">
+      <dgm:prSet presAssocID="{AF68C590-77C9-4937-968D-C3EC79A75663}" presName="Parent" presStyleLbl="revTx" presStyleIdx="5" presStyleCnt="8">
+        <dgm:presLayoutVars>
+          <dgm:chMax val="1"/>
+          <dgm:chPref val="0"/>
+          <dgm:bulletEnabled val="1"/>
+        </dgm:presLayoutVars>
+      </dgm:prSet>
+      <dgm:spPr/>
+    </dgm:pt>
+    <dgm:pt modelId="{266B5920-859D-4646-8164-8EFFA2AA40F8}" type="pres">
+      <dgm:prSet presAssocID="{13158200-A543-45F9-95F7-BF6B8BDA91BE}" presName="sibTrans" presStyleCnt="0"/>
+      <dgm:spPr/>
+    </dgm:pt>
+    <dgm:pt modelId="{878BD112-F8AA-4005-B81C-C64E5DCE3C4D}" type="pres">
+      <dgm:prSet presAssocID="{7245E419-9717-45A4-8FB1-E1468F83B224}" presName="composite" presStyleCnt="0">
+        <dgm:presLayoutVars>
+          <dgm:chMax val="1"/>
+          <dgm:chPref val="1"/>
+        </dgm:presLayoutVars>
+      </dgm:prSet>
+      <dgm:spPr/>
+    </dgm:pt>
+    <dgm:pt modelId="{02803E7F-52D7-4DEC-AA86-733EF91C0A05}" type="pres">
+      <dgm:prSet presAssocID="{7245E419-9717-45A4-8FB1-E1468F83B224}" presName="Accent" presStyleLbl="trAlignAcc1" presStyleIdx="6" presStyleCnt="8">
+        <dgm:presLayoutVars>
+          <dgm:chMax val="0"/>
+          <dgm:chPref val="0"/>
+        </dgm:presLayoutVars>
+      </dgm:prSet>
+      <dgm:spPr>
+        <a:ln w="28575">
+          <a:solidFill>
+            <a:srgbClr val="252F3E"/>
+          </a:solidFill>
+        </a:ln>
+      </dgm:spPr>
+    </dgm:pt>
+    <dgm:pt modelId="{753F319B-A25E-4636-AF28-7317B7017DE1}" type="pres">
+      <dgm:prSet presAssocID="{7245E419-9717-45A4-8FB1-E1468F83B224}" presName="Image" presStyleLbl="alignImgPlace1" presStyleIdx="6" presStyleCnt="8">
+        <dgm:presLayoutVars>
+          <dgm:chMax val="0"/>
+          <dgm:chPref val="0"/>
+        </dgm:presLayoutVars>
+      </dgm:prSet>
+      <dgm:spPr>
+        <a:blipFill dpi="0" rotWithShape="1">
+          <a:blip xmlns:r="http://schemas.openxmlformats.org/officeDocument/2006/relationships" r:embed="rId7">
+            <a:extLst>
+              <a:ext uri="{28A0092B-C50C-407E-A947-70E740481C1C}">
+                <a14:useLocalDpi xmlns:a14="http://schemas.microsoft.com/office/drawing/2010/main" val="0"/>
+              </a:ext>
+            </a:extLst>
+          </a:blip>
+          <a:srcRect/>
+          <a:stretch>
+            <a:fillRect l="9000" r="9000"/>
+          </a:stretch>
+        </a:blipFill>
+      </dgm:spPr>
+    </dgm:pt>
+    <dgm:pt modelId="{D91799FD-2E4C-4CB2-B485-41D0071E9A2F}" type="pres">
+      <dgm:prSet presAssocID="{7245E419-9717-45A4-8FB1-E1468F83B224}" presName="ChildComposite" presStyleCnt="0"/>
+      <dgm:spPr/>
+    </dgm:pt>
+    <dgm:pt modelId="{77CEDFE4-066F-4C56-9D87-451143D3FAC4}" type="pres">
+      <dgm:prSet presAssocID="{7245E419-9717-45A4-8FB1-E1468F83B224}" presName="Child" presStyleLbl="node1" presStyleIdx="0" presStyleCnt="0">
+        <dgm:presLayoutVars>
+          <dgm:chMax val="0"/>
+          <dgm:chPref val="0"/>
+          <dgm:bulletEnabled val="1"/>
+        </dgm:presLayoutVars>
+      </dgm:prSet>
+      <dgm:spPr/>
+    </dgm:pt>
+    <dgm:pt modelId="{616BD92D-F8C8-4549-A742-4A1AC190534F}" type="pres">
+      <dgm:prSet presAssocID="{7245E419-9717-45A4-8FB1-E1468F83B224}" presName="Parent" presStyleLbl="revTx" presStyleIdx="6" presStyleCnt="8">
+        <dgm:presLayoutVars>
+          <dgm:chMax val="1"/>
+          <dgm:chPref val="0"/>
+          <dgm:bulletEnabled val="1"/>
+        </dgm:presLayoutVars>
+      </dgm:prSet>
+      <dgm:spPr/>
+    </dgm:pt>
+    <dgm:pt modelId="{7C9DE6F2-EF33-4FFD-8BF3-23AEDA6091AB}" type="pres">
+      <dgm:prSet presAssocID="{55CA8973-5F60-4E90-927A-733300F23A0C}" presName="sibTrans" presStyleCnt="0"/>
+      <dgm:spPr/>
+    </dgm:pt>
+    <dgm:pt modelId="{3DA679B2-A79E-4350-8974-82731A1EA541}" type="pres">
+      <dgm:prSet presAssocID="{950AF8DA-EB3C-4CE5-9652-6B7E6516EEB0}" presName="composite" presStyleCnt="0">
+        <dgm:presLayoutVars>
+          <dgm:chMax val="1"/>
+          <dgm:chPref val="1"/>
+        </dgm:presLayoutVars>
+      </dgm:prSet>
+      <dgm:spPr/>
+    </dgm:pt>
+    <dgm:pt modelId="{1E604A9F-ABE2-48C4-B7C7-EECA678A9097}" type="pres">
+      <dgm:prSet presAssocID="{950AF8DA-EB3C-4CE5-9652-6B7E6516EEB0}" presName="Accent" presStyleLbl="trAlignAcc1" presStyleIdx="7" presStyleCnt="8">
+        <dgm:presLayoutVars>
+          <dgm:chMax val="0"/>
+          <dgm:chPref val="0"/>
+        </dgm:presLayoutVars>
+      </dgm:prSet>
+      <dgm:spPr>
+        <a:ln w="28575">
+          <a:solidFill>
+            <a:srgbClr val="252F3E"/>
+          </a:solidFill>
+        </a:ln>
+      </dgm:spPr>
+    </dgm:pt>
+    <dgm:pt modelId="{5B408CD3-3AE7-474D-9D8B-B7866505454E}" type="pres">
+      <dgm:prSet presAssocID="{950AF8DA-EB3C-4CE5-9652-6B7E6516EEB0}" presName="Image" presStyleLbl="alignImgPlace1" presStyleIdx="7" presStyleCnt="8">
+        <dgm:presLayoutVars>
+          <dgm:chMax val="0"/>
+          <dgm:chPref val="0"/>
+        </dgm:presLayoutVars>
+      </dgm:prSet>
+      <dgm:spPr>
+        <a:blipFill dpi="0" rotWithShape="1">
+          <a:blip xmlns:r="http://schemas.openxmlformats.org/officeDocument/2006/relationships" r:embed="rId8">
+            <a:extLst>
+              <a:ext uri="{28A0092B-C50C-407E-A947-70E740481C1C}">
+                <a14:useLocalDpi xmlns:a14="http://schemas.microsoft.com/office/drawing/2010/main" val="0"/>
+              </a:ext>
+            </a:extLst>
+          </a:blip>
+          <a:srcRect/>
+          <a:stretch>
+            <a:fillRect l="9000" r="9000"/>
+          </a:stretch>
+        </a:blipFill>
+      </dgm:spPr>
+    </dgm:pt>
+    <dgm:pt modelId="{9E46158F-EB5D-44CB-959D-A91109D2323F}" type="pres">
+      <dgm:prSet presAssocID="{950AF8DA-EB3C-4CE5-9652-6B7E6516EEB0}" presName="ChildComposite" presStyleCnt="0"/>
+      <dgm:spPr/>
+    </dgm:pt>
+    <dgm:pt modelId="{B32F1C2F-09CD-44BC-BF17-CBB54B1D5D2B}" type="pres">
+      <dgm:prSet presAssocID="{950AF8DA-EB3C-4CE5-9652-6B7E6516EEB0}" presName="Child" presStyleLbl="node1" presStyleIdx="0" presStyleCnt="0">
+        <dgm:presLayoutVars>
+          <dgm:chMax val="0"/>
+          <dgm:chPref val="0"/>
+          <dgm:bulletEnabled val="1"/>
+        </dgm:presLayoutVars>
+      </dgm:prSet>
+      <dgm:spPr/>
+    </dgm:pt>
+    <dgm:pt modelId="{AECB9781-148B-4043-9016-8C1FD8007A30}" type="pres">
+      <dgm:prSet presAssocID="{950AF8DA-EB3C-4CE5-9652-6B7E6516EEB0}" presName="Parent" presStyleLbl="revTx" presStyleIdx="7" presStyleCnt="8">
+        <dgm:presLayoutVars>
+          <dgm:chMax val="1"/>
+          <dgm:chPref val="0"/>
+          <dgm:bulletEnabled val="1"/>
+        </dgm:presLayoutVars>
+      </dgm:prSet>
+      <dgm:spPr/>
+    </dgm:pt>
+  </dgm:ptLst>
+  <dgm:cxnLst>
+    <dgm:cxn modelId="{2D10ED03-F999-48F2-B7F2-D4BCFBBE4EED}" srcId="{D82EA1DC-36A3-4943-BA96-DEDC990924D6}" destId="{950AF8DA-EB3C-4CE5-9652-6B7E6516EEB0}" srcOrd="7" destOrd="0" parTransId="{1DADCC8D-B9C0-4B26-9E1E-FF96E6995859}" sibTransId="{2E6E5CEE-18E7-4A3C-99CC-C1290A7CA66D}"/>
+    <dgm:cxn modelId="{D7B3111D-32B2-43D5-8905-20539EB74134}" srcId="{D82EA1DC-36A3-4943-BA96-DEDC990924D6}" destId="{640850AC-576F-479D-9E3F-6759A9F2C459}" srcOrd="4" destOrd="0" parTransId="{EA1231B4-2035-4B7C-A8CF-275E9A9DF093}" sibTransId="{530A8A54-DB7D-4595-ACCC-C30FA02375EA}"/>
+    <dgm:cxn modelId="{E09CC93D-18BF-497F-95CC-66173B40A253}" type="presOf" srcId="{46E084DA-28AB-4B6B-BC7B-A5BCC12AFCAE}" destId="{9498B362-23AB-4522-812D-3E6F44378514}" srcOrd="0" destOrd="0" presId="urn:microsoft.com/office/officeart/2008/layout/CaptionedPictures"/>
+    <dgm:cxn modelId="{AF19F93D-1897-4C2C-8CB7-99DB664BF41A}" type="presOf" srcId="{91915B63-04A3-4D53-8E7E-946A177EF136}" destId="{0D807B5A-6069-4193-9921-68B6C5856691}" srcOrd="0" destOrd="0" presId="urn:microsoft.com/office/officeart/2008/layout/CaptionedPictures"/>
+    <dgm:cxn modelId="{F0427D61-2364-41B2-BDBA-F231630B317F}" type="presOf" srcId="{D82EA1DC-36A3-4943-BA96-DEDC990924D6}" destId="{4AC48EA6-ABA9-4EDD-941C-06AB9A130202}" srcOrd="0" destOrd="0" presId="urn:microsoft.com/office/officeart/2008/layout/CaptionedPictures"/>
+    <dgm:cxn modelId="{61EAFB69-2BCC-4BDB-9A65-0FA9DDAAFEF1}" type="presOf" srcId="{7245E419-9717-45A4-8FB1-E1468F83B224}" destId="{616BD92D-F8C8-4549-A742-4A1AC190534F}" srcOrd="0" destOrd="0" presId="urn:microsoft.com/office/officeart/2008/layout/CaptionedPictures"/>
+    <dgm:cxn modelId="{1E4D0C6F-927B-4E8C-80C4-981FD9C08020}" srcId="{D82EA1DC-36A3-4943-BA96-DEDC990924D6}" destId="{AF68C590-77C9-4937-968D-C3EC79A75663}" srcOrd="5" destOrd="0" parTransId="{9DCC9DD0-CD7E-4794-A27A-6DAE7DFAF7BD}" sibTransId="{13158200-A543-45F9-95F7-BF6B8BDA91BE}"/>
+    <dgm:cxn modelId="{C0198672-3169-4E3C-8B29-5B795601AF02}" type="presOf" srcId="{AF68C590-77C9-4937-968D-C3EC79A75663}" destId="{055FFAE5-2DE3-4901-B83D-DE4A7A5FA988}" srcOrd="0" destOrd="0" presId="urn:microsoft.com/office/officeart/2008/layout/CaptionedPictures"/>
+    <dgm:cxn modelId="{AA5F4679-3799-479D-BA75-159F8C0B9909}" srcId="{D82EA1DC-36A3-4943-BA96-DEDC990924D6}" destId="{7245E419-9717-45A4-8FB1-E1468F83B224}" srcOrd="6" destOrd="0" parTransId="{FFFDAAE8-C7B3-48F2-8788-A9E5A19A3F03}" sibTransId="{55CA8973-5F60-4E90-927A-733300F23A0C}"/>
+    <dgm:cxn modelId="{DCD2F399-834A-4D31-9F08-F0DAF6580A85}" srcId="{D82EA1DC-36A3-4943-BA96-DEDC990924D6}" destId="{91915B63-04A3-4D53-8E7E-946A177EF136}" srcOrd="3" destOrd="0" parTransId="{25878256-E245-4ED0-90B1-7B88C7AC5F19}" sibTransId="{F0832B7D-1CF2-4BE0-8D95-907C26C5B8DF}"/>
+    <dgm:cxn modelId="{ED5183A9-9773-4E16-A680-2DCC2C96C4B3}" srcId="{D82EA1DC-36A3-4943-BA96-DEDC990924D6}" destId="{46E084DA-28AB-4B6B-BC7B-A5BCC12AFCAE}" srcOrd="0" destOrd="0" parTransId="{167BF688-DFF6-48FD-ADF1-29A5C8117EAF}" sibTransId="{3E9A0FD4-D153-4499-8278-A54673D888E4}"/>
+    <dgm:cxn modelId="{E0D3D2DD-6FD3-43E1-800E-BDA936F58AE8}" type="presOf" srcId="{640850AC-576F-479D-9E3F-6759A9F2C459}" destId="{699921F9-D6ED-4B3F-91BB-A401E6A93E7A}" srcOrd="0" destOrd="0" presId="urn:microsoft.com/office/officeart/2008/layout/CaptionedPictures"/>
+    <dgm:cxn modelId="{A30BDDEB-C83D-4011-A609-7ECB836F746A}" type="presOf" srcId="{E2EBEB71-5272-4878-9879-A3CBAA152BC0}" destId="{EF946171-FF3D-426C-ABF6-CA1AC2750F5B}" srcOrd="0" destOrd="0" presId="urn:microsoft.com/office/officeart/2008/layout/CaptionedPictures"/>
+    <dgm:cxn modelId="{301A7FF3-5E1B-4FBA-A6A3-EEC9F718C829}" srcId="{D82EA1DC-36A3-4943-BA96-DEDC990924D6}" destId="{E2EBEB71-5272-4878-9879-A3CBAA152BC0}" srcOrd="2" destOrd="0" parTransId="{2014B7F3-1FEF-4606-9E42-016D96B90407}" sibTransId="{D5648C24-9292-4107-AC23-1CB7863B54E0}"/>
+    <dgm:cxn modelId="{04F293F9-F755-4CB3-9A37-FAF6FB1A3979}" srcId="{D82EA1DC-36A3-4943-BA96-DEDC990924D6}" destId="{CFEDDCE4-7B17-4707-8000-0AE5F695C92D}" srcOrd="1" destOrd="0" parTransId="{599DAB34-04B7-42A2-B859-084EBFDA48D3}" sibTransId="{F8080010-3FD1-4BA9-81FF-AAB28A947F29}"/>
+    <dgm:cxn modelId="{223E60FA-859D-4A62-8280-3C76251E3588}" type="presOf" srcId="{950AF8DA-EB3C-4CE5-9652-6B7E6516EEB0}" destId="{AECB9781-148B-4043-9016-8C1FD8007A30}" srcOrd="0" destOrd="0" presId="urn:microsoft.com/office/officeart/2008/layout/CaptionedPictures"/>
+    <dgm:cxn modelId="{F64969FA-4BB8-410B-AE24-76A3C1147444}" type="presOf" srcId="{CFEDDCE4-7B17-4707-8000-0AE5F695C92D}" destId="{E398778F-57F4-4102-81D6-C6BEF381D8FF}" srcOrd="0" destOrd="0" presId="urn:microsoft.com/office/officeart/2008/layout/CaptionedPictures"/>
+    <dgm:cxn modelId="{FE254176-65B1-4A45-BE13-4507669B1BC2}" type="presParOf" srcId="{4AC48EA6-ABA9-4EDD-941C-06AB9A130202}" destId="{995CA328-FA9E-4114-BCC4-887BEC234022}" srcOrd="0" destOrd="0" presId="urn:microsoft.com/office/officeart/2008/layout/CaptionedPictures"/>
+    <dgm:cxn modelId="{0B440A13-8850-4DC9-BC60-67A523D18B52}" type="presParOf" srcId="{995CA328-FA9E-4114-BCC4-887BEC234022}" destId="{7243B26A-ABC7-40E9-8B6B-B04DBABBDB68}" srcOrd="0" destOrd="0" presId="urn:microsoft.com/office/officeart/2008/layout/CaptionedPictures"/>
+    <dgm:cxn modelId="{51794442-B8E3-402C-B262-7A4FD6705A50}" type="presParOf" srcId="{995CA328-FA9E-4114-BCC4-887BEC234022}" destId="{18E61B75-F251-4044-BDF5-94EAA84DBA9A}" srcOrd="1" destOrd="0" presId="urn:microsoft.com/office/officeart/2008/layout/CaptionedPictures"/>
+    <dgm:cxn modelId="{7D16629B-676C-492F-80C9-27219BDA56C8}" type="presParOf" srcId="{995CA328-FA9E-4114-BCC4-887BEC234022}" destId="{9EF4FF7D-E6E5-42B2-9A43-08FA18730B78}" srcOrd="2" destOrd="0" presId="urn:microsoft.com/office/officeart/2008/layout/CaptionedPictures"/>
+    <dgm:cxn modelId="{01C9E42A-0F8D-4308-A417-68188B36212F}" type="presParOf" srcId="{9EF4FF7D-E6E5-42B2-9A43-08FA18730B78}" destId="{CEF58C65-27A0-41F4-851E-1D3504EADA16}" srcOrd="0" destOrd="0" presId="urn:microsoft.com/office/officeart/2008/layout/CaptionedPictures"/>
+    <dgm:cxn modelId="{B80531EC-23B4-45A2-B95D-27C8C120D0E3}" type="presParOf" srcId="{9EF4FF7D-E6E5-42B2-9A43-08FA18730B78}" destId="{9498B362-23AB-4522-812D-3E6F44378514}" srcOrd="1" destOrd="0" presId="urn:microsoft.com/office/officeart/2008/layout/CaptionedPictures"/>
+    <dgm:cxn modelId="{C66DCAF3-5167-4C88-8DC4-F62FBCCE629C}" type="presParOf" srcId="{4AC48EA6-ABA9-4EDD-941C-06AB9A130202}" destId="{750EF768-58D9-4F92-80AC-CA2B11A9DBF4}" srcOrd="1" destOrd="0" presId="urn:microsoft.com/office/officeart/2008/layout/CaptionedPictures"/>
+    <dgm:cxn modelId="{401CAE4C-47A3-408E-8BCF-612DE21673B4}" type="presParOf" srcId="{4AC48EA6-ABA9-4EDD-941C-06AB9A130202}" destId="{A7DC1F43-0400-4DF4-B415-003031C09EB4}" srcOrd="2" destOrd="0" presId="urn:microsoft.com/office/officeart/2008/layout/CaptionedPictures"/>
+    <dgm:cxn modelId="{435396BD-A2C7-47EB-A24C-2EBC03D36423}" type="presParOf" srcId="{A7DC1F43-0400-4DF4-B415-003031C09EB4}" destId="{5DC6D08A-1D14-47B4-8BD4-14A7CD7693E2}" srcOrd="0" destOrd="0" presId="urn:microsoft.com/office/officeart/2008/layout/CaptionedPictures"/>
+    <dgm:cxn modelId="{13CB0CC1-3DBE-493B-991B-92AD90D78160}" type="presParOf" srcId="{A7DC1F43-0400-4DF4-B415-003031C09EB4}" destId="{03D31855-E76A-4A4C-80B9-D64FD00E5F93}" srcOrd="1" destOrd="0" presId="urn:microsoft.com/office/officeart/2008/layout/CaptionedPictures"/>
+    <dgm:cxn modelId="{06884F89-B353-4FF5-ADC6-6AC8D8BBAA47}" type="presParOf" srcId="{A7DC1F43-0400-4DF4-B415-003031C09EB4}" destId="{7B995AD5-6BA0-4878-B03A-D5132D7E19E4}" srcOrd="2" destOrd="0" presId="urn:microsoft.com/office/officeart/2008/layout/CaptionedPictures"/>
+    <dgm:cxn modelId="{0D553061-4263-470B-A3C4-0C4D12EA4DD6}" type="presParOf" srcId="{7B995AD5-6BA0-4878-B03A-D5132D7E19E4}" destId="{A35840E0-2286-4F14-9B8F-3204DD09D72B}" srcOrd="0" destOrd="0" presId="urn:microsoft.com/office/officeart/2008/layout/CaptionedPictures"/>
+    <dgm:cxn modelId="{2602589E-641C-4425-A535-8C07473C4DB6}" type="presParOf" srcId="{7B995AD5-6BA0-4878-B03A-D5132D7E19E4}" destId="{E398778F-57F4-4102-81D6-C6BEF381D8FF}" srcOrd="1" destOrd="0" presId="urn:microsoft.com/office/officeart/2008/layout/CaptionedPictures"/>
+    <dgm:cxn modelId="{FAF49307-FBE3-4893-9DA5-60B3A75A783B}" type="presParOf" srcId="{4AC48EA6-ABA9-4EDD-941C-06AB9A130202}" destId="{652FF3B0-D529-4876-ABD6-A60E85611B61}" srcOrd="3" destOrd="0" presId="urn:microsoft.com/office/officeart/2008/layout/CaptionedPictures"/>
+    <dgm:cxn modelId="{B62094B7-CB25-479D-B900-A18CCE6386FF}" type="presParOf" srcId="{4AC48EA6-ABA9-4EDD-941C-06AB9A130202}" destId="{7A1154A5-61E7-4D1A-AAD9-1F8450ABEA43}" srcOrd="4" destOrd="0" presId="urn:microsoft.com/office/officeart/2008/layout/CaptionedPictures"/>
+    <dgm:cxn modelId="{8621C92D-A98C-462A-9B31-365FA93D91A3}" type="presParOf" srcId="{7A1154A5-61E7-4D1A-AAD9-1F8450ABEA43}" destId="{E013D67B-D912-42B0-802F-58BA75A4CF80}" srcOrd="0" destOrd="0" presId="urn:microsoft.com/office/officeart/2008/layout/CaptionedPictures"/>
+    <dgm:cxn modelId="{B5713E5F-75F2-4375-9039-E4F134ADAD4A}" type="presParOf" srcId="{7A1154A5-61E7-4D1A-AAD9-1F8450ABEA43}" destId="{BA25C612-DE83-492E-9D22-049EB2B57CB0}" srcOrd="1" destOrd="0" presId="urn:microsoft.com/office/officeart/2008/layout/CaptionedPictures"/>
+    <dgm:cxn modelId="{64339673-E361-493C-B7C7-A6C85AE45F2E}" type="presParOf" srcId="{7A1154A5-61E7-4D1A-AAD9-1F8450ABEA43}" destId="{B0B55C8B-8C22-43BD-B1E2-2CFF9676126F}" srcOrd="2" destOrd="0" presId="urn:microsoft.com/office/officeart/2008/layout/CaptionedPictures"/>
+    <dgm:cxn modelId="{3C920E11-E2E0-4103-AA63-FFDDC4D9E741}" type="presParOf" srcId="{B0B55C8B-8C22-43BD-B1E2-2CFF9676126F}" destId="{8D3E5DC0-39CB-4DF7-9D80-F3125FF4651E}" srcOrd="0" destOrd="0" presId="urn:microsoft.com/office/officeart/2008/layout/CaptionedPictures"/>
+    <dgm:cxn modelId="{6DFF37CE-E142-41A5-A799-0950F9EA3F69}" type="presParOf" srcId="{B0B55C8B-8C22-43BD-B1E2-2CFF9676126F}" destId="{EF946171-FF3D-426C-ABF6-CA1AC2750F5B}" srcOrd="1" destOrd="0" presId="urn:microsoft.com/office/officeart/2008/layout/CaptionedPictures"/>
+    <dgm:cxn modelId="{483483A7-C598-4F7B-BD38-51386741264A}" type="presParOf" srcId="{4AC48EA6-ABA9-4EDD-941C-06AB9A130202}" destId="{416AE802-86B6-47D0-91C2-9A77C636FAD5}" srcOrd="5" destOrd="0" presId="urn:microsoft.com/office/officeart/2008/layout/CaptionedPictures"/>
+    <dgm:cxn modelId="{6B415ABE-C8EB-4AB4-81E2-868912132CA7}" type="presParOf" srcId="{4AC48EA6-ABA9-4EDD-941C-06AB9A130202}" destId="{310DE1E4-2AC2-4C79-8CC1-00A83BCEF957}" srcOrd="6" destOrd="0" presId="urn:microsoft.com/office/officeart/2008/layout/CaptionedPictures"/>
+    <dgm:cxn modelId="{74BF8D49-6371-42E3-A1B2-C2E7587857E6}" type="presParOf" srcId="{310DE1E4-2AC2-4C79-8CC1-00A83BCEF957}" destId="{EB7B4A5C-5D1B-4351-A231-2398862677F3}" srcOrd="0" destOrd="0" presId="urn:microsoft.com/office/officeart/2008/layout/CaptionedPictures"/>
+    <dgm:cxn modelId="{EE3059FD-E583-4A80-9111-584ED8062383}" type="presParOf" srcId="{310DE1E4-2AC2-4C79-8CC1-00A83BCEF957}" destId="{B68FF426-7EA2-413F-A5F6-688D66303E34}" srcOrd="1" destOrd="0" presId="urn:microsoft.com/office/officeart/2008/layout/CaptionedPictures"/>
+    <dgm:cxn modelId="{8BE243CF-B7EC-46E4-B192-C40B0813DFC7}" type="presParOf" srcId="{310DE1E4-2AC2-4C79-8CC1-00A83BCEF957}" destId="{9843596A-B473-4176-851F-E9A682384D30}" srcOrd="2" destOrd="0" presId="urn:microsoft.com/office/officeart/2008/layout/CaptionedPictures"/>
+    <dgm:cxn modelId="{1AF9B728-EE12-47BF-82A7-164C86278FCB}" type="presParOf" srcId="{9843596A-B473-4176-851F-E9A682384D30}" destId="{DD24333B-B6A3-4C85-A464-A4BC7B460B0E}" srcOrd="0" destOrd="0" presId="urn:microsoft.com/office/officeart/2008/layout/CaptionedPictures"/>
+    <dgm:cxn modelId="{975EA36D-B5C8-44B5-98ED-6AE59AA9A1EF}" type="presParOf" srcId="{9843596A-B473-4176-851F-E9A682384D30}" destId="{0D807B5A-6069-4193-9921-68B6C5856691}" srcOrd="1" destOrd="0" presId="urn:microsoft.com/office/officeart/2008/layout/CaptionedPictures"/>
+    <dgm:cxn modelId="{433B2761-60B6-4A57-AEDD-508EAD05B5D0}" type="presParOf" srcId="{4AC48EA6-ABA9-4EDD-941C-06AB9A130202}" destId="{D282564E-9C40-4817-8BF9-25B8CFC3E572}" srcOrd="7" destOrd="0" presId="urn:microsoft.com/office/officeart/2008/layout/CaptionedPictures"/>
+    <dgm:cxn modelId="{B9887D02-0245-44AC-9A3B-F6DC9B23A894}" type="presParOf" srcId="{4AC48EA6-ABA9-4EDD-941C-06AB9A130202}" destId="{26D8A12D-4E0B-4140-998F-FE29D80CB224}" srcOrd="8" destOrd="0" presId="urn:microsoft.com/office/officeart/2008/layout/CaptionedPictures"/>
+    <dgm:cxn modelId="{503864AB-431E-47AB-A689-BB887A3A2BA0}" type="presParOf" srcId="{26D8A12D-4E0B-4140-998F-FE29D80CB224}" destId="{C3DC016E-5B69-4B4F-907A-343571AB5864}" srcOrd="0" destOrd="0" presId="urn:microsoft.com/office/officeart/2008/layout/CaptionedPictures"/>
+    <dgm:cxn modelId="{73FF1B3B-2862-4DC0-B487-76AED50FE640}" type="presParOf" srcId="{26D8A12D-4E0B-4140-998F-FE29D80CB224}" destId="{3C11F496-E3FA-45A3-8D9F-1EB752CF27FC}" srcOrd="1" destOrd="0" presId="urn:microsoft.com/office/officeart/2008/layout/CaptionedPictures"/>
+    <dgm:cxn modelId="{4DCA4890-CA3A-4A9E-A6B8-3A9A49F7D824}" type="presParOf" srcId="{26D8A12D-4E0B-4140-998F-FE29D80CB224}" destId="{D4391C14-CD50-430F-B9F9-DA0EC3ABB6AA}" srcOrd="2" destOrd="0" presId="urn:microsoft.com/office/officeart/2008/layout/CaptionedPictures"/>
+    <dgm:cxn modelId="{94759619-EFDB-4B36-89C8-6F64FD8EBA08}" type="presParOf" srcId="{D4391C14-CD50-430F-B9F9-DA0EC3ABB6AA}" destId="{B66207E5-77D2-4551-87AE-250EC80F8448}" srcOrd="0" destOrd="0" presId="urn:microsoft.com/office/officeart/2008/layout/CaptionedPictures"/>
+    <dgm:cxn modelId="{124F8987-1DDA-463E-B70B-ADA6C4D994C6}" type="presParOf" srcId="{D4391C14-CD50-430F-B9F9-DA0EC3ABB6AA}" destId="{699921F9-D6ED-4B3F-91BB-A401E6A93E7A}" srcOrd="1" destOrd="0" presId="urn:microsoft.com/office/officeart/2008/layout/CaptionedPictures"/>
+    <dgm:cxn modelId="{EA590F98-6E90-46A3-BD13-8823DB3A293A}" type="presParOf" srcId="{4AC48EA6-ABA9-4EDD-941C-06AB9A130202}" destId="{C743BFF3-27BC-4002-A419-6B55EA6099BB}" srcOrd="9" destOrd="0" presId="urn:microsoft.com/office/officeart/2008/layout/CaptionedPictures"/>
+    <dgm:cxn modelId="{F61FD94C-3211-4BAB-9EBF-323B1DD36662}" type="presParOf" srcId="{4AC48EA6-ABA9-4EDD-941C-06AB9A130202}" destId="{37CEF9AA-A661-4E09-B254-3A1219873522}" srcOrd="10" destOrd="0" presId="urn:microsoft.com/office/officeart/2008/layout/CaptionedPictures"/>
+    <dgm:cxn modelId="{0E667032-8E22-418D-90C5-60F6118E4AA1}" type="presParOf" srcId="{37CEF9AA-A661-4E09-B254-3A1219873522}" destId="{50CFA79D-E9D1-401B-A51A-D273B51DEC66}" srcOrd="0" destOrd="0" presId="urn:microsoft.com/office/officeart/2008/layout/CaptionedPictures"/>
+    <dgm:cxn modelId="{D0AD2F9F-0592-49BA-A2ED-DB61608EAC6A}" type="presParOf" srcId="{37CEF9AA-A661-4E09-B254-3A1219873522}" destId="{FA22FFAB-63FC-4E75-B764-B154CFA52A25}" srcOrd="1" destOrd="0" presId="urn:microsoft.com/office/officeart/2008/layout/CaptionedPictures"/>
+    <dgm:cxn modelId="{0059E3E0-2C27-4E25-9070-AA6D8F56CF16}" type="presParOf" srcId="{37CEF9AA-A661-4E09-B254-3A1219873522}" destId="{49B4E09B-EFF5-49B2-8CA8-DFEAB5B4A017}" srcOrd="2" destOrd="0" presId="urn:microsoft.com/office/officeart/2008/layout/CaptionedPictures"/>
+    <dgm:cxn modelId="{CAD9C26C-7441-4469-A97A-F79700BCA771}" type="presParOf" srcId="{49B4E09B-EFF5-49B2-8CA8-DFEAB5B4A017}" destId="{41DFEF76-6E9F-495B-881C-582867A02EBA}" srcOrd="0" destOrd="0" presId="urn:microsoft.com/office/officeart/2008/layout/CaptionedPictures"/>
+    <dgm:cxn modelId="{745F03E1-AA7C-44C1-98B4-F2BAFF597023}" type="presParOf" srcId="{49B4E09B-EFF5-49B2-8CA8-DFEAB5B4A017}" destId="{055FFAE5-2DE3-4901-B83D-DE4A7A5FA988}" srcOrd="1" destOrd="0" presId="urn:microsoft.com/office/officeart/2008/layout/CaptionedPictures"/>
+    <dgm:cxn modelId="{0C2A3E93-7DC1-4CCF-8ECB-C8DFB82C43DF}" type="presParOf" srcId="{4AC48EA6-ABA9-4EDD-941C-06AB9A130202}" destId="{266B5920-859D-4646-8164-8EFFA2AA40F8}" srcOrd="11" destOrd="0" presId="urn:microsoft.com/office/officeart/2008/layout/CaptionedPictures"/>
+    <dgm:cxn modelId="{7BD83A2C-C905-442D-8041-3AAFABAD1D37}" type="presParOf" srcId="{4AC48EA6-ABA9-4EDD-941C-06AB9A130202}" destId="{878BD112-F8AA-4005-B81C-C64E5DCE3C4D}" srcOrd="12" destOrd="0" presId="urn:microsoft.com/office/officeart/2008/layout/CaptionedPictures"/>
+    <dgm:cxn modelId="{0AB30427-9B2C-49E0-BFCF-BC6540C98E73}" type="presParOf" srcId="{878BD112-F8AA-4005-B81C-C64E5DCE3C4D}" destId="{02803E7F-52D7-4DEC-AA86-733EF91C0A05}" srcOrd="0" destOrd="0" presId="urn:microsoft.com/office/officeart/2008/layout/CaptionedPictures"/>
+    <dgm:cxn modelId="{BF996091-77B6-4F54-B151-61B28D279195}" type="presParOf" srcId="{878BD112-F8AA-4005-B81C-C64E5DCE3C4D}" destId="{753F319B-A25E-4636-AF28-7317B7017DE1}" srcOrd="1" destOrd="0" presId="urn:microsoft.com/office/officeart/2008/layout/CaptionedPictures"/>
+    <dgm:cxn modelId="{4C2B9DA5-07B9-4B53-97E7-6050C78720DF}" type="presParOf" srcId="{878BD112-F8AA-4005-B81C-C64E5DCE3C4D}" destId="{D91799FD-2E4C-4CB2-B485-41D0071E9A2F}" srcOrd="2" destOrd="0" presId="urn:microsoft.com/office/officeart/2008/layout/CaptionedPictures"/>
+    <dgm:cxn modelId="{DE325F3B-BA17-4119-AE11-C0F5123F1093}" type="presParOf" srcId="{D91799FD-2E4C-4CB2-B485-41D0071E9A2F}" destId="{77CEDFE4-066F-4C56-9D87-451143D3FAC4}" srcOrd="0" destOrd="0" presId="urn:microsoft.com/office/officeart/2008/layout/CaptionedPictures"/>
+    <dgm:cxn modelId="{A413480E-2647-406B-8AE3-8E9AA063B09C}" type="presParOf" srcId="{D91799FD-2E4C-4CB2-B485-41D0071E9A2F}" destId="{616BD92D-F8C8-4549-A742-4A1AC190534F}" srcOrd="1" destOrd="0" presId="urn:microsoft.com/office/officeart/2008/layout/CaptionedPictures"/>
+    <dgm:cxn modelId="{BF54E2F4-605B-4010-9584-FED272323A82}" type="presParOf" srcId="{4AC48EA6-ABA9-4EDD-941C-06AB9A130202}" destId="{7C9DE6F2-EF33-4FFD-8BF3-23AEDA6091AB}" srcOrd="13" destOrd="0" presId="urn:microsoft.com/office/officeart/2008/layout/CaptionedPictures"/>
+    <dgm:cxn modelId="{2502577F-E6E6-43C4-B2F8-2D2360213FF0}" type="presParOf" srcId="{4AC48EA6-ABA9-4EDD-941C-06AB9A130202}" destId="{3DA679B2-A79E-4350-8974-82731A1EA541}" srcOrd="14" destOrd="0" presId="urn:microsoft.com/office/officeart/2008/layout/CaptionedPictures"/>
+    <dgm:cxn modelId="{17C2BDD5-4198-41CB-9DC1-4C37CC09D42F}" type="presParOf" srcId="{3DA679B2-A79E-4350-8974-82731A1EA541}" destId="{1E604A9F-ABE2-48C4-B7C7-EECA678A9097}" srcOrd="0" destOrd="0" presId="urn:microsoft.com/office/officeart/2008/layout/CaptionedPictures"/>
+    <dgm:cxn modelId="{DDDBEC1B-6755-4BEB-9658-1767588DBC23}" type="presParOf" srcId="{3DA679B2-A79E-4350-8974-82731A1EA541}" destId="{5B408CD3-3AE7-474D-9D8B-B7866505454E}" srcOrd="1" destOrd="0" presId="urn:microsoft.com/office/officeart/2008/layout/CaptionedPictures"/>
+    <dgm:cxn modelId="{06D8E5C3-BFFC-43E8-B8E0-322678427214}" type="presParOf" srcId="{3DA679B2-A79E-4350-8974-82731A1EA541}" destId="{9E46158F-EB5D-44CB-959D-A91109D2323F}" srcOrd="2" destOrd="0" presId="urn:microsoft.com/office/officeart/2008/layout/CaptionedPictures"/>
+    <dgm:cxn modelId="{6C7D66E6-AEA7-4640-A23E-10903FD84B8A}" type="presParOf" srcId="{9E46158F-EB5D-44CB-959D-A91109D2323F}" destId="{B32F1C2F-09CD-44BC-BF17-CBB54B1D5D2B}" srcOrd="0" destOrd="0" presId="urn:microsoft.com/office/officeart/2008/layout/CaptionedPictures"/>
+    <dgm:cxn modelId="{E0BEC2C5-D155-4782-9A1D-2F4276EF89A5}" type="presParOf" srcId="{9E46158F-EB5D-44CB-959D-A91109D2323F}" destId="{AECB9781-148B-4043-9016-8C1FD8007A30}" srcOrd="1" destOrd="0" presId="urn:microsoft.com/office/officeart/2008/layout/CaptionedPictures"/>
   </dgm:cxnLst>
   <dgm:bg/>
   <dgm:whole/>
@@ -2907,6 +4668,1290 @@
 </dsp:drawing>
 </file>
 
+<file path=ppt/diagrams/drawing3.xml><?xml version="1.0" encoding="utf-8"?>
+<dsp:drawing xmlns:dgm="http://schemas.openxmlformats.org/drawingml/2006/diagram" xmlns:dsp="http://schemas.microsoft.com/office/drawing/2008/diagram" xmlns:a="http://schemas.openxmlformats.org/drawingml/2006/main">
+  <dsp:spTree>
+    <dsp:nvGrpSpPr>
+      <dsp:cNvPr id="0" name=""/>
+      <dsp:cNvGrpSpPr/>
+    </dsp:nvGrpSpPr>
+    <dsp:grpSpPr/>
+    <dsp:sp modelId="{7243B26A-ABC7-40E9-8B6B-B04DBABBDB68}">
+      <dsp:nvSpPr>
+        <dsp:cNvPr id="0" name=""/>
+        <dsp:cNvSpPr/>
+      </dsp:nvSpPr>
+      <dsp:spPr>
+        <a:xfrm>
+          <a:off x="882" y="384947"/>
+          <a:ext cx="1079565" cy="1270077"/>
+        </a:xfrm>
+        <a:prstGeom prst="rect">
+          <a:avLst/>
+        </a:prstGeom>
+        <a:solidFill>
+          <a:schemeClr val="lt1">
+            <a:alpha val="40000"/>
+            <a:hueOff val="0"/>
+            <a:satOff val="0"/>
+            <a:lumOff val="0"/>
+            <a:alphaOff val="0"/>
+          </a:schemeClr>
+        </a:solidFill>
+        <a:ln w="28575" cap="flat" cmpd="sng" algn="ctr">
+          <a:solidFill>
+            <a:srgbClr val="252F3E"/>
+          </a:solidFill>
+          <a:prstDash val="solid"/>
+          <a:miter lim="800000"/>
+        </a:ln>
+        <a:effectLst/>
+      </dsp:spPr>
+      <dsp:style>
+        <a:lnRef idx="1">
+          <a:scrgbClr r="0" g="0" b="0"/>
+        </a:lnRef>
+        <a:fillRef idx="1">
+          <a:scrgbClr r="0" g="0" b="0"/>
+        </a:fillRef>
+        <a:effectRef idx="0">
+          <a:scrgbClr r="0" g="0" b="0"/>
+        </a:effectRef>
+        <a:fontRef idx="minor"/>
+      </dsp:style>
+    </dsp:sp>
+    <dsp:sp modelId="{18E61B75-F251-4044-BDF5-94EAA84DBA9A}">
+      <dsp:nvSpPr>
+        <dsp:cNvPr id="0" name=""/>
+        <dsp:cNvSpPr/>
+      </dsp:nvSpPr>
+      <dsp:spPr>
+        <a:xfrm>
+          <a:off x="54860" y="451627"/>
+          <a:ext cx="971609" cy="825550"/>
+        </a:xfrm>
+        <a:prstGeom prst="rect">
+          <a:avLst/>
+        </a:prstGeom>
+        <a:blipFill>
+          <a:blip xmlns:r="http://schemas.openxmlformats.org/officeDocument/2006/relationships" r:embed="rId1">
+            <a:extLst>
+              <a:ext uri="{28A0092B-C50C-407E-A947-70E740481C1C}">
+                <a14:useLocalDpi xmlns:a14="http://schemas.microsoft.com/office/drawing/2010/main" val="0"/>
+              </a:ext>
+            </a:extLst>
+          </a:blip>
+          <a:srcRect/>
+          <a:stretch>
+            <a:fillRect t="-9000" b="-9000"/>
+          </a:stretch>
+        </a:blipFill>
+        <a:ln w="12700" cap="flat" cmpd="sng" algn="ctr">
+          <a:solidFill>
+            <a:schemeClr val="lt1">
+              <a:hueOff val="0"/>
+              <a:satOff val="0"/>
+              <a:lumOff val="0"/>
+              <a:alphaOff val="0"/>
+            </a:schemeClr>
+          </a:solidFill>
+          <a:prstDash val="solid"/>
+          <a:miter lim="800000"/>
+        </a:ln>
+        <a:effectLst/>
+      </dsp:spPr>
+      <dsp:style>
+        <a:lnRef idx="2">
+          <a:scrgbClr r="0" g="0" b="0"/>
+        </a:lnRef>
+        <a:fillRef idx="1">
+          <a:scrgbClr r="0" g="0" b="0"/>
+        </a:fillRef>
+        <a:effectRef idx="0">
+          <a:scrgbClr r="0" g="0" b="0"/>
+        </a:effectRef>
+        <a:fontRef idx="minor"/>
+      </dsp:style>
+    </dsp:sp>
+    <dsp:sp modelId="{9498B362-23AB-4522-812D-3E6F44378514}">
+      <dsp:nvSpPr>
+        <dsp:cNvPr id="0" name=""/>
+        <dsp:cNvSpPr/>
+      </dsp:nvSpPr>
+      <dsp:spPr>
+        <a:xfrm>
+          <a:off x="54860" y="1277177"/>
+          <a:ext cx="971609" cy="342920"/>
+        </a:xfrm>
+        <a:prstGeom prst="rect">
+          <a:avLst/>
+        </a:prstGeom>
+        <a:noFill/>
+        <a:ln>
+          <a:noFill/>
+        </a:ln>
+        <a:effectLst/>
+      </dsp:spPr>
+      <dsp:style>
+        <a:lnRef idx="0">
+          <a:scrgbClr r="0" g="0" b="0"/>
+        </a:lnRef>
+        <a:fillRef idx="0">
+          <a:scrgbClr r="0" g="0" b="0"/>
+        </a:fillRef>
+        <a:effectRef idx="0">
+          <a:scrgbClr r="0" g="0" b="0"/>
+        </a:effectRef>
+        <a:fontRef idx="minor"/>
+      </dsp:style>
+      <dsp:txBody>
+        <a:bodyPr spcFirstLastPara="0" vert="horz" wrap="square" lIns="45720" tIns="45720" rIns="45720" bIns="45720" numCol="1" spcCol="1270" anchor="ctr" anchorCtr="0">
+          <a:noAutofit/>
+        </a:bodyPr>
+        <a:lstStyle/>
+        <a:p>
+          <a:pPr marL="0" lvl="0" indent="0" algn="ctr" defTabSz="533400">
+            <a:lnSpc>
+              <a:spcPct val="90000"/>
+            </a:lnSpc>
+            <a:spcBef>
+              <a:spcPct val="0"/>
+            </a:spcBef>
+            <a:spcAft>
+              <a:spcPct val="35000"/>
+            </a:spcAft>
+            <a:buNone/>
+          </a:pPr>
+          <a:r>
+            <a:rPr lang="de-DE" sz="1200" kern="1200" dirty="0">
+              <a:latin typeface="Consolas" panose="020B0609020204030204" pitchFamily="49" charset="0"/>
+            </a:rPr>
+            <a:t>.NET</a:t>
+          </a:r>
+        </a:p>
+      </dsp:txBody>
+      <dsp:txXfrm>
+        <a:off x="54860" y="1277177"/>
+        <a:ext cx="971609" cy="342920"/>
+      </dsp:txXfrm>
+    </dsp:sp>
+    <dsp:sp modelId="{5DC6D08A-1D14-47B4-8BD4-14A7CD7693E2}">
+      <dsp:nvSpPr>
+        <dsp:cNvPr id="0" name=""/>
+        <dsp:cNvSpPr/>
+      </dsp:nvSpPr>
+      <dsp:spPr>
+        <a:xfrm>
+          <a:off x="1259243" y="384947"/>
+          <a:ext cx="1079565" cy="1270077"/>
+        </a:xfrm>
+        <a:prstGeom prst="rect">
+          <a:avLst/>
+        </a:prstGeom>
+        <a:solidFill>
+          <a:schemeClr val="lt1">
+            <a:alpha val="40000"/>
+            <a:hueOff val="0"/>
+            <a:satOff val="0"/>
+            <a:lumOff val="0"/>
+            <a:alphaOff val="0"/>
+          </a:schemeClr>
+        </a:solidFill>
+        <a:ln w="28575" cap="flat" cmpd="sng" algn="ctr">
+          <a:solidFill>
+            <a:srgbClr val="252F3E"/>
+          </a:solidFill>
+          <a:prstDash val="solid"/>
+          <a:miter lim="800000"/>
+        </a:ln>
+        <a:effectLst/>
+      </dsp:spPr>
+      <dsp:style>
+        <a:lnRef idx="1">
+          <a:scrgbClr r="0" g="0" b="0"/>
+        </a:lnRef>
+        <a:fillRef idx="1">
+          <a:scrgbClr r="0" g="0" b="0"/>
+        </a:fillRef>
+        <a:effectRef idx="0">
+          <a:scrgbClr r="0" g="0" b="0"/>
+        </a:effectRef>
+        <a:fontRef idx="minor"/>
+      </dsp:style>
+    </dsp:sp>
+    <dsp:sp modelId="{03D31855-E76A-4A4C-80B9-D64FD00E5F93}">
+      <dsp:nvSpPr>
+        <dsp:cNvPr id="0" name=""/>
+        <dsp:cNvSpPr/>
+      </dsp:nvSpPr>
+      <dsp:spPr>
+        <a:xfrm>
+          <a:off x="1313222" y="451627"/>
+          <a:ext cx="971609" cy="825550"/>
+        </a:xfrm>
+        <a:prstGeom prst="rect">
+          <a:avLst/>
+        </a:prstGeom>
+        <a:blipFill dpi="0" rotWithShape="1">
+          <a:blip xmlns:r="http://schemas.openxmlformats.org/officeDocument/2006/relationships" r:embed="rId2">
+            <a:extLst>
+              <a:ext uri="{28A0092B-C50C-407E-A947-70E740481C1C}">
+                <a14:useLocalDpi xmlns:a14="http://schemas.microsoft.com/office/drawing/2010/main" val="0"/>
+              </a:ext>
+            </a:extLst>
+          </a:blip>
+          <a:srcRect/>
+          <a:stretch>
+            <a:fillRect l="6179" t="-15145" r="6179" b="-15145"/>
+          </a:stretch>
+        </a:blipFill>
+        <a:ln w="12700" cap="flat" cmpd="sng" algn="ctr">
+          <a:solidFill>
+            <a:schemeClr val="lt1">
+              <a:hueOff val="0"/>
+              <a:satOff val="0"/>
+              <a:lumOff val="0"/>
+              <a:alphaOff val="0"/>
+            </a:schemeClr>
+          </a:solidFill>
+          <a:prstDash val="solid"/>
+          <a:miter lim="800000"/>
+        </a:ln>
+        <a:effectLst/>
+      </dsp:spPr>
+      <dsp:style>
+        <a:lnRef idx="2">
+          <a:scrgbClr r="0" g="0" b="0"/>
+        </a:lnRef>
+        <a:fillRef idx="1">
+          <a:scrgbClr r="0" g="0" b="0"/>
+        </a:fillRef>
+        <a:effectRef idx="0">
+          <a:scrgbClr r="0" g="0" b="0"/>
+        </a:effectRef>
+        <a:fontRef idx="minor"/>
+      </dsp:style>
+    </dsp:sp>
+    <dsp:sp modelId="{E398778F-57F4-4102-81D6-C6BEF381D8FF}">
+      <dsp:nvSpPr>
+        <dsp:cNvPr id="0" name=""/>
+        <dsp:cNvSpPr/>
+      </dsp:nvSpPr>
+      <dsp:spPr>
+        <a:xfrm>
+          <a:off x="1313222" y="1277177"/>
+          <a:ext cx="971609" cy="342920"/>
+        </a:xfrm>
+        <a:prstGeom prst="rect">
+          <a:avLst/>
+        </a:prstGeom>
+        <a:noFill/>
+        <a:ln>
+          <a:noFill/>
+        </a:ln>
+        <a:effectLst/>
+      </dsp:spPr>
+      <dsp:style>
+        <a:lnRef idx="0">
+          <a:scrgbClr r="0" g="0" b="0"/>
+        </a:lnRef>
+        <a:fillRef idx="0">
+          <a:scrgbClr r="0" g="0" b="0"/>
+        </a:fillRef>
+        <a:effectRef idx="0">
+          <a:scrgbClr r="0" g="0" b="0"/>
+        </a:effectRef>
+        <a:fontRef idx="minor"/>
+      </dsp:style>
+      <dsp:txBody>
+        <a:bodyPr spcFirstLastPara="0" vert="horz" wrap="square" lIns="45720" tIns="45720" rIns="45720" bIns="45720" numCol="1" spcCol="1270" anchor="ctr" anchorCtr="0">
+          <a:noAutofit/>
+        </a:bodyPr>
+        <a:lstStyle/>
+        <a:p>
+          <a:pPr marL="0" lvl="0" indent="0" algn="ctr" defTabSz="533400">
+            <a:lnSpc>
+              <a:spcPct val="90000"/>
+            </a:lnSpc>
+            <a:spcBef>
+              <a:spcPct val="0"/>
+            </a:spcBef>
+            <a:spcAft>
+              <a:spcPct val="35000"/>
+            </a:spcAft>
+            <a:buNone/>
+          </a:pPr>
+          <a:r>
+            <a:rPr lang="de-DE" sz="1200" kern="1200" dirty="0">
+              <a:latin typeface="Consolas" panose="020B0609020204030204" pitchFamily="49" charset="0"/>
+            </a:rPr>
+            <a:t>C++</a:t>
+          </a:r>
+        </a:p>
+      </dsp:txBody>
+      <dsp:txXfrm>
+        <a:off x="1313222" y="1277177"/>
+        <a:ext cx="971609" cy="342920"/>
+      </dsp:txXfrm>
+    </dsp:sp>
+    <dsp:sp modelId="{E013D67B-D912-42B0-802F-58BA75A4CF80}">
+      <dsp:nvSpPr>
+        <dsp:cNvPr id="0" name=""/>
+        <dsp:cNvSpPr/>
+      </dsp:nvSpPr>
+      <dsp:spPr>
+        <a:xfrm>
+          <a:off x="2517605" y="400823"/>
+          <a:ext cx="1079565" cy="1270077"/>
+        </a:xfrm>
+        <a:prstGeom prst="rect">
+          <a:avLst/>
+        </a:prstGeom>
+        <a:solidFill>
+          <a:schemeClr val="lt1">
+            <a:alpha val="40000"/>
+            <a:hueOff val="0"/>
+            <a:satOff val="0"/>
+            <a:lumOff val="0"/>
+            <a:alphaOff val="0"/>
+          </a:schemeClr>
+        </a:solidFill>
+        <a:ln w="28575" cap="flat" cmpd="sng" algn="ctr">
+          <a:solidFill>
+            <a:srgbClr val="252F3E"/>
+          </a:solidFill>
+          <a:prstDash val="solid"/>
+          <a:miter lim="800000"/>
+        </a:ln>
+        <a:effectLst/>
+      </dsp:spPr>
+      <dsp:style>
+        <a:lnRef idx="1">
+          <a:scrgbClr r="0" g="0" b="0"/>
+        </a:lnRef>
+        <a:fillRef idx="1">
+          <a:scrgbClr r="0" g="0" b="0"/>
+        </a:fillRef>
+        <a:effectRef idx="0">
+          <a:scrgbClr r="0" g="0" b="0"/>
+        </a:effectRef>
+        <a:fontRef idx="minor"/>
+      </dsp:style>
+    </dsp:sp>
+    <dsp:sp modelId="{BA25C612-DE83-492E-9D22-049EB2B57CB0}">
+      <dsp:nvSpPr>
+        <dsp:cNvPr id="0" name=""/>
+        <dsp:cNvSpPr/>
+      </dsp:nvSpPr>
+      <dsp:spPr>
+        <a:xfrm>
+          <a:off x="2571583" y="451627"/>
+          <a:ext cx="971609" cy="825550"/>
+        </a:xfrm>
+        <a:prstGeom prst="rect">
+          <a:avLst/>
+        </a:prstGeom>
+        <a:blipFill dpi="0" rotWithShape="1">
+          <a:blip xmlns:r="http://schemas.openxmlformats.org/officeDocument/2006/relationships" r:embed="rId3">
+            <a:extLst>
+              <a:ext uri="{28A0092B-C50C-407E-A947-70E740481C1C}">
+                <a14:useLocalDpi xmlns:a14="http://schemas.microsoft.com/office/drawing/2010/main" val="0"/>
+              </a:ext>
+            </a:extLst>
+          </a:blip>
+          <a:srcRect/>
+          <a:stretch>
+            <a:fillRect l="3873" t="25571" r="3873" b="25571"/>
+          </a:stretch>
+        </a:blipFill>
+        <a:ln w="12700" cap="flat" cmpd="sng" algn="ctr">
+          <a:solidFill>
+            <a:schemeClr val="lt1">
+              <a:hueOff val="0"/>
+              <a:satOff val="0"/>
+              <a:lumOff val="0"/>
+              <a:alphaOff val="0"/>
+            </a:schemeClr>
+          </a:solidFill>
+          <a:prstDash val="solid"/>
+          <a:miter lim="800000"/>
+        </a:ln>
+        <a:effectLst/>
+      </dsp:spPr>
+      <dsp:style>
+        <a:lnRef idx="2">
+          <a:scrgbClr r="0" g="0" b="0"/>
+        </a:lnRef>
+        <a:fillRef idx="1">
+          <a:scrgbClr r="0" g="0" b="0"/>
+        </a:fillRef>
+        <a:effectRef idx="0">
+          <a:scrgbClr r="0" g="0" b="0"/>
+        </a:effectRef>
+        <a:fontRef idx="minor"/>
+      </dsp:style>
+    </dsp:sp>
+    <dsp:sp modelId="{EF946171-FF3D-426C-ABF6-CA1AC2750F5B}">
+      <dsp:nvSpPr>
+        <dsp:cNvPr id="0" name=""/>
+        <dsp:cNvSpPr/>
+      </dsp:nvSpPr>
+      <dsp:spPr>
+        <a:xfrm>
+          <a:off x="2571583" y="1277177"/>
+          <a:ext cx="971609" cy="342920"/>
+        </a:xfrm>
+        <a:prstGeom prst="rect">
+          <a:avLst/>
+        </a:prstGeom>
+        <a:noFill/>
+        <a:ln>
+          <a:noFill/>
+        </a:ln>
+        <a:effectLst/>
+      </dsp:spPr>
+      <dsp:style>
+        <a:lnRef idx="0">
+          <a:scrgbClr r="0" g="0" b="0"/>
+        </a:lnRef>
+        <a:fillRef idx="0">
+          <a:scrgbClr r="0" g="0" b="0"/>
+        </a:fillRef>
+        <a:effectRef idx="0">
+          <a:scrgbClr r="0" g="0" b="0"/>
+        </a:effectRef>
+        <a:fontRef idx="minor"/>
+      </dsp:style>
+      <dsp:txBody>
+        <a:bodyPr spcFirstLastPara="0" vert="horz" wrap="square" lIns="45720" tIns="45720" rIns="45720" bIns="45720" numCol="1" spcCol="1270" anchor="ctr" anchorCtr="0">
+          <a:noAutofit/>
+        </a:bodyPr>
+        <a:lstStyle/>
+        <a:p>
+          <a:pPr marL="0" lvl="0" indent="0" algn="ctr" defTabSz="533400">
+            <a:lnSpc>
+              <a:spcPct val="90000"/>
+            </a:lnSpc>
+            <a:spcBef>
+              <a:spcPct val="0"/>
+            </a:spcBef>
+            <a:spcAft>
+              <a:spcPct val="35000"/>
+            </a:spcAft>
+            <a:buNone/>
+          </a:pPr>
+          <a:r>
+            <a:rPr lang="de-DE" sz="1200" kern="1200" dirty="0">
+              <a:latin typeface="Consolas" panose="020B0609020204030204" pitchFamily="49" charset="0"/>
+            </a:rPr>
+            <a:t>Go</a:t>
+          </a:r>
+        </a:p>
+      </dsp:txBody>
+      <dsp:txXfrm>
+        <a:off x="2571583" y="1277177"/>
+        <a:ext cx="971609" cy="342920"/>
+      </dsp:txXfrm>
+    </dsp:sp>
+    <dsp:sp modelId="{EB7B4A5C-5D1B-4351-A231-2398862677F3}">
+      <dsp:nvSpPr>
+        <dsp:cNvPr id="0" name=""/>
+        <dsp:cNvSpPr/>
+      </dsp:nvSpPr>
+      <dsp:spPr>
+        <a:xfrm>
+          <a:off x="3775966" y="400823"/>
+          <a:ext cx="1079565" cy="1270077"/>
+        </a:xfrm>
+        <a:prstGeom prst="rect">
+          <a:avLst/>
+        </a:prstGeom>
+        <a:solidFill>
+          <a:schemeClr val="lt1">
+            <a:alpha val="40000"/>
+            <a:hueOff val="0"/>
+            <a:satOff val="0"/>
+            <a:lumOff val="0"/>
+            <a:alphaOff val="0"/>
+          </a:schemeClr>
+        </a:solidFill>
+        <a:ln w="28575" cap="flat" cmpd="sng" algn="ctr">
+          <a:solidFill>
+            <a:srgbClr val="252F3E"/>
+          </a:solidFill>
+          <a:prstDash val="solid"/>
+          <a:miter lim="800000"/>
+        </a:ln>
+        <a:effectLst/>
+      </dsp:spPr>
+      <dsp:style>
+        <a:lnRef idx="1">
+          <a:scrgbClr r="0" g="0" b="0"/>
+        </a:lnRef>
+        <a:fillRef idx="1">
+          <a:scrgbClr r="0" g="0" b="0"/>
+        </a:fillRef>
+        <a:effectRef idx="0">
+          <a:scrgbClr r="0" g="0" b="0"/>
+        </a:effectRef>
+        <a:fontRef idx="minor"/>
+      </dsp:style>
+    </dsp:sp>
+    <dsp:sp modelId="{B68FF426-7EA2-413F-A5F6-688D66303E34}">
+      <dsp:nvSpPr>
+        <dsp:cNvPr id="0" name=""/>
+        <dsp:cNvSpPr/>
+      </dsp:nvSpPr>
+      <dsp:spPr>
+        <a:xfrm>
+          <a:off x="3829945" y="427908"/>
+          <a:ext cx="971609" cy="825550"/>
+        </a:xfrm>
+        <a:prstGeom prst="rect">
+          <a:avLst/>
+        </a:prstGeom>
+        <a:blipFill dpi="0" rotWithShape="1">
+          <a:blip xmlns:r="http://schemas.openxmlformats.org/officeDocument/2006/relationships" r:embed="rId4">
+            <a:extLst>
+              <a:ext uri="{28A0092B-C50C-407E-A947-70E740481C1C}">
+                <a14:useLocalDpi xmlns:a14="http://schemas.microsoft.com/office/drawing/2010/main" val="0"/>
+              </a:ext>
+            </a:extLst>
+          </a:blip>
+          <a:srcRect/>
+          <a:stretch>
+            <a:fillRect l="22324" t="3855" r="22324" b="3855"/>
+          </a:stretch>
+        </a:blipFill>
+        <a:ln w="12700" cap="flat" cmpd="sng" algn="ctr">
+          <a:solidFill>
+            <a:schemeClr val="lt1">
+              <a:hueOff val="0"/>
+              <a:satOff val="0"/>
+              <a:lumOff val="0"/>
+              <a:alphaOff val="0"/>
+            </a:schemeClr>
+          </a:solidFill>
+          <a:prstDash val="solid"/>
+          <a:miter lim="800000"/>
+        </a:ln>
+        <a:effectLst/>
+      </dsp:spPr>
+      <dsp:style>
+        <a:lnRef idx="2">
+          <a:scrgbClr r="0" g="0" b="0"/>
+        </a:lnRef>
+        <a:fillRef idx="1">
+          <a:scrgbClr r="0" g="0" b="0"/>
+        </a:fillRef>
+        <a:effectRef idx="0">
+          <a:scrgbClr r="0" g="0" b="0"/>
+        </a:effectRef>
+        <a:fontRef idx="minor"/>
+      </dsp:style>
+    </dsp:sp>
+    <dsp:sp modelId="{0D807B5A-6069-4193-9921-68B6C5856691}">
+      <dsp:nvSpPr>
+        <dsp:cNvPr id="0" name=""/>
+        <dsp:cNvSpPr/>
+      </dsp:nvSpPr>
+      <dsp:spPr>
+        <a:xfrm>
+          <a:off x="3829945" y="1277177"/>
+          <a:ext cx="971609" cy="342920"/>
+        </a:xfrm>
+        <a:prstGeom prst="rect">
+          <a:avLst/>
+        </a:prstGeom>
+        <a:noFill/>
+        <a:ln>
+          <a:noFill/>
+        </a:ln>
+        <a:effectLst/>
+      </dsp:spPr>
+      <dsp:style>
+        <a:lnRef idx="0">
+          <a:scrgbClr r="0" g="0" b="0"/>
+        </a:lnRef>
+        <a:fillRef idx="0">
+          <a:scrgbClr r="0" g="0" b="0"/>
+        </a:fillRef>
+        <a:effectRef idx="0">
+          <a:scrgbClr r="0" g="0" b="0"/>
+        </a:effectRef>
+        <a:fontRef idx="minor"/>
+      </dsp:style>
+      <dsp:txBody>
+        <a:bodyPr spcFirstLastPara="0" vert="horz" wrap="square" lIns="45720" tIns="45720" rIns="45720" bIns="45720" numCol="1" spcCol="1270" anchor="ctr" anchorCtr="0">
+          <a:noAutofit/>
+        </a:bodyPr>
+        <a:lstStyle/>
+        <a:p>
+          <a:pPr marL="0" lvl="0" indent="0" algn="ctr" defTabSz="533400">
+            <a:lnSpc>
+              <a:spcPct val="90000"/>
+            </a:lnSpc>
+            <a:spcBef>
+              <a:spcPct val="0"/>
+            </a:spcBef>
+            <a:spcAft>
+              <a:spcPct val="35000"/>
+            </a:spcAft>
+            <a:buNone/>
+          </a:pPr>
+          <a:r>
+            <a:rPr lang="de-DE" sz="1200" kern="1200" dirty="0">
+              <a:latin typeface="Consolas" panose="020B0609020204030204" pitchFamily="49" charset="0"/>
+            </a:rPr>
+            <a:t>Java</a:t>
+          </a:r>
+        </a:p>
+      </dsp:txBody>
+      <dsp:txXfrm>
+        <a:off x="3829945" y="1277177"/>
+        <a:ext cx="971609" cy="342920"/>
+      </dsp:txXfrm>
+    </dsp:sp>
+    <dsp:sp modelId="{C3DC016E-5B69-4B4F-907A-343571AB5864}">
+      <dsp:nvSpPr>
+        <dsp:cNvPr id="0" name=""/>
+        <dsp:cNvSpPr/>
+      </dsp:nvSpPr>
+      <dsp:spPr>
+        <a:xfrm>
+          <a:off x="882" y="1778857"/>
+          <a:ext cx="1079565" cy="1270077"/>
+        </a:xfrm>
+        <a:prstGeom prst="rect">
+          <a:avLst/>
+        </a:prstGeom>
+        <a:solidFill>
+          <a:schemeClr val="lt1">
+            <a:alpha val="40000"/>
+            <a:hueOff val="0"/>
+            <a:satOff val="0"/>
+            <a:lumOff val="0"/>
+            <a:alphaOff val="0"/>
+          </a:schemeClr>
+        </a:solidFill>
+        <a:ln w="28575" cap="flat" cmpd="sng" algn="ctr">
+          <a:solidFill>
+            <a:srgbClr val="252F3E"/>
+          </a:solidFill>
+          <a:prstDash val="solid"/>
+          <a:miter lim="800000"/>
+        </a:ln>
+        <a:effectLst/>
+      </dsp:spPr>
+      <dsp:style>
+        <a:lnRef idx="1">
+          <a:scrgbClr r="0" g="0" b="0"/>
+        </a:lnRef>
+        <a:fillRef idx="1">
+          <a:scrgbClr r="0" g="0" b="0"/>
+        </a:fillRef>
+        <a:effectRef idx="0">
+          <a:scrgbClr r="0" g="0" b="0"/>
+        </a:effectRef>
+        <a:fontRef idx="minor"/>
+      </dsp:style>
+    </dsp:sp>
+    <dsp:sp modelId="{3C11F496-E3FA-45A3-8D9F-1EB752CF27FC}">
+      <dsp:nvSpPr>
+        <dsp:cNvPr id="0" name=""/>
+        <dsp:cNvSpPr/>
+      </dsp:nvSpPr>
+      <dsp:spPr>
+        <a:xfrm>
+          <a:off x="54860" y="1829660"/>
+          <a:ext cx="971609" cy="825550"/>
+        </a:xfrm>
+        <a:prstGeom prst="rect">
+          <a:avLst/>
+        </a:prstGeom>
+        <a:blipFill dpi="0" rotWithShape="1">
+          <a:blip xmlns:r="http://schemas.openxmlformats.org/officeDocument/2006/relationships" r:embed="rId5">
+            <a:extLst>
+              <a:ext uri="{28A0092B-C50C-407E-A947-70E740481C1C}">
+                <a14:useLocalDpi xmlns:a14="http://schemas.microsoft.com/office/drawing/2010/main" val="0"/>
+              </a:ext>
+            </a:extLst>
+          </a:blip>
+          <a:srcRect/>
+          <a:stretch>
+            <a:fillRect/>
+          </a:stretch>
+        </a:blipFill>
+        <a:ln w="12700" cap="flat" cmpd="sng" algn="ctr">
+          <a:solidFill>
+            <a:schemeClr val="lt1">
+              <a:hueOff val="0"/>
+              <a:satOff val="0"/>
+              <a:lumOff val="0"/>
+              <a:alphaOff val="0"/>
+            </a:schemeClr>
+          </a:solidFill>
+          <a:prstDash val="solid"/>
+          <a:miter lim="800000"/>
+        </a:ln>
+        <a:effectLst/>
+      </dsp:spPr>
+      <dsp:style>
+        <a:lnRef idx="2">
+          <a:scrgbClr r="0" g="0" b="0"/>
+        </a:lnRef>
+        <a:fillRef idx="1">
+          <a:scrgbClr r="0" g="0" b="0"/>
+        </a:fillRef>
+        <a:effectRef idx="0">
+          <a:scrgbClr r="0" g="0" b="0"/>
+        </a:effectRef>
+        <a:fontRef idx="minor"/>
+      </dsp:style>
+    </dsp:sp>
+    <dsp:sp modelId="{699921F9-D6ED-4B3F-91BB-A401E6A93E7A}">
+      <dsp:nvSpPr>
+        <dsp:cNvPr id="0" name=""/>
+        <dsp:cNvSpPr/>
+      </dsp:nvSpPr>
+      <dsp:spPr>
+        <a:xfrm>
+          <a:off x="54860" y="2655211"/>
+          <a:ext cx="971609" cy="342920"/>
+        </a:xfrm>
+        <a:prstGeom prst="rect">
+          <a:avLst/>
+        </a:prstGeom>
+        <a:noFill/>
+        <a:ln>
+          <a:noFill/>
+        </a:ln>
+        <a:effectLst/>
+      </dsp:spPr>
+      <dsp:style>
+        <a:lnRef idx="0">
+          <a:scrgbClr r="0" g="0" b="0"/>
+        </a:lnRef>
+        <a:fillRef idx="0">
+          <a:scrgbClr r="0" g="0" b="0"/>
+        </a:fillRef>
+        <a:effectRef idx="0">
+          <a:scrgbClr r="0" g="0" b="0"/>
+        </a:effectRef>
+        <a:fontRef idx="minor"/>
+      </dsp:style>
+      <dsp:txBody>
+        <a:bodyPr spcFirstLastPara="0" vert="horz" wrap="square" lIns="45720" tIns="45720" rIns="45720" bIns="45720" numCol="1" spcCol="1270" anchor="ctr" anchorCtr="0">
+          <a:noAutofit/>
+        </a:bodyPr>
+        <a:lstStyle/>
+        <a:p>
+          <a:pPr marL="0" lvl="0" indent="0" algn="ctr" defTabSz="533400">
+            <a:lnSpc>
+              <a:spcPct val="90000"/>
+            </a:lnSpc>
+            <a:spcBef>
+              <a:spcPct val="0"/>
+            </a:spcBef>
+            <a:spcAft>
+              <a:spcPct val="35000"/>
+            </a:spcAft>
+            <a:buNone/>
+          </a:pPr>
+          <a:r>
+            <a:rPr lang="de-DE" sz="1200" kern="1200" dirty="0">
+              <a:latin typeface="Consolas" panose="020B0609020204030204" pitchFamily="49" charset="0"/>
+            </a:rPr>
+            <a:t>JavaScript</a:t>
+          </a:r>
+        </a:p>
+      </dsp:txBody>
+      <dsp:txXfrm>
+        <a:off x="54860" y="2655211"/>
+        <a:ext cx="971609" cy="342920"/>
+      </dsp:txXfrm>
+    </dsp:sp>
+    <dsp:sp modelId="{50CFA79D-E9D1-401B-A51A-D273B51DEC66}">
+      <dsp:nvSpPr>
+        <dsp:cNvPr id="0" name=""/>
+        <dsp:cNvSpPr/>
+      </dsp:nvSpPr>
+      <dsp:spPr>
+        <a:xfrm>
+          <a:off x="1259243" y="1778857"/>
+          <a:ext cx="1079565" cy="1270077"/>
+        </a:xfrm>
+        <a:prstGeom prst="rect">
+          <a:avLst/>
+        </a:prstGeom>
+        <a:solidFill>
+          <a:schemeClr val="lt1">
+            <a:alpha val="40000"/>
+            <a:hueOff val="0"/>
+            <a:satOff val="0"/>
+            <a:lumOff val="0"/>
+            <a:alphaOff val="0"/>
+          </a:schemeClr>
+        </a:solidFill>
+        <a:ln w="28575" cap="flat" cmpd="sng" algn="ctr">
+          <a:solidFill>
+            <a:srgbClr val="252F3E"/>
+          </a:solidFill>
+          <a:prstDash val="solid"/>
+          <a:miter lim="800000"/>
+        </a:ln>
+        <a:effectLst/>
+      </dsp:spPr>
+      <dsp:style>
+        <a:lnRef idx="1">
+          <a:scrgbClr r="0" g="0" b="0"/>
+        </a:lnRef>
+        <a:fillRef idx="1">
+          <a:scrgbClr r="0" g="0" b="0"/>
+        </a:fillRef>
+        <a:effectRef idx="0">
+          <a:scrgbClr r="0" g="0" b="0"/>
+        </a:effectRef>
+        <a:fontRef idx="minor"/>
+      </dsp:style>
+    </dsp:sp>
+    <dsp:sp modelId="{FA22FFAB-63FC-4E75-B764-B154CFA52A25}">
+      <dsp:nvSpPr>
+        <dsp:cNvPr id="0" name=""/>
+        <dsp:cNvSpPr/>
+      </dsp:nvSpPr>
+      <dsp:spPr>
+        <a:xfrm>
+          <a:off x="1313222" y="1829660"/>
+          <a:ext cx="971609" cy="825550"/>
+        </a:xfrm>
+        <a:prstGeom prst="rect">
+          <a:avLst/>
+        </a:prstGeom>
+        <a:blipFill dpi="0" rotWithShape="1">
+          <a:blip xmlns:r="http://schemas.openxmlformats.org/officeDocument/2006/relationships" r:embed="rId6">
+            <a:extLst>
+              <a:ext uri="{28A0092B-C50C-407E-A947-70E740481C1C}">
+                <a14:useLocalDpi xmlns:a14="http://schemas.microsoft.com/office/drawing/2010/main" val="0"/>
+              </a:ext>
+            </a:extLst>
+          </a:blip>
+          <a:srcRect/>
+          <a:stretch>
+            <a:fillRect t="10000" b="10000"/>
+          </a:stretch>
+        </a:blipFill>
+        <a:ln w="12700" cap="flat" cmpd="sng" algn="ctr">
+          <a:solidFill>
+            <a:schemeClr val="lt1">
+              <a:hueOff val="0"/>
+              <a:satOff val="0"/>
+              <a:lumOff val="0"/>
+              <a:alphaOff val="0"/>
+            </a:schemeClr>
+          </a:solidFill>
+          <a:prstDash val="solid"/>
+          <a:miter lim="800000"/>
+        </a:ln>
+        <a:effectLst/>
+      </dsp:spPr>
+      <dsp:style>
+        <a:lnRef idx="2">
+          <a:scrgbClr r="0" g="0" b="0"/>
+        </a:lnRef>
+        <a:fillRef idx="1">
+          <a:scrgbClr r="0" g="0" b="0"/>
+        </a:fillRef>
+        <a:effectRef idx="0">
+          <a:scrgbClr r="0" g="0" b="0"/>
+        </a:effectRef>
+        <a:fontRef idx="minor"/>
+      </dsp:style>
+    </dsp:sp>
+    <dsp:sp modelId="{055FFAE5-2DE3-4901-B83D-DE4A7A5FA988}">
+      <dsp:nvSpPr>
+        <dsp:cNvPr id="0" name=""/>
+        <dsp:cNvSpPr/>
+      </dsp:nvSpPr>
+      <dsp:spPr>
+        <a:xfrm>
+          <a:off x="1313222" y="2655211"/>
+          <a:ext cx="971609" cy="342920"/>
+        </a:xfrm>
+        <a:prstGeom prst="rect">
+          <a:avLst/>
+        </a:prstGeom>
+        <a:noFill/>
+        <a:ln>
+          <a:noFill/>
+        </a:ln>
+        <a:effectLst/>
+      </dsp:spPr>
+      <dsp:style>
+        <a:lnRef idx="0">
+          <a:scrgbClr r="0" g="0" b="0"/>
+        </a:lnRef>
+        <a:fillRef idx="0">
+          <a:scrgbClr r="0" g="0" b="0"/>
+        </a:fillRef>
+        <a:effectRef idx="0">
+          <a:scrgbClr r="0" g="0" b="0"/>
+        </a:effectRef>
+        <a:fontRef idx="minor"/>
+      </dsp:style>
+      <dsp:txBody>
+        <a:bodyPr spcFirstLastPara="0" vert="horz" wrap="square" lIns="45720" tIns="45720" rIns="45720" bIns="45720" numCol="1" spcCol="1270" anchor="ctr" anchorCtr="0">
+          <a:noAutofit/>
+        </a:bodyPr>
+        <a:lstStyle/>
+        <a:p>
+          <a:pPr marL="0" lvl="0" indent="0" algn="ctr" defTabSz="533400">
+            <a:lnSpc>
+              <a:spcPct val="90000"/>
+            </a:lnSpc>
+            <a:spcBef>
+              <a:spcPct val="0"/>
+            </a:spcBef>
+            <a:spcAft>
+              <a:spcPct val="35000"/>
+            </a:spcAft>
+            <a:buNone/>
+          </a:pPr>
+          <a:r>
+            <a:rPr lang="de-DE" sz="1200" kern="1200" dirty="0">
+              <a:latin typeface="Consolas" panose="020B0609020204030204" pitchFamily="49" charset="0"/>
+            </a:rPr>
+            <a:t>PHP3</a:t>
+          </a:r>
+        </a:p>
+      </dsp:txBody>
+      <dsp:txXfrm>
+        <a:off x="1313222" y="2655211"/>
+        <a:ext cx="971609" cy="342920"/>
+      </dsp:txXfrm>
+    </dsp:sp>
+    <dsp:sp modelId="{02803E7F-52D7-4DEC-AA86-733EF91C0A05}">
+      <dsp:nvSpPr>
+        <dsp:cNvPr id="0" name=""/>
+        <dsp:cNvSpPr/>
+      </dsp:nvSpPr>
+      <dsp:spPr>
+        <a:xfrm>
+          <a:off x="2517605" y="1778857"/>
+          <a:ext cx="1079565" cy="1270077"/>
+        </a:xfrm>
+        <a:prstGeom prst="rect">
+          <a:avLst/>
+        </a:prstGeom>
+        <a:solidFill>
+          <a:schemeClr val="lt1">
+            <a:alpha val="40000"/>
+            <a:hueOff val="0"/>
+            <a:satOff val="0"/>
+            <a:lumOff val="0"/>
+            <a:alphaOff val="0"/>
+          </a:schemeClr>
+        </a:solidFill>
+        <a:ln w="28575" cap="flat" cmpd="sng" algn="ctr">
+          <a:solidFill>
+            <a:srgbClr val="252F3E"/>
+          </a:solidFill>
+          <a:prstDash val="solid"/>
+          <a:miter lim="800000"/>
+        </a:ln>
+        <a:effectLst/>
+      </dsp:spPr>
+      <dsp:style>
+        <a:lnRef idx="1">
+          <a:scrgbClr r="0" g="0" b="0"/>
+        </a:lnRef>
+        <a:fillRef idx="1">
+          <a:scrgbClr r="0" g="0" b="0"/>
+        </a:fillRef>
+        <a:effectRef idx="0">
+          <a:scrgbClr r="0" g="0" b="0"/>
+        </a:effectRef>
+        <a:fontRef idx="minor"/>
+      </dsp:style>
+    </dsp:sp>
+    <dsp:sp modelId="{753F319B-A25E-4636-AF28-7317B7017DE1}">
+      <dsp:nvSpPr>
+        <dsp:cNvPr id="0" name=""/>
+        <dsp:cNvSpPr/>
+      </dsp:nvSpPr>
+      <dsp:spPr>
+        <a:xfrm>
+          <a:off x="2571583" y="1829660"/>
+          <a:ext cx="971609" cy="825550"/>
+        </a:xfrm>
+        <a:prstGeom prst="rect">
+          <a:avLst/>
+        </a:prstGeom>
+        <a:blipFill dpi="0" rotWithShape="1">
+          <a:blip xmlns:r="http://schemas.openxmlformats.org/officeDocument/2006/relationships" r:embed="rId7">
+            <a:extLst>
+              <a:ext uri="{28A0092B-C50C-407E-A947-70E740481C1C}">
+                <a14:useLocalDpi xmlns:a14="http://schemas.microsoft.com/office/drawing/2010/main" val="0"/>
+              </a:ext>
+            </a:extLst>
+          </a:blip>
+          <a:srcRect/>
+          <a:stretch>
+            <a:fillRect l="9000" r="9000"/>
+          </a:stretch>
+        </a:blipFill>
+        <a:ln w="12700" cap="flat" cmpd="sng" algn="ctr">
+          <a:solidFill>
+            <a:schemeClr val="lt1">
+              <a:hueOff val="0"/>
+              <a:satOff val="0"/>
+              <a:lumOff val="0"/>
+              <a:alphaOff val="0"/>
+            </a:schemeClr>
+          </a:solidFill>
+          <a:prstDash val="solid"/>
+          <a:miter lim="800000"/>
+        </a:ln>
+        <a:effectLst/>
+      </dsp:spPr>
+      <dsp:style>
+        <a:lnRef idx="2">
+          <a:scrgbClr r="0" g="0" b="0"/>
+        </a:lnRef>
+        <a:fillRef idx="1">
+          <a:scrgbClr r="0" g="0" b="0"/>
+        </a:fillRef>
+        <a:effectRef idx="0">
+          <a:scrgbClr r="0" g="0" b="0"/>
+        </a:effectRef>
+        <a:fontRef idx="minor"/>
+      </dsp:style>
+    </dsp:sp>
+    <dsp:sp modelId="{616BD92D-F8C8-4549-A742-4A1AC190534F}">
+      <dsp:nvSpPr>
+        <dsp:cNvPr id="0" name=""/>
+        <dsp:cNvSpPr/>
+      </dsp:nvSpPr>
+      <dsp:spPr>
+        <a:xfrm>
+          <a:off x="2571583" y="2655211"/>
+          <a:ext cx="971609" cy="342920"/>
+        </a:xfrm>
+        <a:prstGeom prst="rect">
+          <a:avLst/>
+        </a:prstGeom>
+        <a:noFill/>
+        <a:ln>
+          <a:noFill/>
+        </a:ln>
+        <a:effectLst/>
+      </dsp:spPr>
+      <dsp:style>
+        <a:lnRef idx="0">
+          <a:scrgbClr r="0" g="0" b="0"/>
+        </a:lnRef>
+        <a:fillRef idx="0">
+          <a:scrgbClr r="0" g="0" b="0"/>
+        </a:fillRef>
+        <a:effectRef idx="0">
+          <a:scrgbClr r="0" g="0" b="0"/>
+        </a:effectRef>
+        <a:fontRef idx="minor"/>
+      </dsp:style>
+      <dsp:txBody>
+        <a:bodyPr spcFirstLastPara="0" vert="horz" wrap="square" lIns="45720" tIns="45720" rIns="45720" bIns="45720" numCol="1" spcCol="1270" anchor="ctr" anchorCtr="0">
+          <a:noAutofit/>
+        </a:bodyPr>
+        <a:lstStyle/>
+        <a:p>
+          <a:pPr marL="0" lvl="0" indent="0" algn="ctr" defTabSz="533400">
+            <a:lnSpc>
+              <a:spcPct val="90000"/>
+            </a:lnSpc>
+            <a:spcBef>
+              <a:spcPct val="0"/>
+            </a:spcBef>
+            <a:spcAft>
+              <a:spcPct val="35000"/>
+            </a:spcAft>
+            <a:buNone/>
+          </a:pPr>
+          <a:r>
+            <a:rPr lang="de-DE" sz="1200" kern="1200" dirty="0">
+              <a:latin typeface="Consolas" panose="020B0609020204030204" pitchFamily="49" charset="0"/>
+            </a:rPr>
+            <a:t>Python</a:t>
+          </a:r>
+        </a:p>
+      </dsp:txBody>
+      <dsp:txXfrm>
+        <a:off x="2571583" y="2655211"/>
+        <a:ext cx="971609" cy="342920"/>
+      </dsp:txXfrm>
+    </dsp:sp>
+    <dsp:sp modelId="{1E604A9F-ABE2-48C4-B7C7-EECA678A9097}">
+      <dsp:nvSpPr>
+        <dsp:cNvPr id="0" name=""/>
+        <dsp:cNvSpPr/>
+      </dsp:nvSpPr>
+      <dsp:spPr>
+        <a:xfrm>
+          <a:off x="3775966" y="1778857"/>
+          <a:ext cx="1079565" cy="1270077"/>
+        </a:xfrm>
+        <a:prstGeom prst="rect">
+          <a:avLst/>
+        </a:prstGeom>
+        <a:solidFill>
+          <a:schemeClr val="lt1">
+            <a:alpha val="40000"/>
+            <a:hueOff val="0"/>
+            <a:satOff val="0"/>
+            <a:lumOff val="0"/>
+            <a:alphaOff val="0"/>
+          </a:schemeClr>
+        </a:solidFill>
+        <a:ln w="28575" cap="flat" cmpd="sng" algn="ctr">
+          <a:solidFill>
+            <a:srgbClr val="252F3E"/>
+          </a:solidFill>
+          <a:prstDash val="solid"/>
+          <a:miter lim="800000"/>
+        </a:ln>
+        <a:effectLst/>
+      </dsp:spPr>
+      <dsp:style>
+        <a:lnRef idx="1">
+          <a:scrgbClr r="0" g="0" b="0"/>
+        </a:lnRef>
+        <a:fillRef idx="1">
+          <a:scrgbClr r="0" g="0" b="0"/>
+        </a:fillRef>
+        <a:effectRef idx="0">
+          <a:scrgbClr r="0" g="0" b="0"/>
+        </a:effectRef>
+        <a:fontRef idx="minor"/>
+      </dsp:style>
+    </dsp:sp>
+    <dsp:sp modelId="{5B408CD3-3AE7-474D-9D8B-B7866505454E}">
+      <dsp:nvSpPr>
+        <dsp:cNvPr id="0" name=""/>
+        <dsp:cNvSpPr/>
+      </dsp:nvSpPr>
+      <dsp:spPr>
+        <a:xfrm>
+          <a:off x="3829945" y="1829660"/>
+          <a:ext cx="971609" cy="825550"/>
+        </a:xfrm>
+        <a:prstGeom prst="rect">
+          <a:avLst/>
+        </a:prstGeom>
+        <a:blipFill dpi="0" rotWithShape="1">
+          <a:blip xmlns:r="http://schemas.openxmlformats.org/officeDocument/2006/relationships" r:embed="rId8">
+            <a:extLst>
+              <a:ext uri="{28A0092B-C50C-407E-A947-70E740481C1C}">
+                <a14:useLocalDpi xmlns:a14="http://schemas.microsoft.com/office/drawing/2010/main" val="0"/>
+              </a:ext>
+            </a:extLst>
+          </a:blip>
+          <a:srcRect/>
+          <a:stretch>
+            <a:fillRect l="9000" r="9000"/>
+          </a:stretch>
+        </a:blipFill>
+        <a:ln w="12700" cap="flat" cmpd="sng" algn="ctr">
+          <a:solidFill>
+            <a:schemeClr val="lt1">
+              <a:hueOff val="0"/>
+              <a:satOff val="0"/>
+              <a:lumOff val="0"/>
+              <a:alphaOff val="0"/>
+            </a:schemeClr>
+          </a:solidFill>
+          <a:prstDash val="solid"/>
+          <a:miter lim="800000"/>
+        </a:ln>
+        <a:effectLst/>
+      </dsp:spPr>
+      <dsp:style>
+        <a:lnRef idx="2">
+          <a:scrgbClr r="0" g="0" b="0"/>
+        </a:lnRef>
+        <a:fillRef idx="1">
+          <a:scrgbClr r="0" g="0" b="0"/>
+        </a:fillRef>
+        <a:effectRef idx="0">
+          <a:scrgbClr r="0" g="0" b="0"/>
+        </a:effectRef>
+        <a:fontRef idx="minor"/>
+      </dsp:style>
+    </dsp:sp>
+    <dsp:sp modelId="{AECB9781-148B-4043-9016-8C1FD8007A30}">
+      <dsp:nvSpPr>
+        <dsp:cNvPr id="0" name=""/>
+        <dsp:cNvSpPr/>
+      </dsp:nvSpPr>
+      <dsp:spPr>
+        <a:xfrm>
+          <a:off x="3829945" y="2655211"/>
+          <a:ext cx="971609" cy="342920"/>
+        </a:xfrm>
+        <a:prstGeom prst="rect">
+          <a:avLst/>
+        </a:prstGeom>
+        <a:noFill/>
+        <a:ln>
+          <a:noFill/>
+        </a:ln>
+        <a:effectLst/>
+      </dsp:spPr>
+      <dsp:style>
+        <a:lnRef idx="0">
+          <a:scrgbClr r="0" g="0" b="0"/>
+        </a:lnRef>
+        <a:fillRef idx="0">
+          <a:scrgbClr r="0" g="0" b="0"/>
+        </a:fillRef>
+        <a:effectRef idx="0">
+          <a:scrgbClr r="0" g="0" b="0"/>
+        </a:effectRef>
+        <a:fontRef idx="minor"/>
+      </dsp:style>
+      <dsp:txBody>
+        <a:bodyPr spcFirstLastPara="0" vert="horz" wrap="square" lIns="45720" tIns="45720" rIns="45720" bIns="45720" numCol="1" spcCol="1270" anchor="ctr" anchorCtr="0">
+          <a:noAutofit/>
+        </a:bodyPr>
+        <a:lstStyle/>
+        <a:p>
+          <a:pPr marL="0" lvl="0" indent="0" algn="ctr" defTabSz="533400">
+            <a:lnSpc>
+              <a:spcPct val="90000"/>
+            </a:lnSpc>
+            <a:spcBef>
+              <a:spcPct val="0"/>
+            </a:spcBef>
+            <a:spcAft>
+              <a:spcPct val="35000"/>
+            </a:spcAft>
+            <a:buNone/>
+          </a:pPr>
+          <a:r>
+            <a:rPr lang="de-DE" sz="1200" kern="1200" dirty="0">
+              <a:latin typeface="Consolas" panose="020B0609020204030204" pitchFamily="49" charset="0"/>
+            </a:rPr>
+            <a:t>Ruby 3</a:t>
+          </a:r>
+        </a:p>
+      </dsp:txBody>
+      <dsp:txXfrm>
+        <a:off x="3829945" y="2655211"/>
+        <a:ext cx="971609" cy="342920"/>
+      </dsp:txXfrm>
+    </dsp:sp>
+  </dsp:spTree>
+</dsp:drawing>
+</file>
+
 <file path=ppt/diagrams/layout1.xml><?xml version="1.0" encoding="utf-8"?>
 <dgm:layoutDef xmlns:dgm="http://schemas.openxmlformats.org/drawingml/2006/diagram" xmlns:a="http://schemas.openxmlformats.org/drawingml/2006/main" uniqueId="urn:microsoft.com/office/officeart/2005/8/layout/lProcess3">
   <dgm:title val=""/>
@@ -3399,6 +6444,324 @@
 </dgm:layoutDef>
 </file>
 
+<file path=ppt/diagrams/layout3.xml><?xml version="1.0" encoding="utf-8"?>
+<dgm:layoutDef xmlns:dgm="http://schemas.openxmlformats.org/drawingml/2006/diagram" xmlns:a="http://schemas.openxmlformats.org/drawingml/2006/main" uniqueId="urn:microsoft.com/office/officeart/2008/layout/CaptionedPictures">
+  <dgm:title val=""/>
+  <dgm:desc val=""/>
+  <dgm:catLst>
+    <dgm:cat type="picture" pri="5000"/>
+    <dgm:cat type="pictureconvert" pri="5000"/>
+  </dgm:catLst>
+  <dgm:sampData>
+    <dgm:dataModel>
+      <dgm:ptLst>
+        <dgm:pt modelId="0" type="doc"/>
+        <dgm:pt modelId="10">
+          <dgm:prSet phldr="1"/>
+        </dgm:pt>
+        <dgm:pt modelId="11">
+          <dgm:prSet phldr="1"/>
+        </dgm:pt>
+        <dgm:pt modelId="20">
+          <dgm:prSet phldr="1"/>
+        </dgm:pt>
+        <dgm:pt modelId="21">
+          <dgm:prSet phldr="1"/>
+        </dgm:pt>
+        <dgm:pt modelId="30">
+          <dgm:prSet phldr="1"/>
+        </dgm:pt>
+        <dgm:pt modelId="31">
+          <dgm:prSet phldr="1"/>
+        </dgm:pt>
+      </dgm:ptLst>
+      <dgm:cxnLst>
+        <dgm:cxn modelId="60" srcId="0" destId="10" srcOrd="0" destOrd="0"/>
+        <dgm:cxn modelId="12" srcId="10" destId="11" srcOrd="0" destOrd="0"/>
+        <dgm:cxn modelId="70" srcId="0" destId="20" srcOrd="1" destOrd="0"/>
+        <dgm:cxn modelId="22" srcId="20" destId="21" srcOrd="0" destOrd="0"/>
+        <dgm:cxn modelId="80" srcId="0" destId="30" srcOrd="2" destOrd="0"/>
+        <dgm:cxn modelId="32" srcId="30" destId="31" srcOrd="0" destOrd="0"/>
+      </dgm:cxnLst>
+      <dgm:bg/>
+      <dgm:whole/>
+    </dgm:dataModel>
+  </dgm:sampData>
+  <dgm:styleData>
+    <dgm:dataModel>
+      <dgm:ptLst>
+        <dgm:pt modelId="0" type="doc"/>
+        <dgm:pt modelId="10">
+          <dgm:prSet phldr="1"/>
+        </dgm:pt>
+        <dgm:pt modelId="11">
+          <dgm:prSet phldr="1"/>
+        </dgm:pt>
+        <dgm:pt modelId="20">
+          <dgm:prSet phldr="1"/>
+        </dgm:pt>
+        <dgm:pt modelId="21">
+          <dgm:prSet phldr="1"/>
+        </dgm:pt>
+      </dgm:ptLst>
+      <dgm:cxnLst>
+        <dgm:cxn modelId="60" srcId="0" destId="10" srcOrd="0" destOrd="0"/>
+        <dgm:cxn modelId="12" srcId="10" destId="11" srcOrd="0" destOrd="0"/>
+        <dgm:cxn modelId="70" srcId="0" destId="20" srcOrd="1" destOrd="0"/>
+        <dgm:cxn modelId="22" srcId="20" destId="21" srcOrd="0" destOrd="0"/>
+      </dgm:cxnLst>
+      <dgm:bg/>
+      <dgm:whole/>
+    </dgm:dataModel>
+  </dgm:styleData>
+  <dgm:clrData>
+    <dgm:dataModel>
+      <dgm:ptLst>
+        <dgm:pt modelId="0" type="doc"/>
+        <dgm:pt modelId="10">
+          <dgm:prSet phldr="1"/>
+        </dgm:pt>
+        <dgm:pt modelId="11">
+          <dgm:prSet phldr="1"/>
+        </dgm:pt>
+        <dgm:pt modelId="20">
+          <dgm:prSet phldr="1"/>
+        </dgm:pt>
+        <dgm:pt modelId="21">
+          <dgm:prSet phldr="1"/>
+        </dgm:pt>
+        <dgm:pt modelId="30">
+          <dgm:prSet phldr="1"/>
+        </dgm:pt>
+        <dgm:pt modelId="31">
+          <dgm:prSet phldr="1"/>
+        </dgm:pt>
+        <dgm:pt modelId="40">
+          <dgm:prSet phldr="1"/>
+        </dgm:pt>
+        <dgm:pt modelId="41">
+          <dgm:prSet phldr="1"/>
+        </dgm:pt>
+      </dgm:ptLst>
+      <dgm:cxnLst>
+        <dgm:cxn modelId="60" srcId="0" destId="10" srcOrd="0" destOrd="0"/>
+        <dgm:cxn modelId="12" srcId="10" destId="11" srcOrd="0" destOrd="0"/>
+        <dgm:cxn modelId="70" srcId="0" destId="20" srcOrd="1" destOrd="0"/>
+        <dgm:cxn modelId="22" srcId="20" destId="21" srcOrd="0" destOrd="0"/>
+        <dgm:cxn modelId="80" srcId="0" destId="30" srcOrd="2" destOrd="0"/>
+        <dgm:cxn modelId="32" srcId="30" destId="31" srcOrd="0" destOrd="0"/>
+        <dgm:cxn modelId="90" srcId="0" destId="40" srcOrd="3" destOrd="0"/>
+        <dgm:cxn modelId="42" srcId="40" destId="41" srcOrd="0" destOrd="0"/>
+      </dgm:cxnLst>
+      <dgm:bg/>
+      <dgm:whole/>
+    </dgm:dataModel>
+  </dgm:clrData>
+  <dgm:layoutNode name="Name0">
+    <dgm:varLst>
+      <dgm:chMax/>
+      <dgm:chPref/>
+      <dgm:dir/>
+    </dgm:varLst>
+    <dgm:choose name="Name1">
+      <dgm:if name="Name2" func="var" arg="dir" op="equ" val="norm">
+        <dgm:alg type="snake">
+          <dgm:param type="off" val="ctr"/>
+        </dgm:alg>
+      </dgm:if>
+      <dgm:else name="Name3">
+        <dgm:alg type="snake">
+          <dgm:param type="grDir" val="tR"/>
+          <dgm:param type="off" val="ctr"/>
+        </dgm:alg>
+      </dgm:else>
+    </dgm:choose>
+    <dgm:shape xmlns:r="http://schemas.openxmlformats.org/officeDocument/2006/relationships" r:blip="">
+      <dgm:adjLst/>
+    </dgm:shape>
+    <dgm:constrLst>
+      <dgm:constr type="primFontSz" for="des" forName="Parent" op="equ"/>
+      <dgm:constr type="primFontSz" for="des" forName="Child" refType="primFontSz" refFor="des" refForName="Parent" op="lte"/>
+      <dgm:constr type="w" for="ch" forName="composite" refType="w"/>
+      <dgm:constr type="h" for="ch" forName="composite" refType="h"/>
+      <dgm:constr type="sp" refType="w" refFor="ch" refForName="composite" op="equ" fact="0.1"/>
+      <dgm:constr type="w" for="ch" forName="sibTrans" refType="w" refFor="ch" refForName="composite" op="equ" fact="0.1"/>
+      <dgm:constr type="h" for="ch" forName="sibTrans" refType="w" refFor="ch" refForName="sibTrans" op="equ"/>
+    </dgm:constrLst>
+    <dgm:forEach name="nodesForEach" axis="ch" ptType="node">
+      <dgm:layoutNode name="composite">
+        <dgm:varLst>
+          <dgm:chMax val="1"/>
+          <dgm:chPref val="1"/>
+        </dgm:varLst>
+        <dgm:alg type="composite">
+          <dgm:param type="ar" val="0.85"/>
+        </dgm:alg>
+        <dgm:shape xmlns:r="http://schemas.openxmlformats.org/officeDocument/2006/relationships" r:blip="">
+          <dgm:adjLst/>
+        </dgm:shape>
+        <dgm:constrLst>
+          <dgm:constr type="l" for="ch" forName="Accent" refType="w" fact="0"/>
+          <dgm:constr type="t" for="ch" forName="Accent" refType="h" fact="0"/>
+          <dgm:constr type="w" for="ch" forName="Accent" refType="w"/>
+          <dgm:constr type="h" for="ch" forName="Accent" refType="h"/>
+          <dgm:constr type="l" for="ch" forName="Image" refType="w" fact="0.05"/>
+          <dgm:constr type="t" for="ch" forName="Image" refType="h" fact="0.04"/>
+          <dgm:constr type="w" for="ch" forName="Image" refType="w" fact="0.9"/>
+          <dgm:constr type="h" for="ch" forName="Image" refType="h" fact="0.65"/>
+          <dgm:constr type="l" for="ch" forName="ChildComposite" refType="w" fact="0.05"/>
+          <dgm:constr type="t" for="ch" forName="ChildComposite" refType="h" fact="0.69"/>
+          <dgm:constr type="w" for="ch" forName="ChildComposite" refType="w" fact="0.9"/>
+          <dgm:constr type="h" for="ch" forName="ChildComposite" refType="h" fact="0.27"/>
+        </dgm:constrLst>
+        <dgm:layoutNode name="Accent" styleLbl="trAlignAcc1">
+          <dgm:varLst>
+            <dgm:chMax val="0"/>
+            <dgm:chPref val="0"/>
+          </dgm:varLst>
+          <dgm:alg type="sp"/>
+          <dgm:shape xmlns:r="http://schemas.openxmlformats.org/officeDocument/2006/relationships" type="rect" r:blip="">
+            <dgm:adjLst/>
+          </dgm:shape>
+          <dgm:presOf/>
+        </dgm:layoutNode>
+        <dgm:layoutNode name="Image" styleLbl="alignImgPlace1">
+          <dgm:varLst>
+            <dgm:chMax val="0"/>
+            <dgm:chPref val="0"/>
+          </dgm:varLst>
+          <dgm:alg type="sp"/>
+          <dgm:shape xmlns:r="http://schemas.openxmlformats.org/officeDocument/2006/relationships" type="rect" r:blip="" blipPhldr="1">
+            <dgm:adjLst/>
+          </dgm:shape>
+          <dgm:presOf/>
+        </dgm:layoutNode>
+        <dgm:layoutNode name="ChildComposite">
+          <dgm:alg type="composite"/>
+          <dgm:shape xmlns:r="http://schemas.openxmlformats.org/officeDocument/2006/relationships" r:blip="">
+            <dgm:adjLst/>
+          </dgm:shape>
+          <dgm:choose name="Name4">
+            <dgm:if name="Name5" axis="ch" ptType="node" func="cnt" op="gte" val="1">
+              <dgm:constrLst>
+                <dgm:constr type="l" for="ch" forName="Parent" refType="w" fact="0"/>
+                <dgm:constr type="t" for="ch" forName="Parent" refType="h" fact="0"/>
+                <dgm:constr type="w" for="ch" forName="Parent" refType="w"/>
+                <dgm:constr type="h" for="ch" forName="Parent" refType="h" fact="0.3704"/>
+                <dgm:constr type="l" for="ch" forName="Child" refType="w" fact="0"/>
+                <dgm:constr type="t" for="ch" forName="Child" refType="h" fact="0.3704"/>
+                <dgm:constr type="w" for="ch" forName="Child" refType="w"/>
+                <dgm:constr type="h" for="ch" forName="Child" refType="h" fact="0.6296"/>
+              </dgm:constrLst>
+            </dgm:if>
+            <dgm:else name="Name6">
+              <dgm:constrLst>
+                <dgm:constr type="l" for="ch" forName="Parent" refType="w" fact="0"/>
+                <dgm:constr type="t" for="ch" forName="Parent" refType="h" fact="0"/>
+                <dgm:constr type="w" for="ch" forName="Parent" refType="w"/>
+                <dgm:constr type="h" for="ch" forName="Parent" refType="h"/>
+                <dgm:constr type="l" for="ch" forName="Child" refType="w" fact="0"/>
+                <dgm:constr type="t" for="ch" forName="Child" refType="h" fact="0"/>
+                <dgm:constr type="w" for="ch" forName="Child" refType="w" fact="0"/>
+                <dgm:constr type="h" for="ch" forName="Child" refType="h" fact="0"/>
+              </dgm:constrLst>
+            </dgm:else>
+          </dgm:choose>
+          <dgm:layoutNode name="Child" styleLbl="node1">
+            <dgm:varLst>
+              <dgm:chMax val="0"/>
+              <dgm:chPref val="0"/>
+              <dgm:bulletEnabled val="1"/>
+            </dgm:varLst>
+            <dgm:choose name="Name7">
+              <dgm:if name="Name8" axis="ch" ptType="node" func="cnt" op="gt" val="1">
+                <dgm:alg type="tx">
+                  <dgm:param type="parTxLTRAlign" val="l"/>
+                  <dgm:param type="parTxRTLAlign" val="r"/>
+                  <dgm:param type="txAnchorVert" val="mid"/>
+                  <dgm:param type="txAnchorVertCh" val="mid"/>
+                </dgm:alg>
+              </dgm:if>
+              <dgm:else name="Name9">
+                <dgm:alg type="tx">
+                  <dgm:param type="parTxLTRAlign" val="ctr"/>
+                  <dgm:param type="parTxRTLAlign" val="ctr"/>
+                  <dgm:param type="shpTxLTRAlignCh" val="l"/>
+                  <dgm:param type="shpTxRTLAlignCh" val="r"/>
+                  <dgm:param type="txAnchorVert" val="mid"/>
+                  <dgm:param type="txAnchorVertCh" val="mid"/>
+                </dgm:alg>
+              </dgm:else>
+            </dgm:choose>
+            <dgm:choose name="Name10">
+              <dgm:if name="Name11" axis="ch" ptType="node" func="cnt" op="gte" val="1">
+                <dgm:shape xmlns:r="http://schemas.openxmlformats.org/officeDocument/2006/relationships" type="rect" r:blip="">
+                  <dgm:adjLst/>
+                </dgm:shape>
+              </dgm:if>
+              <dgm:else name="Name12">
+                <dgm:shape xmlns:r="http://schemas.openxmlformats.org/officeDocument/2006/relationships" type="rect" r:blip="" hideGeom="1">
+                  <dgm:adjLst/>
+                </dgm:shape>
+              </dgm:else>
+            </dgm:choose>
+            <dgm:choose name="Name13">
+              <dgm:if name="Name14" axis="ch" ptType="node" func="cnt" op="gte" val="1">
+                <dgm:presOf axis="des" ptType="node"/>
+              </dgm:if>
+              <dgm:else name="Name15">
+                <dgm:presOf/>
+              </dgm:else>
+            </dgm:choose>
+            <dgm:constrLst>
+              <dgm:constr type="lMarg" refType="primFontSz" fact="0.3"/>
+              <dgm:constr type="rMarg" refType="primFontSz" fact="0.3"/>
+              <dgm:constr type="tMarg" refType="primFontSz" fact="0.3"/>
+              <dgm:constr type="bMarg" refType="primFontSz" fact="0.3"/>
+            </dgm:constrLst>
+            <dgm:ruleLst>
+              <dgm:rule type="primFontSz" val="5" fact="NaN" max="NaN"/>
+            </dgm:ruleLst>
+          </dgm:layoutNode>
+          <dgm:layoutNode name="Parent" styleLbl="revTx">
+            <dgm:varLst>
+              <dgm:chMax val="1"/>
+              <dgm:chPref val="0"/>
+              <dgm:bulletEnabled val="1"/>
+            </dgm:varLst>
+            <dgm:alg type="tx">
+              <dgm:param type="shpTxLTRAlignCh" val="ctr"/>
+              <dgm:param type="txAnchorVert" val="mid"/>
+            </dgm:alg>
+            <dgm:shape xmlns:r="http://schemas.openxmlformats.org/officeDocument/2006/relationships" type="rect" r:blip="">
+              <dgm:adjLst/>
+            </dgm:shape>
+            <dgm:presOf axis="self" ptType="node"/>
+            <dgm:constrLst>
+              <dgm:constr type="lMarg" refType="primFontSz" fact="0.3"/>
+              <dgm:constr type="rMarg" refType="primFontSz" fact="0.3"/>
+              <dgm:constr type="tMarg" refType="primFontSz" fact="0.3"/>
+              <dgm:constr type="bMarg" refType="primFontSz" fact="0.3"/>
+            </dgm:constrLst>
+            <dgm:ruleLst>
+              <dgm:rule type="primFontSz" val="5" fact="NaN" max="NaN"/>
+            </dgm:ruleLst>
+          </dgm:layoutNode>
+        </dgm:layoutNode>
+      </dgm:layoutNode>
+      <dgm:forEach name="sibTransForEach" axis="followSib" ptType="sibTrans" cnt="1">
+        <dgm:layoutNode name="sibTrans">
+          <dgm:alg type="sp"/>
+          <dgm:shape xmlns:r="http://schemas.openxmlformats.org/officeDocument/2006/relationships" r:blip="">
+            <dgm:adjLst/>
+          </dgm:shape>
+        </dgm:layoutNode>
+      </dgm:forEach>
+    </dgm:forEach>
+  </dgm:layoutNode>
+</dgm:layoutDef>
+</file>
+
 <file path=ppt/diagrams/quickStyle1.xml><?xml version="1.0" encoding="utf-8"?>
 <dgm:styleDef xmlns:dgm="http://schemas.openxmlformats.org/drawingml/2006/diagram" xmlns:a="http://schemas.openxmlformats.org/drawingml/2006/main" uniqueId="urn:microsoft.com/office/officeart/2005/8/quickstyle/simple1">
   <dgm:title val=""/>
@@ -4434,6 +7797,1040 @@
 </file>
 
 <file path=ppt/diagrams/quickStyle2.xml><?xml version="1.0" encoding="utf-8"?>
+<dgm:styleDef xmlns:dgm="http://schemas.openxmlformats.org/drawingml/2006/diagram" xmlns:a="http://schemas.openxmlformats.org/drawingml/2006/main" uniqueId="urn:microsoft.com/office/officeart/2005/8/quickstyle/simple1">
+  <dgm:title val=""/>
+  <dgm:desc val=""/>
+  <dgm:catLst>
+    <dgm:cat type="simple" pri="10100"/>
+  </dgm:catLst>
+  <dgm:scene3d>
+    <a:camera prst="orthographicFront"/>
+    <a:lightRig rig="threePt" dir="t"/>
+  </dgm:scene3d>
+  <dgm:styleLbl name="node0">
+    <dgm:scene3d>
+      <a:camera prst="orthographicFront"/>
+      <a:lightRig rig="threePt" dir="t"/>
+    </dgm:scene3d>
+    <dgm:sp3d/>
+    <dgm:txPr/>
+    <dgm:style>
+      <a:lnRef idx="2">
+        <a:scrgbClr r="0" g="0" b="0"/>
+      </a:lnRef>
+      <a:fillRef idx="1">
+        <a:scrgbClr r="0" g="0" b="0"/>
+      </a:fillRef>
+      <a:effectRef idx="0">
+        <a:scrgbClr r="0" g="0" b="0"/>
+      </a:effectRef>
+      <a:fontRef idx="minor">
+        <a:schemeClr val="lt1"/>
+      </a:fontRef>
+    </dgm:style>
+  </dgm:styleLbl>
+  <dgm:styleLbl name="lnNode1">
+    <dgm:scene3d>
+      <a:camera prst="orthographicFront"/>
+      <a:lightRig rig="threePt" dir="t"/>
+    </dgm:scene3d>
+    <dgm:sp3d/>
+    <dgm:txPr/>
+    <dgm:style>
+      <a:lnRef idx="2">
+        <a:scrgbClr r="0" g="0" b="0"/>
+      </a:lnRef>
+      <a:fillRef idx="1">
+        <a:scrgbClr r="0" g="0" b="0"/>
+      </a:fillRef>
+      <a:effectRef idx="0">
+        <a:scrgbClr r="0" g="0" b="0"/>
+      </a:effectRef>
+      <a:fontRef idx="minor">
+        <a:schemeClr val="lt1"/>
+      </a:fontRef>
+    </dgm:style>
+  </dgm:styleLbl>
+  <dgm:styleLbl name="vennNode1">
+    <dgm:scene3d>
+      <a:camera prst="orthographicFront"/>
+      <a:lightRig rig="threePt" dir="t"/>
+    </dgm:scene3d>
+    <dgm:sp3d/>
+    <dgm:txPr/>
+    <dgm:style>
+      <a:lnRef idx="2">
+        <a:scrgbClr r="0" g="0" b="0"/>
+      </a:lnRef>
+      <a:fillRef idx="1">
+        <a:scrgbClr r="0" g="0" b="0"/>
+      </a:fillRef>
+      <a:effectRef idx="0">
+        <a:scrgbClr r="0" g="0" b="0"/>
+      </a:effectRef>
+      <a:fontRef idx="minor">
+        <a:schemeClr val="tx1"/>
+      </a:fontRef>
+    </dgm:style>
+  </dgm:styleLbl>
+  <dgm:styleLbl name="alignNode1">
+    <dgm:scene3d>
+      <a:camera prst="orthographicFront"/>
+      <a:lightRig rig="threePt" dir="t"/>
+    </dgm:scene3d>
+    <dgm:sp3d/>
+    <dgm:txPr/>
+    <dgm:style>
+      <a:lnRef idx="2">
+        <a:scrgbClr r="0" g="0" b="0"/>
+      </a:lnRef>
+      <a:fillRef idx="1">
+        <a:scrgbClr r="0" g="0" b="0"/>
+      </a:fillRef>
+      <a:effectRef idx="0">
+        <a:scrgbClr r="0" g="0" b="0"/>
+      </a:effectRef>
+      <a:fontRef idx="minor">
+        <a:schemeClr val="lt1"/>
+      </a:fontRef>
+    </dgm:style>
+  </dgm:styleLbl>
+  <dgm:styleLbl name="node1">
+    <dgm:scene3d>
+      <a:camera prst="orthographicFront"/>
+      <a:lightRig rig="threePt" dir="t"/>
+    </dgm:scene3d>
+    <dgm:sp3d/>
+    <dgm:txPr/>
+    <dgm:style>
+      <a:lnRef idx="2">
+        <a:scrgbClr r="0" g="0" b="0"/>
+      </a:lnRef>
+      <a:fillRef idx="1">
+        <a:scrgbClr r="0" g="0" b="0"/>
+      </a:fillRef>
+      <a:effectRef idx="0">
+        <a:scrgbClr r="0" g="0" b="0"/>
+      </a:effectRef>
+      <a:fontRef idx="minor">
+        <a:schemeClr val="lt1"/>
+      </a:fontRef>
+    </dgm:style>
+  </dgm:styleLbl>
+  <dgm:styleLbl name="node2">
+    <dgm:scene3d>
+      <a:camera prst="orthographicFront"/>
+      <a:lightRig rig="threePt" dir="t"/>
+    </dgm:scene3d>
+    <dgm:sp3d/>
+    <dgm:txPr/>
+    <dgm:style>
+      <a:lnRef idx="2">
+        <a:scrgbClr r="0" g="0" b="0"/>
+      </a:lnRef>
+      <a:fillRef idx="1">
+        <a:scrgbClr r="0" g="0" b="0"/>
+      </a:fillRef>
+      <a:effectRef idx="0">
+        <a:scrgbClr r="0" g="0" b="0"/>
+      </a:effectRef>
+      <a:fontRef idx="minor">
+        <a:schemeClr val="lt1"/>
+      </a:fontRef>
+    </dgm:style>
+  </dgm:styleLbl>
+  <dgm:styleLbl name="node3">
+    <dgm:scene3d>
+      <a:camera prst="orthographicFront"/>
+      <a:lightRig rig="threePt" dir="t"/>
+    </dgm:scene3d>
+    <dgm:sp3d/>
+    <dgm:txPr/>
+    <dgm:style>
+      <a:lnRef idx="2">
+        <a:scrgbClr r="0" g="0" b="0"/>
+      </a:lnRef>
+      <a:fillRef idx="1">
+        <a:scrgbClr r="0" g="0" b="0"/>
+      </a:fillRef>
+      <a:effectRef idx="0">
+        <a:scrgbClr r="0" g="0" b="0"/>
+      </a:effectRef>
+      <a:fontRef idx="minor">
+        <a:schemeClr val="lt1"/>
+      </a:fontRef>
+    </dgm:style>
+  </dgm:styleLbl>
+  <dgm:styleLbl name="node4">
+    <dgm:scene3d>
+      <a:camera prst="orthographicFront"/>
+      <a:lightRig rig="threePt" dir="t"/>
+    </dgm:scene3d>
+    <dgm:sp3d/>
+    <dgm:txPr/>
+    <dgm:style>
+      <a:lnRef idx="2">
+        <a:scrgbClr r="0" g="0" b="0"/>
+      </a:lnRef>
+      <a:fillRef idx="1">
+        <a:scrgbClr r="0" g="0" b="0"/>
+      </a:fillRef>
+      <a:effectRef idx="0">
+        <a:scrgbClr r="0" g="0" b="0"/>
+      </a:effectRef>
+      <a:fontRef idx="minor">
+        <a:schemeClr val="lt1"/>
+      </a:fontRef>
+    </dgm:style>
+  </dgm:styleLbl>
+  <dgm:styleLbl name="fgImgPlace1">
+    <dgm:scene3d>
+      <a:camera prst="orthographicFront"/>
+      <a:lightRig rig="threePt" dir="t"/>
+    </dgm:scene3d>
+    <dgm:sp3d/>
+    <dgm:txPr/>
+    <dgm:style>
+      <a:lnRef idx="2">
+        <a:scrgbClr r="0" g="0" b="0"/>
+      </a:lnRef>
+      <a:fillRef idx="1">
+        <a:scrgbClr r="0" g="0" b="0"/>
+      </a:fillRef>
+      <a:effectRef idx="0">
+        <a:scrgbClr r="0" g="0" b="0"/>
+      </a:effectRef>
+      <a:fontRef idx="minor"/>
+    </dgm:style>
+  </dgm:styleLbl>
+  <dgm:styleLbl name="alignImgPlace1">
+    <dgm:scene3d>
+      <a:camera prst="orthographicFront"/>
+      <a:lightRig rig="threePt" dir="t"/>
+    </dgm:scene3d>
+    <dgm:sp3d/>
+    <dgm:txPr/>
+    <dgm:style>
+      <a:lnRef idx="2">
+        <a:scrgbClr r="0" g="0" b="0"/>
+      </a:lnRef>
+      <a:fillRef idx="1">
+        <a:scrgbClr r="0" g="0" b="0"/>
+      </a:fillRef>
+      <a:effectRef idx="0">
+        <a:scrgbClr r="0" g="0" b="0"/>
+      </a:effectRef>
+      <a:fontRef idx="minor"/>
+    </dgm:style>
+  </dgm:styleLbl>
+  <dgm:styleLbl name="bgImgPlace1">
+    <dgm:scene3d>
+      <a:camera prst="orthographicFront"/>
+      <a:lightRig rig="threePt" dir="t"/>
+    </dgm:scene3d>
+    <dgm:sp3d/>
+    <dgm:txPr/>
+    <dgm:style>
+      <a:lnRef idx="2">
+        <a:scrgbClr r="0" g="0" b="0"/>
+      </a:lnRef>
+      <a:fillRef idx="1">
+        <a:scrgbClr r="0" g="0" b="0"/>
+      </a:fillRef>
+      <a:effectRef idx="0">
+        <a:scrgbClr r="0" g="0" b="0"/>
+      </a:effectRef>
+      <a:fontRef idx="minor"/>
+    </dgm:style>
+  </dgm:styleLbl>
+  <dgm:styleLbl name="sibTrans2D1">
+    <dgm:scene3d>
+      <a:camera prst="orthographicFront"/>
+      <a:lightRig rig="threePt" dir="t"/>
+    </dgm:scene3d>
+    <dgm:sp3d/>
+    <dgm:txPr/>
+    <dgm:style>
+      <a:lnRef idx="0">
+        <a:scrgbClr r="0" g="0" b="0"/>
+      </a:lnRef>
+      <a:fillRef idx="1">
+        <a:scrgbClr r="0" g="0" b="0"/>
+      </a:fillRef>
+      <a:effectRef idx="0">
+        <a:scrgbClr r="0" g="0" b="0"/>
+      </a:effectRef>
+      <a:fontRef idx="minor">
+        <a:schemeClr val="lt1"/>
+      </a:fontRef>
+    </dgm:style>
+  </dgm:styleLbl>
+  <dgm:styleLbl name="fgSibTrans2D1">
+    <dgm:scene3d>
+      <a:camera prst="orthographicFront"/>
+      <a:lightRig rig="threePt" dir="t"/>
+    </dgm:scene3d>
+    <dgm:sp3d/>
+    <dgm:txPr/>
+    <dgm:style>
+      <a:lnRef idx="0">
+        <a:scrgbClr r="0" g="0" b="0"/>
+      </a:lnRef>
+      <a:fillRef idx="1">
+        <a:scrgbClr r="0" g="0" b="0"/>
+      </a:fillRef>
+      <a:effectRef idx="0">
+        <a:scrgbClr r="0" g="0" b="0"/>
+      </a:effectRef>
+      <a:fontRef idx="minor">
+        <a:schemeClr val="lt1"/>
+      </a:fontRef>
+    </dgm:style>
+  </dgm:styleLbl>
+  <dgm:styleLbl name="bgSibTrans2D1">
+    <dgm:scene3d>
+      <a:camera prst="orthographicFront"/>
+      <a:lightRig rig="threePt" dir="t"/>
+    </dgm:scene3d>
+    <dgm:sp3d/>
+    <dgm:txPr/>
+    <dgm:style>
+      <a:lnRef idx="0">
+        <a:scrgbClr r="0" g="0" b="0"/>
+      </a:lnRef>
+      <a:fillRef idx="1">
+        <a:scrgbClr r="0" g="0" b="0"/>
+      </a:fillRef>
+      <a:effectRef idx="0">
+        <a:scrgbClr r="0" g="0" b="0"/>
+      </a:effectRef>
+      <a:fontRef idx="minor">
+        <a:schemeClr val="lt1"/>
+      </a:fontRef>
+    </dgm:style>
+  </dgm:styleLbl>
+  <dgm:styleLbl name="sibTrans1D1">
+    <dgm:scene3d>
+      <a:camera prst="orthographicFront"/>
+      <a:lightRig rig="threePt" dir="t"/>
+    </dgm:scene3d>
+    <dgm:sp3d/>
+    <dgm:txPr/>
+    <dgm:style>
+      <a:lnRef idx="1">
+        <a:scrgbClr r="0" g="0" b="0"/>
+      </a:lnRef>
+      <a:fillRef idx="0">
+        <a:scrgbClr r="0" g="0" b="0"/>
+      </a:fillRef>
+      <a:effectRef idx="0">
+        <a:scrgbClr r="0" g="0" b="0"/>
+      </a:effectRef>
+      <a:fontRef idx="minor"/>
+    </dgm:style>
+  </dgm:styleLbl>
+  <dgm:styleLbl name="callout">
+    <dgm:scene3d>
+      <a:camera prst="orthographicFront"/>
+      <a:lightRig rig="threePt" dir="t"/>
+    </dgm:scene3d>
+    <dgm:sp3d/>
+    <dgm:txPr/>
+    <dgm:style>
+      <a:lnRef idx="2">
+        <a:scrgbClr r="0" g="0" b="0"/>
+      </a:lnRef>
+      <a:fillRef idx="1">
+        <a:scrgbClr r="0" g="0" b="0"/>
+      </a:fillRef>
+      <a:effectRef idx="0">
+        <a:scrgbClr r="0" g="0" b="0"/>
+      </a:effectRef>
+      <a:fontRef idx="minor"/>
+    </dgm:style>
+  </dgm:styleLbl>
+  <dgm:styleLbl name="asst0">
+    <dgm:scene3d>
+      <a:camera prst="orthographicFront"/>
+      <a:lightRig rig="threePt" dir="t"/>
+    </dgm:scene3d>
+    <dgm:sp3d/>
+    <dgm:txPr/>
+    <dgm:style>
+      <a:lnRef idx="2">
+        <a:scrgbClr r="0" g="0" b="0"/>
+      </a:lnRef>
+      <a:fillRef idx="1">
+        <a:scrgbClr r="0" g="0" b="0"/>
+      </a:fillRef>
+      <a:effectRef idx="0">
+        <a:scrgbClr r="0" g="0" b="0"/>
+      </a:effectRef>
+      <a:fontRef idx="minor">
+        <a:schemeClr val="lt1"/>
+      </a:fontRef>
+    </dgm:style>
+  </dgm:styleLbl>
+  <dgm:styleLbl name="asst1">
+    <dgm:scene3d>
+      <a:camera prst="orthographicFront"/>
+      <a:lightRig rig="threePt" dir="t"/>
+    </dgm:scene3d>
+    <dgm:sp3d/>
+    <dgm:txPr/>
+    <dgm:style>
+      <a:lnRef idx="2">
+        <a:scrgbClr r="0" g="0" b="0"/>
+      </a:lnRef>
+      <a:fillRef idx="1">
+        <a:scrgbClr r="0" g="0" b="0"/>
+      </a:fillRef>
+      <a:effectRef idx="0">
+        <a:scrgbClr r="0" g="0" b="0"/>
+      </a:effectRef>
+      <a:fontRef idx="minor">
+        <a:schemeClr val="lt1"/>
+      </a:fontRef>
+    </dgm:style>
+  </dgm:styleLbl>
+  <dgm:styleLbl name="asst2">
+    <dgm:scene3d>
+      <a:camera prst="orthographicFront"/>
+      <a:lightRig rig="threePt" dir="t"/>
+    </dgm:scene3d>
+    <dgm:sp3d/>
+    <dgm:txPr/>
+    <dgm:style>
+      <a:lnRef idx="2">
+        <a:scrgbClr r="0" g="0" b="0"/>
+      </a:lnRef>
+      <a:fillRef idx="1">
+        <a:scrgbClr r="0" g="0" b="0"/>
+      </a:fillRef>
+      <a:effectRef idx="0">
+        <a:scrgbClr r="0" g="0" b="0"/>
+      </a:effectRef>
+      <a:fontRef idx="minor">
+        <a:schemeClr val="lt1"/>
+      </a:fontRef>
+    </dgm:style>
+  </dgm:styleLbl>
+  <dgm:styleLbl name="asst3">
+    <dgm:scene3d>
+      <a:camera prst="orthographicFront"/>
+      <a:lightRig rig="threePt" dir="t"/>
+    </dgm:scene3d>
+    <dgm:sp3d/>
+    <dgm:txPr/>
+    <dgm:style>
+      <a:lnRef idx="2">
+        <a:scrgbClr r="0" g="0" b="0"/>
+      </a:lnRef>
+      <a:fillRef idx="1">
+        <a:scrgbClr r="0" g="0" b="0"/>
+      </a:fillRef>
+      <a:effectRef idx="0">
+        <a:scrgbClr r="0" g="0" b="0"/>
+      </a:effectRef>
+      <a:fontRef idx="minor">
+        <a:schemeClr val="lt1"/>
+      </a:fontRef>
+    </dgm:style>
+  </dgm:styleLbl>
+  <dgm:styleLbl name="asst4">
+    <dgm:scene3d>
+      <a:camera prst="orthographicFront"/>
+      <a:lightRig rig="threePt" dir="t"/>
+    </dgm:scene3d>
+    <dgm:sp3d/>
+    <dgm:txPr/>
+    <dgm:style>
+      <a:lnRef idx="2">
+        <a:scrgbClr r="0" g="0" b="0"/>
+      </a:lnRef>
+      <a:fillRef idx="1">
+        <a:scrgbClr r="0" g="0" b="0"/>
+      </a:fillRef>
+      <a:effectRef idx="0">
+        <a:scrgbClr r="0" g="0" b="0"/>
+      </a:effectRef>
+      <a:fontRef idx="minor">
+        <a:schemeClr val="lt1"/>
+      </a:fontRef>
+    </dgm:style>
+  </dgm:styleLbl>
+  <dgm:styleLbl name="parChTrans2D1">
+    <dgm:scene3d>
+      <a:camera prst="orthographicFront"/>
+      <a:lightRig rig="threePt" dir="t"/>
+    </dgm:scene3d>
+    <dgm:sp3d/>
+    <dgm:txPr/>
+    <dgm:style>
+      <a:lnRef idx="2">
+        <a:scrgbClr r="0" g="0" b="0"/>
+      </a:lnRef>
+      <a:fillRef idx="1">
+        <a:scrgbClr r="0" g="0" b="0"/>
+      </a:fillRef>
+      <a:effectRef idx="0">
+        <a:scrgbClr r="0" g="0" b="0"/>
+      </a:effectRef>
+      <a:fontRef idx="minor">
+        <a:schemeClr val="lt1"/>
+      </a:fontRef>
+    </dgm:style>
+  </dgm:styleLbl>
+  <dgm:styleLbl name="parChTrans2D2">
+    <dgm:scene3d>
+      <a:camera prst="orthographicFront"/>
+      <a:lightRig rig="threePt" dir="t"/>
+    </dgm:scene3d>
+    <dgm:sp3d/>
+    <dgm:txPr/>
+    <dgm:style>
+      <a:lnRef idx="2">
+        <a:scrgbClr r="0" g="0" b="0"/>
+      </a:lnRef>
+      <a:fillRef idx="1">
+        <a:scrgbClr r="0" g="0" b="0"/>
+      </a:fillRef>
+      <a:effectRef idx="0">
+        <a:scrgbClr r="0" g="0" b="0"/>
+      </a:effectRef>
+      <a:fontRef idx="minor">
+        <a:schemeClr val="lt1"/>
+      </a:fontRef>
+    </dgm:style>
+  </dgm:styleLbl>
+  <dgm:styleLbl name="parChTrans2D3">
+    <dgm:scene3d>
+      <a:camera prst="orthographicFront"/>
+      <a:lightRig rig="threePt" dir="t"/>
+    </dgm:scene3d>
+    <dgm:sp3d/>
+    <dgm:txPr/>
+    <dgm:style>
+      <a:lnRef idx="2">
+        <a:scrgbClr r="0" g="0" b="0"/>
+      </a:lnRef>
+      <a:fillRef idx="1">
+        <a:scrgbClr r="0" g="0" b="0"/>
+      </a:fillRef>
+      <a:effectRef idx="0">
+        <a:scrgbClr r="0" g="0" b="0"/>
+      </a:effectRef>
+      <a:fontRef idx="minor">
+        <a:schemeClr val="lt1"/>
+      </a:fontRef>
+    </dgm:style>
+  </dgm:styleLbl>
+  <dgm:styleLbl name="parChTrans2D4">
+    <dgm:scene3d>
+      <a:camera prst="orthographicFront"/>
+      <a:lightRig rig="threePt" dir="t"/>
+    </dgm:scene3d>
+    <dgm:sp3d/>
+    <dgm:txPr/>
+    <dgm:style>
+      <a:lnRef idx="2">
+        <a:scrgbClr r="0" g="0" b="0"/>
+      </a:lnRef>
+      <a:fillRef idx="1">
+        <a:scrgbClr r="0" g="0" b="0"/>
+      </a:fillRef>
+      <a:effectRef idx="0">
+        <a:scrgbClr r="0" g="0" b="0"/>
+      </a:effectRef>
+      <a:fontRef idx="minor">
+        <a:schemeClr val="lt1"/>
+      </a:fontRef>
+    </dgm:style>
+  </dgm:styleLbl>
+  <dgm:styleLbl name="parChTrans1D1">
+    <dgm:scene3d>
+      <a:camera prst="orthographicFront"/>
+      <a:lightRig rig="threePt" dir="t"/>
+    </dgm:scene3d>
+    <dgm:sp3d/>
+    <dgm:txPr/>
+    <dgm:style>
+      <a:lnRef idx="2">
+        <a:scrgbClr r="0" g="0" b="0"/>
+      </a:lnRef>
+      <a:fillRef idx="0">
+        <a:scrgbClr r="0" g="0" b="0"/>
+      </a:fillRef>
+      <a:effectRef idx="0">
+        <a:scrgbClr r="0" g="0" b="0"/>
+      </a:effectRef>
+      <a:fontRef idx="minor"/>
+    </dgm:style>
+  </dgm:styleLbl>
+  <dgm:styleLbl name="parChTrans1D2">
+    <dgm:scene3d>
+      <a:camera prst="orthographicFront"/>
+      <a:lightRig rig="threePt" dir="t"/>
+    </dgm:scene3d>
+    <dgm:sp3d/>
+    <dgm:txPr/>
+    <dgm:style>
+      <a:lnRef idx="2">
+        <a:scrgbClr r="0" g="0" b="0"/>
+      </a:lnRef>
+      <a:fillRef idx="0">
+        <a:scrgbClr r="0" g="0" b="0"/>
+      </a:fillRef>
+      <a:effectRef idx="0">
+        <a:scrgbClr r="0" g="0" b="0"/>
+      </a:effectRef>
+      <a:fontRef idx="minor"/>
+    </dgm:style>
+  </dgm:styleLbl>
+  <dgm:styleLbl name="parChTrans1D3">
+    <dgm:scene3d>
+      <a:camera prst="orthographicFront"/>
+      <a:lightRig rig="threePt" dir="t"/>
+    </dgm:scene3d>
+    <dgm:sp3d/>
+    <dgm:txPr/>
+    <dgm:style>
+      <a:lnRef idx="2">
+        <a:scrgbClr r="0" g="0" b="0"/>
+      </a:lnRef>
+      <a:fillRef idx="0">
+        <a:scrgbClr r="0" g="0" b="0"/>
+      </a:fillRef>
+      <a:effectRef idx="0">
+        <a:scrgbClr r="0" g="0" b="0"/>
+      </a:effectRef>
+      <a:fontRef idx="minor"/>
+    </dgm:style>
+  </dgm:styleLbl>
+  <dgm:styleLbl name="parChTrans1D4">
+    <dgm:scene3d>
+      <a:camera prst="orthographicFront"/>
+      <a:lightRig rig="threePt" dir="t"/>
+    </dgm:scene3d>
+    <dgm:sp3d/>
+    <dgm:txPr/>
+    <dgm:style>
+      <a:lnRef idx="2">
+        <a:scrgbClr r="0" g="0" b="0"/>
+      </a:lnRef>
+      <a:fillRef idx="0">
+        <a:scrgbClr r="0" g="0" b="0"/>
+      </a:fillRef>
+      <a:effectRef idx="0">
+        <a:scrgbClr r="0" g="0" b="0"/>
+      </a:effectRef>
+      <a:fontRef idx="minor"/>
+    </dgm:style>
+  </dgm:styleLbl>
+  <dgm:styleLbl name="fgAcc1">
+    <dgm:scene3d>
+      <a:camera prst="orthographicFront"/>
+      <a:lightRig rig="threePt" dir="t"/>
+    </dgm:scene3d>
+    <dgm:sp3d/>
+    <dgm:txPr/>
+    <dgm:style>
+      <a:lnRef idx="2">
+        <a:scrgbClr r="0" g="0" b="0"/>
+      </a:lnRef>
+      <a:fillRef idx="1">
+        <a:scrgbClr r="0" g="0" b="0"/>
+      </a:fillRef>
+      <a:effectRef idx="0">
+        <a:scrgbClr r="0" g="0" b="0"/>
+      </a:effectRef>
+      <a:fontRef idx="minor"/>
+    </dgm:style>
+  </dgm:styleLbl>
+  <dgm:styleLbl name="conFgAcc1">
+    <dgm:scene3d>
+      <a:camera prst="orthographicFront"/>
+      <a:lightRig rig="threePt" dir="t"/>
+    </dgm:scene3d>
+    <dgm:sp3d/>
+    <dgm:txPr/>
+    <dgm:style>
+      <a:lnRef idx="2">
+        <a:scrgbClr r="0" g="0" b="0"/>
+      </a:lnRef>
+      <a:fillRef idx="1">
+        <a:scrgbClr r="0" g="0" b="0"/>
+      </a:fillRef>
+      <a:effectRef idx="0">
+        <a:scrgbClr r="0" g="0" b="0"/>
+      </a:effectRef>
+      <a:fontRef idx="minor"/>
+    </dgm:style>
+  </dgm:styleLbl>
+  <dgm:styleLbl name="alignAcc1">
+    <dgm:scene3d>
+      <a:camera prst="orthographicFront"/>
+      <a:lightRig rig="threePt" dir="t"/>
+    </dgm:scene3d>
+    <dgm:sp3d/>
+    <dgm:txPr/>
+    <dgm:style>
+      <a:lnRef idx="2">
+        <a:scrgbClr r="0" g="0" b="0"/>
+      </a:lnRef>
+      <a:fillRef idx="1">
+        <a:scrgbClr r="0" g="0" b="0"/>
+      </a:fillRef>
+      <a:effectRef idx="0">
+        <a:scrgbClr r="0" g="0" b="0"/>
+      </a:effectRef>
+      <a:fontRef idx="minor"/>
+    </dgm:style>
+  </dgm:styleLbl>
+  <dgm:styleLbl name="trAlignAcc1">
+    <dgm:scene3d>
+      <a:camera prst="orthographicFront"/>
+      <a:lightRig rig="threePt" dir="t"/>
+    </dgm:scene3d>
+    <dgm:sp3d/>
+    <dgm:txPr/>
+    <dgm:style>
+      <a:lnRef idx="1">
+        <a:scrgbClr r="0" g="0" b="0"/>
+      </a:lnRef>
+      <a:fillRef idx="1">
+        <a:scrgbClr r="0" g="0" b="0"/>
+      </a:fillRef>
+      <a:effectRef idx="0">
+        <a:scrgbClr r="0" g="0" b="0"/>
+      </a:effectRef>
+      <a:fontRef idx="minor"/>
+    </dgm:style>
+  </dgm:styleLbl>
+  <dgm:styleLbl name="bgAcc1">
+    <dgm:scene3d>
+      <a:camera prst="orthographicFront"/>
+      <a:lightRig rig="threePt" dir="t"/>
+    </dgm:scene3d>
+    <dgm:sp3d/>
+    <dgm:txPr/>
+    <dgm:style>
+      <a:lnRef idx="2">
+        <a:scrgbClr r="0" g="0" b="0"/>
+      </a:lnRef>
+      <a:fillRef idx="1">
+        <a:scrgbClr r="0" g="0" b="0"/>
+      </a:fillRef>
+      <a:effectRef idx="0">
+        <a:scrgbClr r="0" g="0" b="0"/>
+      </a:effectRef>
+      <a:fontRef idx="minor"/>
+    </dgm:style>
+  </dgm:styleLbl>
+  <dgm:styleLbl name="solidFgAcc1">
+    <dgm:scene3d>
+      <a:camera prst="orthographicFront"/>
+      <a:lightRig rig="threePt" dir="t"/>
+    </dgm:scene3d>
+    <dgm:sp3d/>
+    <dgm:txPr/>
+    <dgm:style>
+      <a:lnRef idx="2">
+        <a:scrgbClr r="0" g="0" b="0"/>
+      </a:lnRef>
+      <a:fillRef idx="1">
+        <a:scrgbClr r="0" g="0" b="0"/>
+      </a:fillRef>
+      <a:effectRef idx="0">
+        <a:scrgbClr r="0" g="0" b="0"/>
+      </a:effectRef>
+      <a:fontRef idx="minor"/>
+    </dgm:style>
+  </dgm:styleLbl>
+  <dgm:styleLbl name="solidAlignAcc1">
+    <dgm:scene3d>
+      <a:camera prst="orthographicFront"/>
+      <a:lightRig rig="threePt" dir="t"/>
+    </dgm:scene3d>
+    <dgm:sp3d/>
+    <dgm:txPr/>
+    <dgm:style>
+      <a:lnRef idx="2">
+        <a:scrgbClr r="0" g="0" b="0"/>
+      </a:lnRef>
+      <a:fillRef idx="1">
+        <a:scrgbClr r="0" g="0" b="0"/>
+      </a:fillRef>
+      <a:effectRef idx="0">
+        <a:scrgbClr r="0" g="0" b="0"/>
+      </a:effectRef>
+      <a:fontRef idx="minor"/>
+    </dgm:style>
+  </dgm:styleLbl>
+  <dgm:styleLbl name="solidBgAcc1">
+    <dgm:scene3d>
+      <a:camera prst="orthographicFront"/>
+      <a:lightRig rig="threePt" dir="t"/>
+    </dgm:scene3d>
+    <dgm:sp3d/>
+    <dgm:txPr/>
+    <dgm:style>
+      <a:lnRef idx="2">
+        <a:scrgbClr r="0" g="0" b="0"/>
+      </a:lnRef>
+      <a:fillRef idx="1">
+        <a:scrgbClr r="0" g="0" b="0"/>
+      </a:fillRef>
+      <a:effectRef idx="0">
+        <a:scrgbClr r="0" g="0" b="0"/>
+      </a:effectRef>
+      <a:fontRef idx="minor"/>
+    </dgm:style>
+  </dgm:styleLbl>
+  <dgm:styleLbl name="fgAccFollowNode1">
+    <dgm:scene3d>
+      <a:camera prst="orthographicFront"/>
+      <a:lightRig rig="threePt" dir="t"/>
+    </dgm:scene3d>
+    <dgm:sp3d/>
+    <dgm:txPr/>
+    <dgm:style>
+      <a:lnRef idx="2">
+        <a:scrgbClr r="0" g="0" b="0"/>
+      </a:lnRef>
+      <a:fillRef idx="1">
+        <a:scrgbClr r="0" g="0" b="0"/>
+      </a:fillRef>
+      <a:effectRef idx="0">
+        <a:scrgbClr r="0" g="0" b="0"/>
+      </a:effectRef>
+      <a:fontRef idx="minor"/>
+    </dgm:style>
+  </dgm:styleLbl>
+  <dgm:styleLbl name="alignAccFollowNode1">
+    <dgm:scene3d>
+      <a:camera prst="orthographicFront"/>
+      <a:lightRig rig="threePt" dir="t"/>
+    </dgm:scene3d>
+    <dgm:sp3d/>
+    <dgm:txPr/>
+    <dgm:style>
+      <a:lnRef idx="2">
+        <a:scrgbClr r="0" g="0" b="0"/>
+      </a:lnRef>
+      <a:fillRef idx="1">
+        <a:scrgbClr r="0" g="0" b="0"/>
+      </a:fillRef>
+      <a:effectRef idx="0">
+        <a:scrgbClr r="0" g="0" b="0"/>
+      </a:effectRef>
+      <a:fontRef idx="minor"/>
+    </dgm:style>
+  </dgm:styleLbl>
+  <dgm:styleLbl name="bgAccFollowNode1">
+    <dgm:scene3d>
+      <a:camera prst="orthographicFront"/>
+      <a:lightRig rig="threePt" dir="t"/>
+    </dgm:scene3d>
+    <dgm:sp3d/>
+    <dgm:txPr/>
+    <dgm:style>
+      <a:lnRef idx="2">
+        <a:scrgbClr r="0" g="0" b="0"/>
+      </a:lnRef>
+      <a:fillRef idx="1">
+        <a:scrgbClr r="0" g="0" b="0"/>
+      </a:fillRef>
+      <a:effectRef idx="0">
+        <a:scrgbClr r="0" g="0" b="0"/>
+      </a:effectRef>
+      <a:fontRef idx="minor"/>
+    </dgm:style>
+  </dgm:styleLbl>
+  <dgm:styleLbl name="fgAcc0">
+    <dgm:scene3d>
+      <a:camera prst="orthographicFront"/>
+      <a:lightRig rig="threePt" dir="t"/>
+    </dgm:scene3d>
+    <dgm:sp3d/>
+    <dgm:txPr/>
+    <dgm:style>
+      <a:lnRef idx="2">
+        <a:scrgbClr r="0" g="0" b="0"/>
+      </a:lnRef>
+      <a:fillRef idx="1">
+        <a:scrgbClr r="0" g="0" b="0"/>
+      </a:fillRef>
+      <a:effectRef idx="0">
+        <a:scrgbClr r="0" g="0" b="0"/>
+      </a:effectRef>
+      <a:fontRef idx="minor"/>
+    </dgm:style>
+  </dgm:styleLbl>
+  <dgm:styleLbl name="fgAcc2">
+    <dgm:scene3d>
+      <a:camera prst="orthographicFront"/>
+      <a:lightRig rig="threePt" dir="t"/>
+    </dgm:scene3d>
+    <dgm:sp3d/>
+    <dgm:txPr/>
+    <dgm:style>
+      <a:lnRef idx="2">
+        <a:scrgbClr r="0" g="0" b="0"/>
+      </a:lnRef>
+      <a:fillRef idx="1">
+        <a:scrgbClr r="0" g="0" b="0"/>
+      </a:fillRef>
+      <a:effectRef idx="0">
+        <a:scrgbClr r="0" g="0" b="0"/>
+      </a:effectRef>
+      <a:fontRef idx="minor"/>
+    </dgm:style>
+  </dgm:styleLbl>
+  <dgm:styleLbl name="fgAcc3">
+    <dgm:scene3d>
+      <a:camera prst="orthographicFront"/>
+      <a:lightRig rig="threePt" dir="t"/>
+    </dgm:scene3d>
+    <dgm:sp3d/>
+    <dgm:txPr/>
+    <dgm:style>
+      <a:lnRef idx="2">
+        <a:scrgbClr r="0" g="0" b="0"/>
+      </a:lnRef>
+      <a:fillRef idx="1">
+        <a:scrgbClr r="0" g="0" b="0"/>
+      </a:fillRef>
+      <a:effectRef idx="0">
+        <a:scrgbClr r="0" g="0" b="0"/>
+      </a:effectRef>
+      <a:fontRef idx="minor"/>
+    </dgm:style>
+  </dgm:styleLbl>
+  <dgm:styleLbl name="fgAcc4">
+    <dgm:scene3d>
+      <a:camera prst="orthographicFront"/>
+      <a:lightRig rig="threePt" dir="t"/>
+    </dgm:scene3d>
+    <dgm:sp3d/>
+    <dgm:txPr/>
+    <dgm:style>
+      <a:lnRef idx="2">
+        <a:scrgbClr r="0" g="0" b="0"/>
+      </a:lnRef>
+      <a:fillRef idx="1">
+        <a:scrgbClr r="0" g="0" b="0"/>
+      </a:fillRef>
+      <a:effectRef idx="0">
+        <a:scrgbClr r="0" g="0" b="0"/>
+      </a:effectRef>
+      <a:fontRef idx="minor"/>
+    </dgm:style>
+  </dgm:styleLbl>
+  <dgm:styleLbl name="bgShp">
+    <dgm:scene3d>
+      <a:camera prst="orthographicFront"/>
+      <a:lightRig rig="threePt" dir="t"/>
+    </dgm:scene3d>
+    <dgm:sp3d/>
+    <dgm:txPr/>
+    <dgm:style>
+      <a:lnRef idx="0">
+        <a:scrgbClr r="0" g="0" b="0"/>
+      </a:lnRef>
+      <a:fillRef idx="1">
+        <a:scrgbClr r="0" g="0" b="0"/>
+      </a:fillRef>
+      <a:effectRef idx="0">
+        <a:scrgbClr r="0" g="0" b="0"/>
+      </a:effectRef>
+      <a:fontRef idx="minor"/>
+    </dgm:style>
+  </dgm:styleLbl>
+  <dgm:styleLbl name="dkBgShp">
+    <dgm:scene3d>
+      <a:camera prst="orthographicFront"/>
+      <a:lightRig rig="threePt" dir="t"/>
+    </dgm:scene3d>
+    <dgm:sp3d/>
+    <dgm:txPr/>
+    <dgm:style>
+      <a:lnRef idx="0">
+        <a:scrgbClr r="0" g="0" b="0"/>
+      </a:lnRef>
+      <a:fillRef idx="1">
+        <a:scrgbClr r="0" g="0" b="0"/>
+      </a:fillRef>
+      <a:effectRef idx="0">
+        <a:scrgbClr r="0" g="0" b="0"/>
+      </a:effectRef>
+      <a:fontRef idx="minor"/>
+    </dgm:style>
+  </dgm:styleLbl>
+  <dgm:styleLbl name="trBgShp">
+    <dgm:scene3d>
+      <a:camera prst="orthographicFront"/>
+      <a:lightRig rig="threePt" dir="t"/>
+    </dgm:scene3d>
+    <dgm:sp3d/>
+    <dgm:txPr/>
+    <dgm:style>
+      <a:lnRef idx="0">
+        <a:scrgbClr r="0" g="0" b="0"/>
+      </a:lnRef>
+      <a:fillRef idx="1">
+        <a:scrgbClr r="0" g="0" b="0"/>
+      </a:fillRef>
+      <a:effectRef idx="0">
+        <a:scrgbClr r="0" g="0" b="0"/>
+      </a:effectRef>
+      <a:fontRef idx="minor"/>
+    </dgm:style>
+  </dgm:styleLbl>
+  <dgm:styleLbl name="fgShp">
+    <dgm:scene3d>
+      <a:camera prst="orthographicFront"/>
+      <a:lightRig rig="threePt" dir="t"/>
+    </dgm:scene3d>
+    <dgm:sp3d/>
+    <dgm:txPr/>
+    <dgm:style>
+      <a:lnRef idx="2">
+        <a:scrgbClr r="0" g="0" b="0"/>
+      </a:lnRef>
+      <a:fillRef idx="1">
+        <a:scrgbClr r="0" g="0" b="0"/>
+      </a:fillRef>
+      <a:effectRef idx="0">
+        <a:scrgbClr r="0" g="0" b="0"/>
+      </a:effectRef>
+      <a:fontRef idx="minor"/>
+    </dgm:style>
+  </dgm:styleLbl>
+  <dgm:styleLbl name="revTx">
+    <dgm:scene3d>
+      <a:camera prst="orthographicFront"/>
+      <a:lightRig rig="threePt" dir="t"/>
+    </dgm:scene3d>
+    <dgm:sp3d/>
+    <dgm:txPr/>
+    <dgm:style>
+      <a:lnRef idx="0">
+        <a:scrgbClr r="0" g="0" b="0"/>
+      </a:lnRef>
+      <a:fillRef idx="0">
+        <a:scrgbClr r="0" g="0" b="0"/>
+      </a:fillRef>
+      <a:effectRef idx="0">
+        <a:scrgbClr r="0" g="0" b="0"/>
+      </a:effectRef>
+      <a:fontRef idx="minor"/>
+    </dgm:style>
+  </dgm:styleLbl>
+</dgm:styleDef>
+</file>
+
+<file path=ppt/diagrams/quickStyle3.xml><?xml version="1.0" encoding="utf-8"?>
 <dgm:styleDef xmlns:dgm="http://schemas.openxmlformats.org/drawingml/2006/diagram" xmlns:a="http://schemas.openxmlformats.org/drawingml/2006/main" uniqueId="urn:microsoft.com/office/officeart/2005/8/quickstyle/simple1">
   <dgm:title val=""/>
   <dgm:desc val=""/>
@@ -5549,7 +9946,7 @@
           <a:p>
             <a:fld id="{ED0A1DBB-797E-4506-A4A1-6C28A1F53B5C}" type="datetimeFigureOut">
               <a:rPr lang="de-DE" smtClean="0"/>
-              <a:t>11.11.2020</a:t>
+              <a:t>16.11.2020</a:t>
             </a:fld>
             <a:endParaRPr lang="de-DE"/>
           </a:p>
@@ -6323,7 +10720,7 @@
               </a:pPr>
               <a:t>‹#›</a:t>
             </a:fld>
-            <a:endParaRPr lang="de-DE" sz="1200" dirty="0">
+            <a:endParaRPr lang="de-DE" sz="1200">
               <a:solidFill>
                 <a:schemeClr val="bg1"/>
               </a:solidFill>
@@ -6377,7 +10774,7 @@
               <a:defRPr/>
             </a:pPr>
             <a:r>
-              <a:rPr lang="en-US" sz="1200" dirty="0">
+              <a:rPr lang="en-US" sz="1200">
                 <a:solidFill>
                   <a:schemeClr val="bg1"/>
                 </a:solidFill>
@@ -6385,7 +10782,7 @@
               <a:t>Marius </a:t>
             </a:r>
             <a:r>
-              <a:rPr lang="en-US" sz="1200" dirty="0" err="1">
+              <a:rPr lang="en-US" sz="1200" err="1">
                 <a:solidFill>
                   <a:schemeClr val="bg1"/>
                 </a:solidFill>
@@ -6393,7 +10790,7 @@
               <a:t>Bröcker</a:t>
             </a:r>
             <a:r>
-              <a:rPr lang="en-US" sz="1200" dirty="0">
+              <a:rPr lang="en-US" sz="1200">
                 <a:solidFill>
                   <a:schemeClr val="bg1"/>
                 </a:solidFill>
@@ -6401,7 +10798,7 @@
               <a:t>, Sebastian </a:t>
             </a:r>
             <a:r>
-              <a:rPr lang="en-US" sz="1200" dirty="0" err="1">
+              <a:rPr lang="en-US" sz="1200" err="1">
                 <a:solidFill>
                   <a:schemeClr val="bg1"/>
                 </a:solidFill>
@@ -6409,14 +10806,14 @@
               <a:t>Wallat</a:t>
             </a:r>
             <a:r>
-              <a:rPr lang="en-US" sz="1200" dirty="0">
+              <a:rPr lang="en-US" sz="1200">
                 <a:solidFill>
                   <a:schemeClr val="bg1"/>
                 </a:solidFill>
               </a:rPr>
               <a:t>, Julian Fuchs</a:t>
             </a:r>
-            <a:endParaRPr lang="de-DE" sz="1200" dirty="0">
+            <a:endParaRPr lang="de-DE" sz="1200">
               <a:solidFill>
                 <a:schemeClr val="bg1"/>
               </a:solidFill>
@@ -6424,7 +10821,7 @@
           </a:p>
           <a:p>
             <a:pPr algn="ctr"/>
-            <a:endParaRPr lang="de-DE" sz="1200" dirty="0">
+            <a:endParaRPr lang="de-DE" sz="1200">
               <a:solidFill>
                 <a:schemeClr val="bg1"/>
               </a:solidFill>
@@ -6463,10 +10860,10 @@
           </a:lstStyle>
           <a:p>
             <a:r>
-              <a:rPr lang="en-US" dirty="0"/>
+              <a:rPr lang="en-US"/>
               <a:t>Click to edit Master title style</a:t>
             </a:r>
-            <a:endParaRPr lang="de-DE" dirty="0"/>
+            <a:endParaRPr lang="de-DE"/>
           </a:p>
         </p:txBody>
       </p:sp>
@@ -6587,14 +10984,14 @@
               <a:defRPr/>
             </a:pPr>
             <a:r>
-              <a:rPr lang="en-US" sz="1200" dirty="0">
+              <a:rPr lang="en-US" sz="1200">
                 <a:solidFill>
                   <a:schemeClr val="bg1"/>
                 </a:solidFill>
               </a:rPr>
               <a:t>17.11.2020</a:t>
             </a:r>
-            <a:endParaRPr lang="de-DE" sz="1200" dirty="0">
+            <a:endParaRPr lang="de-DE" sz="1200">
               <a:solidFill>
                 <a:schemeClr val="bg1"/>
               </a:solidFill>
@@ -6658,10 +11055,10 @@
           </a:lstStyle>
           <a:p>
             <a:r>
-              <a:rPr lang="en-US" dirty="0"/>
+              <a:rPr lang="en-US"/>
               <a:t>Click to edit Master title style</a:t>
             </a:r>
-            <a:endParaRPr lang="de-DE" dirty="0"/>
+            <a:endParaRPr lang="de-DE"/>
           </a:p>
         </p:txBody>
       </p:sp>
@@ -6845,7 +11242,7 @@
               </a:pPr>
               <a:t>‹#›</a:t>
             </a:fld>
-            <a:endParaRPr lang="de-DE" sz="1200" dirty="0">
+            <a:endParaRPr lang="de-DE" sz="1200">
               <a:solidFill>
                 <a:schemeClr val="bg1"/>
               </a:solidFill>
@@ -6899,7 +11296,7 @@
               <a:defRPr/>
             </a:pPr>
             <a:r>
-              <a:rPr lang="en-US" sz="1200" dirty="0">
+              <a:rPr lang="en-US" sz="1200">
                 <a:solidFill>
                   <a:schemeClr val="bg1"/>
                 </a:solidFill>
@@ -6907,7 +11304,7 @@
               <a:t>Marius </a:t>
             </a:r>
             <a:r>
-              <a:rPr lang="en-US" sz="1200" dirty="0" err="1">
+              <a:rPr lang="en-US" sz="1200" err="1">
                 <a:solidFill>
                   <a:schemeClr val="bg1"/>
                 </a:solidFill>
@@ -6915,7 +11312,7 @@
               <a:t>Bröcker</a:t>
             </a:r>
             <a:r>
-              <a:rPr lang="en-US" sz="1200" dirty="0">
+              <a:rPr lang="en-US" sz="1200">
                 <a:solidFill>
                   <a:schemeClr val="bg1"/>
                 </a:solidFill>
@@ -6923,7 +11320,7 @@
               <a:t>, Sebastian </a:t>
             </a:r>
             <a:r>
-              <a:rPr lang="en-US" sz="1200" dirty="0" err="1">
+              <a:rPr lang="en-US" sz="1200" err="1">
                 <a:solidFill>
                   <a:schemeClr val="bg1"/>
                 </a:solidFill>
@@ -6931,14 +11328,14 @@
               <a:t>Wallat</a:t>
             </a:r>
             <a:r>
-              <a:rPr lang="en-US" sz="1200" dirty="0">
+              <a:rPr lang="en-US" sz="1200">
                 <a:solidFill>
                   <a:schemeClr val="bg1"/>
                 </a:solidFill>
               </a:rPr>
               <a:t>, Julian Fuchs</a:t>
             </a:r>
-            <a:endParaRPr lang="de-DE" sz="1200" dirty="0">
+            <a:endParaRPr lang="de-DE" sz="1200">
               <a:solidFill>
                 <a:schemeClr val="bg1"/>
               </a:solidFill>
@@ -6946,7 +11343,7 @@
           </a:p>
           <a:p>
             <a:pPr algn="ctr"/>
-            <a:endParaRPr lang="de-DE" sz="1200" dirty="0">
+            <a:endParaRPr lang="de-DE" sz="1200">
               <a:solidFill>
                 <a:schemeClr val="bg1"/>
               </a:solidFill>
@@ -7000,14 +11397,14 @@
               <a:defRPr/>
             </a:pPr>
             <a:r>
-              <a:rPr lang="en-US" sz="1200" dirty="0">
+              <a:rPr lang="en-US" sz="1200">
                 <a:solidFill>
                   <a:schemeClr val="bg1"/>
                 </a:solidFill>
               </a:rPr>
               <a:t>17.11.2020</a:t>
             </a:r>
-            <a:endParaRPr lang="de-DE" sz="1200" dirty="0">
+            <a:endParaRPr lang="de-DE" sz="1200">
               <a:solidFill>
                 <a:schemeClr val="bg1"/>
               </a:solidFill>
@@ -7076,10 +11473,10 @@
           </a:lstStyle>
           <a:p>
             <a:r>
-              <a:rPr lang="en-US" dirty="0"/>
+              <a:rPr lang="en-US"/>
               <a:t>Click to edit Master title style</a:t>
             </a:r>
-            <a:endParaRPr lang="de-DE" dirty="0"/>
+            <a:endParaRPr lang="de-DE"/>
           </a:p>
         </p:txBody>
       </p:sp>
@@ -7268,7 +11665,7 @@
               </a:pPr>
               <a:t>‹#›</a:t>
             </a:fld>
-            <a:endParaRPr lang="de-DE" sz="1200" dirty="0">
+            <a:endParaRPr lang="de-DE" sz="1200">
               <a:solidFill>
                 <a:schemeClr val="bg1"/>
               </a:solidFill>
@@ -7322,7 +11719,7 @@
               <a:defRPr/>
             </a:pPr>
             <a:r>
-              <a:rPr lang="en-US" sz="1200" dirty="0">
+              <a:rPr lang="en-US" sz="1200">
                 <a:solidFill>
                   <a:schemeClr val="bg1"/>
                 </a:solidFill>
@@ -7330,7 +11727,7 @@
               <a:t>Marius </a:t>
             </a:r>
             <a:r>
-              <a:rPr lang="en-US" sz="1200" dirty="0" err="1">
+              <a:rPr lang="en-US" sz="1200" err="1">
                 <a:solidFill>
                   <a:schemeClr val="bg1"/>
                 </a:solidFill>
@@ -7338,7 +11735,7 @@
               <a:t>Bröcker</a:t>
             </a:r>
             <a:r>
-              <a:rPr lang="en-US" sz="1200" dirty="0">
+              <a:rPr lang="en-US" sz="1200">
                 <a:solidFill>
                   <a:schemeClr val="bg1"/>
                 </a:solidFill>
@@ -7346,7 +11743,7 @@
               <a:t>, Sebastian </a:t>
             </a:r>
             <a:r>
-              <a:rPr lang="en-US" sz="1200" dirty="0" err="1">
+              <a:rPr lang="en-US" sz="1200" err="1">
                 <a:solidFill>
                   <a:schemeClr val="bg1"/>
                 </a:solidFill>
@@ -7354,14 +11751,14 @@
               <a:t>Wallat</a:t>
             </a:r>
             <a:r>
-              <a:rPr lang="en-US" sz="1200" dirty="0">
+              <a:rPr lang="en-US" sz="1200">
                 <a:solidFill>
                   <a:schemeClr val="bg1"/>
                 </a:solidFill>
               </a:rPr>
               <a:t>, Julian Fuchs</a:t>
             </a:r>
-            <a:endParaRPr lang="de-DE" sz="1200" dirty="0">
+            <a:endParaRPr lang="de-DE" sz="1200">
               <a:solidFill>
                 <a:schemeClr val="bg1"/>
               </a:solidFill>
@@ -7369,7 +11766,7 @@
           </a:p>
           <a:p>
             <a:pPr algn="ctr"/>
-            <a:endParaRPr lang="de-DE" sz="1200" dirty="0">
+            <a:endParaRPr lang="de-DE" sz="1200">
               <a:solidFill>
                 <a:schemeClr val="bg1"/>
               </a:solidFill>
@@ -7423,14 +11820,14 @@
               <a:defRPr/>
             </a:pPr>
             <a:r>
-              <a:rPr lang="en-US" sz="1200" dirty="0">
+              <a:rPr lang="en-US" sz="1200">
                 <a:solidFill>
                   <a:schemeClr val="bg1"/>
                 </a:solidFill>
               </a:rPr>
               <a:t>17.11.2020</a:t>
             </a:r>
-            <a:endParaRPr lang="de-DE" sz="1200" dirty="0">
+            <a:endParaRPr lang="de-DE" sz="1200">
               <a:solidFill>
                 <a:schemeClr val="bg1"/>
               </a:solidFill>
@@ -7494,10 +11891,10 @@
           </a:lstStyle>
           <a:p>
             <a:r>
-              <a:rPr lang="en-US" dirty="0"/>
+              <a:rPr lang="en-US"/>
               <a:t>Click to edit Master title style</a:t>
             </a:r>
-            <a:endParaRPr lang="de-DE" dirty="0"/>
+            <a:endParaRPr lang="de-DE"/>
           </a:p>
         </p:txBody>
       </p:sp>
@@ -7550,38 +11947,38 @@
           <a:p>
             <a:pPr lvl="0"/>
             <a:r>
-              <a:rPr lang="en-US" dirty="0"/>
+              <a:rPr lang="en-US"/>
               <a:t>Click to edit Master text styles</a:t>
             </a:r>
           </a:p>
           <a:p>
             <a:pPr lvl="1"/>
             <a:r>
-              <a:rPr lang="en-US" dirty="0"/>
+              <a:rPr lang="en-US"/>
               <a:t>Second level</a:t>
             </a:r>
           </a:p>
           <a:p>
             <a:pPr lvl="2"/>
             <a:r>
-              <a:rPr lang="en-US" dirty="0"/>
+              <a:rPr lang="en-US"/>
               <a:t>Third level</a:t>
             </a:r>
           </a:p>
           <a:p>
             <a:pPr lvl="3"/>
             <a:r>
-              <a:rPr lang="en-US" dirty="0"/>
+              <a:rPr lang="en-US"/>
               <a:t>Fourth level</a:t>
             </a:r>
           </a:p>
           <a:p>
             <a:pPr lvl="4"/>
             <a:r>
-              <a:rPr lang="en-US" dirty="0"/>
+              <a:rPr lang="en-US"/>
               <a:t>Fifth level</a:t>
             </a:r>
-            <a:endParaRPr lang="de-DE" dirty="0"/>
+            <a:endParaRPr lang="de-DE"/>
           </a:p>
         </p:txBody>
       </p:sp>
@@ -7707,7 +12104,7 @@
               </a:pPr>
               <a:t>‹#›</a:t>
             </a:fld>
-            <a:endParaRPr lang="de-DE" sz="1200" dirty="0">
+            <a:endParaRPr lang="de-DE" sz="1200">
               <a:solidFill>
                 <a:schemeClr val="bg1"/>
               </a:solidFill>
@@ -7761,7 +12158,7 @@
               <a:defRPr/>
             </a:pPr>
             <a:r>
-              <a:rPr lang="en-US" sz="1200" dirty="0">
+              <a:rPr lang="en-US" sz="1200">
                 <a:solidFill>
                   <a:schemeClr val="bg1"/>
                 </a:solidFill>
@@ -7769,7 +12166,7 @@
               <a:t>Marius </a:t>
             </a:r>
             <a:r>
-              <a:rPr lang="en-US" sz="1200" dirty="0" err="1">
+              <a:rPr lang="en-US" sz="1200" err="1">
                 <a:solidFill>
                   <a:schemeClr val="bg1"/>
                 </a:solidFill>
@@ -7777,7 +12174,7 @@
               <a:t>Bröcker</a:t>
             </a:r>
             <a:r>
-              <a:rPr lang="en-US" sz="1200" dirty="0">
+              <a:rPr lang="en-US" sz="1200">
                 <a:solidFill>
                   <a:schemeClr val="bg1"/>
                 </a:solidFill>
@@ -7785,7 +12182,7 @@
               <a:t>, Sebastian </a:t>
             </a:r>
             <a:r>
-              <a:rPr lang="en-US" sz="1200" dirty="0" err="1">
+              <a:rPr lang="en-US" sz="1200" err="1">
                 <a:solidFill>
                   <a:schemeClr val="bg1"/>
                 </a:solidFill>
@@ -7793,14 +12190,14 @@
               <a:t>Wallat</a:t>
             </a:r>
             <a:r>
-              <a:rPr lang="en-US" sz="1200" dirty="0">
+              <a:rPr lang="en-US" sz="1200">
                 <a:solidFill>
                   <a:schemeClr val="bg1"/>
                 </a:solidFill>
               </a:rPr>
               <a:t>, Julian Fuchs</a:t>
             </a:r>
-            <a:endParaRPr lang="de-DE" sz="1200" dirty="0">
+            <a:endParaRPr lang="de-DE" sz="1200">
               <a:solidFill>
                 <a:schemeClr val="bg1"/>
               </a:solidFill>
@@ -7808,7 +12205,7 @@
           </a:p>
           <a:p>
             <a:pPr algn="ctr"/>
-            <a:endParaRPr lang="de-DE" sz="1200" dirty="0">
+            <a:endParaRPr lang="de-DE" sz="1200">
               <a:solidFill>
                 <a:schemeClr val="bg1"/>
               </a:solidFill>
@@ -7862,14 +12259,14 @@
               <a:defRPr/>
             </a:pPr>
             <a:r>
-              <a:rPr lang="en-US" sz="1200" dirty="0">
+              <a:rPr lang="en-US" sz="1200">
                 <a:solidFill>
                   <a:schemeClr val="bg1"/>
                 </a:solidFill>
               </a:rPr>
               <a:t>17.11.2020</a:t>
             </a:r>
-            <a:endParaRPr lang="de-DE" sz="1200" dirty="0">
+            <a:endParaRPr lang="de-DE" sz="1200">
               <a:solidFill>
                 <a:schemeClr val="bg1"/>
               </a:solidFill>
@@ -7938,10 +12335,10 @@
           </a:lstStyle>
           <a:p>
             <a:r>
-              <a:rPr lang="en-US" dirty="0"/>
+              <a:rPr lang="en-US"/>
               <a:t>Click to edit Master title style</a:t>
             </a:r>
-            <a:endParaRPr lang="de-DE" dirty="0"/>
+            <a:endParaRPr lang="de-DE"/>
           </a:p>
         </p:txBody>
       </p:sp>
@@ -8192,7 +12589,7 @@
               </a:pPr>
               <a:t>‹#›</a:t>
             </a:fld>
-            <a:endParaRPr lang="de-DE" sz="1200" dirty="0">
+            <a:endParaRPr lang="de-DE" sz="1200">
               <a:solidFill>
                 <a:schemeClr val="bg1"/>
               </a:solidFill>
@@ -8246,7 +12643,7 @@
               <a:defRPr/>
             </a:pPr>
             <a:r>
-              <a:rPr lang="en-US" sz="1200" dirty="0">
+              <a:rPr lang="en-US" sz="1200">
                 <a:solidFill>
                   <a:schemeClr val="bg1"/>
                 </a:solidFill>
@@ -8254,7 +12651,7 @@
               <a:t>Marius </a:t>
             </a:r>
             <a:r>
-              <a:rPr lang="en-US" sz="1200" dirty="0" err="1">
+              <a:rPr lang="en-US" sz="1200" err="1">
                 <a:solidFill>
                   <a:schemeClr val="bg1"/>
                 </a:solidFill>
@@ -8262,7 +12659,7 @@
               <a:t>Bröcker</a:t>
             </a:r>
             <a:r>
-              <a:rPr lang="en-US" sz="1200" dirty="0">
+              <a:rPr lang="en-US" sz="1200">
                 <a:solidFill>
                   <a:schemeClr val="bg1"/>
                 </a:solidFill>
@@ -8270,7 +12667,7 @@
               <a:t>, Sebastian </a:t>
             </a:r>
             <a:r>
-              <a:rPr lang="en-US" sz="1200" dirty="0" err="1">
+              <a:rPr lang="en-US" sz="1200" err="1">
                 <a:solidFill>
                   <a:schemeClr val="bg1"/>
                 </a:solidFill>
@@ -8278,14 +12675,14 @@
               <a:t>Wallat</a:t>
             </a:r>
             <a:r>
-              <a:rPr lang="en-US" sz="1200" dirty="0">
+              <a:rPr lang="en-US" sz="1200">
                 <a:solidFill>
                   <a:schemeClr val="bg1"/>
                 </a:solidFill>
               </a:rPr>
               <a:t>, Julian Fuchs</a:t>
             </a:r>
-            <a:endParaRPr lang="de-DE" sz="1200" dirty="0">
+            <a:endParaRPr lang="de-DE" sz="1200">
               <a:solidFill>
                 <a:schemeClr val="bg1"/>
               </a:solidFill>
@@ -8293,7 +12690,7 @@
           </a:p>
           <a:p>
             <a:pPr algn="ctr"/>
-            <a:endParaRPr lang="de-DE" sz="1200" dirty="0">
+            <a:endParaRPr lang="de-DE" sz="1200">
               <a:solidFill>
                 <a:schemeClr val="bg1"/>
               </a:solidFill>
@@ -8347,14 +12744,14 @@
               <a:defRPr/>
             </a:pPr>
             <a:r>
-              <a:rPr lang="en-US" sz="1200" dirty="0">
+              <a:rPr lang="en-US" sz="1200">
                 <a:solidFill>
                   <a:schemeClr val="bg1"/>
                 </a:solidFill>
               </a:rPr>
               <a:t>17.11.2020</a:t>
             </a:r>
-            <a:endParaRPr lang="de-DE" sz="1200" dirty="0">
+            <a:endParaRPr lang="de-DE" sz="1200">
               <a:solidFill>
                 <a:schemeClr val="bg1"/>
               </a:solidFill>
@@ -8418,10 +12815,10 @@
           </a:lstStyle>
           <a:p>
             <a:r>
-              <a:rPr lang="en-US" dirty="0"/>
+              <a:rPr lang="en-US"/>
               <a:t>Click to edit Master title style</a:t>
             </a:r>
-            <a:endParaRPr lang="de-DE" dirty="0"/>
+            <a:endParaRPr lang="de-DE"/>
           </a:p>
         </p:txBody>
       </p:sp>
@@ -8673,7 +13070,7 @@
               </a:pPr>
               <a:t>‹#›</a:t>
             </a:fld>
-            <a:endParaRPr lang="de-DE" sz="1200" dirty="0">
+            <a:endParaRPr lang="de-DE" sz="1200">
               <a:solidFill>
                 <a:schemeClr val="bg1"/>
               </a:solidFill>
@@ -8727,7 +13124,7 @@
               <a:defRPr/>
             </a:pPr>
             <a:r>
-              <a:rPr lang="en-US" sz="1200" dirty="0">
+              <a:rPr lang="en-US" sz="1200">
                 <a:solidFill>
                   <a:schemeClr val="bg1"/>
                 </a:solidFill>
@@ -8735,7 +13132,7 @@
               <a:t>Marius </a:t>
             </a:r>
             <a:r>
-              <a:rPr lang="en-US" sz="1200" dirty="0" err="1">
+              <a:rPr lang="en-US" sz="1200" err="1">
                 <a:solidFill>
                   <a:schemeClr val="bg1"/>
                 </a:solidFill>
@@ -8743,7 +13140,7 @@
               <a:t>Bröcker</a:t>
             </a:r>
             <a:r>
-              <a:rPr lang="en-US" sz="1200" dirty="0">
+              <a:rPr lang="en-US" sz="1200">
                 <a:solidFill>
                   <a:schemeClr val="bg1"/>
                 </a:solidFill>
@@ -8751,7 +13148,7 @@
               <a:t>, Sebastian </a:t>
             </a:r>
             <a:r>
-              <a:rPr lang="en-US" sz="1200" dirty="0" err="1">
+              <a:rPr lang="en-US" sz="1200" err="1">
                 <a:solidFill>
                   <a:schemeClr val="bg1"/>
                 </a:solidFill>
@@ -8759,14 +13156,14 @@
               <a:t>Wallat</a:t>
             </a:r>
             <a:r>
-              <a:rPr lang="en-US" sz="1200" dirty="0">
+              <a:rPr lang="en-US" sz="1200">
                 <a:solidFill>
                   <a:schemeClr val="bg1"/>
                 </a:solidFill>
               </a:rPr>
               <a:t>, Julian Fuchs</a:t>
             </a:r>
-            <a:endParaRPr lang="de-DE" sz="1200" dirty="0">
+            <a:endParaRPr lang="de-DE" sz="1200">
               <a:solidFill>
                 <a:schemeClr val="bg1"/>
               </a:solidFill>
@@ -8774,7 +13171,7 @@
           </a:p>
           <a:p>
             <a:pPr algn="ctr"/>
-            <a:endParaRPr lang="de-DE" sz="1200" dirty="0">
+            <a:endParaRPr lang="de-DE" sz="1200">
               <a:solidFill>
                 <a:schemeClr val="bg1"/>
               </a:solidFill>
@@ -8828,14 +13225,14 @@
               <a:defRPr/>
             </a:pPr>
             <a:r>
-              <a:rPr lang="en-US" sz="1200" dirty="0">
+              <a:rPr lang="en-US" sz="1200">
                 <a:solidFill>
                   <a:schemeClr val="bg1"/>
                 </a:solidFill>
               </a:rPr>
               <a:t>17.11.2020</a:t>
             </a:r>
-            <a:endParaRPr lang="de-DE" sz="1200" dirty="0">
+            <a:endParaRPr lang="de-DE" sz="1200">
               <a:solidFill>
                 <a:schemeClr val="bg1"/>
               </a:solidFill>
@@ -8904,10 +13301,10 @@
           </a:lstStyle>
           <a:p>
             <a:r>
-              <a:rPr lang="en-US" dirty="0"/>
+              <a:rPr lang="en-US"/>
               <a:t>Click to edit Master title style</a:t>
             </a:r>
-            <a:endParaRPr lang="de-DE" dirty="0"/>
+            <a:endParaRPr lang="de-DE"/>
           </a:p>
         </p:txBody>
       </p:sp>
@@ -8976,7 +13373,7 @@
           <a:p>
             <a:pPr lvl="0"/>
             <a:r>
-              <a:rPr lang="en-US" dirty="0"/>
+              <a:rPr lang="en-US"/>
               <a:t>Click to edit Master text styles</a:t>
             </a:r>
           </a:p>
@@ -9010,38 +13407,38 @@
           <a:p>
             <a:pPr lvl="0"/>
             <a:r>
-              <a:rPr lang="en-US" dirty="0"/>
+              <a:rPr lang="en-US"/>
               <a:t>Click to edit Master text styles</a:t>
             </a:r>
           </a:p>
           <a:p>
             <a:pPr lvl="1"/>
             <a:r>
-              <a:rPr lang="en-US" dirty="0"/>
+              <a:rPr lang="en-US"/>
               <a:t>Second level</a:t>
             </a:r>
           </a:p>
           <a:p>
             <a:pPr lvl="2"/>
             <a:r>
-              <a:rPr lang="en-US" dirty="0"/>
+              <a:rPr lang="en-US"/>
               <a:t>Third level</a:t>
             </a:r>
           </a:p>
           <a:p>
             <a:pPr lvl="3"/>
             <a:r>
-              <a:rPr lang="en-US" dirty="0"/>
+              <a:rPr lang="en-US"/>
               <a:t>Fourth level</a:t>
             </a:r>
           </a:p>
           <a:p>
             <a:pPr lvl="4"/>
             <a:r>
-              <a:rPr lang="en-US" dirty="0"/>
+              <a:rPr lang="en-US"/>
               <a:t>Fifth level</a:t>
             </a:r>
-            <a:endParaRPr lang="de-DE" dirty="0"/>
+            <a:endParaRPr lang="de-DE"/>
           </a:p>
         </p:txBody>
       </p:sp>
@@ -9110,7 +13507,7 @@
           <a:p>
             <a:pPr lvl="0"/>
             <a:r>
-              <a:rPr lang="en-US" dirty="0"/>
+              <a:rPr lang="en-US"/>
               <a:t>Click to edit Master text styles</a:t>
             </a:r>
           </a:p>
@@ -9301,7 +13698,7 @@
               </a:pPr>
               <a:t>‹#›</a:t>
             </a:fld>
-            <a:endParaRPr lang="de-DE" sz="1200" dirty="0">
+            <a:endParaRPr lang="de-DE" sz="1200">
               <a:solidFill>
                 <a:schemeClr val="bg1"/>
               </a:solidFill>
@@ -9355,7 +13752,7 @@
               <a:defRPr/>
             </a:pPr>
             <a:r>
-              <a:rPr lang="en-US" sz="1200" dirty="0">
+              <a:rPr lang="en-US" sz="1200">
                 <a:solidFill>
                   <a:schemeClr val="bg1"/>
                 </a:solidFill>
@@ -9363,7 +13760,7 @@
               <a:t>Marius </a:t>
             </a:r>
             <a:r>
-              <a:rPr lang="en-US" sz="1200" dirty="0" err="1">
+              <a:rPr lang="en-US" sz="1200" err="1">
                 <a:solidFill>
                   <a:schemeClr val="bg1"/>
                 </a:solidFill>
@@ -9371,7 +13768,7 @@
               <a:t>Bröcker</a:t>
             </a:r>
             <a:r>
-              <a:rPr lang="en-US" sz="1200" dirty="0">
+              <a:rPr lang="en-US" sz="1200">
                 <a:solidFill>
                   <a:schemeClr val="bg1"/>
                 </a:solidFill>
@@ -9379,7 +13776,7 @@
               <a:t>, Sebastian </a:t>
             </a:r>
             <a:r>
-              <a:rPr lang="en-US" sz="1200" dirty="0" err="1">
+              <a:rPr lang="en-US" sz="1200" err="1">
                 <a:solidFill>
                   <a:schemeClr val="bg1"/>
                 </a:solidFill>
@@ -9387,14 +13784,14 @@
               <a:t>Wallat</a:t>
             </a:r>
             <a:r>
-              <a:rPr lang="en-US" sz="1200" dirty="0">
+              <a:rPr lang="en-US" sz="1200">
                 <a:solidFill>
                   <a:schemeClr val="bg1"/>
                 </a:solidFill>
               </a:rPr>
               <a:t>, Julian Fuchs</a:t>
             </a:r>
-            <a:endParaRPr lang="de-DE" sz="1200" dirty="0">
+            <a:endParaRPr lang="de-DE" sz="1200">
               <a:solidFill>
                 <a:schemeClr val="bg1"/>
               </a:solidFill>
@@ -9402,7 +13799,7 @@
           </a:p>
           <a:p>
             <a:pPr algn="ctr"/>
-            <a:endParaRPr lang="de-DE" sz="1200" dirty="0">
+            <a:endParaRPr lang="de-DE" sz="1200">
               <a:solidFill>
                 <a:schemeClr val="bg1"/>
               </a:solidFill>
@@ -9456,14 +13853,14 @@
               <a:defRPr/>
             </a:pPr>
             <a:r>
-              <a:rPr lang="en-US" sz="1200" dirty="0">
+              <a:rPr lang="en-US" sz="1200">
                 <a:solidFill>
                   <a:schemeClr val="bg1"/>
                 </a:solidFill>
               </a:rPr>
               <a:t>17.11.2020</a:t>
             </a:r>
-            <a:endParaRPr lang="de-DE" sz="1200" dirty="0">
+            <a:endParaRPr lang="de-DE" sz="1200">
               <a:solidFill>
                 <a:schemeClr val="bg1"/>
               </a:solidFill>
@@ -9527,10 +13924,10 @@
           </a:lstStyle>
           <a:p>
             <a:r>
-              <a:rPr lang="en-US" dirty="0"/>
+              <a:rPr lang="en-US"/>
               <a:t>Click to edit Master title style</a:t>
             </a:r>
-            <a:endParaRPr lang="de-DE" dirty="0"/>
+            <a:endParaRPr lang="de-DE"/>
           </a:p>
         </p:txBody>
       </p:sp>
@@ -9656,7 +14053,7 @@
               </a:pPr>
               <a:t>‹#›</a:t>
             </a:fld>
-            <a:endParaRPr lang="de-DE" sz="1200" dirty="0">
+            <a:endParaRPr lang="de-DE" sz="1200">
               <a:solidFill>
                 <a:schemeClr val="bg1"/>
               </a:solidFill>
@@ -9710,7 +14107,7 @@
               <a:defRPr/>
             </a:pPr>
             <a:r>
-              <a:rPr lang="en-US" sz="1200" dirty="0">
+              <a:rPr lang="en-US" sz="1200">
                 <a:solidFill>
                   <a:schemeClr val="bg1"/>
                 </a:solidFill>
@@ -9718,7 +14115,7 @@
               <a:t>Marius </a:t>
             </a:r>
             <a:r>
-              <a:rPr lang="en-US" sz="1200" dirty="0" err="1">
+              <a:rPr lang="en-US" sz="1200" err="1">
                 <a:solidFill>
                   <a:schemeClr val="bg1"/>
                 </a:solidFill>
@@ -9726,7 +14123,7 @@
               <a:t>Bröcker</a:t>
             </a:r>
             <a:r>
-              <a:rPr lang="en-US" sz="1200" dirty="0">
+              <a:rPr lang="en-US" sz="1200">
                 <a:solidFill>
                   <a:schemeClr val="bg1"/>
                 </a:solidFill>
@@ -9734,7 +14131,7 @@
               <a:t>, Sebastian </a:t>
             </a:r>
             <a:r>
-              <a:rPr lang="en-US" sz="1200" dirty="0" err="1">
+              <a:rPr lang="en-US" sz="1200" err="1">
                 <a:solidFill>
                   <a:schemeClr val="bg1"/>
                 </a:solidFill>
@@ -9742,14 +14139,14 @@
               <a:t>Wallat</a:t>
             </a:r>
             <a:r>
-              <a:rPr lang="en-US" sz="1200" dirty="0">
+              <a:rPr lang="en-US" sz="1200">
                 <a:solidFill>
                   <a:schemeClr val="bg1"/>
                 </a:solidFill>
               </a:rPr>
               <a:t>, Julian Fuchs</a:t>
             </a:r>
-            <a:endParaRPr lang="de-DE" sz="1200" dirty="0">
+            <a:endParaRPr lang="de-DE" sz="1200">
               <a:solidFill>
                 <a:schemeClr val="bg1"/>
               </a:solidFill>
@@ -9757,7 +14154,7 @@
           </a:p>
           <a:p>
             <a:pPr algn="ctr"/>
-            <a:endParaRPr lang="de-DE" sz="1200" dirty="0">
+            <a:endParaRPr lang="de-DE" sz="1200">
               <a:solidFill>
                 <a:schemeClr val="bg1"/>
               </a:solidFill>
@@ -9811,14 +14208,14 @@
               <a:defRPr/>
             </a:pPr>
             <a:r>
-              <a:rPr lang="en-US" sz="1200" dirty="0">
+              <a:rPr lang="en-US" sz="1200">
                 <a:solidFill>
                   <a:schemeClr val="bg1"/>
                 </a:solidFill>
               </a:rPr>
               <a:t>17.11.2020</a:t>
             </a:r>
-            <a:endParaRPr lang="de-DE" sz="1200" dirty="0">
+            <a:endParaRPr lang="de-DE" sz="1200">
               <a:solidFill>
                 <a:schemeClr val="bg1"/>
               </a:solidFill>
@@ -9978,7 +14375,7 @@
               </a:pPr>
               <a:t>‹#›</a:t>
             </a:fld>
-            <a:endParaRPr lang="de-DE" sz="1200" dirty="0">
+            <a:endParaRPr lang="de-DE" sz="1200">
               <a:solidFill>
                 <a:schemeClr val="bg1"/>
               </a:solidFill>
@@ -10032,7 +14429,7 @@
               <a:defRPr/>
             </a:pPr>
             <a:r>
-              <a:rPr lang="en-US" sz="1200" dirty="0">
+              <a:rPr lang="en-US" sz="1200">
                 <a:solidFill>
                   <a:schemeClr val="bg1"/>
                 </a:solidFill>
@@ -10040,7 +14437,7 @@
               <a:t>Marius </a:t>
             </a:r>
             <a:r>
-              <a:rPr lang="en-US" sz="1200" dirty="0" err="1">
+              <a:rPr lang="en-US" sz="1200" err="1">
                 <a:solidFill>
                   <a:schemeClr val="bg1"/>
                 </a:solidFill>
@@ -10048,7 +14445,7 @@
               <a:t>Bröcker</a:t>
             </a:r>
             <a:r>
-              <a:rPr lang="en-US" sz="1200" dirty="0">
+              <a:rPr lang="en-US" sz="1200">
                 <a:solidFill>
                   <a:schemeClr val="bg1"/>
                 </a:solidFill>
@@ -10056,7 +14453,7 @@
               <a:t>, Sebastian </a:t>
             </a:r>
             <a:r>
-              <a:rPr lang="en-US" sz="1200" dirty="0" err="1">
+              <a:rPr lang="en-US" sz="1200" err="1">
                 <a:solidFill>
                   <a:schemeClr val="bg1"/>
                 </a:solidFill>
@@ -10064,14 +14461,14 @@
               <a:t>Wallat</a:t>
             </a:r>
             <a:r>
-              <a:rPr lang="en-US" sz="1200" dirty="0">
+              <a:rPr lang="en-US" sz="1200">
                 <a:solidFill>
                   <a:schemeClr val="bg1"/>
                 </a:solidFill>
               </a:rPr>
               <a:t>, Julian Fuchs</a:t>
             </a:r>
-            <a:endParaRPr lang="de-DE" sz="1200" dirty="0">
+            <a:endParaRPr lang="de-DE" sz="1200">
               <a:solidFill>
                 <a:schemeClr val="bg1"/>
               </a:solidFill>
@@ -10079,7 +14476,7 @@
           </a:p>
           <a:p>
             <a:pPr algn="ctr"/>
-            <a:endParaRPr lang="de-DE" sz="1200" dirty="0">
+            <a:endParaRPr lang="de-DE" sz="1200">
               <a:solidFill>
                 <a:schemeClr val="bg1"/>
               </a:solidFill>
@@ -10133,14 +14530,14 @@
               <a:defRPr/>
             </a:pPr>
             <a:r>
-              <a:rPr lang="en-US" sz="1200" dirty="0">
+              <a:rPr lang="en-US" sz="1200">
                 <a:solidFill>
                   <a:schemeClr val="bg1"/>
                 </a:solidFill>
               </a:rPr>
               <a:t>17.11.2020</a:t>
             </a:r>
-            <a:endParaRPr lang="de-DE" sz="1200" dirty="0">
+            <a:endParaRPr lang="de-DE" sz="1200">
               <a:solidFill>
                 <a:schemeClr val="bg1"/>
               </a:solidFill>
@@ -10209,10 +14606,10 @@
           </a:lstStyle>
           <a:p>
             <a:r>
-              <a:rPr lang="en-US" dirty="0"/>
+              <a:rPr lang="en-US"/>
               <a:t>Click to edit Master title style</a:t>
             </a:r>
-            <a:endParaRPr lang="de-DE" dirty="0"/>
+            <a:endParaRPr lang="de-DE"/>
           </a:p>
         </p:txBody>
       </p:sp>
@@ -10372,7 +14769,7 @@
           <a:p>
             <a:pPr lvl="0"/>
             <a:r>
-              <a:rPr lang="en-US" dirty="0"/>
+              <a:rPr lang="en-US"/>
               <a:t>Click to edit Master text styles</a:t>
             </a:r>
           </a:p>
@@ -10500,7 +14897,7 @@
               </a:pPr>
               <a:t>‹#›</a:t>
             </a:fld>
-            <a:endParaRPr lang="de-DE" sz="1200" dirty="0">
+            <a:endParaRPr lang="de-DE" sz="1200">
               <a:solidFill>
                 <a:schemeClr val="bg1"/>
               </a:solidFill>
@@ -10554,7 +14951,7 @@
               <a:defRPr/>
             </a:pPr>
             <a:r>
-              <a:rPr lang="en-US" sz="1200" dirty="0">
+              <a:rPr lang="en-US" sz="1200">
                 <a:solidFill>
                   <a:schemeClr val="bg1"/>
                 </a:solidFill>
@@ -10562,7 +14959,7 @@
               <a:t>Marius </a:t>
             </a:r>
             <a:r>
-              <a:rPr lang="en-US" sz="1200" dirty="0" err="1">
+              <a:rPr lang="en-US" sz="1200" err="1">
                 <a:solidFill>
                   <a:schemeClr val="bg1"/>
                 </a:solidFill>
@@ -10570,7 +14967,7 @@
               <a:t>Bröcker</a:t>
             </a:r>
             <a:r>
-              <a:rPr lang="en-US" sz="1200" dirty="0">
+              <a:rPr lang="en-US" sz="1200">
                 <a:solidFill>
                   <a:schemeClr val="bg1"/>
                 </a:solidFill>
@@ -10578,7 +14975,7 @@
               <a:t>, Sebastian </a:t>
             </a:r>
             <a:r>
-              <a:rPr lang="en-US" sz="1200" dirty="0" err="1">
+              <a:rPr lang="en-US" sz="1200" err="1">
                 <a:solidFill>
                   <a:schemeClr val="bg1"/>
                 </a:solidFill>
@@ -10586,14 +14983,14 @@
               <a:t>Wallat</a:t>
             </a:r>
             <a:r>
-              <a:rPr lang="en-US" sz="1200" dirty="0">
+              <a:rPr lang="en-US" sz="1200">
                 <a:solidFill>
                   <a:schemeClr val="bg1"/>
                 </a:solidFill>
               </a:rPr>
               <a:t>, Julian Fuchs</a:t>
             </a:r>
-            <a:endParaRPr lang="de-DE" sz="1200" dirty="0">
+            <a:endParaRPr lang="de-DE" sz="1200">
               <a:solidFill>
                 <a:schemeClr val="bg1"/>
               </a:solidFill>
@@ -10601,7 +14998,7 @@
           </a:p>
           <a:p>
             <a:pPr algn="ctr"/>
-            <a:endParaRPr lang="de-DE" sz="1200" dirty="0">
+            <a:endParaRPr lang="de-DE" sz="1200">
               <a:solidFill>
                 <a:schemeClr val="bg1"/>
               </a:solidFill>
@@ -10655,14 +15052,14 @@
               <a:defRPr/>
             </a:pPr>
             <a:r>
-              <a:rPr lang="en-US" sz="1200" dirty="0">
+              <a:rPr lang="en-US" sz="1200">
                 <a:solidFill>
                   <a:schemeClr val="bg1"/>
                 </a:solidFill>
               </a:rPr>
               <a:t>17.11.2020</a:t>
             </a:r>
-            <a:endParaRPr lang="de-DE" sz="1200" dirty="0">
+            <a:endParaRPr lang="de-DE" sz="1200">
               <a:solidFill>
                 <a:schemeClr val="bg1"/>
               </a:solidFill>
@@ -10716,14 +15113,14 @@
               <a:defRPr/>
             </a:pPr>
             <a:r>
-              <a:rPr lang="en-US" sz="1200" dirty="0">
+              <a:rPr lang="en-US" sz="1200">
                 <a:solidFill>
                   <a:schemeClr val="bg1"/>
                 </a:solidFill>
               </a:rPr>
               <a:t>17.11.2020</a:t>
             </a:r>
-            <a:endParaRPr lang="de-DE" sz="1200" dirty="0">
+            <a:endParaRPr lang="de-DE" sz="1200">
               <a:solidFill>
                 <a:schemeClr val="bg1"/>
               </a:solidFill>
@@ -10792,10 +15189,10 @@
           </a:lstStyle>
           <a:p>
             <a:r>
-              <a:rPr lang="en-US" dirty="0"/>
+              <a:rPr lang="en-US"/>
               <a:t>Click to edit Master title style</a:t>
             </a:r>
-            <a:endParaRPr lang="de-DE" dirty="0"/>
+            <a:endParaRPr lang="de-DE"/>
           </a:p>
         </p:txBody>
       </p:sp>
@@ -11059,7 +15456,7 @@
               </a:pPr>
               <a:t>‹#›</a:t>
             </a:fld>
-            <a:endParaRPr lang="de-DE" sz="1200" dirty="0">
+            <a:endParaRPr lang="de-DE" sz="1200">
               <a:solidFill>
                 <a:schemeClr val="bg1"/>
               </a:solidFill>
@@ -11113,7 +15510,7 @@
               <a:defRPr/>
             </a:pPr>
             <a:r>
-              <a:rPr lang="en-US" sz="1200" dirty="0">
+              <a:rPr lang="en-US" sz="1200">
                 <a:solidFill>
                   <a:schemeClr val="bg1"/>
                 </a:solidFill>
@@ -11121,7 +15518,7 @@
               <a:t>Marius </a:t>
             </a:r>
             <a:r>
-              <a:rPr lang="en-US" sz="1200" dirty="0" err="1">
+              <a:rPr lang="en-US" sz="1200" err="1">
                 <a:solidFill>
                   <a:schemeClr val="bg1"/>
                 </a:solidFill>
@@ -11129,7 +15526,7 @@
               <a:t>Bröcker</a:t>
             </a:r>
             <a:r>
-              <a:rPr lang="en-US" sz="1200" dirty="0">
+              <a:rPr lang="en-US" sz="1200">
                 <a:solidFill>
                   <a:schemeClr val="bg1"/>
                 </a:solidFill>
@@ -11137,7 +15534,7 @@
               <a:t>, Sebastian </a:t>
             </a:r>
             <a:r>
-              <a:rPr lang="en-US" sz="1200" dirty="0" err="1">
+              <a:rPr lang="en-US" sz="1200" err="1">
                 <a:solidFill>
                   <a:schemeClr val="bg1"/>
                 </a:solidFill>
@@ -11145,14 +15542,14 @@
               <a:t>Wallat</a:t>
             </a:r>
             <a:r>
-              <a:rPr lang="en-US" sz="1200" dirty="0">
+              <a:rPr lang="en-US" sz="1200">
                 <a:solidFill>
                   <a:schemeClr val="bg1"/>
                 </a:solidFill>
               </a:rPr>
               <a:t>, Julian Fuchs</a:t>
             </a:r>
-            <a:endParaRPr lang="de-DE" sz="1200" dirty="0">
+            <a:endParaRPr lang="de-DE" sz="1200">
               <a:solidFill>
                 <a:schemeClr val="bg1"/>
               </a:solidFill>
@@ -11160,7 +15557,7 @@
           </a:p>
           <a:p>
             <a:pPr algn="ctr"/>
-            <a:endParaRPr lang="de-DE" sz="1200" dirty="0">
+            <a:endParaRPr lang="de-DE" sz="1200">
               <a:solidFill>
                 <a:schemeClr val="bg1"/>
               </a:solidFill>
@@ -11214,14 +15611,14 @@
               <a:defRPr/>
             </a:pPr>
             <a:r>
-              <a:rPr lang="en-US" sz="1200" dirty="0">
+              <a:rPr lang="en-US" sz="1200">
                 <a:solidFill>
                   <a:schemeClr val="bg1"/>
                 </a:solidFill>
               </a:rPr>
               <a:t>17.11.2020</a:t>
             </a:r>
-            <a:endParaRPr lang="de-DE" sz="1200" dirty="0">
+            <a:endParaRPr lang="de-DE" sz="1200">
               <a:solidFill>
                 <a:schemeClr val="bg1"/>
               </a:solidFill>
@@ -11312,7 +15709,7 @@
           <a:lstStyle/>
           <a:p>
             <a:pPr algn="ctr"/>
-            <a:endParaRPr lang="de-DE" dirty="0"/>
+            <a:endParaRPr lang="de-DE"/>
           </a:p>
         </p:txBody>
       </p:sp>
@@ -11348,10 +15745,10 @@
           <a:lstStyle/>
           <a:p>
             <a:r>
-              <a:rPr lang="en-US" dirty="0"/>
+              <a:rPr lang="en-US"/>
               <a:t>Click to edit Master title style</a:t>
             </a:r>
-            <a:endParaRPr lang="de-DE" dirty="0"/>
+            <a:endParaRPr lang="de-DE"/>
           </a:p>
         </p:txBody>
       </p:sp>
@@ -11388,38 +15785,38 @@
           <a:p>
             <a:pPr lvl="0"/>
             <a:r>
-              <a:rPr lang="en-US" dirty="0"/>
+              <a:rPr lang="en-US"/>
               <a:t>Click to edit Master text styles</a:t>
             </a:r>
           </a:p>
           <a:p>
             <a:pPr lvl="1"/>
             <a:r>
-              <a:rPr lang="en-US" dirty="0"/>
+              <a:rPr lang="en-US"/>
               <a:t>Second level</a:t>
             </a:r>
           </a:p>
           <a:p>
             <a:pPr lvl="2"/>
             <a:r>
-              <a:rPr lang="en-US" dirty="0"/>
+              <a:rPr lang="en-US"/>
               <a:t>Third level</a:t>
             </a:r>
           </a:p>
           <a:p>
             <a:pPr lvl="3"/>
             <a:r>
-              <a:rPr lang="en-US" dirty="0"/>
+              <a:rPr lang="en-US"/>
               <a:t>Fourth level</a:t>
             </a:r>
           </a:p>
           <a:p>
             <a:pPr lvl="4"/>
             <a:r>
-              <a:rPr lang="en-US" dirty="0"/>
+              <a:rPr lang="en-US"/>
               <a:t>Fifth level</a:t>
             </a:r>
-            <a:endParaRPr lang="de-DE" dirty="0"/>
+            <a:endParaRPr lang="de-DE"/>
           </a:p>
         </p:txBody>
       </p:sp>
@@ -11461,10 +15858,10 @@
           </a:lstStyle>
           <a:p>
             <a:r>
-              <a:rPr lang="en-US" dirty="0"/>
+              <a:rPr lang="en-US"/>
               <a:t>17.11.2020</a:t>
             </a:r>
-            <a:endParaRPr lang="de-DE" dirty="0"/>
+            <a:endParaRPr lang="de-DE"/>
           </a:p>
         </p:txBody>
       </p:sp>
@@ -11506,26 +15903,26 @@
           </a:lstStyle>
           <a:p>
             <a:r>
-              <a:rPr lang="en-US" dirty="0"/>
+              <a:rPr lang="en-US"/>
               <a:t>Marius </a:t>
             </a:r>
             <a:r>
-              <a:rPr lang="en-US" dirty="0" err="1"/>
+              <a:rPr lang="en-US" err="1"/>
               <a:t>Bröcker</a:t>
             </a:r>
             <a:r>
-              <a:rPr lang="en-US" dirty="0"/>
+              <a:rPr lang="en-US"/>
               <a:t>, Sebastian </a:t>
             </a:r>
             <a:r>
-              <a:rPr lang="en-US" dirty="0" err="1"/>
+              <a:rPr lang="en-US" err="1"/>
               <a:t>Wallat</a:t>
             </a:r>
             <a:r>
-              <a:rPr lang="en-US" dirty="0"/>
+              <a:rPr lang="en-US"/>
               <a:t>, Julian Fuchs</a:t>
             </a:r>
-            <a:endParaRPr lang="de-DE" dirty="0"/>
+            <a:endParaRPr lang="de-DE"/>
           </a:p>
         </p:txBody>
       </p:sp>
@@ -11571,7 +15968,7 @@
               <a:pPr/>
               <a:t>‹#›</a:t>
             </a:fld>
-            <a:endParaRPr lang="de-DE" dirty="0">
+            <a:endParaRPr lang="de-DE">
               <a:solidFill>
                 <a:schemeClr val="bg1"/>
               </a:solidFill>
@@ -11979,7 +16376,7 @@
           <a:lstStyle/>
           <a:p>
             <a:r>
-              <a:rPr lang="en-US" dirty="0">
+              <a:rPr lang="en-US">
                 <a:solidFill>
                   <a:srgbClr val="252F3E"/>
                 </a:solidFill>
@@ -11987,14 +16384,14 @@
               <a:t>         </a:t>
             </a:r>
             <a:r>
-              <a:rPr lang="en-US" b="1" dirty="0">
+              <a:rPr lang="en-US" b="1">
                 <a:solidFill>
                   <a:srgbClr val="252F3E"/>
                 </a:solidFill>
               </a:rPr>
               <a:t>Translate &amp; Polly</a:t>
             </a:r>
-            <a:endParaRPr lang="de-DE" b="1" dirty="0">
+            <a:endParaRPr lang="de-DE" b="1">
               <a:solidFill>
                 <a:srgbClr val="252F3E"/>
               </a:solidFill>
@@ -12030,7 +16427,7 @@
           <a:p>
             <a:pPr algn="l"/>
             <a:r>
-              <a:rPr lang="en-US" dirty="0" err="1">
+              <a:rPr lang="en-US" err="1">
                 <a:solidFill>
                   <a:srgbClr val="333333"/>
                 </a:solidFill>
@@ -12038,7 +16435,7 @@
               <a:t>Textübersetzung</a:t>
             </a:r>
             <a:r>
-              <a:rPr lang="en-US" dirty="0">
+              <a:rPr lang="en-US">
                 <a:solidFill>
                   <a:srgbClr val="333333"/>
                 </a:solidFill>
@@ -12046,7 +16443,7 @@
               <a:t> </a:t>
             </a:r>
             <a:r>
-              <a:rPr lang="en-US" dirty="0" err="1">
+              <a:rPr lang="en-US" err="1">
                 <a:solidFill>
                   <a:srgbClr val="333333"/>
                 </a:solidFill>
@@ -12054,7 +16451,7 @@
               <a:t>mit</a:t>
             </a:r>
             <a:r>
-              <a:rPr lang="en-US" dirty="0">
+              <a:rPr lang="en-US">
                 <a:solidFill>
                   <a:srgbClr val="333333"/>
                 </a:solidFill>
@@ -12062,14 +16459,14 @@
               <a:t> </a:t>
             </a:r>
             <a:r>
-              <a:rPr lang="en-US" dirty="0" err="1">
+              <a:rPr lang="en-US" err="1">
                 <a:solidFill>
                   <a:srgbClr val="333333"/>
                 </a:solidFill>
               </a:rPr>
               <a:t>Sprachausgabe</a:t>
             </a:r>
-            <a:endParaRPr lang="de-DE" dirty="0">
+            <a:endParaRPr lang="de-DE">
               <a:solidFill>
                 <a:srgbClr val="333333"/>
               </a:solidFill>
@@ -12117,6 +16514,176 @@
     <p:extLst>
       <p:ext uri="{BB962C8B-B14F-4D97-AF65-F5344CB8AC3E}">
         <p14:creationId xmlns:p14="http://schemas.microsoft.com/office/powerpoint/2010/main" val="2265326251"/>
+      </p:ext>
+    </p:extLst>
+  </p:cSld>
+  <p:clrMapOvr>
+    <a:masterClrMapping/>
+  </p:clrMapOvr>
+</p:sld>
+</file>
+
+<file path=ppt/slides/slide10.xml><?xml version="1.0" encoding="utf-8"?>
+<p:sld xmlns:a="http://schemas.openxmlformats.org/drawingml/2006/main" xmlns:r="http://schemas.openxmlformats.org/officeDocument/2006/relationships" xmlns:p="http://schemas.openxmlformats.org/presentationml/2006/main">
+  <p:cSld>
+    <p:spTree>
+      <p:nvGrpSpPr>
+        <p:cNvPr id="1" name=""/>
+        <p:cNvGrpSpPr/>
+        <p:nvPr/>
+      </p:nvGrpSpPr>
+      <p:grpSpPr>
+        <a:xfrm>
+          <a:off x="0" y="0"/>
+          <a:ext cx="0" cy="0"/>
+          <a:chOff x="0" y="0"/>
+          <a:chExt cx="0" cy="0"/>
+        </a:xfrm>
+      </p:grpSpPr>
+      <p:sp>
+        <p:nvSpPr>
+          <p:cNvPr id="2" name="Title 1">
+            <a:extLst>
+              <a:ext uri="{FF2B5EF4-FFF2-40B4-BE49-F238E27FC236}">
+                <a16:creationId xmlns:a16="http://schemas.microsoft.com/office/drawing/2014/main" id="{DE348BD1-145B-4982-A052-0D6284972FC3}"/>
+              </a:ext>
+            </a:extLst>
+          </p:cNvPr>
+          <p:cNvSpPr>
+            <a:spLocks noGrp="1"/>
+          </p:cNvSpPr>
+          <p:nvPr>
+            <p:ph type="title"/>
+          </p:nvPr>
+        </p:nvSpPr>
+        <p:spPr/>
+        <p:txBody>
+          <a:bodyPr/>
+          <a:lstStyle/>
+          <a:p>
+            <a:r>
+              <a:rPr lang="de-DE">
+                <a:cs typeface="Calibri Light"/>
+              </a:rPr>
+              <a:t>Bereitstellung</a:t>
+            </a:r>
+            <a:endParaRPr lang="de-DE"/>
+          </a:p>
+        </p:txBody>
+      </p:sp>
+      <p:sp>
+        <p:nvSpPr>
+          <p:cNvPr id="3" name="Content Placeholder 2">
+            <a:extLst>
+              <a:ext uri="{FF2B5EF4-FFF2-40B4-BE49-F238E27FC236}">
+                <a16:creationId xmlns:a16="http://schemas.microsoft.com/office/drawing/2014/main" id="{63421E7F-1470-4745-B8F0-5634B8F59E14}"/>
+              </a:ext>
+            </a:extLst>
+          </p:cNvPr>
+          <p:cNvSpPr>
+            <a:spLocks noGrp="1"/>
+          </p:cNvSpPr>
+          <p:nvPr>
+            <p:ph idx="1"/>
+          </p:nvPr>
+        </p:nvSpPr>
+        <p:spPr/>
+        <p:txBody>
+          <a:bodyPr vert="horz" lIns="91440" tIns="45720" rIns="91440" bIns="45720" rtlCol="0" anchor="t">
+            <a:normAutofit/>
+          </a:bodyPr>
+          <a:lstStyle/>
+          <a:p>
+            <a:r>
+              <a:rPr lang="de-DE" dirty="0">
+                <a:cs typeface="Calibri"/>
+              </a:rPr>
+              <a:t>Nutzung von AWS EC2</a:t>
+            </a:r>
+          </a:p>
+          <a:p>
+            <a:r>
+              <a:rPr lang="de-DE" dirty="0">
+                <a:cs typeface="Calibri"/>
+              </a:rPr>
+              <a:t>Vereinfachung der Installation auf Server </a:t>
+            </a:r>
+            <a:r>
+              <a:rPr lang="de-DE" dirty="0">
+                <a:latin typeface="Arial"/>
+                <a:cs typeface="Arial"/>
+              </a:rPr>
+              <a:t>→</a:t>
+            </a:r>
+            <a:r>
+              <a:rPr lang="de-DE" dirty="0">
+                <a:latin typeface="Calibri"/>
+                <a:cs typeface="Arial"/>
+              </a:rPr>
+              <a:t> Docker</a:t>
+            </a:r>
+          </a:p>
+          <a:p>
+            <a:r>
+              <a:rPr lang="de-DE" dirty="0" err="1">
+                <a:cs typeface="Calibri"/>
+              </a:rPr>
+              <a:t>Dockerfile</a:t>
+            </a:r>
+            <a:r>
+              <a:rPr lang="de-DE" dirty="0">
+                <a:cs typeface="Calibri"/>
+              </a:rPr>
+              <a:t> beschreibt Container-Image</a:t>
+            </a:r>
+          </a:p>
+          <a:p>
+            <a:r>
+              <a:rPr lang="de-DE" dirty="0">
+                <a:cs typeface="Calibri"/>
+              </a:rPr>
+              <a:t>lokal erstellen &amp; push zur Registry (</a:t>
+            </a:r>
+            <a:r>
+              <a:rPr lang="de-DE" dirty="0" err="1">
+                <a:cs typeface="Calibri"/>
+              </a:rPr>
+              <a:t>cloud</a:t>
+            </a:r>
+            <a:r>
+              <a:rPr lang="de-DE" dirty="0">
+                <a:cs typeface="Calibri"/>
+              </a:rPr>
+              <a:t>)</a:t>
+            </a:r>
+          </a:p>
+          <a:p>
+            <a:pPr algn="just"/>
+            <a:r>
+              <a:rPr lang="de-DE" dirty="0">
+                <a:cs typeface="Calibri"/>
+              </a:rPr>
+              <a:t>auf Server: pull des </a:t>
+            </a:r>
+            <a:r>
+              <a:rPr lang="de-DE" dirty="0" err="1">
+                <a:cs typeface="Calibri"/>
+              </a:rPr>
+              <a:t>image</a:t>
+            </a:r>
+            <a:r>
+              <a:rPr lang="de-DE" dirty="0">
+                <a:cs typeface="Calibri"/>
+              </a:rPr>
+              <a:t> &amp; ausführen</a:t>
+            </a:r>
+          </a:p>
+        </p:txBody>
+      </p:sp>
+    </p:spTree>
+    <p:extLst>
+      <p:ext uri="{BB962C8B-B14F-4D97-AF65-F5344CB8AC3E}">
+        <p14:creationId xmlns:p14="http://schemas.microsoft.com/office/powerpoint/2010/main" val="3018678322"/>
       </p:ext>
     </p:extLst>
   </p:cSld>
@@ -12764,13 +17331,7 @@
             </a:extLst>
           </p:cNvPr>
           <p:cNvGraphicFramePr/>
-          <p:nvPr>
-            <p:extLst>
-              <p:ext uri="{D42A27DB-BD31-4B8C-83A1-F6EECF244321}">
-                <p14:modId xmlns:p14="http://schemas.microsoft.com/office/powerpoint/2010/main" val="1203983945"/>
-              </p:ext>
-            </p:extLst>
-          </p:nvPr>
+          <p:nvPr/>
         </p:nvGraphicFramePr>
         <p:xfrm>
           <a:off x="909044" y="3429000"/>
@@ -12979,13 +17540,7 @@
               </a:extLst>
             </p:cNvPr>
             <p:cNvGraphicFramePr/>
-            <p:nvPr>
-              <p:extLst>
-                <p:ext uri="{D42A27DB-BD31-4B8C-83A1-F6EECF244321}">
-                  <p14:modId xmlns:p14="http://schemas.microsoft.com/office/powerpoint/2010/main" val="285973917"/>
-                </p:ext>
-              </p:extLst>
-            </p:nvPr>
+            <p:nvPr/>
           </p:nvGraphicFramePr>
           <p:xfrm>
             <a:off x="6558247" y="3779520"/>
@@ -13242,6 +17797,25 @@
             </a:pPr>
             <a:r>
               <a:rPr lang="de-DE" dirty="0"/>
+              <a:t>nutzt </a:t>
+            </a:r>
+            <a:r>
+              <a:rPr lang="de-DE" dirty="0" err="1"/>
+              <a:t>Machine</a:t>
+            </a:r>
+            <a:r>
+              <a:rPr lang="de-DE" dirty="0"/>
+              <a:t>-Learning</a:t>
+            </a:r>
+          </a:p>
+          <a:p>
+            <a:pPr lvl="1">
+              <a:lnSpc>
+                <a:spcPct val="150000"/>
+              </a:lnSpc>
+            </a:pPr>
+            <a:r>
+              <a:rPr lang="de-DE" dirty="0"/>
               <a:t>ermöglicht menschlichere Aussprache</a:t>
             </a:r>
           </a:p>
@@ -13411,12 +17985,44 @@
         </p:nvSpPr>
         <p:spPr/>
         <p:txBody>
-          <a:bodyPr/>
+          <a:bodyPr vert="horz" lIns="91440" tIns="45720" rIns="91440" bIns="45720" rtlCol="0" anchor="t">
+            <a:normAutofit/>
+          </a:bodyPr>
           <a:lstStyle/>
           <a:p>
             <a:r>
+              <a:rPr lang="en-US" dirty="0" err="1">
+                <a:cs typeface="Calibri"/>
+              </a:rPr>
+              <a:t>verschiedene</a:t>
+            </a:r>
+            <a:r>
+              <a:rPr lang="en-US" dirty="0">
+                <a:cs typeface="Calibri"/>
+              </a:rPr>
+              <a:t> SDKs </a:t>
+            </a:r>
+            <a:r>
+              <a:rPr lang="en-US" dirty="0" err="1">
+                <a:cs typeface="Calibri"/>
+              </a:rPr>
+              <a:t>für</a:t>
+            </a:r>
+            <a:r>
+              <a:rPr lang="en-US" dirty="0">
+                <a:cs typeface="Calibri"/>
+              </a:rPr>
+              <a:t> AWS Translate und Polly</a:t>
+            </a:r>
+            <a:endParaRPr lang="en-US" dirty="0"/>
+          </a:p>
+          <a:p>
+            <a:endParaRPr lang="en-US" dirty="0"/>
+          </a:p>
+          <a:p>
+            <a:r>
               <a:rPr lang="en-US" dirty="0"/>
-              <a:t> AWS SDK </a:t>
+              <a:t>AWS-SDK </a:t>
             </a:r>
             <a:r>
               <a:rPr lang="en-US" dirty="0" err="1"/>
@@ -13426,85 +18032,8 @@
               <a:rPr lang="en-US" dirty="0"/>
               <a:t> JavaScript</a:t>
             </a:r>
-          </a:p>
-          <a:p>
-            <a:pPr marL="0" indent="0">
-              <a:buNone/>
-            </a:pPr>
-            <a:endParaRPr lang="en-US" dirty="0"/>
-          </a:p>
-          <a:p>
-            <a:pPr marL="0" indent="0">
-              <a:buNone/>
-            </a:pPr>
-            <a:endParaRPr lang="en-US" dirty="0"/>
-          </a:p>
-          <a:p>
-            <a:pPr marL="0" indent="0">
-              <a:buNone/>
-            </a:pPr>
-            <a:endParaRPr lang="en-US" dirty="0"/>
-          </a:p>
-          <a:p>
-            <a:pPr marL="0" indent="0">
-              <a:buNone/>
-            </a:pPr>
-            <a:endParaRPr lang="en-US" dirty="0"/>
-          </a:p>
-          <a:p>
-            <a:pPr marL="0" indent="0">
-              <a:buNone/>
-            </a:pPr>
-            <a:endParaRPr lang="en-US" dirty="0"/>
-          </a:p>
-          <a:p>
-            <a:pPr marL="0" indent="0">
-              <a:buNone/>
-            </a:pPr>
-            <a:r>
-              <a:rPr lang="en-US" sz="2000" dirty="0">
-                <a:latin typeface="Consolas" panose="020B0609020204030204" pitchFamily="49" charset="0"/>
-              </a:rPr>
-              <a:t>&lt;script </a:t>
-            </a:r>
-            <a:r>
-              <a:rPr lang="en-US" sz="2000" dirty="0" err="1">
-                <a:latin typeface="Consolas" panose="020B0609020204030204" pitchFamily="49" charset="0"/>
-              </a:rPr>
-              <a:t>src</a:t>
-            </a:r>
-            <a:r>
-              <a:rPr lang="en-US" sz="2000" dirty="0">
-                <a:latin typeface="Consolas" panose="020B0609020204030204" pitchFamily="49" charset="0"/>
-              </a:rPr>
-              <a:t>="</a:t>
-            </a:r>
-            <a:r>
-              <a:rPr lang="en-US" sz="2000" dirty="0" err="1">
-                <a:latin typeface="Consolas" panose="020B0609020204030204" pitchFamily="49" charset="0"/>
-              </a:rPr>
-              <a:t>aws-sdk</a:t>
-            </a:r>
-            <a:r>
-              <a:rPr lang="en-US" sz="2000" dirty="0">
-                <a:latin typeface="Consolas" panose="020B0609020204030204" pitchFamily="49" charset="0"/>
-              </a:rPr>
-              <a:t>/</a:t>
-            </a:r>
-            <a:r>
-              <a:rPr lang="en-US" sz="2000" dirty="0" err="1">
-                <a:latin typeface="Consolas" panose="020B0609020204030204" pitchFamily="49" charset="0"/>
-              </a:rPr>
-              <a:t>dist</a:t>
-            </a:r>
-            <a:r>
-              <a:rPr lang="en-US" sz="2000" dirty="0">
-                <a:latin typeface="Consolas" panose="020B0609020204030204" pitchFamily="49" charset="0"/>
-              </a:rPr>
-              <a:t>/aws-sdk.js"&gt;&lt;/script&gt;</a:t>
-            </a:r>
-            <a:endParaRPr lang="de-DE" sz="2000" dirty="0">
-              <a:latin typeface="Consolas" panose="020B0609020204030204" pitchFamily="49" charset="0"/>
+            <a:endParaRPr lang="en-US" dirty="0">
+              <a:cs typeface="Calibri" panose="020F0502020204030204"/>
             </a:endParaRPr>
           </a:p>
         </p:txBody>
@@ -13537,7 +18066,7 @@
         </p:blipFill>
         <p:spPr>
           <a:xfrm>
-            <a:off x="1181842" y="2367378"/>
+            <a:off x="1102098" y="3377471"/>
             <a:ext cx="4040790" cy="2251297"/>
           </a:xfrm>
           <a:prstGeom prst="rect">
@@ -13584,10 +18113,497 @@
           </a:p>
         </p:txBody>
       </p:sp>
+      <p:graphicFrame>
+        <p:nvGraphicFramePr>
+          <p:cNvPr id="2" name="Diagramm 5">
+            <a:extLst>
+              <a:ext uri="{FF2B5EF4-FFF2-40B4-BE49-F238E27FC236}">
+                <a16:creationId xmlns:a16="http://schemas.microsoft.com/office/drawing/2014/main" id="{53B52519-628E-4B39-A258-B71176F6204E}"/>
+              </a:ext>
+            </a:extLst>
+          </p:cNvPr>
+          <p:cNvGraphicFramePr/>
+          <p:nvPr>
+            <p:extLst>
+              <p:ext uri="{D42A27DB-BD31-4B8C-83A1-F6EECF244321}">
+                <p14:modId xmlns:p14="http://schemas.microsoft.com/office/powerpoint/2010/main" val="3049469952"/>
+              </p:ext>
+            </p:extLst>
+          </p:nvPr>
+        </p:nvGraphicFramePr>
+        <p:xfrm>
+          <a:off x="6889815" y="2550455"/>
+          <a:ext cx="4856415" cy="3449759"/>
+        </p:xfrm>
+        <a:graphic>
+          <a:graphicData uri="http://schemas.openxmlformats.org/drawingml/2006/diagram">
+            <dgm:relIds xmlns:dgm="http://schemas.openxmlformats.org/drawingml/2006/diagram" xmlns:r="http://schemas.openxmlformats.org/officeDocument/2006/relationships" r:dm="rId3" r:lo="rId4" r:qs="rId5" r:cs="rId6"/>
+          </a:graphicData>
+        </a:graphic>
+      </p:graphicFrame>
+    </p:spTree>
+    <p:extLst>
+      <p:ext uri="{BB962C8B-B14F-4D97-AF65-F5344CB8AC3E}">
+        <p14:creationId xmlns:p14="http://schemas.microsoft.com/office/powerpoint/2010/main" val="2627521090"/>
+      </p:ext>
+    </p:extLst>
+  </p:cSld>
+  <p:clrMapOvr>
+    <a:masterClrMapping/>
+  </p:clrMapOvr>
+</p:sld>
+</file>
+
+<file path=ppt/slides/slide7.xml><?xml version="1.0" encoding="utf-8"?>
+<p:sld xmlns:a="http://schemas.openxmlformats.org/drawingml/2006/main" xmlns:r="http://schemas.openxmlformats.org/officeDocument/2006/relationships" xmlns:p="http://schemas.openxmlformats.org/presentationml/2006/main">
+  <p:cSld>
+    <p:spTree>
+      <p:nvGrpSpPr>
+        <p:cNvPr id="1" name=""/>
+        <p:cNvGrpSpPr/>
+        <p:nvPr/>
+      </p:nvGrpSpPr>
+      <p:grpSpPr>
+        <a:xfrm>
+          <a:off x="0" y="0"/>
+          <a:ext cx="0" cy="0"/>
+          <a:chOff x="0" y="0"/>
+          <a:chExt cx="0" cy="0"/>
+        </a:xfrm>
+      </p:grpSpPr>
+      <p:sp>
+        <p:nvSpPr>
+          <p:cNvPr id="2" name="Title 1">
+            <a:extLst>
+              <a:ext uri="{FF2B5EF4-FFF2-40B4-BE49-F238E27FC236}">
+                <a16:creationId xmlns:a16="http://schemas.microsoft.com/office/drawing/2014/main" id="{0DBC8DC6-9CF5-4007-B595-198EC864EF88}"/>
+              </a:ext>
+            </a:extLst>
+          </p:cNvPr>
+          <p:cNvSpPr>
+            <a:spLocks noGrp="1"/>
+          </p:cNvSpPr>
+          <p:nvPr>
+            <p:ph type="title"/>
+          </p:nvPr>
+        </p:nvSpPr>
+        <p:spPr/>
+        <p:txBody>
+          <a:bodyPr/>
+          <a:lstStyle/>
+          <a:p>
+            <a:r>
+              <a:rPr lang="en-US" dirty="0" err="1">
+                <a:cs typeface="Calibri Light"/>
+              </a:rPr>
+              <a:t>Aufruf</a:t>
+            </a:r>
+            <a:r>
+              <a:rPr lang="en-US" dirty="0">
+                <a:cs typeface="Calibri Light"/>
+              </a:rPr>
+              <a:t> der API</a:t>
+            </a:r>
+          </a:p>
+        </p:txBody>
+      </p:sp>
+      <p:sp>
+        <p:nvSpPr>
+          <p:cNvPr id="3" name="Content Placeholder 2">
+            <a:extLst>
+              <a:ext uri="{FF2B5EF4-FFF2-40B4-BE49-F238E27FC236}">
+                <a16:creationId xmlns:a16="http://schemas.microsoft.com/office/drawing/2014/main" id="{AE4B45A7-5127-4E65-B5AF-88943E508A67}"/>
+              </a:ext>
+            </a:extLst>
+          </p:cNvPr>
+          <p:cNvSpPr>
+            <a:spLocks noGrp="1"/>
+          </p:cNvSpPr>
+          <p:nvPr>
+            <p:ph idx="1"/>
+          </p:nvPr>
+        </p:nvSpPr>
+        <p:spPr/>
+        <p:txBody>
+          <a:bodyPr/>
+          <a:lstStyle/>
+          <a:p>
+            <a:endParaRPr lang="en-US"/>
+          </a:p>
+        </p:txBody>
+      </p:sp>
+    </p:spTree>
+    <p:extLst>
+      <p:ext uri="{BB962C8B-B14F-4D97-AF65-F5344CB8AC3E}">
+        <p14:creationId xmlns:p14="http://schemas.microsoft.com/office/powerpoint/2010/main" val="52764475"/>
+      </p:ext>
+    </p:extLst>
+  </p:cSld>
+  <p:clrMapOvr>
+    <a:masterClrMapping/>
+  </p:clrMapOvr>
+</p:sld>
+</file>
+
+<file path=ppt/slides/slide8.xml><?xml version="1.0" encoding="utf-8"?>
+<p:sld xmlns:a="http://schemas.openxmlformats.org/drawingml/2006/main" xmlns:r="http://schemas.openxmlformats.org/officeDocument/2006/relationships" xmlns:p="http://schemas.openxmlformats.org/presentationml/2006/main">
+  <p:cSld>
+    <p:spTree>
+      <p:nvGrpSpPr>
+        <p:cNvPr id="1" name=""/>
+        <p:cNvGrpSpPr/>
+        <p:nvPr/>
+      </p:nvGrpSpPr>
+      <p:grpSpPr>
+        <a:xfrm>
+          <a:off x="0" y="0"/>
+          <a:ext cx="0" cy="0"/>
+          <a:chOff x="0" y="0"/>
+          <a:chExt cx="0" cy="0"/>
+        </a:xfrm>
+      </p:grpSpPr>
+      <p:sp>
+        <p:nvSpPr>
+          <p:cNvPr id="8" name="Titel 7">
+            <a:extLst>
+              <a:ext uri="{FF2B5EF4-FFF2-40B4-BE49-F238E27FC236}">
+                <a16:creationId xmlns:a16="http://schemas.microsoft.com/office/drawing/2014/main" id="{5DE8917C-1C95-4E0C-9CC4-280F4C42E475}"/>
+              </a:ext>
+            </a:extLst>
+          </p:cNvPr>
+          <p:cNvSpPr>
+            <a:spLocks noGrp="1"/>
+          </p:cNvSpPr>
+          <p:nvPr>
+            <p:ph type="title"/>
+          </p:nvPr>
+        </p:nvSpPr>
+        <p:spPr/>
+        <p:txBody>
+          <a:bodyPr/>
+          <a:lstStyle/>
+          <a:p>
+            <a:r>
+              <a:rPr lang="de-DE"/>
+              <a:t>Frontend</a:t>
+            </a:r>
+          </a:p>
+        </p:txBody>
+      </p:sp>
+      <p:sp>
+        <p:nvSpPr>
+          <p:cNvPr id="9" name="Inhaltsplatzhalter 8">
+            <a:extLst>
+              <a:ext uri="{FF2B5EF4-FFF2-40B4-BE49-F238E27FC236}">
+                <a16:creationId xmlns:a16="http://schemas.microsoft.com/office/drawing/2014/main" id="{945D6841-13B8-4355-AD95-3A198B7E4974}"/>
+              </a:ext>
+            </a:extLst>
+          </p:cNvPr>
+          <p:cNvSpPr>
+            <a:spLocks noGrp="1"/>
+          </p:cNvSpPr>
+          <p:nvPr>
+            <p:ph idx="1"/>
+          </p:nvPr>
+        </p:nvSpPr>
+        <p:spPr/>
+        <p:txBody>
+          <a:bodyPr vert="horz" lIns="91440" tIns="45720" rIns="91440" bIns="45720" rtlCol="0" anchor="t">
+            <a:normAutofit/>
+          </a:bodyPr>
+          <a:lstStyle/>
+          <a:p>
+            <a:r>
+              <a:rPr lang="de-DE" dirty="0"/>
+              <a:t>JS + HTML + CSS </a:t>
+            </a:r>
+            <a:r>
+              <a:rPr lang="de-DE" dirty="0">
+                <a:latin typeface="Arial"/>
+                <a:ea typeface="+mn-lt"/>
+                <a:cs typeface="+mn-lt"/>
+              </a:rPr>
+              <a:t>→</a:t>
+            </a:r>
+            <a:r>
+              <a:rPr lang="de-DE" dirty="0"/>
+              <a:t> klassische Web-Applikation</a:t>
+            </a:r>
+            <a:endParaRPr lang="de-DE"/>
+          </a:p>
+          <a:p>
+            <a:endParaRPr lang="de-DE">
+              <a:cs typeface="Calibri" panose="020F0502020204030204"/>
+            </a:endParaRPr>
+          </a:p>
+          <a:p>
+            <a:r>
+              <a:rPr lang="de-DE" dirty="0">
+                <a:cs typeface="Calibri" panose="020F0502020204030204"/>
+              </a:rPr>
+              <a:t>Verwendung von Frameworks</a:t>
+            </a:r>
+          </a:p>
+          <a:p>
+            <a:pPr marL="914400" lvl="2">
+              <a:buNone/>
+            </a:pPr>
+            <a:r>
+              <a:rPr lang="de-DE" sz="2300" dirty="0">
+                <a:cs typeface="Calibri" panose="020F0502020204030204"/>
+              </a:rPr>
+              <a:t>- </a:t>
+            </a:r>
+            <a:r>
+              <a:rPr lang="de-DE" sz="2300" dirty="0" err="1">
+                <a:cs typeface="Calibri" panose="020F0502020204030204"/>
+              </a:rPr>
+              <a:t>jQuery</a:t>
+            </a:r>
+            <a:r>
+              <a:rPr lang="de-DE" sz="2300" dirty="0">
+                <a:cs typeface="Calibri" panose="020F0502020204030204"/>
+              </a:rPr>
+              <a:t> </a:t>
+            </a:r>
+            <a:r>
+              <a:rPr lang="de-DE" sz="2300" dirty="0">
+                <a:latin typeface="Arial"/>
+                <a:ea typeface="+mn-lt"/>
+                <a:cs typeface="Arial"/>
+              </a:rPr>
+              <a:t>→</a:t>
+            </a:r>
+            <a:r>
+              <a:rPr lang="de-DE" sz="2300" dirty="0">
+                <a:cs typeface="Calibri" panose="020F0502020204030204"/>
+              </a:rPr>
+              <a:t> DOM Manipulation/Navigation</a:t>
+            </a:r>
+          </a:p>
+          <a:p>
+            <a:pPr marL="914400" lvl="2">
+              <a:buNone/>
+            </a:pPr>
+            <a:r>
+              <a:rPr lang="de-DE" sz="2300" dirty="0">
+                <a:cs typeface="Calibri" panose="020F0502020204030204"/>
+              </a:rPr>
+              <a:t>- </a:t>
+            </a:r>
+            <a:r>
+              <a:rPr lang="de-DE" sz="2300" dirty="0">
+                <a:ea typeface="+mn-lt"/>
+                <a:cs typeface="+mn-lt"/>
+              </a:rPr>
+              <a:t>Bootstrap </a:t>
+            </a:r>
+            <a:r>
+              <a:rPr lang="de-DE" sz="2300" dirty="0">
+                <a:latin typeface="Arial"/>
+                <a:ea typeface="+mn-lt"/>
+                <a:cs typeface="Arial"/>
+              </a:rPr>
+              <a:t>→</a:t>
+            </a:r>
+            <a:r>
+              <a:rPr lang="de-DE" sz="2300" dirty="0">
+                <a:ea typeface="+mn-lt"/>
+                <a:cs typeface="+mn-lt"/>
+              </a:rPr>
+              <a:t> CSS</a:t>
+            </a:r>
+          </a:p>
+          <a:p>
+            <a:pPr marL="914400" lvl="2">
+              <a:buNone/>
+            </a:pPr>
+            <a:r>
+              <a:rPr lang="de-DE" sz="2300" dirty="0">
+                <a:cs typeface="Calibri" panose="020F0502020204030204"/>
+              </a:rPr>
+              <a:t>- AWS-SDK </a:t>
+            </a:r>
+            <a:r>
+              <a:rPr lang="de-DE" sz="2300" dirty="0">
+                <a:latin typeface="Arial"/>
+                <a:cs typeface="Arial"/>
+              </a:rPr>
+              <a:t>→</a:t>
+            </a:r>
+            <a:r>
+              <a:rPr lang="de-DE" sz="2300" dirty="0">
+                <a:cs typeface="Calibri" panose="020F0502020204030204"/>
+              </a:rPr>
+              <a:t> Integration von Polly + </a:t>
+            </a:r>
+            <a:r>
+              <a:rPr lang="de-DE" sz="2300" dirty="0" err="1">
+                <a:cs typeface="Calibri" panose="020F0502020204030204"/>
+              </a:rPr>
+              <a:t>Translate</a:t>
+            </a:r>
+            <a:endParaRPr lang="de-DE" sz="2300" dirty="0">
+              <a:cs typeface="Calibri" panose="020F0502020204030204"/>
+            </a:endParaRPr>
+          </a:p>
+          <a:p>
+            <a:pPr marL="0" indent="0">
+              <a:buNone/>
+            </a:pPr>
+            <a:endParaRPr lang="de-DE">
+              <a:cs typeface="Calibri" panose="020F0502020204030204"/>
+            </a:endParaRPr>
+          </a:p>
+          <a:p>
+            <a:endParaRPr lang="de-DE">
+              <a:cs typeface="Calibri" panose="020F0502020204030204"/>
+            </a:endParaRPr>
+          </a:p>
+        </p:txBody>
+      </p:sp>
     </p:spTree>
     <p:extLst>
       <p:ext uri="{BB962C8B-B14F-4D97-AF65-F5344CB8AC3E}">
         <p14:creationId xmlns:p14="http://schemas.microsoft.com/office/powerpoint/2010/main" val="416045410"/>
+      </p:ext>
+    </p:extLst>
+  </p:cSld>
+  <p:clrMapOvr>
+    <a:masterClrMapping/>
+  </p:clrMapOvr>
+</p:sld>
+</file>
+
+<file path=ppt/slides/slide9.xml><?xml version="1.0" encoding="utf-8"?>
+<p:sld xmlns:a="http://schemas.openxmlformats.org/drawingml/2006/main" xmlns:r="http://schemas.openxmlformats.org/officeDocument/2006/relationships" xmlns:p="http://schemas.openxmlformats.org/presentationml/2006/main">
+  <p:cSld>
+    <p:spTree>
+      <p:nvGrpSpPr>
+        <p:cNvPr id="1" name=""/>
+        <p:cNvGrpSpPr/>
+        <p:nvPr/>
+      </p:nvGrpSpPr>
+      <p:grpSpPr>
+        <a:xfrm>
+          <a:off x="0" y="0"/>
+          <a:ext cx="0" cy="0"/>
+          <a:chOff x="0" y="0"/>
+          <a:chExt cx="0" cy="0"/>
+        </a:xfrm>
+      </p:grpSpPr>
+      <p:sp>
+        <p:nvSpPr>
+          <p:cNvPr id="2" name="Title 1">
+            <a:extLst>
+              <a:ext uri="{FF2B5EF4-FFF2-40B4-BE49-F238E27FC236}">
+                <a16:creationId xmlns:a16="http://schemas.microsoft.com/office/drawing/2014/main" id="{93B2589E-BCD2-4E6D-837E-E8F8E5467F7E}"/>
+              </a:ext>
+            </a:extLst>
+          </p:cNvPr>
+          <p:cNvSpPr>
+            <a:spLocks noGrp="1"/>
+          </p:cNvSpPr>
+          <p:nvPr>
+            <p:ph type="title"/>
+          </p:nvPr>
+        </p:nvSpPr>
+        <p:spPr/>
+        <p:txBody>
+          <a:bodyPr/>
+          <a:lstStyle/>
+          <a:p>
+            <a:r>
+              <a:rPr lang="de-DE">
+                <a:cs typeface="Calibri Light"/>
+              </a:rPr>
+              <a:t>Backend</a:t>
+            </a:r>
+            <a:endParaRPr lang="de-DE"/>
+          </a:p>
+        </p:txBody>
+      </p:sp>
+      <p:sp>
+        <p:nvSpPr>
+          <p:cNvPr id="3" name="Content Placeholder 2">
+            <a:extLst>
+              <a:ext uri="{FF2B5EF4-FFF2-40B4-BE49-F238E27FC236}">
+                <a16:creationId xmlns:a16="http://schemas.microsoft.com/office/drawing/2014/main" id="{2B01EBC1-287C-4ED3-97D3-642A2277FFDD}"/>
+              </a:ext>
+            </a:extLst>
+          </p:cNvPr>
+          <p:cNvSpPr>
+            <a:spLocks noGrp="1"/>
+          </p:cNvSpPr>
+          <p:nvPr>
+            <p:ph idx="1"/>
+          </p:nvPr>
+        </p:nvSpPr>
+        <p:spPr/>
+        <p:txBody>
+          <a:bodyPr vert="horz" lIns="91440" tIns="45720" rIns="91440" bIns="45720" rtlCol="0" anchor="t">
+            <a:normAutofit/>
+          </a:bodyPr>
+          <a:lstStyle/>
+          <a:p>
+            <a:r>
+              <a:rPr lang="de-DE" dirty="0" err="1">
+                <a:cs typeface="Calibri"/>
+              </a:rPr>
+              <a:t>NodeJS</a:t>
+            </a:r>
+            <a:r>
+              <a:rPr lang="de-DE" dirty="0">
+                <a:cs typeface="Calibri"/>
+              </a:rPr>
+              <a:t> Server</a:t>
+            </a:r>
+          </a:p>
+          <a:p>
+            <a:endParaRPr lang="de-DE">
+              <a:cs typeface="Calibri"/>
+            </a:endParaRPr>
+          </a:p>
+          <a:p>
+            <a:r>
+              <a:rPr lang="de-DE" dirty="0">
+                <a:cs typeface="Calibri"/>
+              </a:rPr>
+              <a:t>Bereitstellung als Docker-Container</a:t>
+            </a:r>
+          </a:p>
+          <a:p>
+            <a:endParaRPr lang="de-DE">
+              <a:cs typeface="Calibri"/>
+            </a:endParaRPr>
+          </a:p>
+          <a:p>
+            <a:r>
+              <a:rPr lang="de-DE" dirty="0">
+                <a:cs typeface="Calibri"/>
+              </a:rPr>
+              <a:t>Web-Server erstellt HTML </a:t>
+            </a:r>
+            <a:r>
+              <a:rPr lang="de-DE" dirty="0">
+                <a:latin typeface="Arial"/>
+                <a:cs typeface="Arial"/>
+              </a:rPr>
+              <a:t>→</a:t>
+            </a:r>
+            <a:r>
+              <a:rPr lang="de-DE" dirty="0">
+                <a:cs typeface="Calibri"/>
+              </a:rPr>
+              <a:t> Übertragung an Client</a:t>
+            </a:r>
+          </a:p>
+        </p:txBody>
+      </p:sp>
+    </p:spTree>
+    <p:extLst>
+      <p:ext uri="{BB962C8B-B14F-4D97-AF65-F5344CB8AC3E}">
+        <p14:creationId xmlns:p14="http://schemas.microsoft.com/office/powerpoint/2010/main" val="2789170540"/>
       </p:ext>
     </p:extLst>
   </p:cSld>

--- a/presentation/Presentation.pptx
+++ b/presentation/Presentation.pptx
@@ -5,19 +5,24 @@
     <p:sldMasterId id="2147483648" r:id="rId1"/>
   </p:sldMasterIdLst>
   <p:notesMasterIdLst>
-    <p:notesMasterId r:id="rId12"/>
+    <p:notesMasterId r:id="rId17"/>
   </p:notesMasterIdLst>
   <p:sldIdLst>
-    <p:sldId id="256" r:id="rId2"/>
-    <p:sldId id="258" r:id="rId3"/>
-    <p:sldId id="257" r:id="rId4"/>
+    <p:sldId id="267" r:id="rId2"/>
+    <p:sldId id="268" r:id="rId3"/>
+    <p:sldId id="269" r:id="rId4"/>
     <p:sldId id="261" r:id="rId5"/>
-    <p:sldId id="259" r:id="rId6"/>
-    <p:sldId id="264" r:id="rId7"/>
-    <p:sldId id="266" r:id="rId8"/>
-    <p:sldId id="260" r:id="rId9"/>
-    <p:sldId id="263" r:id="rId10"/>
-    <p:sldId id="262" r:id="rId11"/>
+    <p:sldId id="270" r:id="rId6"/>
+    <p:sldId id="271" r:id="rId7"/>
+    <p:sldId id="272" r:id="rId8"/>
+    <p:sldId id="277" r:id="rId9"/>
+    <p:sldId id="278" r:id="rId10"/>
+    <p:sldId id="279" r:id="rId11"/>
+    <p:sldId id="280" r:id="rId12"/>
+    <p:sldId id="276" r:id="rId13"/>
+    <p:sldId id="273" r:id="rId14"/>
+    <p:sldId id="274" r:id="rId15"/>
+    <p:sldId id="275" r:id="rId16"/>
   </p:sldIdLst>
   <p:sldSz cx="12192000" cy="6858000"/>
   <p:notesSz cx="6858000" cy="9144000"/>
@@ -122,15 +127,6 @@
     </p:ext>
   </p:extLst>
 </p:presentation>
-</file>
-
-<file path=ppt/revisionInfo.xml><?xml version="1.0" encoding="utf-8"?>
-<p1510:revInfo xmlns:a="http://schemas.openxmlformats.org/drawingml/2006/main" xmlns:r="http://schemas.openxmlformats.org/officeDocument/2006/relationships" xmlns:p1510="http://schemas.microsoft.com/office/powerpoint/2015/10/main">
-  <p1510:revLst>
-    <p1510:client id="{A98B3434-E608-49D4-AC5A-21C6834BC278}" v="71" dt="2020-11-16T09:22:17.493"/>
-    <p1510:client id="{E582DD9F-353B-46E5-B12B-9DD132105812}" v="369" dt="2020-11-16T09:27:02.315"/>
-  </p1510:revLst>
-</p1510:revInfo>
 </file>
 
 <file path=ppt/diagrams/colors1.xml><?xml version="1.0" encoding="utf-8"?>
@@ -10104,7 +10100,7 @@
           <a:p>
             <a:fld id="{3550EC8D-4459-4C5E-9CE4-2601D044F803}" type="slidenum">
               <a:rPr lang="de-DE" smtClean="0"/>
-              <a:t>‹#›</a:t>
+              <a:t>‹Nr.›</a:t>
             </a:fld>
             <a:endParaRPr lang="de-DE"/>
           </a:p>
@@ -10718,7 +10714,7 @@
                 <a:tabLst/>
                 <a:defRPr/>
               </a:pPr>
-              <a:t>‹#›</a:t>
+              <a:t>‹Nr.›</a:t>
             </a:fld>
             <a:endParaRPr lang="de-DE" sz="1200">
               <a:solidFill>
@@ -11240,7 +11236,7 @@
                 <a:tabLst/>
                 <a:defRPr/>
               </a:pPr>
-              <a:t>‹#›</a:t>
+              <a:t>‹Nr.›</a:t>
             </a:fld>
             <a:endParaRPr lang="de-DE" sz="1200">
               <a:solidFill>
@@ -11663,7 +11659,7 @@
                 <a:tabLst/>
                 <a:defRPr/>
               </a:pPr>
-              <a:t>‹#›</a:t>
+              <a:t>‹Nr.›</a:t>
             </a:fld>
             <a:endParaRPr lang="de-DE" sz="1200">
               <a:solidFill>
@@ -12102,7 +12098,7 @@
                 <a:tabLst/>
                 <a:defRPr/>
               </a:pPr>
-              <a:t>‹#›</a:t>
+              <a:t>‹Nr.›</a:t>
             </a:fld>
             <a:endParaRPr lang="de-DE" sz="1200">
               <a:solidFill>
@@ -12587,7 +12583,7 @@
                 <a:tabLst/>
                 <a:defRPr/>
               </a:pPr>
-              <a:t>‹#›</a:t>
+              <a:t>‹Nr.›</a:t>
             </a:fld>
             <a:endParaRPr lang="de-DE" sz="1200">
               <a:solidFill>
@@ -13068,7 +13064,7 @@
                 <a:tabLst/>
                 <a:defRPr/>
               </a:pPr>
-              <a:t>‹#›</a:t>
+              <a:t>‹Nr.›</a:t>
             </a:fld>
             <a:endParaRPr lang="de-DE" sz="1200">
               <a:solidFill>
@@ -13696,7 +13692,7 @@
                 <a:tabLst/>
                 <a:defRPr/>
               </a:pPr>
-              <a:t>‹#›</a:t>
+              <a:t>‹Nr.›</a:t>
             </a:fld>
             <a:endParaRPr lang="de-DE" sz="1200">
               <a:solidFill>
@@ -14051,7 +14047,7 @@
                 <a:tabLst/>
                 <a:defRPr/>
               </a:pPr>
-              <a:t>‹#›</a:t>
+              <a:t>‹Nr.›</a:t>
             </a:fld>
             <a:endParaRPr lang="de-DE" sz="1200">
               <a:solidFill>
@@ -14373,7 +14369,7 @@
                 <a:tabLst/>
                 <a:defRPr/>
               </a:pPr>
-              <a:t>‹#›</a:t>
+              <a:t>‹Nr.›</a:t>
             </a:fld>
             <a:endParaRPr lang="de-DE" sz="1200">
               <a:solidFill>
@@ -14895,7 +14891,7 @@
                 <a:tabLst/>
                 <a:defRPr/>
               </a:pPr>
-              <a:t>‹#›</a:t>
+              <a:t>‹Nr.›</a:t>
             </a:fld>
             <a:endParaRPr lang="de-DE" sz="1200">
               <a:solidFill>
@@ -15454,7 +15450,7 @@
                 <a:tabLst/>
                 <a:defRPr/>
               </a:pPr>
-              <a:t>‹#›</a:t>
+              <a:t>‹Nr.›</a:t>
             </a:fld>
             <a:endParaRPr lang="de-DE" sz="1200">
               <a:solidFill>
@@ -15966,7 +15962,7 @@
             <a:fld id="{2B839C97-FDF5-4C50-938A-F89495D2BCB9}" type="slidenum">
               <a:rPr lang="de-DE" smtClean="0"/>
               <a:pPr/>
-              <a:t>‹#›</a:t>
+              <a:t>‹Nr.›</a:t>
             </a:fld>
             <a:endParaRPr lang="de-DE">
               <a:solidFill>
@@ -16513,7 +16509,7 @@
     </p:spTree>
     <p:extLst>
       <p:ext uri="{BB962C8B-B14F-4D97-AF65-F5344CB8AC3E}">
-        <p14:creationId xmlns:p14="http://schemas.microsoft.com/office/powerpoint/2010/main" val="2265326251"/>
+        <p14:creationId xmlns:p14="http://schemas.microsoft.com/office/powerpoint/2010/main" val="1646358637"/>
       </p:ext>
     </p:extLst>
   </p:cSld>
@@ -16524,6 +16520,1482 @@
 </file>
 
 <file path=ppt/slides/slide10.xml><?xml version="1.0" encoding="utf-8"?>
+<p:sld xmlns:a="http://schemas.openxmlformats.org/drawingml/2006/main" xmlns:r="http://schemas.openxmlformats.org/officeDocument/2006/relationships" xmlns:p="http://schemas.openxmlformats.org/presentationml/2006/main">
+  <p:cSld>
+    <p:spTree>
+      <p:nvGrpSpPr>
+        <p:cNvPr id="1" name=""/>
+        <p:cNvGrpSpPr/>
+        <p:nvPr/>
+      </p:nvGrpSpPr>
+      <p:grpSpPr>
+        <a:xfrm>
+          <a:off x="0" y="0"/>
+          <a:ext cx="0" cy="0"/>
+          <a:chOff x="0" y="0"/>
+          <a:chExt cx="0" cy="0"/>
+        </a:xfrm>
+      </p:grpSpPr>
+      <p:sp>
+        <p:nvSpPr>
+          <p:cNvPr id="2" name="Title 1">
+            <a:extLst>
+              <a:ext uri="{FF2B5EF4-FFF2-40B4-BE49-F238E27FC236}">
+                <a16:creationId xmlns:a16="http://schemas.microsoft.com/office/drawing/2014/main" id="{0DBC8DC6-9CF5-4007-B595-198EC864EF88}"/>
+              </a:ext>
+            </a:extLst>
+          </p:cNvPr>
+          <p:cNvSpPr>
+            <a:spLocks noGrp="1"/>
+          </p:cNvSpPr>
+          <p:nvPr>
+            <p:ph type="title"/>
+          </p:nvPr>
+        </p:nvSpPr>
+        <p:spPr/>
+        <p:txBody>
+          <a:bodyPr/>
+          <a:lstStyle/>
+          <a:p>
+            <a:r>
+              <a:rPr lang="en-US" dirty="0" err="1">
+                <a:cs typeface="Calibri Light"/>
+              </a:rPr>
+              <a:t>Aufruf</a:t>
+            </a:r>
+            <a:r>
+              <a:rPr lang="en-US" dirty="0">
+                <a:cs typeface="Calibri Light"/>
+              </a:rPr>
+              <a:t> der API – Polly</a:t>
+            </a:r>
+          </a:p>
+        </p:txBody>
+      </p:sp>
+      <p:sp>
+        <p:nvSpPr>
+          <p:cNvPr id="3" name="Content Placeholder 2">
+            <a:extLst>
+              <a:ext uri="{FF2B5EF4-FFF2-40B4-BE49-F238E27FC236}">
+                <a16:creationId xmlns:a16="http://schemas.microsoft.com/office/drawing/2014/main" id="{AE4B45A7-5127-4E65-B5AF-88943E508A67}"/>
+              </a:ext>
+            </a:extLst>
+          </p:cNvPr>
+          <p:cNvSpPr>
+            <a:spLocks noGrp="1"/>
+          </p:cNvSpPr>
+          <p:nvPr>
+            <p:ph idx="1"/>
+          </p:nvPr>
+        </p:nvSpPr>
+        <p:spPr/>
+        <p:txBody>
+          <a:bodyPr vert="horz" lIns="91440" tIns="45720" rIns="91440" bIns="45720" rtlCol="0" anchor="t">
+            <a:normAutofit/>
+          </a:bodyPr>
+          <a:lstStyle/>
+          <a:p>
+            <a:pPr>
+              <a:lnSpc>
+                <a:spcPct val="100000"/>
+              </a:lnSpc>
+              <a:spcBef>
+                <a:spcPts val="0"/>
+              </a:spcBef>
+              <a:buFont typeface="Consolas" panose="020B0609020204030204" pitchFamily="49" charset="0"/>
+              <a:buChar char="&gt;"/>
+            </a:pPr>
+            <a:r>
+              <a:rPr lang="de-DE" sz="2500" dirty="0">
+                <a:latin typeface="Consolas"/>
+                <a:ea typeface="+mn-lt"/>
+                <a:cs typeface="+mn-lt"/>
+              </a:rPr>
+              <a:t> </a:t>
+            </a:r>
+            <a:r>
+              <a:rPr lang="de-DE" sz="2500" dirty="0" err="1">
+                <a:solidFill>
+                  <a:srgbClr val="FF9900"/>
+                </a:solidFill>
+                <a:latin typeface="Consolas"/>
+                <a:ea typeface="+mn-lt"/>
+                <a:cs typeface="+mn-lt"/>
+              </a:rPr>
+              <a:t>let</a:t>
+            </a:r>
+            <a:r>
+              <a:rPr lang="de-DE" sz="2500" dirty="0">
+                <a:latin typeface="Consolas"/>
+                <a:ea typeface="+mn-lt"/>
+                <a:cs typeface="+mn-lt"/>
+              </a:rPr>
+              <a:t> </a:t>
+            </a:r>
+            <a:r>
+              <a:rPr lang="de-DE" sz="2500" dirty="0" err="1">
+                <a:solidFill>
+                  <a:schemeClr val="accent1"/>
+                </a:solidFill>
+                <a:latin typeface="Consolas"/>
+                <a:ea typeface="+mn-lt"/>
+                <a:cs typeface="+mn-lt"/>
+              </a:rPr>
+              <a:t>params</a:t>
+            </a:r>
+            <a:r>
+              <a:rPr lang="de-DE" sz="2500" dirty="0">
+                <a:latin typeface="Consolas"/>
+                <a:ea typeface="+mn-lt"/>
+                <a:cs typeface="+mn-lt"/>
+              </a:rPr>
+              <a:t> = {</a:t>
+            </a:r>
+            <a:br>
+              <a:rPr lang="de-DE" sz="2500" dirty="0">
+                <a:latin typeface="Consolas"/>
+                <a:ea typeface="+mn-lt"/>
+                <a:cs typeface="+mn-lt"/>
+              </a:rPr>
+            </a:br>
+            <a:r>
+              <a:rPr lang="de-DE" sz="2500" dirty="0">
+                <a:latin typeface="Consolas"/>
+                <a:ea typeface="+mn-lt"/>
+                <a:cs typeface="+mn-lt"/>
+              </a:rPr>
+              <a:t>	Engine: </a:t>
+            </a:r>
+            <a:r>
+              <a:rPr lang="de-DE" sz="2500" dirty="0" err="1">
+                <a:solidFill>
+                  <a:schemeClr val="accent1"/>
+                </a:solidFill>
+                <a:latin typeface="Consolas"/>
+                <a:ea typeface="+mn-lt"/>
+                <a:cs typeface="+mn-lt"/>
+              </a:rPr>
+              <a:t>engine</a:t>
+            </a:r>
+            <a:r>
+              <a:rPr lang="de-DE" sz="2500" dirty="0">
+                <a:latin typeface="Consolas"/>
+                <a:ea typeface="+mn-lt"/>
+                <a:cs typeface="+mn-lt"/>
+              </a:rPr>
+              <a:t>,</a:t>
+            </a:r>
+            <a:endParaRPr lang="en-US" sz="2100" dirty="0">
+              <a:latin typeface="Consolas"/>
+              <a:ea typeface="+mn-lt"/>
+              <a:cs typeface="+mn-lt"/>
+            </a:endParaRPr>
+          </a:p>
+          <a:p>
+            <a:pPr marL="457200" lvl="1" indent="0">
+              <a:lnSpc>
+                <a:spcPct val="100000"/>
+              </a:lnSpc>
+              <a:spcBef>
+                <a:spcPts val="0"/>
+              </a:spcBef>
+              <a:buNone/>
+            </a:pPr>
+            <a:r>
+              <a:rPr lang="de-DE" sz="2500" dirty="0">
+                <a:latin typeface="Consolas"/>
+                <a:ea typeface="+mn-lt"/>
+                <a:cs typeface="+mn-lt"/>
+              </a:rPr>
+              <a:t>	</a:t>
+            </a:r>
+            <a:r>
+              <a:rPr lang="de-DE" sz="2500" dirty="0" err="1">
+                <a:latin typeface="Consolas"/>
+                <a:ea typeface="+mn-lt"/>
+                <a:cs typeface="+mn-lt"/>
+              </a:rPr>
+              <a:t>OutputFormat</a:t>
+            </a:r>
+            <a:r>
+              <a:rPr lang="de-DE" sz="2500" dirty="0">
+                <a:latin typeface="Consolas"/>
+                <a:ea typeface="+mn-lt"/>
+                <a:cs typeface="+mn-lt"/>
+              </a:rPr>
+              <a:t>: </a:t>
+            </a:r>
+            <a:r>
+              <a:rPr lang="de-DE" sz="2500" dirty="0">
+                <a:solidFill>
+                  <a:schemeClr val="bg1">
+                    <a:lumMod val="65000"/>
+                  </a:schemeClr>
+                </a:solidFill>
+                <a:latin typeface="Consolas"/>
+                <a:ea typeface="+mn-lt"/>
+                <a:cs typeface="+mn-lt"/>
+              </a:rPr>
+              <a:t>"mp3"</a:t>
+            </a:r>
+            <a:r>
+              <a:rPr lang="de-DE" sz="2500" dirty="0">
+                <a:solidFill>
+                  <a:schemeClr val="tx1"/>
+                </a:solidFill>
+                <a:latin typeface="Consolas"/>
+                <a:ea typeface="+mn-lt"/>
+                <a:cs typeface="+mn-lt"/>
+              </a:rPr>
+              <a:t>,</a:t>
+            </a:r>
+            <a:endParaRPr lang="en-US" sz="2500" dirty="0">
+              <a:solidFill>
+                <a:schemeClr val="tx1"/>
+              </a:solidFill>
+              <a:latin typeface="Consolas"/>
+              <a:ea typeface="+mn-lt"/>
+              <a:cs typeface="+mn-lt"/>
+            </a:endParaRPr>
+          </a:p>
+          <a:p>
+            <a:pPr marL="457200" lvl="1" indent="0">
+              <a:lnSpc>
+                <a:spcPct val="100000"/>
+              </a:lnSpc>
+              <a:spcBef>
+                <a:spcPts val="0"/>
+              </a:spcBef>
+              <a:buNone/>
+            </a:pPr>
+            <a:r>
+              <a:rPr lang="de-DE" sz="2500" dirty="0">
+                <a:latin typeface="Consolas"/>
+                <a:ea typeface="+mn-lt"/>
+                <a:cs typeface="+mn-lt"/>
+              </a:rPr>
+              <a:t>	</a:t>
+            </a:r>
+            <a:r>
+              <a:rPr lang="de-DE" sz="2500" dirty="0" err="1">
+                <a:latin typeface="Consolas"/>
+                <a:ea typeface="+mn-lt"/>
+                <a:cs typeface="+mn-lt"/>
+              </a:rPr>
+              <a:t>SampleRate</a:t>
+            </a:r>
+            <a:r>
+              <a:rPr lang="de-DE" sz="2500" dirty="0">
+                <a:latin typeface="Consolas"/>
+                <a:ea typeface="+mn-lt"/>
+                <a:cs typeface="+mn-lt"/>
+              </a:rPr>
+              <a:t>: </a:t>
+            </a:r>
+            <a:r>
+              <a:rPr lang="de-DE" sz="2500" dirty="0">
+                <a:solidFill>
+                  <a:schemeClr val="bg1">
+                    <a:lumMod val="65000"/>
+                  </a:schemeClr>
+                </a:solidFill>
+                <a:latin typeface="Consolas"/>
+                <a:ea typeface="+mn-lt"/>
+                <a:cs typeface="+mn-lt"/>
+              </a:rPr>
+              <a:t>"8000"</a:t>
+            </a:r>
+            <a:r>
+              <a:rPr lang="de-DE" sz="2500" dirty="0">
+                <a:solidFill>
+                  <a:schemeClr val="tx1"/>
+                </a:solidFill>
+                <a:latin typeface="Consolas"/>
+                <a:ea typeface="+mn-lt"/>
+                <a:cs typeface="+mn-lt"/>
+              </a:rPr>
+              <a:t>,</a:t>
+            </a:r>
+            <a:endParaRPr lang="en-US" sz="2500" dirty="0">
+              <a:solidFill>
+                <a:schemeClr val="tx1"/>
+              </a:solidFill>
+              <a:latin typeface="Consolas"/>
+              <a:ea typeface="+mn-lt"/>
+              <a:cs typeface="+mn-lt"/>
+            </a:endParaRPr>
+          </a:p>
+          <a:p>
+            <a:pPr marL="457200" lvl="1" indent="0">
+              <a:lnSpc>
+                <a:spcPct val="100000"/>
+              </a:lnSpc>
+              <a:spcBef>
+                <a:spcPts val="0"/>
+              </a:spcBef>
+              <a:buNone/>
+            </a:pPr>
+            <a:r>
+              <a:rPr lang="de-DE" sz="2500" dirty="0">
+                <a:latin typeface="Consolas"/>
+                <a:ea typeface="+mn-lt"/>
+                <a:cs typeface="+mn-lt"/>
+              </a:rPr>
+              <a:t>	Text: </a:t>
+            </a:r>
+            <a:r>
+              <a:rPr lang="de-DE" sz="2500" dirty="0" err="1">
+                <a:solidFill>
+                  <a:schemeClr val="accent1"/>
+                </a:solidFill>
+                <a:latin typeface="Consolas"/>
+                <a:ea typeface="+mn-lt"/>
+                <a:cs typeface="+mn-lt"/>
+              </a:rPr>
+              <a:t>text</a:t>
+            </a:r>
+            <a:r>
+              <a:rPr lang="de-DE" sz="2500" dirty="0">
+                <a:latin typeface="Consolas"/>
+                <a:ea typeface="+mn-lt"/>
+                <a:cs typeface="+mn-lt"/>
+              </a:rPr>
+              <a:t>,</a:t>
+            </a:r>
+            <a:endParaRPr lang="en-US" sz="2500" dirty="0">
+              <a:latin typeface="Consolas"/>
+              <a:ea typeface="+mn-lt"/>
+              <a:cs typeface="+mn-lt"/>
+            </a:endParaRPr>
+          </a:p>
+          <a:p>
+            <a:pPr marL="457200" lvl="1" indent="0">
+              <a:lnSpc>
+                <a:spcPct val="100000"/>
+              </a:lnSpc>
+              <a:spcBef>
+                <a:spcPts val="0"/>
+              </a:spcBef>
+              <a:buNone/>
+            </a:pPr>
+            <a:r>
+              <a:rPr lang="de-DE" sz="2500" dirty="0">
+                <a:latin typeface="Consolas"/>
+                <a:ea typeface="+mn-lt"/>
+                <a:cs typeface="+mn-lt"/>
+              </a:rPr>
+              <a:t>	</a:t>
+            </a:r>
+            <a:r>
+              <a:rPr lang="de-DE" sz="2500" dirty="0" err="1">
+                <a:latin typeface="Consolas"/>
+                <a:ea typeface="+mn-lt"/>
+                <a:cs typeface="+mn-lt"/>
+              </a:rPr>
+              <a:t>TextType</a:t>
+            </a:r>
+            <a:r>
+              <a:rPr lang="de-DE" sz="2500" dirty="0">
+                <a:latin typeface="Consolas"/>
+                <a:ea typeface="+mn-lt"/>
+                <a:cs typeface="+mn-lt"/>
+              </a:rPr>
+              <a:t>: </a:t>
+            </a:r>
+            <a:r>
+              <a:rPr lang="de-DE" sz="2500" dirty="0">
+                <a:solidFill>
+                  <a:schemeClr val="bg1">
+                    <a:lumMod val="65000"/>
+                  </a:schemeClr>
+                </a:solidFill>
+                <a:latin typeface="Consolas"/>
+                <a:ea typeface="+mn-lt"/>
+                <a:cs typeface="+mn-lt"/>
+              </a:rPr>
+              <a:t>"</a:t>
+            </a:r>
+            <a:r>
+              <a:rPr lang="de-DE" sz="2500" dirty="0" err="1">
+                <a:solidFill>
+                  <a:schemeClr val="bg1">
+                    <a:lumMod val="65000"/>
+                  </a:schemeClr>
+                </a:solidFill>
+                <a:latin typeface="Consolas"/>
+                <a:ea typeface="+mn-lt"/>
+                <a:cs typeface="+mn-lt"/>
+              </a:rPr>
+              <a:t>text</a:t>
+            </a:r>
+            <a:r>
+              <a:rPr lang="de-DE" sz="2500" dirty="0">
+                <a:solidFill>
+                  <a:schemeClr val="bg1">
+                    <a:lumMod val="65000"/>
+                  </a:schemeClr>
+                </a:solidFill>
+                <a:latin typeface="Consolas"/>
+                <a:ea typeface="+mn-lt"/>
+                <a:cs typeface="+mn-lt"/>
+              </a:rPr>
+              <a:t>"</a:t>
+            </a:r>
+            <a:r>
+              <a:rPr lang="de-DE" sz="2500" dirty="0">
+                <a:solidFill>
+                  <a:schemeClr val="tx1"/>
+                </a:solidFill>
+                <a:latin typeface="Consolas"/>
+                <a:ea typeface="+mn-lt"/>
+                <a:cs typeface="+mn-lt"/>
+              </a:rPr>
+              <a:t>,</a:t>
+            </a:r>
+            <a:endParaRPr lang="en-US" sz="2500" dirty="0">
+              <a:solidFill>
+                <a:schemeClr val="tx1"/>
+              </a:solidFill>
+              <a:latin typeface="Consolas"/>
+              <a:ea typeface="+mn-lt"/>
+              <a:cs typeface="+mn-lt"/>
+            </a:endParaRPr>
+          </a:p>
+          <a:p>
+            <a:pPr marL="457200" lvl="1" indent="0">
+              <a:lnSpc>
+                <a:spcPct val="100000"/>
+              </a:lnSpc>
+              <a:spcBef>
+                <a:spcPts val="0"/>
+              </a:spcBef>
+              <a:buNone/>
+            </a:pPr>
+            <a:r>
+              <a:rPr lang="de-DE" sz="2500" dirty="0">
+                <a:latin typeface="Consolas"/>
+                <a:ea typeface="+mn-lt"/>
+                <a:cs typeface="+mn-lt"/>
+              </a:rPr>
+              <a:t>	</a:t>
+            </a:r>
+            <a:r>
+              <a:rPr lang="de-DE" sz="2500" dirty="0" err="1">
+                <a:latin typeface="Consolas"/>
+                <a:ea typeface="+mn-lt"/>
+                <a:cs typeface="+mn-lt"/>
+              </a:rPr>
+              <a:t>VoiceId</a:t>
+            </a:r>
+            <a:r>
+              <a:rPr lang="de-DE" sz="2500" dirty="0">
+                <a:latin typeface="Consolas"/>
+                <a:ea typeface="+mn-lt"/>
+                <a:cs typeface="+mn-lt"/>
+              </a:rPr>
+              <a:t>: </a:t>
+            </a:r>
+            <a:r>
+              <a:rPr lang="de-DE" sz="2500" dirty="0" err="1">
+                <a:solidFill>
+                  <a:schemeClr val="accent1"/>
+                </a:solidFill>
+                <a:latin typeface="Consolas"/>
+                <a:ea typeface="+mn-lt"/>
+                <a:cs typeface="+mn-lt"/>
+              </a:rPr>
+              <a:t>voiceId</a:t>
+            </a:r>
+            <a:endParaRPr lang="en-US" sz="2500" dirty="0">
+              <a:solidFill>
+                <a:schemeClr val="accent1"/>
+              </a:solidFill>
+              <a:latin typeface="Consolas"/>
+              <a:ea typeface="+mn-lt"/>
+              <a:cs typeface="+mn-lt"/>
+            </a:endParaRPr>
+          </a:p>
+          <a:p>
+            <a:pPr marL="0" indent="0">
+              <a:lnSpc>
+                <a:spcPct val="100000"/>
+              </a:lnSpc>
+              <a:spcBef>
+                <a:spcPts val="0"/>
+              </a:spcBef>
+              <a:buNone/>
+            </a:pPr>
+            <a:r>
+              <a:rPr lang="de-DE" sz="2500" dirty="0">
+                <a:latin typeface="Consolas"/>
+                <a:ea typeface="+mn-lt"/>
+                <a:cs typeface="+mn-lt"/>
+              </a:rPr>
+              <a:t> </a:t>
+            </a:r>
+            <a:r>
+              <a:rPr lang="de-DE" sz="2500">
+                <a:latin typeface="Consolas"/>
+                <a:ea typeface="+mn-lt"/>
+                <a:cs typeface="+mn-lt"/>
+              </a:rPr>
+              <a:t> </a:t>
+            </a:r>
+            <a:r>
+              <a:rPr lang="de-DE" sz="2500" dirty="0">
+                <a:latin typeface="Consolas"/>
+                <a:ea typeface="+mn-lt"/>
+                <a:cs typeface="+mn-lt"/>
+              </a:rPr>
+              <a:t> };</a:t>
+            </a:r>
+            <a:endParaRPr lang="en-US" sz="2500" dirty="0">
+              <a:latin typeface="Consolas"/>
+              <a:ea typeface="+mn-lt"/>
+              <a:cs typeface="+mn-lt"/>
+            </a:endParaRPr>
+          </a:p>
+          <a:p>
+            <a:pPr marL="0" indent="0">
+              <a:lnSpc>
+                <a:spcPct val="100000"/>
+              </a:lnSpc>
+              <a:spcBef>
+                <a:spcPts val="0"/>
+              </a:spcBef>
+              <a:buNone/>
+            </a:pPr>
+            <a:endParaRPr lang="de-DE" sz="2500">
+              <a:latin typeface="Consolas"/>
+              <a:ea typeface="+mn-lt"/>
+              <a:cs typeface="+mn-lt"/>
+            </a:endParaRPr>
+          </a:p>
+          <a:p>
+            <a:pPr>
+              <a:lnSpc>
+                <a:spcPct val="100000"/>
+              </a:lnSpc>
+              <a:spcBef>
+                <a:spcPts val="0"/>
+              </a:spcBef>
+              <a:buFont typeface="Consolas" panose="020B0609020204030204" pitchFamily="49" charset="0"/>
+              <a:buChar char="&gt;"/>
+            </a:pPr>
+            <a:r>
+              <a:rPr lang="de-DE" sz="2500" dirty="0">
+                <a:latin typeface="Consolas"/>
+                <a:ea typeface="+mn-lt"/>
+                <a:cs typeface="+mn-lt"/>
+              </a:rPr>
+              <a:t> </a:t>
+            </a:r>
+            <a:r>
+              <a:rPr lang="de-DE" sz="2500" dirty="0" err="1">
+                <a:solidFill>
+                  <a:schemeClr val="accent1"/>
+                </a:solidFill>
+                <a:latin typeface="Consolas"/>
+                <a:ea typeface="+mn-lt"/>
+                <a:cs typeface="+mn-lt"/>
+              </a:rPr>
+              <a:t>polly</a:t>
+            </a:r>
+            <a:r>
+              <a:rPr lang="de-DE" sz="2500" dirty="0" err="1">
+                <a:latin typeface="Consolas"/>
+                <a:ea typeface="+mn-lt"/>
+                <a:cs typeface="+mn-lt"/>
+              </a:rPr>
+              <a:t>.synthesizeSpeech</a:t>
+            </a:r>
+            <a:r>
+              <a:rPr lang="de-DE" sz="2500" dirty="0">
+                <a:latin typeface="Consolas"/>
+                <a:ea typeface="+mn-lt"/>
+                <a:cs typeface="+mn-lt"/>
+              </a:rPr>
+              <a:t>(</a:t>
+            </a:r>
+            <a:r>
+              <a:rPr lang="de-DE" sz="2500" dirty="0" err="1">
+                <a:solidFill>
+                  <a:schemeClr val="accent1"/>
+                </a:solidFill>
+                <a:latin typeface="Consolas"/>
+                <a:ea typeface="+mn-lt"/>
+                <a:cs typeface="+mn-lt"/>
+              </a:rPr>
+              <a:t>params</a:t>
+            </a:r>
+            <a:r>
+              <a:rPr lang="de-DE" sz="2500" dirty="0">
+                <a:latin typeface="Consolas"/>
+                <a:ea typeface="+mn-lt"/>
+                <a:cs typeface="+mn-lt"/>
+              </a:rPr>
+              <a:t>, </a:t>
+            </a:r>
+            <a:r>
+              <a:rPr lang="de-DE" sz="2500" dirty="0" err="1">
+                <a:solidFill>
+                  <a:schemeClr val="bg1">
+                    <a:lumMod val="65000"/>
+                  </a:schemeClr>
+                </a:solidFill>
+                <a:latin typeface="Consolas"/>
+                <a:ea typeface="+mn-lt"/>
+                <a:cs typeface="+mn-lt"/>
+              </a:rPr>
+              <a:t>callback_function</a:t>
+            </a:r>
+            <a:r>
+              <a:rPr lang="de-DE" sz="2500" dirty="0">
+                <a:latin typeface="Consolas"/>
+                <a:ea typeface="+mn-lt"/>
+                <a:cs typeface="+mn-lt"/>
+              </a:rPr>
+              <a:t>)</a:t>
+            </a:r>
+            <a:endParaRPr lang="en-US" sz="2500" dirty="0">
+              <a:latin typeface="Consolas"/>
+              <a:ea typeface="+mn-lt"/>
+              <a:cs typeface="+mn-lt"/>
+            </a:endParaRPr>
+          </a:p>
+          <a:p>
+            <a:endParaRPr lang="en-US" sz="2500" dirty="0">
+              <a:latin typeface="Consolas"/>
+              <a:cs typeface="Calibri"/>
+            </a:endParaRPr>
+          </a:p>
+        </p:txBody>
+      </p:sp>
+    </p:spTree>
+    <p:extLst>
+      <p:ext uri="{BB962C8B-B14F-4D97-AF65-F5344CB8AC3E}">
+        <p14:creationId xmlns:p14="http://schemas.microsoft.com/office/powerpoint/2010/main" val="1418877194"/>
+      </p:ext>
+    </p:extLst>
+  </p:cSld>
+  <p:clrMapOvr>
+    <a:masterClrMapping/>
+  </p:clrMapOvr>
+</p:sld>
+</file>
+
+<file path=ppt/slides/slide11.xml><?xml version="1.0" encoding="utf-8"?>
+<p:sld xmlns:a="http://schemas.openxmlformats.org/drawingml/2006/main" xmlns:r="http://schemas.openxmlformats.org/officeDocument/2006/relationships" xmlns:p="http://schemas.openxmlformats.org/presentationml/2006/main">
+  <p:cSld>
+    <p:spTree>
+      <p:nvGrpSpPr>
+        <p:cNvPr id="1" name=""/>
+        <p:cNvGrpSpPr/>
+        <p:nvPr/>
+      </p:nvGrpSpPr>
+      <p:grpSpPr>
+        <a:xfrm>
+          <a:off x="0" y="0"/>
+          <a:ext cx="0" cy="0"/>
+          <a:chOff x="0" y="0"/>
+          <a:chExt cx="0" cy="0"/>
+        </a:xfrm>
+      </p:grpSpPr>
+      <p:sp>
+        <p:nvSpPr>
+          <p:cNvPr id="2" name="Title 1">
+            <a:extLst>
+              <a:ext uri="{FF2B5EF4-FFF2-40B4-BE49-F238E27FC236}">
+                <a16:creationId xmlns:a16="http://schemas.microsoft.com/office/drawing/2014/main" id="{0DBC8DC6-9CF5-4007-B595-198EC864EF88}"/>
+              </a:ext>
+            </a:extLst>
+          </p:cNvPr>
+          <p:cNvSpPr>
+            <a:spLocks noGrp="1"/>
+          </p:cNvSpPr>
+          <p:nvPr>
+            <p:ph type="title"/>
+          </p:nvPr>
+        </p:nvSpPr>
+        <p:spPr/>
+        <p:txBody>
+          <a:bodyPr/>
+          <a:lstStyle/>
+          <a:p>
+            <a:r>
+              <a:rPr lang="en-US" dirty="0" err="1">
+                <a:cs typeface="Calibri Light"/>
+              </a:rPr>
+              <a:t>Aufruf</a:t>
+            </a:r>
+            <a:r>
+              <a:rPr lang="en-US" dirty="0">
+                <a:cs typeface="Calibri Light"/>
+              </a:rPr>
+              <a:t> der API – Polly</a:t>
+            </a:r>
+          </a:p>
+        </p:txBody>
+      </p:sp>
+      <p:sp>
+        <p:nvSpPr>
+          <p:cNvPr id="3" name="Content Placeholder 2">
+            <a:extLst>
+              <a:ext uri="{FF2B5EF4-FFF2-40B4-BE49-F238E27FC236}">
+                <a16:creationId xmlns:a16="http://schemas.microsoft.com/office/drawing/2014/main" id="{AE4B45A7-5127-4E65-B5AF-88943E508A67}"/>
+              </a:ext>
+            </a:extLst>
+          </p:cNvPr>
+          <p:cNvSpPr>
+            <a:spLocks noGrp="1"/>
+          </p:cNvSpPr>
+          <p:nvPr>
+            <p:ph idx="1"/>
+          </p:nvPr>
+        </p:nvSpPr>
+        <p:spPr>
+          <a:xfrm>
+            <a:off x="838200" y="1825625"/>
+            <a:ext cx="10919254" cy="4351338"/>
+          </a:xfrm>
+        </p:spPr>
+        <p:txBody>
+          <a:bodyPr vert="horz" lIns="91440" tIns="45720" rIns="91440" bIns="45720" rtlCol="0" anchor="t">
+            <a:normAutofit/>
+          </a:bodyPr>
+          <a:lstStyle/>
+          <a:p>
+            <a:pPr>
+              <a:lnSpc>
+                <a:spcPct val="100000"/>
+              </a:lnSpc>
+              <a:spcBef>
+                <a:spcPts val="0"/>
+              </a:spcBef>
+              <a:buFont typeface="Consolas" panose="020B0609020204030204" pitchFamily="49" charset="0"/>
+              <a:buChar char="&gt;"/>
+            </a:pPr>
+            <a:r>
+              <a:rPr lang="de-DE" sz="2500" dirty="0">
+                <a:latin typeface="Consolas"/>
+                <a:ea typeface="+mn-lt"/>
+                <a:cs typeface="+mn-lt"/>
+              </a:rPr>
+              <a:t> </a:t>
+            </a:r>
+            <a:r>
+              <a:rPr lang="de-DE" sz="2500" dirty="0" err="1">
+                <a:solidFill>
+                  <a:srgbClr val="FF9900"/>
+                </a:solidFill>
+                <a:latin typeface="Consolas"/>
+                <a:ea typeface="+mn-lt"/>
+                <a:cs typeface="+mn-lt"/>
+              </a:rPr>
+              <a:t>let</a:t>
+            </a:r>
+            <a:r>
+              <a:rPr lang="de-DE" sz="2500" dirty="0">
+                <a:latin typeface="Consolas"/>
+                <a:ea typeface="+mn-lt"/>
+                <a:cs typeface="+mn-lt"/>
+              </a:rPr>
+              <a:t> </a:t>
+            </a:r>
+            <a:r>
+              <a:rPr lang="de-DE" sz="2500" dirty="0" err="1">
+                <a:solidFill>
+                  <a:srgbClr val="3883CE"/>
+                </a:solidFill>
+                <a:latin typeface="Consolas"/>
+                <a:ea typeface="+mn-lt"/>
+                <a:cs typeface="+mn-lt"/>
+              </a:rPr>
+              <a:t>voiceData</a:t>
+            </a:r>
+            <a:r>
+              <a:rPr lang="de-DE" sz="2500" dirty="0">
+                <a:latin typeface="Consolas"/>
+                <a:ea typeface="+mn-lt"/>
+                <a:cs typeface="+mn-lt"/>
+              </a:rPr>
+              <a:t> = </a:t>
+            </a:r>
+            <a:r>
+              <a:rPr lang="de-DE" sz="2500" dirty="0" err="1">
+                <a:solidFill>
+                  <a:schemeClr val="accent1"/>
+                </a:solidFill>
+                <a:latin typeface="Consolas"/>
+                <a:ea typeface="+mn-lt"/>
+                <a:cs typeface="+mn-lt"/>
+              </a:rPr>
+              <a:t>polly</a:t>
+            </a:r>
+            <a:r>
+              <a:rPr lang="de-DE" sz="2500" dirty="0" err="1">
+                <a:latin typeface="Consolas"/>
+                <a:ea typeface="+mn-lt"/>
+                <a:cs typeface="+mn-lt"/>
+              </a:rPr>
+              <a:t>.describeVoices</a:t>
+            </a:r>
+            <a:r>
+              <a:rPr lang="de-DE" sz="2500" dirty="0">
+                <a:latin typeface="Consolas"/>
+                <a:ea typeface="+mn-lt"/>
+                <a:cs typeface="+mn-lt"/>
+              </a:rPr>
+              <a:t>(</a:t>
+            </a:r>
+            <a:r>
+              <a:rPr lang="de-DE" sz="2500" dirty="0">
+                <a:solidFill>
+                  <a:schemeClr val="tx1"/>
+                </a:solidFill>
+                <a:latin typeface="Consolas"/>
+                <a:ea typeface="+mn-lt"/>
+                <a:cs typeface="+mn-lt"/>
+              </a:rPr>
+              <a:t>{}</a:t>
+            </a:r>
+            <a:r>
+              <a:rPr lang="de-DE" sz="2500" dirty="0">
+                <a:latin typeface="Consolas"/>
+                <a:ea typeface="+mn-lt"/>
+                <a:cs typeface="+mn-lt"/>
+              </a:rPr>
+              <a:t>, </a:t>
+            </a:r>
+            <a:r>
+              <a:rPr lang="de-DE" sz="2500" dirty="0" err="1">
+                <a:solidFill>
+                  <a:schemeClr val="bg1">
+                    <a:lumMod val="65000"/>
+                  </a:schemeClr>
+                </a:solidFill>
+                <a:latin typeface="Consolas"/>
+                <a:ea typeface="+mn-lt"/>
+                <a:cs typeface="+mn-lt"/>
+              </a:rPr>
+              <a:t>callback_function</a:t>
+            </a:r>
+            <a:r>
+              <a:rPr lang="de-DE" sz="2500" dirty="0">
+                <a:latin typeface="Consolas"/>
+                <a:ea typeface="+mn-lt"/>
+                <a:cs typeface="+mn-lt"/>
+              </a:rPr>
+              <a:t>)</a:t>
+            </a:r>
+            <a:endParaRPr lang="en-US" sz="2500" dirty="0">
+              <a:latin typeface="Consolas"/>
+              <a:cs typeface="Calibri"/>
+            </a:endParaRPr>
+          </a:p>
+        </p:txBody>
+      </p:sp>
+      <p:pic>
+        <p:nvPicPr>
+          <p:cNvPr id="4" name="Grafik 3">
+            <a:extLst>
+              <a:ext uri="{FF2B5EF4-FFF2-40B4-BE49-F238E27FC236}">
+                <a16:creationId xmlns:a16="http://schemas.microsoft.com/office/drawing/2014/main" id="{45C73BF8-3A83-429A-875D-4B55770F1BF6}"/>
+              </a:ext>
+            </a:extLst>
+          </p:cNvPr>
+          <p:cNvPicPr>
+            <a:picLocks noChangeAspect="1"/>
+          </p:cNvPicPr>
+          <p:nvPr/>
+        </p:nvPicPr>
+        <p:blipFill>
+          <a:blip r:embed="rId2"/>
+          <a:stretch>
+            <a:fillRect/>
+          </a:stretch>
+        </p:blipFill>
+        <p:spPr>
+          <a:xfrm>
+            <a:off x="1720627" y="2982377"/>
+            <a:ext cx="3102242" cy="1755216"/>
+          </a:xfrm>
+          <a:prstGeom prst="rect">
+            <a:avLst/>
+          </a:prstGeom>
+        </p:spPr>
+      </p:pic>
+    </p:spTree>
+    <p:extLst>
+      <p:ext uri="{BB962C8B-B14F-4D97-AF65-F5344CB8AC3E}">
+        <p14:creationId xmlns:p14="http://schemas.microsoft.com/office/powerpoint/2010/main" val="808921421"/>
+      </p:ext>
+    </p:extLst>
+  </p:cSld>
+  <p:clrMapOvr>
+    <a:masterClrMapping/>
+  </p:clrMapOvr>
+</p:sld>
+</file>
+
+<file path=ppt/slides/slide12.xml><?xml version="1.0" encoding="utf-8"?>
+<p:sld xmlns:a="http://schemas.openxmlformats.org/drawingml/2006/main" xmlns:r="http://schemas.openxmlformats.org/officeDocument/2006/relationships" xmlns:p="http://schemas.openxmlformats.org/presentationml/2006/main">
+  <p:cSld>
+    <p:spTree>
+      <p:nvGrpSpPr>
+        <p:cNvPr id="1" name=""/>
+        <p:cNvGrpSpPr/>
+        <p:nvPr/>
+      </p:nvGrpSpPr>
+      <p:grpSpPr>
+        <a:xfrm>
+          <a:off x="0" y="0"/>
+          <a:ext cx="0" cy="0"/>
+          <a:chOff x="0" y="0"/>
+          <a:chExt cx="0" cy="0"/>
+        </a:xfrm>
+      </p:grpSpPr>
+      <p:sp>
+        <p:nvSpPr>
+          <p:cNvPr id="2" name="Title 1">
+            <a:extLst>
+              <a:ext uri="{FF2B5EF4-FFF2-40B4-BE49-F238E27FC236}">
+                <a16:creationId xmlns:a16="http://schemas.microsoft.com/office/drawing/2014/main" id="{2F3D6431-1A2C-4E58-B4AF-984BE3ACD24D}"/>
+              </a:ext>
+            </a:extLst>
+          </p:cNvPr>
+          <p:cNvSpPr>
+            <a:spLocks noGrp="1"/>
+          </p:cNvSpPr>
+          <p:nvPr>
+            <p:ph type="title"/>
+          </p:nvPr>
+        </p:nvSpPr>
+        <p:spPr/>
+        <p:txBody>
+          <a:bodyPr/>
+          <a:lstStyle/>
+          <a:p>
+            <a:r>
+              <a:rPr lang="en-US" err="1">
+                <a:cs typeface="Calibri Light"/>
+              </a:rPr>
+              <a:t>Ergebnis</a:t>
+            </a:r>
+            <a:endParaRPr lang="en-US" err="1"/>
+          </a:p>
+        </p:txBody>
+      </p:sp>
+      <p:sp>
+        <p:nvSpPr>
+          <p:cNvPr id="3" name="Content Placeholder 2">
+            <a:extLst>
+              <a:ext uri="{FF2B5EF4-FFF2-40B4-BE49-F238E27FC236}">
+                <a16:creationId xmlns:a16="http://schemas.microsoft.com/office/drawing/2014/main" id="{9498846A-115A-4F07-9A97-A669EDC05F60}"/>
+              </a:ext>
+            </a:extLst>
+          </p:cNvPr>
+          <p:cNvSpPr>
+            <a:spLocks noGrp="1"/>
+          </p:cNvSpPr>
+          <p:nvPr>
+            <p:ph idx="1"/>
+          </p:nvPr>
+        </p:nvSpPr>
+        <p:spPr>
+          <a:xfrm>
+            <a:off x="838200" y="4656990"/>
+            <a:ext cx="10515600" cy="1227579"/>
+          </a:xfrm>
+        </p:spPr>
+        <p:txBody>
+          <a:bodyPr vert="horz" lIns="91440" tIns="45720" rIns="91440" bIns="45720" rtlCol="0" anchor="t">
+            <a:normAutofit lnSpcReduction="10000"/>
+          </a:bodyPr>
+          <a:lstStyle/>
+          <a:p>
+            <a:pPr marL="0" indent="0" algn="ctr">
+              <a:buNone/>
+            </a:pPr>
+            <a:endParaRPr lang="en-US" dirty="0">
+              <a:ea typeface="+mn-lt"/>
+              <a:cs typeface="+mn-lt"/>
+            </a:endParaRPr>
+          </a:p>
+          <a:p>
+            <a:pPr marL="0" indent="0" algn="ctr">
+              <a:buNone/>
+            </a:pPr>
+            <a:r>
+              <a:rPr lang="en-US" sz="2000" b="1" dirty="0">
+                <a:ea typeface="+mn-lt"/>
+                <a:cs typeface="+mn-lt"/>
+              </a:rPr>
+              <a:t>GitHub</a:t>
+            </a:r>
+            <a:r>
+              <a:rPr lang="en-US" sz="2000" dirty="0">
+                <a:ea typeface="+mn-lt"/>
+                <a:cs typeface="+mn-lt"/>
+              </a:rPr>
+              <a:t>: </a:t>
+            </a:r>
+            <a:r>
+              <a:rPr lang="en-US" sz="2000" dirty="0">
+                <a:ea typeface="+mn-lt"/>
+                <a:cs typeface="+mn-lt"/>
+                <a:hlinkClick r:id="rId2"/>
+              </a:rPr>
+              <a:t>https://github.com/SebastianWallat/AWS_Translate_Polly</a:t>
+            </a:r>
+            <a:endParaRPr lang="en-US" sz="2000" dirty="0">
+              <a:cs typeface="Calibri"/>
+            </a:endParaRPr>
+          </a:p>
+          <a:p>
+            <a:pPr marL="0" indent="0" algn="ctr">
+              <a:buNone/>
+            </a:pPr>
+            <a:r>
+              <a:rPr lang="en-US" sz="2000" b="1">
+                <a:ea typeface="+mn-lt"/>
+                <a:cs typeface="+mn-lt"/>
+              </a:rPr>
+              <a:t>Demo</a:t>
+            </a:r>
+            <a:r>
+              <a:rPr lang="en-US" sz="2000" dirty="0">
+                <a:ea typeface="+mn-lt"/>
+                <a:cs typeface="+mn-lt"/>
+              </a:rPr>
+              <a:t>: </a:t>
+            </a:r>
+            <a:r>
+              <a:rPr lang="en-US" sz="2000" dirty="0">
+                <a:ea typeface="+mn-lt"/>
+                <a:cs typeface="+mn-lt"/>
+                <a:hlinkClick r:id="rId3"/>
+              </a:rPr>
+              <a:t>http://ec2-3-80-59-60.compute-1.amazonaws.com/</a:t>
+            </a:r>
+          </a:p>
+        </p:txBody>
+      </p:sp>
+      <p:pic>
+        <p:nvPicPr>
+          <p:cNvPr id="5" name="Picture 5" descr="Graphical user interface, application&#10;&#10;Description automatically generated">
+            <a:extLst>
+              <a:ext uri="{FF2B5EF4-FFF2-40B4-BE49-F238E27FC236}">
+                <a16:creationId xmlns:a16="http://schemas.microsoft.com/office/drawing/2014/main" id="{96551392-1CB2-4500-9BE6-053D806CE236}"/>
+              </a:ext>
+            </a:extLst>
+          </p:cNvPr>
+          <p:cNvPicPr>
+            <a:picLocks noChangeAspect="1"/>
+          </p:cNvPicPr>
+          <p:nvPr/>
+        </p:nvPicPr>
+        <p:blipFill>
+          <a:blip r:embed="rId4"/>
+          <a:stretch>
+            <a:fillRect/>
+          </a:stretch>
+        </p:blipFill>
+        <p:spPr>
+          <a:xfrm>
+            <a:off x="1360450" y="1640586"/>
+            <a:ext cx="9461808" cy="3270168"/>
+          </a:xfrm>
+          <a:prstGeom prst="rect">
+            <a:avLst/>
+          </a:prstGeom>
+        </p:spPr>
+      </p:pic>
+    </p:spTree>
+    <p:extLst>
+      <p:ext uri="{BB962C8B-B14F-4D97-AF65-F5344CB8AC3E}">
+        <p14:creationId xmlns:p14="http://schemas.microsoft.com/office/powerpoint/2010/main" val="671883321"/>
+      </p:ext>
+    </p:extLst>
+  </p:cSld>
+  <p:clrMapOvr>
+    <a:masterClrMapping/>
+  </p:clrMapOvr>
+</p:sld>
+</file>
+
+<file path=ppt/slides/slide13.xml><?xml version="1.0" encoding="utf-8"?>
+<p:sld xmlns:a="http://schemas.openxmlformats.org/drawingml/2006/main" xmlns:r="http://schemas.openxmlformats.org/officeDocument/2006/relationships" xmlns:p="http://schemas.openxmlformats.org/presentationml/2006/main">
+  <p:cSld>
+    <p:spTree>
+      <p:nvGrpSpPr>
+        <p:cNvPr id="1" name=""/>
+        <p:cNvGrpSpPr/>
+        <p:nvPr/>
+      </p:nvGrpSpPr>
+      <p:grpSpPr>
+        <a:xfrm>
+          <a:off x="0" y="0"/>
+          <a:ext cx="0" cy="0"/>
+          <a:chOff x="0" y="0"/>
+          <a:chExt cx="0" cy="0"/>
+        </a:xfrm>
+      </p:grpSpPr>
+      <p:sp>
+        <p:nvSpPr>
+          <p:cNvPr id="8" name="Titel 7">
+            <a:extLst>
+              <a:ext uri="{FF2B5EF4-FFF2-40B4-BE49-F238E27FC236}">
+                <a16:creationId xmlns:a16="http://schemas.microsoft.com/office/drawing/2014/main" id="{5DE8917C-1C95-4E0C-9CC4-280F4C42E475}"/>
+              </a:ext>
+            </a:extLst>
+          </p:cNvPr>
+          <p:cNvSpPr>
+            <a:spLocks noGrp="1"/>
+          </p:cNvSpPr>
+          <p:nvPr>
+            <p:ph type="title"/>
+          </p:nvPr>
+        </p:nvSpPr>
+        <p:spPr/>
+        <p:txBody>
+          <a:bodyPr/>
+          <a:lstStyle/>
+          <a:p>
+            <a:r>
+              <a:rPr lang="de-DE"/>
+              <a:t>Frontend</a:t>
+            </a:r>
+          </a:p>
+        </p:txBody>
+      </p:sp>
+      <p:sp>
+        <p:nvSpPr>
+          <p:cNvPr id="9" name="Inhaltsplatzhalter 8">
+            <a:extLst>
+              <a:ext uri="{FF2B5EF4-FFF2-40B4-BE49-F238E27FC236}">
+                <a16:creationId xmlns:a16="http://schemas.microsoft.com/office/drawing/2014/main" id="{945D6841-13B8-4355-AD95-3A198B7E4974}"/>
+              </a:ext>
+            </a:extLst>
+          </p:cNvPr>
+          <p:cNvSpPr>
+            <a:spLocks noGrp="1"/>
+          </p:cNvSpPr>
+          <p:nvPr>
+            <p:ph idx="1"/>
+          </p:nvPr>
+        </p:nvSpPr>
+        <p:spPr/>
+        <p:txBody>
+          <a:bodyPr vert="horz" lIns="91440" tIns="45720" rIns="91440" bIns="45720" rtlCol="0" anchor="t">
+            <a:normAutofit/>
+          </a:bodyPr>
+          <a:lstStyle/>
+          <a:p>
+            <a:r>
+              <a:rPr lang="de-DE" dirty="0"/>
+              <a:t>JS + HTML + CSS </a:t>
+            </a:r>
+            <a:r>
+              <a:rPr lang="de-DE" dirty="0">
+                <a:latin typeface="Arial"/>
+                <a:ea typeface="+mn-lt"/>
+                <a:cs typeface="+mn-lt"/>
+              </a:rPr>
+              <a:t>→</a:t>
+            </a:r>
+            <a:r>
+              <a:rPr lang="de-DE" dirty="0"/>
+              <a:t> klassische Web-Applikation</a:t>
+            </a:r>
+            <a:endParaRPr lang="de-DE"/>
+          </a:p>
+          <a:p>
+            <a:endParaRPr lang="de-DE">
+              <a:cs typeface="Calibri" panose="020F0502020204030204"/>
+            </a:endParaRPr>
+          </a:p>
+          <a:p>
+            <a:r>
+              <a:rPr lang="de-DE" dirty="0">
+                <a:cs typeface="Calibri" panose="020F0502020204030204"/>
+              </a:rPr>
+              <a:t>Verwendung von Frameworks</a:t>
+            </a:r>
+          </a:p>
+          <a:p>
+            <a:pPr marL="914400" lvl="2">
+              <a:buNone/>
+            </a:pPr>
+            <a:r>
+              <a:rPr lang="de-DE" sz="2300" dirty="0">
+                <a:cs typeface="Calibri" panose="020F0502020204030204"/>
+              </a:rPr>
+              <a:t>- </a:t>
+            </a:r>
+            <a:r>
+              <a:rPr lang="de-DE" sz="2300" dirty="0" err="1">
+                <a:cs typeface="Calibri" panose="020F0502020204030204"/>
+              </a:rPr>
+              <a:t>jQuery</a:t>
+            </a:r>
+            <a:r>
+              <a:rPr lang="de-DE" sz="2300" dirty="0">
+                <a:cs typeface="Calibri" panose="020F0502020204030204"/>
+              </a:rPr>
+              <a:t> </a:t>
+            </a:r>
+            <a:r>
+              <a:rPr lang="de-DE" sz="2300" dirty="0">
+                <a:latin typeface="Arial"/>
+                <a:ea typeface="+mn-lt"/>
+                <a:cs typeface="Arial"/>
+              </a:rPr>
+              <a:t>→</a:t>
+            </a:r>
+            <a:r>
+              <a:rPr lang="de-DE" sz="2300" dirty="0">
+                <a:cs typeface="Calibri" panose="020F0502020204030204"/>
+              </a:rPr>
+              <a:t> DOM Manipulation/Navigation</a:t>
+            </a:r>
+          </a:p>
+          <a:p>
+            <a:pPr marL="914400" lvl="2">
+              <a:buNone/>
+            </a:pPr>
+            <a:r>
+              <a:rPr lang="de-DE" sz="2300" dirty="0">
+                <a:cs typeface="Calibri" panose="020F0502020204030204"/>
+              </a:rPr>
+              <a:t>- </a:t>
+            </a:r>
+            <a:r>
+              <a:rPr lang="de-DE" sz="2300" dirty="0">
+                <a:ea typeface="+mn-lt"/>
+                <a:cs typeface="+mn-lt"/>
+              </a:rPr>
+              <a:t>Bootstrap </a:t>
+            </a:r>
+            <a:r>
+              <a:rPr lang="de-DE" sz="2300" dirty="0">
+                <a:latin typeface="Arial"/>
+                <a:ea typeface="+mn-lt"/>
+                <a:cs typeface="Arial"/>
+              </a:rPr>
+              <a:t>→</a:t>
+            </a:r>
+            <a:r>
+              <a:rPr lang="de-DE" sz="2300" dirty="0">
+                <a:ea typeface="+mn-lt"/>
+                <a:cs typeface="+mn-lt"/>
+              </a:rPr>
+              <a:t> CSS</a:t>
+            </a:r>
+          </a:p>
+          <a:p>
+            <a:pPr marL="914400" lvl="2">
+              <a:buNone/>
+            </a:pPr>
+            <a:r>
+              <a:rPr lang="de-DE" sz="2300" dirty="0">
+                <a:cs typeface="Calibri" panose="020F0502020204030204"/>
+              </a:rPr>
+              <a:t>- AWS-SDK </a:t>
+            </a:r>
+            <a:r>
+              <a:rPr lang="de-DE" sz="2300" dirty="0">
+                <a:latin typeface="Arial"/>
+                <a:cs typeface="Arial"/>
+              </a:rPr>
+              <a:t>→</a:t>
+            </a:r>
+            <a:r>
+              <a:rPr lang="de-DE" sz="2300" dirty="0">
+                <a:cs typeface="Calibri" panose="020F0502020204030204"/>
+              </a:rPr>
+              <a:t> Integration von Polly + </a:t>
+            </a:r>
+            <a:r>
+              <a:rPr lang="de-DE" sz="2300" dirty="0" err="1">
+                <a:cs typeface="Calibri" panose="020F0502020204030204"/>
+              </a:rPr>
+              <a:t>Translate</a:t>
+            </a:r>
+            <a:endParaRPr lang="de-DE" sz="2300" dirty="0">
+              <a:cs typeface="Calibri" panose="020F0502020204030204"/>
+            </a:endParaRPr>
+          </a:p>
+          <a:p>
+            <a:pPr marL="0" indent="0">
+              <a:buNone/>
+            </a:pPr>
+            <a:endParaRPr lang="de-DE">
+              <a:cs typeface="Calibri" panose="020F0502020204030204"/>
+            </a:endParaRPr>
+          </a:p>
+          <a:p>
+            <a:endParaRPr lang="de-DE">
+              <a:cs typeface="Calibri" panose="020F0502020204030204"/>
+            </a:endParaRPr>
+          </a:p>
+        </p:txBody>
+      </p:sp>
+    </p:spTree>
+    <p:extLst>
+      <p:ext uri="{BB962C8B-B14F-4D97-AF65-F5344CB8AC3E}">
+        <p14:creationId xmlns:p14="http://schemas.microsoft.com/office/powerpoint/2010/main" val="2416475552"/>
+      </p:ext>
+    </p:extLst>
+  </p:cSld>
+  <p:clrMapOvr>
+    <a:masterClrMapping/>
+  </p:clrMapOvr>
+</p:sld>
+</file>
+
+<file path=ppt/slides/slide14.xml><?xml version="1.0" encoding="utf-8"?>
+<p:sld xmlns:a="http://schemas.openxmlformats.org/drawingml/2006/main" xmlns:r="http://schemas.openxmlformats.org/officeDocument/2006/relationships" xmlns:p="http://schemas.openxmlformats.org/presentationml/2006/main">
+  <p:cSld>
+    <p:spTree>
+      <p:nvGrpSpPr>
+        <p:cNvPr id="1" name=""/>
+        <p:cNvGrpSpPr/>
+        <p:nvPr/>
+      </p:nvGrpSpPr>
+      <p:grpSpPr>
+        <a:xfrm>
+          <a:off x="0" y="0"/>
+          <a:ext cx="0" cy="0"/>
+          <a:chOff x="0" y="0"/>
+          <a:chExt cx="0" cy="0"/>
+        </a:xfrm>
+      </p:grpSpPr>
+      <p:sp>
+        <p:nvSpPr>
+          <p:cNvPr id="2" name="Title 1">
+            <a:extLst>
+              <a:ext uri="{FF2B5EF4-FFF2-40B4-BE49-F238E27FC236}">
+                <a16:creationId xmlns:a16="http://schemas.microsoft.com/office/drawing/2014/main" id="{93B2589E-BCD2-4E6D-837E-E8F8E5467F7E}"/>
+              </a:ext>
+            </a:extLst>
+          </p:cNvPr>
+          <p:cNvSpPr>
+            <a:spLocks noGrp="1"/>
+          </p:cNvSpPr>
+          <p:nvPr>
+            <p:ph type="title"/>
+          </p:nvPr>
+        </p:nvSpPr>
+        <p:spPr/>
+        <p:txBody>
+          <a:bodyPr/>
+          <a:lstStyle/>
+          <a:p>
+            <a:r>
+              <a:rPr lang="de-DE">
+                <a:cs typeface="Calibri Light"/>
+              </a:rPr>
+              <a:t>Backend</a:t>
+            </a:r>
+            <a:endParaRPr lang="de-DE"/>
+          </a:p>
+        </p:txBody>
+      </p:sp>
+      <p:sp>
+        <p:nvSpPr>
+          <p:cNvPr id="3" name="Content Placeholder 2">
+            <a:extLst>
+              <a:ext uri="{FF2B5EF4-FFF2-40B4-BE49-F238E27FC236}">
+                <a16:creationId xmlns:a16="http://schemas.microsoft.com/office/drawing/2014/main" id="{2B01EBC1-287C-4ED3-97D3-642A2277FFDD}"/>
+              </a:ext>
+            </a:extLst>
+          </p:cNvPr>
+          <p:cNvSpPr>
+            <a:spLocks noGrp="1"/>
+          </p:cNvSpPr>
+          <p:nvPr>
+            <p:ph idx="1"/>
+          </p:nvPr>
+        </p:nvSpPr>
+        <p:spPr/>
+        <p:txBody>
+          <a:bodyPr vert="horz" lIns="91440" tIns="45720" rIns="91440" bIns="45720" rtlCol="0" anchor="t">
+            <a:normAutofit/>
+          </a:bodyPr>
+          <a:lstStyle/>
+          <a:p>
+            <a:r>
+              <a:rPr lang="de-DE" err="1">
+                <a:cs typeface="Calibri"/>
+              </a:rPr>
+              <a:t>NodeJS</a:t>
+            </a:r>
+            <a:r>
+              <a:rPr lang="de-DE">
+                <a:cs typeface="Calibri"/>
+              </a:rPr>
+              <a:t>-Server</a:t>
+            </a:r>
+            <a:endParaRPr lang="de-DE" dirty="0">
+              <a:cs typeface="Calibri"/>
+            </a:endParaRPr>
+          </a:p>
+          <a:p>
+            <a:endParaRPr lang="de-DE">
+              <a:cs typeface="Calibri"/>
+            </a:endParaRPr>
+          </a:p>
+          <a:p>
+            <a:r>
+              <a:rPr lang="de-DE" dirty="0">
+                <a:cs typeface="Calibri"/>
+              </a:rPr>
+              <a:t>Bereitstellung als Docker-Container</a:t>
+            </a:r>
+          </a:p>
+          <a:p>
+            <a:endParaRPr lang="de-DE">
+              <a:cs typeface="Calibri"/>
+            </a:endParaRPr>
+          </a:p>
+          <a:p>
+            <a:r>
+              <a:rPr lang="de-DE" dirty="0">
+                <a:cs typeface="Calibri"/>
+              </a:rPr>
+              <a:t>Web-Server erstellt HTML </a:t>
+            </a:r>
+            <a:r>
+              <a:rPr lang="de-DE" dirty="0">
+                <a:latin typeface="Arial"/>
+                <a:cs typeface="Arial"/>
+              </a:rPr>
+              <a:t>→</a:t>
+            </a:r>
+            <a:r>
+              <a:rPr lang="de-DE" dirty="0">
+                <a:cs typeface="Calibri"/>
+              </a:rPr>
+              <a:t> Übertragung an Client</a:t>
+            </a:r>
+          </a:p>
+        </p:txBody>
+      </p:sp>
+    </p:spTree>
+    <p:extLst>
+      <p:ext uri="{BB962C8B-B14F-4D97-AF65-F5344CB8AC3E}">
+        <p14:creationId xmlns:p14="http://schemas.microsoft.com/office/powerpoint/2010/main" val="1086526075"/>
+      </p:ext>
+    </p:extLst>
+  </p:cSld>
+  <p:clrMapOvr>
+    <a:masterClrMapping/>
+  </p:clrMapOvr>
+</p:sld>
+</file>
+
+<file path=ppt/slides/slide15.xml><?xml version="1.0" encoding="utf-8"?>
 <p:sld xmlns:a="http://schemas.openxmlformats.org/drawingml/2006/main" xmlns:r="http://schemas.openxmlformats.org/officeDocument/2006/relationships" xmlns:p="http://schemas.openxmlformats.org/presentationml/2006/main">
   <p:cSld>
     <p:spTree>
@@ -16562,12 +18034,12 @@
           <a:lstStyle/>
           <a:p>
             <a:r>
-              <a:rPr lang="de-DE">
+              <a:rPr lang="de-DE" dirty="0">
                 <a:cs typeface="Calibri Light"/>
               </a:rPr>
               <a:t>Bereitstellung</a:t>
             </a:r>
-            <a:endParaRPr lang="de-DE"/>
+            <a:endParaRPr lang="de-DE" dirty="0"/>
           </a:p>
         </p:txBody>
       </p:sp>
@@ -16598,8 +18070,22 @@
               <a:rPr lang="de-DE" dirty="0">
                 <a:cs typeface="Calibri"/>
               </a:rPr>
-              <a:t>Nutzung von AWS EC2</a:t>
-            </a:r>
+              <a:t>Nutzung von </a:t>
+            </a:r>
+            <a:r>
+              <a:rPr lang="de-DE" b="1" dirty="0">
+                <a:cs typeface="Calibri"/>
+              </a:rPr>
+              <a:t>AWS EC2</a:t>
+            </a:r>
+          </a:p>
+          <a:p>
+            <a:pPr marL="0" indent="0">
+              <a:buNone/>
+            </a:pPr>
+            <a:endParaRPr lang="de-DE" dirty="0">
+              <a:cs typeface="Calibri"/>
+            </a:endParaRPr>
           </a:p>
           <a:p>
             <a:r>
@@ -16624,58 +18110,63 @@
             </a:r>
           </a:p>
           <a:p>
+            <a:pPr lvl="1"/>
+            <a:r>
+              <a:rPr lang="de-DE">
+                <a:cs typeface="Calibri"/>
+              </a:rPr>
+              <a:t>Dockerfile</a:t>
+            </a:r>
+            <a:r>
+              <a:rPr lang="de-DE" dirty="0">
+                <a:cs typeface="Calibri"/>
+              </a:rPr>
+              <a:t> beschreibt Container-Image</a:t>
+            </a:r>
+          </a:p>
+          <a:p>
+            <a:pPr marL="0" indent="0">
+              <a:buNone/>
+            </a:pPr>
+            <a:endParaRPr lang="de-DE" dirty="0">
+              <a:cs typeface="Calibri"/>
+            </a:endParaRPr>
+          </a:p>
+          <a:p>
+            <a:r>
+              <a:rPr lang="de-DE" dirty="0">
+                <a:cs typeface="Calibri"/>
+              </a:rPr>
+              <a:t>lokal erstellen &amp; push zur Registry (</a:t>
+            </a:r>
             <a:r>
               <a:rPr lang="de-DE" dirty="0" err="1">
                 <a:cs typeface="Calibri"/>
               </a:rPr>
-              <a:t>Dockerfile</a:t>
+              <a:t>cloud</a:t>
             </a:r>
             <a:r>
               <a:rPr lang="de-DE" dirty="0">
                 <a:cs typeface="Calibri"/>
               </a:rPr>
-              <a:t> beschreibt Container-Image</a:t>
-            </a:r>
-          </a:p>
-          <a:p>
+              <a:t>)</a:t>
+            </a:r>
+          </a:p>
+          <a:p>
+            <a:pPr marL="0" indent="0">
+              <a:buNone/>
+            </a:pPr>
+            <a:endParaRPr lang="de-DE" dirty="0">
+              <a:cs typeface="Calibri"/>
+            </a:endParaRPr>
+          </a:p>
+          <a:p>
+            <a:pPr algn="just"/>
             <a:r>
               <a:rPr lang="de-DE" dirty="0">
                 <a:cs typeface="Calibri"/>
               </a:rPr>
-              <a:t>lokal erstellen &amp; push zur Registry (</a:t>
-            </a:r>
-            <a:r>
-              <a:rPr lang="de-DE" dirty="0" err="1">
-                <a:cs typeface="Calibri"/>
-              </a:rPr>
-              <a:t>cloud</a:t>
-            </a:r>
-            <a:r>
-              <a:rPr lang="de-DE" dirty="0">
-                <a:cs typeface="Calibri"/>
-              </a:rPr>
-              <a:t>)</a:t>
-            </a:r>
-          </a:p>
-          <a:p>
-            <a:pPr algn="just"/>
-            <a:r>
-              <a:rPr lang="de-DE" dirty="0">
-                <a:cs typeface="Calibri"/>
-              </a:rPr>
-              <a:t>auf Server: pull des </a:t>
-            </a:r>
-            <a:r>
-              <a:rPr lang="de-DE" dirty="0" err="1">
-                <a:cs typeface="Calibri"/>
-              </a:rPr>
-              <a:t>image</a:t>
-            </a:r>
-            <a:r>
-              <a:rPr lang="de-DE" dirty="0">
-                <a:cs typeface="Calibri"/>
-              </a:rPr>
-              <a:t> &amp; ausführen</a:t>
+              <a:t>auf Server: pull des Images &amp; ausführen</a:t>
             </a:r>
           </a:p>
         </p:txBody>
@@ -16683,7 +18174,7 @@
     </p:spTree>
     <p:extLst>
       <p:ext uri="{BB962C8B-B14F-4D97-AF65-F5344CB8AC3E}">
-        <p14:creationId xmlns:p14="http://schemas.microsoft.com/office/powerpoint/2010/main" val="3018678322"/>
+        <p14:creationId xmlns:p14="http://schemas.microsoft.com/office/powerpoint/2010/main" val="1191824789"/>
       </p:ext>
     </p:extLst>
   </p:cSld>
@@ -17038,7 +18529,7 @@
     </p:spTree>
     <p:extLst>
       <p:ext uri="{BB962C8B-B14F-4D97-AF65-F5344CB8AC3E}">
-        <p14:creationId xmlns:p14="http://schemas.microsoft.com/office/powerpoint/2010/main" val="2627248419"/>
+        <p14:creationId xmlns:p14="http://schemas.microsoft.com/office/powerpoint/2010/main" val="751430087"/>
       </p:ext>
     </p:extLst>
   </p:cSld>
@@ -17346,7 +18837,7 @@
     </p:spTree>
     <p:extLst>
       <p:ext uri="{BB962C8B-B14F-4D97-AF65-F5344CB8AC3E}">
-        <p14:creationId xmlns:p14="http://schemas.microsoft.com/office/powerpoint/2010/main" val="1564737822"/>
+        <p14:creationId xmlns:p14="http://schemas.microsoft.com/office/powerpoint/2010/main" val="4092186730"/>
       </p:ext>
     </p:extLst>
   </p:cSld>
@@ -17912,7 +19403,7 @@
     </p:spTree>
     <p:extLst>
       <p:ext uri="{BB962C8B-B14F-4D97-AF65-F5344CB8AC3E}">
-        <p14:creationId xmlns:p14="http://schemas.microsoft.com/office/powerpoint/2010/main" val="298357997"/>
+        <p14:creationId xmlns:p14="http://schemas.microsoft.com/office/powerpoint/2010/main" val="2133437326"/>
       </p:ext>
     </p:extLst>
   </p:cSld>
@@ -18123,13 +19614,7 @@
             </a:extLst>
           </p:cNvPr>
           <p:cNvGraphicFramePr/>
-          <p:nvPr>
-            <p:extLst>
-              <p:ext uri="{D42A27DB-BD31-4B8C-83A1-F6EECF244321}">
-                <p14:modId xmlns:p14="http://schemas.microsoft.com/office/powerpoint/2010/main" val="3049469952"/>
-              </p:ext>
-            </p:extLst>
-          </p:nvPr>
+          <p:nvPr/>
         </p:nvGraphicFramePr>
         <p:xfrm>
           <a:off x="6889815" y="2550455"/>
@@ -18144,7 +19629,7 @@
     </p:spTree>
     <p:extLst>
       <p:ext uri="{BB962C8B-B14F-4D97-AF65-F5344CB8AC3E}">
-        <p14:creationId xmlns:p14="http://schemas.microsoft.com/office/powerpoint/2010/main" val="2627521090"/>
+        <p14:creationId xmlns:p14="http://schemas.microsoft.com/office/powerpoint/2010/main" val="197890263"/>
       </p:ext>
     </p:extLst>
   </p:cSld>
@@ -18202,8 +19687,17 @@
               <a:rPr lang="en-US" dirty="0">
                 <a:cs typeface="Calibri Light"/>
               </a:rPr>
-              <a:t> der API</a:t>
-            </a:r>
+              <a:t> der API – </a:t>
+            </a:r>
+            <a:r>
+              <a:rPr lang="en-US" dirty="0" err="1">
+                <a:cs typeface="Calibri Light"/>
+              </a:rPr>
+              <a:t>Konfiguration</a:t>
+            </a:r>
+            <a:endParaRPr lang="en-US" dirty="0">
+              <a:cs typeface="Calibri Light"/>
+            </a:endParaRPr>
           </a:p>
         </p:txBody>
       </p:sp>
@@ -18225,17 +19719,297 @@
         </p:nvSpPr>
         <p:spPr/>
         <p:txBody>
-          <a:bodyPr/>
+          <a:bodyPr vert="horz" lIns="91440" tIns="45720" rIns="91440" bIns="45720" rtlCol="0" anchor="t">
+            <a:normAutofit/>
+          </a:bodyPr>
           <a:lstStyle/>
           <a:p>
-            <a:endParaRPr lang="en-US"/>
+            <a:pPr>
+              <a:lnSpc>
+                <a:spcPct val="100000"/>
+              </a:lnSpc>
+              <a:spcBef>
+                <a:spcPts val="0"/>
+              </a:spcBef>
+              <a:buFontTx/>
+              <a:buChar char="˃"/>
+            </a:pPr>
+            <a:r>
+              <a:rPr lang="de-DE" sz="2500" dirty="0">
+                <a:latin typeface="Consolas"/>
+                <a:ea typeface="+mn-lt"/>
+                <a:cs typeface="+mn-lt"/>
+              </a:rPr>
+              <a:t> </a:t>
+            </a:r>
+            <a:r>
+              <a:rPr lang="de-DE" sz="2500" dirty="0" err="1">
+                <a:solidFill>
+                  <a:schemeClr val="accent1"/>
+                </a:solidFill>
+                <a:latin typeface="Consolas"/>
+                <a:ea typeface="+mn-lt"/>
+                <a:cs typeface="+mn-lt"/>
+              </a:rPr>
+              <a:t>AWS</a:t>
+            </a:r>
+            <a:r>
+              <a:rPr lang="de-DE" sz="2500" dirty="0" err="1">
+                <a:latin typeface="Consolas"/>
+                <a:ea typeface="+mn-lt"/>
+                <a:cs typeface="+mn-lt"/>
+              </a:rPr>
+              <a:t>.config.region</a:t>
+            </a:r>
+            <a:r>
+              <a:rPr lang="de-DE" sz="2500" dirty="0">
+                <a:latin typeface="Consolas"/>
+                <a:ea typeface="+mn-lt"/>
+                <a:cs typeface="+mn-lt"/>
+              </a:rPr>
+              <a:t> = </a:t>
+            </a:r>
+            <a:r>
+              <a:rPr lang="de-DE" sz="2500" dirty="0">
+                <a:solidFill>
+                  <a:schemeClr val="bg1">
+                    <a:lumMod val="65000"/>
+                  </a:schemeClr>
+                </a:solidFill>
+                <a:latin typeface="Consolas"/>
+                <a:ea typeface="+mn-lt"/>
+                <a:cs typeface="+mn-lt"/>
+              </a:rPr>
+              <a:t>"us-east-1"</a:t>
+            </a:r>
+            <a:r>
+              <a:rPr lang="de-DE" sz="2500" dirty="0">
+                <a:latin typeface="Consolas"/>
+                <a:ea typeface="+mn-lt"/>
+                <a:cs typeface="+mn-lt"/>
+              </a:rPr>
+              <a:t>;</a:t>
+            </a:r>
+            <a:endParaRPr lang="en-US" sz="2500" dirty="0">
+              <a:latin typeface="Consolas"/>
+              <a:ea typeface="+mn-lt"/>
+              <a:cs typeface="+mn-lt"/>
+            </a:endParaRPr>
+          </a:p>
+          <a:p>
+            <a:pPr marL="0" indent="0">
+              <a:lnSpc>
+                <a:spcPct val="100000"/>
+              </a:lnSpc>
+              <a:spcBef>
+                <a:spcPts val="0"/>
+              </a:spcBef>
+              <a:buNone/>
+            </a:pPr>
+            <a:endParaRPr lang="de-DE" sz="2500" dirty="0">
+              <a:latin typeface="Consolas" panose="020B0609020204030204" pitchFamily="49" charset="0"/>
+              <a:ea typeface="+mn-lt"/>
+              <a:cs typeface="+mn-lt"/>
+            </a:endParaRPr>
+          </a:p>
+          <a:p>
+            <a:pPr marL="0" indent="0">
+              <a:lnSpc>
+                <a:spcPct val="100000"/>
+              </a:lnSpc>
+              <a:spcBef>
+                <a:spcPts val="0"/>
+              </a:spcBef>
+              <a:buNone/>
+            </a:pPr>
+            <a:endParaRPr lang="de-DE" sz="2500" dirty="0">
+              <a:latin typeface="Consolas"/>
+              <a:ea typeface="+mn-lt"/>
+              <a:cs typeface="+mn-lt"/>
+            </a:endParaRPr>
+          </a:p>
+          <a:p>
+            <a:pPr>
+              <a:lnSpc>
+                <a:spcPct val="100000"/>
+              </a:lnSpc>
+              <a:spcBef>
+                <a:spcPts val="0"/>
+              </a:spcBef>
+              <a:buFontTx/>
+              <a:buChar char="˃"/>
+            </a:pPr>
+            <a:r>
+              <a:rPr lang="de-DE" sz="2500" dirty="0">
+                <a:latin typeface="Consolas"/>
+                <a:ea typeface="+mn-lt"/>
+                <a:cs typeface="+mn-lt"/>
+              </a:rPr>
+              <a:t> </a:t>
+            </a:r>
+            <a:r>
+              <a:rPr lang="de-DE" sz="2500" dirty="0" err="1">
+                <a:solidFill>
+                  <a:schemeClr val="accent1"/>
+                </a:solidFill>
+                <a:latin typeface="Consolas"/>
+                <a:ea typeface="+mn-lt"/>
+                <a:cs typeface="+mn-lt"/>
+              </a:rPr>
+              <a:t>AWS</a:t>
+            </a:r>
+            <a:r>
+              <a:rPr lang="de-DE" sz="2500" dirty="0" err="1">
+                <a:latin typeface="Consolas"/>
+                <a:ea typeface="+mn-lt"/>
+                <a:cs typeface="+mn-lt"/>
+              </a:rPr>
+              <a:t>.config.credentials</a:t>
+            </a:r>
+            <a:r>
+              <a:rPr lang="de-DE" sz="2500" dirty="0">
+                <a:latin typeface="Consolas"/>
+                <a:ea typeface="+mn-lt"/>
+                <a:cs typeface="+mn-lt"/>
+              </a:rPr>
+              <a:t> = </a:t>
+            </a:r>
+            <a:r>
+              <a:rPr lang="de-DE" sz="2500" dirty="0" err="1">
+                <a:solidFill>
+                  <a:srgbClr val="FF9900"/>
+                </a:solidFill>
+                <a:latin typeface="Consolas"/>
+                <a:ea typeface="+mn-lt"/>
+                <a:cs typeface="+mn-lt"/>
+              </a:rPr>
+              <a:t>new</a:t>
+            </a:r>
+            <a:r>
+              <a:rPr lang="de-DE" sz="2500" dirty="0">
+                <a:latin typeface="Consolas"/>
+                <a:ea typeface="+mn-lt"/>
+                <a:cs typeface="+mn-lt"/>
+              </a:rPr>
+              <a:t> </a:t>
+            </a:r>
+            <a:r>
+              <a:rPr lang="de-DE" sz="2500" dirty="0" err="1">
+                <a:solidFill>
+                  <a:schemeClr val="accent1"/>
+                </a:solidFill>
+                <a:latin typeface="Consolas"/>
+                <a:ea typeface="+mn-lt"/>
+                <a:cs typeface="+mn-lt"/>
+              </a:rPr>
+              <a:t>AWS</a:t>
+            </a:r>
+            <a:r>
+              <a:rPr lang="de-DE" sz="2500" dirty="0" err="1">
+                <a:latin typeface="Consolas"/>
+                <a:ea typeface="+mn-lt"/>
+                <a:cs typeface="+mn-lt"/>
+              </a:rPr>
+              <a:t>.Credentials</a:t>
+            </a:r>
+            <a:r>
+              <a:rPr lang="de-DE" sz="2500" dirty="0">
+                <a:latin typeface="Consolas"/>
+                <a:ea typeface="+mn-lt"/>
+                <a:cs typeface="+mn-lt"/>
+              </a:rPr>
+              <a:t>(</a:t>
+            </a:r>
+            <a:r>
+              <a:rPr lang="de-DE" sz="2500" dirty="0" err="1">
+                <a:solidFill>
+                  <a:schemeClr val="accent1"/>
+                </a:solidFill>
+                <a:latin typeface="Consolas"/>
+                <a:ea typeface="+mn-lt"/>
+                <a:cs typeface="+mn-lt"/>
+              </a:rPr>
+              <a:t>accessKey</a:t>
+            </a:r>
+            <a:r>
+              <a:rPr lang="de-DE" sz="2500" dirty="0">
+                <a:latin typeface="Consolas"/>
+                <a:ea typeface="+mn-lt"/>
+                <a:cs typeface="+mn-lt"/>
+              </a:rPr>
+              <a:t>,</a:t>
+            </a:r>
+            <a:br>
+              <a:rPr lang="de-DE" sz="2500" dirty="0">
+                <a:latin typeface="Consolas"/>
+                <a:ea typeface="+mn-lt"/>
+                <a:cs typeface="+mn-lt"/>
+              </a:rPr>
+            </a:br>
+            <a:r>
+              <a:rPr lang="de-DE" sz="2500" dirty="0">
+                <a:latin typeface="Consolas"/>
+                <a:ea typeface="+mn-lt"/>
+                <a:cs typeface="+mn-lt"/>
+              </a:rPr>
+              <a:t>	</a:t>
+            </a:r>
+            <a:r>
+              <a:rPr lang="de-DE" sz="2500" dirty="0" err="1">
+                <a:solidFill>
+                  <a:schemeClr val="accent1"/>
+                </a:solidFill>
+                <a:latin typeface="Consolas"/>
+                <a:ea typeface="+mn-lt"/>
+                <a:cs typeface="+mn-lt"/>
+              </a:rPr>
+              <a:t>secretKey</a:t>
+            </a:r>
+            <a:r>
+              <a:rPr lang="de-DE" sz="2500" dirty="0">
+                <a:latin typeface="Consolas"/>
+                <a:ea typeface="+mn-lt"/>
+                <a:cs typeface="+mn-lt"/>
+              </a:rPr>
+              <a:t>, </a:t>
+            </a:r>
+            <a:r>
+              <a:rPr lang="de-DE" sz="2500" dirty="0" err="1">
+                <a:solidFill>
+                  <a:schemeClr val="accent1"/>
+                </a:solidFill>
+                <a:latin typeface="Consolas"/>
+                <a:ea typeface="+mn-lt"/>
+                <a:cs typeface="+mn-lt"/>
+              </a:rPr>
+              <a:t>sessionToken</a:t>
+            </a:r>
+            <a:r>
+              <a:rPr lang="de-DE" sz="2500" dirty="0">
+                <a:latin typeface="Consolas"/>
+                <a:ea typeface="+mn-lt"/>
+                <a:cs typeface="+mn-lt"/>
+              </a:rPr>
+              <a:t>);</a:t>
+            </a:r>
+            <a:endParaRPr lang="en-US" sz="2500" dirty="0">
+              <a:latin typeface="Consolas"/>
+              <a:ea typeface="+mn-lt"/>
+              <a:cs typeface="+mn-lt"/>
+            </a:endParaRPr>
+          </a:p>
+          <a:p>
+            <a:endParaRPr lang="en-US" dirty="0">
+              <a:ea typeface="+mn-lt"/>
+              <a:cs typeface="+mn-lt"/>
+            </a:endParaRPr>
           </a:p>
         </p:txBody>
       </p:sp>
     </p:spTree>
     <p:extLst>
       <p:ext uri="{BB962C8B-B14F-4D97-AF65-F5344CB8AC3E}">
-        <p14:creationId xmlns:p14="http://schemas.microsoft.com/office/powerpoint/2010/main" val="52764475"/>
+        <p14:creationId xmlns:p14="http://schemas.microsoft.com/office/powerpoint/2010/main" val="1801599149"/>
       </p:ext>
     </p:extLst>
   </p:cSld>
@@ -18264,10 +20038,10 @@
       </p:grpSpPr>
       <p:sp>
         <p:nvSpPr>
-          <p:cNvPr id="8" name="Titel 7">
+          <p:cNvPr id="2" name="Title 1">
             <a:extLst>
               <a:ext uri="{FF2B5EF4-FFF2-40B4-BE49-F238E27FC236}">
-                <a16:creationId xmlns:a16="http://schemas.microsoft.com/office/drawing/2014/main" id="{5DE8917C-1C95-4E0C-9CC4-280F4C42E475}"/>
+                <a16:creationId xmlns:a16="http://schemas.microsoft.com/office/drawing/2014/main" id="{0DBC8DC6-9CF5-4007-B595-198EC864EF88}"/>
               </a:ext>
             </a:extLst>
           </p:cNvPr>
@@ -18284,18 +20058,35 @@
           <a:lstStyle/>
           <a:p>
             <a:r>
-              <a:rPr lang="de-DE"/>
-              <a:t>Frontend</a:t>
-            </a:r>
+              <a:rPr lang="en-US" dirty="0" err="1">
+                <a:cs typeface="Calibri Light"/>
+              </a:rPr>
+              <a:t>Aufruf</a:t>
+            </a:r>
+            <a:r>
+              <a:rPr lang="en-US" dirty="0">
+                <a:cs typeface="Calibri Light"/>
+              </a:rPr>
+              <a:t> der API – </a:t>
+            </a:r>
+            <a:r>
+              <a:rPr lang="en-US" dirty="0" err="1">
+                <a:cs typeface="Calibri Light"/>
+              </a:rPr>
+              <a:t>Objekte</a:t>
+            </a:r>
+            <a:endParaRPr lang="en-US" err="1">
+              <a:cs typeface="Calibri Light"/>
+            </a:endParaRPr>
           </a:p>
         </p:txBody>
       </p:sp>
       <p:sp>
         <p:nvSpPr>
-          <p:cNvPr id="9" name="Inhaltsplatzhalter 8">
+          <p:cNvPr id="3" name="Content Placeholder 2">
             <a:extLst>
               <a:ext uri="{FF2B5EF4-FFF2-40B4-BE49-F238E27FC236}">
-                <a16:creationId xmlns:a16="http://schemas.microsoft.com/office/drawing/2014/main" id="{945D6841-13B8-4355-AD95-3A198B7E4974}"/>
+                <a16:creationId xmlns:a16="http://schemas.microsoft.com/office/drawing/2014/main" id="{AE4B45A7-5127-4E65-B5AF-88943E508A67}"/>
               </a:ext>
             </a:extLst>
           </p:cNvPr>
@@ -18313,151 +20104,291 @@
           </a:bodyPr>
           <a:lstStyle/>
           <a:p>
-            <a:r>
-              <a:rPr lang="de-DE" dirty="0"/>
-              <a:t>JS + HTML + CSS </a:t>
-            </a:r>
-            <a:r>
-              <a:rPr lang="de-DE" dirty="0">
-                <a:latin typeface="Arial"/>
+            <a:pPr>
+              <a:lnSpc>
+                <a:spcPct val="100000"/>
+              </a:lnSpc>
+              <a:spcBef>
+                <a:spcPts val="0"/>
+              </a:spcBef>
+              <a:buFont typeface="Consolas" panose="020B0609020204030204" pitchFamily="49" charset="0"/>
+              <a:buChar char="&gt;"/>
+            </a:pPr>
+            <a:r>
+              <a:rPr lang="de-DE" sz="2500" dirty="0">
+                <a:latin typeface="Consolas"/>
                 <a:ea typeface="+mn-lt"/>
                 <a:cs typeface="+mn-lt"/>
               </a:rPr>
-              <a:t>→</a:t>
-            </a:r>
-            <a:r>
-              <a:rPr lang="de-DE" dirty="0"/>
-              <a:t> klassische Web-Applikation</a:t>
-            </a:r>
-            <a:endParaRPr lang="de-DE"/>
-          </a:p>
-          <a:p>
-            <a:endParaRPr lang="de-DE">
-              <a:cs typeface="Calibri" panose="020F0502020204030204"/>
-            </a:endParaRPr>
-          </a:p>
-          <a:p>
-            <a:r>
-              <a:rPr lang="de-DE" dirty="0">
-                <a:cs typeface="Calibri" panose="020F0502020204030204"/>
-              </a:rPr>
-              <a:t>Verwendung von Frameworks</a:t>
-            </a:r>
-          </a:p>
-          <a:p>
-            <a:pPr marL="914400" lvl="2">
+              <a:t> </a:t>
+            </a:r>
+            <a:r>
+              <a:rPr lang="de-DE" sz="2500" dirty="0" err="1">
+                <a:solidFill>
+                  <a:srgbClr val="FF9900"/>
+                </a:solidFill>
+                <a:latin typeface="Consolas"/>
+                <a:ea typeface="+mn-lt"/>
+                <a:cs typeface="+mn-lt"/>
+              </a:rPr>
+              <a:t>let</a:t>
+            </a:r>
+            <a:r>
+              <a:rPr lang="de-DE" sz="2500" dirty="0">
+                <a:latin typeface="Consolas"/>
+                <a:ea typeface="+mn-lt"/>
+                <a:cs typeface="+mn-lt"/>
+              </a:rPr>
+              <a:t> </a:t>
+            </a:r>
+            <a:r>
+              <a:rPr lang="de-DE" sz="2500" dirty="0" err="1">
+                <a:solidFill>
+                  <a:schemeClr val="accent1"/>
+                </a:solidFill>
+                <a:latin typeface="Consolas"/>
+                <a:ea typeface="+mn-lt"/>
+                <a:cs typeface="+mn-lt"/>
+              </a:rPr>
+              <a:t>translate</a:t>
+            </a:r>
+            <a:r>
+              <a:rPr lang="de-DE" sz="2500" dirty="0">
+                <a:latin typeface="Consolas"/>
+                <a:ea typeface="+mn-lt"/>
+                <a:cs typeface="+mn-lt"/>
+              </a:rPr>
+              <a:t> = </a:t>
+            </a:r>
+            <a:r>
+              <a:rPr lang="de-DE" sz="2500" dirty="0" err="1">
+                <a:solidFill>
+                  <a:srgbClr val="FF9900"/>
+                </a:solidFill>
+                <a:latin typeface="Consolas"/>
+                <a:ea typeface="+mn-lt"/>
+                <a:cs typeface="+mn-lt"/>
+              </a:rPr>
+              <a:t>new</a:t>
+            </a:r>
+            <a:r>
+              <a:rPr lang="de-DE" sz="2500" dirty="0">
+                <a:latin typeface="Consolas"/>
+                <a:ea typeface="+mn-lt"/>
+                <a:cs typeface="+mn-lt"/>
+              </a:rPr>
+              <a:t> </a:t>
+            </a:r>
+            <a:r>
+              <a:rPr lang="de-DE" sz="2500" dirty="0" err="1">
+                <a:solidFill>
+                  <a:schemeClr val="accent1"/>
+                </a:solidFill>
+                <a:latin typeface="Consolas"/>
+                <a:ea typeface="+mn-lt"/>
+                <a:cs typeface="+mn-lt"/>
+              </a:rPr>
+              <a:t>AWS</a:t>
+            </a:r>
+            <a:r>
+              <a:rPr lang="de-DE" sz="2500" dirty="0" err="1">
+                <a:latin typeface="Consolas"/>
+                <a:ea typeface="+mn-lt"/>
+                <a:cs typeface="+mn-lt"/>
+              </a:rPr>
+              <a:t>.Translate</a:t>
+            </a:r>
+            <a:r>
+              <a:rPr lang="de-DE" sz="2500" dirty="0">
+                <a:latin typeface="Consolas"/>
+                <a:ea typeface="+mn-lt"/>
+                <a:cs typeface="+mn-lt"/>
+              </a:rPr>
+              <a:t>({</a:t>
+            </a:r>
+            <a:r>
+              <a:rPr lang="de-DE" sz="2500" dirty="0" err="1">
+                <a:latin typeface="Consolas"/>
+                <a:ea typeface="+mn-lt"/>
+                <a:cs typeface="+mn-lt"/>
+              </a:rPr>
+              <a:t>region</a:t>
+            </a:r>
+            <a:r>
+              <a:rPr lang="de-DE" sz="2500" dirty="0">
+                <a:latin typeface="Consolas"/>
+                <a:ea typeface="+mn-lt"/>
+                <a:cs typeface="+mn-lt"/>
+              </a:rPr>
+              <a:t>: 		</a:t>
+            </a:r>
+            <a:r>
+              <a:rPr lang="de-DE" sz="2500" dirty="0" err="1">
+                <a:solidFill>
+                  <a:schemeClr val="accent1"/>
+                </a:solidFill>
+                <a:latin typeface="Consolas"/>
+                <a:ea typeface="+mn-lt"/>
+                <a:cs typeface="+mn-lt"/>
+              </a:rPr>
+              <a:t>AWS</a:t>
+            </a:r>
+            <a:r>
+              <a:rPr lang="de-DE" sz="2500" dirty="0" err="1">
+                <a:latin typeface="Consolas"/>
+                <a:ea typeface="+mn-lt"/>
+                <a:cs typeface="+mn-lt"/>
+              </a:rPr>
+              <a:t>.config.region</a:t>
+            </a:r>
+            <a:r>
+              <a:rPr lang="de-DE" sz="2500" dirty="0">
+                <a:latin typeface="Consolas"/>
+                <a:ea typeface="+mn-lt"/>
+                <a:cs typeface="+mn-lt"/>
+              </a:rPr>
+              <a:t>});</a:t>
+            </a:r>
+          </a:p>
+          <a:p>
+            <a:pPr marL="0" indent="0">
+              <a:lnSpc>
+                <a:spcPct val="100000"/>
+              </a:lnSpc>
+              <a:spcBef>
+                <a:spcPts val="0"/>
+              </a:spcBef>
               <a:buNone/>
             </a:pPr>
-            <a:r>
-              <a:rPr lang="de-DE" sz="2300" dirty="0">
-                <a:cs typeface="Calibri" panose="020F0502020204030204"/>
-              </a:rPr>
-              <a:t>- </a:t>
-            </a:r>
-            <a:r>
-              <a:rPr lang="de-DE" sz="2300" dirty="0" err="1">
-                <a:cs typeface="Calibri" panose="020F0502020204030204"/>
-              </a:rPr>
-              <a:t>jQuery</a:t>
-            </a:r>
-            <a:r>
-              <a:rPr lang="de-DE" sz="2300" dirty="0">
-                <a:cs typeface="Calibri" panose="020F0502020204030204"/>
-              </a:rPr>
-              <a:t> </a:t>
-            </a:r>
-            <a:r>
-              <a:rPr lang="de-DE" sz="2300" dirty="0">
-                <a:latin typeface="Arial"/>
-                <a:ea typeface="+mn-lt"/>
-                <a:cs typeface="Arial"/>
-              </a:rPr>
-              <a:t>→</a:t>
-            </a:r>
-            <a:r>
-              <a:rPr lang="de-DE" sz="2300" dirty="0">
-                <a:cs typeface="Calibri" panose="020F0502020204030204"/>
-              </a:rPr>
-              <a:t> DOM Manipulation/Navigation</a:t>
-            </a:r>
-          </a:p>
-          <a:p>
-            <a:pPr marL="914400" lvl="2">
+            <a:endParaRPr lang="de-DE" sz="2500" dirty="0">
+              <a:latin typeface="Consolas"/>
+              <a:ea typeface="+mn-lt"/>
+              <a:cs typeface="+mn-lt"/>
+            </a:endParaRPr>
+          </a:p>
+          <a:p>
+            <a:pPr marL="0" indent="0">
+              <a:lnSpc>
+                <a:spcPct val="100000"/>
+              </a:lnSpc>
+              <a:spcBef>
+                <a:spcPts val="0"/>
+              </a:spcBef>
               <a:buNone/>
             </a:pPr>
-            <a:r>
-              <a:rPr lang="de-DE" sz="2300" dirty="0">
-                <a:cs typeface="Calibri" panose="020F0502020204030204"/>
-              </a:rPr>
-              <a:t>- </a:t>
-            </a:r>
-            <a:r>
-              <a:rPr lang="de-DE" sz="2300" dirty="0">
+            <a:endParaRPr lang="de-DE" sz="2500" dirty="0">
+              <a:latin typeface="Consolas"/>
+              <a:ea typeface="+mn-lt"/>
+              <a:cs typeface="+mn-lt"/>
+            </a:endParaRPr>
+          </a:p>
+          <a:p>
+            <a:pPr>
+              <a:lnSpc>
+                <a:spcPct val="100000"/>
+              </a:lnSpc>
+              <a:spcBef>
+                <a:spcPts val="0"/>
+              </a:spcBef>
+              <a:buFont typeface="Consolas" panose="020B0609020204030204" pitchFamily="49" charset="0"/>
+              <a:buChar char="&gt;"/>
+            </a:pPr>
+            <a:r>
+              <a:rPr lang="de-DE" sz="2500" dirty="0">
+                <a:latin typeface="Consolas"/>
                 <a:ea typeface="+mn-lt"/>
                 <a:cs typeface="+mn-lt"/>
               </a:rPr>
-              <a:t>Bootstrap </a:t>
-            </a:r>
-            <a:r>
-              <a:rPr lang="de-DE" sz="2300" dirty="0">
-                <a:latin typeface="Arial"/>
-                <a:ea typeface="+mn-lt"/>
-                <a:cs typeface="Arial"/>
-              </a:rPr>
-              <a:t>→</a:t>
-            </a:r>
-            <a:r>
-              <a:rPr lang="de-DE" sz="2300" dirty="0">
+              <a:t> </a:t>
+            </a:r>
+            <a:r>
+              <a:rPr lang="de-DE" sz="2500" dirty="0" err="1">
+                <a:solidFill>
+                  <a:srgbClr val="FF9900"/>
+                </a:solidFill>
+                <a:latin typeface="Consolas"/>
                 <a:ea typeface="+mn-lt"/>
                 <a:cs typeface="+mn-lt"/>
               </a:rPr>
-              <a:t> CSS</a:t>
-            </a:r>
-          </a:p>
-          <a:p>
-            <a:pPr marL="914400" lvl="2">
-              <a:buNone/>
-            </a:pPr>
-            <a:r>
-              <a:rPr lang="de-DE" sz="2300" dirty="0">
-                <a:cs typeface="Calibri" panose="020F0502020204030204"/>
-              </a:rPr>
-              <a:t>- AWS-SDK </a:t>
-            </a:r>
-            <a:r>
-              <a:rPr lang="de-DE" sz="2300" dirty="0">
-                <a:latin typeface="Arial"/>
-                <a:cs typeface="Arial"/>
-              </a:rPr>
-              <a:t>→</a:t>
-            </a:r>
-            <a:r>
-              <a:rPr lang="de-DE" sz="2300" dirty="0">
-                <a:cs typeface="Calibri" panose="020F0502020204030204"/>
-              </a:rPr>
-              <a:t> Integration von Polly + </a:t>
-            </a:r>
-            <a:r>
-              <a:rPr lang="de-DE" sz="2300" dirty="0" err="1">
-                <a:cs typeface="Calibri" panose="020F0502020204030204"/>
-              </a:rPr>
-              <a:t>Translate</a:t>
-            </a:r>
-            <a:endParaRPr lang="de-DE" sz="2300" dirty="0">
-              <a:cs typeface="Calibri" panose="020F0502020204030204"/>
-            </a:endParaRPr>
-          </a:p>
-          <a:p>
-            <a:pPr marL="0" indent="0">
-              <a:buNone/>
-            </a:pPr>
-            <a:endParaRPr lang="de-DE">
-              <a:cs typeface="Calibri" panose="020F0502020204030204"/>
-            </a:endParaRPr>
-          </a:p>
-          <a:p>
-            <a:endParaRPr lang="de-DE">
-              <a:cs typeface="Calibri" panose="020F0502020204030204"/>
+              <a:t>let</a:t>
+            </a:r>
+            <a:r>
+              <a:rPr lang="de-DE" sz="2500" dirty="0">
+                <a:latin typeface="Consolas"/>
+                <a:ea typeface="+mn-lt"/>
+                <a:cs typeface="+mn-lt"/>
+              </a:rPr>
+              <a:t> </a:t>
+            </a:r>
+            <a:r>
+              <a:rPr lang="de-DE" sz="2500" dirty="0" err="1">
+                <a:solidFill>
+                  <a:schemeClr val="accent1"/>
+                </a:solidFill>
+                <a:latin typeface="Consolas"/>
+                <a:ea typeface="+mn-lt"/>
+                <a:cs typeface="+mn-lt"/>
+              </a:rPr>
+              <a:t>polly</a:t>
+            </a:r>
+            <a:r>
+              <a:rPr lang="de-DE" sz="2500" dirty="0">
+                <a:latin typeface="Consolas"/>
+                <a:ea typeface="+mn-lt"/>
+                <a:cs typeface="+mn-lt"/>
+              </a:rPr>
+              <a:t> = </a:t>
+            </a:r>
+            <a:r>
+              <a:rPr lang="de-DE" sz="2500" dirty="0" err="1">
+                <a:solidFill>
+                  <a:srgbClr val="FF9900"/>
+                </a:solidFill>
+                <a:latin typeface="Consolas"/>
+                <a:ea typeface="+mn-lt"/>
+                <a:cs typeface="+mn-lt"/>
+              </a:rPr>
+              <a:t>new</a:t>
+            </a:r>
+            <a:r>
+              <a:rPr lang="de-DE" sz="2500" dirty="0">
+                <a:latin typeface="Consolas"/>
+                <a:ea typeface="+mn-lt"/>
+                <a:cs typeface="+mn-lt"/>
+              </a:rPr>
+              <a:t> </a:t>
+            </a:r>
+            <a:r>
+              <a:rPr lang="de-DE" sz="2500" dirty="0" err="1">
+                <a:solidFill>
+                  <a:schemeClr val="accent1"/>
+                </a:solidFill>
+                <a:latin typeface="Consolas"/>
+                <a:ea typeface="+mn-lt"/>
+                <a:cs typeface="+mn-lt"/>
+              </a:rPr>
+              <a:t>AWS</a:t>
+            </a:r>
+            <a:r>
+              <a:rPr lang="de-DE" sz="2500" dirty="0" err="1">
+                <a:latin typeface="Consolas"/>
+                <a:ea typeface="+mn-lt"/>
+                <a:cs typeface="+mn-lt"/>
+              </a:rPr>
+              <a:t>.Polly</a:t>
+            </a:r>
+            <a:r>
+              <a:rPr lang="de-DE" sz="2500" dirty="0">
+                <a:latin typeface="Consolas"/>
+                <a:ea typeface="+mn-lt"/>
+                <a:cs typeface="+mn-lt"/>
+              </a:rPr>
+              <a:t>();</a:t>
+            </a:r>
+            <a:endParaRPr lang="en-US" sz="2500" dirty="0">
+              <a:latin typeface="Consolas"/>
+              <a:ea typeface="+mn-lt"/>
+              <a:cs typeface="+mn-lt"/>
             </a:endParaRPr>
           </a:p>
         </p:txBody>
@@ -18465,7 +20396,7 @@
     </p:spTree>
     <p:extLst>
       <p:ext uri="{BB962C8B-B14F-4D97-AF65-F5344CB8AC3E}">
-        <p14:creationId xmlns:p14="http://schemas.microsoft.com/office/powerpoint/2010/main" val="416045410"/>
+        <p14:creationId xmlns:p14="http://schemas.microsoft.com/office/powerpoint/2010/main" val="1323032366"/>
       </p:ext>
     </p:extLst>
   </p:cSld>
@@ -18497,7 +20428,7 @@
           <p:cNvPr id="2" name="Title 1">
             <a:extLst>
               <a:ext uri="{FF2B5EF4-FFF2-40B4-BE49-F238E27FC236}">
-                <a16:creationId xmlns:a16="http://schemas.microsoft.com/office/drawing/2014/main" id="{93B2589E-BCD2-4E6D-837E-E8F8E5467F7E}"/>
+                <a16:creationId xmlns:a16="http://schemas.microsoft.com/office/drawing/2014/main" id="{0DBC8DC6-9CF5-4007-B595-198EC864EF88}"/>
               </a:ext>
             </a:extLst>
           </p:cNvPr>
@@ -18514,12 +20445,17 @@
           <a:lstStyle/>
           <a:p>
             <a:r>
-              <a:rPr lang="de-DE">
+              <a:rPr lang="en-US" err="1">
                 <a:cs typeface="Calibri Light"/>
               </a:rPr>
-              <a:t>Backend</a:t>
-            </a:r>
-            <a:endParaRPr lang="de-DE"/>
+              <a:t>Aufruf</a:t>
+            </a:r>
+            <a:r>
+              <a:rPr lang="en-US">
+                <a:cs typeface="Calibri Light"/>
+              </a:rPr>
+              <a:t> der API – Translate</a:t>
+            </a:r>
           </a:p>
         </p:txBody>
       </p:sp>
@@ -18528,7 +20464,7 @@
           <p:cNvPr id="3" name="Content Placeholder 2">
             <a:extLst>
               <a:ext uri="{FF2B5EF4-FFF2-40B4-BE49-F238E27FC236}">
-                <a16:creationId xmlns:a16="http://schemas.microsoft.com/office/drawing/2014/main" id="{2B01EBC1-287C-4ED3-97D3-642A2277FFDD}"/>
+                <a16:creationId xmlns:a16="http://schemas.microsoft.com/office/drawing/2014/main" id="{AE4B45A7-5127-4E65-B5AF-88943E508A67}"/>
               </a:ext>
             </a:extLst>
           </p:cNvPr>
@@ -18546,64 +20482,394 @@
           </a:bodyPr>
           <a:lstStyle/>
           <a:p>
-            <a:r>
-              <a:rPr lang="de-DE" dirty="0" err="1">
-                <a:cs typeface="Calibri"/>
-              </a:rPr>
-              <a:t>NodeJS</a:t>
-            </a:r>
-            <a:r>
-              <a:rPr lang="de-DE" dirty="0">
-                <a:cs typeface="Calibri"/>
-              </a:rPr>
-              <a:t> Server</a:t>
-            </a:r>
-          </a:p>
-          <a:p>
-            <a:endParaRPr lang="de-DE">
-              <a:cs typeface="Calibri"/>
+            <a:pPr>
+              <a:lnSpc>
+                <a:spcPct val="100000"/>
+              </a:lnSpc>
+              <a:spcBef>
+                <a:spcPts val="0"/>
+              </a:spcBef>
+              <a:buFont typeface="Consolas" panose="020B0609020204030204" pitchFamily="49" charset="0"/>
+              <a:buChar char="&gt;"/>
+            </a:pPr>
+            <a:r>
+              <a:rPr lang="de-DE" sz="2500" dirty="0">
+                <a:latin typeface="Consolas"/>
+                <a:ea typeface="+mn-lt"/>
+                <a:cs typeface="+mn-lt"/>
+              </a:rPr>
+              <a:t> </a:t>
+            </a:r>
+            <a:r>
+              <a:rPr lang="de-DE" sz="2500" dirty="0" err="1">
+                <a:solidFill>
+                  <a:srgbClr val="FF9900"/>
+                </a:solidFill>
+                <a:latin typeface="Consolas"/>
+                <a:ea typeface="+mn-lt"/>
+                <a:cs typeface="+mn-lt"/>
+              </a:rPr>
+              <a:t>let</a:t>
+            </a:r>
+            <a:r>
+              <a:rPr lang="de-DE" sz="2500" dirty="0">
+                <a:latin typeface="Consolas"/>
+                <a:ea typeface="+mn-lt"/>
+                <a:cs typeface="+mn-lt"/>
+              </a:rPr>
+              <a:t> </a:t>
+            </a:r>
+            <a:r>
+              <a:rPr lang="de-DE" sz="2500" dirty="0" err="1">
+                <a:solidFill>
+                  <a:schemeClr val="accent1"/>
+                </a:solidFill>
+                <a:latin typeface="Consolas"/>
+                <a:ea typeface="+mn-lt"/>
+                <a:cs typeface="+mn-lt"/>
+              </a:rPr>
+              <a:t>params</a:t>
+            </a:r>
+            <a:r>
+              <a:rPr lang="de-DE" sz="2500" dirty="0">
+                <a:latin typeface="Consolas"/>
+                <a:ea typeface="+mn-lt"/>
+                <a:cs typeface="+mn-lt"/>
+              </a:rPr>
+              <a:t> = {</a:t>
+            </a:r>
+            <a:br>
+              <a:rPr lang="en-US" sz="2500" dirty="0">
+                <a:latin typeface="Consolas"/>
+                <a:ea typeface="+mn-lt"/>
+                <a:cs typeface="+mn-lt"/>
+              </a:rPr>
+            </a:br>
+            <a:r>
+              <a:rPr lang="en-US" sz="2500" dirty="0">
+                <a:latin typeface="Consolas"/>
+                <a:ea typeface="+mn-lt"/>
+                <a:cs typeface="+mn-lt"/>
+              </a:rPr>
+              <a:t>	</a:t>
+            </a:r>
+            <a:r>
+              <a:rPr lang="de-DE" sz="2500" dirty="0">
+                <a:latin typeface="Consolas"/>
+                <a:ea typeface="+mn-lt"/>
+                <a:cs typeface="+mn-lt"/>
+              </a:rPr>
+              <a:t>Text: </a:t>
+            </a:r>
+            <a:r>
+              <a:rPr lang="de-DE" sz="2500" dirty="0" err="1">
+                <a:solidFill>
+                  <a:schemeClr val="accent1"/>
+                </a:solidFill>
+                <a:latin typeface="Consolas"/>
+                <a:ea typeface="+mn-lt"/>
+                <a:cs typeface="+mn-lt"/>
+              </a:rPr>
+              <a:t>inputText</a:t>
+            </a:r>
+            <a:r>
+              <a:rPr lang="de-DE" sz="2500" dirty="0">
+                <a:latin typeface="Consolas"/>
+                <a:ea typeface="+mn-lt"/>
+                <a:cs typeface="+mn-lt"/>
+              </a:rPr>
+              <a:t>,</a:t>
+            </a:r>
+            <a:endParaRPr lang="en-US" sz="2500" dirty="0">
+              <a:latin typeface="Consolas"/>
+              <a:ea typeface="+mn-lt"/>
+              <a:cs typeface="+mn-lt"/>
             </a:endParaRPr>
           </a:p>
           <a:p>
-            <a:r>
-              <a:rPr lang="de-DE" dirty="0">
-                <a:cs typeface="Calibri"/>
-              </a:rPr>
-              <a:t>Bereitstellung als Docker-Container</a:t>
-            </a:r>
-          </a:p>
-          <a:p>
-            <a:endParaRPr lang="de-DE">
-              <a:cs typeface="Calibri"/>
+            <a:pPr marL="457200" lvl="1" indent="0">
+              <a:lnSpc>
+                <a:spcPct val="100000"/>
+              </a:lnSpc>
+              <a:spcBef>
+                <a:spcPts val="0"/>
+              </a:spcBef>
+              <a:buNone/>
+            </a:pPr>
+            <a:r>
+              <a:rPr lang="de-DE" sz="2500" dirty="0">
+                <a:latin typeface="Consolas"/>
+                <a:ea typeface="+mn-lt"/>
+                <a:cs typeface="+mn-lt"/>
+              </a:rPr>
+              <a:t>	</a:t>
+            </a:r>
+            <a:r>
+              <a:rPr lang="de-DE" sz="2500" dirty="0" err="1">
+                <a:latin typeface="Consolas"/>
+                <a:ea typeface="+mn-lt"/>
+                <a:cs typeface="+mn-lt"/>
+              </a:rPr>
+              <a:t>SourceLanguageCode</a:t>
+            </a:r>
+            <a:r>
+              <a:rPr lang="de-DE" sz="2500" dirty="0">
+                <a:latin typeface="Consolas"/>
+                <a:ea typeface="+mn-lt"/>
+                <a:cs typeface="+mn-lt"/>
+              </a:rPr>
+              <a:t>: </a:t>
+            </a:r>
+            <a:r>
+              <a:rPr lang="de-DE" sz="2500" dirty="0" err="1">
+                <a:solidFill>
+                  <a:schemeClr val="accent1"/>
+                </a:solidFill>
+                <a:latin typeface="Consolas"/>
+                <a:ea typeface="+mn-lt"/>
+                <a:cs typeface="+mn-lt"/>
+              </a:rPr>
+              <a:t>sourceLanguageCode</a:t>
+            </a:r>
+            <a:r>
+              <a:rPr lang="de-DE" sz="2500" dirty="0">
+                <a:latin typeface="Consolas"/>
+                <a:ea typeface="+mn-lt"/>
+                <a:cs typeface="+mn-lt"/>
+              </a:rPr>
+              <a:t>,</a:t>
+            </a:r>
+            <a:endParaRPr lang="en-US" sz="2500" dirty="0">
+              <a:latin typeface="Consolas"/>
+              <a:ea typeface="+mn-lt"/>
+              <a:cs typeface="+mn-lt"/>
             </a:endParaRPr>
           </a:p>
           <a:p>
-            <a:r>
-              <a:rPr lang="de-DE" dirty="0">
-                <a:cs typeface="Calibri"/>
-              </a:rPr>
-              <a:t>Web-Server erstellt HTML </a:t>
-            </a:r>
-            <a:r>
-              <a:rPr lang="de-DE" dirty="0">
-                <a:latin typeface="Arial"/>
-                <a:cs typeface="Arial"/>
-              </a:rPr>
-              <a:t>→</a:t>
-            </a:r>
-            <a:r>
-              <a:rPr lang="de-DE" dirty="0">
-                <a:cs typeface="Calibri"/>
-              </a:rPr>
-              <a:t> Übertragung an Client</a:t>
-            </a:r>
+            <a:pPr marL="457200" lvl="1" indent="0">
+              <a:lnSpc>
+                <a:spcPct val="100000"/>
+              </a:lnSpc>
+              <a:spcBef>
+                <a:spcPts val="0"/>
+              </a:spcBef>
+              <a:buNone/>
+            </a:pPr>
+            <a:r>
+              <a:rPr lang="de-DE" sz="2500" dirty="0">
+                <a:latin typeface="Consolas"/>
+                <a:ea typeface="+mn-lt"/>
+                <a:cs typeface="+mn-lt"/>
+              </a:rPr>
+              <a:t>	</a:t>
+            </a:r>
+            <a:r>
+              <a:rPr lang="de-DE" sz="2500" dirty="0" err="1">
+                <a:latin typeface="Consolas"/>
+                <a:ea typeface="+mn-lt"/>
+                <a:cs typeface="+mn-lt"/>
+              </a:rPr>
+              <a:t>TargetLanguageCode</a:t>
+            </a:r>
+            <a:r>
+              <a:rPr lang="de-DE" sz="2500" dirty="0">
+                <a:latin typeface="Consolas"/>
+                <a:ea typeface="+mn-lt"/>
+                <a:cs typeface="+mn-lt"/>
+              </a:rPr>
+              <a:t>: </a:t>
+            </a:r>
+            <a:r>
+              <a:rPr lang="de-DE" sz="2500" dirty="0" err="1">
+                <a:solidFill>
+                  <a:schemeClr val="accent1"/>
+                </a:solidFill>
+                <a:latin typeface="Consolas"/>
+                <a:ea typeface="+mn-lt"/>
+                <a:cs typeface="+mn-lt"/>
+              </a:rPr>
+              <a:t>targetLanguageCode</a:t>
+            </a:r>
+            <a:endParaRPr lang="de-DE" sz="2500" dirty="0">
+              <a:solidFill>
+                <a:schemeClr val="accent1"/>
+              </a:solidFill>
+              <a:latin typeface="Consolas"/>
+              <a:ea typeface="+mn-lt"/>
+              <a:cs typeface="+mn-lt"/>
+            </a:endParaRPr>
+          </a:p>
+          <a:p>
+            <a:pPr marL="457200" lvl="1" indent="0">
+              <a:lnSpc>
+                <a:spcPct val="100000"/>
+              </a:lnSpc>
+              <a:spcBef>
+                <a:spcPts val="0"/>
+              </a:spcBef>
+              <a:buNone/>
+            </a:pPr>
+            <a:r>
+              <a:rPr lang="de-DE" sz="2500" dirty="0">
+                <a:latin typeface="Consolas"/>
+                <a:ea typeface="+mn-lt"/>
+                <a:cs typeface="+mn-lt"/>
+              </a:rPr>
+              <a:t>};</a:t>
+            </a:r>
+            <a:endParaRPr lang="en-US" sz="2500" dirty="0">
+              <a:latin typeface="Consolas"/>
+              <a:ea typeface="+mn-lt"/>
+              <a:cs typeface="+mn-lt"/>
+            </a:endParaRPr>
+          </a:p>
+          <a:p>
+            <a:pPr>
+              <a:lnSpc>
+                <a:spcPct val="100000"/>
+              </a:lnSpc>
+              <a:spcBef>
+                <a:spcPts val="0"/>
+              </a:spcBef>
+              <a:buFont typeface="Consolas" panose="020B0609020204030204" pitchFamily="49" charset="0"/>
+              <a:buChar char="&gt;"/>
+            </a:pPr>
+            <a:endParaRPr lang="de-DE" sz="2500" dirty="0">
+              <a:latin typeface="Consolas"/>
+              <a:ea typeface="+mn-lt"/>
+              <a:cs typeface="+mn-lt"/>
+            </a:endParaRPr>
+          </a:p>
+          <a:p>
+            <a:pPr>
+              <a:lnSpc>
+                <a:spcPct val="100000"/>
+              </a:lnSpc>
+              <a:spcBef>
+                <a:spcPts val="0"/>
+              </a:spcBef>
+              <a:buFont typeface="Consolas" panose="020B0609020204030204" pitchFamily="49" charset="0"/>
+              <a:buChar char="&gt;"/>
+            </a:pPr>
+            <a:endParaRPr lang="de-DE" sz="2500" dirty="0">
+              <a:latin typeface="Consolas"/>
+              <a:ea typeface="+mn-lt"/>
+              <a:cs typeface="+mn-lt"/>
+            </a:endParaRPr>
+          </a:p>
+          <a:p>
+            <a:pPr>
+              <a:lnSpc>
+                <a:spcPct val="100000"/>
+              </a:lnSpc>
+              <a:spcBef>
+                <a:spcPts val="0"/>
+              </a:spcBef>
+              <a:buFont typeface="Consolas" panose="020B0609020204030204" pitchFamily="49" charset="0"/>
+              <a:buChar char="&gt;"/>
+            </a:pPr>
+            <a:r>
+              <a:rPr lang="de-DE" sz="2500" dirty="0">
+                <a:latin typeface="Consolas"/>
+                <a:ea typeface="+mn-lt"/>
+                <a:cs typeface="+mn-lt"/>
+              </a:rPr>
+              <a:t> </a:t>
+            </a:r>
+            <a:r>
+              <a:rPr lang="de-DE" sz="2500" dirty="0" err="1">
+                <a:solidFill>
+                  <a:schemeClr val="accent1"/>
+                </a:solidFill>
+                <a:latin typeface="Consolas"/>
+                <a:ea typeface="+mn-lt"/>
+                <a:cs typeface="+mn-lt"/>
+              </a:rPr>
+              <a:t>translate</a:t>
+            </a:r>
+            <a:r>
+              <a:rPr lang="de-DE" sz="2500" dirty="0" err="1">
+                <a:latin typeface="Consolas"/>
+                <a:ea typeface="+mn-lt"/>
+                <a:cs typeface="+mn-lt"/>
+              </a:rPr>
+              <a:t>.translateText</a:t>
+            </a:r>
+            <a:r>
+              <a:rPr lang="de-DE" sz="2500" dirty="0">
+                <a:latin typeface="Consolas"/>
+                <a:ea typeface="+mn-lt"/>
+                <a:cs typeface="+mn-lt"/>
+              </a:rPr>
+              <a:t>(</a:t>
+            </a:r>
+            <a:r>
+              <a:rPr lang="de-DE" sz="2500" dirty="0" err="1">
+                <a:solidFill>
+                  <a:schemeClr val="accent1"/>
+                </a:solidFill>
+                <a:latin typeface="Consolas"/>
+                <a:ea typeface="+mn-lt"/>
+                <a:cs typeface="+mn-lt"/>
+              </a:rPr>
+              <a:t>params</a:t>
+            </a:r>
+            <a:r>
+              <a:rPr lang="de-DE" sz="2500" dirty="0">
+                <a:latin typeface="Consolas"/>
+                <a:ea typeface="+mn-lt"/>
+                <a:cs typeface="+mn-lt"/>
+              </a:rPr>
+              <a:t>, </a:t>
+            </a:r>
+            <a:r>
+              <a:rPr lang="de-DE" sz="2500" dirty="0" err="1">
+                <a:solidFill>
+                  <a:schemeClr val="bg1">
+                    <a:lumMod val="65000"/>
+                  </a:schemeClr>
+                </a:solidFill>
+                <a:latin typeface="Consolas"/>
+                <a:ea typeface="+mn-lt"/>
+                <a:cs typeface="+mn-lt"/>
+              </a:rPr>
+              <a:t>callback_function</a:t>
+            </a:r>
+            <a:r>
+              <a:rPr lang="de-DE" sz="2500" dirty="0">
+                <a:latin typeface="Consolas"/>
+                <a:ea typeface="+mn-lt"/>
+                <a:cs typeface="+mn-lt"/>
+              </a:rPr>
+              <a:t>)</a:t>
+            </a:r>
+            <a:endParaRPr lang="en-US" sz="2500" dirty="0">
+              <a:latin typeface="Consolas"/>
+              <a:ea typeface="+mn-lt"/>
+              <a:cs typeface="+mn-lt"/>
+            </a:endParaRPr>
+          </a:p>
+          <a:p>
+            <a:pPr>
+              <a:lnSpc>
+                <a:spcPct val="100000"/>
+              </a:lnSpc>
+              <a:spcBef>
+                <a:spcPts val="0"/>
+              </a:spcBef>
+            </a:pPr>
+            <a:endParaRPr lang="en-US" sz="2500" dirty="0">
+              <a:latin typeface="Consolas"/>
+              <a:ea typeface="+mn-lt"/>
+              <a:cs typeface="+mn-lt"/>
+            </a:endParaRPr>
           </a:p>
         </p:txBody>
       </p:sp>
     </p:spTree>
     <p:extLst>
       <p:ext uri="{BB962C8B-B14F-4D97-AF65-F5344CB8AC3E}">
-        <p14:creationId xmlns:p14="http://schemas.microsoft.com/office/powerpoint/2010/main" val="2789170540"/>
+        <p14:creationId xmlns:p14="http://schemas.microsoft.com/office/powerpoint/2010/main" val="3862442897"/>
       </p:ext>
     </p:extLst>
   </p:cSld>
